--- a/SAP_2017_16x9_black_and_white.pptx
+++ b/SAP_2017_16x9_black_and_white.pptx
@@ -5,32 +5,41 @@
     <p:sldMasterId id="2147483733" r:id="rId1"/>
   </p:sldMasterIdLst>
   <p:notesMasterIdLst>
-    <p:notesMasterId r:id="rId22"/>
+    <p:notesMasterId r:id="rId31"/>
   </p:notesMasterIdLst>
   <p:handoutMasterIdLst>
-    <p:handoutMasterId r:id="rId23"/>
+    <p:handoutMasterId r:id="rId32"/>
   </p:handoutMasterIdLst>
   <p:sldIdLst>
     <p:sldId id="434" r:id="rId2"/>
     <p:sldId id="344" r:id="rId3"/>
     <p:sldId id="416" r:id="rId4"/>
     <p:sldId id="435" r:id="rId5"/>
-    <p:sldId id="430" r:id="rId6"/>
-    <p:sldId id="429" r:id="rId7"/>
-    <p:sldId id="382" r:id="rId8"/>
-    <p:sldId id="388" r:id="rId9"/>
-    <p:sldId id="374" r:id="rId10"/>
-    <p:sldId id="380" r:id="rId11"/>
-    <p:sldId id="379" r:id="rId12"/>
-    <p:sldId id="394" r:id="rId13"/>
-    <p:sldId id="423" r:id="rId14"/>
-    <p:sldId id="387" r:id="rId15"/>
-    <p:sldId id="390" r:id="rId16"/>
-    <p:sldId id="420" r:id="rId17"/>
-    <p:sldId id="421" r:id="rId18"/>
-    <p:sldId id="422" r:id="rId19"/>
-    <p:sldId id="413" r:id="rId20"/>
-    <p:sldId id="265" r:id="rId21"/>
+    <p:sldId id="438" r:id="rId6"/>
+    <p:sldId id="437" r:id="rId7"/>
+    <p:sldId id="439" r:id="rId8"/>
+    <p:sldId id="447" r:id="rId9"/>
+    <p:sldId id="440" r:id="rId10"/>
+    <p:sldId id="441" r:id="rId11"/>
+    <p:sldId id="430" r:id="rId12"/>
+    <p:sldId id="382" r:id="rId13"/>
+    <p:sldId id="388" r:id="rId14"/>
+    <p:sldId id="442" r:id="rId15"/>
+    <p:sldId id="443" r:id="rId16"/>
+    <p:sldId id="446" r:id="rId17"/>
+    <p:sldId id="445" r:id="rId18"/>
+    <p:sldId id="374" r:id="rId19"/>
+    <p:sldId id="380" r:id="rId20"/>
+    <p:sldId id="379" r:id="rId21"/>
+    <p:sldId id="394" r:id="rId22"/>
+    <p:sldId id="423" r:id="rId23"/>
+    <p:sldId id="387" r:id="rId24"/>
+    <p:sldId id="390" r:id="rId25"/>
+    <p:sldId id="420" r:id="rId26"/>
+    <p:sldId id="421" r:id="rId27"/>
+    <p:sldId id="422" r:id="rId28"/>
+    <p:sldId id="413" r:id="rId29"/>
+    <p:sldId id="265" r:id="rId30"/>
   </p:sldIdLst>
   <p:sldSz cx="12195175" cy="6858000"/>
   <p:notesSz cx="6858000" cy="9144000"/>
@@ -206,6 +215,1640 @@
 </p:presentation>
 </file>
 
+<file path=ppt/revisionInfo.xml><?xml version="1.0" encoding="utf-8"?>
+<p1510:revInfo xmlns:a="http://schemas.openxmlformats.org/drawingml/2006/main" xmlns:r="http://schemas.openxmlformats.org/officeDocument/2006/relationships" xmlns:p1510="http://schemas.microsoft.com/office/powerpoint/2015/10/main"/>
+</file>
+
+<file path=ppt/charts/chart1.xml><?xml version="1.0" encoding="utf-8"?>
+<c:chartSpace xmlns:c="http://schemas.openxmlformats.org/drawingml/2006/chart" xmlns:a="http://schemas.openxmlformats.org/drawingml/2006/main" xmlns:r="http://schemas.openxmlformats.org/officeDocument/2006/relationships" xmlns:c16r2="http://schemas.microsoft.com/office/drawing/2015/06/chart">
+  <c:date1904 val="0"/>
+  <c:lang val="en-US"/>
+  <c:roundedCorners val="0"/>
+  <mc:AlternateContent xmlns:mc="http://schemas.openxmlformats.org/markup-compatibility/2006">
+    <mc:Choice xmlns:c14="http://schemas.microsoft.com/office/drawing/2007/8/2/chart" Requires="c14">
+      <c14:style val="102"/>
+    </mc:Choice>
+    <mc:Fallback>
+      <c:style val="2"/>
+    </mc:Fallback>
+  </mc:AlternateContent>
+  <c:chart>
+    <c:title>
+      <c:overlay val="0"/>
+      <c:spPr>
+        <a:noFill/>
+        <a:ln>
+          <a:noFill/>
+        </a:ln>
+        <a:effectLst/>
+      </c:spPr>
+      <c:txPr>
+        <a:bodyPr rot="0" spcFirstLastPara="1" vertOverflow="ellipsis" vert="horz" wrap="square" anchor="ctr" anchorCtr="1"/>
+        <a:lstStyle/>
+        <a:p>
+          <a:pPr>
+            <a:defRPr sz="1862" b="0" i="0" u="none" strike="noStrike" kern="1200" spc="0" baseline="0">
+              <a:solidFill>
+                <a:schemeClr val="tx1">
+                  <a:lumMod val="65000"/>
+                  <a:lumOff val="35000"/>
+                </a:schemeClr>
+              </a:solidFill>
+              <a:latin typeface="+mn-lt"/>
+              <a:ea typeface="+mn-ea"/>
+              <a:cs typeface="+mn-cs"/>
+            </a:defRPr>
+          </a:pPr>
+          <a:endParaRPr lang="en-US"/>
+        </a:p>
+      </c:txPr>
+    </c:title>
+    <c:autoTitleDeleted val="0"/>
+    <c:plotArea>
+      <c:layout/>
+      <c:pieChart>
+        <c:varyColors val="1"/>
+        <c:ser>
+          <c:idx val="0"/>
+          <c:order val="0"/>
+          <c:tx>
+            <c:strRef>
+              <c:f>Sheet1!$B$1</c:f>
+              <c:strCache>
+                <c:ptCount val="1"/>
+                <c:pt idx="0">
+                  <c:v>Engineer-Oriented</c:v>
+                </c:pt>
+              </c:strCache>
+            </c:strRef>
+          </c:tx>
+          <c:dPt>
+            <c:idx val="0"/>
+            <c:bubble3D val="0"/>
+            <c:spPr>
+              <a:solidFill>
+                <a:schemeClr val="accent1"/>
+              </a:solidFill>
+              <a:ln w="19050">
+                <a:solidFill>
+                  <a:schemeClr val="lt1"/>
+                </a:solidFill>
+              </a:ln>
+              <a:effectLst/>
+            </c:spPr>
+            <c:extLst>
+              <c:ext xmlns:c16="http://schemas.microsoft.com/office/drawing/2014/chart" uri="{C3380CC4-5D6E-409C-BE32-E72D297353CC}">
+                <c16:uniqueId val="{00000001-548A-47BF-A79E-B9EDD87336E3}"/>
+              </c:ext>
+            </c:extLst>
+          </c:dPt>
+          <c:dPt>
+            <c:idx val="1"/>
+            <c:bubble3D val="0"/>
+            <c:spPr>
+              <a:solidFill>
+                <a:schemeClr val="accent2"/>
+              </a:solidFill>
+              <a:ln w="19050">
+                <a:solidFill>
+                  <a:schemeClr val="lt1"/>
+                </a:solidFill>
+              </a:ln>
+              <a:effectLst/>
+            </c:spPr>
+            <c:extLst>
+              <c:ext xmlns:c16="http://schemas.microsoft.com/office/drawing/2014/chart" uri="{C3380CC4-5D6E-409C-BE32-E72D297353CC}">
+                <c16:uniqueId val="{00000003-548A-47BF-A79E-B9EDD87336E3}"/>
+              </c:ext>
+            </c:extLst>
+          </c:dPt>
+          <c:dPt>
+            <c:idx val="2"/>
+            <c:bubble3D val="0"/>
+            <c:spPr>
+              <a:solidFill>
+                <a:schemeClr val="accent3"/>
+              </a:solidFill>
+              <a:ln w="19050">
+                <a:solidFill>
+                  <a:schemeClr val="lt1"/>
+                </a:solidFill>
+              </a:ln>
+              <a:effectLst/>
+            </c:spPr>
+            <c:extLst>
+              <c:ext xmlns:c16="http://schemas.microsoft.com/office/drawing/2014/chart" uri="{C3380CC4-5D6E-409C-BE32-E72D297353CC}">
+                <c16:uniqueId val="{00000005-548A-47BF-A79E-B9EDD87336E3}"/>
+              </c:ext>
+            </c:extLst>
+          </c:dPt>
+          <c:dPt>
+            <c:idx val="3"/>
+            <c:bubble3D val="0"/>
+            <c:spPr>
+              <a:solidFill>
+                <a:schemeClr val="accent4"/>
+              </a:solidFill>
+              <a:ln w="19050">
+                <a:solidFill>
+                  <a:schemeClr val="lt1"/>
+                </a:solidFill>
+              </a:ln>
+              <a:effectLst/>
+            </c:spPr>
+            <c:extLst>
+              <c:ext xmlns:c16="http://schemas.microsoft.com/office/drawing/2014/chart" uri="{C3380CC4-5D6E-409C-BE32-E72D297353CC}">
+                <c16:uniqueId val="{00000007-548A-47BF-A79E-B9EDD87336E3}"/>
+              </c:ext>
+            </c:extLst>
+          </c:dPt>
+          <c:cat>
+            <c:numRef>
+              <c:f>Sheet1!$A$2:$A$5</c:f>
+              <c:numCache>
+                <c:formatCode>General</c:formatCode>
+                <c:ptCount val="4"/>
+              </c:numCache>
+            </c:numRef>
+          </c:cat>
+          <c:val>
+            <c:numRef>
+              <c:f>Sheet1!$B$2:$B$5</c:f>
+              <c:numCache>
+                <c:formatCode>General</c:formatCode>
+                <c:ptCount val="4"/>
+                <c:pt idx="0">
+                  <c:v>25</c:v>
+                </c:pt>
+                <c:pt idx="1">
+                  <c:v>25</c:v>
+                </c:pt>
+                <c:pt idx="2">
+                  <c:v>25</c:v>
+                </c:pt>
+                <c:pt idx="3">
+                  <c:v>25</c:v>
+                </c:pt>
+              </c:numCache>
+            </c:numRef>
+          </c:val>
+          <c:extLst>
+            <c:ext xmlns:c16="http://schemas.microsoft.com/office/drawing/2014/chart" uri="{C3380CC4-5D6E-409C-BE32-E72D297353CC}">
+              <c16:uniqueId val="{00000000-B952-4802-B4B1-BCED6F344937}"/>
+            </c:ext>
+          </c:extLst>
+        </c:ser>
+        <c:dLbls>
+          <c:showLegendKey val="0"/>
+          <c:showVal val="0"/>
+          <c:showCatName val="0"/>
+          <c:showSerName val="0"/>
+          <c:showPercent val="0"/>
+          <c:showBubbleSize val="0"/>
+          <c:showLeaderLines val="1"/>
+        </c:dLbls>
+        <c:firstSliceAng val="0"/>
+      </c:pieChart>
+      <c:spPr>
+        <a:noFill/>
+        <a:ln>
+          <a:noFill/>
+        </a:ln>
+        <a:effectLst/>
+      </c:spPr>
+    </c:plotArea>
+    <c:legend>
+      <c:legendPos val="b"/>
+      <c:overlay val="0"/>
+      <c:spPr>
+        <a:noFill/>
+        <a:ln>
+          <a:noFill/>
+        </a:ln>
+        <a:effectLst/>
+      </c:spPr>
+      <c:txPr>
+        <a:bodyPr rot="0" spcFirstLastPara="1" vertOverflow="ellipsis" vert="horz" wrap="square" anchor="ctr" anchorCtr="1"/>
+        <a:lstStyle/>
+        <a:p>
+          <a:pPr>
+            <a:defRPr sz="1197" b="0" i="0" u="none" strike="noStrike" kern="1200" baseline="0">
+              <a:solidFill>
+                <a:schemeClr val="tx1">
+                  <a:lumMod val="65000"/>
+                  <a:lumOff val="35000"/>
+                </a:schemeClr>
+              </a:solidFill>
+              <a:latin typeface="+mn-lt"/>
+              <a:ea typeface="+mn-ea"/>
+              <a:cs typeface="+mn-cs"/>
+            </a:defRPr>
+          </a:pPr>
+          <a:endParaRPr lang="en-US"/>
+        </a:p>
+      </c:txPr>
+    </c:legend>
+    <c:plotVisOnly val="1"/>
+    <c:dispBlanksAs val="gap"/>
+    <c:showDLblsOverMax val="0"/>
+  </c:chart>
+  <c:spPr>
+    <a:noFill/>
+    <a:ln>
+      <a:noFill/>
+    </a:ln>
+    <a:effectLst/>
+  </c:spPr>
+  <c:txPr>
+    <a:bodyPr/>
+    <a:lstStyle/>
+    <a:p>
+      <a:pPr>
+        <a:defRPr/>
+      </a:pPr>
+      <a:endParaRPr lang="en-US"/>
+    </a:p>
+  </c:txPr>
+  <c:externalData r:id="rId3">
+    <c:autoUpdate val="0"/>
+  </c:externalData>
+</c:chartSpace>
+</file>
+
+<file path=ppt/charts/chart2.xml><?xml version="1.0" encoding="utf-8"?>
+<c:chartSpace xmlns:c="http://schemas.openxmlformats.org/drawingml/2006/chart" xmlns:a="http://schemas.openxmlformats.org/drawingml/2006/main" xmlns:r="http://schemas.openxmlformats.org/officeDocument/2006/relationships" xmlns:c16r2="http://schemas.microsoft.com/office/drawing/2015/06/chart">
+  <c:date1904 val="0"/>
+  <c:lang val="en-US"/>
+  <c:roundedCorners val="0"/>
+  <mc:AlternateContent xmlns:mc="http://schemas.openxmlformats.org/markup-compatibility/2006">
+    <mc:Choice xmlns:c14="http://schemas.microsoft.com/office/drawing/2007/8/2/chart" Requires="c14">
+      <c14:style val="102"/>
+    </mc:Choice>
+    <mc:Fallback>
+      <c:style val="2"/>
+    </mc:Fallback>
+  </mc:AlternateContent>
+  <c:chart>
+    <c:title>
+      <c:overlay val="0"/>
+      <c:spPr>
+        <a:noFill/>
+        <a:ln>
+          <a:noFill/>
+        </a:ln>
+        <a:effectLst/>
+      </c:spPr>
+      <c:txPr>
+        <a:bodyPr rot="0" spcFirstLastPara="1" vertOverflow="ellipsis" vert="horz" wrap="square" anchor="ctr" anchorCtr="1"/>
+        <a:lstStyle/>
+        <a:p>
+          <a:pPr>
+            <a:defRPr sz="1862" b="0" i="0" u="none" strike="noStrike" kern="1200" spc="0" baseline="0">
+              <a:solidFill>
+                <a:schemeClr val="tx1">
+                  <a:lumMod val="65000"/>
+                  <a:lumOff val="35000"/>
+                </a:schemeClr>
+              </a:solidFill>
+              <a:latin typeface="+mn-lt"/>
+              <a:ea typeface="+mn-ea"/>
+              <a:cs typeface="+mn-cs"/>
+            </a:defRPr>
+          </a:pPr>
+          <a:endParaRPr lang="en-US"/>
+        </a:p>
+      </c:txPr>
+    </c:title>
+    <c:autoTitleDeleted val="0"/>
+    <c:plotArea>
+      <c:layout/>
+      <c:pieChart>
+        <c:varyColors val="1"/>
+        <c:ser>
+          <c:idx val="0"/>
+          <c:order val="0"/>
+          <c:tx>
+            <c:strRef>
+              <c:f>Sheet1!$B$1</c:f>
+              <c:strCache>
+                <c:ptCount val="1"/>
+                <c:pt idx="0">
+                  <c:v>Engineer-Oriented</c:v>
+                </c:pt>
+              </c:strCache>
+            </c:strRef>
+          </c:tx>
+          <c:dPt>
+            <c:idx val="0"/>
+            <c:bubble3D val="0"/>
+            <c:spPr>
+              <a:solidFill>
+                <a:schemeClr val="accent1"/>
+              </a:solidFill>
+              <a:ln w="19050">
+                <a:solidFill>
+                  <a:schemeClr val="lt1"/>
+                </a:solidFill>
+              </a:ln>
+              <a:effectLst/>
+            </c:spPr>
+            <c:extLst>
+              <c:ext xmlns:c16="http://schemas.microsoft.com/office/drawing/2014/chart" uri="{C3380CC4-5D6E-409C-BE32-E72D297353CC}">
+                <c16:uniqueId val="{00000001-EF0E-4771-BCAE-03BCA352BDFA}"/>
+              </c:ext>
+            </c:extLst>
+          </c:dPt>
+          <c:dPt>
+            <c:idx val="1"/>
+            <c:bubble3D val="0"/>
+            <c:spPr>
+              <a:solidFill>
+                <a:schemeClr val="accent2"/>
+              </a:solidFill>
+              <a:ln w="19050">
+                <a:solidFill>
+                  <a:schemeClr val="lt1"/>
+                </a:solidFill>
+              </a:ln>
+              <a:effectLst/>
+            </c:spPr>
+            <c:extLst>
+              <c:ext xmlns:c16="http://schemas.microsoft.com/office/drawing/2014/chart" uri="{C3380CC4-5D6E-409C-BE32-E72D297353CC}">
+                <c16:uniqueId val="{00000003-EF0E-4771-BCAE-03BCA352BDFA}"/>
+              </c:ext>
+            </c:extLst>
+          </c:dPt>
+          <c:dPt>
+            <c:idx val="2"/>
+            <c:bubble3D val="0"/>
+            <c:spPr>
+              <a:solidFill>
+                <a:schemeClr val="accent3"/>
+              </a:solidFill>
+              <a:ln w="19050">
+                <a:solidFill>
+                  <a:schemeClr val="lt1"/>
+                </a:solidFill>
+              </a:ln>
+              <a:effectLst/>
+            </c:spPr>
+            <c:extLst>
+              <c:ext xmlns:c16="http://schemas.microsoft.com/office/drawing/2014/chart" uri="{C3380CC4-5D6E-409C-BE32-E72D297353CC}">
+                <c16:uniqueId val="{00000005-EF0E-4771-BCAE-03BCA352BDFA}"/>
+              </c:ext>
+            </c:extLst>
+          </c:dPt>
+          <c:dPt>
+            <c:idx val="3"/>
+            <c:bubble3D val="0"/>
+            <c:spPr>
+              <a:solidFill>
+                <a:schemeClr val="accent4"/>
+              </a:solidFill>
+              <a:ln w="19050">
+                <a:solidFill>
+                  <a:schemeClr val="lt1"/>
+                </a:solidFill>
+              </a:ln>
+              <a:effectLst/>
+            </c:spPr>
+            <c:extLst>
+              <c:ext xmlns:c16="http://schemas.microsoft.com/office/drawing/2014/chart" uri="{C3380CC4-5D6E-409C-BE32-E72D297353CC}">
+                <c16:uniqueId val="{00000007-EF0E-4771-BCAE-03BCA352BDFA}"/>
+              </c:ext>
+            </c:extLst>
+          </c:dPt>
+          <c:cat>
+            <c:numRef>
+              <c:f>Sheet1!$A$2:$A$5</c:f>
+              <c:numCache>
+                <c:formatCode>General</c:formatCode>
+                <c:ptCount val="4"/>
+              </c:numCache>
+            </c:numRef>
+          </c:cat>
+          <c:val>
+            <c:numRef>
+              <c:f>Sheet1!$B$2:$B$5</c:f>
+              <c:numCache>
+                <c:formatCode>General</c:formatCode>
+                <c:ptCount val="4"/>
+                <c:pt idx="0">
+                  <c:v>25</c:v>
+                </c:pt>
+                <c:pt idx="1">
+                  <c:v>25</c:v>
+                </c:pt>
+                <c:pt idx="2">
+                  <c:v>25</c:v>
+                </c:pt>
+                <c:pt idx="3">
+                  <c:v>25</c:v>
+                </c:pt>
+              </c:numCache>
+            </c:numRef>
+          </c:val>
+          <c:extLst>
+            <c:ext xmlns:c16="http://schemas.microsoft.com/office/drawing/2014/chart" uri="{C3380CC4-5D6E-409C-BE32-E72D297353CC}">
+              <c16:uniqueId val="{00000008-EF0E-4771-BCAE-03BCA352BDFA}"/>
+            </c:ext>
+          </c:extLst>
+        </c:ser>
+        <c:dLbls>
+          <c:showLegendKey val="0"/>
+          <c:showVal val="0"/>
+          <c:showCatName val="0"/>
+          <c:showSerName val="0"/>
+          <c:showPercent val="0"/>
+          <c:showBubbleSize val="0"/>
+          <c:showLeaderLines val="1"/>
+        </c:dLbls>
+        <c:firstSliceAng val="0"/>
+      </c:pieChart>
+      <c:spPr>
+        <a:noFill/>
+        <a:ln>
+          <a:noFill/>
+        </a:ln>
+        <a:effectLst/>
+      </c:spPr>
+    </c:plotArea>
+    <c:legend>
+      <c:legendPos val="b"/>
+      <c:overlay val="0"/>
+      <c:spPr>
+        <a:noFill/>
+        <a:ln>
+          <a:noFill/>
+        </a:ln>
+        <a:effectLst/>
+      </c:spPr>
+      <c:txPr>
+        <a:bodyPr rot="0" spcFirstLastPara="1" vertOverflow="ellipsis" vert="horz" wrap="square" anchor="ctr" anchorCtr="1"/>
+        <a:lstStyle/>
+        <a:p>
+          <a:pPr>
+            <a:defRPr sz="1197" b="0" i="0" u="none" strike="noStrike" kern="1200" baseline="0">
+              <a:solidFill>
+                <a:schemeClr val="tx1">
+                  <a:lumMod val="65000"/>
+                  <a:lumOff val="35000"/>
+                </a:schemeClr>
+              </a:solidFill>
+              <a:latin typeface="+mn-lt"/>
+              <a:ea typeface="+mn-ea"/>
+              <a:cs typeface="+mn-cs"/>
+            </a:defRPr>
+          </a:pPr>
+          <a:endParaRPr lang="en-US"/>
+        </a:p>
+      </c:txPr>
+    </c:legend>
+    <c:plotVisOnly val="1"/>
+    <c:dispBlanksAs val="gap"/>
+    <c:showDLblsOverMax val="0"/>
+  </c:chart>
+  <c:spPr>
+    <a:noFill/>
+    <a:ln>
+      <a:noFill/>
+    </a:ln>
+    <a:effectLst/>
+  </c:spPr>
+  <c:txPr>
+    <a:bodyPr/>
+    <a:lstStyle/>
+    <a:p>
+      <a:pPr>
+        <a:defRPr/>
+      </a:pPr>
+      <a:endParaRPr lang="en-US"/>
+    </a:p>
+  </c:txPr>
+  <c:externalData r:id="rId3">
+    <c:autoUpdate val="0"/>
+  </c:externalData>
+</c:chartSpace>
+</file>
+
+<file path=ppt/charts/colors1.xml><?xml version="1.0" encoding="utf-8"?>
+<cs:colorStyle xmlns:cs="http://schemas.microsoft.com/office/drawing/2012/chartStyle" xmlns:a="http://schemas.openxmlformats.org/drawingml/2006/main" meth="cycle" id="10">
+  <a:schemeClr val="accent1"/>
+  <a:schemeClr val="accent2"/>
+  <a:schemeClr val="accent3"/>
+  <a:schemeClr val="accent4"/>
+  <a:schemeClr val="accent5"/>
+  <a:schemeClr val="accent6"/>
+  <cs:variation/>
+  <cs:variation>
+    <a:lumMod val="60000"/>
+  </cs:variation>
+  <cs:variation>
+    <a:lumMod val="80000"/>
+    <a:lumOff val="20000"/>
+  </cs:variation>
+  <cs:variation>
+    <a:lumMod val="80000"/>
+  </cs:variation>
+  <cs:variation>
+    <a:lumMod val="60000"/>
+    <a:lumOff val="40000"/>
+  </cs:variation>
+  <cs:variation>
+    <a:lumMod val="50000"/>
+  </cs:variation>
+  <cs:variation>
+    <a:lumMod val="70000"/>
+    <a:lumOff val="30000"/>
+  </cs:variation>
+  <cs:variation>
+    <a:lumMod val="70000"/>
+  </cs:variation>
+  <cs:variation>
+    <a:lumMod val="50000"/>
+    <a:lumOff val="50000"/>
+  </cs:variation>
+</cs:colorStyle>
+</file>
+
+<file path=ppt/charts/colors2.xml><?xml version="1.0" encoding="utf-8"?>
+<cs:colorStyle xmlns:cs="http://schemas.microsoft.com/office/drawing/2012/chartStyle" xmlns:a="http://schemas.openxmlformats.org/drawingml/2006/main" meth="cycle" id="10">
+  <a:schemeClr val="accent1"/>
+  <a:schemeClr val="accent2"/>
+  <a:schemeClr val="accent3"/>
+  <a:schemeClr val="accent4"/>
+  <a:schemeClr val="accent5"/>
+  <a:schemeClr val="accent6"/>
+  <cs:variation/>
+  <cs:variation>
+    <a:lumMod val="60000"/>
+  </cs:variation>
+  <cs:variation>
+    <a:lumMod val="80000"/>
+    <a:lumOff val="20000"/>
+  </cs:variation>
+  <cs:variation>
+    <a:lumMod val="80000"/>
+  </cs:variation>
+  <cs:variation>
+    <a:lumMod val="60000"/>
+    <a:lumOff val="40000"/>
+  </cs:variation>
+  <cs:variation>
+    <a:lumMod val="50000"/>
+  </cs:variation>
+  <cs:variation>
+    <a:lumMod val="70000"/>
+    <a:lumOff val="30000"/>
+  </cs:variation>
+  <cs:variation>
+    <a:lumMod val="70000"/>
+  </cs:variation>
+  <cs:variation>
+    <a:lumMod val="50000"/>
+    <a:lumOff val="50000"/>
+  </cs:variation>
+</cs:colorStyle>
+</file>
+
+<file path=ppt/charts/style1.xml><?xml version="1.0" encoding="utf-8"?>
+<cs:chartStyle xmlns:cs="http://schemas.microsoft.com/office/drawing/2012/chartStyle" xmlns:a="http://schemas.openxmlformats.org/drawingml/2006/main" id="251">
+  <cs:axisTitle>
+    <cs:lnRef idx="0"/>
+    <cs:fillRef idx="0"/>
+    <cs:effectRef idx="0"/>
+    <cs:fontRef idx="minor">
+      <a:schemeClr val="tx1">
+        <a:lumMod val="65000"/>
+        <a:lumOff val="35000"/>
+      </a:schemeClr>
+    </cs:fontRef>
+    <cs:defRPr sz="1330" kern="1200"/>
+  </cs:axisTitle>
+  <cs:categoryAxis>
+    <cs:lnRef idx="0"/>
+    <cs:fillRef idx="0"/>
+    <cs:effectRef idx="0"/>
+    <cs:fontRef idx="minor">
+      <a:schemeClr val="tx1">
+        <a:lumMod val="65000"/>
+        <a:lumOff val="35000"/>
+      </a:schemeClr>
+    </cs:fontRef>
+    <cs:spPr>
+      <a:ln w="9525" cap="flat" cmpd="sng" algn="ctr">
+        <a:solidFill>
+          <a:schemeClr val="tx1">
+            <a:lumMod val="15000"/>
+            <a:lumOff val="85000"/>
+          </a:schemeClr>
+        </a:solidFill>
+        <a:round/>
+      </a:ln>
+    </cs:spPr>
+    <cs:defRPr sz="1197" kern="1200"/>
+  </cs:categoryAxis>
+  <cs:chartArea mods="allowNoFillOverride allowNoLineOverride">
+    <cs:lnRef idx="0"/>
+    <cs:fillRef idx="0"/>
+    <cs:effectRef idx="0"/>
+    <cs:fontRef idx="minor">
+      <a:schemeClr val="tx1"/>
+    </cs:fontRef>
+    <cs:spPr>
+      <a:solidFill>
+        <a:schemeClr val="bg1"/>
+      </a:solidFill>
+      <a:ln w="9525" cap="flat" cmpd="sng" algn="ctr">
+        <a:solidFill>
+          <a:schemeClr val="tx1">
+            <a:lumMod val="15000"/>
+            <a:lumOff val="85000"/>
+          </a:schemeClr>
+        </a:solidFill>
+        <a:round/>
+      </a:ln>
+    </cs:spPr>
+    <cs:defRPr sz="1197" kern="1200"/>
+  </cs:chartArea>
+  <cs:dataLabel>
+    <cs:lnRef idx="0"/>
+    <cs:fillRef idx="0"/>
+    <cs:effectRef idx="0"/>
+    <cs:fontRef idx="minor">
+      <a:schemeClr val="tx1">
+        <a:lumMod val="75000"/>
+        <a:lumOff val="25000"/>
+      </a:schemeClr>
+    </cs:fontRef>
+    <cs:defRPr sz="1197" kern="1200"/>
+  </cs:dataLabel>
+  <cs:dataLabelCallout>
+    <cs:lnRef idx="0"/>
+    <cs:fillRef idx="0"/>
+    <cs:effectRef idx="0"/>
+    <cs:fontRef idx="minor">
+      <a:schemeClr val="dk1">
+        <a:lumMod val="65000"/>
+        <a:lumOff val="35000"/>
+      </a:schemeClr>
+    </cs:fontRef>
+    <cs:spPr>
+      <a:solidFill>
+        <a:schemeClr val="lt1"/>
+      </a:solidFill>
+      <a:ln>
+        <a:solidFill>
+          <a:schemeClr val="dk1">
+            <a:lumMod val="25000"/>
+            <a:lumOff val="75000"/>
+          </a:schemeClr>
+        </a:solidFill>
+      </a:ln>
+    </cs:spPr>
+    <cs:defRPr sz="1197" kern="1200"/>
+    <cs:bodyPr rot="0" spcFirstLastPara="1" vertOverflow="clip" horzOverflow="clip" vert="horz" wrap="square" lIns="36576" tIns="18288" rIns="36576" bIns="18288" anchor="ctr" anchorCtr="1">
+      <a:spAutoFit/>
+    </cs:bodyPr>
+  </cs:dataLabelCallout>
+  <cs:dataPoint>
+    <cs:lnRef idx="0"/>
+    <cs:fillRef idx="1">
+      <cs:styleClr val="auto"/>
+    </cs:fillRef>
+    <cs:effectRef idx="0"/>
+    <cs:fontRef idx="minor">
+      <a:schemeClr val="tx1"/>
+    </cs:fontRef>
+    <cs:spPr>
+      <a:ln w="19050">
+        <a:solidFill>
+          <a:schemeClr val="lt1"/>
+        </a:solidFill>
+      </a:ln>
+    </cs:spPr>
+  </cs:dataPoint>
+  <cs:dataPoint3D>
+    <cs:lnRef idx="0"/>
+    <cs:fillRef idx="1">
+      <cs:styleClr val="auto"/>
+    </cs:fillRef>
+    <cs:effectRef idx="0"/>
+    <cs:fontRef idx="minor">
+      <a:schemeClr val="tx1"/>
+    </cs:fontRef>
+    <cs:spPr>
+      <a:ln w="25400">
+        <a:solidFill>
+          <a:schemeClr val="lt1"/>
+        </a:solidFill>
+      </a:ln>
+    </cs:spPr>
+  </cs:dataPoint3D>
+  <cs:dataPointLine>
+    <cs:lnRef idx="0">
+      <cs:styleClr val="auto"/>
+    </cs:lnRef>
+    <cs:fillRef idx="0"/>
+    <cs:effectRef idx="0"/>
+    <cs:fontRef idx="minor">
+      <a:schemeClr val="tx1"/>
+    </cs:fontRef>
+    <cs:spPr>
+      <a:ln w="28575" cap="rnd">
+        <a:solidFill>
+          <a:schemeClr val="phClr"/>
+        </a:solidFill>
+        <a:round/>
+      </a:ln>
+    </cs:spPr>
+  </cs:dataPointLine>
+  <cs:dataPointMarker>
+    <cs:lnRef idx="0">
+      <cs:styleClr val="auto"/>
+    </cs:lnRef>
+    <cs:fillRef idx="1">
+      <cs:styleClr val="auto"/>
+    </cs:fillRef>
+    <cs:effectRef idx="0"/>
+    <cs:fontRef idx="minor">
+      <a:schemeClr val="tx1"/>
+    </cs:fontRef>
+    <cs:spPr>
+      <a:ln w="9525">
+        <a:solidFill>
+          <a:schemeClr val="phClr"/>
+        </a:solidFill>
+      </a:ln>
+    </cs:spPr>
+  </cs:dataPointMarker>
+  <cs:dataPointMarkerLayout symbol="circle" size="5"/>
+  <cs:dataPointWireframe>
+    <cs:lnRef idx="0">
+      <cs:styleClr val="auto"/>
+    </cs:lnRef>
+    <cs:fillRef idx="0"/>
+    <cs:effectRef idx="0"/>
+    <cs:fontRef idx="minor">
+      <a:schemeClr val="tx1"/>
+    </cs:fontRef>
+    <cs:spPr>
+      <a:ln w="9525" cap="rnd">
+        <a:solidFill>
+          <a:schemeClr val="phClr"/>
+        </a:solidFill>
+        <a:round/>
+      </a:ln>
+    </cs:spPr>
+  </cs:dataPointWireframe>
+  <cs:dataTable>
+    <cs:lnRef idx="0"/>
+    <cs:fillRef idx="0"/>
+    <cs:effectRef idx="0"/>
+    <cs:fontRef idx="minor">
+      <a:schemeClr val="tx1">
+        <a:lumMod val="65000"/>
+        <a:lumOff val="35000"/>
+      </a:schemeClr>
+    </cs:fontRef>
+    <cs:spPr>
+      <a:noFill/>
+      <a:ln w="9525" cap="flat" cmpd="sng" algn="ctr">
+        <a:solidFill>
+          <a:schemeClr val="tx1">
+            <a:lumMod val="15000"/>
+            <a:lumOff val="85000"/>
+          </a:schemeClr>
+        </a:solidFill>
+        <a:round/>
+      </a:ln>
+    </cs:spPr>
+    <cs:defRPr sz="1197" kern="1200"/>
+  </cs:dataTable>
+  <cs:downBar>
+    <cs:lnRef idx="0"/>
+    <cs:fillRef idx="0"/>
+    <cs:effectRef idx="0"/>
+    <cs:fontRef idx="minor">
+      <a:schemeClr val="tx1"/>
+    </cs:fontRef>
+    <cs:spPr>
+      <a:solidFill>
+        <a:schemeClr val="dk1">
+          <a:lumMod val="75000"/>
+          <a:lumOff val="25000"/>
+        </a:schemeClr>
+      </a:solidFill>
+      <a:ln w="9525" cap="flat" cmpd="sng" algn="ctr">
+        <a:solidFill>
+          <a:schemeClr val="tx1">
+            <a:lumMod val="65000"/>
+            <a:lumOff val="35000"/>
+          </a:schemeClr>
+        </a:solidFill>
+        <a:round/>
+      </a:ln>
+    </cs:spPr>
+  </cs:downBar>
+  <cs:dropLine>
+    <cs:lnRef idx="0"/>
+    <cs:fillRef idx="0"/>
+    <cs:effectRef idx="0"/>
+    <cs:fontRef idx="minor">
+      <a:schemeClr val="tx1"/>
+    </cs:fontRef>
+    <cs:spPr>
+      <a:ln w="9525" cap="flat" cmpd="sng" algn="ctr">
+        <a:solidFill>
+          <a:schemeClr val="tx1">
+            <a:lumMod val="35000"/>
+            <a:lumOff val="65000"/>
+          </a:schemeClr>
+        </a:solidFill>
+        <a:round/>
+      </a:ln>
+    </cs:spPr>
+  </cs:dropLine>
+  <cs:errorBar>
+    <cs:lnRef idx="0"/>
+    <cs:fillRef idx="0"/>
+    <cs:effectRef idx="0"/>
+    <cs:fontRef idx="minor">
+      <a:schemeClr val="tx1"/>
+    </cs:fontRef>
+    <cs:spPr>
+      <a:ln w="9525" cap="flat" cmpd="sng" algn="ctr">
+        <a:solidFill>
+          <a:schemeClr val="tx1">
+            <a:lumMod val="65000"/>
+            <a:lumOff val="35000"/>
+          </a:schemeClr>
+        </a:solidFill>
+        <a:round/>
+      </a:ln>
+    </cs:spPr>
+  </cs:errorBar>
+  <cs:floor>
+    <cs:lnRef idx="0"/>
+    <cs:fillRef idx="0"/>
+    <cs:effectRef idx="0"/>
+    <cs:fontRef idx="minor">
+      <a:schemeClr val="tx1"/>
+    </cs:fontRef>
+    <cs:spPr>
+      <a:noFill/>
+      <a:ln>
+        <a:noFill/>
+      </a:ln>
+    </cs:spPr>
+  </cs:floor>
+  <cs:gridlineMajor>
+    <cs:lnRef idx="0"/>
+    <cs:fillRef idx="0"/>
+    <cs:effectRef idx="0"/>
+    <cs:fontRef idx="minor">
+      <a:schemeClr val="tx1"/>
+    </cs:fontRef>
+    <cs:spPr>
+      <a:ln w="9525" cap="flat" cmpd="sng" algn="ctr">
+        <a:solidFill>
+          <a:schemeClr val="tx1">
+            <a:lumMod val="15000"/>
+            <a:lumOff val="85000"/>
+          </a:schemeClr>
+        </a:solidFill>
+        <a:round/>
+      </a:ln>
+    </cs:spPr>
+  </cs:gridlineMajor>
+  <cs:gridlineMinor>
+    <cs:lnRef idx="0"/>
+    <cs:fillRef idx="0"/>
+    <cs:effectRef idx="0"/>
+    <cs:fontRef idx="minor">
+      <a:schemeClr val="tx1"/>
+    </cs:fontRef>
+    <cs:spPr>
+      <a:ln w="9525" cap="flat" cmpd="sng" algn="ctr">
+        <a:solidFill>
+          <a:schemeClr val="tx1">
+            <a:lumMod val="5000"/>
+            <a:lumOff val="95000"/>
+          </a:schemeClr>
+        </a:solidFill>
+        <a:round/>
+      </a:ln>
+    </cs:spPr>
+  </cs:gridlineMinor>
+  <cs:hiLoLine>
+    <cs:lnRef idx="0"/>
+    <cs:fillRef idx="0"/>
+    <cs:effectRef idx="0"/>
+    <cs:fontRef idx="minor">
+      <a:schemeClr val="tx1"/>
+    </cs:fontRef>
+    <cs:spPr>
+      <a:ln w="9525" cap="flat" cmpd="sng" algn="ctr">
+        <a:solidFill>
+          <a:schemeClr val="tx1">
+            <a:lumMod val="50000"/>
+            <a:lumOff val="50000"/>
+          </a:schemeClr>
+        </a:solidFill>
+        <a:round/>
+      </a:ln>
+    </cs:spPr>
+  </cs:hiLoLine>
+  <cs:leaderLine>
+    <cs:lnRef idx="0"/>
+    <cs:fillRef idx="0"/>
+    <cs:effectRef idx="0"/>
+    <cs:fontRef idx="minor">
+      <a:schemeClr val="tx1"/>
+    </cs:fontRef>
+    <cs:spPr>
+      <a:ln w="9525" cap="flat" cmpd="sng" algn="ctr">
+        <a:solidFill>
+          <a:schemeClr val="tx1">
+            <a:lumMod val="35000"/>
+            <a:lumOff val="65000"/>
+          </a:schemeClr>
+        </a:solidFill>
+        <a:round/>
+      </a:ln>
+    </cs:spPr>
+  </cs:leaderLine>
+  <cs:legend>
+    <cs:lnRef idx="0"/>
+    <cs:fillRef idx="0"/>
+    <cs:effectRef idx="0"/>
+    <cs:fontRef idx="minor">
+      <a:schemeClr val="tx1">
+        <a:lumMod val="65000"/>
+        <a:lumOff val="35000"/>
+      </a:schemeClr>
+    </cs:fontRef>
+    <cs:defRPr sz="1197" kern="1200"/>
+  </cs:legend>
+  <cs:plotArea mods="allowNoFillOverride allowNoLineOverride">
+    <cs:lnRef idx="0"/>
+    <cs:fillRef idx="0"/>
+    <cs:effectRef idx="0"/>
+    <cs:fontRef idx="minor">
+      <a:schemeClr val="tx1"/>
+    </cs:fontRef>
+  </cs:plotArea>
+  <cs:plotArea3D mods="allowNoFillOverride allowNoLineOverride">
+    <cs:lnRef idx="0"/>
+    <cs:fillRef idx="0"/>
+    <cs:effectRef idx="0"/>
+    <cs:fontRef idx="minor">
+      <a:schemeClr val="tx1"/>
+    </cs:fontRef>
+  </cs:plotArea3D>
+  <cs:seriesAxis>
+    <cs:lnRef idx="0"/>
+    <cs:fillRef idx="0"/>
+    <cs:effectRef idx="0"/>
+    <cs:fontRef idx="minor">
+      <a:schemeClr val="tx1">
+        <a:lumMod val="65000"/>
+        <a:lumOff val="35000"/>
+      </a:schemeClr>
+    </cs:fontRef>
+    <cs:defRPr sz="1197" kern="1200"/>
+  </cs:seriesAxis>
+  <cs:seriesLine>
+    <cs:lnRef idx="0"/>
+    <cs:fillRef idx="0"/>
+    <cs:effectRef idx="0"/>
+    <cs:fontRef idx="minor">
+      <a:schemeClr val="tx1"/>
+    </cs:fontRef>
+    <cs:spPr>
+      <a:ln w="9525" cap="flat" cmpd="sng" algn="ctr">
+        <a:solidFill>
+          <a:schemeClr val="tx1">
+            <a:lumMod val="35000"/>
+            <a:lumOff val="65000"/>
+          </a:schemeClr>
+        </a:solidFill>
+        <a:round/>
+      </a:ln>
+    </cs:spPr>
+  </cs:seriesLine>
+  <cs:title>
+    <cs:lnRef idx="0"/>
+    <cs:fillRef idx="0"/>
+    <cs:effectRef idx="0"/>
+    <cs:fontRef idx="minor">
+      <a:schemeClr val="tx1">
+        <a:lumMod val="65000"/>
+        <a:lumOff val="35000"/>
+      </a:schemeClr>
+    </cs:fontRef>
+    <cs:defRPr sz="1862" b="0" kern="1200" spc="0" baseline="0"/>
+  </cs:title>
+  <cs:trendline>
+    <cs:lnRef idx="0">
+      <cs:styleClr val="auto"/>
+    </cs:lnRef>
+    <cs:fillRef idx="0"/>
+    <cs:effectRef idx="0"/>
+    <cs:fontRef idx="minor">
+      <a:schemeClr val="tx1"/>
+    </cs:fontRef>
+    <cs:spPr>
+      <a:ln w="19050" cap="rnd">
+        <a:solidFill>
+          <a:schemeClr val="phClr"/>
+        </a:solidFill>
+        <a:prstDash val="sysDot"/>
+      </a:ln>
+    </cs:spPr>
+  </cs:trendline>
+  <cs:trendlineLabel>
+    <cs:lnRef idx="0"/>
+    <cs:fillRef idx="0"/>
+    <cs:effectRef idx="0"/>
+    <cs:fontRef idx="minor">
+      <a:schemeClr val="tx1">
+        <a:lumMod val="65000"/>
+        <a:lumOff val="35000"/>
+      </a:schemeClr>
+    </cs:fontRef>
+    <cs:defRPr sz="1197" kern="1200"/>
+  </cs:trendlineLabel>
+  <cs:upBar>
+    <cs:lnRef idx="0"/>
+    <cs:fillRef idx="0"/>
+    <cs:effectRef idx="0"/>
+    <cs:fontRef idx="minor">
+      <a:schemeClr val="tx1"/>
+    </cs:fontRef>
+    <cs:spPr>
+      <a:solidFill>
+        <a:schemeClr val="lt1"/>
+      </a:solidFill>
+      <a:ln w="9525" cap="flat" cmpd="sng" algn="ctr">
+        <a:solidFill>
+          <a:schemeClr val="tx1">
+            <a:lumMod val="65000"/>
+            <a:lumOff val="35000"/>
+          </a:schemeClr>
+        </a:solidFill>
+        <a:round/>
+      </a:ln>
+    </cs:spPr>
+  </cs:upBar>
+  <cs:valueAxis>
+    <cs:lnRef idx="0"/>
+    <cs:fillRef idx="0"/>
+    <cs:effectRef idx="0"/>
+    <cs:fontRef idx="minor">
+      <a:schemeClr val="tx1">
+        <a:lumMod val="65000"/>
+        <a:lumOff val="35000"/>
+      </a:schemeClr>
+    </cs:fontRef>
+    <cs:defRPr sz="1197" kern="1200"/>
+  </cs:valueAxis>
+  <cs:wall>
+    <cs:lnRef idx="0"/>
+    <cs:fillRef idx="0"/>
+    <cs:effectRef idx="0"/>
+    <cs:fontRef idx="minor">
+      <a:schemeClr val="tx1"/>
+    </cs:fontRef>
+    <cs:spPr>
+      <a:noFill/>
+      <a:ln>
+        <a:noFill/>
+      </a:ln>
+    </cs:spPr>
+  </cs:wall>
+</cs:chartStyle>
+</file>
+
+<file path=ppt/charts/style2.xml><?xml version="1.0" encoding="utf-8"?>
+<cs:chartStyle xmlns:cs="http://schemas.microsoft.com/office/drawing/2012/chartStyle" xmlns:a="http://schemas.openxmlformats.org/drawingml/2006/main" id="251">
+  <cs:axisTitle>
+    <cs:lnRef idx="0"/>
+    <cs:fillRef idx="0"/>
+    <cs:effectRef idx="0"/>
+    <cs:fontRef idx="minor">
+      <a:schemeClr val="tx1">
+        <a:lumMod val="65000"/>
+        <a:lumOff val="35000"/>
+      </a:schemeClr>
+    </cs:fontRef>
+    <cs:defRPr sz="1330" kern="1200"/>
+  </cs:axisTitle>
+  <cs:categoryAxis>
+    <cs:lnRef idx="0"/>
+    <cs:fillRef idx="0"/>
+    <cs:effectRef idx="0"/>
+    <cs:fontRef idx="minor">
+      <a:schemeClr val="tx1">
+        <a:lumMod val="65000"/>
+        <a:lumOff val="35000"/>
+      </a:schemeClr>
+    </cs:fontRef>
+    <cs:spPr>
+      <a:ln w="9525" cap="flat" cmpd="sng" algn="ctr">
+        <a:solidFill>
+          <a:schemeClr val="tx1">
+            <a:lumMod val="15000"/>
+            <a:lumOff val="85000"/>
+          </a:schemeClr>
+        </a:solidFill>
+        <a:round/>
+      </a:ln>
+    </cs:spPr>
+    <cs:defRPr sz="1197" kern="1200"/>
+  </cs:categoryAxis>
+  <cs:chartArea mods="allowNoFillOverride allowNoLineOverride">
+    <cs:lnRef idx="0"/>
+    <cs:fillRef idx="0"/>
+    <cs:effectRef idx="0"/>
+    <cs:fontRef idx="minor">
+      <a:schemeClr val="tx1"/>
+    </cs:fontRef>
+    <cs:spPr>
+      <a:solidFill>
+        <a:schemeClr val="bg1"/>
+      </a:solidFill>
+      <a:ln w="9525" cap="flat" cmpd="sng" algn="ctr">
+        <a:solidFill>
+          <a:schemeClr val="tx1">
+            <a:lumMod val="15000"/>
+            <a:lumOff val="85000"/>
+          </a:schemeClr>
+        </a:solidFill>
+        <a:round/>
+      </a:ln>
+    </cs:spPr>
+    <cs:defRPr sz="1197" kern="1200"/>
+  </cs:chartArea>
+  <cs:dataLabel>
+    <cs:lnRef idx="0"/>
+    <cs:fillRef idx="0"/>
+    <cs:effectRef idx="0"/>
+    <cs:fontRef idx="minor">
+      <a:schemeClr val="tx1">
+        <a:lumMod val="75000"/>
+        <a:lumOff val="25000"/>
+      </a:schemeClr>
+    </cs:fontRef>
+    <cs:defRPr sz="1197" kern="1200"/>
+  </cs:dataLabel>
+  <cs:dataLabelCallout>
+    <cs:lnRef idx="0"/>
+    <cs:fillRef idx="0"/>
+    <cs:effectRef idx="0"/>
+    <cs:fontRef idx="minor">
+      <a:schemeClr val="dk1">
+        <a:lumMod val="65000"/>
+        <a:lumOff val="35000"/>
+      </a:schemeClr>
+    </cs:fontRef>
+    <cs:spPr>
+      <a:solidFill>
+        <a:schemeClr val="lt1"/>
+      </a:solidFill>
+      <a:ln>
+        <a:solidFill>
+          <a:schemeClr val="dk1">
+            <a:lumMod val="25000"/>
+            <a:lumOff val="75000"/>
+          </a:schemeClr>
+        </a:solidFill>
+      </a:ln>
+    </cs:spPr>
+    <cs:defRPr sz="1197" kern="1200"/>
+    <cs:bodyPr rot="0" spcFirstLastPara="1" vertOverflow="clip" horzOverflow="clip" vert="horz" wrap="square" lIns="36576" tIns="18288" rIns="36576" bIns="18288" anchor="ctr" anchorCtr="1">
+      <a:spAutoFit/>
+    </cs:bodyPr>
+  </cs:dataLabelCallout>
+  <cs:dataPoint>
+    <cs:lnRef idx="0"/>
+    <cs:fillRef idx="1">
+      <cs:styleClr val="auto"/>
+    </cs:fillRef>
+    <cs:effectRef idx="0"/>
+    <cs:fontRef idx="minor">
+      <a:schemeClr val="tx1"/>
+    </cs:fontRef>
+    <cs:spPr>
+      <a:ln w="19050">
+        <a:solidFill>
+          <a:schemeClr val="lt1"/>
+        </a:solidFill>
+      </a:ln>
+    </cs:spPr>
+  </cs:dataPoint>
+  <cs:dataPoint3D>
+    <cs:lnRef idx="0"/>
+    <cs:fillRef idx="1">
+      <cs:styleClr val="auto"/>
+    </cs:fillRef>
+    <cs:effectRef idx="0"/>
+    <cs:fontRef idx="minor">
+      <a:schemeClr val="tx1"/>
+    </cs:fontRef>
+    <cs:spPr>
+      <a:ln w="25400">
+        <a:solidFill>
+          <a:schemeClr val="lt1"/>
+        </a:solidFill>
+      </a:ln>
+    </cs:spPr>
+  </cs:dataPoint3D>
+  <cs:dataPointLine>
+    <cs:lnRef idx="0">
+      <cs:styleClr val="auto"/>
+    </cs:lnRef>
+    <cs:fillRef idx="0"/>
+    <cs:effectRef idx="0"/>
+    <cs:fontRef idx="minor">
+      <a:schemeClr val="tx1"/>
+    </cs:fontRef>
+    <cs:spPr>
+      <a:ln w="28575" cap="rnd">
+        <a:solidFill>
+          <a:schemeClr val="phClr"/>
+        </a:solidFill>
+        <a:round/>
+      </a:ln>
+    </cs:spPr>
+  </cs:dataPointLine>
+  <cs:dataPointMarker>
+    <cs:lnRef idx="0">
+      <cs:styleClr val="auto"/>
+    </cs:lnRef>
+    <cs:fillRef idx="1">
+      <cs:styleClr val="auto"/>
+    </cs:fillRef>
+    <cs:effectRef idx="0"/>
+    <cs:fontRef idx="minor">
+      <a:schemeClr val="tx1"/>
+    </cs:fontRef>
+    <cs:spPr>
+      <a:ln w="9525">
+        <a:solidFill>
+          <a:schemeClr val="phClr"/>
+        </a:solidFill>
+      </a:ln>
+    </cs:spPr>
+  </cs:dataPointMarker>
+  <cs:dataPointMarkerLayout symbol="circle" size="5"/>
+  <cs:dataPointWireframe>
+    <cs:lnRef idx="0">
+      <cs:styleClr val="auto"/>
+    </cs:lnRef>
+    <cs:fillRef idx="0"/>
+    <cs:effectRef idx="0"/>
+    <cs:fontRef idx="minor">
+      <a:schemeClr val="tx1"/>
+    </cs:fontRef>
+    <cs:spPr>
+      <a:ln w="9525" cap="rnd">
+        <a:solidFill>
+          <a:schemeClr val="phClr"/>
+        </a:solidFill>
+        <a:round/>
+      </a:ln>
+    </cs:spPr>
+  </cs:dataPointWireframe>
+  <cs:dataTable>
+    <cs:lnRef idx="0"/>
+    <cs:fillRef idx="0"/>
+    <cs:effectRef idx="0"/>
+    <cs:fontRef idx="minor">
+      <a:schemeClr val="tx1">
+        <a:lumMod val="65000"/>
+        <a:lumOff val="35000"/>
+      </a:schemeClr>
+    </cs:fontRef>
+    <cs:spPr>
+      <a:noFill/>
+      <a:ln w="9525" cap="flat" cmpd="sng" algn="ctr">
+        <a:solidFill>
+          <a:schemeClr val="tx1">
+            <a:lumMod val="15000"/>
+            <a:lumOff val="85000"/>
+          </a:schemeClr>
+        </a:solidFill>
+        <a:round/>
+      </a:ln>
+    </cs:spPr>
+    <cs:defRPr sz="1197" kern="1200"/>
+  </cs:dataTable>
+  <cs:downBar>
+    <cs:lnRef idx="0"/>
+    <cs:fillRef idx="0"/>
+    <cs:effectRef idx="0"/>
+    <cs:fontRef idx="minor">
+      <a:schemeClr val="tx1"/>
+    </cs:fontRef>
+    <cs:spPr>
+      <a:solidFill>
+        <a:schemeClr val="dk1">
+          <a:lumMod val="75000"/>
+          <a:lumOff val="25000"/>
+        </a:schemeClr>
+      </a:solidFill>
+      <a:ln w="9525" cap="flat" cmpd="sng" algn="ctr">
+        <a:solidFill>
+          <a:schemeClr val="tx1">
+            <a:lumMod val="65000"/>
+            <a:lumOff val="35000"/>
+          </a:schemeClr>
+        </a:solidFill>
+        <a:round/>
+      </a:ln>
+    </cs:spPr>
+  </cs:downBar>
+  <cs:dropLine>
+    <cs:lnRef idx="0"/>
+    <cs:fillRef idx="0"/>
+    <cs:effectRef idx="0"/>
+    <cs:fontRef idx="minor">
+      <a:schemeClr val="tx1"/>
+    </cs:fontRef>
+    <cs:spPr>
+      <a:ln w="9525" cap="flat" cmpd="sng" algn="ctr">
+        <a:solidFill>
+          <a:schemeClr val="tx1">
+            <a:lumMod val="35000"/>
+            <a:lumOff val="65000"/>
+          </a:schemeClr>
+        </a:solidFill>
+        <a:round/>
+      </a:ln>
+    </cs:spPr>
+  </cs:dropLine>
+  <cs:errorBar>
+    <cs:lnRef idx="0"/>
+    <cs:fillRef idx="0"/>
+    <cs:effectRef idx="0"/>
+    <cs:fontRef idx="minor">
+      <a:schemeClr val="tx1"/>
+    </cs:fontRef>
+    <cs:spPr>
+      <a:ln w="9525" cap="flat" cmpd="sng" algn="ctr">
+        <a:solidFill>
+          <a:schemeClr val="tx1">
+            <a:lumMod val="65000"/>
+            <a:lumOff val="35000"/>
+          </a:schemeClr>
+        </a:solidFill>
+        <a:round/>
+      </a:ln>
+    </cs:spPr>
+  </cs:errorBar>
+  <cs:floor>
+    <cs:lnRef idx="0"/>
+    <cs:fillRef idx="0"/>
+    <cs:effectRef idx="0"/>
+    <cs:fontRef idx="minor">
+      <a:schemeClr val="tx1"/>
+    </cs:fontRef>
+    <cs:spPr>
+      <a:noFill/>
+      <a:ln>
+        <a:noFill/>
+      </a:ln>
+    </cs:spPr>
+  </cs:floor>
+  <cs:gridlineMajor>
+    <cs:lnRef idx="0"/>
+    <cs:fillRef idx="0"/>
+    <cs:effectRef idx="0"/>
+    <cs:fontRef idx="minor">
+      <a:schemeClr val="tx1"/>
+    </cs:fontRef>
+    <cs:spPr>
+      <a:ln w="9525" cap="flat" cmpd="sng" algn="ctr">
+        <a:solidFill>
+          <a:schemeClr val="tx1">
+            <a:lumMod val="15000"/>
+            <a:lumOff val="85000"/>
+          </a:schemeClr>
+        </a:solidFill>
+        <a:round/>
+      </a:ln>
+    </cs:spPr>
+  </cs:gridlineMajor>
+  <cs:gridlineMinor>
+    <cs:lnRef idx="0"/>
+    <cs:fillRef idx="0"/>
+    <cs:effectRef idx="0"/>
+    <cs:fontRef idx="minor">
+      <a:schemeClr val="tx1"/>
+    </cs:fontRef>
+    <cs:spPr>
+      <a:ln w="9525" cap="flat" cmpd="sng" algn="ctr">
+        <a:solidFill>
+          <a:schemeClr val="tx1">
+            <a:lumMod val="5000"/>
+            <a:lumOff val="95000"/>
+          </a:schemeClr>
+        </a:solidFill>
+        <a:round/>
+      </a:ln>
+    </cs:spPr>
+  </cs:gridlineMinor>
+  <cs:hiLoLine>
+    <cs:lnRef idx="0"/>
+    <cs:fillRef idx="0"/>
+    <cs:effectRef idx="0"/>
+    <cs:fontRef idx="minor">
+      <a:schemeClr val="tx1"/>
+    </cs:fontRef>
+    <cs:spPr>
+      <a:ln w="9525" cap="flat" cmpd="sng" algn="ctr">
+        <a:solidFill>
+          <a:schemeClr val="tx1">
+            <a:lumMod val="50000"/>
+            <a:lumOff val="50000"/>
+          </a:schemeClr>
+        </a:solidFill>
+        <a:round/>
+      </a:ln>
+    </cs:spPr>
+  </cs:hiLoLine>
+  <cs:leaderLine>
+    <cs:lnRef idx="0"/>
+    <cs:fillRef idx="0"/>
+    <cs:effectRef idx="0"/>
+    <cs:fontRef idx="minor">
+      <a:schemeClr val="tx1"/>
+    </cs:fontRef>
+    <cs:spPr>
+      <a:ln w="9525" cap="flat" cmpd="sng" algn="ctr">
+        <a:solidFill>
+          <a:schemeClr val="tx1">
+            <a:lumMod val="35000"/>
+            <a:lumOff val="65000"/>
+          </a:schemeClr>
+        </a:solidFill>
+        <a:round/>
+      </a:ln>
+    </cs:spPr>
+  </cs:leaderLine>
+  <cs:legend>
+    <cs:lnRef idx="0"/>
+    <cs:fillRef idx="0"/>
+    <cs:effectRef idx="0"/>
+    <cs:fontRef idx="minor">
+      <a:schemeClr val="tx1">
+        <a:lumMod val="65000"/>
+        <a:lumOff val="35000"/>
+      </a:schemeClr>
+    </cs:fontRef>
+    <cs:defRPr sz="1197" kern="1200"/>
+  </cs:legend>
+  <cs:plotArea mods="allowNoFillOverride allowNoLineOverride">
+    <cs:lnRef idx="0"/>
+    <cs:fillRef idx="0"/>
+    <cs:effectRef idx="0"/>
+    <cs:fontRef idx="minor">
+      <a:schemeClr val="tx1"/>
+    </cs:fontRef>
+  </cs:plotArea>
+  <cs:plotArea3D mods="allowNoFillOverride allowNoLineOverride">
+    <cs:lnRef idx="0"/>
+    <cs:fillRef idx="0"/>
+    <cs:effectRef idx="0"/>
+    <cs:fontRef idx="minor">
+      <a:schemeClr val="tx1"/>
+    </cs:fontRef>
+  </cs:plotArea3D>
+  <cs:seriesAxis>
+    <cs:lnRef idx="0"/>
+    <cs:fillRef idx="0"/>
+    <cs:effectRef idx="0"/>
+    <cs:fontRef idx="minor">
+      <a:schemeClr val="tx1">
+        <a:lumMod val="65000"/>
+        <a:lumOff val="35000"/>
+      </a:schemeClr>
+    </cs:fontRef>
+    <cs:defRPr sz="1197" kern="1200"/>
+  </cs:seriesAxis>
+  <cs:seriesLine>
+    <cs:lnRef idx="0"/>
+    <cs:fillRef idx="0"/>
+    <cs:effectRef idx="0"/>
+    <cs:fontRef idx="minor">
+      <a:schemeClr val="tx1"/>
+    </cs:fontRef>
+    <cs:spPr>
+      <a:ln w="9525" cap="flat" cmpd="sng" algn="ctr">
+        <a:solidFill>
+          <a:schemeClr val="tx1">
+            <a:lumMod val="35000"/>
+            <a:lumOff val="65000"/>
+          </a:schemeClr>
+        </a:solidFill>
+        <a:round/>
+      </a:ln>
+    </cs:spPr>
+  </cs:seriesLine>
+  <cs:title>
+    <cs:lnRef idx="0"/>
+    <cs:fillRef idx="0"/>
+    <cs:effectRef idx="0"/>
+    <cs:fontRef idx="minor">
+      <a:schemeClr val="tx1">
+        <a:lumMod val="65000"/>
+        <a:lumOff val="35000"/>
+      </a:schemeClr>
+    </cs:fontRef>
+    <cs:defRPr sz="1862" b="0" kern="1200" spc="0" baseline="0"/>
+  </cs:title>
+  <cs:trendline>
+    <cs:lnRef idx="0">
+      <cs:styleClr val="auto"/>
+    </cs:lnRef>
+    <cs:fillRef idx="0"/>
+    <cs:effectRef idx="0"/>
+    <cs:fontRef idx="minor">
+      <a:schemeClr val="tx1"/>
+    </cs:fontRef>
+    <cs:spPr>
+      <a:ln w="19050" cap="rnd">
+        <a:solidFill>
+          <a:schemeClr val="phClr"/>
+        </a:solidFill>
+        <a:prstDash val="sysDot"/>
+      </a:ln>
+    </cs:spPr>
+  </cs:trendline>
+  <cs:trendlineLabel>
+    <cs:lnRef idx="0"/>
+    <cs:fillRef idx="0"/>
+    <cs:effectRef idx="0"/>
+    <cs:fontRef idx="minor">
+      <a:schemeClr val="tx1">
+        <a:lumMod val="65000"/>
+        <a:lumOff val="35000"/>
+      </a:schemeClr>
+    </cs:fontRef>
+    <cs:defRPr sz="1197" kern="1200"/>
+  </cs:trendlineLabel>
+  <cs:upBar>
+    <cs:lnRef idx="0"/>
+    <cs:fillRef idx="0"/>
+    <cs:effectRef idx="0"/>
+    <cs:fontRef idx="minor">
+      <a:schemeClr val="tx1"/>
+    </cs:fontRef>
+    <cs:spPr>
+      <a:solidFill>
+        <a:schemeClr val="lt1"/>
+      </a:solidFill>
+      <a:ln w="9525" cap="flat" cmpd="sng" algn="ctr">
+        <a:solidFill>
+          <a:schemeClr val="tx1">
+            <a:lumMod val="65000"/>
+            <a:lumOff val="35000"/>
+          </a:schemeClr>
+        </a:solidFill>
+        <a:round/>
+      </a:ln>
+    </cs:spPr>
+  </cs:upBar>
+  <cs:valueAxis>
+    <cs:lnRef idx="0"/>
+    <cs:fillRef idx="0"/>
+    <cs:effectRef idx="0"/>
+    <cs:fontRef idx="minor">
+      <a:schemeClr val="tx1">
+        <a:lumMod val="65000"/>
+        <a:lumOff val="35000"/>
+      </a:schemeClr>
+    </cs:fontRef>
+    <cs:defRPr sz="1197" kern="1200"/>
+  </cs:valueAxis>
+  <cs:wall>
+    <cs:lnRef idx="0"/>
+    <cs:fillRef idx="0"/>
+    <cs:effectRef idx="0"/>
+    <cs:fontRef idx="minor">
+      <a:schemeClr val="tx1"/>
+    </cs:fontRef>
+    <cs:spPr>
+      <a:noFill/>
+      <a:ln>
+        <a:noFill/>
+      </a:ln>
+    </cs:spPr>
+  </cs:wall>
+</cs:chartStyle>
+</file>
+
 <file path=ppt/handoutMasters/handoutMaster1.xml><?xml version="1.0" encoding="utf-8"?>
 <p:handoutMaster xmlns:a="http://schemas.openxmlformats.org/drawingml/2006/main" xmlns:r="http://schemas.openxmlformats.org/officeDocument/2006/relationships" xmlns:p="http://schemas.openxmlformats.org/presentationml/2006/main">
   <p:cSld>
@@ -274,6 +1917,303 @@
   </p:cSld>
   <p:clrMap bg1="lt1" tx1="dk1" bg2="lt2" tx2="dk2" accent1="accent1" accent2="accent2" accent3="accent3" accent4="accent4" accent5="accent5" accent6="accent6" hlink="hlink" folHlink="folHlink"/>
 </p:handoutMaster>
+</file>
+
+<file path=ppt/ink/ink1.xml><?xml version="1.0" encoding="utf-8"?>
+<inkml:ink xmlns:inkml="http://www.w3.org/2003/InkML">
+  <inkml:definitions>
+    <inkml:context xml:id="ctx0">
+      <inkml:inkSource xml:id="inkSrc0">
+        <inkml:traceFormat>
+          <inkml:channel name="X" type="integer" min="-2.14748E9" max="2.14748E9" units="cm"/>
+          <inkml:channel name="Y" type="integer" min="-2.14748E9" max="2.14748E9" units="cm"/>
+        </inkml:traceFormat>
+        <inkml:channelProperties>
+          <inkml:channelProperty channel="X" name="resolution" value="1000" units="1/cm"/>
+          <inkml:channelProperty channel="Y" name="resolution" value="1000" units="1/cm"/>
+        </inkml:channelProperties>
+      </inkml:inkSource>
+      <inkml:timestamp xml:id="ts0" timeString="2017-09-27T22:42:56.648"/>
+    </inkml:context>
+    <inkml:brush xml:id="br0">
+      <inkml:brushProperty name="width" value="0.04" units="cm"/>
+      <inkml:brushProperty name="height" value="0.04" units="cm"/>
+      <inkml:brushProperty name="color" value="#FFFFFF"/>
+      <inkml:brushProperty name="ignorePressure" value="1"/>
+    </inkml:brush>
+  </inkml:definitions>
+  <inkml:trace contextRef="#ctx0" brushRef="#br0">6993 2724,'5'0,"10"0,21 0,23 0,16 0,17 0,25 0,26 0,33 0,20 0,22 0,-3 0,-5 0,-3 0,-13 0,7 0,1 0,-2 0,-3 0,-6 0,-5 5,-15 0,-9 2,-13-2,-15-2,-11-2,-12 5,1 1,6 4,0 4,0-1,1-1,4 1,5-3,-2 2,-4 0,-4-4,-9-3,-8-2,-8-2,-11 3,-10 1,-12 4,-8 0,-8-1,-2-3,-4-2,-3-1,-3-3,-3 1,-2-2,-5 1</inkml:trace>
+</inkml:ink>
+</file>
+
+<file path=ppt/ink/ink10.xml><?xml version="1.0" encoding="utf-8"?>
+<inkml:ink xmlns:inkml="http://www.w3.org/2003/InkML">
+  <inkml:definitions>
+    <inkml:context xml:id="ctx0">
+      <inkml:inkSource xml:id="inkSrc0">
+        <inkml:traceFormat>
+          <inkml:channel name="X" type="integer" min="-2.14748E9" max="2.14748E9" units="cm"/>
+          <inkml:channel name="Y" type="integer" min="-2.14748E9" max="2.14748E9" units="cm"/>
+        </inkml:traceFormat>
+        <inkml:channelProperties>
+          <inkml:channelProperty channel="X" name="resolution" value="1000" units="1/cm"/>
+          <inkml:channelProperty channel="Y" name="resolution" value="1000" units="1/cm"/>
+        </inkml:channelProperties>
+      </inkml:inkSource>
+      <inkml:timestamp xml:id="ts0" timeString="2017-09-27T22:43:08.065"/>
+    </inkml:context>
+    <inkml:brush xml:id="br0">
+      <inkml:brushProperty name="width" value="0.04" units="cm"/>
+      <inkml:brushProperty name="height" value="0.04" units="cm"/>
+      <inkml:brushProperty name="color" value="#FFFFFF"/>
+      <inkml:brushProperty name="ignorePressure" value="1"/>
+    </inkml:brush>
+  </inkml:definitions>
+  <inkml:trace contextRef="#ctx0" brushRef="#br0">8117 1487,'0'14,"0"22,-5 16,0 20,-6 27,0 14,2 15,2 24,-11 36,-12 17,-1-2,0-12,6-27,2-20,1-24,4-20,4-25,6-14,-2-14,2-6,-2 0,-1-3,3-3,3-3,1-2,2-2,-3-1,-1-5</inkml:trace>
+</inkml:ink>
+</file>
+
+<file path=ppt/ink/ink11.xml><?xml version="1.0" encoding="utf-8"?>
+<inkml:ink xmlns:inkml="http://www.w3.org/2003/InkML">
+  <inkml:definitions>
+    <inkml:context xml:id="ctx0">
+      <inkml:inkSource xml:id="inkSrc0">
+        <inkml:traceFormat>
+          <inkml:channel name="X" type="integer" min="-2.14748E9" max="2.14748E9" units="cm"/>
+          <inkml:channel name="Y" type="integer" min="-2.14748E9" max="2.14748E9" units="cm"/>
+        </inkml:traceFormat>
+        <inkml:channelProperties>
+          <inkml:channelProperty channel="X" name="resolution" value="1000" units="1/cm"/>
+          <inkml:channelProperty channel="Y" name="resolution" value="1000" units="1/cm"/>
+        </inkml:channelProperties>
+      </inkml:inkSource>
+      <inkml:timestamp xml:id="ts0" timeString="2017-09-27T22:43:09.150"/>
+    </inkml:context>
+    <inkml:brush xml:id="br0">
+      <inkml:brushProperty name="width" value="0.04" units="cm"/>
+      <inkml:brushProperty name="height" value="0.04" units="cm"/>
+      <inkml:brushProperty name="color" value="#FFFFFF"/>
+      <inkml:brushProperty name="ignorePressure" value="1"/>
+    </inkml:brush>
+  </inkml:definitions>
+  <inkml:trace contextRef="#ctx0" brushRef="#br0">8195 1494,'5'4,"5"11,7 17,0 31,-4 22,-2 25,-5 35,-3 24,-1 17,-2-1,0 0,-1-16,0-30,0-28,1-29,0-14,0-14,0-12,0-8,0-6,0-2,0-2,0 1,0-1,0 1,0 1,0 0,0 5,0 7,0 1,0 4,4-2,3-2,-2-5,0-7</inkml:trace>
+</inkml:ink>
+</file>
+
+<file path=ppt/ink/ink2.xml><?xml version="1.0" encoding="utf-8"?>
+<inkml:ink xmlns:inkml="http://www.w3.org/2003/InkML">
+  <inkml:definitions>
+    <inkml:context xml:id="ctx0">
+      <inkml:inkSource xml:id="inkSrc0">
+        <inkml:traceFormat>
+          <inkml:channel name="X" type="integer" min="-2.14748E9" max="2.14748E9" units="cm"/>
+          <inkml:channel name="Y" type="integer" min="-2.14748E9" max="2.14748E9" units="cm"/>
+        </inkml:traceFormat>
+        <inkml:channelProperties>
+          <inkml:channelProperty channel="X" name="resolution" value="1000" units="1/cm"/>
+          <inkml:channelProperty channel="Y" name="resolution" value="1000" units="1/cm"/>
+        </inkml:channelProperties>
+      </inkml:inkSource>
+      <inkml:timestamp xml:id="ts0" timeString="2017-09-27T22:42:57.753"/>
+    </inkml:context>
+    <inkml:brush xml:id="br0">
+      <inkml:brushProperty name="width" value="0.04" units="cm"/>
+      <inkml:brushProperty name="height" value="0.04" units="cm"/>
+      <inkml:brushProperty name="color" value="#FFFFFF"/>
+      <inkml:brushProperty name="ignorePressure" value="1"/>
+    </inkml:brush>
+  </inkml:definitions>
+  <inkml:trace contextRef="#ctx0" brushRef="#br0">7263 2927,'18'5,"21"1,16 4,23 1,6-2,4 3,4-2,6-2,0-1,5-4,5-1,1-2,6 0,6 0,15-1,12 1,12 0,2 0,16 0,-1 0,3-1,7 1,-1 0,-9 1,-6-1,-6 0,-17 0,-24 0,-24-5,-24-2,-12 2,-2 0,-4-3,-1 0,3 1,0 2,9 2,10 0,2 2,-4 1,-1 0,-10 1,-11-1,-10-4,-8-2,-6 0,-4 2,-1 0,4 3,1-1,-5 2</inkml:trace>
+</inkml:ink>
+</file>
+
+<file path=ppt/ink/ink3.xml><?xml version="1.0" encoding="utf-8"?>
+<inkml:ink xmlns:inkml="http://www.w3.org/2003/InkML">
+  <inkml:definitions>
+    <inkml:context xml:id="ctx0">
+      <inkml:inkSource xml:id="inkSrc0">
+        <inkml:traceFormat>
+          <inkml:channel name="X" type="integer" min="-2.14748E9" max="2.14748E9" units="cm"/>
+          <inkml:channel name="Y" type="integer" min="-2.14748E9" max="2.14748E9" units="cm"/>
+        </inkml:traceFormat>
+        <inkml:channelProperties>
+          <inkml:channelProperty channel="X" name="resolution" value="1000" units="1/cm"/>
+          <inkml:channelProperty channel="Y" name="resolution" value="1000" units="1/cm"/>
+        </inkml:channelProperties>
+      </inkml:inkSource>
+      <inkml:timestamp xml:id="ts0" timeString="2017-09-27T22:42:58.824"/>
+    </inkml:context>
+    <inkml:brush xml:id="br0">
+      <inkml:brushProperty name="width" value="0.04" units="cm"/>
+      <inkml:brushProperty name="height" value="0.04" units="cm"/>
+      <inkml:brushProperty name="color" value="#FFFFFF"/>
+      <inkml:brushProperty name="ignorePressure" value="1"/>
+    </inkml:brush>
+  </inkml:definitions>
+  <inkml:trace contextRef="#ctx0" brushRef="#br0">7297 2646,'0'-4,"0"2,0 7,0 12,0 15,4 23,7 19,1 11,4 9,2 3,0-2,-4-2,-4-4,-5-3,-2-12,-2-9,-1-2,-1-2,1-3,-1 3,-4-4,-2-4,1 0,-4-1,1 0,1 1,-2-4,-1-7,4-4,1-5,2 0,3 1,0-2,1-6</inkml:trace>
+</inkml:ink>
+</file>
+
+<file path=ppt/ink/ink4.xml><?xml version="1.0" encoding="utf-8"?>
+<inkml:ink xmlns:inkml="http://www.w3.org/2003/InkML">
+  <inkml:definitions>
+    <inkml:context xml:id="ctx0">
+      <inkml:inkSource xml:id="inkSrc0">
+        <inkml:traceFormat>
+          <inkml:channel name="X" type="integer" min="-2.14748E9" max="2.14748E9" units="cm"/>
+          <inkml:channel name="Y" type="integer" min="-2.14748E9" max="2.14748E9" units="cm"/>
+        </inkml:traceFormat>
+        <inkml:channelProperties>
+          <inkml:channelProperty channel="X" name="resolution" value="1000" units="1/cm"/>
+          <inkml:channelProperty channel="Y" name="resolution" value="1000" units="1/cm"/>
+        </inkml:channelProperties>
+      </inkml:inkSource>
+      <inkml:timestamp xml:id="ts0" timeString="2017-09-27T22:42:59.706"/>
+    </inkml:context>
+    <inkml:brush xml:id="br0">
+      <inkml:brushProperty name="width" value="0.04" units="cm"/>
+      <inkml:brushProperty name="height" value="0.04" units="cm"/>
+      <inkml:brushProperty name="color" value="#FFFFFF"/>
+      <inkml:brushProperty name="ignorePressure" value="1"/>
+    </inkml:brush>
+  </inkml:definitions>
+  <inkml:trace contextRef="#ctx0" brushRef="#br0">7567 2621,'9'5,"4"5,7 21,2 13,0 13,3 16,0 17,1 14,-3 10,2 5,2 0,2 0,0-14,-5-9,-3-12,1-2,-4 3,-4-8,-6-12,-3-8,-3-10,-2-3,-1-5,1 1,-1 2,0-1,0 2,1-3,-1 2,-3 3,-2-2,0 1,2-2,-4-9,-5-5,0-7</inkml:trace>
+</inkml:ink>
+</file>
+
+<file path=ppt/ink/ink5.xml><?xml version="1.0" encoding="utf-8"?>
+<inkml:ink xmlns:inkml="http://www.w3.org/2003/InkML">
+  <inkml:definitions>
+    <inkml:context xml:id="ctx0">
+      <inkml:inkSource xml:id="inkSrc0">
+        <inkml:traceFormat>
+          <inkml:channel name="X" type="integer" min="-2.14748E9" max="2.14748E9" units="cm"/>
+          <inkml:channel name="Y" type="integer" min="-2.14748E9" max="2.14748E9" units="cm"/>
+        </inkml:traceFormat>
+        <inkml:channelProperties>
+          <inkml:channelProperty channel="X" name="resolution" value="1000" units="1/cm"/>
+          <inkml:channelProperty channel="Y" name="resolution" value="1000" units="1/cm"/>
+        </inkml:channelProperties>
+      </inkml:inkSource>
+      <inkml:timestamp xml:id="ts0" timeString="2017-09-27T22:43:00.696"/>
+    </inkml:context>
+    <inkml:brush xml:id="br0">
+      <inkml:brushProperty name="width" value="0.04" units="cm"/>
+      <inkml:brushProperty name="height" value="0.04" units="cm"/>
+      <inkml:brushProperty name="color" value="#FFFFFF"/>
+      <inkml:brushProperty name="ignorePressure" value="1"/>
+    </inkml:brush>
+  </inkml:definitions>
+  <inkml:trace contextRef="#ctx0" brushRef="#br0">8063 2621,'-5'5,"0"15,-2 17,3 13,0 16,3 6,-1 8,2 19,0 25,0 23,-4 19,-2 13,0-1,-3 2,-5-11,0-17,3-29,2-26,3-26,3-19,2-15,1-8,0-5,1-2,0-5</inkml:trace>
+</inkml:ink>
+</file>
+
+<file path=ppt/ink/ink6.xml><?xml version="1.0" encoding="utf-8"?>
+<inkml:ink xmlns:inkml="http://www.w3.org/2003/InkML">
+  <inkml:definitions>
+    <inkml:context xml:id="ctx0">
+      <inkml:inkSource xml:id="inkSrc0">
+        <inkml:traceFormat>
+          <inkml:channel name="X" type="integer" min="-2.14748E9" max="2.14748E9" units="cm"/>
+          <inkml:channel name="Y" type="integer" min="-2.14748E9" max="2.14748E9" units="cm"/>
+        </inkml:traceFormat>
+        <inkml:channelProperties>
+          <inkml:channelProperty channel="X" name="resolution" value="1000" units="1/cm"/>
+          <inkml:channelProperty channel="Y" name="resolution" value="1000" units="1/cm"/>
+        </inkml:channelProperties>
+      </inkml:inkSource>
+      <inkml:timestamp xml:id="ts0" timeString="2017-09-27T22:43:02.136"/>
+    </inkml:context>
+    <inkml:brush xml:id="br0">
+      <inkml:brushProperty name="width" value="0.04" units="cm"/>
+      <inkml:brushProperty name="height" value="0.04" units="cm"/>
+      <inkml:brushProperty name="color" value="#FFFFFF"/>
+      <inkml:brushProperty name="ignorePressure" value="1"/>
+    </inkml:brush>
+  </inkml:definitions>
+  <inkml:trace contextRef="#ctx0" brushRef="#br0">8793 2616,'0'9,"0"12,0 7,0 18,0 14,0 6,0 16,-4 2,-2 6,-5 0,0-4,2-5,-2-5,1-12,1-8,3-3,-2-8,-4-1,-1-3,2-5,-1-3,-4 1,2 0,-2-1,2 3,-2 4,-2 0,-7 3,0 3,-5-2,4-4,0 1,-3-2,-3-3,5-4,3-2,0 4,0 3,4 2,0 2,0 5,3-2,4-9</inkml:trace>
+</inkml:ink>
+</file>
+
+<file path=ppt/ink/ink7.xml><?xml version="1.0" encoding="utf-8"?>
+<inkml:ink xmlns:inkml="http://www.w3.org/2003/InkML">
+  <inkml:definitions>
+    <inkml:context xml:id="ctx0">
+      <inkml:inkSource xml:id="inkSrc0">
+        <inkml:traceFormat>
+          <inkml:channel name="X" type="integer" min="-2.14748E9" max="2.14748E9" units="cm"/>
+          <inkml:channel name="Y" type="integer" min="-2.14748E9" max="2.14748E9" units="cm"/>
+        </inkml:traceFormat>
+        <inkml:channelProperties>
+          <inkml:channelProperty channel="X" name="resolution" value="1000" units="1/cm"/>
+          <inkml:channelProperty channel="Y" name="resolution" value="1000" units="1/cm"/>
+        </inkml:channelProperties>
+      </inkml:inkSource>
+      <inkml:timestamp xml:id="ts0" timeString="2017-09-27T22:43:04.634"/>
+    </inkml:context>
+    <inkml:brush xml:id="br0">
+      <inkml:brushProperty name="width" value="0.04" units="cm"/>
+      <inkml:brushProperty name="height" value="0.04" units="cm"/>
+      <inkml:brushProperty name="color" value="#FFFFFF"/>
+      <inkml:brushProperty name="ignorePressure" value="1"/>
+    </inkml:brush>
+  </inkml:definitions>
+  <inkml:trace contextRef="#ctx0" brushRef="#br0">7169 1712,'0'-5,"5"-1,5 0,7-3,4 0,4 1,11 2,22 2,34 2,14 1,22 1,36 0,25 1,14-1,8 1,11-1,-1 0,-11 0,-8 0,-7 0,-22 0,-28 0,-24 0,-14 0,-11 4,-14 3,-6 3,6 1,4-2,-4-3,2-1,-4-2,-5-3,-12 0,-12 0,-10 0,-8 0,-3 0,0-1,6 1,0 0,0 0,-2 0,-3 0,4 0,-1 0,4 0,4 5,4 0,4 1,3-1,-4 3,-1 0,-4-1,-4-2,0 3,-3 0,2-1,-1-3,-3 0,-1-3,-4 0,3 4,1 0,-2 1,0-1,-7-3</inkml:trace>
+</inkml:ink>
+</file>
+
+<file path=ppt/ink/ink8.xml><?xml version="1.0" encoding="utf-8"?>
+<inkml:ink xmlns:inkml="http://www.w3.org/2003/InkML">
+  <inkml:definitions>
+    <inkml:context xml:id="ctx0">
+      <inkml:inkSource xml:id="inkSrc0">
+        <inkml:traceFormat>
+          <inkml:channel name="X" type="integer" min="-2.14748E9" max="2.14748E9" units="cm"/>
+          <inkml:channel name="Y" type="integer" min="-2.14748E9" max="2.14748E9" units="cm"/>
+        </inkml:traceFormat>
+        <inkml:channelProperties>
+          <inkml:channelProperty channel="X" name="resolution" value="1000" units="1/cm"/>
+          <inkml:channelProperty channel="Y" name="resolution" value="1000" units="1/cm"/>
+        </inkml:channelProperties>
+      </inkml:inkSource>
+      <inkml:timestamp xml:id="ts0" timeString="2017-09-27T22:43:05.938"/>
+    </inkml:context>
+    <inkml:brush xml:id="br0">
+      <inkml:brushProperty name="width" value="0.04" units="cm"/>
+      <inkml:brushProperty name="height" value="0.04" units="cm"/>
+      <inkml:brushProperty name="color" value="#FFFFFF"/>
+      <inkml:brushProperty name="ignorePressure" value="1"/>
+    </inkml:brush>
+  </inkml:definitions>
+  <inkml:trace contextRef="#ctx0" brushRef="#br0">6932 1899,'14'5,"27"1,30 0,49-1,49-2,52-1,39-1,16-1,-2 0,-1 0,8 0,1 0,0-1,-17 1,-38 0,-42 0,-36 0,-30 0,-19 5,-15 1,-4 0,-7-1,2-2,7-1,8-1,2-1,-6 0,1 0,-1 0,4-1,-1 1,-1 0,-11 0,-6 0,-1 0,-3 0,5 0,4 4,-2 3,14 3,1 2,4-4,-6 0,-4-4,-5-2,-14 0,-8-2,1 0,-1-1,3 5,2 1,4 1,-6-1,2-2,-6-1,-2-1,-7-1,3 0,2 0,1 0,6 0,2-1,-5 1,-3 0,-5 0,-7 0,-11 0</inkml:trace>
+</inkml:ink>
+</file>
+
+<file path=ppt/ink/ink9.xml><?xml version="1.0" encoding="utf-8"?>
+<inkml:ink xmlns:inkml="http://www.w3.org/2003/InkML">
+  <inkml:definitions>
+    <inkml:context xml:id="ctx0">
+      <inkml:inkSource xml:id="inkSrc0">
+        <inkml:traceFormat>
+          <inkml:channel name="X" type="integer" min="-2.14748E9" max="2.14748E9" units="cm"/>
+          <inkml:channel name="Y" type="integer" min="-2.14748E9" max="2.14748E9" units="cm"/>
+        </inkml:traceFormat>
+        <inkml:channelProperties>
+          <inkml:channelProperty channel="X" name="resolution" value="1000" units="1/cm"/>
+          <inkml:channelProperty channel="Y" name="resolution" value="1000" units="1/cm"/>
+        </inkml:channelProperties>
+      </inkml:inkSource>
+      <inkml:timestamp xml:id="ts0" timeString="2017-09-27T22:43:07.153"/>
+    </inkml:context>
+    <inkml:brush xml:id="br0">
+      <inkml:brushProperty name="width" value="0.04" units="cm"/>
+      <inkml:brushProperty name="height" value="0.04" units="cm"/>
+      <inkml:brushProperty name="color" value="#FFFFFF"/>
+      <inkml:brushProperty name="ignorePressure" value="1"/>
+    </inkml:brush>
+  </inkml:definitions>
+  <inkml:trace contextRef="#ctx0" brushRef="#br0">7448 1507,'0'5,"0"15,0 17,0 27,0 16,-13 16,-6 2,1 3,4 1,4-6,4-15,3-7,1-14,2-5,1-9,0-7,-1-6,1-3,-1-3,0 3,1 2,-1 8,0 3,0 2,0-1,0 1,0 2,0-2,-1-5,1-4,0 1,0-1,0 2,0 0,0-3,0-2,0-3,0-5</inkml:trace>
+</inkml:ink>
 </file>
 
 <file path=ppt/notesMasters/notesMaster1.xml><?xml version="1.0" encoding="utf-8"?>
@@ -645,6 +2585,37 @@
       </p:grpSpPr>
       <p:sp>
         <p:nvSpPr>
+          <p:cNvPr id="2" name="Slide Image Placeholder 1"/>
+          <p:cNvSpPr>
+            <a:spLocks noGrp="1" noRot="1" noChangeAspect="1"/>
+          </p:cNvSpPr>
+          <p:nvPr>
+            <p:ph type="sldImg"/>
+          </p:nvPr>
+        </p:nvSpPr>
+        <p:spPr/>
+      </p:sp>
+      <p:sp>
+        <p:nvSpPr>
+          <p:cNvPr id="3" name="Notes Placeholder 2"/>
+          <p:cNvSpPr>
+            <a:spLocks noGrp="1"/>
+          </p:cNvSpPr>
+          <p:nvPr>
+            <p:ph type="body" idx="1"/>
+          </p:nvPr>
+        </p:nvSpPr>
+        <p:spPr/>
+        <p:txBody>
+          <a:bodyPr/>
+          <a:lstStyle/>
+          <a:p>
+            <a:endParaRPr lang="en-US" dirty="0"/>
+          </a:p>
+        </p:txBody>
+      </p:sp>
+      <p:sp>
+        <p:nvSpPr>
           <p:cNvPr id="4" name="Slide Number Placeholder 3"/>
           <p:cNvSpPr>
             <a:spLocks noGrp="1"/>
@@ -661,7 +2632,611 @@
             <a:fld id="{7D8C2C35-2B8A-446E-BEC0-FD36716C29AC}" type="slidenum">
               <a:rPr lang="de-DE" smtClean="0"/>
               <a:pPr/>
-              <a:t>20</a:t>
+              <a:t>4</a:t>
+            </a:fld>
+            <a:endParaRPr lang="de-DE" dirty="0"/>
+          </a:p>
+        </p:txBody>
+      </p:sp>
+    </p:spTree>
+    <p:extLst>
+      <p:ext uri="{BB962C8B-B14F-4D97-AF65-F5344CB8AC3E}">
+        <p14:creationId xmlns:p14="http://schemas.microsoft.com/office/powerpoint/2010/main" val="1532547752"/>
+      </p:ext>
+    </p:extLst>
+  </p:cSld>
+  <p:clrMapOvr>
+    <a:masterClrMapping/>
+  </p:clrMapOvr>
+</p:notes>
+</file>
+
+<file path=ppt/notesSlides/notesSlide3.xml><?xml version="1.0" encoding="utf-8"?>
+<p:notes xmlns:a="http://schemas.openxmlformats.org/drawingml/2006/main" xmlns:r="http://schemas.openxmlformats.org/officeDocument/2006/relationships" xmlns:p="http://schemas.openxmlformats.org/presentationml/2006/main">
+  <p:cSld>
+    <p:spTree>
+      <p:nvGrpSpPr>
+        <p:cNvPr id="1" name=""/>
+        <p:cNvGrpSpPr/>
+        <p:nvPr/>
+      </p:nvGrpSpPr>
+      <p:grpSpPr>
+        <a:xfrm>
+          <a:off x="0" y="0"/>
+          <a:ext cx="0" cy="0"/>
+          <a:chOff x="0" y="0"/>
+          <a:chExt cx="0" cy="0"/>
+        </a:xfrm>
+      </p:grpSpPr>
+      <p:sp>
+        <p:nvSpPr>
+          <p:cNvPr id="2" name="Slide Image Placeholder 1"/>
+          <p:cNvSpPr>
+            <a:spLocks noGrp="1" noRot="1" noChangeAspect="1"/>
+          </p:cNvSpPr>
+          <p:nvPr>
+            <p:ph type="sldImg"/>
+          </p:nvPr>
+        </p:nvSpPr>
+        <p:spPr/>
+      </p:sp>
+      <p:sp>
+        <p:nvSpPr>
+          <p:cNvPr id="3" name="Notes Placeholder 2"/>
+          <p:cNvSpPr>
+            <a:spLocks noGrp="1"/>
+          </p:cNvSpPr>
+          <p:nvPr>
+            <p:ph type="body" idx="1"/>
+          </p:nvPr>
+        </p:nvSpPr>
+        <p:spPr/>
+        <p:txBody>
+          <a:bodyPr/>
+          <a:lstStyle/>
+          <a:p>
+            <a:r>
+              <a:rPr lang="zh-CN" altLang="en-US" dirty="0"/>
+              <a:t>为了解决以上问题，派生出</a:t>
+            </a:r>
+            <a:r>
+              <a:rPr lang="en-US" altLang="zh-CN" dirty="0" err="1"/>
+              <a:t>Qmweb</a:t>
+            </a:r>
+            <a:r>
+              <a:rPr lang="zh-CN" altLang="en-US" dirty="0"/>
+              <a:t>。然后采访和思考了多种方式去形成</a:t>
+            </a:r>
+            <a:r>
+              <a:rPr lang="en-US" altLang="zh-CN" dirty="0" err="1"/>
+              <a:t>qm</a:t>
+            </a:r>
+            <a:r>
+              <a:rPr lang="zh-CN" altLang="en-US" dirty="0"/>
+              <a:t>到底为何样式</a:t>
+            </a:r>
+            <a:endParaRPr lang="en-US" dirty="0"/>
+          </a:p>
+        </p:txBody>
+      </p:sp>
+      <p:sp>
+        <p:nvSpPr>
+          <p:cNvPr id="4" name="Slide Number Placeholder 3"/>
+          <p:cNvSpPr>
+            <a:spLocks noGrp="1"/>
+          </p:cNvSpPr>
+          <p:nvPr>
+            <p:ph type="sldNum" sz="quarter" idx="10"/>
+          </p:nvPr>
+        </p:nvSpPr>
+        <p:spPr/>
+        <p:txBody>
+          <a:bodyPr/>
+          <a:lstStyle/>
+          <a:p>
+            <a:fld id="{7D8C2C35-2B8A-446E-BEC0-FD36716C29AC}" type="slidenum">
+              <a:rPr lang="de-DE" smtClean="0"/>
+              <a:pPr/>
+              <a:t>5</a:t>
+            </a:fld>
+            <a:endParaRPr lang="de-DE" dirty="0"/>
+          </a:p>
+        </p:txBody>
+      </p:sp>
+    </p:spTree>
+    <p:extLst>
+      <p:ext uri="{BB962C8B-B14F-4D97-AF65-F5344CB8AC3E}">
+        <p14:creationId xmlns:p14="http://schemas.microsoft.com/office/powerpoint/2010/main" val="2754140105"/>
+      </p:ext>
+    </p:extLst>
+  </p:cSld>
+  <p:clrMapOvr>
+    <a:masterClrMapping/>
+  </p:clrMapOvr>
+</p:notes>
+</file>
+
+<file path=ppt/notesSlides/notesSlide4.xml><?xml version="1.0" encoding="utf-8"?>
+<p:notes xmlns:a="http://schemas.openxmlformats.org/drawingml/2006/main" xmlns:r="http://schemas.openxmlformats.org/officeDocument/2006/relationships" xmlns:p="http://schemas.openxmlformats.org/presentationml/2006/main">
+  <p:cSld>
+    <p:spTree>
+      <p:nvGrpSpPr>
+        <p:cNvPr id="1" name=""/>
+        <p:cNvGrpSpPr/>
+        <p:nvPr/>
+      </p:nvGrpSpPr>
+      <p:grpSpPr>
+        <a:xfrm>
+          <a:off x="0" y="0"/>
+          <a:ext cx="0" cy="0"/>
+          <a:chOff x="0" y="0"/>
+          <a:chExt cx="0" cy="0"/>
+        </a:xfrm>
+      </p:grpSpPr>
+      <p:sp>
+        <p:nvSpPr>
+          <p:cNvPr id="2" name="Slide Image Placeholder 1"/>
+          <p:cNvSpPr>
+            <a:spLocks noGrp="1" noRot="1" noChangeAspect="1"/>
+          </p:cNvSpPr>
+          <p:nvPr>
+            <p:ph type="sldImg"/>
+          </p:nvPr>
+        </p:nvSpPr>
+        <p:spPr/>
+      </p:sp>
+      <p:sp>
+        <p:nvSpPr>
+          <p:cNvPr id="3" name="Notes Placeholder 2"/>
+          <p:cNvSpPr>
+            <a:spLocks noGrp="1"/>
+          </p:cNvSpPr>
+          <p:nvPr>
+            <p:ph type="body" idx="1"/>
+          </p:nvPr>
+        </p:nvSpPr>
+        <p:spPr/>
+        <p:txBody>
+          <a:bodyPr/>
+          <a:lstStyle/>
+          <a:p>
+            <a:r>
+              <a:rPr lang="zh-CN" altLang="en-US" dirty="0"/>
+              <a:t>采访中得知，目前为止有一些存在的工具</a:t>
+            </a:r>
+            <a:endParaRPr lang="en-US" dirty="0"/>
+          </a:p>
+        </p:txBody>
+      </p:sp>
+      <p:sp>
+        <p:nvSpPr>
+          <p:cNvPr id="4" name="Slide Number Placeholder 3"/>
+          <p:cNvSpPr>
+            <a:spLocks noGrp="1"/>
+          </p:cNvSpPr>
+          <p:nvPr>
+            <p:ph type="sldNum" sz="quarter" idx="10"/>
+          </p:nvPr>
+        </p:nvSpPr>
+        <p:spPr/>
+        <p:txBody>
+          <a:bodyPr/>
+          <a:lstStyle/>
+          <a:p>
+            <a:fld id="{7D8C2C35-2B8A-446E-BEC0-FD36716C29AC}" type="slidenum">
+              <a:rPr lang="de-DE" smtClean="0"/>
+              <a:pPr/>
+              <a:t>6</a:t>
+            </a:fld>
+            <a:endParaRPr lang="de-DE" dirty="0"/>
+          </a:p>
+        </p:txBody>
+      </p:sp>
+    </p:spTree>
+    <p:extLst>
+      <p:ext uri="{BB962C8B-B14F-4D97-AF65-F5344CB8AC3E}">
+        <p14:creationId xmlns:p14="http://schemas.microsoft.com/office/powerpoint/2010/main" val="2911201441"/>
+      </p:ext>
+    </p:extLst>
+  </p:cSld>
+  <p:clrMapOvr>
+    <a:masterClrMapping/>
+  </p:clrMapOvr>
+</p:notes>
+</file>
+
+<file path=ppt/notesSlides/notesSlide5.xml><?xml version="1.0" encoding="utf-8"?>
+<p:notes xmlns:a="http://schemas.openxmlformats.org/drawingml/2006/main" xmlns:r="http://schemas.openxmlformats.org/officeDocument/2006/relationships" xmlns:p="http://schemas.openxmlformats.org/presentationml/2006/main">
+  <p:cSld>
+    <p:spTree>
+      <p:nvGrpSpPr>
+        <p:cNvPr id="1" name=""/>
+        <p:cNvGrpSpPr/>
+        <p:nvPr/>
+      </p:nvGrpSpPr>
+      <p:grpSpPr>
+        <a:xfrm>
+          <a:off x="0" y="0"/>
+          <a:ext cx="0" cy="0"/>
+          <a:chOff x="0" y="0"/>
+          <a:chExt cx="0" cy="0"/>
+        </a:xfrm>
+      </p:grpSpPr>
+      <p:sp>
+        <p:nvSpPr>
+          <p:cNvPr id="2" name="Slide Image Placeholder 1"/>
+          <p:cNvSpPr>
+            <a:spLocks noGrp="1" noRot="1" noChangeAspect="1"/>
+          </p:cNvSpPr>
+          <p:nvPr>
+            <p:ph type="sldImg"/>
+          </p:nvPr>
+        </p:nvSpPr>
+        <p:spPr/>
+      </p:sp>
+      <p:sp>
+        <p:nvSpPr>
+          <p:cNvPr id="3" name="Notes Placeholder 2"/>
+          <p:cNvSpPr>
+            <a:spLocks noGrp="1"/>
+          </p:cNvSpPr>
+          <p:nvPr>
+            <p:ph type="body" idx="1"/>
+          </p:nvPr>
+        </p:nvSpPr>
+        <p:spPr/>
+        <p:txBody>
+          <a:bodyPr/>
+          <a:lstStyle/>
+          <a:p>
+            <a:r>
+              <a:rPr lang="en-US" dirty="0"/>
+              <a:t>Look at these color! Not want to use it!  But it only supports team that has a single component. But good for our team that per person has multiple components.</a:t>
+            </a:r>
+          </a:p>
+        </p:txBody>
+      </p:sp>
+      <p:sp>
+        <p:nvSpPr>
+          <p:cNvPr id="4" name="Slide Number Placeholder 3"/>
+          <p:cNvSpPr>
+            <a:spLocks noGrp="1"/>
+          </p:cNvSpPr>
+          <p:nvPr>
+            <p:ph type="sldNum" sz="quarter" idx="10"/>
+          </p:nvPr>
+        </p:nvSpPr>
+        <p:spPr/>
+        <p:txBody>
+          <a:bodyPr/>
+          <a:lstStyle/>
+          <a:p>
+            <a:fld id="{7D8C2C35-2B8A-446E-BEC0-FD36716C29AC}" type="slidenum">
+              <a:rPr lang="de-DE" smtClean="0"/>
+              <a:pPr/>
+              <a:t>7</a:t>
+            </a:fld>
+            <a:endParaRPr lang="de-DE" dirty="0"/>
+          </a:p>
+        </p:txBody>
+      </p:sp>
+    </p:spTree>
+    <p:extLst>
+      <p:ext uri="{BB962C8B-B14F-4D97-AF65-F5344CB8AC3E}">
+        <p14:creationId xmlns:p14="http://schemas.microsoft.com/office/powerpoint/2010/main" val="3950872288"/>
+      </p:ext>
+    </p:extLst>
+  </p:cSld>
+  <p:clrMapOvr>
+    <a:masterClrMapping/>
+  </p:clrMapOvr>
+</p:notes>
+</file>
+
+<file path=ppt/notesSlides/notesSlide6.xml><?xml version="1.0" encoding="utf-8"?>
+<p:notes xmlns:a="http://schemas.openxmlformats.org/drawingml/2006/main" xmlns:r="http://schemas.openxmlformats.org/officeDocument/2006/relationships" xmlns:p="http://schemas.openxmlformats.org/presentationml/2006/main">
+  <p:cSld>
+    <p:spTree>
+      <p:nvGrpSpPr>
+        <p:cNvPr id="1" name=""/>
+        <p:cNvGrpSpPr/>
+        <p:nvPr/>
+      </p:nvGrpSpPr>
+      <p:grpSpPr>
+        <a:xfrm>
+          <a:off x="0" y="0"/>
+          <a:ext cx="0" cy="0"/>
+          <a:chOff x="0" y="0"/>
+          <a:chExt cx="0" cy="0"/>
+        </a:xfrm>
+      </p:grpSpPr>
+      <p:sp>
+        <p:nvSpPr>
+          <p:cNvPr id="2" name="Slide Image Placeholder 1"/>
+          <p:cNvSpPr>
+            <a:spLocks noGrp="1" noRot="1" noChangeAspect="1"/>
+          </p:cNvSpPr>
+          <p:nvPr>
+            <p:ph type="sldImg"/>
+          </p:nvPr>
+        </p:nvSpPr>
+        <p:spPr/>
+      </p:sp>
+      <p:sp>
+        <p:nvSpPr>
+          <p:cNvPr id="3" name="Notes Placeholder 2"/>
+          <p:cNvSpPr>
+            <a:spLocks noGrp="1"/>
+          </p:cNvSpPr>
+          <p:nvPr>
+            <p:ph type="body" idx="1"/>
+          </p:nvPr>
+        </p:nvSpPr>
+        <p:spPr/>
+        <p:txBody>
+          <a:bodyPr/>
+          <a:lstStyle/>
+          <a:p>
+            <a:r>
+              <a:rPr lang="en-US" dirty="0"/>
+              <a:t>Not support new features naturally</a:t>
+            </a:r>
+          </a:p>
+        </p:txBody>
+      </p:sp>
+      <p:sp>
+        <p:nvSpPr>
+          <p:cNvPr id="4" name="Slide Number Placeholder 3"/>
+          <p:cNvSpPr>
+            <a:spLocks noGrp="1"/>
+          </p:cNvSpPr>
+          <p:nvPr>
+            <p:ph type="sldNum" sz="quarter" idx="10"/>
+          </p:nvPr>
+        </p:nvSpPr>
+        <p:spPr/>
+        <p:txBody>
+          <a:bodyPr/>
+          <a:lstStyle/>
+          <a:p>
+            <a:fld id="{7D8C2C35-2B8A-446E-BEC0-FD36716C29AC}" type="slidenum">
+              <a:rPr lang="de-DE" smtClean="0"/>
+              <a:pPr/>
+              <a:t>9</a:t>
+            </a:fld>
+            <a:endParaRPr lang="de-DE" dirty="0"/>
+          </a:p>
+        </p:txBody>
+      </p:sp>
+    </p:spTree>
+    <p:extLst>
+      <p:ext uri="{BB962C8B-B14F-4D97-AF65-F5344CB8AC3E}">
+        <p14:creationId xmlns:p14="http://schemas.microsoft.com/office/powerpoint/2010/main" val="2773265381"/>
+      </p:ext>
+    </p:extLst>
+  </p:cSld>
+  <p:clrMapOvr>
+    <a:masterClrMapping/>
+  </p:clrMapOvr>
+</p:notes>
+</file>
+
+<file path=ppt/notesSlides/notesSlide7.xml><?xml version="1.0" encoding="utf-8"?>
+<p:notes xmlns:a="http://schemas.openxmlformats.org/drawingml/2006/main" xmlns:r="http://schemas.openxmlformats.org/officeDocument/2006/relationships" xmlns:p="http://schemas.openxmlformats.org/presentationml/2006/main">
+  <p:cSld>
+    <p:spTree>
+      <p:nvGrpSpPr>
+        <p:cNvPr id="1" name=""/>
+        <p:cNvGrpSpPr/>
+        <p:nvPr/>
+      </p:nvGrpSpPr>
+      <p:grpSpPr>
+        <a:xfrm>
+          <a:off x="0" y="0"/>
+          <a:ext cx="0" cy="0"/>
+          <a:chOff x="0" y="0"/>
+          <a:chExt cx="0" cy="0"/>
+        </a:xfrm>
+      </p:grpSpPr>
+      <p:sp>
+        <p:nvSpPr>
+          <p:cNvPr id="2" name="Slide Image Placeholder 1"/>
+          <p:cNvSpPr>
+            <a:spLocks noGrp="1" noRot="1" noChangeAspect="1"/>
+          </p:cNvSpPr>
+          <p:nvPr>
+            <p:ph type="sldImg"/>
+          </p:nvPr>
+        </p:nvSpPr>
+        <p:spPr/>
+      </p:sp>
+      <p:sp>
+        <p:nvSpPr>
+          <p:cNvPr id="3" name="Notes Placeholder 2"/>
+          <p:cNvSpPr>
+            <a:spLocks noGrp="1"/>
+          </p:cNvSpPr>
+          <p:nvPr>
+            <p:ph type="body" idx="1"/>
+          </p:nvPr>
+        </p:nvSpPr>
+        <p:spPr/>
+        <p:txBody>
+          <a:bodyPr/>
+          <a:lstStyle/>
+          <a:p>
+            <a:r>
+              <a:rPr lang="en-US" altLang="zh-CN" dirty="0"/>
+              <a:t>Distributed </a:t>
+            </a:r>
+            <a:r>
+              <a:rPr lang="en-US" dirty="0"/>
+              <a:t>Numbers, numbers, numbers!</a:t>
+            </a:r>
+          </a:p>
+        </p:txBody>
+      </p:sp>
+      <p:sp>
+        <p:nvSpPr>
+          <p:cNvPr id="4" name="Slide Number Placeholder 3"/>
+          <p:cNvSpPr>
+            <a:spLocks noGrp="1"/>
+          </p:cNvSpPr>
+          <p:nvPr>
+            <p:ph type="sldNum" sz="quarter" idx="10"/>
+          </p:nvPr>
+        </p:nvSpPr>
+        <p:spPr/>
+        <p:txBody>
+          <a:bodyPr/>
+          <a:lstStyle/>
+          <a:p>
+            <a:fld id="{7D8C2C35-2B8A-446E-BEC0-FD36716C29AC}" type="slidenum">
+              <a:rPr lang="de-DE" smtClean="0"/>
+              <a:pPr/>
+              <a:t>10</a:t>
+            </a:fld>
+            <a:endParaRPr lang="de-DE" dirty="0"/>
+          </a:p>
+        </p:txBody>
+      </p:sp>
+    </p:spTree>
+    <p:extLst>
+      <p:ext uri="{BB962C8B-B14F-4D97-AF65-F5344CB8AC3E}">
+        <p14:creationId xmlns:p14="http://schemas.microsoft.com/office/powerpoint/2010/main" val="395136101"/>
+      </p:ext>
+    </p:extLst>
+  </p:cSld>
+  <p:clrMapOvr>
+    <a:masterClrMapping/>
+  </p:clrMapOvr>
+</p:notes>
+</file>
+
+<file path=ppt/notesSlides/notesSlide8.xml><?xml version="1.0" encoding="utf-8"?>
+<p:notes xmlns:a="http://schemas.openxmlformats.org/drawingml/2006/main" xmlns:r="http://schemas.openxmlformats.org/officeDocument/2006/relationships" xmlns:p="http://schemas.openxmlformats.org/presentationml/2006/main">
+  <p:cSld>
+    <p:spTree>
+      <p:nvGrpSpPr>
+        <p:cNvPr id="1" name=""/>
+        <p:cNvGrpSpPr/>
+        <p:nvPr/>
+      </p:nvGrpSpPr>
+      <p:grpSpPr>
+        <a:xfrm>
+          <a:off x="0" y="0"/>
+          <a:ext cx="0" cy="0"/>
+          <a:chOff x="0" y="0"/>
+          <a:chExt cx="0" cy="0"/>
+        </a:xfrm>
+      </p:grpSpPr>
+      <p:sp>
+        <p:nvSpPr>
+          <p:cNvPr id="2" name="Slide Image Placeholder 1"/>
+          <p:cNvSpPr>
+            <a:spLocks noGrp="1" noRot="1" noChangeAspect="1"/>
+          </p:cNvSpPr>
+          <p:nvPr>
+            <p:ph type="sldImg"/>
+          </p:nvPr>
+        </p:nvSpPr>
+        <p:spPr/>
+      </p:sp>
+      <p:sp>
+        <p:nvSpPr>
+          <p:cNvPr id="3" name="Notes Placeholder 2"/>
+          <p:cNvSpPr>
+            <a:spLocks noGrp="1"/>
+          </p:cNvSpPr>
+          <p:nvPr>
+            <p:ph type="body" idx="1"/>
+          </p:nvPr>
+        </p:nvSpPr>
+        <p:spPr/>
+        <p:txBody>
+          <a:bodyPr/>
+          <a:lstStyle/>
+          <a:p>
+            <a:r>
+              <a:rPr lang="en-US" dirty="0"/>
+              <a:t>Then how to combine them into one product?</a:t>
+            </a:r>
+          </a:p>
+        </p:txBody>
+      </p:sp>
+      <p:sp>
+        <p:nvSpPr>
+          <p:cNvPr id="4" name="Slide Number Placeholder 3"/>
+          <p:cNvSpPr>
+            <a:spLocks noGrp="1"/>
+          </p:cNvSpPr>
+          <p:nvPr>
+            <p:ph type="sldNum" sz="quarter" idx="10"/>
+          </p:nvPr>
+        </p:nvSpPr>
+        <p:spPr/>
+        <p:txBody>
+          <a:bodyPr/>
+          <a:lstStyle/>
+          <a:p>
+            <a:fld id="{7D8C2C35-2B8A-446E-BEC0-FD36716C29AC}" type="slidenum">
+              <a:rPr lang="de-DE" smtClean="0"/>
+              <a:pPr/>
+              <a:t>12</a:t>
+            </a:fld>
+            <a:endParaRPr lang="de-DE" dirty="0"/>
+          </a:p>
+        </p:txBody>
+      </p:sp>
+    </p:spTree>
+    <p:extLst>
+      <p:ext uri="{BB962C8B-B14F-4D97-AF65-F5344CB8AC3E}">
+        <p14:creationId xmlns:p14="http://schemas.microsoft.com/office/powerpoint/2010/main" val="4225349832"/>
+      </p:ext>
+    </p:extLst>
+  </p:cSld>
+  <p:clrMapOvr>
+    <a:masterClrMapping/>
+  </p:clrMapOvr>
+</p:notes>
+</file>
+
+<file path=ppt/notesSlides/notesSlide9.xml><?xml version="1.0" encoding="utf-8"?>
+<p:notes xmlns:a="http://schemas.openxmlformats.org/drawingml/2006/main" xmlns:r="http://schemas.openxmlformats.org/officeDocument/2006/relationships" xmlns:p="http://schemas.openxmlformats.org/presentationml/2006/main">
+  <p:cSld>
+    <p:spTree>
+      <p:nvGrpSpPr>
+        <p:cNvPr id="1" name=""/>
+        <p:cNvGrpSpPr/>
+        <p:nvPr/>
+      </p:nvGrpSpPr>
+      <p:grpSpPr>
+        <a:xfrm>
+          <a:off x="0" y="0"/>
+          <a:ext cx="0" cy="0"/>
+          <a:chOff x="0" y="0"/>
+          <a:chExt cx="0" cy="0"/>
+        </a:xfrm>
+      </p:grpSpPr>
+      <p:sp>
+        <p:nvSpPr>
+          <p:cNvPr id="4" name="Slide Number Placeholder 3"/>
+          <p:cNvSpPr>
+            <a:spLocks noGrp="1"/>
+          </p:cNvSpPr>
+          <p:nvPr>
+            <p:ph type="sldNum" sz="quarter" idx="10"/>
+          </p:nvPr>
+        </p:nvSpPr>
+        <p:spPr/>
+        <p:txBody>
+          <a:bodyPr/>
+          <a:lstStyle/>
+          <a:p>
+            <a:fld id="{7D8C2C35-2B8A-446E-BEC0-FD36716C29AC}" type="slidenum">
+              <a:rPr lang="de-DE" smtClean="0"/>
+              <a:pPr/>
+              <a:t>29</a:t>
             </a:fld>
             <a:endParaRPr lang="de-DE" dirty="0"/>
           </a:p>
@@ -8365,57 +10940,13 @@
       </p:grpSpPr>
       <p:sp>
         <p:nvSpPr>
-          <p:cNvPr id="6" name="Picture Placeholder 5"/>
-          <p:cNvSpPr>
-            <a:spLocks noGrp="1"/>
-          </p:cNvSpPr>
-          <p:nvPr>
-            <p:ph type="pic" sz="quarter" idx="10"/>
-          </p:nvPr>
-        </p:nvSpPr>
-        <p:spPr/>
-      </p:sp>
-      <p:sp>
-        <p:nvSpPr>
-          <p:cNvPr id="4" name="Text Placeholder 3"/>
-          <p:cNvSpPr>
-            <a:spLocks noGrp="1"/>
-          </p:cNvSpPr>
-          <p:nvPr>
-            <p:ph type="body" sz="quarter" idx="11"/>
-          </p:nvPr>
-        </p:nvSpPr>
-        <p:spPr/>
-        <p:txBody>
-          <a:bodyPr/>
-          <a:lstStyle/>
-          <a:p>
-            <a:pPr lvl="0"/>
-            <a:r>
-              <a:rPr lang="en-US"/>
-              <a:t>First level</a:t>
-            </a:r>
-          </a:p>
-          <a:p>
-            <a:pPr lvl="1"/>
-            <a:r>
-              <a:rPr lang="en-US"/>
-              <a:t>Second level</a:t>
-            </a:r>
-          </a:p>
-          <a:p>
-            <a:pPr lvl="2"/>
-            <a:r>
-              <a:rPr lang="en-US"/>
-              <a:t>Third level</a:t>
-            </a:r>
-            <a:endParaRPr lang="en-US" dirty="0"/>
-          </a:p>
-        </p:txBody>
-      </p:sp>
-      <p:sp>
-        <p:nvSpPr>
-          <p:cNvPr id="2" name="Title 1"/>
+          <p:cNvPr id="3" name="Title 2">
+            <a:extLst>
+              <a:ext uri="{FF2B5EF4-FFF2-40B4-BE49-F238E27FC236}">
+                <a16:creationId xmlns:a16="http://schemas.microsoft.com/office/drawing/2014/main" id="{59D512E6-AC34-4273-A4E1-9E3561AEDEC1}"/>
+              </a:ext>
+            </a:extLst>
+          </p:cNvPr>
           <p:cNvSpPr>
             <a:spLocks noGrp="1"/>
           </p:cNvSpPr>
@@ -8430,7 +10961,424 @@
           <a:p>
             <a:r>
               <a:rPr lang="en-US" dirty="0"/>
-              <a:t>Insert page title (sentence case)</a:t>
+              <a:t>There are some…</a:t>
+            </a:r>
+          </a:p>
+        </p:txBody>
+      </p:sp>
+      <p:sp>
+        <p:nvSpPr>
+          <p:cNvPr id="5" name="TextBox 4">
+            <a:extLst>
+              <a:ext uri="{FF2B5EF4-FFF2-40B4-BE49-F238E27FC236}">
+                <a16:creationId xmlns:a16="http://schemas.microsoft.com/office/drawing/2014/main" id="{72F386AC-50B1-4D5A-9969-D8C60966F904}"/>
+              </a:ext>
+            </a:extLst>
+          </p:cNvPr>
+          <p:cNvSpPr txBox="1"/>
+          <p:nvPr/>
+        </p:nvSpPr>
+        <p:spPr>
+          <a:xfrm>
+            <a:off x="4560760" y="1291624"/>
+            <a:ext cx="3159519" cy="307777"/>
+          </a:xfrm>
+          <a:prstGeom prst="rect">
+            <a:avLst/>
+          </a:prstGeom>
+          <a:noFill/>
+        </p:spPr>
+        <p:txBody>
+          <a:bodyPr wrap="none" lIns="0" tIns="0" rIns="0" bIns="0" rtlCol="0">
+            <a:spAutoFit/>
+          </a:bodyPr>
+          <a:lstStyle/>
+          <a:p>
+            <a:pPr fontAlgn="base">
+              <a:spcBef>
+                <a:spcPct val="50000"/>
+              </a:spcBef>
+              <a:spcAft>
+                <a:spcPct val="0"/>
+              </a:spcAft>
+              <a:buClr>
+                <a:srgbClr val="F0AB00"/>
+              </a:buClr>
+              <a:buSzPct val="80000"/>
+            </a:pPr>
+            <a:r>
+              <a:rPr lang="en-US" sz="2000" b="1" kern="0" dirty="0">
+                <a:ea typeface="Arial Unicode MS" pitchFamily="34" charset="-128"/>
+                <a:cs typeface="Arial Unicode MS" pitchFamily="34" charset="-128"/>
+              </a:rPr>
+              <a:t>Local / Online Excel sheet</a:t>
+            </a:r>
+          </a:p>
+        </p:txBody>
+      </p:sp>
+      <p:pic>
+        <p:nvPicPr>
+          <p:cNvPr id="2" name="Picture 1">
+            <a:extLst>
+              <a:ext uri="{FF2B5EF4-FFF2-40B4-BE49-F238E27FC236}">
+                <a16:creationId xmlns:a16="http://schemas.microsoft.com/office/drawing/2014/main" id="{836213E8-5AC8-4220-B8EB-1F0BF829D386}"/>
+              </a:ext>
+            </a:extLst>
+          </p:cNvPr>
+          <p:cNvPicPr>
+            <a:picLocks noChangeAspect="1"/>
+          </p:cNvPicPr>
+          <p:nvPr/>
+        </p:nvPicPr>
+        <p:blipFill rotWithShape="1">
+          <a:blip r:embed="rId3"/>
+          <a:srcRect r="23288"/>
+          <a:stretch/>
+        </p:blipFill>
+        <p:spPr>
+          <a:xfrm>
+            <a:off x="372080" y="2163607"/>
+            <a:ext cx="6408099" cy="3305175"/>
+          </a:xfrm>
+          <a:prstGeom prst="rect">
+            <a:avLst/>
+          </a:prstGeom>
+        </p:spPr>
+      </p:pic>
+      <p:sp>
+        <p:nvSpPr>
+          <p:cNvPr id="8" name="TextBox 7">
+            <a:extLst>
+              <a:ext uri="{FF2B5EF4-FFF2-40B4-BE49-F238E27FC236}">
+                <a16:creationId xmlns:a16="http://schemas.microsoft.com/office/drawing/2014/main" id="{A8C6C46A-24D2-415E-A462-3CA587465D70}"/>
+              </a:ext>
+            </a:extLst>
+          </p:cNvPr>
+          <p:cNvSpPr txBox="1"/>
+          <p:nvPr/>
+        </p:nvSpPr>
+        <p:spPr>
+          <a:xfrm>
+            <a:off x="7649825" y="2997978"/>
+            <a:ext cx="2962349" cy="276999"/>
+          </a:xfrm>
+          <a:prstGeom prst="rect">
+            <a:avLst/>
+          </a:prstGeom>
+          <a:noFill/>
+        </p:spPr>
+        <p:txBody>
+          <a:bodyPr wrap="none" lIns="0" tIns="0" rIns="0" bIns="0" rtlCol="0">
+            <a:spAutoFit/>
+          </a:bodyPr>
+          <a:lstStyle/>
+          <a:p>
+            <a:pPr fontAlgn="base">
+              <a:spcBef>
+                <a:spcPct val="50000"/>
+              </a:spcBef>
+              <a:spcAft>
+                <a:spcPct val="0"/>
+              </a:spcAft>
+              <a:buClr>
+                <a:srgbClr val="F0AB00"/>
+              </a:buClr>
+              <a:buSzPct val="80000"/>
+            </a:pPr>
+            <a:r>
+              <a:rPr lang="en-US" sz="1800" kern="0" dirty="0">
+                <a:ea typeface="Arial Unicode MS" pitchFamily="34" charset="-128"/>
+                <a:cs typeface="Arial Unicode MS" pitchFamily="34" charset="-128"/>
+              </a:rPr>
+              <a:t>Hard to decide </a:t>
+            </a:r>
+            <a:r>
+              <a:rPr lang="en-US" sz="1800" b="1" kern="0" dirty="0">
+                <a:ea typeface="Arial Unicode MS" pitchFamily="34" charset="-128"/>
+                <a:cs typeface="Arial Unicode MS" pitchFamily="34" charset="-128"/>
+              </a:rPr>
+              <a:t>next</a:t>
+            </a:r>
+            <a:r>
+              <a:rPr lang="en-US" sz="1800" kern="0" dirty="0">
+                <a:ea typeface="Arial Unicode MS" pitchFamily="34" charset="-128"/>
+                <a:cs typeface="Arial Unicode MS" pitchFamily="34" charset="-128"/>
+              </a:rPr>
+              <a:t> dispatch</a:t>
+            </a:r>
+          </a:p>
+        </p:txBody>
+      </p:sp>
+      <p:sp>
+        <p:nvSpPr>
+          <p:cNvPr id="9" name="Rounded Rectangle 20">
+            <a:extLst>
+              <a:ext uri="{FF2B5EF4-FFF2-40B4-BE49-F238E27FC236}">
+                <a16:creationId xmlns:a16="http://schemas.microsoft.com/office/drawing/2014/main" id="{98970A8B-153F-4F3B-9022-5CA390180A86}"/>
+              </a:ext>
+            </a:extLst>
+          </p:cNvPr>
+          <p:cNvSpPr/>
+          <p:nvPr/>
+        </p:nvSpPr>
+        <p:spPr bwMode="gray">
+          <a:xfrm rot="1001945">
+            <a:off x="8455691" y="1889792"/>
+            <a:ext cx="3325157" cy="386904"/>
+          </a:xfrm>
+          <a:prstGeom prst="roundRect">
+            <a:avLst>
+              <a:gd name="adj" fmla="val 16667"/>
+            </a:avLst>
+          </a:prstGeom>
+          <a:solidFill>
+            <a:srgbClr val="FFFF00"/>
+          </a:solidFill>
+          <a:ln>
+            <a:noFill/>
+            <a:headEnd/>
+            <a:tailEnd/>
+          </a:ln>
+          <a:effectLst/>
+        </p:spPr>
+        <p:style>
+          <a:lnRef idx="3">
+            <a:schemeClr val="lt1"/>
+          </a:lnRef>
+          <a:fillRef idx="1">
+            <a:schemeClr val="accent6"/>
+          </a:fillRef>
+          <a:effectRef idx="1">
+            <a:schemeClr val="accent6"/>
+          </a:effectRef>
+          <a:fontRef idx="minor">
+            <a:schemeClr val="lt1"/>
+          </a:fontRef>
+        </p:style>
+        <p:txBody>
+          <a:bodyPr wrap="square" lIns="36000" tIns="36000" rIns="36000" bIns="36000" rtlCol="0" anchor="ctr">
+            <a:spAutoFit/>
+          </a:bodyPr>
+          <a:lstStyle/>
+          <a:p>
+            <a:pPr fontAlgn="base">
+              <a:spcBef>
+                <a:spcPct val="50000"/>
+              </a:spcBef>
+              <a:spcAft>
+                <a:spcPct val="0"/>
+              </a:spcAft>
+              <a:buClr>
+                <a:srgbClr val="F0AB00"/>
+              </a:buClr>
+              <a:buSzPct val="80000"/>
+            </a:pPr>
+            <a:r>
+              <a:rPr lang="en-US" sz="1800" b="1" dirty="0">
+                <a:solidFill>
+                  <a:schemeClr val="tx1"/>
+                </a:solidFill>
+              </a:rPr>
+              <a:t>Numbers, </a:t>
+            </a:r>
+            <a:r>
+              <a:rPr lang="en-US" sz="1600" b="1" dirty="0">
+                <a:solidFill>
+                  <a:schemeClr val="tx1"/>
+                </a:solidFill>
+              </a:rPr>
+              <a:t>numbers</a:t>
+            </a:r>
+            <a:r>
+              <a:rPr lang="en-US" sz="1800" b="1" dirty="0">
+                <a:solidFill>
+                  <a:schemeClr val="tx1"/>
+                </a:solidFill>
+              </a:rPr>
+              <a:t>, </a:t>
+            </a:r>
+            <a:r>
+              <a:rPr lang="en-US" sz="1400" b="1" dirty="0">
+                <a:solidFill>
+                  <a:schemeClr val="tx1"/>
+                </a:solidFill>
+              </a:rPr>
+              <a:t>numbers</a:t>
+            </a:r>
+            <a:r>
+              <a:rPr lang="en-US" sz="1800" b="1" dirty="0">
+                <a:solidFill>
+                  <a:schemeClr val="tx1"/>
+                </a:solidFill>
+              </a:rPr>
+              <a:t>…</a:t>
+            </a:r>
+          </a:p>
+        </p:txBody>
+      </p:sp>
+      <p:sp>
+        <p:nvSpPr>
+          <p:cNvPr id="15" name="Oval 14">
+            <a:extLst>
+              <a:ext uri="{FF2B5EF4-FFF2-40B4-BE49-F238E27FC236}">
+                <a16:creationId xmlns:a16="http://schemas.microsoft.com/office/drawing/2014/main" id="{C2B6EB42-389A-44BD-83FE-2C5B23AD0ABB}"/>
+              </a:ext>
+            </a:extLst>
+          </p:cNvPr>
+          <p:cNvSpPr/>
+          <p:nvPr/>
+        </p:nvSpPr>
+        <p:spPr bwMode="gray">
+          <a:xfrm>
+            <a:off x="992221" y="2441643"/>
+            <a:ext cx="204281" cy="252919"/>
+          </a:xfrm>
+          <a:prstGeom prst="ellipse">
+            <a:avLst/>
+          </a:prstGeom>
+          <a:noFill/>
+          <a:ln>
+            <a:headEnd/>
+            <a:tailEnd/>
+          </a:ln>
+        </p:spPr>
+        <p:style>
+          <a:lnRef idx="2">
+            <a:schemeClr val="accent5"/>
+          </a:lnRef>
+          <a:fillRef idx="1">
+            <a:schemeClr val="lt1"/>
+          </a:fillRef>
+          <a:effectRef idx="0">
+            <a:schemeClr val="accent5"/>
+          </a:effectRef>
+          <a:fontRef idx="minor">
+            <a:schemeClr val="dk1"/>
+          </a:fontRef>
+        </p:style>
+        <p:txBody>
+          <a:bodyPr lIns="90000" tIns="72000" rIns="90000" bIns="72000" rtlCol="0" anchor="ctr"/>
+          <a:lstStyle/>
+          <a:p>
+            <a:pPr marR="0" algn="ctr" defTabSz="914400" eaLnBrk="1" fontAlgn="base" latinLnBrk="0" hangingPunct="1">
+              <a:lnSpc>
+                <a:spcPct val="100000"/>
+              </a:lnSpc>
+              <a:spcBef>
+                <a:spcPct val="50000"/>
+              </a:spcBef>
+              <a:spcAft>
+                <a:spcPct val="0"/>
+              </a:spcAft>
+              <a:buClr>
+                <a:srgbClr val="F0AB00"/>
+              </a:buClr>
+              <a:buSzPct val="80000"/>
+              <a:tabLst/>
+            </a:pPr>
+            <a:endParaRPr kumimoji="0" lang="en-US" sz="1800" b="0" i="0" u="none" strike="noStrike" kern="0" cap="none" spc="0" normalizeH="0" baseline="0" noProof="0" dirty="0" err="1">
+              <a:ln>
+                <a:noFill/>
+              </a:ln>
+              <a:effectLst/>
+              <a:uLnTx/>
+              <a:uFillTx/>
+              <a:ea typeface="Arial Unicode MS" pitchFamily="34" charset="-128"/>
+              <a:cs typeface="Arial Unicode MS" pitchFamily="34" charset="-128"/>
+            </a:endParaRPr>
+          </a:p>
+        </p:txBody>
+      </p:sp>
+      <p:pic>
+        <p:nvPicPr>
+          <p:cNvPr id="4" name="Picture 3">
+            <a:extLst>
+              <a:ext uri="{FF2B5EF4-FFF2-40B4-BE49-F238E27FC236}">
+                <a16:creationId xmlns:a16="http://schemas.microsoft.com/office/drawing/2014/main" id="{96B02D29-DF06-4F46-996E-EA157E587A62}"/>
+              </a:ext>
+            </a:extLst>
+          </p:cNvPr>
+          <p:cNvPicPr>
+            <a:picLocks noChangeAspect="1"/>
+          </p:cNvPicPr>
+          <p:nvPr/>
+        </p:nvPicPr>
+        <p:blipFill>
+          <a:blip r:embed="rId4"/>
+          <a:stretch>
+            <a:fillRect/>
+          </a:stretch>
+        </p:blipFill>
+        <p:spPr>
+          <a:xfrm>
+            <a:off x="7418932" y="4017524"/>
+            <a:ext cx="4594727" cy="3563666"/>
+          </a:xfrm>
+          <a:prstGeom prst="rect">
+            <a:avLst/>
+          </a:prstGeom>
+        </p:spPr>
+      </p:pic>
+      <p:sp>
+        <p:nvSpPr>
+          <p:cNvPr id="10" name="TextBox 9">
+            <a:extLst>
+              <a:ext uri="{FF2B5EF4-FFF2-40B4-BE49-F238E27FC236}">
+                <a16:creationId xmlns:a16="http://schemas.microsoft.com/office/drawing/2014/main" id="{1AFCD621-72F1-4357-BB91-643A9F3966C8}"/>
+              </a:ext>
+            </a:extLst>
+          </p:cNvPr>
+          <p:cNvSpPr txBox="1"/>
+          <p:nvPr/>
+        </p:nvSpPr>
+        <p:spPr>
+          <a:xfrm>
+            <a:off x="7681884" y="3451122"/>
+            <a:ext cx="2898229" cy="276999"/>
+          </a:xfrm>
+          <a:prstGeom prst="rect">
+            <a:avLst/>
+          </a:prstGeom>
+          <a:noFill/>
+        </p:spPr>
+        <p:txBody>
+          <a:bodyPr wrap="none" lIns="0" tIns="0" rIns="0" bIns="0" rtlCol="0">
+            <a:spAutoFit/>
+          </a:bodyPr>
+          <a:lstStyle/>
+          <a:p>
+            <a:pPr fontAlgn="base">
+              <a:spcBef>
+                <a:spcPct val="50000"/>
+              </a:spcBef>
+              <a:spcAft>
+                <a:spcPct val="0"/>
+              </a:spcAft>
+              <a:buClr>
+                <a:srgbClr val="F0AB00"/>
+              </a:buClr>
+              <a:buSzPct val="80000"/>
+            </a:pPr>
+            <a:r>
+              <a:rPr lang="en-US" sz="1800" kern="0" dirty="0">
+                <a:ea typeface="Arial Unicode MS" pitchFamily="34" charset="-128"/>
+                <a:cs typeface="Arial Unicode MS" pitchFamily="34" charset="-128"/>
+              </a:rPr>
+              <a:t>Logon after </a:t>
+            </a:r>
+            <a:r>
+              <a:rPr lang="en-US" sz="1800" b="1" kern="0" dirty="0">
+                <a:ea typeface="Arial Unicode MS" pitchFamily="34" charset="-128"/>
+                <a:cs typeface="Arial Unicode MS" pitchFamily="34" charset="-128"/>
+              </a:rPr>
+              <a:t>expired</a:t>
+            </a:r>
+            <a:r>
+              <a:rPr lang="en-US" sz="1800" kern="0" dirty="0">
+                <a:ea typeface="Arial Unicode MS" pitchFamily="34" charset="-128"/>
+                <a:cs typeface="Arial Unicode MS" pitchFamily="34" charset="-128"/>
+              </a:rPr>
+              <a:t> session</a:t>
             </a:r>
           </a:p>
         </p:txBody>
@@ -8438,7 +11386,7 @@
     </p:spTree>
     <p:extLst>
       <p:ext uri="{BB962C8B-B14F-4D97-AF65-F5344CB8AC3E}">
-        <p14:creationId xmlns:p14="http://schemas.microsoft.com/office/powerpoint/2010/main" val="2468716513"/>
+        <p14:creationId xmlns:p14="http://schemas.microsoft.com/office/powerpoint/2010/main" val="329036608"/>
       </p:ext>
     </p:extLst>
   </p:cSld>
@@ -8467,24 +11415,12 @@
       </p:grpSpPr>
       <p:sp>
         <p:nvSpPr>
-          <p:cNvPr id="6" name="Picture Placeholder 5"/>
+          <p:cNvPr id="3" name="Title 2"/>
           <p:cNvSpPr>
             <a:spLocks noGrp="1"/>
           </p:cNvSpPr>
           <p:nvPr>
-            <p:ph type="pic" sz="quarter" idx="10"/>
-          </p:nvPr>
-        </p:nvSpPr>
-        <p:spPr/>
-      </p:sp>
-      <p:sp>
-        <p:nvSpPr>
-          <p:cNvPr id="4" name="Text Placeholder 3"/>
-          <p:cNvSpPr>
-            <a:spLocks noGrp="1"/>
-          </p:cNvSpPr>
-          <p:nvPr>
-            <p:ph type="body" sz="quarter" idx="11"/>
+            <p:ph type="ctrTitle"/>
           </p:nvPr>
         </p:nvSpPr>
         <p:spPr/>
@@ -8492,55 +11428,45 @@
           <a:bodyPr/>
           <a:lstStyle/>
           <a:p>
-            <a:pPr lvl="0"/>
-            <a:r>
-              <a:rPr lang="en-US"/>
-              <a:t>First level</a:t>
-            </a:r>
-          </a:p>
-          <a:p>
-            <a:pPr lvl="1"/>
-            <a:r>
-              <a:rPr lang="en-US"/>
-              <a:t>Second level</a:t>
-            </a:r>
-          </a:p>
-          <a:p>
-            <a:pPr lvl="2"/>
-            <a:r>
-              <a:rPr lang="en-US"/>
-              <a:t>Third level</a:t>
+            <a:r>
+              <a:rPr lang="en-US" dirty="0"/>
+              <a:t>Benefits &amp; </a:t>
+            </a:r>
+            <a:r>
+              <a:rPr lang="en-US" dirty="0">
+                <a:solidFill>
+                  <a:schemeClr val="accent1"/>
+                </a:solidFill>
+              </a:rPr>
+              <a:t>Evolution</a:t>
             </a:r>
             <a:endParaRPr lang="en-US" dirty="0"/>
           </a:p>
         </p:txBody>
       </p:sp>
-      <p:sp>
-        <p:nvSpPr>
-          <p:cNvPr id="2" name="Title 1"/>
-          <p:cNvSpPr>
-            <a:spLocks noGrp="1"/>
-          </p:cNvSpPr>
+      <p:pic>
+        <p:nvPicPr>
+          <p:cNvPr id="4" name="Picture Placeholder 3"/>
+          <p:cNvPicPr>
+            <a:picLocks noGrp="1" noChangeAspect="1"/>
+          </p:cNvPicPr>
           <p:nvPr>
-            <p:ph type="title"/>
+            <p:ph type="pic" sz="quarter" idx="12"/>
           </p:nvPr>
-        </p:nvSpPr>
+        </p:nvPicPr>
+        <p:blipFill>
+          <a:blip r:embed="rId2"/>
+          <a:srcRect t="3112" b="3112"/>
+          <a:stretch>
+            <a:fillRect/>
+          </a:stretch>
+        </p:blipFill>
         <p:spPr/>
-        <p:txBody>
-          <a:bodyPr/>
-          <a:lstStyle/>
-          <a:p>
-            <a:r>
-              <a:rPr lang="en-US" dirty="0"/>
-              <a:t>Insert page title (sentence case)</a:t>
-            </a:r>
-          </a:p>
-        </p:txBody>
-      </p:sp>
+      </p:pic>
     </p:spTree>
     <p:extLst>
       <p:ext uri="{BB962C8B-B14F-4D97-AF65-F5344CB8AC3E}">
-        <p14:creationId xmlns:p14="http://schemas.microsoft.com/office/powerpoint/2010/main" val="4154867534"/>
+        <p14:creationId xmlns:p14="http://schemas.microsoft.com/office/powerpoint/2010/main" val="1515423877"/>
       </p:ext>
     </p:extLst>
   </p:cSld>
@@ -8569,20 +11495,628 @@
       </p:grpSpPr>
       <p:sp>
         <p:nvSpPr>
-          <p:cNvPr id="9" name="Picture Placeholder 8"/>
+          <p:cNvPr id="4" name="Title 3"/>
           <p:cNvSpPr>
             <a:spLocks noGrp="1"/>
           </p:cNvSpPr>
           <p:nvPr>
-            <p:ph type="pic" sz="quarter" idx="10"/>
+            <p:ph type="title"/>
           </p:nvPr>
         </p:nvSpPr>
         <p:spPr/>
-      </p:sp>
+        <p:txBody>
+          <a:bodyPr/>
+          <a:lstStyle/>
+          <a:p>
+            <a:r>
+              <a:rPr lang="en-US" dirty="0"/>
+              <a:t>Design Core</a:t>
+            </a:r>
+          </a:p>
+        </p:txBody>
+      </p:sp>
+      <p:graphicFrame>
+        <p:nvGraphicFramePr>
+          <p:cNvPr id="6" name="Chart 5">
+            <a:extLst>
+              <a:ext uri="{FF2B5EF4-FFF2-40B4-BE49-F238E27FC236}">
+                <a16:creationId xmlns:a16="http://schemas.microsoft.com/office/drawing/2014/main" id="{2024650D-DE93-44EE-9895-9CF4A24DA026}"/>
+              </a:ext>
+            </a:extLst>
+          </p:cNvPr>
+          <p:cNvGraphicFramePr/>
+          <p:nvPr>
+            <p:extLst>
+              <p:ext uri="{D42A27DB-BD31-4B8C-83A1-F6EECF244321}">
+                <p14:modId xmlns:p14="http://schemas.microsoft.com/office/powerpoint/2010/main" val="3426740666"/>
+              </p:ext>
+            </p:extLst>
+          </p:nvPr>
+        </p:nvGraphicFramePr>
+        <p:xfrm>
+          <a:off x="2265994" y="1009519"/>
+          <a:ext cx="7169837" cy="4775895"/>
+        </p:xfrm>
+        <a:graphic>
+          <a:graphicData uri="http://schemas.openxmlformats.org/drawingml/2006/chart">
+            <c:chart xmlns:c="http://schemas.openxmlformats.org/drawingml/2006/chart" xmlns:r="http://schemas.openxmlformats.org/officeDocument/2006/relationships" r:id="rId3"/>
+          </a:graphicData>
+        </a:graphic>
+      </p:graphicFrame>
+      <p:sp>
+        <p:nvSpPr>
+          <p:cNvPr id="7" name="TextBox 6">
+            <a:extLst>
+              <a:ext uri="{FF2B5EF4-FFF2-40B4-BE49-F238E27FC236}">
+                <a16:creationId xmlns:a16="http://schemas.microsoft.com/office/drawing/2014/main" id="{EB377DA1-873D-4642-9C9A-ECD3BFD92D09}"/>
+              </a:ext>
+            </a:extLst>
+          </p:cNvPr>
+          <p:cNvSpPr txBox="1"/>
+          <p:nvPr/>
+        </p:nvSpPr>
+        <p:spPr>
+          <a:xfrm>
+            <a:off x="980385" y="1786229"/>
+            <a:ext cx="2571217" cy="276999"/>
+          </a:xfrm>
+          <a:prstGeom prst="rect">
+            <a:avLst/>
+          </a:prstGeom>
+          <a:noFill/>
+        </p:spPr>
+        <p:txBody>
+          <a:bodyPr wrap="none" lIns="0" tIns="0" rIns="0" bIns="0" rtlCol="0">
+            <a:spAutoFit/>
+          </a:bodyPr>
+          <a:lstStyle/>
+          <a:p>
+            <a:pPr fontAlgn="base">
+              <a:spcBef>
+                <a:spcPct val="50000"/>
+              </a:spcBef>
+              <a:spcAft>
+                <a:spcPct val="0"/>
+              </a:spcAft>
+              <a:buClr>
+                <a:srgbClr val="F0AB00"/>
+              </a:buClr>
+              <a:buSzPct val="80000"/>
+            </a:pPr>
+            <a:r>
+              <a:rPr lang="en-US" sz="1800" b="1" kern="0" dirty="0">
+                <a:solidFill>
+                  <a:srgbClr val="4FB81C"/>
+                </a:solidFill>
+                <a:ea typeface="Arial Unicode MS" pitchFamily="34" charset="-128"/>
+                <a:cs typeface="Arial Unicode MS" pitchFamily="34" charset="-128"/>
+              </a:rPr>
+              <a:t>Countable + regulation </a:t>
+            </a:r>
+          </a:p>
+        </p:txBody>
+      </p:sp>
+      <p:sp>
+        <p:nvSpPr>
+          <p:cNvPr id="8" name="TextBox 7">
+            <a:extLst>
+              <a:ext uri="{FF2B5EF4-FFF2-40B4-BE49-F238E27FC236}">
+                <a16:creationId xmlns:a16="http://schemas.microsoft.com/office/drawing/2014/main" id="{55AB0BCF-C6CB-488A-A81E-C592D83EDFA4}"/>
+              </a:ext>
+            </a:extLst>
+          </p:cNvPr>
+          <p:cNvSpPr txBox="1"/>
+          <p:nvPr/>
+        </p:nvSpPr>
+        <p:spPr>
+          <a:xfrm>
+            <a:off x="8607533" y="1786228"/>
+            <a:ext cx="1487587" cy="276999"/>
+          </a:xfrm>
+          <a:prstGeom prst="rect">
+            <a:avLst/>
+          </a:prstGeom>
+          <a:noFill/>
+        </p:spPr>
+        <p:txBody>
+          <a:bodyPr wrap="none" lIns="0" tIns="0" rIns="0" bIns="0" rtlCol="0">
+            <a:spAutoFit/>
+          </a:bodyPr>
+          <a:lstStyle/>
+          <a:p>
+            <a:pPr fontAlgn="base">
+              <a:spcBef>
+                <a:spcPct val="50000"/>
+              </a:spcBef>
+              <a:spcAft>
+                <a:spcPct val="0"/>
+              </a:spcAft>
+              <a:buClr>
+                <a:srgbClr val="F0AB00"/>
+              </a:buClr>
+              <a:buSzPct val="80000"/>
+            </a:pPr>
+            <a:r>
+              <a:rPr lang="en-US" sz="1800" b="1" kern="0" dirty="0">
+                <a:solidFill>
+                  <a:schemeClr val="accent1"/>
+                </a:solidFill>
+                <a:ea typeface="Arial Unicode MS" pitchFamily="34" charset="-128"/>
+                <a:cs typeface="Arial Unicode MS" pitchFamily="34" charset="-128"/>
+              </a:rPr>
+              <a:t>Autonomous </a:t>
+            </a:r>
+          </a:p>
+        </p:txBody>
+      </p:sp>
+      <p:sp>
+        <p:nvSpPr>
+          <p:cNvPr id="9" name="TextBox 8">
+            <a:extLst>
+              <a:ext uri="{FF2B5EF4-FFF2-40B4-BE49-F238E27FC236}">
+                <a16:creationId xmlns:a16="http://schemas.microsoft.com/office/drawing/2014/main" id="{8EED529D-C948-41AE-B89D-4F4375C1339A}"/>
+              </a:ext>
+            </a:extLst>
+          </p:cNvPr>
+          <p:cNvSpPr txBox="1"/>
+          <p:nvPr/>
+        </p:nvSpPr>
+        <p:spPr>
+          <a:xfrm>
+            <a:off x="1265720" y="4376493"/>
+            <a:ext cx="1423467" cy="276999"/>
+          </a:xfrm>
+          <a:prstGeom prst="rect">
+            <a:avLst/>
+          </a:prstGeom>
+          <a:noFill/>
+          <a:ln>
+            <a:noFill/>
+          </a:ln>
+        </p:spPr>
+        <p:txBody>
+          <a:bodyPr wrap="none" lIns="0" tIns="0" rIns="0" bIns="0" rtlCol="0">
+            <a:spAutoFit/>
+          </a:bodyPr>
+          <a:lstStyle/>
+          <a:p>
+            <a:pPr fontAlgn="base">
+              <a:spcBef>
+                <a:spcPct val="50000"/>
+              </a:spcBef>
+              <a:spcAft>
+                <a:spcPct val="0"/>
+              </a:spcAft>
+              <a:buClr>
+                <a:srgbClr val="F0AB00"/>
+              </a:buClr>
+              <a:buSzPct val="80000"/>
+            </a:pPr>
+            <a:r>
+              <a:rPr lang="en-US" sz="1800" b="1" kern="0" dirty="0">
+                <a:solidFill>
+                  <a:srgbClr val="008FD3"/>
+                </a:solidFill>
+                <a:ea typeface="Arial Unicode MS" pitchFamily="34" charset="-128"/>
+                <a:cs typeface="Arial Unicode MS" pitchFamily="34" charset="-128"/>
+              </a:rPr>
+              <a:t>User-friendly</a:t>
+            </a:r>
+          </a:p>
+        </p:txBody>
+      </p:sp>
+      <p:sp>
+        <p:nvSpPr>
+          <p:cNvPr id="12" name="TextBox 11">
+            <a:extLst>
+              <a:ext uri="{FF2B5EF4-FFF2-40B4-BE49-F238E27FC236}">
+                <a16:creationId xmlns:a16="http://schemas.microsoft.com/office/drawing/2014/main" id="{CC0CF1A2-E210-4A5E-9C09-580619FA7405}"/>
+              </a:ext>
+            </a:extLst>
+          </p:cNvPr>
+          <p:cNvSpPr txBox="1"/>
+          <p:nvPr/>
+        </p:nvSpPr>
+        <p:spPr>
+          <a:xfrm>
+            <a:off x="1278544" y="2269821"/>
+            <a:ext cx="1564531" cy="246221"/>
+          </a:xfrm>
+          <a:prstGeom prst="rect">
+            <a:avLst/>
+          </a:prstGeom>
+          <a:noFill/>
+        </p:spPr>
+        <p:txBody>
+          <a:bodyPr wrap="none" lIns="0" tIns="0" rIns="0" bIns="0" rtlCol="0">
+            <a:spAutoFit/>
+          </a:bodyPr>
+          <a:lstStyle/>
+          <a:p>
+            <a:pPr fontAlgn="base">
+              <a:spcBef>
+                <a:spcPct val="50000"/>
+              </a:spcBef>
+              <a:spcAft>
+                <a:spcPct val="0"/>
+              </a:spcAft>
+              <a:buClr>
+                <a:srgbClr val="F0AB00"/>
+              </a:buClr>
+              <a:buSzPct val="80000"/>
+            </a:pPr>
+            <a:r>
+              <a:rPr lang="en-US" sz="1600" b="1" kern="0" dirty="0">
+                <a:solidFill>
+                  <a:srgbClr val="4FB81C"/>
+                </a:solidFill>
+                <a:ea typeface="Arial Unicode MS" pitchFamily="34" charset="-128"/>
+                <a:cs typeface="Arial Unicode MS" pitchFamily="34" charset="-128"/>
+              </a:rPr>
+              <a:t>Fair distribution</a:t>
+            </a:r>
+          </a:p>
+        </p:txBody>
+      </p:sp>
+      <p:sp>
+        <p:nvSpPr>
+          <p:cNvPr id="13" name="TextBox 12">
+            <a:extLst>
+              <a:ext uri="{FF2B5EF4-FFF2-40B4-BE49-F238E27FC236}">
+                <a16:creationId xmlns:a16="http://schemas.microsoft.com/office/drawing/2014/main" id="{F06BEDE4-581D-4EA2-8B76-2882C831EE39}"/>
+              </a:ext>
+            </a:extLst>
+          </p:cNvPr>
+          <p:cNvSpPr txBox="1"/>
+          <p:nvPr/>
+        </p:nvSpPr>
+        <p:spPr>
+          <a:xfrm>
+            <a:off x="1265720" y="4789679"/>
+            <a:ext cx="1572546" cy="246221"/>
+          </a:xfrm>
+          <a:prstGeom prst="rect">
+            <a:avLst/>
+          </a:prstGeom>
+          <a:noFill/>
+          <a:ln>
+            <a:noFill/>
+          </a:ln>
+        </p:spPr>
+        <p:txBody>
+          <a:bodyPr wrap="none" lIns="0" tIns="0" rIns="0" bIns="0" rtlCol="0">
+            <a:spAutoFit/>
+          </a:bodyPr>
+          <a:lstStyle/>
+          <a:p>
+            <a:pPr fontAlgn="base">
+              <a:spcBef>
+                <a:spcPct val="50000"/>
+              </a:spcBef>
+              <a:spcAft>
+                <a:spcPct val="0"/>
+              </a:spcAft>
+              <a:buClr>
+                <a:srgbClr val="F0AB00"/>
+              </a:buClr>
+              <a:buSzPct val="80000"/>
+            </a:pPr>
+            <a:r>
+              <a:rPr lang="en-US" sz="1600" b="1" kern="0" dirty="0">
+                <a:solidFill>
+                  <a:srgbClr val="008FD3"/>
+                </a:solidFill>
+                <a:ea typeface="Arial Unicode MS" pitchFamily="34" charset="-128"/>
+                <a:cs typeface="Arial Unicode MS" pitchFamily="34" charset="-128"/>
+              </a:rPr>
+              <a:t>Easy to process</a:t>
+            </a:r>
+          </a:p>
+        </p:txBody>
+      </p:sp>
+      <p:cxnSp>
+        <p:nvCxnSpPr>
+          <p:cNvPr id="14" name="Straight Connector 13">
+            <a:extLst>
+              <a:ext uri="{FF2B5EF4-FFF2-40B4-BE49-F238E27FC236}">
+                <a16:creationId xmlns:a16="http://schemas.microsoft.com/office/drawing/2014/main" id="{CF7C7744-C579-4D28-98C2-5A2C9A6EABF9}"/>
+              </a:ext>
+            </a:extLst>
+          </p:cNvPr>
+          <p:cNvCxnSpPr/>
+          <p:nvPr/>
+        </p:nvCxnSpPr>
+        <p:spPr>
+          <a:xfrm>
+            <a:off x="980385" y="2063228"/>
+            <a:ext cx="2477923" cy="0"/>
+          </a:xfrm>
+          <a:prstGeom prst="line">
+            <a:avLst/>
+          </a:prstGeom>
+          <a:ln w="9525">
+            <a:solidFill>
+              <a:schemeClr val="tx1"/>
+            </a:solidFill>
+            <a:headEnd type="none" w="med" len="med"/>
+            <a:tailEnd type="none" w="med" len="med"/>
+          </a:ln>
+        </p:spPr>
+        <p:style>
+          <a:lnRef idx="1">
+            <a:schemeClr val="accent1"/>
+          </a:lnRef>
+          <a:fillRef idx="0">
+            <a:schemeClr val="accent1"/>
+          </a:fillRef>
+          <a:effectRef idx="0">
+            <a:schemeClr val="accent1"/>
+          </a:effectRef>
+          <a:fontRef idx="minor">
+            <a:schemeClr val="tx1"/>
+          </a:fontRef>
+        </p:style>
+      </p:cxnSp>
+      <p:cxnSp>
+        <p:nvCxnSpPr>
+          <p:cNvPr id="16" name="Straight Connector 15">
+            <a:extLst>
+              <a:ext uri="{FF2B5EF4-FFF2-40B4-BE49-F238E27FC236}">
+                <a16:creationId xmlns:a16="http://schemas.microsoft.com/office/drawing/2014/main" id="{403707E3-FC32-4911-BE69-10D4B8B12771}"/>
+              </a:ext>
+            </a:extLst>
+          </p:cNvPr>
+          <p:cNvCxnSpPr/>
+          <p:nvPr/>
+        </p:nvCxnSpPr>
+        <p:spPr>
+          <a:xfrm>
+            <a:off x="1265720" y="4653492"/>
+            <a:ext cx="1423467" cy="0"/>
+          </a:xfrm>
+          <a:prstGeom prst="line">
+            <a:avLst/>
+          </a:prstGeom>
+          <a:ln w="9525">
+            <a:solidFill>
+              <a:schemeClr val="tx1"/>
+            </a:solidFill>
+            <a:headEnd type="none" w="med" len="med"/>
+            <a:tailEnd type="none" w="med" len="med"/>
+          </a:ln>
+        </p:spPr>
+        <p:style>
+          <a:lnRef idx="1">
+            <a:schemeClr val="accent1"/>
+          </a:lnRef>
+          <a:fillRef idx="0">
+            <a:schemeClr val="accent1"/>
+          </a:fillRef>
+          <a:effectRef idx="0">
+            <a:schemeClr val="accent1"/>
+          </a:effectRef>
+          <a:fontRef idx="minor">
+            <a:schemeClr val="tx1"/>
+          </a:fontRef>
+        </p:style>
+      </p:cxnSp>
+      <p:sp>
+        <p:nvSpPr>
+          <p:cNvPr id="17" name="TextBox 16">
+            <a:extLst>
+              <a:ext uri="{FF2B5EF4-FFF2-40B4-BE49-F238E27FC236}">
+                <a16:creationId xmlns:a16="http://schemas.microsoft.com/office/drawing/2014/main" id="{23AA344C-FF3B-40A7-B6BC-4ACC4A20F4EB}"/>
+              </a:ext>
+            </a:extLst>
+          </p:cNvPr>
+          <p:cNvSpPr txBox="1"/>
+          <p:nvPr/>
+        </p:nvSpPr>
+        <p:spPr>
+          <a:xfrm>
+            <a:off x="8427194" y="2269821"/>
+            <a:ext cx="1848263" cy="246221"/>
+          </a:xfrm>
+          <a:prstGeom prst="rect">
+            <a:avLst/>
+          </a:prstGeom>
+          <a:noFill/>
+        </p:spPr>
+        <p:txBody>
+          <a:bodyPr wrap="none" lIns="0" tIns="0" rIns="0" bIns="0" rtlCol="0">
+            <a:spAutoFit/>
+          </a:bodyPr>
+          <a:lstStyle/>
+          <a:p>
+            <a:pPr fontAlgn="base">
+              <a:spcBef>
+                <a:spcPct val="50000"/>
+              </a:spcBef>
+              <a:spcAft>
+                <a:spcPct val="0"/>
+              </a:spcAft>
+              <a:buClr>
+                <a:srgbClr val="F0AB00"/>
+              </a:buClr>
+              <a:buSzPct val="80000"/>
+            </a:pPr>
+            <a:r>
+              <a:rPr lang="en-US" sz="1600" b="1" kern="0" dirty="0">
+                <a:solidFill>
+                  <a:schemeClr val="accent1"/>
+                </a:solidFill>
+                <a:ea typeface="Arial Unicode MS" pitchFamily="34" charset="-128"/>
+                <a:cs typeface="Arial Unicode MS" pitchFamily="34" charset="-128"/>
+              </a:rPr>
+              <a:t>Preference conflict</a:t>
+            </a:r>
+          </a:p>
+        </p:txBody>
+      </p:sp>
+      <p:cxnSp>
+        <p:nvCxnSpPr>
+          <p:cNvPr id="19" name="Straight Connector 18">
+            <a:extLst>
+              <a:ext uri="{FF2B5EF4-FFF2-40B4-BE49-F238E27FC236}">
+                <a16:creationId xmlns:a16="http://schemas.microsoft.com/office/drawing/2014/main" id="{BA578CA6-1327-4849-AF17-23CF68A2133A}"/>
+              </a:ext>
+            </a:extLst>
+          </p:cNvPr>
+          <p:cNvCxnSpPr/>
+          <p:nvPr/>
+        </p:nvCxnSpPr>
+        <p:spPr>
+          <a:xfrm>
+            <a:off x="8607533" y="2063227"/>
+            <a:ext cx="1487587" cy="0"/>
+          </a:xfrm>
+          <a:prstGeom prst="line">
+            <a:avLst/>
+          </a:prstGeom>
+          <a:ln w="9525">
+            <a:solidFill>
+              <a:schemeClr val="tx1"/>
+            </a:solidFill>
+            <a:headEnd type="none" w="med" len="med"/>
+            <a:tailEnd type="none" w="med" len="med"/>
+          </a:ln>
+        </p:spPr>
+        <p:style>
+          <a:lnRef idx="1">
+            <a:schemeClr val="accent1"/>
+          </a:lnRef>
+          <a:fillRef idx="0">
+            <a:schemeClr val="accent1"/>
+          </a:fillRef>
+          <a:effectRef idx="0">
+            <a:schemeClr val="accent1"/>
+          </a:effectRef>
+          <a:fontRef idx="minor">
+            <a:schemeClr val="tx1"/>
+          </a:fontRef>
+        </p:style>
+      </p:cxnSp>
+      <p:grpSp>
+        <p:nvGrpSpPr>
+          <p:cNvPr id="5" name="Group 4">
+            <a:extLst>
+              <a:ext uri="{FF2B5EF4-FFF2-40B4-BE49-F238E27FC236}">
+                <a16:creationId xmlns:a16="http://schemas.microsoft.com/office/drawing/2014/main" id="{17CF6214-93C5-4CCB-8E34-D9C576016FF0}"/>
+              </a:ext>
+            </a:extLst>
+          </p:cNvPr>
+          <p:cNvGrpSpPr/>
+          <p:nvPr/>
+        </p:nvGrpSpPr>
+        <p:grpSpPr>
+          <a:xfrm>
+            <a:off x="8427194" y="4376492"/>
+            <a:ext cx="1962076" cy="276999"/>
+            <a:chOff x="8607533" y="4376493"/>
+            <a:chExt cx="1962076" cy="276999"/>
+          </a:xfrm>
+        </p:grpSpPr>
+        <p:sp>
+          <p:nvSpPr>
+            <p:cNvPr id="10" name="TextBox 9">
+              <a:extLst>
+                <a:ext uri="{FF2B5EF4-FFF2-40B4-BE49-F238E27FC236}">
+                  <a16:creationId xmlns:a16="http://schemas.microsoft.com/office/drawing/2014/main" id="{F7E60F61-40C9-4D2F-B34F-B57D1DADBE79}"/>
+                </a:ext>
+              </a:extLst>
+            </p:cNvPr>
+            <p:cNvSpPr txBox="1"/>
+            <p:nvPr/>
+          </p:nvSpPr>
+          <p:spPr>
+            <a:xfrm>
+              <a:off x="8607533" y="4376493"/>
+              <a:ext cx="1962076" cy="276999"/>
+            </a:xfrm>
+            <a:prstGeom prst="rect">
+              <a:avLst/>
+            </a:prstGeom>
+            <a:noFill/>
+          </p:spPr>
+          <p:txBody>
+            <a:bodyPr wrap="none" lIns="0" tIns="0" rIns="0" bIns="0" rtlCol="0">
+              <a:spAutoFit/>
+            </a:bodyPr>
+            <a:lstStyle/>
+            <a:p>
+              <a:pPr fontAlgn="base">
+                <a:spcBef>
+                  <a:spcPct val="50000"/>
+                </a:spcBef>
+                <a:spcAft>
+                  <a:spcPct val="0"/>
+                </a:spcAft>
+                <a:buClr>
+                  <a:srgbClr val="F0AB00"/>
+                </a:buClr>
+                <a:buSzPct val="80000"/>
+              </a:pPr>
+              <a:r>
+                <a:rPr lang="en-US" sz="1800" b="1" kern="0" dirty="0">
+                  <a:solidFill>
+                    <a:srgbClr val="666666"/>
+                  </a:solidFill>
+                  <a:ea typeface="Arial Unicode MS" pitchFamily="34" charset="-128"/>
+                  <a:cs typeface="Arial Unicode MS" pitchFamily="34" charset="-128"/>
+                </a:rPr>
+                <a:t>Know what to use</a:t>
+              </a:r>
+            </a:p>
+          </p:txBody>
+        </p:sp>
+        <p:cxnSp>
+          <p:nvCxnSpPr>
+            <p:cNvPr id="3" name="Straight Connector 2">
+              <a:extLst>
+                <a:ext uri="{FF2B5EF4-FFF2-40B4-BE49-F238E27FC236}">
+                  <a16:creationId xmlns:a16="http://schemas.microsoft.com/office/drawing/2014/main" id="{7450FE50-3D45-452F-9B80-89DEDA264922}"/>
+                </a:ext>
+              </a:extLst>
+            </p:cNvPr>
+            <p:cNvCxnSpPr/>
+            <p:nvPr/>
+          </p:nvCxnSpPr>
+          <p:spPr>
+            <a:xfrm>
+              <a:off x="8607533" y="4653492"/>
+              <a:ext cx="1962076" cy="0"/>
+            </a:xfrm>
+            <a:prstGeom prst="line">
+              <a:avLst/>
+            </a:prstGeom>
+            <a:ln w="9525">
+              <a:solidFill>
+                <a:schemeClr val="tx1"/>
+              </a:solidFill>
+              <a:headEnd type="none" w="med" len="med"/>
+              <a:tailEnd type="none" w="med" len="med"/>
+            </a:ln>
+          </p:spPr>
+          <p:style>
+            <a:lnRef idx="1">
+              <a:schemeClr val="accent1"/>
+            </a:lnRef>
+            <a:fillRef idx="0">
+              <a:schemeClr val="accent1"/>
+            </a:fillRef>
+            <a:effectRef idx="0">
+              <a:schemeClr val="accent1"/>
+            </a:effectRef>
+            <a:fontRef idx="minor">
+              <a:schemeClr val="tx1"/>
+            </a:fontRef>
+          </p:style>
+        </p:cxnSp>
+      </p:grpSp>
     </p:spTree>
     <p:extLst>
       <p:ext uri="{BB962C8B-B14F-4D97-AF65-F5344CB8AC3E}">
-        <p14:creationId xmlns:p14="http://schemas.microsoft.com/office/powerpoint/2010/main" val="3324205101"/>
+        <p14:creationId xmlns:p14="http://schemas.microsoft.com/office/powerpoint/2010/main" val="3886438963"/>
       </p:ext>
     </p:extLst>
   </p:cSld>
@@ -8609,22 +12143,324 @@
           <a:chExt cx="0" cy="0"/>
         </a:xfrm>
       </p:grpSpPr>
-      <p:sp>
-        <p:nvSpPr>
-          <p:cNvPr id="2" name="Picture Placeholder 1"/>
-          <p:cNvSpPr>
-            <a:spLocks noGrp="1"/>
-          </p:cNvSpPr>
-          <p:nvPr>
-            <p:ph type="pic" sz="quarter" idx="10"/>
-          </p:nvPr>
-        </p:nvSpPr>
-        <p:spPr/>
+      <p:pic>
+        <p:nvPicPr>
+          <p:cNvPr id="8" name="Picture 7">
+            <a:extLst>
+              <a:ext uri="{FF2B5EF4-FFF2-40B4-BE49-F238E27FC236}">
+                <a16:creationId xmlns:a16="http://schemas.microsoft.com/office/drawing/2014/main" id="{E0271523-1F4F-43F1-BCD5-61A6B0CDED41}"/>
+              </a:ext>
+            </a:extLst>
+          </p:cNvPr>
+          <p:cNvPicPr>
+            <a:picLocks noChangeAspect="1"/>
+          </p:cNvPicPr>
+          <p:nvPr/>
+        </p:nvPicPr>
+        <p:blipFill rotWithShape="1">
+          <a:blip r:embed="rId2"/>
+          <a:srcRect r="26246"/>
+          <a:stretch/>
+        </p:blipFill>
+        <p:spPr>
+          <a:xfrm>
+            <a:off x="523298" y="1101969"/>
+            <a:ext cx="4894908" cy="5062131"/>
+          </a:xfrm>
+          <a:prstGeom prst="rect">
+            <a:avLst/>
+          </a:prstGeom>
+        </p:spPr>
+      </p:pic>
+      <p:sp>
+        <p:nvSpPr>
+          <p:cNvPr id="7" name="Oval 6">
+            <a:extLst>
+              <a:ext uri="{FF2B5EF4-FFF2-40B4-BE49-F238E27FC236}">
+                <a16:creationId xmlns:a16="http://schemas.microsoft.com/office/drawing/2014/main" id="{74501F77-C573-4E73-AF19-FD9BDC119363}"/>
+              </a:ext>
+            </a:extLst>
+          </p:cNvPr>
+          <p:cNvSpPr/>
+          <p:nvPr/>
+        </p:nvSpPr>
+        <p:spPr bwMode="gray">
+          <a:xfrm>
+            <a:off x="8057072" y="1742536"/>
+            <a:ext cx="2889849" cy="2889849"/>
+          </a:xfrm>
+          <a:prstGeom prst="ellipse">
+            <a:avLst/>
+          </a:prstGeom>
+          <a:solidFill>
+            <a:schemeClr val="accent1"/>
+          </a:solidFill>
+          <a:ln w="6350" algn="ctr">
+            <a:noFill/>
+            <a:miter lim="800000"/>
+            <a:headEnd/>
+            <a:tailEnd/>
+          </a:ln>
+        </p:spPr>
+        <p:txBody>
+          <a:bodyPr lIns="90000" tIns="72000" rIns="90000" bIns="72000" rtlCol="0" anchor="ctr"/>
+          <a:lstStyle/>
+          <a:p>
+            <a:pPr marR="0" algn="ctr" defTabSz="914400" eaLnBrk="1" fontAlgn="base" latinLnBrk="0" hangingPunct="1">
+              <a:lnSpc>
+                <a:spcPct val="100000"/>
+              </a:lnSpc>
+              <a:spcBef>
+                <a:spcPct val="50000"/>
+              </a:spcBef>
+              <a:spcAft>
+                <a:spcPct val="0"/>
+              </a:spcAft>
+              <a:buClr>
+                <a:srgbClr val="F0AB00"/>
+              </a:buClr>
+              <a:buSzPct val="80000"/>
+              <a:tabLst/>
+            </a:pPr>
+            <a:endParaRPr kumimoji="0" lang="en-US" sz="1800" b="0" i="0" u="none" strike="noStrike" kern="0" cap="none" spc="0" normalizeH="0" baseline="0" noProof="0" dirty="0" err="1">
+              <a:ln>
+                <a:noFill/>
+              </a:ln>
+              <a:effectLst/>
+              <a:uLnTx/>
+              <a:uFillTx/>
+              <a:ea typeface="Arial Unicode MS" pitchFamily="34" charset="-128"/>
+              <a:cs typeface="Arial Unicode MS" pitchFamily="34" charset="-128"/>
+            </a:endParaRPr>
+          </a:p>
+        </p:txBody>
+      </p:sp>
+      <p:sp>
+        <p:nvSpPr>
+          <p:cNvPr id="9" name="TextBox 8">
+            <a:extLst>
+              <a:ext uri="{FF2B5EF4-FFF2-40B4-BE49-F238E27FC236}">
+                <a16:creationId xmlns:a16="http://schemas.microsoft.com/office/drawing/2014/main" id="{FBF99C32-42BF-408F-BF15-1B18913EB462}"/>
+              </a:ext>
+            </a:extLst>
+          </p:cNvPr>
+          <p:cNvSpPr txBox="1"/>
+          <p:nvPr/>
+        </p:nvSpPr>
+        <p:spPr>
+          <a:xfrm>
+            <a:off x="8321384" y="1828801"/>
+            <a:ext cx="1623842" cy="923330"/>
+          </a:xfrm>
+          <a:prstGeom prst="rect">
+            <a:avLst/>
+          </a:prstGeom>
+          <a:noFill/>
+        </p:spPr>
+        <p:txBody>
+          <a:bodyPr wrap="none" lIns="0" tIns="0" rIns="0" bIns="0" rtlCol="0">
+            <a:spAutoFit/>
+          </a:bodyPr>
+          <a:lstStyle/>
+          <a:p>
+            <a:pPr fontAlgn="base">
+              <a:spcBef>
+                <a:spcPct val="50000"/>
+              </a:spcBef>
+              <a:spcAft>
+                <a:spcPct val="0"/>
+              </a:spcAft>
+              <a:buClr>
+                <a:srgbClr val="F0AB00"/>
+              </a:buClr>
+              <a:buSzPct val="80000"/>
+            </a:pPr>
+            <a:r>
+              <a:rPr lang="en-US" sz="6000" b="1" kern="0" dirty="0">
+                <a:solidFill>
+                  <a:schemeClr val="bg1"/>
+                </a:solidFill>
+                <a:ea typeface="Arial Unicode MS" pitchFamily="34" charset="-128"/>
+                <a:cs typeface="Arial Unicode MS" pitchFamily="34" charset="-128"/>
+              </a:rPr>
+              <a:t>Web</a:t>
+            </a:r>
+          </a:p>
+        </p:txBody>
+      </p:sp>
+      <p:sp>
+        <p:nvSpPr>
+          <p:cNvPr id="12" name="TextBox 11">
+            <a:extLst>
+              <a:ext uri="{FF2B5EF4-FFF2-40B4-BE49-F238E27FC236}">
+                <a16:creationId xmlns:a16="http://schemas.microsoft.com/office/drawing/2014/main" id="{F9942FC1-6018-42BE-8674-81738434BF70}"/>
+              </a:ext>
+            </a:extLst>
+          </p:cNvPr>
+          <p:cNvSpPr txBox="1"/>
+          <p:nvPr/>
+        </p:nvSpPr>
+        <p:spPr>
+          <a:xfrm>
+            <a:off x="8002204" y="2818128"/>
+            <a:ext cx="2944717" cy="738664"/>
+          </a:xfrm>
+          <a:prstGeom prst="rect">
+            <a:avLst/>
+          </a:prstGeom>
+          <a:noFill/>
+        </p:spPr>
+        <p:txBody>
+          <a:bodyPr wrap="none" lIns="0" tIns="0" rIns="0" bIns="0" rtlCol="0">
+            <a:spAutoFit/>
+          </a:bodyPr>
+          <a:lstStyle/>
+          <a:p>
+            <a:pPr fontAlgn="base">
+              <a:spcBef>
+                <a:spcPct val="50000"/>
+              </a:spcBef>
+              <a:spcAft>
+                <a:spcPct val="0"/>
+              </a:spcAft>
+              <a:buClr>
+                <a:srgbClr val="F0AB00"/>
+              </a:buClr>
+              <a:buSzPct val="80000"/>
+            </a:pPr>
+            <a:r>
+              <a:rPr lang="en-US" sz="4800" b="1" kern="0" dirty="0">
+                <a:solidFill>
+                  <a:schemeClr val="bg1"/>
+                </a:solidFill>
+                <a:ea typeface="Arial Unicode MS" pitchFamily="34" charset="-128"/>
+                <a:cs typeface="Arial Unicode MS" pitchFamily="34" charset="-128"/>
+              </a:rPr>
+              <a:t>Name List</a:t>
+            </a:r>
+          </a:p>
+        </p:txBody>
+      </p:sp>
+      <p:sp>
+        <p:nvSpPr>
+          <p:cNvPr id="13" name="TextBox 12">
+            <a:extLst>
+              <a:ext uri="{FF2B5EF4-FFF2-40B4-BE49-F238E27FC236}">
+                <a16:creationId xmlns:a16="http://schemas.microsoft.com/office/drawing/2014/main" id="{767AE63F-3352-4757-85AD-11CBE999D920}"/>
+              </a:ext>
+            </a:extLst>
+          </p:cNvPr>
+          <p:cNvSpPr txBox="1"/>
+          <p:nvPr/>
+        </p:nvSpPr>
+        <p:spPr>
+          <a:xfrm>
+            <a:off x="8321384" y="3622484"/>
+            <a:ext cx="2361224" cy="738664"/>
+          </a:xfrm>
+          <a:prstGeom prst="rect">
+            <a:avLst/>
+          </a:prstGeom>
+          <a:noFill/>
+        </p:spPr>
+        <p:txBody>
+          <a:bodyPr wrap="none" lIns="0" tIns="0" rIns="0" bIns="0" rtlCol="0">
+            <a:spAutoFit/>
+          </a:bodyPr>
+          <a:lstStyle/>
+          <a:p>
+            <a:pPr fontAlgn="base">
+              <a:spcBef>
+                <a:spcPct val="50000"/>
+              </a:spcBef>
+              <a:spcAft>
+                <a:spcPct val="0"/>
+              </a:spcAft>
+              <a:buClr>
+                <a:srgbClr val="F0AB00"/>
+              </a:buClr>
+              <a:buSzPct val="80000"/>
+            </a:pPr>
+            <a:r>
+              <a:rPr lang="en-US" sz="4800" b="1" kern="0" dirty="0">
+                <a:solidFill>
+                  <a:schemeClr val="bg1"/>
+                </a:solidFill>
+                <a:ea typeface="Arial Unicode MS" pitchFamily="34" charset="-128"/>
+                <a:cs typeface="Arial Unicode MS" pitchFamily="34" charset="-128"/>
+              </a:rPr>
+              <a:t>Counter</a:t>
+            </a:r>
+          </a:p>
+        </p:txBody>
+      </p:sp>
+      <p:sp>
+        <p:nvSpPr>
+          <p:cNvPr id="2" name="Arrow: Right 1">
+            <a:extLst>
+              <a:ext uri="{FF2B5EF4-FFF2-40B4-BE49-F238E27FC236}">
+                <a16:creationId xmlns:a16="http://schemas.microsoft.com/office/drawing/2014/main" id="{6C1284AF-83A0-48F4-B28A-550F6D67BC9A}"/>
+              </a:ext>
+            </a:extLst>
+          </p:cNvPr>
+          <p:cNvSpPr/>
+          <p:nvPr/>
+        </p:nvSpPr>
+        <p:spPr bwMode="gray">
+          <a:xfrm>
+            <a:off x="6022656" y="2807762"/>
+            <a:ext cx="1429966" cy="749030"/>
+          </a:xfrm>
+          <a:prstGeom prst="rightArrow">
+            <a:avLst/>
+          </a:prstGeom>
+          <a:solidFill>
+            <a:schemeClr val="accent1"/>
+          </a:solidFill>
+          <a:ln w="6350" algn="ctr">
+            <a:noFill/>
+            <a:miter lim="800000"/>
+            <a:headEnd/>
+            <a:tailEnd/>
+          </a:ln>
+        </p:spPr>
+        <p:txBody>
+          <a:bodyPr lIns="90000" tIns="72000" rIns="90000" bIns="72000" rtlCol="0" anchor="ctr"/>
+          <a:lstStyle/>
+          <a:p>
+            <a:pPr marR="0" algn="ctr" defTabSz="914400" eaLnBrk="1" fontAlgn="base" latinLnBrk="0" hangingPunct="1">
+              <a:lnSpc>
+                <a:spcPct val="100000"/>
+              </a:lnSpc>
+              <a:spcBef>
+                <a:spcPct val="50000"/>
+              </a:spcBef>
+              <a:spcAft>
+                <a:spcPct val="0"/>
+              </a:spcAft>
+              <a:buClr>
+                <a:srgbClr val="F0AB00"/>
+              </a:buClr>
+              <a:buSzPct val="80000"/>
+              <a:tabLst/>
+            </a:pPr>
+            <a:endParaRPr kumimoji="0" lang="en-US" sz="1800" b="0" i="0" u="none" strike="noStrike" kern="0" cap="none" spc="0" normalizeH="0" baseline="0" noProof="0" dirty="0" err="1">
+              <a:ln>
+                <a:noFill/>
+              </a:ln>
+              <a:effectLst/>
+              <a:uLnTx/>
+              <a:uFillTx/>
+              <a:ea typeface="Arial Unicode MS" pitchFamily="34" charset="-128"/>
+              <a:cs typeface="Arial Unicode MS" pitchFamily="34" charset="-128"/>
+            </a:endParaRPr>
+          </a:p>
+        </p:txBody>
       </p:sp>
     </p:spTree>
     <p:extLst>
       <p:ext uri="{BB962C8B-B14F-4D97-AF65-F5344CB8AC3E}">
-        <p14:creationId xmlns:p14="http://schemas.microsoft.com/office/powerpoint/2010/main" val="1840057824"/>
+        <p14:creationId xmlns:p14="http://schemas.microsoft.com/office/powerpoint/2010/main" val="42108366"/>
       </p:ext>
     </p:extLst>
   </p:cSld>
@@ -8651,109 +12487,779 @@
           <a:chExt cx="0" cy="0"/>
         </a:xfrm>
       </p:grpSpPr>
-      <p:sp>
-        <p:nvSpPr>
-          <p:cNvPr id="8" name="Text Placeholder 7"/>
-          <p:cNvSpPr>
-            <a:spLocks noGrp="1"/>
-          </p:cNvSpPr>
-          <p:nvPr>
-            <p:ph type="body" sz="quarter" idx="10"/>
-          </p:nvPr>
-        </p:nvSpPr>
-        <p:spPr/>
-        <p:txBody>
-          <a:bodyPr/>
+      <p:pic>
+        <p:nvPicPr>
+          <p:cNvPr id="4" name="Picture 3">
+            <a:extLst>
+              <a:ext uri="{FF2B5EF4-FFF2-40B4-BE49-F238E27FC236}">
+                <a16:creationId xmlns:a16="http://schemas.microsoft.com/office/drawing/2014/main" id="{8165186F-2192-4C50-832B-E3DE2E14CA35}"/>
+              </a:ext>
+            </a:extLst>
+          </p:cNvPr>
+          <p:cNvPicPr>
+            <a:picLocks noChangeAspect="1"/>
+          </p:cNvPicPr>
+          <p:nvPr/>
+        </p:nvPicPr>
+        <p:blipFill rotWithShape="1">
+          <a:blip r:embed="rId2"/>
+          <a:srcRect l="9171" r="22938"/>
+          <a:stretch/>
+        </p:blipFill>
+        <p:spPr>
+          <a:xfrm>
+            <a:off x="0" y="1910688"/>
+            <a:ext cx="5671225" cy="3305175"/>
+          </a:xfrm>
+          <a:prstGeom prst="rect">
+            <a:avLst/>
+          </a:prstGeom>
+        </p:spPr>
+      </p:pic>
+      <p:sp>
+        <p:nvSpPr>
+          <p:cNvPr id="6" name="Oval 5">
+            <a:extLst>
+              <a:ext uri="{FF2B5EF4-FFF2-40B4-BE49-F238E27FC236}">
+                <a16:creationId xmlns:a16="http://schemas.microsoft.com/office/drawing/2014/main" id="{BF933E7C-C729-4D3B-92C0-6F7BA3ED53D3}"/>
+              </a:ext>
+            </a:extLst>
+          </p:cNvPr>
+          <p:cNvSpPr/>
+          <p:nvPr/>
+        </p:nvSpPr>
+        <p:spPr bwMode="gray">
+          <a:xfrm>
+            <a:off x="8057072" y="1742536"/>
+            <a:ext cx="2889849" cy="2889849"/>
+          </a:xfrm>
+          <a:prstGeom prst="ellipse">
+            <a:avLst/>
+          </a:prstGeom>
+          <a:solidFill>
+            <a:schemeClr val="accent1"/>
+          </a:solidFill>
+          <a:ln w="6350" algn="ctr">
+            <a:noFill/>
+            <a:miter lim="800000"/>
+            <a:headEnd/>
+            <a:tailEnd/>
+          </a:ln>
+        </p:spPr>
+        <p:txBody>
+          <a:bodyPr lIns="90000" tIns="72000" rIns="90000" bIns="72000" rtlCol="0" anchor="ctr"/>
           <a:lstStyle/>
           <a:p>
-            <a:pPr lvl="0"/>
-            <a:r>
-              <a:rPr lang="en-US"/>
-              <a:t>First level</a:t>
-            </a:r>
-          </a:p>
-          <a:p>
-            <a:pPr lvl="1"/>
-            <a:r>
-              <a:rPr lang="en-US"/>
-              <a:t>Second level</a:t>
-            </a:r>
-          </a:p>
-          <a:p>
-            <a:pPr lvl="2"/>
-            <a:r>
-              <a:rPr lang="en-US"/>
-              <a:t>Third level</a:t>
-            </a:r>
-            <a:endParaRPr lang="en-US" dirty="0"/>
-          </a:p>
-        </p:txBody>
-      </p:sp>
-      <p:sp>
-        <p:nvSpPr>
-          <p:cNvPr id="9" name="Text Placeholder 8"/>
-          <p:cNvSpPr>
-            <a:spLocks noGrp="1"/>
-          </p:cNvSpPr>
-          <p:nvPr>
-            <p:ph type="body" sz="quarter" idx="11"/>
-          </p:nvPr>
-        </p:nvSpPr>
-        <p:spPr/>
-        <p:txBody>
-          <a:bodyPr/>
+            <a:pPr marR="0" algn="ctr" defTabSz="914400" eaLnBrk="1" fontAlgn="base" latinLnBrk="0" hangingPunct="1">
+              <a:lnSpc>
+                <a:spcPct val="100000"/>
+              </a:lnSpc>
+              <a:spcBef>
+                <a:spcPct val="50000"/>
+              </a:spcBef>
+              <a:spcAft>
+                <a:spcPct val="0"/>
+              </a:spcAft>
+              <a:buClr>
+                <a:srgbClr val="F0AB00"/>
+              </a:buClr>
+              <a:buSzPct val="80000"/>
+              <a:tabLst/>
+            </a:pPr>
+            <a:endParaRPr kumimoji="0" lang="en-US" sz="1800" b="0" i="0" u="none" strike="noStrike" kern="0" cap="none" spc="0" normalizeH="0" baseline="0" noProof="0" dirty="0">
+              <a:ln>
+                <a:noFill/>
+              </a:ln>
+              <a:effectLst/>
+              <a:uLnTx/>
+              <a:uFillTx/>
+              <a:ea typeface="Arial Unicode MS" pitchFamily="34" charset="-128"/>
+              <a:cs typeface="Arial Unicode MS" pitchFamily="34" charset="-128"/>
+            </a:endParaRPr>
+          </a:p>
+        </p:txBody>
+      </p:sp>
+      <p:sp>
+        <p:nvSpPr>
+          <p:cNvPr id="7" name="Arrow: Right 6">
+            <a:extLst>
+              <a:ext uri="{FF2B5EF4-FFF2-40B4-BE49-F238E27FC236}">
+                <a16:creationId xmlns:a16="http://schemas.microsoft.com/office/drawing/2014/main" id="{29A68D31-250F-418F-9CCF-454BDC149794}"/>
+              </a:ext>
+            </a:extLst>
+          </p:cNvPr>
+          <p:cNvSpPr/>
+          <p:nvPr/>
+        </p:nvSpPr>
+        <p:spPr bwMode="gray">
+          <a:xfrm>
+            <a:off x="6149165" y="2746206"/>
+            <a:ext cx="1429966" cy="749030"/>
+          </a:xfrm>
+          <a:prstGeom prst="rightArrow">
+            <a:avLst/>
+          </a:prstGeom>
+          <a:solidFill>
+            <a:schemeClr val="accent1"/>
+          </a:solidFill>
+          <a:ln w="6350" algn="ctr">
+            <a:noFill/>
+            <a:miter lim="800000"/>
+            <a:headEnd/>
+            <a:tailEnd/>
+          </a:ln>
+        </p:spPr>
+        <p:txBody>
+          <a:bodyPr lIns="90000" tIns="72000" rIns="90000" bIns="72000" rtlCol="0" anchor="ctr"/>
           <a:lstStyle/>
           <a:p>
-            <a:pPr lvl="0"/>
-            <a:r>
-              <a:rPr lang="en-US"/>
-              <a:t>First level</a:t>
-            </a:r>
-          </a:p>
-          <a:p>
-            <a:pPr lvl="1"/>
-            <a:r>
-              <a:rPr lang="en-US"/>
-              <a:t>Second level</a:t>
-            </a:r>
-          </a:p>
-          <a:p>
-            <a:pPr lvl="2"/>
-            <a:r>
-              <a:rPr lang="en-US"/>
-              <a:t>Third level</a:t>
-            </a:r>
-            <a:endParaRPr lang="en-US" dirty="0"/>
-          </a:p>
-        </p:txBody>
-      </p:sp>
-      <p:sp>
-        <p:nvSpPr>
-          <p:cNvPr id="7" name="Title 6"/>
-          <p:cNvSpPr>
-            <a:spLocks noGrp="1"/>
-          </p:cNvSpPr>
-          <p:nvPr>
-            <p:ph type="title"/>
-          </p:nvPr>
-        </p:nvSpPr>
-        <p:spPr/>
-        <p:txBody>
-          <a:bodyPr/>
+            <a:pPr marR="0" algn="ctr" defTabSz="914400" eaLnBrk="1" fontAlgn="base" latinLnBrk="0" hangingPunct="1">
+              <a:lnSpc>
+                <a:spcPct val="100000"/>
+              </a:lnSpc>
+              <a:spcBef>
+                <a:spcPct val="50000"/>
+              </a:spcBef>
+              <a:spcAft>
+                <a:spcPct val="0"/>
+              </a:spcAft>
+              <a:buClr>
+                <a:srgbClr val="F0AB00"/>
+              </a:buClr>
+              <a:buSzPct val="80000"/>
+              <a:tabLst/>
+            </a:pPr>
+            <a:endParaRPr kumimoji="0" lang="en-US" sz="1800" b="0" i="0" u="none" strike="noStrike" kern="0" cap="none" spc="0" normalizeH="0" baseline="0" noProof="0" dirty="0" err="1">
+              <a:ln>
+                <a:noFill/>
+              </a:ln>
+              <a:effectLst/>
+              <a:uLnTx/>
+              <a:uFillTx/>
+              <a:ea typeface="Arial Unicode MS" pitchFamily="34" charset="-128"/>
+              <a:cs typeface="Arial Unicode MS" pitchFamily="34" charset="-128"/>
+            </a:endParaRPr>
+          </a:p>
+        </p:txBody>
+      </p:sp>
+      <p:sp>
+        <p:nvSpPr>
+          <p:cNvPr id="8" name="TextBox 7">
+            <a:extLst>
+              <a:ext uri="{FF2B5EF4-FFF2-40B4-BE49-F238E27FC236}">
+                <a16:creationId xmlns:a16="http://schemas.microsoft.com/office/drawing/2014/main" id="{6B9C26AC-133D-4D9E-89C3-8989B9733F23}"/>
+              </a:ext>
+            </a:extLst>
+          </p:cNvPr>
+          <p:cNvSpPr txBox="1"/>
+          <p:nvPr/>
+        </p:nvSpPr>
+        <p:spPr>
+          <a:xfrm>
+            <a:off x="8125636" y="2879683"/>
+            <a:ext cx="2821285" cy="615553"/>
+          </a:xfrm>
+          <a:prstGeom prst="rect">
+            <a:avLst/>
+          </a:prstGeom>
+          <a:noFill/>
+        </p:spPr>
+        <p:txBody>
+          <a:bodyPr wrap="none" lIns="0" tIns="0" rIns="0" bIns="0" rtlCol="0">
+            <a:spAutoFit/>
+          </a:bodyPr>
           <a:lstStyle/>
           <a:p>
-            <a:r>
-              <a:rPr lang="en-US"/>
-              <a:t>Insert page title (sentence case)</a:t>
-            </a:r>
-            <a:endParaRPr lang="en-US" dirty="0"/>
-          </a:p>
-        </p:txBody>
-      </p:sp>
+            <a:pPr fontAlgn="base">
+              <a:spcBef>
+                <a:spcPct val="50000"/>
+              </a:spcBef>
+              <a:spcAft>
+                <a:spcPct val="0"/>
+              </a:spcAft>
+              <a:buClr>
+                <a:srgbClr val="F0AB00"/>
+              </a:buClr>
+              <a:buSzPct val="80000"/>
+            </a:pPr>
+            <a:r>
+              <a:rPr lang="en-US" sz="4000" kern="0" dirty="0">
+                <a:solidFill>
+                  <a:schemeClr val="bg1"/>
+                </a:solidFill>
+                <a:ea typeface="Arial Unicode MS" pitchFamily="34" charset="-128"/>
+                <a:cs typeface="Arial Unicode MS" pitchFamily="34" charset="-128"/>
+              </a:rPr>
+              <a:t>HTML Table</a:t>
+            </a:r>
+          </a:p>
+        </p:txBody>
+      </p:sp>
+      <mc:AlternateContent xmlns:mc="http://schemas.openxmlformats.org/markup-compatibility/2006">
+        <mc:Choice xmlns:p14="http://schemas.microsoft.com/office/powerpoint/2010/main" Requires="p14">
+          <p:contentPart p14:bwMode="auto" r:id="rId3">
+            <p14:nvContentPartPr>
+              <p14:cNvPr id="16" name="Ink 15">
+                <a:extLst>
+                  <a:ext uri="{FF2B5EF4-FFF2-40B4-BE49-F238E27FC236}">
+                    <a16:creationId xmlns:a16="http://schemas.microsoft.com/office/drawing/2014/main" id="{9D6B17E1-7389-43F6-9C37-5CE414C4442B}"/>
+                  </a:ext>
+                </a:extLst>
+              </p14:cNvPr>
+              <p14:cNvContentPartPr/>
+              <p14:nvPr/>
+            </p14:nvContentPartPr>
+            <p14:xfrm>
+              <a:off x="8375291" y="3774053"/>
+              <a:ext cx="2169504" cy="78912"/>
+            </p14:xfrm>
+          </p:contentPart>
+        </mc:Choice>
+        <mc:Fallback>
+          <p:pic>
+            <p:nvPicPr>
+              <p:cNvPr id="16" name="Ink 15">
+                <a:extLst>
+                  <a:ext uri="{FF2B5EF4-FFF2-40B4-BE49-F238E27FC236}">
+                    <a16:creationId xmlns:a16="http://schemas.microsoft.com/office/drawing/2014/main" id="{9D6B17E1-7389-43F6-9C37-5CE414C4442B}"/>
+                  </a:ext>
+                </a:extLst>
+              </p:cNvPr>
+              <p:cNvPicPr/>
+              <p:nvPr/>
+            </p:nvPicPr>
+            <p:blipFill>
+              <a:blip r:embed="rId4"/>
+              <a:stretch>
+                <a:fillRect/>
+              </a:stretch>
+            </p:blipFill>
+            <p:spPr>
+              <a:xfrm>
+                <a:off x="8368091" y="3766846"/>
+                <a:ext cx="2183545" cy="92965"/>
+              </a:xfrm>
+              <a:prstGeom prst="rect">
+                <a:avLst/>
+              </a:prstGeom>
+            </p:spPr>
+          </p:pic>
+        </mc:Fallback>
+      </mc:AlternateContent>
+      <mc:AlternateContent xmlns:mc="http://schemas.openxmlformats.org/markup-compatibility/2006">
+        <mc:Choice xmlns:p14="http://schemas.microsoft.com/office/powerpoint/2010/main" Requires="p14">
+          <p:contentPart p14:bwMode="auto" r:id="rId5">
+            <p14:nvContentPartPr>
+              <p14:cNvPr id="17" name="Ink 16">
+                <a:extLst>
+                  <a:ext uri="{FF2B5EF4-FFF2-40B4-BE49-F238E27FC236}">
+                    <a16:creationId xmlns:a16="http://schemas.microsoft.com/office/drawing/2014/main" id="{B4DA285E-5E86-4ACA-80CD-11B039BB0875}"/>
+                  </a:ext>
+                </a:extLst>
+              </p14:cNvPr>
+              <p14:cNvContentPartPr/>
+              <p14:nvPr/>
+            </p14:nvContentPartPr>
+            <p14:xfrm>
+              <a:off x="8764379" y="4065509"/>
+              <a:ext cx="1727712" cy="30528"/>
+            </p14:xfrm>
+          </p:contentPart>
+        </mc:Choice>
+        <mc:Fallback>
+          <p:pic>
+            <p:nvPicPr>
+              <p:cNvPr id="17" name="Ink 16">
+                <a:extLst>
+                  <a:ext uri="{FF2B5EF4-FFF2-40B4-BE49-F238E27FC236}">
+                    <a16:creationId xmlns:a16="http://schemas.microsoft.com/office/drawing/2014/main" id="{B4DA285E-5E86-4ACA-80CD-11B039BB0875}"/>
+                  </a:ext>
+                </a:extLst>
+              </p:cNvPr>
+              <p:cNvPicPr/>
+              <p:nvPr/>
+            </p:nvPicPr>
+            <p:blipFill>
+              <a:blip r:embed="rId6"/>
+              <a:stretch>
+                <a:fillRect/>
+              </a:stretch>
+            </p:blipFill>
+            <p:spPr>
+              <a:xfrm>
+                <a:off x="8757179" y="4058326"/>
+                <a:ext cx="1741753" cy="44535"/>
+              </a:xfrm>
+              <a:prstGeom prst="rect">
+                <a:avLst/>
+              </a:prstGeom>
+            </p:spPr>
+          </p:pic>
+        </mc:Fallback>
+      </mc:AlternateContent>
+      <mc:AlternateContent xmlns:mc="http://schemas.openxmlformats.org/markup-compatibility/2006">
+        <mc:Choice xmlns:p14="http://schemas.microsoft.com/office/powerpoint/2010/main" Requires="p14">
+          <p:contentPart p14:bwMode="auto" r:id="rId7">
+            <p14:nvContentPartPr>
+              <p14:cNvPr id="18" name="Ink 17">
+                <a:extLst>
+                  <a:ext uri="{FF2B5EF4-FFF2-40B4-BE49-F238E27FC236}">
+                    <a16:creationId xmlns:a16="http://schemas.microsoft.com/office/drawing/2014/main" id="{5B04DA48-C718-4ABC-B423-7BC7760B9714}"/>
+                  </a:ext>
+                </a:extLst>
+              </p14:cNvPr>
+              <p14:cNvContentPartPr/>
+              <p14:nvPr/>
+            </p14:nvContentPartPr>
+            <p14:xfrm>
+              <a:off x="8813051" y="3655397"/>
+              <a:ext cx="40608" cy="652320"/>
+            </p14:xfrm>
+          </p:contentPart>
+        </mc:Choice>
+        <mc:Fallback>
+          <p:pic>
+            <p:nvPicPr>
+              <p:cNvPr id="18" name="Ink 17">
+                <a:extLst>
+                  <a:ext uri="{FF2B5EF4-FFF2-40B4-BE49-F238E27FC236}">
+                    <a16:creationId xmlns:a16="http://schemas.microsoft.com/office/drawing/2014/main" id="{5B04DA48-C718-4ABC-B423-7BC7760B9714}"/>
+                  </a:ext>
+                </a:extLst>
+              </p:cNvPr>
+              <p:cNvPicPr/>
+              <p:nvPr/>
+            </p:nvPicPr>
+            <p:blipFill>
+              <a:blip r:embed="rId8"/>
+              <a:stretch>
+                <a:fillRect/>
+              </a:stretch>
+            </p:blipFill>
+            <p:spPr>
+              <a:xfrm>
+                <a:off x="8805864" y="3648197"/>
+                <a:ext cx="54623" cy="666360"/>
+              </a:xfrm>
+              <a:prstGeom prst="rect">
+                <a:avLst/>
+              </a:prstGeom>
+            </p:spPr>
+          </p:pic>
+        </mc:Fallback>
+      </mc:AlternateContent>
+      <mc:AlternateContent xmlns:mc="http://schemas.openxmlformats.org/markup-compatibility/2006">
+        <mc:Choice xmlns:p14="http://schemas.microsoft.com/office/powerpoint/2010/main" Requires="p14">
+          <p:contentPart p14:bwMode="auto" r:id="rId9">
+            <p14:nvContentPartPr>
+              <p14:cNvPr id="19" name="Ink 18">
+                <a:extLst>
+                  <a:ext uri="{FF2B5EF4-FFF2-40B4-BE49-F238E27FC236}">
+                    <a16:creationId xmlns:a16="http://schemas.microsoft.com/office/drawing/2014/main" id="{152F28CE-4640-4AC4-8E3C-25226F81BE52}"/>
+                  </a:ext>
+                </a:extLst>
+              </p14:cNvPr>
+              <p14:cNvContentPartPr/>
+              <p14:nvPr/>
+            </p14:nvContentPartPr>
+            <p14:xfrm>
+              <a:off x="9202139" y="3628325"/>
+              <a:ext cx="147744" cy="781632"/>
+            </p14:xfrm>
+          </p:contentPart>
+        </mc:Choice>
+        <mc:Fallback>
+          <p:pic>
+            <p:nvPicPr>
+              <p:cNvPr id="19" name="Ink 18">
+                <a:extLst>
+                  <a:ext uri="{FF2B5EF4-FFF2-40B4-BE49-F238E27FC236}">
+                    <a16:creationId xmlns:a16="http://schemas.microsoft.com/office/drawing/2014/main" id="{152F28CE-4640-4AC4-8E3C-25226F81BE52}"/>
+                  </a:ext>
+                </a:extLst>
+              </p:cNvPr>
+              <p:cNvPicPr/>
+              <p:nvPr/>
+            </p:nvPicPr>
+            <p:blipFill>
+              <a:blip r:embed="rId10"/>
+              <a:stretch>
+                <a:fillRect/>
+              </a:stretch>
+            </p:blipFill>
+            <p:spPr>
+              <a:xfrm>
+                <a:off x="9194932" y="3621124"/>
+                <a:ext cx="161798" cy="795673"/>
+              </a:xfrm>
+              <a:prstGeom prst="rect">
+                <a:avLst/>
+              </a:prstGeom>
+            </p:spPr>
+          </p:pic>
+        </mc:Fallback>
+      </mc:AlternateContent>
+      <mc:AlternateContent xmlns:mc="http://schemas.openxmlformats.org/markup-compatibility/2006">
+        <mc:Choice xmlns:p14="http://schemas.microsoft.com/office/powerpoint/2010/main" Requires="p14">
+          <p:contentPart p14:bwMode="auto" r:id="rId11">
+            <p14:nvContentPartPr>
+              <p14:cNvPr id="20" name="Ink 19">
+                <a:extLst>
+                  <a:ext uri="{FF2B5EF4-FFF2-40B4-BE49-F238E27FC236}">
+                    <a16:creationId xmlns:a16="http://schemas.microsoft.com/office/drawing/2014/main" id="{76E9F655-3F5A-49BA-8D62-172A3B32D674}"/>
+                  </a:ext>
+                </a:extLst>
+              </p14:cNvPr>
+              <p14:cNvContentPartPr/>
+              <p14:nvPr/>
+            </p14:nvContentPartPr>
+            <p14:xfrm>
+              <a:off x="9755675" y="3628325"/>
+              <a:ext cx="40320" cy="790848"/>
+            </p14:xfrm>
+          </p:contentPart>
+        </mc:Choice>
+        <mc:Fallback>
+          <p:pic>
+            <p:nvPicPr>
+              <p:cNvPr id="20" name="Ink 19">
+                <a:extLst>
+                  <a:ext uri="{FF2B5EF4-FFF2-40B4-BE49-F238E27FC236}">
+                    <a16:creationId xmlns:a16="http://schemas.microsoft.com/office/drawing/2014/main" id="{76E9F655-3F5A-49BA-8D62-172A3B32D674}"/>
+                  </a:ext>
+                </a:extLst>
+              </p:cNvPr>
+              <p:cNvPicPr/>
+              <p:nvPr/>
+            </p:nvPicPr>
+            <p:blipFill>
+              <a:blip r:embed="rId12"/>
+              <a:stretch>
+                <a:fillRect/>
+              </a:stretch>
+            </p:blipFill>
+            <p:spPr>
+              <a:xfrm>
+                <a:off x="9748475" y="3621126"/>
+                <a:ext cx="54360" cy="804887"/>
+              </a:xfrm>
+              <a:prstGeom prst="rect">
+                <a:avLst/>
+              </a:prstGeom>
+            </p:spPr>
+          </p:pic>
+        </mc:Fallback>
+      </mc:AlternateContent>
+      <mc:AlternateContent xmlns:mc="http://schemas.openxmlformats.org/markup-compatibility/2006">
+        <mc:Choice xmlns:p14="http://schemas.microsoft.com/office/powerpoint/2010/main" Requires="p14">
+          <p:contentPart p14:bwMode="auto" r:id="rId13">
+            <p14:nvContentPartPr>
+              <p14:cNvPr id="21" name="Ink 20">
+                <a:extLst>
+                  <a:ext uri="{FF2B5EF4-FFF2-40B4-BE49-F238E27FC236}">
+                    <a16:creationId xmlns:a16="http://schemas.microsoft.com/office/drawing/2014/main" id="{0F1A8A5D-BF77-4A2D-B3FF-D095C7BEFEB5}"/>
+                  </a:ext>
+                </a:extLst>
+              </p14:cNvPr>
+              <p14:cNvContentPartPr/>
+              <p14:nvPr/>
+            </p14:nvContentPartPr>
+            <p14:xfrm>
+              <a:off x="10091771" y="3618533"/>
+              <a:ext cx="219744" cy="732960"/>
+            </p14:xfrm>
+          </p:contentPart>
+        </mc:Choice>
+        <mc:Fallback>
+          <p:pic>
+            <p:nvPicPr>
+              <p:cNvPr id="21" name="Ink 20">
+                <a:extLst>
+                  <a:ext uri="{FF2B5EF4-FFF2-40B4-BE49-F238E27FC236}">
+                    <a16:creationId xmlns:a16="http://schemas.microsoft.com/office/drawing/2014/main" id="{0F1A8A5D-BF77-4A2D-B3FF-D095C7BEFEB5}"/>
+                  </a:ext>
+                </a:extLst>
+              </p:cNvPr>
+              <p:cNvPicPr/>
+              <p:nvPr/>
+            </p:nvPicPr>
+            <p:blipFill>
+              <a:blip r:embed="rId14"/>
+              <a:stretch>
+                <a:fillRect/>
+              </a:stretch>
+            </p:blipFill>
+            <p:spPr>
+              <a:xfrm>
+                <a:off x="10084566" y="3611333"/>
+                <a:ext cx="233793" cy="747000"/>
+              </a:xfrm>
+              <a:prstGeom prst="rect">
+                <a:avLst/>
+              </a:prstGeom>
+            </p:spPr>
+          </p:pic>
+        </mc:Fallback>
+      </mc:AlternateContent>
+      <mc:AlternateContent xmlns:mc="http://schemas.openxmlformats.org/markup-compatibility/2006">
+        <mc:Choice xmlns:p14="http://schemas.microsoft.com/office/powerpoint/2010/main" Requires="p14">
+          <p:contentPart p14:bwMode="auto" r:id="rId15">
+            <p14:nvContentPartPr>
+              <p14:cNvPr id="22" name="Ink 21">
+                <a:extLst>
+                  <a:ext uri="{FF2B5EF4-FFF2-40B4-BE49-F238E27FC236}">
+                    <a16:creationId xmlns:a16="http://schemas.microsoft.com/office/drawing/2014/main" id="{F71B638B-1CDD-4095-B825-D831C9EB98F1}"/>
+                  </a:ext>
+                </a:extLst>
+              </p14:cNvPr>
+              <p14:cNvContentPartPr/>
+              <p14:nvPr/>
+            </p14:nvContentPartPr>
+            <p14:xfrm>
+              <a:off x="8628155" y="2236421"/>
+              <a:ext cx="1769184" cy="58464"/>
+            </p14:xfrm>
+          </p:contentPart>
+        </mc:Choice>
+        <mc:Fallback>
+          <p:pic>
+            <p:nvPicPr>
+              <p:cNvPr id="22" name="Ink 21">
+                <a:extLst>
+                  <a:ext uri="{FF2B5EF4-FFF2-40B4-BE49-F238E27FC236}">
+                    <a16:creationId xmlns:a16="http://schemas.microsoft.com/office/drawing/2014/main" id="{F71B638B-1CDD-4095-B825-D831C9EB98F1}"/>
+                  </a:ext>
+                </a:extLst>
+              </p:cNvPr>
+              <p:cNvPicPr/>
+              <p:nvPr/>
+            </p:nvPicPr>
+            <p:blipFill>
+              <a:blip r:embed="rId16"/>
+              <a:stretch>
+                <a:fillRect/>
+              </a:stretch>
+            </p:blipFill>
+            <p:spPr>
+              <a:xfrm>
+                <a:off x="8620954" y="2229203"/>
+                <a:ext cx="1783225" cy="72539"/>
+              </a:xfrm>
+              <a:prstGeom prst="rect">
+                <a:avLst/>
+              </a:prstGeom>
+            </p:spPr>
+          </p:pic>
+        </mc:Fallback>
+      </mc:AlternateContent>
+      <mc:AlternateContent xmlns:mc="http://schemas.openxmlformats.org/markup-compatibility/2006">
+        <mc:Choice xmlns:p14="http://schemas.microsoft.com/office/powerpoint/2010/main" Requires="p14">
+          <p:contentPart p14:bwMode="auto" r:id="rId17">
+            <p14:nvContentPartPr>
+              <p14:cNvPr id="23" name="Ink 22">
+                <a:extLst>
+                  <a:ext uri="{FF2B5EF4-FFF2-40B4-BE49-F238E27FC236}">
+                    <a16:creationId xmlns:a16="http://schemas.microsoft.com/office/drawing/2014/main" id="{921886C2-E6F5-4F37-919D-7987801CFD7A}"/>
+                  </a:ext>
+                </a:extLst>
+              </p14:cNvPr>
+              <p14:cNvContentPartPr/>
+              <p14:nvPr/>
+            </p14:nvContentPartPr>
+            <p14:xfrm>
+              <a:off x="8287739" y="2587493"/>
+              <a:ext cx="2509056" cy="49248"/>
+            </p14:xfrm>
+          </p:contentPart>
+        </mc:Choice>
+        <mc:Fallback>
+          <p:pic>
+            <p:nvPicPr>
+              <p:cNvPr id="23" name="Ink 22">
+                <a:extLst>
+                  <a:ext uri="{FF2B5EF4-FFF2-40B4-BE49-F238E27FC236}">
+                    <a16:creationId xmlns:a16="http://schemas.microsoft.com/office/drawing/2014/main" id="{921886C2-E6F5-4F37-919D-7987801CFD7A}"/>
+                  </a:ext>
+                </a:extLst>
+              </p:cNvPr>
+              <p:cNvPicPr/>
+              <p:nvPr/>
+            </p:nvPicPr>
+            <p:blipFill>
+              <a:blip r:embed="rId18"/>
+              <a:stretch>
+                <a:fillRect/>
+              </a:stretch>
+            </p:blipFill>
+            <p:spPr>
+              <a:xfrm>
+                <a:off x="8280539" y="2580304"/>
+                <a:ext cx="2523095" cy="63268"/>
+              </a:xfrm>
+              <a:prstGeom prst="rect">
+                <a:avLst/>
+              </a:prstGeom>
+            </p:spPr>
+          </p:pic>
+        </mc:Fallback>
+      </mc:AlternateContent>
+      <mc:AlternateContent xmlns:mc="http://schemas.openxmlformats.org/markup-compatibility/2006">
+        <mc:Choice xmlns:p14="http://schemas.microsoft.com/office/powerpoint/2010/main" Requires="p14">
+          <p:contentPart p14:bwMode="auto" r:id="rId19">
+            <p14:nvContentPartPr>
+              <p14:cNvPr id="24" name="Ink 23">
+                <a:extLst>
+                  <a:ext uri="{FF2B5EF4-FFF2-40B4-BE49-F238E27FC236}">
+                    <a16:creationId xmlns:a16="http://schemas.microsoft.com/office/drawing/2014/main" id="{5DAF21C0-F1F6-402F-8CE1-4816D28E8B93}"/>
+                  </a:ext>
+                </a:extLst>
+              </p14:cNvPr>
+              <p14:cNvContentPartPr/>
+              <p14:nvPr/>
+            </p14:nvContentPartPr>
+            <p14:xfrm>
+              <a:off x="8909243" y="2023301"/>
+              <a:ext cx="30816" cy="671040"/>
+            </p14:xfrm>
+          </p:contentPart>
+        </mc:Choice>
+        <mc:Fallback>
+          <p:pic>
+            <p:nvPicPr>
+              <p:cNvPr id="24" name="Ink 23">
+                <a:extLst>
+                  <a:ext uri="{FF2B5EF4-FFF2-40B4-BE49-F238E27FC236}">
+                    <a16:creationId xmlns:a16="http://schemas.microsoft.com/office/drawing/2014/main" id="{5DAF21C0-F1F6-402F-8CE1-4816D28E8B93}"/>
+                  </a:ext>
+                </a:extLst>
+              </p:cNvPr>
+              <p:cNvPicPr/>
+              <p:nvPr/>
+            </p:nvPicPr>
+            <p:blipFill>
+              <a:blip r:embed="rId20"/>
+              <a:stretch>
+                <a:fillRect/>
+              </a:stretch>
+            </p:blipFill>
+            <p:spPr>
+              <a:xfrm>
+                <a:off x="8902076" y="2016101"/>
+                <a:ext cx="44791" cy="685080"/>
+              </a:xfrm>
+              <a:prstGeom prst="rect">
+                <a:avLst/>
+              </a:prstGeom>
+            </p:spPr>
+          </p:pic>
+        </mc:Fallback>
+      </mc:AlternateContent>
+      <mc:AlternateContent xmlns:mc="http://schemas.openxmlformats.org/markup-compatibility/2006">
+        <mc:Choice xmlns:p14="http://schemas.microsoft.com/office/powerpoint/2010/main" Requires="p14">
+          <p:contentPart p14:bwMode="auto" r:id="rId21">
+            <p14:nvContentPartPr>
+              <p14:cNvPr id="25" name="Ink 24">
+                <a:extLst>
+                  <a:ext uri="{FF2B5EF4-FFF2-40B4-BE49-F238E27FC236}">
+                    <a16:creationId xmlns:a16="http://schemas.microsoft.com/office/drawing/2014/main" id="{9D786789-8555-4C03-A8BF-8E391AE94FB0}"/>
+                  </a:ext>
+                </a:extLst>
+              </p14:cNvPr>
+              <p14:cNvContentPartPr/>
+              <p14:nvPr/>
+            </p14:nvContentPartPr>
+            <p14:xfrm>
+              <a:off x="9508859" y="1993925"/>
+              <a:ext cx="121536" cy="885312"/>
+            </p14:xfrm>
+          </p:contentPart>
+        </mc:Choice>
+        <mc:Fallback>
+          <p:pic>
+            <p:nvPicPr>
+              <p:cNvPr id="25" name="Ink 24">
+                <a:extLst>
+                  <a:ext uri="{FF2B5EF4-FFF2-40B4-BE49-F238E27FC236}">
+                    <a16:creationId xmlns:a16="http://schemas.microsoft.com/office/drawing/2014/main" id="{9D786789-8555-4C03-A8BF-8E391AE94FB0}"/>
+                  </a:ext>
+                </a:extLst>
+              </p:cNvPr>
+              <p:cNvPicPr/>
+              <p:nvPr/>
+            </p:nvPicPr>
+            <p:blipFill>
+              <a:blip r:embed="rId22"/>
+              <a:stretch>
+                <a:fillRect/>
+              </a:stretch>
+            </p:blipFill>
+            <p:spPr>
+              <a:xfrm>
+                <a:off x="9501668" y="1986724"/>
+                <a:ext cx="135559" cy="899353"/>
+              </a:xfrm>
+              <a:prstGeom prst="rect">
+                <a:avLst/>
+              </a:prstGeom>
+            </p:spPr>
+          </p:pic>
+        </mc:Fallback>
+      </mc:AlternateContent>
+      <mc:AlternateContent xmlns:mc="http://schemas.openxmlformats.org/markup-compatibility/2006">
+        <mc:Choice xmlns:p14="http://schemas.microsoft.com/office/powerpoint/2010/main" Requires="p14">
+          <p:contentPart p14:bwMode="auto" r:id="rId23">
+            <p14:nvContentPartPr>
+              <p14:cNvPr id="26" name="Ink 25">
+                <a:extLst>
+                  <a:ext uri="{FF2B5EF4-FFF2-40B4-BE49-F238E27FC236}">
+                    <a16:creationId xmlns:a16="http://schemas.microsoft.com/office/drawing/2014/main" id="{F238FEA7-750E-4057-B8F0-E371BC5057EC}"/>
+                  </a:ext>
+                </a:extLst>
+              </p14:cNvPr>
+              <p14:cNvContentPartPr/>
+              <p14:nvPr/>
+            </p14:nvContentPartPr>
+            <p14:xfrm>
+              <a:off x="10107035" y="2003717"/>
+              <a:ext cx="37152" cy="855072"/>
+            </p14:xfrm>
+          </p:contentPart>
+        </mc:Choice>
+        <mc:Fallback>
+          <p:pic>
+            <p:nvPicPr>
+              <p:cNvPr id="26" name="Ink 25">
+                <a:extLst>
+                  <a:ext uri="{FF2B5EF4-FFF2-40B4-BE49-F238E27FC236}">
+                    <a16:creationId xmlns:a16="http://schemas.microsoft.com/office/drawing/2014/main" id="{F238FEA7-750E-4057-B8F0-E371BC5057EC}"/>
+                  </a:ext>
+                </a:extLst>
+              </p:cNvPr>
+              <p:cNvPicPr/>
+              <p:nvPr/>
+            </p:nvPicPr>
+            <p:blipFill>
+              <a:blip r:embed="rId24"/>
+              <a:stretch>
+                <a:fillRect/>
+              </a:stretch>
+            </p:blipFill>
+            <p:spPr>
+              <a:xfrm>
+                <a:off x="10099821" y="1996516"/>
+                <a:ext cx="51219" cy="869113"/>
+              </a:xfrm>
+              <a:prstGeom prst="rect">
+                <a:avLst/>
+              </a:prstGeom>
+            </p:spPr>
+          </p:pic>
+        </mc:Fallback>
+      </mc:AlternateContent>
     </p:spTree>
     <p:extLst>
       <p:ext uri="{BB962C8B-B14F-4D97-AF65-F5344CB8AC3E}">
-        <p14:creationId xmlns:p14="http://schemas.microsoft.com/office/powerpoint/2010/main" val="854015491"/>
+        <p14:creationId xmlns:p14="http://schemas.microsoft.com/office/powerpoint/2010/main" val="326881336"/>
       </p:ext>
     </p:extLst>
   </p:cSld>
@@ -8782,145 +13288,43 @@
       </p:grpSpPr>
       <p:sp>
         <p:nvSpPr>
-          <p:cNvPr id="5" name="Text Placeholder 4"/>
-          <p:cNvSpPr>
-            <a:spLocks noGrp="1"/>
-          </p:cNvSpPr>
-          <p:nvPr>
-            <p:ph type="body" sz="quarter" idx="13"/>
-          </p:nvPr>
-        </p:nvSpPr>
-        <p:spPr/>
-        <p:txBody>
-          <a:bodyPr/>
-          <a:lstStyle/>
-          <a:p>
-            <a:pPr lvl="0"/>
-            <a:r>
-              <a:rPr lang="en-US"/>
-              <a:t>First level</a:t>
-            </a:r>
-          </a:p>
-          <a:p>
-            <a:pPr lvl="1"/>
-            <a:r>
-              <a:rPr lang="en-US"/>
-              <a:t>Second level</a:t>
-            </a:r>
-          </a:p>
-          <a:p>
-            <a:pPr lvl="2"/>
-            <a:r>
-              <a:rPr lang="en-US"/>
-              <a:t>Third level</a:t>
-            </a:r>
-            <a:endParaRPr lang="en-US" dirty="0"/>
-          </a:p>
-        </p:txBody>
-      </p:sp>
-      <p:sp>
-        <p:nvSpPr>
-          <p:cNvPr id="4" name="Text Placeholder 3"/>
-          <p:cNvSpPr>
-            <a:spLocks noGrp="1"/>
-          </p:cNvSpPr>
-          <p:nvPr>
-            <p:ph type="body" sz="quarter" idx="12"/>
-          </p:nvPr>
-        </p:nvSpPr>
-        <p:spPr/>
-        <p:txBody>
-          <a:bodyPr/>
-          <a:lstStyle/>
-          <a:p>
-            <a:pPr lvl="0"/>
-            <a:r>
-              <a:rPr lang="en-US"/>
-              <a:t>First level</a:t>
-            </a:r>
-          </a:p>
-          <a:p>
-            <a:pPr lvl="1"/>
-            <a:r>
-              <a:rPr lang="en-US"/>
-              <a:t>Second level</a:t>
-            </a:r>
-          </a:p>
-          <a:p>
-            <a:pPr lvl="2"/>
-            <a:r>
-              <a:rPr lang="en-US"/>
-              <a:t>Third level</a:t>
-            </a:r>
-            <a:endParaRPr lang="en-US" dirty="0"/>
-          </a:p>
-        </p:txBody>
-      </p:sp>
-      <p:sp>
-        <p:nvSpPr>
-          <p:cNvPr id="3" name="Text Placeholder 2"/>
-          <p:cNvSpPr>
-            <a:spLocks noGrp="1"/>
-          </p:cNvSpPr>
-          <p:nvPr>
-            <p:ph type="body" sz="quarter" idx="10"/>
-          </p:nvPr>
-        </p:nvSpPr>
-        <p:spPr/>
-        <p:txBody>
-          <a:bodyPr/>
-          <a:lstStyle/>
-          <a:p>
-            <a:pPr lvl="0"/>
-            <a:r>
-              <a:rPr lang="en-US"/>
-              <a:t>First level</a:t>
-            </a:r>
-          </a:p>
-          <a:p>
-            <a:pPr lvl="1"/>
-            <a:r>
-              <a:rPr lang="en-US"/>
-              <a:t>Second level</a:t>
-            </a:r>
-          </a:p>
-          <a:p>
-            <a:pPr lvl="2"/>
-            <a:r>
-              <a:rPr lang="en-US"/>
-              <a:t>Third level</a:t>
-            </a:r>
-            <a:endParaRPr lang="en-US" dirty="0"/>
-          </a:p>
-        </p:txBody>
-      </p:sp>
-      <p:sp>
-        <p:nvSpPr>
           <p:cNvPr id="2" name="Title 1"/>
           <p:cNvSpPr>
             <a:spLocks noGrp="1"/>
           </p:cNvSpPr>
           <p:nvPr>
-            <p:ph type="title"/>
+            <p:ph type="ctrTitle"/>
           </p:nvPr>
         </p:nvSpPr>
-        <p:spPr/>
+        <p:spPr>
+          <a:xfrm>
+            <a:off x="518514" y="1551931"/>
+            <a:ext cx="11185200" cy="677108"/>
+          </a:xfrm>
+        </p:spPr>
         <p:txBody>
           <a:bodyPr/>
           <a:lstStyle/>
           <a:p>
             <a:r>
-              <a:rPr lang="en-US"/>
-              <a:t>Insert page title (sentence case)</a:t>
-            </a:r>
-            <a:endParaRPr lang="en-US" dirty="0"/>
+              <a:rPr lang="en-US" dirty="0"/>
+              <a:t>So it </a:t>
+            </a:r>
+            <a:r>
+              <a:rPr lang="en-US" dirty="0">
+                <a:solidFill>
+                  <a:schemeClr val="accent1"/>
+                </a:solidFill>
+              </a:rPr>
+              <a:t>comes…</a:t>
+            </a:r>
           </a:p>
         </p:txBody>
       </p:sp>
     </p:spTree>
     <p:extLst>
       <p:ext uri="{BB962C8B-B14F-4D97-AF65-F5344CB8AC3E}">
-        <p14:creationId xmlns:p14="http://schemas.microsoft.com/office/powerpoint/2010/main" val="94846162"/>
+        <p14:creationId xmlns:p14="http://schemas.microsoft.com/office/powerpoint/2010/main" val="3851045762"/>
       </p:ext>
     </p:extLst>
   </p:cSld>
@@ -8947,117 +13351,69 @@
           <a:chExt cx="0" cy="0"/>
         </a:xfrm>
       </p:grpSpPr>
-      <p:sp>
-        <p:nvSpPr>
-          <p:cNvPr id="8" name="Title 7"/>
-          <p:cNvSpPr>
-            <a:spLocks noGrp="1"/>
-          </p:cNvSpPr>
-          <p:nvPr>
-            <p:ph type="title"/>
-          </p:nvPr>
-        </p:nvSpPr>
-        <p:spPr/>
-        <p:txBody>
-          <a:bodyPr/>
-          <a:lstStyle/>
-          <a:p>
-            <a:r>
-              <a:rPr lang="en-US"/>
-              <a:t>Insert page title (sentence case)</a:t>
-            </a:r>
-            <a:endParaRPr lang="en-US" dirty="0"/>
-          </a:p>
-        </p:txBody>
-      </p:sp>
-      <p:sp>
-        <p:nvSpPr>
-          <p:cNvPr id="3" name="Text Placeholder 2"/>
-          <p:cNvSpPr>
-            <a:spLocks noGrp="1"/>
-          </p:cNvSpPr>
-          <p:nvPr>
-            <p:ph type="body" sz="quarter" idx="10"/>
-          </p:nvPr>
-        </p:nvSpPr>
-        <p:spPr/>
-        <p:txBody>
-          <a:bodyPr/>
-          <a:lstStyle/>
-          <a:p>
-            <a:pPr lvl="0"/>
-            <a:r>
-              <a:rPr lang="en-US" dirty="0"/>
-              <a:t>First level</a:t>
-            </a:r>
-          </a:p>
-          <a:p>
-            <a:pPr lvl="1"/>
-            <a:r>
-              <a:rPr lang="en-US" dirty="0"/>
-              <a:t>Second level</a:t>
-            </a:r>
-          </a:p>
-        </p:txBody>
-      </p:sp>
-      <p:sp>
-        <p:nvSpPr>
-          <p:cNvPr id="15" name="Picture Placeholder 14"/>
-          <p:cNvSpPr>
-            <a:spLocks noGrp="1"/>
-          </p:cNvSpPr>
-          <p:nvPr>
-            <p:ph type="pic" sz="quarter" idx="12"/>
-          </p:nvPr>
-        </p:nvSpPr>
-        <p:spPr/>
-      </p:sp>
-      <p:sp>
-        <p:nvSpPr>
-          <p:cNvPr id="10" name="Text Placeholder 9"/>
-          <p:cNvSpPr>
-            <a:spLocks noGrp="1"/>
-          </p:cNvSpPr>
-          <p:nvPr>
-            <p:ph type="body" sz="quarter" idx="13"/>
-          </p:nvPr>
-        </p:nvSpPr>
-        <p:spPr/>
-        <p:txBody>
-          <a:bodyPr/>
-          <a:lstStyle/>
-          <a:p>
-            <a:pPr lvl="0"/>
-            <a:r>
-              <a:rPr lang="en-US" dirty="0"/>
-              <a:t>First level</a:t>
-            </a:r>
-          </a:p>
-          <a:p>
-            <a:pPr lvl="1"/>
-            <a:r>
-              <a:rPr lang="en-US" dirty="0"/>
-              <a:t>Second level</a:t>
-            </a:r>
-          </a:p>
-        </p:txBody>
-      </p:sp>
-      <p:sp>
-        <p:nvSpPr>
-          <p:cNvPr id="16" name="Picture Placeholder 15"/>
-          <p:cNvSpPr>
-            <a:spLocks noGrp="1"/>
-          </p:cNvSpPr>
-          <p:nvPr>
-            <p:ph type="pic" sz="quarter" idx="14"/>
-          </p:nvPr>
-        </p:nvSpPr>
-        <p:spPr/>
-      </p:sp>
+      <p:pic>
+        <p:nvPicPr>
+          <p:cNvPr id="27" name="Picture 26">
+            <a:extLst>
+              <a:ext uri="{FF2B5EF4-FFF2-40B4-BE49-F238E27FC236}">
+                <a16:creationId xmlns:a16="http://schemas.microsoft.com/office/drawing/2014/main" id="{49DAE7C1-CE6C-4DBD-BD53-A198CE5ADDC8}"/>
+              </a:ext>
+            </a:extLst>
+          </p:cNvPr>
+          <p:cNvPicPr>
+            <a:picLocks noChangeAspect="1"/>
+          </p:cNvPicPr>
+          <p:nvPr/>
+        </p:nvPicPr>
+        <p:blipFill rotWithShape="1">
+          <a:blip r:embed="rId2"/>
+          <a:srcRect r="2689"/>
+          <a:stretch/>
+        </p:blipFill>
+        <p:spPr>
+          <a:xfrm>
+            <a:off x="369650" y="684731"/>
+            <a:ext cx="7752945" cy="4461199"/>
+          </a:xfrm>
+          <a:prstGeom prst="rect">
+            <a:avLst/>
+          </a:prstGeom>
+        </p:spPr>
+      </p:pic>
+      <p:pic>
+        <p:nvPicPr>
+          <p:cNvPr id="2" name="Picture 1">
+            <a:extLst>
+              <a:ext uri="{FF2B5EF4-FFF2-40B4-BE49-F238E27FC236}">
+                <a16:creationId xmlns:a16="http://schemas.microsoft.com/office/drawing/2014/main" id="{BC38E4E9-DCFA-45DE-9CCC-35388D730012}"/>
+              </a:ext>
+            </a:extLst>
+          </p:cNvPr>
+          <p:cNvPicPr>
+            <a:picLocks noChangeAspect="1"/>
+          </p:cNvPicPr>
+          <p:nvPr/>
+        </p:nvPicPr>
+        <p:blipFill>
+          <a:blip r:embed="rId3"/>
+          <a:stretch>
+            <a:fillRect/>
+          </a:stretch>
+        </p:blipFill>
+        <p:spPr>
+          <a:xfrm>
+            <a:off x="6089514" y="768483"/>
+            <a:ext cx="7522509" cy="2593413"/>
+          </a:xfrm>
+          <a:prstGeom prst="rect">
+            <a:avLst/>
+          </a:prstGeom>
+        </p:spPr>
+      </p:pic>
     </p:spTree>
     <p:extLst>
       <p:ext uri="{BB962C8B-B14F-4D97-AF65-F5344CB8AC3E}">
-        <p14:creationId xmlns:p14="http://schemas.microsoft.com/office/powerpoint/2010/main" val="1504049518"/>
+        <p14:creationId xmlns:p14="http://schemas.microsoft.com/office/powerpoint/2010/main" val="844780636"/>
       </p:ext>
     </p:extLst>
   </p:cSld>
@@ -9086,156 +13442,53 @@
       </p:grpSpPr>
       <p:sp>
         <p:nvSpPr>
-          <p:cNvPr id="2" name="Title 1"/>
+          <p:cNvPr id="2" name="Title 1">
+            <a:extLst>
+              <a:ext uri="{FF2B5EF4-FFF2-40B4-BE49-F238E27FC236}">
+                <a16:creationId xmlns:a16="http://schemas.microsoft.com/office/drawing/2014/main" id="{894B7582-0C25-46E4-9583-EFDA054C041B}"/>
+              </a:ext>
+            </a:extLst>
+          </p:cNvPr>
           <p:cNvSpPr>
             <a:spLocks noGrp="1"/>
           </p:cNvSpPr>
           <p:nvPr>
-            <p:ph type="title"/>
+            <p:ph type="ctrTitle"/>
           </p:nvPr>
         </p:nvSpPr>
-        <p:spPr/>
+        <p:spPr>
+          <a:xfrm>
+            <a:off x="426179" y="1962038"/>
+            <a:ext cx="11185200" cy="677108"/>
+          </a:xfrm>
+        </p:spPr>
         <p:txBody>
           <a:bodyPr/>
           <a:lstStyle/>
           <a:p>
             <a:r>
               <a:rPr lang="en-US" dirty="0"/>
-              <a:t>Insert page title (sentence case)</a:t>
-            </a:r>
-          </a:p>
-        </p:txBody>
-      </p:sp>
-      <p:sp>
-        <p:nvSpPr>
-          <p:cNvPr id="10" name="Text Placeholder 9"/>
-          <p:cNvSpPr>
-            <a:spLocks noGrp="1"/>
-          </p:cNvSpPr>
-          <p:nvPr>
-            <p:ph type="body" sz="quarter" idx="10"/>
-          </p:nvPr>
-        </p:nvSpPr>
-        <p:spPr/>
-        <p:txBody>
-          <a:bodyPr/>
-          <a:lstStyle/>
-          <a:p>
-            <a:pPr lvl="0"/>
-            <a:r>
+              <a:t>Demo</a:t>
+            </a:r>
+            <a:br>
               <a:rPr lang="en-US" dirty="0"/>
-              <a:t>First level</a:t>
-            </a:r>
-          </a:p>
-          <a:p>
-            <a:pPr lvl="1"/>
-            <a:r>
-              <a:rPr lang="en-US" dirty="0"/>
-              <a:t>Second level</a:t>
-            </a:r>
-          </a:p>
-        </p:txBody>
-      </p:sp>
-      <p:sp>
-        <p:nvSpPr>
-          <p:cNvPr id="11" name="Picture Placeholder 10"/>
-          <p:cNvSpPr>
-            <a:spLocks noGrp="1"/>
-          </p:cNvSpPr>
-          <p:nvPr>
-            <p:ph type="pic" sz="quarter" idx="12"/>
-          </p:nvPr>
-        </p:nvSpPr>
-        <p:spPr/>
-      </p:sp>
-      <p:sp>
-        <p:nvSpPr>
-          <p:cNvPr id="12" name="Text Placeholder 11"/>
-          <p:cNvSpPr>
-            <a:spLocks noGrp="1"/>
-          </p:cNvSpPr>
-          <p:nvPr>
-            <p:ph type="body" sz="quarter" idx="13"/>
-          </p:nvPr>
-        </p:nvSpPr>
-        <p:spPr/>
-        <p:txBody>
-          <a:bodyPr/>
-          <a:lstStyle/>
-          <a:p>
-            <a:pPr lvl="0"/>
-            <a:r>
-              <a:rPr lang="en-US" dirty="0"/>
-              <a:t>First level</a:t>
-            </a:r>
-          </a:p>
-          <a:p>
-            <a:pPr lvl="1"/>
-            <a:r>
-              <a:rPr lang="en-US" dirty="0"/>
-              <a:t>Second level</a:t>
-            </a:r>
-          </a:p>
-        </p:txBody>
-      </p:sp>
-      <p:sp>
-        <p:nvSpPr>
-          <p:cNvPr id="13" name="Picture Placeholder 12"/>
-          <p:cNvSpPr>
-            <a:spLocks noGrp="1"/>
-          </p:cNvSpPr>
-          <p:nvPr>
-            <p:ph type="pic" sz="quarter" idx="14"/>
-          </p:nvPr>
-        </p:nvSpPr>
-        <p:spPr/>
-      </p:sp>
-      <p:sp>
-        <p:nvSpPr>
-          <p:cNvPr id="14" name="Text Placeholder 13"/>
-          <p:cNvSpPr>
-            <a:spLocks noGrp="1"/>
-          </p:cNvSpPr>
-          <p:nvPr>
-            <p:ph type="body" sz="quarter" idx="15"/>
-          </p:nvPr>
-        </p:nvSpPr>
-        <p:spPr/>
-        <p:txBody>
-          <a:bodyPr/>
-          <a:lstStyle/>
-          <a:p>
-            <a:pPr lvl="0"/>
-            <a:r>
-              <a:rPr lang="en-US" dirty="0"/>
-              <a:t>First level</a:t>
-            </a:r>
-          </a:p>
-          <a:p>
-            <a:pPr lvl="1"/>
-            <a:r>
-              <a:rPr lang="en-US" dirty="0"/>
-              <a:t>Second level</a:t>
-            </a:r>
-          </a:p>
-        </p:txBody>
-      </p:sp>
-      <p:sp>
-        <p:nvSpPr>
-          <p:cNvPr id="15" name="Picture Placeholder 14"/>
-          <p:cNvSpPr>
-            <a:spLocks noGrp="1"/>
-          </p:cNvSpPr>
-          <p:nvPr>
-            <p:ph type="pic" sz="quarter" idx="16"/>
-          </p:nvPr>
-        </p:nvSpPr>
-        <p:spPr/>
+            </a:br>
+            <a:r>
+              <a:rPr lang="en-US" dirty="0">
+                <a:solidFill>
+                  <a:schemeClr val="accent1"/>
+                </a:solidFill>
+              </a:rPr>
+              <a:t>powered by HANA Cloud.</a:t>
+            </a:r>
+            <a:endParaRPr lang="en-US" dirty="0"/>
+          </a:p>
+        </p:txBody>
       </p:sp>
     </p:spTree>
     <p:extLst>
       <p:ext uri="{BB962C8B-B14F-4D97-AF65-F5344CB8AC3E}">
-        <p14:creationId xmlns:p14="http://schemas.microsoft.com/office/powerpoint/2010/main" val="1175416068"/>
+        <p14:creationId xmlns:p14="http://schemas.microsoft.com/office/powerpoint/2010/main" val="4028487686"/>
       </p:ext>
     </p:extLst>
   </p:cSld>
@@ -9262,203 +13515,10 @@
           <a:chExt cx="0" cy="0"/>
         </a:xfrm>
       </p:grpSpPr>
-      <p:sp>
-        <p:nvSpPr>
-          <p:cNvPr id="2" name="Title 1"/>
-          <p:cNvSpPr>
-            <a:spLocks noGrp="1"/>
-          </p:cNvSpPr>
-          <p:nvPr>
-            <p:ph type="title"/>
-          </p:nvPr>
-        </p:nvSpPr>
-        <p:spPr/>
-        <p:txBody>
-          <a:bodyPr/>
-          <a:lstStyle/>
-          <a:p>
-            <a:r>
-              <a:rPr lang="en-US" dirty="0"/>
-              <a:t>Insert page title (sentence case)</a:t>
-            </a:r>
-          </a:p>
-        </p:txBody>
-      </p:sp>
-      <p:sp>
-        <p:nvSpPr>
-          <p:cNvPr id="3" name="Text Placeholder 2"/>
-          <p:cNvSpPr>
-            <a:spLocks noGrp="1"/>
-          </p:cNvSpPr>
-          <p:nvPr>
-            <p:ph type="body" sz="quarter" idx="10"/>
-          </p:nvPr>
-        </p:nvSpPr>
-        <p:spPr/>
-        <p:txBody>
-          <a:bodyPr/>
-          <a:lstStyle/>
-          <a:p>
-            <a:pPr lvl="0"/>
-            <a:r>
-              <a:rPr lang="en-US" dirty="0"/>
-              <a:t>First level</a:t>
-            </a:r>
-          </a:p>
-          <a:p>
-            <a:pPr lvl="1"/>
-            <a:r>
-              <a:rPr lang="en-US" dirty="0"/>
-              <a:t>Second level</a:t>
-            </a:r>
-          </a:p>
-          <a:p>
-            <a:endParaRPr lang="en-US" dirty="0"/>
-          </a:p>
-        </p:txBody>
-      </p:sp>
-      <p:sp>
-        <p:nvSpPr>
-          <p:cNvPr id="4" name="Picture Placeholder 3"/>
-          <p:cNvSpPr>
-            <a:spLocks noGrp="1"/>
-          </p:cNvSpPr>
-          <p:nvPr>
-            <p:ph type="pic" sz="quarter" idx="12"/>
-          </p:nvPr>
-        </p:nvSpPr>
-        <p:spPr/>
-      </p:sp>
-      <p:sp>
-        <p:nvSpPr>
-          <p:cNvPr id="5" name="Text Placeholder 4"/>
-          <p:cNvSpPr>
-            <a:spLocks noGrp="1"/>
-          </p:cNvSpPr>
-          <p:nvPr>
-            <p:ph type="body" sz="quarter" idx="13"/>
-          </p:nvPr>
-        </p:nvSpPr>
-        <p:spPr/>
-        <p:txBody>
-          <a:bodyPr/>
-          <a:lstStyle/>
-          <a:p>
-            <a:pPr lvl="0"/>
-            <a:r>
-              <a:rPr lang="en-US" dirty="0"/>
-              <a:t>First level</a:t>
-            </a:r>
-          </a:p>
-          <a:p>
-            <a:pPr lvl="1"/>
-            <a:r>
-              <a:rPr lang="en-US" dirty="0"/>
-              <a:t>Second level</a:t>
-            </a:r>
-          </a:p>
-        </p:txBody>
-      </p:sp>
-      <p:sp>
-        <p:nvSpPr>
-          <p:cNvPr id="6" name="Picture Placeholder 5"/>
-          <p:cNvSpPr>
-            <a:spLocks noGrp="1"/>
-          </p:cNvSpPr>
-          <p:nvPr>
-            <p:ph type="pic" sz="quarter" idx="14"/>
-          </p:nvPr>
-        </p:nvSpPr>
-        <p:spPr/>
-      </p:sp>
-      <p:sp>
-        <p:nvSpPr>
-          <p:cNvPr id="7" name="Text Placeholder 6"/>
-          <p:cNvSpPr>
-            <a:spLocks noGrp="1"/>
-          </p:cNvSpPr>
-          <p:nvPr>
-            <p:ph type="body" sz="quarter" idx="15"/>
-          </p:nvPr>
-        </p:nvSpPr>
-        <p:spPr/>
-        <p:txBody>
-          <a:bodyPr/>
-          <a:lstStyle/>
-          <a:p>
-            <a:pPr lvl="0"/>
-            <a:r>
-              <a:rPr lang="en-US" dirty="0"/>
-              <a:t>First level</a:t>
-            </a:r>
-          </a:p>
-          <a:p>
-            <a:pPr lvl="1"/>
-            <a:r>
-              <a:rPr lang="en-US" dirty="0"/>
-              <a:t>Second level</a:t>
-            </a:r>
-          </a:p>
-        </p:txBody>
-      </p:sp>
-      <p:sp>
-        <p:nvSpPr>
-          <p:cNvPr id="8" name="Picture Placeholder 7"/>
-          <p:cNvSpPr>
-            <a:spLocks noGrp="1"/>
-          </p:cNvSpPr>
-          <p:nvPr>
-            <p:ph type="pic" sz="quarter" idx="16"/>
-          </p:nvPr>
-        </p:nvSpPr>
-        <p:spPr/>
-      </p:sp>
-      <p:sp>
-        <p:nvSpPr>
-          <p:cNvPr id="9" name="Text Placeholder 8"/>
-          <p:cNvSpPr>
-            <a:spLocks noGrp="1"/>
-          </p:cNvSpPr>
-          <p:nvPr>
-            <p:ph type="body" sz="quarter" idx="17"/>
-          </p:nvPr>
-        </p:nvSpPr>
-        <p:spPr/>
-        <p:txBody>
-          <a:bodyPr/>
-          <a:lstStyle/>
-          <a:p>
-            <a:pPr lvl="0"/>
-            <a:r>
-              <a:rPr lang="en-US" dirty="0"/>
-              <a:t>First level</a:t>
-            </a:r>
-          </a:p>
-          <a:p>
-            <a:pPr lvl="1"/>
-            <a:r>
-              <a:rPr lang="en-US" dirty="0"/>
-              <a:t>Second level</a:t>
-            </a:r>
-          </a:p>
-        </p:txBody>
-      </p:sp>
-      <p:sp>
-        <p:nvSpPr>
-          <p:cNvPr id="10" name="Picture Placeholder 9"/>
-          <p:cNvSpPr>
-            <a:spLocks noGrp="1"/>
-          </p:cNvSpPr>
-          <p:nvPr>
-            <p:ph type="pic" sz="quarter" idx="18"/>
-          </p:nvPr>
-        </p:nvSpPr>
-        <p:spPr/>
-      </p:sp>
     </p:spTree>
     <p:extLst>
       <p:ext uri="{BB962C8B-B14F-4D97-AF65-F5344CB8AC3E}">
-        <p14:creationId xmlns:p14="http://schemas.microsoft.com/office/powerpoint/2010/main" val="3242553429"/>
+        <p14:creationId xmlns:p14="http://schemas.microsoft.com/office/powerpoint/2010/main" val="3295641251"/>
       </p:ext>
     </p:extLst>
   </p:cSld>
@@ -9487,12 +13547,62 @@
       </p:grpSpPr>
       <p:sp>
         <p:nvSpPr>
+          <p:cNvPr id="6" name="Picture Placeholder 5"/>
+          <p:cNvSpPr>
+            <a:spLocks noGrp="1"/>
+          </p:cNvSpPr>
+          <p:nvPr>
+            <p:ph type="pic" sz="quarter" idx="10"/>
+          </p:nvPr>
+        </p:nvSpPr>
+        <p:spPr/>
+      </p:sp>
+      <p:sp>
+        <p:nvSpPr>
+          <p:cNvPr id="4" name="Text Placeholder 3"/>
+          <p:cNvSpPr>
+            <a:spLocks noGrp="1"/>
+          </p:cNvSpPr>
+          <p:nvPr>
+            <p:ph type="body" sz="quarter" idx="11"/>
+          </p:nvPr>
+        </p:nvSpPr>
+        <p:spPr/>
+        <p:txBody>
+          <a:bodyPr/>
+          <a:lstStyle/>
+          <a:p>
+            <a:pPr lvl="0"/>
+            <a:r>
+              <a:rPr lang="en-US"/>
+              <a:t>First level</a:t>
+            </a:r>
+          </a:p>
+          <a:p>
+            <a:pPr lvl="1"/>
+            <a:r>
+              <a:rPr lang="en-US"/>
+              <a:t>Second level</a:t>
+            </a:r>
+          </a:p>
+          <a:p>
+            <a:pPr lvl="2"/>
+            <a:r>
+              <a:rPr lang="en-US"/>
+              <a:t>Third level</a:t>
+            </a:r>
+            <a:endParaRPr lang="en-US" dirty="0"/>
+          </a:p>
+        </p:txBody>
+      </p:sp>
+      <p:sp>
+        <p:nvSpPr>
           <p:cNvPr id="2" name="Title 1"/>
           <p:cNvSpPr>
             <a:spLocks noGrp="1"/>
           </p:cNvSpPr>
           <p:nvPr>
-            <p:ph type="ctrTitle"/>
+            <p:ph type="title"/>
           </p:nvPr>
         </p:nvSpPr>
         <p:spPr/>
@@ -9502,113 +13612,7 @@
           <a:p>
             <a:r>
               <a:rPr lang="en-US" dirty="0"/>
-              <a:t>Thank you.</a:t>
-            </a:r>
-          </a:p>
-        </p:txBody>
-      </p:sp>
-      <p:sp>
-        <p:nvSpPr>
-          <p:cNvPr id="3" name="Text Placeholder 2"/>
-          <p:cNvSpPr>
-            <a:spLocks noGrp="1"/>
-          </p:cNvSpPr>
-          <p:nvPr>
-            <p:ph type="body" sz="quarter" idx="10"/>
-          </p:nvPr>
-        </p:nvSpPr>
-        <p:spPr/>
-        <p:txBody>
-          <a:bodyPr/>
-          <a:lstStyle/>
-          <a:p>
-            <a:r>
-              <a:rPr lang="en-US" dirty="0"/>
-              <a:t>Contact information:</a:t>
-            </a:r>
-          </a:p>
-          <a:p>
-            <a:pPr lvl="1"/>
-            <a:r>
-              <a:rPr lang="en-US" b="1" dirty="0"/>
-              <a:t>F name L name</a:t>
-            </a:r>
-          </a:p>
-          <a:p>
-            <a:pPr lvl="1"/>
-            <a:r>
-              <a:rPr lang="en-US" dirty="0"/>
-              <a:t>Title</a:t>
-            </a:r>
-          </a:p>
-          <a:p>
-            <a:pPr lvl="1"/>
-            <a:r>
-              <a:rPr lang="en-US" dirty="0"/>
-              <a:t>Address</a:t>
-            </a:r>
-          </a:p>
-          <a:p>
-            <a:pPr lvl="1"/>
-            <a:r>
-              <a:rPr lang="en-US" dirty="0"/>
-              <a:t>Phone number</a:t>
-            </a:r>
-          </a:p>
-          <a:p>
-            <a:endParaRPr lang="en-US" dirty="0"/>
-          </a:p>
-        </p:txBody>
-      </p:sp>
-      <p:sp>
-        <p:nvSpPr>
-          <p:cNvPr id="4" name="Rectangle 3"/>
-          <p:cNvSpPr/>
-          <p:nvPr/>
-        </p:nvSpPr>
-        <p:spPr bwMode="gray">
-          <a:xfrm>
-            <a:off x="10732989" y="5953554"/>
-            <a:ext cx="944661" cy="402796"/>
-          </a:xfrm>
-          <a:prstGeom prst="rect">
-            <a:avLst/>
-          </a:prstGeom>
-          <a:solidFill>
-            <a:schemeClr val="tx2"/>
-          </a:solidFill>
-          <a:ln w="6350" algn="ctr">
-            <a:noFill/>
-            <a:miter lim="800000"/>
-            <a:headEnd/>
-            <a:tailEnd/>
-          </a:ln>
-        </p:spPr>
-        <p:txBody>
-          <a:bodyPr lIns="89979" tIns="71983" rIns="89979" bIns="71983" rtlCol="0" anchor="ctr"/>
-          <a:lstStyle/>
-          <a:p>
-            <a:pPr algn="ctr" defTabSz="914217" fontAlgn="base">
-              <a:spcBef>
-                <a:spcPct val="50000"/>
-              </a:spcBef>
-              <a:spcAft>
-                <a:spcPct val="0"/>
-              </a:spcAft>
-              <a:buClr>
-                <a:srgbClr val="F0AB00"/>
-              </a:buClr>
-              <a:buSzPct val="80000"/>
-            </a:pPr>
-            <a:r>
-              <a:rPr lang="en-US" sz="1100" kern="0" dirty="0">
-                <a:solidFill>
-                  <a:sysClr val="windowText" lastClr="000000"/>
-                </a:solidFill>
-                <a:ea typeface="Arial Unicode MS" pitchFamily="34" charset="-128"/>
-                <a:cs typeface="Arial Unicode MS" pitchFamily="34" charset="-128"/>
-              </a:rPr>
-              <a:t>Partner logo</a:t>
+              <a:t>Insert page title (sentence case)</a:t>
             </a:r>
           </a:p>
         </p:txBody>
@@ -9616,7 +13620,7 @@
     </p:spTree>
     <p:extLst>
       <p:ext uri="{BB962C8B-B14F-4D97-AF65-F5344CB8AC3E}">
-        <p14:creationId xmlns:p14="http://schemas.microsoft.com/office/powerpoint/2010/main" val="1881851238"/>
+        <p14:creationId xmlns:p14="http://schemas.microsoft.com/office/powerpoint/2010/main" val="2468716513"/>
       </p:ext>
     </p:extLst>
   </p:cSld>
@@ -9737,6 +13741,1184 @@
 </file>
 
 <file path=ppt/slides/slide20.xml><?xml version="1.0" encoding="utf-8"?>
+<p:sld xmlns:a="http://schemas.openxmlformats.org/drawingml/2006/main" xmlns:r="http://schemas.openxmlformats.org/officeDocument/2006/relationships" xmlns:p="http://schemas.openxmlformats.org/presentationml/2006/main">
+  <p:cSld>
+    <p:spTree>
+      <p:nvGrpSpPr>
+        <p:cNvPr id="1" name=""/>
+        <p:cNvGrpSpPr/>
+        <p:nvPr/>
+      </p:nvGrpSpPr>
+      <p:grpSpPr>
+        <a:xfrm>
+          <a:off x="0" y="0"/>
+          <a:ext cx="0" cy="0"/>
+          <a:chOff x="0" y="0"/>
+          <a:chExt cx="0" cy="0"/>
+        </a:xfrm>
+      </p:grpSpPr>
+      <p:sp>
+        <p:nvSpPr>
+          <p:cNvPr id="6" name="Picture Placeholder 5"/>
+          <p:cNvSpPr>
+            <a:spLocks noGrp="1"/>
+          </p:cNvSpPr>
+          <p:nvPr>
+            <p:ph type="pic" sz="quarter" idx="10"/>
+          </p:nvPr>
+        </p:nvSpPr>
+        <p:spPr/>
+      </p:sp>
+      <p:sp>
+        <p:nvSpPr>
+          <p:cNvPr id="4" name="Text Placeholder 3"/>
+          <p:cNvSpPr>
+            <a:spLocks noGrp="1"/>
+          </p:cNvSpPr>
+          <p:nvPr>
+            <p:ph type="body" sz="quarter" idx="11"/>
+          </p:nvPr>
+        </p:nvSpPr>
+        <p:spPr/>
+        <p:txBody>
+          <a:bodyPr/>
+          <a:lstStyle/>
+          <a:p>
+            <a:pPr lvl="0"/>
+            <a:r>
+              <a:rPr lang="en-US"/>
+              <a:t>First level</a:t>
+            </a:r>
+          </a:p>
+          <a:p>
+            <a:pPr lvl="1"/>
+            <a:r>
+              <a:rPr lang="en-US"/>
+              <a:t>Second level</a:t>
+            </a:r>
+          </a:p>
+          <a:p>
+            <a:pPr lvl="2"/>
+            <a:r>
+              <a:rPr lang="en-US"/>
+              <a:t>Third level</a:t>
+            </a:r>
+            <a:endParaRPr lang="en-US" dirty="0"/>
+          </a:p>
+        </p:txBody>
+      </p:sp>
+      <p:sp>
+        <p:nvSpPr>
+          <p:cNvPr id="2" name="Title 1"/>
+          <p:cNvSpPr>
+            <a:spLocks noGrp="1"/>
+          </p:cNvSpPr>
+          <p:nvPr>
+            <p:ph type="title"/>
+          </p:nvPr>
+        </p:nvSpPr>
+        <p:spPr/>
+        <p:txBody>
+          <a:bodyPr/>
+          <a:lstStyle/>
+          <a:p>
+            <a:r>
+              <a:rPr lang="en-US" dirty="0"/>
+              <a:t>Insert page title (sentence case)</a:t>
+            </a:r>
+          </a:p>
+        </p:txBody>
+      </p:sp>
+    </p:spTree>
+    <p:extLst>
+      <p:ext uri="{BB962C8B-B14F-4D97-AF65-F5344CB8AC3E}">
+        <p14:creationId xmlns:p14="http://schemas.microsoft.com/office/powerpoint/2010/main" val="4154867534"/>
+      </p:ext>
+    </p:extLst>
+  </p:cSld>
+  <p:clrMapOvr>
+    <a:masterClrMapping/>
+  </p:clrMapOvr>
+</p:sld>
+</file>
+
+<file path=ppt/slides/slide21.xml><?xml version="1.0" encoding="utf-8"?>
+<p:sld xmlns:a="http://schemas.openxmlformats.org/drawingml/2006/main" xmlns:r="http://schemas.openxmlformats.org/officeDocument/2006/relationships" xmlns:p="http://schemas.openxmlformats.org/presentationml/2006/main">
+  <p:cSld>
+    <p:spTree>
+      <p:nvGrpSpPr>
+        <p:cNvPr id="1" name=""/>
+        <p:cNvGrpSpPr/>
+        <p:nvPr/>
+      </p:nvGrpSpPr>
+      <p:grpSpPr>
+        <a:xfrm>
+          <a:off x="0" y="0"/>
+          <a:ext cx="0" cy="0"/>
+          <a:chOff x="0" y="0"/>
+          <a:chExt cx="0" cy="0"/>
+        </a:xfrm>
+      </p:grpSpPr>
+      <p:sp>
+        <p:nvSpPr>
+          <p:cNvPr id="9" name="Picture Placeholder 8"/>
+          <p:cNvSpPr>
+            <a:spLocks noGrp="1"/>
+          </p:cNvSpPr>
+          <p:nvPr>
+            <p:ph type="pic" sz="quarter" idx="10"/>
+          </p:nvPr>
+        </p:nvSpPr>
+        <p:spPr/>
+      </p:sp>
+    </p:spTree>
+    <p:extLst>
+      <p:ext uri="{BB962C8B-B14F-4D97-AF65-F5344CB8AC3E}">
+        <p14:creationId xmlns:p14="http://schemas.microsoft.com/office/powerpoint/2010/main" val="3324205101"/>
+      </p:ext>
+    </p:extLst>
+  </p:cSld>
+  <p:clrMapOvr>
+    <a:masterClrMapping/>
+  </p:clrMapOvr>
+</p:sld>
+</file>
+
+<file path=ppt/slides/slide22.xml><?xml version="1.0" encoding="utf-8"?>
+<p:sld xmlns:a="http://schemas.openxmlformats.org/drawingml/2006/main" xmlns:r="http://schemas.openxmlformats.org/officeDocument/2006/relationships" xmlns:p="http://schemas.openxmlformats.org/presentationml/2006/main">
+  <p:cSld>
+    <p:spTree>
+      <p:nvGrpSpPr>
+        <p:cNvPr id="1" name=""/>
+        <p:cNvGrpSpPr/>
+        <p:nvPr/>
+      </p:nvGrpSpPr>
+      <p:grpSpPr>
+        <a:xfrm>
+          <a:off x="0" y="0"/>
+          <a:ext cx="0" cy="0"/>
+          <a:chOff x="0" y="0"/>
+          <a:chExt cx="0" cy="0"/>
+        </a:xfrm>
+      </p:grpSpPr>
+      <p:sp>
+        <p:nvSpPr>
+          <p:cNvPr id="2" name="Picture Placeholder 1"/>
+          <p:cNvSpPr>
+            <a:spLocks noGrp="1"/>
+          </p:cNvSpPr>
+          <p:nvPr>
+            <p:ph type="pic" sz="quarter" idx="10"/>
+          </p:nvPr>
+        </p:nvSpPr>
+        <p:spPr/>
+      </p:sp>
+    </p:spTree>
+    <p:extLst>
+      <p:ext uri="{BB962C8B-B14F-4D97-AF65-F5344CB8AC3E}">
+        <p14:creationId xmlns:p14="http://schemas.microsoft.com/office/powerpoint/2010/main" val="1840057824"/>
+      </p:ext>
+    </p:extLst>
+  </p:cSld>
+  <p:clrMapOvr>
+    <a:masterClrMapping/>
+  </p:clrMapOvr>
+</p:sld>
+</file>
+
+<file path=ppt/slides/slide23.xml><?xml version="1.0" encoding="utf-8"?>
+<p:sld xmlns:a="http://schemas.openxmlformats.org/drawingml/2006/main" xmlns:r="http://schemas.openxmlformats.org/officeDocument/2006/relationships" xmlns:p="http://schemas.openxmlformats.org/presentationml/2006/main">
+  <p:cSld>
+    <p:spTree>
+      <p:nvGrpSpPr>
+        <p:cNvPr id="1" name=""/>
+        <p:cNvGrpSpPr/>
+        <p:nvPr/>
+      </p:nvGrpSpPr>
+      <p:grpSpPr>
+        <a:xfrm>
+          <a:off x="0" y="0"/>
+          <a:ext cx="0" cy="0"/>
+          <a:chOff x="0" y="0"/>
+          <a:chExt cx="0" cy="0"/>
+        </a:xfrm>
+      </p:grpSpPr>
+      <p:sp>
+        <p:nvSpPr>
+          <p:cNvPr id="8" name="Text Placeholder 7"/>
+          <p:cNvSpPr>
+            <a:spLocks noGrp="1"/>
+          </p:cNvSpPr>
+          <p:nvPr>
+            <p:ph type="body" sz="quarter" idx="10"/>
+          </p:nvPr>
+        </p:nvSpPr>
+        <p:spPr/>
+        <p:txBody>
+          <a:bodyPr/>
+          <a:lstStyle/>
+          <a:p>
+            <a:pPr lvl="0"/>
+            <a:r>
+              <a:rPr lang="en-US"/>
+              <a:t>First level</a:t>
+            </a:r>
+          </a:p>
+          <a:p>
+            <a:pPr lvl="1"/>
+            <a:r>
+              <a:rPr lang="en-US"/>
+              <a:t>Second level</a:t>
+            </a:r>
+          </a:p>
+          <a:p>
+            <a:pPr lvl="2"/>
+            <a:r>
+              <a:rPr lang="en-US"/>
+              <a:t>Third level</a:t>
+            </a:r>
+            <a:endParaRPr lang="en-US" dirty="0"/>
+          </a:p>
+        </p:txBody>
+      </p:sp>
+      <p:sp>
+        <p:nvSpPr>
+          <p:cNvPr id="9" name="Text Placeholder 8"/>
+          <p:cNvSpPr>
+            <a:spLocks noGrp="1"/>
+          </p:cNvSpPr>
+          <p:nvPr>
+            <p:ph type="body" sz="quarter" idx="11"/>
+          </p:nvPr>
+        </p:nvSpPr>
+        <p:spPr/>
+        <p:txBody>
+          <a:bodyPr/>
+          <a:lstStyle/>
+          <a:p>
+            <a:pPr lvl="0"/>
+            <a:r>
+              <a:rPr lang="en-US"/>
+              <a:t>First level</a:t>
+            </a:r>
+          </a:p>
+          <a:p>
+            <a:pPr lvl="1"/>
+            <a:r>
+              <a:rPr lang="en-US"/>
+              <a:t>Second level</a:t>
+            </a:r>
+          </a:p>
+          <a:p>
+            <a:pPr lvl="2"/>
+            <a:r>
+              <a:rPr lang="en-US"/>
+              <a:t>Third level</a:t>
+            </a:r>
+            <a:endParaRPr lang="en-US" dirty="0"/>
+          </a:p>
+        </p:txBody>
+      </p:sp>
+      <p:sp>
+        <p:nvSpPr>
+          <p:cNvPr id="7" name="Title 6"/>
+          <p:cNvSpPr>
+            <a:spLocks noGrp="1"/>
+          </p:cNvSpPr>
+          <p:nvPr>
+            <p:ph type="title"/>
+          </p:nvPr>
+        </p:nvSpPr>
+        <p:spPr/>
+        <p:txBody>
+          <a:bodyPr/>
+          <a:lstStyle/>
+          <a:p>
+            <a:r>
+              <a:rPr lang="en-US"/>
+              <a:t>Insert page title (sentence case)</a:t>
+            </a:r>
+            <a:endParaRPr lang="en-US" dirty="0"/>
+          </a:p>
+        </p:txBody>
+      </p:sp>
+    </p:spTree>
+    <p:extLst>
+      <p:ext uri="{BB962C8B-B14F-4D97-AF65-F5344CB8AC3E}">
+        <p14:creationId xmlns:p14="http://schemas.microsoft.com/office/powerpoint/2010/main" val="854015491"/>
+      </p:ext>
+    </p:extLst>
+  </p:cSld>
+  <p:clrMapOvr>
+    <a:masterClrMapping/>
+  </p:clrMapOvr>
+</p:sld>
+</file>
+
+<file path=ppt/slides/slide24.xml><?xml version="1.0" encoding="utf-8"?>
+<p:sld xmlns:a="http://schemas.openxmlformats.org/drawingml/2006/main" xmlns:r="http://schemas.openxmlformats.org/officeDocument/2006/relationships" xmlns:p="http://schemas.openxmlformats.org/presentationml/2006/main">
+  <p:cSld>
+    <p:spTree>
+      <p:nvGrpSpPr>
+        <p:cNvPr id="1" name=""/>
+        <p:cNvGrpSpPr/>
+        <p:nvPr/>
+      </p:nvGrpSpPr>
+      <p:grpSpPr>
+        <a:xfrm>
+          <a:off x="0" y="0"/>
+          <a:ext cx="0" cy="0"/>
+          <a:chOff x="0" y="0"/>
+          <a:chExt cx="0" cy="0"/>
+        </a:xfrm>
+      </p:grpSpPr>
+      <p:sp>
+        <p:nvSpPr>
+          <p:cNvPr id="5" name="Text Placeholder 4"/>
+          <p:cNvSpPr>
+            <a:spLocks noGrp="1"/>
+          </p:cNvSpPr>
+          <p:nvPr>
+            <p:ph type="body" sz="quarter" idx="13"/>
+          </p:nvPr>
+        </p:nvSpPr>
+        <p:spPr/>
+        <p:txBody>
+          <a:bodyPr/>
+          <a:lstStyle/>
+          <a:p>
+            <a:pPr lvl="0"/>
+            <a:r>
+              <a:rPr lang="en-US"/>
+              <a:t>First level</a:t>
+            </a:r>
+          </a:p>
+          <a:p>
+            <a:pPr lvl="1"/>
+            <a:r>
+              <a:rPr lang="en-US"/>
+              <a:t>Second level</a:t>
+            </a:r>
+          </a:p>
+          <a:p>
+            <a:pPr lvl="2"/>
+            <a:r>
+              <a:rPr lang="en-US"/>
+              <a:t>Third level</a:t>
+            </a:r>
+            <a:endParaRPr lang="en-US" dirty="0"/>
+          </a:p>
+        </p:txBody>
+      </p:sp>
+      <p:sp>
+        <p:nvSpPr>
+          <p:cNvPr id="4" name="Text Placeholder 3"/>
+          <p:cNvSpPr>
+            <a:spLocks noGrp="1"/>
+          </p:cNvSpPr>
+          <p:nvPr>
+            <p:ph type="body" sz="quarter" idx="12"/>
+          </p:nvPr>
+        </p:nvSpPr>
+        <p:spPr/>
+        <p:txBody>
+          <a:bodyPr/>
+          <a:lstStyle/>
+          <a:p>
+            <a:pPr lvl="0"/>
+            <a:r>
+              <a:rPr lang="en-US"/>
+              <a:t>First level</a:t>
+            </a:r>
+          </a:p>
+          <a:p>
+            <a:pPr lvl="1"/>
+            <a:r>
+              <a:rPr lang="en-US"/>
+              <a:t>Second level</a:t>
+            </a:r>
+          </a:p>
+          <a:p>
+            <a:pPr lvl="2"/>
+            <a:r>
+              <a:rPr lang="en-US"/>
+              <a:t>Third level</a:t>
+            </a:r>
+            <a:endParaRPr lang="en-US" dirty="0"/>
+          </a:p>
+        </p:txBody>
+      </p:sp>
+      <p:sp>
+        <p:nvSpPr>
+          <p:cNvPr id="3" name="Text Placeholder 2"/>
+          <p:cNvSpPr>
+            <a:spLocks noGrp="1"/>
+          </p:cNvSpPr>
+          <p:nvPr>
+            <p:ph type="body" sz="quarter" idx="10"/>
+          </p:nvPr>
+        </p:nvSpPr>
+        <p:spPr/>
+        <p:txBody>
+          <a:bodyPr/>
+          <a:lstStyle/>
+          <a:p>
+            <a:pPr lvl="0"/>
+            <a:r>
+              <a:rPr lang="en-US"/>
+              <a:t>First level</a:t>
+            </a:r>
+          </a:p>
+          <a:p>
+            <a:pPr lvl="1"/>
+            <a:r>
+              <a:rPr lang="en-US"/>
+              <a:t>Second level</a:t>
+            </a:r>
+          </a:p>
+          <a:p>
+            <a:pPr lvl="2"/>
+            <a:r>
+              <a:rPr lang="en-US"/>
+              <a:t>Third level</a:t>
+            </a:r>
+            <a:endParaRPr lang="en-US" dirty="0"/>
+          </a:p>
+        </p:txBody>
+      </p:sp>
+      <p:sp>
+        <p:nvSpPr>
+          <p:cNvPr id="2" name="Title 1"/>
+          <p:cNvSpPr>
+            <a:spLocks noGrp="1"/>
+          </p:cNvSpPr>
+          <p:nvPr>
+            <p:ph type="title"/>
+          </p:nvPr>
+        </p:nvSpPr>
+        <p:spPr/>
+        <p:txBody>
+          <a:bodyPr/>
+          <a:lstStyle/>
+          <a:p>
+            <a:r>
+              <a:rPr lang="en-US"/>
+              <a:t>Insert page title (sentence case)</a:t>
+            </a:r>
+            <a:endParaRPr lang="en-US" dirty="0"/>
+          </a:p>
+        </p:txBody>
+      </p:sp>
+    </p:spTree>
+    <p:extLst>
+      <p:ext uri="{BB962C8B-B14F-4D97-AF65-F5344CB8AC3E}">
+        <p14:creationId xmlns:p14="http://schemas.microsoft.com/office/powerpoint/2010/main" val="94846162"/>
+      </p:ext>
+    </p:extLst>
+  </p:cSld>
+  <p:clrMapOvr>
+    <a:masterClrMapping/>
+  </p:clrMapOvr>
+</p:sld>
+</file>
+
+<file path=ppt/slides/slide25.xml><?xml version="1.0" encoding="utf-8"?>
+<p:sld xmlns:a="http://schemas.openxmlformats.org/drawingml/2006/main" xmlns:r="http://schemas.openxmlformats.org/officeDocument/2006/relationships" xmlns:p="http://schemas.openxmlformats.org/presentationml/2006/main">
+  <p:cSld>
+    <p:spTree>
+      <p:nvGrpSpPr>
+        <p:cNvPr id="1" name=""/>
+        <p:cNvGrpSpPr/>
+        <p:nvPr/>
+      </p:nvGrpSpPr>
+      <p:grpSpPr>
+        <a:xfrm>
+          <a:off x="0" y="0"/>
+          <a:ext cx="0" cy="0"/>
+          <a:chOff x="0" y="0"/>
+          <a:chExt cx="0" cy="0"/>
+        </a:xfrm>
+      </p:grpSpPr>
+      <p:sp>
+        <p:nvSpPr>
+          <p:cNvPr id="8" name="Title 7"/>
+          <p:cNvSpPr>
+            <a:spLocks noGrp="1"/>
+          </p:cNvSpPr>
+          <p:nvPr>
+            <p:ph type="title"/>
+          </p:nvPr>
+        </p:nvSpPr>
+        <p:spPr/>
+        <p:txBody>
+          <a:bodyPr/>
+          <a:lstStyle/>
+          <a:p>
+            <a:r>
+              <a:rPr lang="en-US"/>
+              <a:t>Insert page title (sentence case)</a:t>
+            </a:r>
+            <a:endParaRPr lang="en-US" dirty="0"/>
+          </a:p>
+        </p:txBody>
+      </p:sp>
+      <p:sp>
+        <p:nvSpPr>
+          <p:cNvPr id="3" name="Text Placeholder 2"/>
+          <p:cNvSpPr>
+            <a:spLocks noGrp="1"/>
+          </p:cNvSpPr>
+          <p:nvPr>
+            <p:ph type="body" sz="quarter" idx="10"/>
+          </p:nvPr>
+        </p:nvSpPr>
+        <p:spPr/>
+        <p:txBody>
+          <a:bodyPr/>
+          <a:lstStyle/>
+          <a:p>
+            <a:pPr lvl="0"/>
+            <a:r>
+              <a:rPr lang="en-US" dirty="0"/>
+              <a:t>First level</a:t>
+            </a:r>
+          </a:p>
+          <a:p>
+            <a:pPr lvl="1"/>
+            <a:r>
+              <a:rPr lang="en-US" dirty="0"/>
+              <a:t>Second level</a:t>
+            </a:r>
+          </a:p>
+        </p:txBody>
+      </p:sp>
+      <p:sp>
+        <p:nvSpPr>
+          <p:cNvPr id="15" name="Picture Placeholder 14"/>
+          <p:cNvSpPr>
+            <a:spLocks noGrp="1"/>
+          </p:cNvSpPr>
+          <p:nvPr>
+            <p:ph type="pic" sz="quarter" idx="12"/>
+          </p:nvPr>
+        </p:nvSpPr>
+        <p:spPr/>
+      </p:sp>
+      <p:sp>
+        <p:nvSpPr>
+          <p:cNvPr id="10" name="Text Placeholder 9"/>
+          <p:cNvSpPr>
+            <a:spLocks noGrp="1"/>
+          </p:cNvSpPr>
+          <p:nvPr>
+            <p:ph type="body" sz="quarter" idx="13"/>
+          </p:nvPr>
+        </p:nvSpPr>
+        <p:spPr/>
+        <p:txBody>
+          <a:bodyPr/>
+          <a:lstStyle/>
+          <a:p>
+            <a:pPr lvl="0"/>
+            <a:r>
+              <a:rPr lang="en-US" dirty="0"/>
+              <a:t>First level</a:t>
+            </a:r>
+          </a:p>
+          <a:p>
+            <a:pPr lvl="1"/>
+            <a:r>
+              <a:rPr lang="en-US" dirty="0"/>
+              <a:t>Second level</a:t>
+            </a:r>
+          </a:p>
+        </p:txBody>
+      </p:sp>
+      <p:sp>
+        <p:nvSpPr>
+          <p:cNvPr id="16" name="Picture Placeholder 15"/>
+          <p:cNvSpPr>
+            <a:spLocks noGrp="1"/>
+          </p:cNvSpPr>
+          <p:nvPr>
+            <p:ph type="pic" sz="quarter" idx="14"/>
+          </p:nvPr>
+        </p:nvSpPr>
+        <p:spPr/>
+      </p:sp>
+    </p:spTree>
+    <p:extLst>
+      <p:ext uri="{BB962C8B-B14F-4D97-AF65-F5344CB8AC3E}">
+        <p14:creationId xmlns:p14="http://schemas.microsoft.com/office/powerpoint/2010/main" val="1504049518"/>
+      </p:ext>
+    </p:extLst>
+  </p:cSld>
+  <p:clrMapOvr>
+    <a:masterClrMapping/>
+  </p:clrMapOvr>
+</p:sld>
+</file>
+
+<file path=ppt/slides/slide26.xml><?xml version="1.0" encoding="utf-8"?>
+<p:sld xmlns:a="http://schemas.openxmlformats.org/drawingml/2006/main" xmlns:r="http://schemas.openxmlformats.org/officeDocument/2006/relationships" xmlns:p="http://schemas.openxmlformats.org/presentationml/2006/main">
+  <p:cSld>
+    <p:spTree>
+      <p:nvGrpSpPr>
+        <p:cNvPr id="1" name=""/>
+        <p:cNvGrpSpPr/>
+        <p:nvPr/>
+      </p:nvGrpSpPr>
+      <p:grpSpPr>
+        <a:xfrm>
+          <a:off x="0" y="0"/>
+          <a:ext cx="0" cy="0"/>
+          <a:chOff x="0" y="0"/>
+          <a:chExt cx="0" cy="0"/>
+        </a:xfrm>
+      </p:grpSpPr>
+      <p:sp>
+        <p:nvSpPr>
+          <p:cNvPr id="2" name="Title 1"/>
+          <p:cNvSpPr>
+            <a:spLocks noGrp="1"/>
+          </p:cNvSpPr>
+          <p:nvPr>
+            <p:ph type="title"/>
+          </p:nvPr>
+        </p:nvSpPr>
+        <p:spPr/>
+        <p:txBody>
+          <a:bodyPr/>
+          <a:lstStyle/>
+          <a:p>
+            <a:r>
+              <a:rPr lang="en-US" dirty="0"/>
+              <a:t>Insert page title (sentence case)</a:t>
+            </a:r>
+          </a:p>
+        </p:txBody>
+      </p:sp>
+      <p:sp>
+        <p:nvSpPr>
+          <p:cNvPr id="10" name="Text Placeholder 9"/>
+          <p:cNvSpPr>
+            <a:spLocks noGrp="1"/>
+          </p:cNvSpPr>
+          <p:nvPr>
+            <p:ph type="body" sz="quarter" idx="10"/>
+          </p:nvPr>
+        </p:nvSpPr>
+        <p:spPr/>
+        <p:txBody>
+          <a:bodyPr/>
+          <a:lstStyle/>
+          <a:p>
+            <a:pPr lvl="0"/>
+            <a:r>
+              <a:rPr lang="en-US" dirty="0"/>
+              <a:t>First level</a:t>
+            </a:r>
+          </a:p>
+          <a:p>
+            <a:pPr lvl="1"/>
+            <a:r>
+              <a:rPr lang="en-US" dirty="0"/>
+              <a:t>Second level</a:t>
+            </a:r>
+          </a:p>
+        </p:txBody>
+      </p:sp>
+      <p:sp>
+        <p:nvSpPr>
+          <p:cNvPr id="11" name="Picture Placeholder 10"/>
+          <p:cNvSpPr>
+            <a:spLocks noGrp="1"/>
+          </p:cNvSpPr>
+          <p:nvPr>
+            <p:ph type="pic" sz="quarter" idx="12"/>
+          </p:nvPr>
+        </p:nvSpPr>
+        <p:spPr/>
+      </p:sp>
+      <p:sp>
+        <p:nvSpPr>
+          <p:cNvPr id="12" name="Text Placeholder 11"/>
+          <p:cNvSpPr>
+            <a:spLocks noGrp="1"/>
+          </p:cNvSpPr>
+          <p:nvPr>
+            <p:ph type="body" sz="quarter" idx="13"/>
+          </p:nvPr>
+        </p:nvSpPr>
+        <p:spPr/>
+        <p:txBody>
+          <a:bodyPr/>
+          <a:lstStyle/>
+          <a:p>
+            <a:pPr lvl="0"/>
+            <a:r>
+              <a:rPr lang="en-US" dirty="0"/>
+              <a:t>First level</a:t>
+            </a:r>
+          </a:p>
+          <a:p>
+            <a:pPr lvl="1"/>
+            <a:r>
+              <a:rPr lang="en-US" dirty="0"/>
+              <a:t>Second level</a:t>
+            </a:r>
+          </a:p>
+        </p:txBody>
+      </p:sp>
+      <p:sp>
+        <p:nvSpPr>
+          <p:cNvPr id="13" name="Picture Placeholder 12"/>
+          <p:cNvSpPr>
+            <a:spLocks noGrp="1"/>
+          </p:cNvSpPr>
+          <p:nvPr>
+            <p:ph type="pic" sz="quarter" idx="14"/>
+          </p:nvPr>
+        </p:nvSpPr>
+        <p:spPr/>
+      </p:sp>
+      <p:sp>
+        <p:nvSpPr>
+          <p:cNvPr id="14" name="Text Placeholder 13"/>
+          <p:cNvSpPr>
+            <a:spLocks noGrp="1"/>
+          </p:cNvSpPr>
+          <p:nvPr>
+            <p:ph type="body" sz="quarter" idx="15"/>
+          </p:nvPr>
+        </p:nvSpPr>
+        <p:spPr/>
+        <p:txBody>
+          <a:bodyPr/>
+          <a:lstStyle/>
+          <a:p>
+            <a:pPr lvl="0"/>
+            <a:r>
+              <a:rPr lang="en-US" dirty="0"/>
+              <a:t>First level</a:t>
+            </a:r>
+          </a:p>
+          <a:p>
+            <a:pPr lvl="1"/>
+            <a:r>
+              <a:rPr lang="en-US" dirty="0"/>
+              <a:t>Second level</a:t>
+            </a:r>
+          </a:p>
+        </p:txBody>
+      </p:sp>
+      <p:sp>
+        <p:nvSpPr>
+          <p:cNvPr id="15" name="Picture Placeholder 14"/>
+          <p:cNvSpPr>
+            <a:spLocks noGrp="1"/>
+          </p:cNvSpPr>
+          <p:nvPr>
+            <p:ph type="pic" sz="quarter" idx="16"/>
+          </p:nvPr>
+        </p:nvSpPr>
+        <p:spPr/>
+      </p:sp>
+    </p:spTree>
+    <p:extLst>
+      <p:ext uri="{BB962C8B-B14F-4D97-AF65-F5344CB8AC3E}">
+        <p14:creationId xmlns:p14="http://schemas.microsoft.com/office/powerpoint/2010/main" val="1175416068"/>
+      </p:ext>
+    </p:extLst>
+  </p:cSld>
+  <p:clrMapOvr>
+    <a:masterClrMapping/>
+  </p:clrMapOvr>
+</p:sld>
+</file>
+
+<file path=ppt/slides/slide27.xml><?xml version="1.0" encoding="utf-8"?>
+<p:sld xmlns:a="http://schemas.openxmlformats.org/drawingml/2006/main" xmlns:r="http://schemas.openxmlformats.org/officeDocument/2006/relationships" xmlns:p="http://schemas.openxmlformats.org/presentationml/2006/main">
+  <p:cSld>
+    <p:spTree>
+      <p:nvGrpSpPr>
+        <p:cNvPr id="1" name=""/>
+        <p:cNvGrpSpPr/>
+        <p:nvPr/>
+      </p:nvGrpSpPr>
+      <p:grpSpPr>
+        <a:xfrm>
+          <a:off x="0" y="0"/>
+          <a:ext cx="0" cy="0"/>
+          <a:chOff x="0" y="0"/>
+          <a:chExt cx="0" cy="0"/>
+        </a:xfrm>
+      </p:grpSpPr>
+      <p:sp>
+        <p:nvSpPr>
+          <p:cNvPr id="2" name="Title 1"/>
+          <p:cNvSpPr>
+            <a:spLocks noGrp="1"/>
+          </p:cNvSpPr>
+          <p:nvPr>
+            <p:ph type="title"/>
+          </p:nvPr>
+        </p:nvSpPr>
+        <p:spPr/>
+        <p:txBody>
+          <a:bodyPr/>
+          <a:lstStyle/>
+          <a:p>
+            <a:r>
+              <a:rPr lang="en-US" dirty="0"/>
+              <a:t>Insert page title (sentence case)</a:t>
+            </a:r>
+          </a:p>
+        </p:txBody>
+      </p:sp>
+      <p:sp>
+        <p:nvSpPr>
+          <p:cNvPr id="3" name="Text Placeholder 2"/>
+          <p:cNvSpPr>
+            <a:spLocks noGrp="1"/>
+          </p:cNvSpPr>
+          <p:nvPr>
+            <p:ph type="body" sz="quarter" idx="10"/>
+          </p:nvPr>
+        </p:nvSpPr>
+        <p:spPr/>
+        <p:txBody>
+          <a:bodyPr/>
+          <a:lstStyle/>
+          <a:p>
+            <a:pPr lvl="0"/>
+            <a:r>
+              <a:rPr lang="en-US" dirty="0"/>
+              <a:t>First level</a:t>
+            </a:r>
+          </a:p>
+          <a:p>
+            <a:pPr lvl="1"/>
+            <a:r>
+              <a:rPr lang="en-US" dirty="0"/>
+              <a:t>Second level</a:t>
+            </a:r>
+          </a:p>
+          <a:p>
+            <a:endParaRPr lang="en-US" dirty="0"/>
+          </a:p>
+        </p:txBody>
+      </p:sp>
+      <p:sp>
+        <p:nvSpPr>
+          <p:cNvPr id="4" name="Picture Placeholder 3"/>
+          <p:cNvSpPr>
+            <a:spLocks noGrp="1"/>
+          </p:cNvSpPr>
+          <p:nvPr>
+            <p:ph type="pic" sz="quarter" idx="12"/>
+          </p:nvPr>
+        </p:nvSpPr>
+        <p:spPr/>
+      </p:sp>
+      <p:sp>
+        <p:nvSpPr>
+          <p:cNvPr id="5" name="Text Placeholder 4"/>
+          <p:cNvSpPr>
+            <a:spLocks noGrp="1"/>
+          </p:cNvSpPr>
+          <p:nvPr>
+            <p:ph type="body" sz="quarter" idx="13"/>
+          </p:nvPr>
+        </p:nvSpPr>
+        <p:spPr/>
+        <p:txBody>
+          <a:bodyPr/>
+          <a:lstStyle/>
+          <a:p>
+            <a:pPr lvl="0"/>
+            <a:r>
+              <a:rPr lang="en-US" dirty="0"/>
+              <a:t>First level</a:t>
+            </a:r>
+          </a:p>
+          <a:p>
+            <a:pPr lvl="1"/>
+            <a:r>
+              <a:rPr lang="en-US" dirty="0"/>
+              <a:t>Second level</a:t>
+            </a:r>
+          </a:p>
+        </p:txBody>
+      </p:sp>
+      <p:sp>
+        <p:nvSpPr>
+          <p:cNvPr id="6" name="Picture Placeholder 5"/>
+          <p:cNvSpPr>
+            <a:spLocks noGrp="1"/>
+          </p:cNvSpPr>
+          <p:nvPr>
+            <p:ph type="pic" sz="quarter" idx="14"/>
+          </p:nvPr>
+        </p:nvSpPr>
+        <p:spPr/>
+      </p:sp>
+      <p:sp>
+        <p:nvSpPr>
+          <p:cNvPr id="7" name="Text Placeholder 6"/>
+          <p:cNvSpPr>
+            <a:spLocks noGrp="1"/>
+          </p:cNvSpPr>
+          <p:nvPr>
+            <p:ph type="body" sz="quarter" idx="15"/>
+          </p:nvPr>
+        </p:nvSpPr>
+        <p:spPr/>
+        <p:txBody>
+          <a:bodyPr/>
+          <a:lstStyle/>
+          <a:p>
+            <a:pPr lvl="0"/>
+            <a:r>
+              <a:rPr lang="en-US" dirty="0"/>
+              <a:t>First level</a:t>
+            </a:r>
+          </a:p>
+          <a:p>
+            <a:pPr lvl="1"/>
+            <a:r>
+              <a:rPr lang="en-US" dirty="0"/>
+              <a:t>Second level</a:t>
+            </a:r>
+          </a:p>
+        </p:txBody>
+      </p:sp>
+      <p:sp>
+        <p:nvSpPr>
+          <p:cNvPr id="8" name="Picture Placeholder 7"/>
+          <p:cNvSpPr>
+            <a:spLocks noGrp="1"/>
+          </p:cNvSpPr>
+          <p:nvPr>
+            <p:ph type="pic" sz="quarter" idx="16"/>
+          </p:nvPr>
+        </p:nvSpPr>
+        <p:spPr/>
+      </p:sp>
+      <p:sp>
+        <p:nvSpPr>
+          <p:cNvPr id="9" name="Text Placeholder 8"/>
+          <p:cNvSpPr>
+            <a:spLocks noGrp="1"/>
+          </p:cNvSpPr>
+          <p:nvPr>
+            <p:ph type="body" sz="quarter" idx="17"/>
+          </p:nvPr>
+        </p:nvSpPr>
+        <p:spPr/>
+        <p:txBody>
+          <a:bodyPr/>
+          <a:lstStyle/>
+          <a:p>
+            <a:pPr lvl="0"/>
+            <a:r>
+              <a:rPr lang="en-US" dirty="0"/>
+              <a:t>First level</a:t>
+            </a:r>
+          </a:p>
+          <a:p>
+            <a:pPr lvl="1"/>
+            <a:r>
+              <a:rPr lang="en-US" dirty="0"/>
+              <a:t>Second level</a:t>
+            </a:r>
+          </a:p>
+        </p:txBody>
+      </p:sp>
+      <p:sp>
+        <p:nvSpPr>
+          <p:cNvPr id="10" name="Picture Placeholder 9"/>
+          <p:cNvSpPr>
+            <a:spLocks noGrp="1"/>
+          </p:cNvSpPr>
+          <p:nvPr>
+            <p:ph type="pic" sz="quarter" idx="18"/>
+          </p:nvPr>
+        </p:nvSpPr>
+        <p:spPr/>
+      </p:sp>
+    </p:spTree>
+    <p:extLst>
+      <p:ext uri="{BB962C8B-B14F-4D97-AF65-F5344CB8AC3E}">
+        <p14:creationId xmlns:p14="http://schemas.microsoft.com/office/powerpoint/2010/main" val="3242553429"/>
+      </p:ext>
+    </p:extLst>
+  </p:cSld>
+  <p:clrMapOvr>
+    <a:masterClrMapping/>
+  </p:clrMapOvr>
+</p:sld>
+</file>
+
+<file path=ppt/slides/slide28.xml><?xml version="1.0" encoding="utf-8"?>
+<p:sld xmlns:a="http://schemas.openxmlformats.org/drawingml/2006/main" xmlns:r="http://schemas.openxmlformats.org/officeDocument/2006/relationships" xmlns:p="http://schemas.openxmlformats.org/presentationml/2006/main">
+  <p:cSld>
+    <p:spTree>
+      <p:nvGrpSpPr>
+        <p:cNvPr id="1" name=""/>
+        <p:cNvGrpSpPr/>
+        <p:nvPr/>
+      </p:nvGrpSpPr>
+      <p:grpSpPr>
+        <a:xfrm>
+          <a:off x="0" y="0"/>
+          <a:ext cx="0" cy="0"/>
+          <a:chOff x="0" y="0"/>
+          <a:chExt cx="0" cy="0"/>
+        </a:xfrm>
+      </p:grpSpPr>
+      <p:sp>
+        <p:nvSpPr>
+          <p:cNvPr id="2" name="Title 1"/>
+          <p:cNvSpPr>
+            <a:spLocks noGrp="1"/>
+          </p:cNvSpPr>
+          <p:nvPr>
+            <p:ph type="ctrTitle"/>
+          </p:nvPr>
+        </p:nvSpPr>
+        <p:spPr/>
+        <p:txBody>
+          <a:bodyPr/>
+          <a:lstStyle/>
+          <a:p>
+            <a:r>
+              <a:rPr lang="en-US" dirty="0"/>
+              <a:t>Thank you.</a:t>
+            </a:r>
+          </a:p>
+        </p:txBody>
+      </p:sp>
+      <p:sp>
+        <p:nvSpPr>
+          <p:cNvPr id="3" name="Text Placeholder 2"/>
+          <p:cNvSpPr>
+            <a:spLocks noGrp="1"/>
+          </p:cNvSpPr>
+          <p:nvPr>
+            <p:ph type="body" sz="quarter" idx="10"/>
+          </p:nvPr>
+        </p:nvSpPr>
+        <p:spPr/>
+        <p:txBody>
+          <a:bodyPr/>
+          <a:lstStyle/>
+          <a:p>
+            <a:r>
+              <a:rPr lang="en-US" dirty="0"/>
+              <a:t>Contact information:</a:t>
+            </a:r>
+          </a:p>
+          <a:p>
+            <a:pPr lvl="1"/>
+            <a:r>
+              <a:rPr lang="en-US" b="1" dirty="0"/>
+              <a:t>F name L name</a:t>
+            </a:r>
+          </a:p>
+          <a:p>
+            <a:pPr lvl="1"/>
+            <a:r>
+              <a:rPr lang="en-US" dirty="0"/>
+              <a:t>Title</a:t>
+            </a:r>
+          </a:p>
+          <a:p>
+            <a:pPr lvl="1"/>
+            <a:r>
+              <a:rPr lang="en-US" dirty="0"/>
+              <a:t>Address</a:t>
+            </a:r>
+          </a:p>
+          <a:p>
+            <a:pPr lvl="1"/>
+            <a:r>
+              <a:rPr lang="en-US" dirty="0"/>
+              <a:t>Phone number</a:t>
+            </a:r>
+          </a:p>
+          <a:p>
+            <a:endParaRPr lang="en-US" dirty="0"/>
+          </a:p>
+        </p:txBody>
+      </p:sp>
+      <p:sp>
+        <p:nvSpPr>
+          <p:cNvPr id="4" name="Rectangle 3"/>
+          <p:cNvSpPr/>
+          <p:nvPr/>
+        </p:nvSpPr>
+        <p:spPr bwMode="gray">
+          <a:xfrm>
+            <a:off x="10732989" y="5953554"/>
+            <a:ext cx="944661" cy="402796"/>
+          </a:xfrm>
+          <a:prstGeom prst="rect">
+            <a:avLst/>
+          </a:prstGeom>
+          <a:solidFill>
+            <a:schemeClr val="tx2"/>
+          </a:solidFill>
+          <a:ln w="6350" algn="ctr">
+            <a:noFill/>
+            <a:miter lim="800000"/>
+            <a:headEnd/>
+            <a:tailEnd/>
+          </a:ln>
+        </p:spPr>
+        <p:txBody>
+          <a:bodyPr lIns="89979" tIns="71983" rIns="89979" bIns="71983" rtlCol="0" anchor="ctr"/>
+          <a:lstStyle/>
+          <a:p>
+            <a:pPr algn="ctr" defTabSz="914217" fontAlgn="base">
+              <a:spcBef>
+                <a:spcPct val="50000"/>
+              </a:spcBef>
+              <a:spcAft>
+                <a:spcPct val="0"/>
+              </a:spcAft>
+              <a:buClr>
+                <a:srgbClr val="F0AB00"/>
+              </a:buClr>
+              <a:buSzPct val="80000"/>
+            </a:pPr>
+            <a:r>
+              <a:rPr lang="en-US" sz="1100" kern="0" dirty="0">
+                <a:solidFill>
+                  <a:sysClr val="windowText" lastClr="000000"/>
+                </a:solidFill>
+                <a:ea typeface="Arial Unicode MS" pitchFamily="34" charset="-128"/>
+                <a:cs typeface="Arial Unicode MS" pitchFamily="34" charset="-128"/>
+              </a:rPr>
+              <a:t>Partner logo</a:t>
+            </a:r>
+          </a:p>
+        </p:txBody>
+      </p:sp>
+    </p:spTree>
+    <p:extLst>
+      <p:ext uri="{BB962C8B-B14F-4D97-AF65-F5344CB8AC3E}">
+        <p14:creationId xmlns:p14="http://schemas.microsoft.com/office/powerpoint/2010/main" val="1881851238"/>
+      </p:ext>
+    </p:extLst>
+  </p:cSld>
+  <p:clrMapOvr>
+    <a:masterClrMapping/>
+  </p:clrMapOvr>
+</p:sld>
+</file>
+
+<file path=ppt/slides/slide29.xml><?xml version="1.0" encoding="utf-8"?>
 <p:sld xmlns:a="http://schemas.openxmlformats.org/drawingml/2006/main" xmlns:r="http://schemas.openxmlformats.org/officeDocument/2006/relationships" xmlns:p="http://schemas.openxmlformats.org/presentationml/2006/main" show="0">
   <p:cSld>
     <p:spTree>
@@ -9871,43 +15053,6 @@
       </p:grpSpPr>
       <p:sp>
         <p:nvSpPr>
-          <p:cNvPr id="11" name="Text Placeholder 10"/>
-          <p:cNvSpPr>
-            <a:spLocks noGrp="1"/>
-          </p:cNvSpPr>
-          <p:nvPr>
-            <p:ph type="body" sz="quarter" idx="10"/>
-          </p:nvPr>
-        </p:nvSpPr>
-        <p:spPr/>
-        <p:txBody>
-          <a:bodyPr/>
-          <a:lstStyle/>
-          <a:p>
-            <a:pPr lvl="0"/>
-            <a:r>
-              <a:rPr lang="en-US" dirty="0"/>
-              <a:t>First level</a:t>
-            </a:r>
-          </a:p>
-          <a:p>
-            <a:pPr lvl="1"/>
-            <a:r>
-              <a:rPr lang="en-US" dirty="0"/>
-              <a:t>Second level</a:t>
-            </a:r>
-          </a:p>
-          <a:p>
-            <a:pPr lvl="2"/>
-            <a:r>
-              <a:rPr lang="en-US" dirty="0"/>
-              <a:t>Third level</a:t>
-            </a:r>
-          </a:p>
-        </p:txBody>
-      </p:sp>
-      <p:sp>
-        <p:nvSpPr>
           <p:cNvPr id="4" name="Title 3"/>
           <p:cNvSpPr>
             <a:spLocks noGrp="1"/>
@@ -9916,14 +15061,262 @@
             <p:ph type="title"/>
           </p:nvPr>
         </p:nvSpPr>
-        <p:spPr/>
+        <p:spPr>
+          <a:xfrm>
+            <a:off x="377541" y="640187"/>
+            <a:ext cx="11186476" cy="369332"/>
+          </a:xfrm>
+        </p:spPr>
         <p:txBody>
           <a:bodyPr/>
           <a:lstStyle/>
           <a:p>
             <a:r>
               <a:rPr lang="en-US" dirty="0"/>
-              <a:t>Why</a:t>
+              <a:t>Why create?</a:t>
+            </a:r>
+          </a:p>
+        </p:txBody>
+      </p:sp>
+      <p:graphicFrame>
+        <p:nvGraphicFramePr>
+          <p:cNvPr id="18" name="Chart 17">
+            <a:extLst>
+              <a:ext uri="{FF2B5EF4-FFF2-40B4-BE49-F238E27FC236}">
+                <a16:creationId xmlns:a16="http://schemas.microsoft.com/office/drawing/2014/main" id="{5F867322-2272-4E01-AB1F-7DF97B56F696}"/>
+              </a:ext>
+            </a:extLst>
+          </p:cNvPr>
+          <p:cNvGraphicFramePr/>
+          <p:nvPr>
+            <p:extLst>
+              <p:ext uri="{D42A27DB-BD31-4B8C-83A1-F6EECF244321}">
+                <p14:modId xmlns:p14="http://schemas.microsoft.com/office/powerpoint/2010/main" val="3368827376"/>
+              </p:ext>
+            </p:extLst>
+          </p:nvPr>
+        </p:nvGraphicFramePr>
+        <p:xfrm>
+          <a:off x="2265994" y="1009519"/>
+          <a:ext cx="7169837" cy="4775895"/>
+        </p:xfrm>
+        <a:graphic>
+          <a:graphicData uri="http://schemas.openxmlformats.org/drawingml/2006/chart">
+            <c:chart xmlns:c="http://schemas.openxmlformats.org/drawingml/2006/chart" xmlns:r="http://schemas.openxmlformats.org/officeDocument/2006/relationships" r:id="rId3"/>
+          </a:graphicData>
+        </a:graphic>
+      </p:graphicFrame>
+      <p:sp>
+        <p:nvSpPr>
+          <p:cNvPr id="20" name="TextBox 19">
+            <a:extLst>
+              <a:ext uri="{FF2B5EF4-FFF2-40B4-BE49-F238E27FC236}">
+                <a16:creationId xmlns:a16="http://schemas.microsoft.com/office/drawing/2014/main" id="{EC41A7C2-A2FB-4687-99D8-AD48C2254596}"/>
+              </a:ext>
+            </a:extLst>
+          </p:cNvPr>
+          <p:cNvSpPr txBox="1"/>
+          <p:nvPr/>
+        </p:nvSpPr>
+        <p:spPr>
+          <a:xfrm>
+            <a:off x="1278544" y="1879728"/>
+            <a:ext cx="1756891" cy="276999"/>
+          </a:xfrm>
+          <a:prstGeom prst="rect">
+            <a:avLst/>
+          </a:prstGeom>
+          <a:noFill/>
+        </p:spPr>
+        <p:txBody>
+          <a:bodyPr wrap="none" lIns="0" tIns="0" rIns="0" bIns="0" rtlCol="0">
+            <a:spAutoFit/>
+          </a:bodyPr>
+          <a:lstStyle/>
+          <a:p>
+            <a:pPr fontAlgn="base">
+              <a:spcBef>
+                <a:spcPct val="50000"/>
+              </a:spcBef>
+              <a:spcAft>
+                <a:spcPct val="0"/>
+              </a:spcAft>
+              <a:buClr>
+                <a:srgbClr val="F0AB00"/>
+              </a:buClr>
+              <a:buSzPct val="80000"/>
+            </a:pPr>
+            <a:r>
+              <a:rPr lang="en-US" sz="1800" b="1" kern="0" dirty="0">
+                <a:solidFill>
+                  <a:srgbClr val="4FB81C"/>
+                </a:solidFill>
+                <a:ea typeface="Arial Unicode MS" pitchFamily="34" charset="-128"/>
+                <a:cs typeface="Arial Unicode MS" pitchFamily="34" charset="-128"/>
+              </a:rPr>
+              <a:t>Fair distribution</a:t>
+            </a:r>
+          </a:p>
+        </p:txBody>
+      </p:sp>
+      <p:sp>
+        <p:nvSpPr>
+          <p:cNvPr id="21" name="TextBox 20">
+            <a:extLst>
+              <a:ext uri="{FF2B5EF4-FFF2-40B4-BE49-F238E27FC236}">
+                <a16:creationId xmlns:a16="http://schemas.microsoft.com/office/drawing/2014/main" id="{A08C067F-8B64-4A9B-B050-E69A25B98813}"/>
+              </a:ext>
+            </a:extLst>
+          </p:cNvPr>
+          <p:cNvSpPr txBox="1"/>
+          <p:nvPr/>
+        </p:nvSpPr>
+        <p:spPr>
+          <a:xfrm>
+            <a:off x="8557385" y="1879728"/>
+            <a:ext cx="2077492" cy="276999"/>
+          </a:xfrm>
+          <a:prstGeom prst="rect">
+            <a:avLst/>
+          </a:prstGeom>
+          <a:noFill/>
+        </p:spPr>
+        <p:txBody>
+          <a:bodyPr wrap="none" lIns="0" tIns="0" rIns="0" bIns="0" rtlCol="0">
+            <a:spAutoFit/>
+          </a:bodyPr>
+          <a:lstStyle/>
+          <a:p>
+            <a:pPr fontAlgn="base">
+              <a:spcBef>
+                <a:spcPct val="50000"/>
+              </a:spcBef>
+              <a:spcAft>
+                <a:spcPct val="0"/>
+              </a:spcAft>
+              <a:buClr>
+                <a:srgbClr val="F0AB00"/>
+              </a:buClr>
+              <a:buSzPct val="80000"/>
+            </a:pPr>
+            <a:r>
+              <a:rPr lang="en-US" sz="1800" b="1" kern="0" dirty="0">
+                <a:solidFill>
+                  <a:schemeClr val="accent1"/>
+                </a:solidFill>
+                <a:ea typeface="Arial Unicode MS" pitchFamily="34" charset="-128"/>
+                <a:cs typeface="Arial Unicode MS" pitchFamily="34" charset="-128"/>
+              </a:rPr>
+              <a:t>Preference conflict</a:t>
+            </a:r>
+          </a:p>
+        </p:txBody>
+      </p:sp>
+      <p:sp>
+        <p:nvSpPr>
+          <p:cNvPr id="22" name="TextBox 21">
+            <a:extLst>
+              <a:ext uri="{FF2B5EF4-FFF2-40B4-BE49-F238E27FC236}">
+                <a16:creationId xmlns:a16="http://schemas.microsoft.com/office/drawing/2014/main" id="{F864BB87-A7BB-4DB4-9D8F-7013E8FD05A5}"/>
+              </a:ext>
+            </a:extLst>
+          </p:cNvPr>
+          <p:cNvSpPr txBox="1"/>
+          <p:nvPr/>
+        </p:nvSpPr>
+        <p:spPr>
+          <a:xfrm>
+            <a:off x="1265720" y="4376493"/>
+            <a:ext cx="1769715" cy="276999"/>
+          </a:xfrm>
+          <a:prstGeom prst="rect">
+            <a:avLst/>
+          </a:prstGeom>
+          <a:noFill/>
+          <a:ln>
+            <a:noFill/>
+          </a:ln>
+        </p:spPr>
+        <p:txBody>
+          <a:bodyPr wrap="none" lIns="0" tIns="0" rIns="0" bIns="0" rtlCol="0">
+            <a:spAutoFit/>
+          </a:bodyPr>
+          <a:lstStyle/>
+          <a:p>
+            <a:pPr fontAlgn="base">
+              <a:spcBef>
+                <a:spcPct val="50000"/>
+              </a:spcBef>
+              <a:spcAft>
+                <a:spcPct val="0"/>
+              </a:spcAft>
+              <a:buClr>
+                <a:srgbClr val="F0AB00"/>
+              </a:buClr>
+              <a:buSzPct val="80000"/>
+            </a:pPr>
+            <a:r>
+              <a:rPr lang="en-US" sz="1800" b="1" kern="0" dirty="0">
+                <a:solidFill>
+                  <a:srgbClr val="008FD3"/>
+                </a:solidFill>
+                <a:ea typeface="Arial Unicode MS" pitchFamily="34" charset="-128"/>
+                <a:cs typeface="Arial Unicode MS" pitchFamily="34" charset="-128"/>
+              </a:rPr>
+              <a:t>Easy to process</a:t>
+            </a:r>
+          </a:p>
+        </p:txBody>
+      </p:sp>
+      <p:sp>
+        <p:nvSpPr>
+          <p:cNvPr id="23" name="TextBox 22">
+            <a:extLst>
+              <a:ext uri="{FF2B5EF4-FFF2-40B4-BE49-F238E27FC236}">
+                <a16:creationId xmlns:a16="http://schemas.microsoft.com/office/drawing/2014/main" id="{D5D2E2D7-76F2-438F-BF34-6FDB907B3792}"/>
+              </a:ext>
+            </a:extLst>
+          </p:cNvPr>
+          <p:cNvSpPr txBox="1"/>
+          <p:nvPr/>
+        </p:nvSpPr>
+        <p:spPr>
+          <a:xfrm>
+            <a:off x="8698449" y="4514993"/>
+            <a:ext cx="846386" cy="276999"/>
+          </a:xfrm>
+          <a:prstGeom prst="rect">
+            <a:avLst/>
+          </a:prstGeom>
+          <a:noFill/>
+        </p:spPr>
+        <p:txBody>
+          <a:bodyPr wrap="none" lIns="0" tIns="0" rIns="0" bIns="0" rtlCol="0">
+            <a:spAutoFit/>
+          </a:bodyPr>
+          <a:lstStyle/>
+          <a:p>
+            <a:pPr fontAlgn="base">
+              <a:spcBef>
+                <a:spcPct val="50000"/>
+              </a:spcBef>
+              <a:spcAft>
+                <a:spcPct val="0"/>
+              </a:spcAft>
+              <a:buClr>
+                <a:srgbClr val="F0AB00"/>
+              </a:buClr>
+              <a:buSzPct val="80000"/>
+            </a:pPr>
+            <a:r>
+              <a:rPr lang="en-US" sz="1800" b="1" kern="0" dirty="0">
+                <a:solidFill>
+                  <a:srgbClr val="666666"/>
+                </a:solidFill>
+                <a:ea typeface="Arial Unicode MS" pitchFamily="34" charset="-128"/>
+                <a:cs typeface="Arial Unicode MS" pitchFamily="34" charset="-128"/>
+              </a:rPr>
+              <a:t>Other…</a:t>
             </a:r>
           </a:p>
         </p:txBody>
@@ -9960,58 +15353,101 @@
       </p:grpSpPr>
       <p:sp>
         <p:nvSpPr>
-          <p:cNvPr id="3" name="Title 2"/>
-          <p:cNvSpPr>
-            <a:spLocks noGrp="1"/>
-          </p:cNvSpPr>
-          <p:nvPr>
-            <p:ph type="ctrTitle"/>
-          </p:nvPr>
-        </p:nvSpPr>
-        <p:spPr/>
-        <p:txBody>
-          <a:bodyPr/>
+          <p:cNvPr id="5" name="Oval 4">
+            <a:extLst>
+              <a:ext uri="{FF2B5EF4-FFF2-40B4-BE49-F238E27FC236}">
+                <a16:creationId xmlns:a16="http://schemas.microsoft.com/office/drawing/2014/main" id="{EA42DD60-703A-4374-B68D-22910F40DD5A}"/>
+              </a:ext>
+            </a:extLst>
+          </p:cNvPr>
+          <p:cNvSpPr/>
+          <p:nvPr/>
+        </p:nvSpPr>
+        <p:spPr bwMode="gray">
+          <a:xfrm>
+            <a:off x="3920246" y="2247088"/>
+            <a:ext cx="4056434" cy="1926077"/>
+          </a:xfrm>
+          <a:prstGeom prst="ellipse">
+            <a:avLst/>
+          </a:prstGeom>
+          <a:solidFill>
+            <a:schemeClr val="accent1"/>
+          </a:solidFill>
+          <a:ln w="6350" algn="ctr">
+            <a:noFill/>
+            <a:miter lim="800000"/>
+            <a:headEnd/>
+            <a:tailEnd/>
+          </a:ln>
+        </p:spPr>
+        <p:txBody>
+          <a:bodyPr lIns="90000" tIns="72000" rIns="90000" bIns="72000" rtlCol="0" anchor="ctr"/>
           <a:lstStyle/>
           <a:p>
-            <a:r>
-              <a:rPr lang="en-US" dirty="0"/>
-              <a:t>Divider </a:t>
-            </a:r>
-            <a:r>
-              <a:rPr lang="en-US" dirty="0">
-                <a:solidFill>
-                  <a:schemeClr val="accent1"/>
-                </a:solidFill>
-              </a:rPr>
-              <a:t>page</a:t>
-            </a:r>
-            <a:endParaRPr lang="en-US" dirty="0"/>
+            <a:pPr marR="0" algn="ctr" defTabSz="914400" eaLnBrk="1" fontAlgn="base" latinLnBrk="0" hangingPunct="1">
+              <a:lnSpc>
+                <a:spcPct val="100000"/>
+              </a:lnSpc>
+              <a:spcBef>
+                <a:spcPct val="50000"/>
+              </a:spcBef>
+              <a:spcAft>
+                <a:spcPct val="0"/>
+              </a:spcAft>
+              <a:buClr>
+                <a:srgbClr val="F0AB00"/>
+              </a:buClr>
+              <a:buSzPct val="80000"/>
+              <a:tabLst/>
+            </a:pPr>
+            <a:endParaRPr kumimoji="0" lang="en-US" sz="1800" b="0" i="0" u="none" strike="noStrike" kern="0" cap="none" spc="0" normalizeH="0" baseline="0" noProof="0" dirty="0" err="1">
+              <a:ln>
+                <a:noFill/>
+              </a:ln>
+              <a:effectLst/>
+              <a:uLnTx/>
+              <a:uFillTx/>
+              <a:ea typeface="Arial Unicode MS" pitchFamily="34" charset="-128"/>
+              <a:cs typeface="Arial Unicode MS" pitchFamily="34" charset="-128"/>
+            </a:endParaRPr>
           </a:p>
         </p:txBody>
       </p:sp>
       <p:pic>
         <p:nvPicPr>
-          <p:cNvPr id="4" name="Picture Placeholder 3"/>
+          <p:cNvPr id="4" name="Picture 3">
+            <a:extLst>
+              <a:ext uri="{FF2B5EF4-FFF2-40B4-BE49-F238E27FC236}">
+                <a16:creationId xmlns:a16="http://schemas.microsoft.com/office/drawing/2014/main" id="{0166F11F-5FC1-441C-8935-428C76EA00FA}"/>
+              </a:ext>
+            </a:extLst>
+          </p:cNvPr>
           <p:cNvPicPr>
-            <a:picLocks noGrp="1" noChangeAspect="1"/>
+            <a:picLocks noChangeAspect="1"/>
           </p:cNvPicPr>
-          <p:nvPr>
-            <p:ph type="pic" sz="quarter" idx="12"/>
-          </p:nvPr>
+          <p:nvPr/>
         </p:nvPicPr>
         <p:blipFill>
-          <a:blip r:embed="rId2"/>
-          <a:srcRect t="3112" b="3112"/>
+          <a:blip r:embed="rId3"/>
           <a:stretch>
             <a:fillRect/>
           </a:stretch>
         </p:blipFill>
-        <p:spPr/>
+        <p:spPr>
+          <a:xfrm>
+            <a:off x="3257921" y="3007670"/>
+            <a:ext cx="5562600" cy="628650"/>
+          </a:xfrm>
+          <a:prstGeom prst="rect">
+            <a:avLst/>
+          </a:prstGeom>
+        </p:spPr>
       </p:pic>
     </p:spTree>
     <p:extLst>
       <p:ext uri="{BB962C8B-B14F-4D97-AF65-F5344CB8AC3E}">
-        <p14:creationId xmlns:p14="http://schemas.microsoft.com/office/powerpoint/2010/main" val="1515423877"/>
+        <p14:creationId xmlns:p14="http://schemas.microsoft.com/office/powerpoint/2010/main" val="2725036725"/>
       </p:ext>
     </p:extLst>
   </p:cSld>
@@ -10040,12 +15476,18 @@
       </p:grpSpPr>
       <p:sp>
         <p:nvSpPr>
-          <p:cNvPr id="3" name="Title 2"/>
+          <p:cNvPr id="20" name="Title 19">
+            <a:extLst>
+              <a:ext uri="{FF2B5EF4-FFF2-40B4-BE49-F238E27FC236}">
+                <a16:creationId xmlns:a16="http://schemas.microsoft.com/office/drawing/2014/main" id="{A1873379-63D8-462F-9210-E72BFC55CA86}"/>
+              </a:ext>
+            </a:extLst>
+          </p:cNvPr>
           <p:cNvSpPr>
             <a:spLocks noGrp="1"/>
           </p:cNvSpPr>
           <p:nvPr>
-            <p:ph type="ctrTitle"/>
+            <p:ph type="title"/>
           </p:nvPr>
         </p:nvSpPr>
         <p:spPr/>
@@ -10055,47 +15497,269 @@
           <a:p>
             <a:r>
               <a:rPr lang="en-US" dirty="0"/>
-              <a:t>Divider </a:t>
-            </a:r>
-            <a:r>
-              <a:rPr lang="en-US" dirty="0">
-                <a:solidFill>
-                  <a:schemeClr val="accent1"/>
-                </a:solidFill>
-              </a:rPr>
-              <a:t>page</a:t>
-            </a:r>
-            <a:endParaRPr lang="en-US" dirty="0"/>
-          </a:p>
-        </p:txBody>
-      </p:sp>
-      <p:pic>
-        <p:nvPicPr>
-          <p:cNvPr id="26" name="Picture Placeholder 25"/>
-          <p:cNvPicPr>
-            <a:picLocks noGrp="1" noChangeAspect="1"/>
-          </p:cNvPicPr>
-          <p:nvPr>
-            <p:ph type="pic" sz="quarter" idx="12"/>
-          </p:nvPr>
-        </p:nvPicPr>
-        <p:blipFill rotWithShape="1">
-          <a:blip r:embed="rId2" cstate="screen">
+              <a:t>There are some…</a:t>
+            </a:r>
+          </a:p>
+        </p:txBody>
+      </p:sp>
+      <p:grpSp>
+        <p:nvGrpSpPr>
+          <p:cNvPr id="22" name="Group 21">
             <a:extLst>
-              <a:ext uri="{28A0092B-C50C-407E-A947-70E740481C1C}">
-                <a14:useLocalDpi xmlns:a14="http://schemas.microsoft.com/office/drawing/2010/main"/>
+              <a:ext uri="{FF2B5EF4-FFF2-40B4-BE49-F238E27FC236}">
+                <a16:creationId xmlns:a16="http://schemas.microsoft.com/office/drawing/2014/main" id="{E1E4A563-F932-43E7-A16F-DFFF09281FB3}"/>
               </a:ext>
             </a:extLst>
-          </a:blip>
-          <a:srcRect/>
-          <a:stretch/>
-        </p:blipFill>
-        <p:spPr/>
-      </p:pic>
+          </p:cNvPr>
+          <p:cNvGrpSpPr/>
+          <p:nvPr/>
+        </p:nvGrpSpPr>
+        <p:grpSpPr>
+          <a:xfrm>
+            <a:off x="2898000" y="1964989"/>
+            <a:ext cx="7550057" cy="2883439"/>
+            <a:chOff x="3005004" y="1896895"/>
+            <a:chExt cx="7550057" cy="2883439"/>
+          </a:xfrm>
+        </p:grpSpPr>
+        <p:sp>
+          <p:nvSpPr>
+            <p:cNvPr id="21" name="TextBox 20">
+              <a:extLst>
+                <a:ext uri="{FF2B5EF4-FFF2-40B4-BE49-F238E27FC236}">
+                  <a16:creationId xmlns:a16="http://schemas.microsoft.com/office/drawing/2014/main" id="{1DC98974-CBA5-4C06-854F-33618ECA17C9}"/>
+                </a:ext>
+              </a:extLst>
+            </p:cNvPr>
+            <p:cNvSpPr txBox="1"/>
+            <p:nvPr/>
+          </p:nvSpPr>
+          <p:spPr>
+            <a:xfrm rot="521348">
+              <a:off x="3224528" y="1896895"/>
+              <a:ext cx="7330533" cy="430887"/>
+            </a:xfrm>
+            <a:prstGeom prst="rect">
+              <a:avLst/>
+            </a:prstGeom>
+            <a:noFill/>
+          </p:spPr>
+          <p:txBody>
+            <a:bodyPr wrap="none" lIns="0" tIns="0" rIns="0" bIns="0" rtlCol="0">
+              <a:spAutoFit/>
+            </a:bodyPr>
+            <a:lstStyle/>
+            <a:p>
+              <a:pPr fontAlgn="base">
+                <a:spcBef>
+                  <a:spcPct val="50000"/>
+                </a:spcBef>
+                <a:spcAft>
+                  <a:spcPct val="0"/>
+                </a:spcAft>
+                <a:buClr>
+                  <a:srgbClr val="F0AB00"/>
+                </a:buClr>
+                <a:buSzPct val="80000"/>
+              </a:pPr>
+              <a:r>
+                <a:rPr lang="en-US" sz="2800" b="1" kern="0" dirty="0">
+                  <a:ea typeface="Arial Unicode MS" pitchFamily="34" charset="-128"/>
+                  <a:cs typeface="Arial Unicode MS" pitchFamily="34" charset="-128"/>
+                </a:rPr>
+                <a:t>Workload Analyzer (Java tool you know it!)</a:t>
+              </a:r>
+            </a:p>
+          </p:txBody>
+        </p:sp>
+        <p:pic>
+          <p:nvPicPr>
+            <p:cNvPr id="1026" name="Picture 2" descr="Image result for disgusted face">
+              <a:extLst>
+                <a:ext uri="{FF2B5EF4-FFF2-40B4-BE49-F238E27FC236}">
+                  <a16:creationId xmlns:a16="http://schemas.microsoft.com/office/drawing/2014/main" id="{AD03C2CE-8619-4D36-9B7E-EFCA160649A3}"/>
+                </a:ext>
+              </a:extLst>
+            </p:cNvPr>
+            <p:cNvPicPr>
+              <a:picLocks noChangeAspect="1" noChangeArrowheads="1"/>
+            </p:cNvPicPr>
+            <p:nvPr/>
+          </p:nvPicPr>
+          <p:blipFill>
+            <a:blip r:embed="rId3">
+              <a:extLst>
+                <a:ext uri="{28A0092B-C50C-407E-A947-70E740481C1C}">
+                  <a14:useLocalDpi xmlns:a14="http://schemas.microsoft.com/office/drawing/2010/main" val="0"/>
+                </a:ext>
+              </a:extLst>
+            </a:blip>
+            <a:srcRect/>
+            <a:stretch>
+              <a:fillRect/>
+            </a:stretch>
+          </p:blipFill>
+          <p:spPr bwMode="auto">
+            <a:xfrm rot="20808869">
+              <a:off x="3005004" y="2561584"/>
+              <a:ext cx="2218750" cy="2218750"/>
+            </a:xfrm>
+            <a:prstGeom prst="rect">
+              <a:avLst/>
+            </a:prstGeom>
+            <a:noFill/>
+            <a:extLst>
+              <a:ext uri="{909E8E84-426E-40DD-AFC4-6F175D3DCCD1}">
+                <a14:hiddenFill xmlns:a14="http://schemas.microsoft.com/office/drawing/2010/main">
+                  <a:solidFill>
+                    <a:srgbClr val="FFFFFF"/>
+                  </a:solidFill>
+                </a14:hiddenFill>
+              </a:ext>
+            </a:extLst>
+          </p:spPr>
+        </p:pic>
+      </p:grpSp>
+      <p:sp>
+        <p:nvSpPr>
+          <p:cNvPr id="25" name="Rounded Rectangle 20">
+            <a:extLst>
+              <a:ext uri="{FF2B5EF4-FFF2-40B4-BE49-F238E27FC236}">
+                <a16:creationId xmlns:a16="http://schemas.microsoft.com/office/drawing/2014/main" id="{4D640B65-478E-4E29-BC59-BE7657BE2C4A}"/>
+              </a:ext>
+            </a:extLst>
+          </p:cNvPr>
+          <p:cNvSpPr/>
+          <p:nvPr/>
+        </p:nvSpPr>
+        <p:spPr bwMode="gray">
+          <a:xfrm>
+            <a:off x="6762836" y="3852948"/>
+            <a:ext cx="4336423" cy="1442513"/>
+          </a:xfrm>
+          <a:prstGeom prst="roundRect">
+            <a:avLst>
+              <a:gd name="adj" fmla="val 16667"/>
+            </a:avLst>
+          </a:prstGeom>
+          <a:solidFill>
+            <a:srgbClr val="FFFF00"/>
+          </a:solidFill>
+          <a:ln>
+            <a:noFill/>
+            <a:headEnd/>
+            <a:tailEnd/>
+          </a:ln>
+          <a:effectLst/>
+        </p:spPr>
+        <p:style>
+          <a:lnRef idx="3">
+            <a:schemeClr val="lt1"/>
+          </a:lnRef>
+          <a:fillRef idx="1">
+            <a:schemeClr val="accent6"/>
+          </a:fillRef>
+          <a:effectRef idx="1">
+            <a:schemeClr val="accent6"/>
+          </a:effectRef>
+          <a:fontRef idx="minor">
+            <a:schemeClr val="lt1"/>
+          </a:fontRef>
+        </p:style>
+        <p:txBody>
+          <a:bodyPr wrap="square" lIns="36000" tIns="36000" rIns="36000" bIns="36000" rtlCol="0" anchor="ctr">
+            <a:spAutoFit/>
+          </a:bodyPr>
+          <a:lstStyle/>
+          <a:p>
+            <a:pPr fontAlgn="base">
+              <a:spcBef>
+                <a:spcPct val="50000"/>
+              </a:spcBef>
+              <a:spcAft>
+                <a:spcPct val="0"/>
+              </a:spcAft>
+              <a:buClr>
+                <a:srgbClr val="F0AB00"/>
+              </a:buClr>
+              <a:buSzPct val="80000"/>
+            </a:pPr>
+            <a:r>
+              <a:rPr lang="en-US" sz="2400" kern="0" dirty="0">
+                <a:ln w="0"/>
+                <a:solidFill>
+                  <a:schemeClr val="tx1"/>
+                </a:solidFill>
+                <a:effectLst>
+                  <a:outerShdw blurRad="38100" dist="19050" dir="2700000" algn="tl" rotWithShape="0">
+                    <a:schemeClr val="dk1">
+                      <a:alpha val="40000"/>
+                    </a:schemeClr>
+                  </a:outerShdw>
+                </a:effectLst>
+                <a:ea typeface="Arial Unicode MS" pitchFamily="34" charset="-128"/>
+                <a:cs typeface="Arial Unicode MS" pitchFamily="34" charset="-128"/>
+              </a:rPr>
+              <a:t>Import, export, crash, error, no logic, slow, meaningless, </a:t>
+            </a:r>
+            <a:r>
+              <a:rPr lang="en-US" altLang="zh-CN" sz="3200" b="1" kern="0" dirty="0">
+                <a:ln w="0"/>
+                <a:solidFill>
+                  <a:schemeClr val="tx1"/>
+                </a:solidFill>
+                <a:effectLst>
+                  <a:outerShdw blurRad="38100" dist="19050" dir="2700000" algn="tl" rotWithShape="0">
+                    <a:schemeClr val="dk1">
+                      <a:alpha val="40000"/>
+                    </a:schemeClr>
+                  </a:outerShdw>
+                </a:effectLst>
+                <a:ea typeface="Arial Unicode MS" pitchFamily="34" charset="-128"/>
+                <a:cs typeface="Arial Unicode MS" pitchFamily="34" charset="-128"/>
+              </a:rPr>
+              <a:t>N</a:t>
+            </a:r>
+            <a:r>
+              <a:rPr lang="en-US" sz="3200" b="1" kern="0" dirty="0">
+                <a:ln w="0"/>
+                <a:solidFill>
+                  <a:schemeClr val="tx1"/>
+                </a:solidFill>
+                <a:effectLst>
+                  <a:outerShdw blurRad="38100" dist="19050" dir="2700000" algn="tl" rotWithShape="0">
+                    <a:schemeClr val="dk1">
+                      <a:alpha val="40000"/>
+                    </a:schemeClr>
+                  </a:outerShdw>
+                </a:effectLst>
+                <a:ea typeface="Arial Unicode MS" pitchFamily="34" charset="-128"/>
+                <a:cs typeface="Arial Unicode MS" pitchFamily="34" charset="-128"/>
+              </a:rPr>
+              <a:t>ightmare!</a:t>
+            </a:r>
+            <a:endParaRPr lang="en-US" sz="2400" b="1" kern="0" dirty="0">
+              <a:ln w="0"/>
+              <a:solidFill>
+                <a:schemeClr val="tx1"/>
+              </a:solidFill>
+              <a:effectLst>
+                <a:outerShdw blurRad="38100" dist="19050" dir="2700000" algn="tl" rotWithShape="0">
+                  <a:schemeClr val="dk1">
+                    <a:alpha val="40000"/>
+                  </a:schemeClr>
+                </a:outerShdw>
+              </a:effectLst>
+              <a:ea typeface="Arial Unicode MS" pitchFamily="34" charset="-128"/>
+              <a:cs typeface="Arial Unicode MS" pitchFamily="34" charset="-128"/>
+            </a:endParaRPr>
+          </a:p>
+        </p:txBody>
+      </p:sp>
     </p:spTree>
     <p:extLst>
       <p:ext uri="{BB962C8B-B14F-4D97-AF65-F5344CB8AC3E}">
-        <p14:creationId xmlns:p14="http://schemas.microsoft.com/office/powerpoint/2010/main" val="1693693568"/>
+        <p14:creationId xmlns:p14="http://schemas.microsoft.com/office/powerpoint/2010/main" val="1967044326"/>
       </p:ext>
     </p:extLst>
   </p:cSld>
@@ -10124,45 +15788,13 @@
       </p:grpSpPr>
       <p:sp>
         <p:nvSpPr>
-          <p:cNvPr id="11" name="Text Placeholder 10"/>
-          <p:cNvSpPr>
-            <a:spLocks noGrp="1"/>
-          </p:cNvSpPr>
-          <p:nvPr>
-            <p:ph type="body" sz="quarter" idx="10"/>
-          </p:nvPr>
-        </p:nvSpPr>
-        <p:spPr/>
-        <p:txBody>
-          <a:bodyPr/>
-          <a:lstStyle/>
-          <a:p>
-            <a:pPr lvl="0"/>
-            <a:r>
-              <a:rPr lang="en-US"/>
-              <a:t>First level</a:t>
-            </a:r>
-          </a:p>
-          <a:p>
-            <a:pPr lvl="1"/>
-            <a:r>
-              <a:rPr lang="en-US"/>
-              <a:t>Second level</a:t>
-            </a:r>
-          </a:p>
-          <a:p>
-            <a:pPr lvl="2"/>
-            <a:r>
-              <a:rPr lang="en-US"/>
-              <a:t>Third level</a:t>
-            </a:r>
-            <a:endParaRPr lang="en-US" dirty="0"/>
-          </a:p>
-        </p:txBody>
-      </p:sp>
-      <p:sp>
-        <p:nvSpPr>
-          <p:cNvPr id="4" name="Title 3"/>
+          <p:cNvPr id="3" name="Title 2">
+            <a:extLst>
+              <a:ext uri="{FF2B5EF4-FFF2-40B4-BE49-F238E27FC236}">
+                <a16:creationId xmlns:a16="http://schemas.microsoft.com/office/drawing/2014/main" id="{5708BF8E-C62B-426D-B4E3-CB0A12B34636}"/>
+              </a:ext>
+            </a:extLst>
+          </p:cNvPr>
           <p:cNvSpPr>
             <a:spLocks noGrp="1"/>
           </p:cNvSpPr>
@@ -10176,17 +15808,236 @@
           <a:lstStyle/>
           <a:p>
             <a:r>
-              <a:rPr lang="en-US"/>
-              <a:t>Insert page title (max. 6 words)</a:t>
-            </a:r>
-            <a:endParaRPr lang="en-US" dirty="0"/>
-          </a:p>
-        </p:txBody>
-      </p:sp>
+              <a:rPr lang="en-US" dirty="0"/>
+              <a:t>There are some…</a:t>
+            </a:r>
+          </a:p>
+        </p:txBody>
+      </p:sp>
+      <p:sp>
+        <p:nvSpPr>
+          <p:cNvPr id="4" name="TextBox 3">
+            <a:extLst>
+              <a:ext uri="{FF2B5EF4-FFF2-40B4-BE49-F238E27FC236}">
+                <a16:creationId xmlns:a16="http://schemas.microsoft.com/office/drawing/2014/main" id="{8BF367F5-372A-4F32-978A-F9B98578DA28}"/>
+              </a:ext>
+            </a:extLst>
+          </p:cNvPr>
+          <p:cNvSpPr txBox="1"/>
+          <p:nvPr/>
+        </p:nvSpPr>
+        <p:spPr>
+          <a:xfrm>
+            <a:off x="3729153" y="1036956"/>
+            <a:ext cx="4020331" cy="307777"/>
+          </a:xfrm>
+          <a:prstGeom prst="rect">
+            <a:avLst/>
+          </a:prstGeom>
+          <a:noFill/>
+        </p:spPr>
+        <p:txBody>
+          <a:bodyPr wrap="none" lIns="0" tIns="0" rIns="0" bIns="0" rtlCol="0">
+            <a:spAutoFit/>
+          </a:bodyPr>
+          <a:lstStyle/>
+          <a:p>
+            <a:pPr fontAlgn="base">
+              <a:spcBef>
+                <a:spcPct val="50000"/>
+              </a:spcBef>
+              <a:spcAft>
+                <a:spcPct val="0"/>
+              </a:spcAft>
+              <a:buClr>
+                <a:srgbClr val="F0AB00"/>
+              </a:buClr>
+              <a:buSzPct val="80000"/>
+            </a:pPr>
+            <a:r>
+              <a:rPr lang="en-US" sz="2000" b="1" kern="0" dirty="0">
+                <a:ea typeface="Arial Unicode MS" pitchFamily="34" charset="-128"/>
+                <a:cs typeface="Arial Unicode MS" pitchFamily="34" charset="-128"/>
+              </a:rPr>
+              <a:t>SAP Product Support Dispatcher</a:t>
+            </a:r>
+          </a:p>
+        </p:txBody>
+      </p:sp>
+      <p:pic>
+        <p:nvPicPr>
+          <p:cNvPr id="5" name="Picture 4">
+            <a:extLst>
+              <a:ext uri="{FF2B5EF4-FFF2-40B4-BE49-F238E27FC236}">
+                <a16:creationId xmlns:a16="http://schemas.microsoft.com/office/drawing/2014/main" id="{DED32012-3A08-4ECB-B32B-86E923869424}"/>
+              </a:ext>
+            </a:extLst>
+          </p:cNvPr>
+          <p:cNvPicPr>
+            <a:picLocks noChangeAspect="1"/>
+          </p:cNvPicPr>
+          <p:nvPr/>
+        </p:nvPicPr>
+        <p:blipFill rotWithShape="1">
+          <a:blip r:embed="rId3"/>
+          <a:srcRect r="26246"/>
+          <a:stretch/>
+        </p:blipFill>
+        <p:spPr>
+          <a:xfrm rot="21169064">
+            <a:off x="992221" y="1738315"/>
+            <a:ext cx="4640093" cy="4543016"/>
+          </a:xfrm>
+          <a:prstGeom prst="rect">
+            <a:avLst/>
+          </a:prstGeom>
+        </p:spPr>
+      </p:pic>
+      <p:pic>
+        <p:nvPicPr>
+          <p:cNvPr id="6" name="Picture 5">
+            <a:extLst>
+              <a:ext uri="{FF2B5EF4-FFF2-40B4-BE49-F238E27FC236}">
+                <a16:creationId xmlns:a16="http://schemas.microsoft.com/office/drawing/2014/main" id="{79C73B0B-B8DC-4D1E-91CD-D05117ACA094}"/>
+              </a:ext>
+            </a:extLst>
+          </p:cNvPr>
+          <p:cNvPicPr>
+            <a:picLocks noChangeAspect="1"/>
+          </p:cNvPicPr>
+          <p:nvPr/>
+        </p:nvPicPr>
+        <p:blipFill>
+          <a:blip r:embed="rId4"/>
+          <a:stretch>
+            <a:fillRect/>
+          </a:stretch>
+        </p:blipFill>
+        <p:spPr>
+          <a:xfrm>
+            <a:off x="7480434" y="1552373"/>
+            <a:ext cx="2428875" cy="2457450"/>
+          </a:xfrm>
+          <a:prstGeom prst="rect">
+            <a:avLst/>
+          </a:prstGeom>
+        </p:spPr>
+      </p:pic>
+      <p:sp>
+        <p:nvSpPr>
+          <p:cNvPr id="7" name="TextBox 6">
+            <a:extLst>
+              <a:ext uri="{FF2B5EF4-FFF2-40B4-BE49-F238E27FC236}">
+                <a16:creationId xmlns:a16="http://schemas.microsoft.com/office/drawing/2014/main" id="{BEEA43B9-3F1E-4E25-84F8-370A4257D8E3}"/>
+              </a:ext>
+            </a:extLst>
+          </p:cNvPr>
+          <p:cNvSpPr txBox="1"/>
+          <p:nvPr/>
+        </p:nvSpPr>
+        <p:spPr>
+          <a:xfrm>
+            <a:off x="6916365" y="4980561"/>
+            <a:ext cx="4270400" cy="307777"/>
+          </a:xfrm>
+          <a:prstGeom prst="rect">
+            <a:avLst/>
+          </a:prstGeom>
+          <a:noFill/>
+        </p:spPr>
+        <p:txBody>
+          <a:bodyPr wrap="none" lIns="0" tIns="0" rIns="0" bIns="0" rtlCol="0">
+            <a:spAutoFit/>
+          </a:bodyPr>
+          <a:lstStyle/>
+          <a:p>
+            <a:pPr fontAlgn="base">
+              <a:spcBef>
+                <a:spcPct val="50000"/>
+              </a:spcBef>
+              <a:spcAft>
+                <a:spcPct val="0"/>
+              </a:spcAft>
+              <a:buClr>
+                <a:srgbClr val="F0AB00"/>
+              </a:buClr>
+              <a:buSzPct val="80000"/>
+            </a:pPr>
+            <a:r>
+              <a:rPr lang="en-US" sz="2000" kern="0" dirty="0">
+                <a:ea typeface="Arial Unicode MS" pitchFamily="34" charset="-128"/>
+                <a:cs typeface="Arial Unicode MS" pitchFamily="34" charset="-128"/>
+              </a:rPr>
+              <a:t>Only support </a:t>
+            </a:r>
+            <a:r>
+              <a:rPr lang="en-US" sz="2000" b="1" kern="0" dirty="0">
+                <a:ea typeface="Arial Unicode MS" pitchFamily="34" charset="-128"/>
+                <a:cs typeface="Arial Unicode MS" pitchFamily="34" charset="-128"/>
+              </a:rPr>
+              <a:t>Single</a:t>
+            </a:r>
+            <a:r>
+              <a:rPr lang="en-US" sz="2000" kern="0" dirty="0">
+                <a:ea typeface="Arial Unicode MS" pitchFamily="34" charset="-128"/>
+                <a:cs typeface="Arial Unicode MS" pitchFamily="34" charset="-128"/>
+              </a:rPr>
+              <a:t> component team</a:t>
+            </a:r>
+          </a:p>
+        </p:txBody>
+      </p:sp>
+      <p:pic>
+        <p:nvPicPr>
+          <p:cNvPr id="2050" name="Picture 2" descr="Image result for dizzy face emoji">
+            <a:extLst>
+              <a:ext uri="{FF2B5EF4-FFF2-40B4-BE49-F238E27FC236}">
+                <a16:creationId xmlns:a16="http://schemas.microsoft.com/office/drawing/2014/main" id="{580E37B0-C028-4BEA-B805-CC2FD1541B4F}"/>
+              </a:ext>
+            </a:extLst>
+          </p:cNvPr>
+          <p:cNvPicPr>
+            <a:picLocks noChangeAspect="1" noChangeArrowheads="1"/>
+          </p:cNvPicPr>
+          <p:nvPr/>
+        </p:nvPicPr>
+        <p:blipFill>
+          <a:blip r:embed="rId5">
+            <a:extLst>
+              <a:ext uri="{28A0092B-C50C-407E-A947-70E740481C1C}">
+                <a14:useLocalDpi xmlns:a14="http://schemas.microsoft.com/office/drawing/2010/main" val="0"/>
+              </a:ext>
+            </a:extLst>
+          </a:blip>
+          <a:srcRect/>
+          <a:stretch>
+            <a:fillRect/>
+          </a:stretch>
+        </p:blipFill>
+        <p:spPr bwMode="auto">
+          <a:xfrm rot="394588">
+            <a:off x="2982254" y="1581047"/>
+            <a:ext cx="2691799" cy="2691799"/>
+          </a:xfrm>
+          <a:prstGeom prst="rect">
+            <a:avLst/>
+          </a:prstGeom>
+          <a:noFill/>
+          <a:extLst>
+            <a:ext uri="{909E8E84-426E-40DD-AFC4-6F175D3DCCD1}">
+              <a14:hiddenFill xmlns:a14="http://schemas.microsoft.com/office/drawing/2010/main">
+                <a:solidFill>
+                  <a:srgbClr val="FFFFFF"/>
+                </a:solidFill>
+              </a14:hiddenFill>
+            </a:ext>
+          </a:extLst>
+        </p:spPr>
+      </p:pic>
     </p:spTree>
     <p:extLst>
       <p:ext uri="{BB962C8B-B14F-4D97-AF65-F5344CB8AC3E}">
-        <p14:creationId xmlns:p14="http://schemas.microsoft.com/office/powerpoint/2010/main" val="3886438963"/>
+        <p14:creationId xmlns:p14="http://schemas.microsoft.com/office/powerpoint/2010/main" val="211821808"/>
       </p:ext>
     </p:extLst>
   </p:cSld>
@@ -10213,46 +16064,98 @@
           <a:chExt cx="0" cy="0"/>
         </a:xfrm>
       </p:grpSpPr>
-      <p:sp>
-        <p:nvSpPr>
-          <p:cNvPr id="11" name="Text Placeholder 10"/>
-          <p:cNvSpPr>
-            <a:spLocks noGrp="1"/>
-          </p:cNvSpPr>
-          <p:nvPr>
-            <p:ph type="body" sz="quarter" idx="10"/>
-          </p:nvPr>
-        </p:nvSpPr>
-        <p:spPr/>
-        <p:txBody>
-          <a:bodyPr/>
+      <p:pic>
+        <p:nvPicPr>
+          <p:cNvPr id="4" name="Picture 3">
+            <a:extLst>
+              <a:ext uri="{FF2B5EF4-FFF2-40B4-BE49-F238E27FC236}">
+                <a16:creationId xmlns:a16="http://schemas.microsoft.com/office/drawing/2014/main" id="{2042861D-EB46-442B-ABD2-2262E01F311F}"/>
+              </a:ext>
+            </a:extLst>
+          </p:cNvPr>
+          <p:cNvPicPr>
+            <a:picLocks noChangeAspect="1"/>
+          </p:cNvPicPr>
+          <p:nvPr/>
+        </p:nvPicPr>
+        <p:blipFill rotWithShape="1">
+          <a:blip r:embed="rId2"/>
+          <a:srcRect l="-358" r="58952"/>
+          <a:stretch/>
+        </p:blipFill>
+        <p:spPr>
+          <a:xfrm>
+            <a:off x="288176" y="1154840"/>
+            <a:ext cx="4017523" cy="4969003"/>
+          </a:xfrm>
+          <a:prstGeom prst="rect">
+            <a:avLst/>
+          </a:prstGeom>
+        </p:spPr>
+      </p:pic>
+      <p:sp>
+        <p:nvSpPr>
+          <p:cNvPr id="5" name="TextBox 4">
+            <a:extLst>
+              <a:ext uri="{FF2B5EF4-FFF2-40B4-BE49-F238E27FC236}">
+                <a16:creationId xmlns:a16="http://schemas.microsoft.com/office/drawing/2014/main" id="{34E2E58D-EEE0-40E4-8C32-4CE33C5A9043}"/>
+              </a:ext>
+            </a:extLst>
+          </p:cNvPr>
+          <p:cNvSpPr txBox="1"/>
+          <p:nvPr/>
+        </p:nvSpPr>
+        <p:spPr>
+          <a:xfrm>
+            <a:off x="5577064" y="900358"/>
+            <a:ext cx="1040349" cy="307777"/>
+          </a:xfrm>
+          <a:prstGeom prst="rect">
+            <a:avLst/>
+          </a:prstGeom>
+          <a:noFill/>
+        </p:spPr>
+        <p:txBody>
+          <a:bodyPr wrap="none" lIns="0" tIns="0" rIns="0" bIns="0" rtlCol="0">
+            <a:spAutoFit/>
+          </a:bodyPr>
           <a:lstStyle/>
           <a:p>
-            <a:pPr lvl="0"/>
-            <a:r>
-              <a:rPr lang="en-US" dirty="0"/>
-              <a:t>First level</a:t>
-            </a:r>
-          </a:p>
-          <a:p>
-            <a:pPr lvl="1"/>
-            <a:r>
-              <a:rPr lang="en-US" dirty="0"/>
-              <a:t>Second level</a:t>
-            </a:r>
-          </a:p>
-          <a:p>
-            <a:pPr lvl="2"/>
-            <a:r>
-              <a:rPr lang="en-US" dirty="0"/>
-              <a:t>Third level</a:t>
-            </a:r>
-          </a:p>
-        </p:txBody>
-      </p:sp>
-      <p:sp>
-        <p:nvSpPr>
-          <p:cNvPr id="4" name="Title 3"/>
+            <a:pPr fontAlgn="base">
+              <a:spcBef>
+                <a:spcPct val="50000"/>
+              </a:spcBef>
+              <a:spcAft>
+                <a:spcPct val="0"/>
+              </a:spcAft>
+              <a:buClr>
+                <a:srgbClr val="F0AB00"/>
+              </a:buClr>
+              <a:buSzPct val="80000"/>
+            </a:pPr>
+            <a:r>
+              <a:rPr lang="en-US" sz="2000" b="1" kern="0" dirty="0" err="1">
+                <a:ea typeface="Arial Unicode MS" pitchFamily="34" charset="-128"/>
+                <a:cs typeface="Arial Unicode MS" pitchFamily="34" charset="-128"/>
+              </a:rPr>
+              <a:t>QMDock</a:t>
+            </a:r>
+            <a:endParaRPr lang="en-US" sz="2000" b="1" kern="0" dirty="0">
+              <a:ea typeface="Arial Unicode MS" pitchFamily="34" charset="-128"/>
+              <a:cs typeface="Arial Unicode MS" pitchFamily="34" charset="-128"/>
+            </a:endParaRPr>
+          </a:p>
+        </p:txBody>
+      </p:sp>
+      <p:sp>
+        <p:nvSpPr>
+          <p:cNvPr id="6" name="Title 2">
+            <a:extLst>
+              <a:ext uri="{FF2B5EF4-FFF2-40B4-BE49-F238E27FC236}">
+                <a16:creationId xmlns:a16="http://schemas.microsoft.com/office/drawing/2014/main" id="{086A3860-C7AA-4006-AC9C-B127AF4CCC7B}"/>
+              </a:ext>
+            </a:extLst>
+          </p:cNvPr>
           <p:cNvSpPr>
             <a:spLocks noGrp="1"/>
           </p:cNvSpPr>
@@ -10260,30 +16163,447 @@
             <p:ph type="title"/>
           </p:nvPr>
         </p:nvSpPr>
-        <p:spPr/>
+        <p:spPr>
+          <a:xfrm>
+            <a:off x="504001" y="504000"/>
+            <a:ext cx="11186476" cy="369332"/>
+          </a:xfrm>
+        </p:spPr>
         <p:txBody>
           <a:bodyPr/>
           <a:lstStyle/>
           <a:p>
             <a:r>
               <a:rPr lang="en-US" dirty="0"/>
-              <a:t>Insert page title (max. 6 words)</a:t>
-            </a:r>
-            <a:br>
-              <a:rPr lang="en-US" dirty="0"/>
-            </a:br>
-            <a:r>
-              <a:rPr lang="en-US" sz="1800" b="0" dirty="0" err="1"/>
-              <a:t>Subheadline</a:t>
-            </a:r>
-            <a:endParaRPr lang="en-US" sz="1800" b="0" dirty="0"/>
+              <a:t>There are some…</a:t>
+            </a:r>
+          </a:p>
+        </p:txBody>
+      </p:sp>
+      <p:pic>
+        <p:nvPicPr>
+          <p:cNvPr id="7" name="Picture 6">
+            <a:extLst>
+              <a:ext uri="{FF2B5EF4-FFF2-40B4-BE49-F238E27FC236}">
+                <a16:creationId xmlns:a16="http://schemas.microsoft.com/office/drawing/2014/main" id="{F3561513-B6FE-468A-9332-57729F119583}"/>
+              </a:ext>
+            </a:extLst>
+          </p:cNvPr>
+          <p:cNvPicPr>
+            <a:picLocks noChangeAspect="1"/>
+          </p:cNvPicPr>
+          <p:nvPr/>
+        </p:nvPicPr>
+        <p:blipFill rotWithShape="1">
+          <a:blip r:embed="rId3"/>
+          <a:srcRect l="33103" r="32916" b="29561"/>
+          <a:stretch/>
+        </p:blipFill>
+        <p:spPr>
+          <a:xfrm>
+            <a:off x="7717149" y="1208135"/>
+            <a:ext cx="4400205" cy="4645488"/>
+          </a:xfrm>
+          <a:prstGeom prst="rect">
+            <a:avLst/>
+          </a:prstGeom>
+        </p:spPr>
+      </p:pic>
+      <p:sp>
+        <p:nvSpPr>
+          <p:cNvPr id="8" name="Oval 7">
+            <a:extLst>
+              <a:ext uri="{FF2B5EF4-FFF2-40B4-BE49-F238E27FC236}">
+                <a16:creationId xmlns:a16="http://schemas.microsoft.com/office/drawing/2014/main" id="{477C06B8-116C-4D99-B339-6B11C5CCDB5F}"/>
+              </a:ext>
+            </a:extLst>
+          </p:cNvPr>
+          <p:cNvSpPr/>
+          <p:nvPr/>
+        </p:nvSpPr>
+        <p:spPr bwMode="gray">
+          <a:xfrm>
+            <a:off x="1138137" y="4795737"/>
+            <a:ext cx="671208" cy="593387"/>
+          </a:xfrm>
+          <a:prstGeom prst="ellipse">
+            <a:avLst/>
+          </a:prstGeom>
+          <a:noFill/>
+          <a:ln>
+            <a:headEnd/>
+            <a:tailEnd/>
+          </a:ln>
+        </p:spPr>
+        <p:style>
+          <a:lnRef idx="2">
+            <a:schemeClr val="accent5"/>
+          </a:lnRef>
+          <a:fillRef idx="1">
+            <a:schemeClr val="lt1"/>
+          </a:fillRef>
+          <a:effectRef idx="0">
+            <a:schemeClr val="accent5"/>
+          </a:effectRef>
+          <a:fontRef idx="minor">
+            <a:schemeClr val="dk1"/>
+          </a:fontRef>
+        </p:style>
+        <p:txBody>
+          <a:bodyPr lIns="90000" tIns="72000" rIns="90000" bIns="72000" rtlCol="0" anchor="ctr"/>
+          <a:lstStyle/>
+          <a:p>
+            <a:pPr marR="0" algn="ctr" defTabSz="914400" eaLnBrk="1" fontAlgn="base" latinLnBrk="0" hangingPunct="1">
+              <a:lnSpc>
+                <a:spcPct val="100000"/>
+              </a:lnSpc>
+              <a:spcBef>
+                <a:spcPct val="50000"/>
+              </a:spcBef>
+              <a:spcAft>
+                <a:spcPct val="0"/>
+              </a:spcAft>
+              <a:buClr>
+                <a:srgbClr val="F0AB00"/>
+              </a:buClr>
+              <a:buSzPct val="80000"/>
+              <a:tabLst/>
+            </a:pPr>
+            <a:endParaRPr kumimoji="0" lang="en-US" sz="1800" b="0" i="0" u="none" strike="noStrike" kern="0" cap="none" spc="0" normalizeH="0" baseline="0" noProof="0" dirty="0" err="1">
+              <a:ln>
+                <a:noFill/>
+              </a:ln>
+              <a:effectLst/>
+              <a:uLnTx/>
+              <a:uFillTx/>
+              <a:ea typeface="Arial Unicode MS" pitchFamily="34" charset="-128"/>
+              <a:cs typeface="Arial Unicode MS" pitchFamily="34" charset="-128"/>
+            </a:endParaRPr>
+          </a:p>
+        </p:txBody>
+      </p:sp>
+      <p:sp>
+        <p:nvSpPr>
+          <p:cNvPr id="9" name="TextBox 8">
+            <a:extLst>
+              <a:ext uri="{FF2B5EF4-FFF2-40B4-BE49-F238E27FC236}">
+                <a16:creationId xmlns:a16="http://schemas.microsoft.com/office/drawing/2014/main" id="{9A1E56E1-A230-4C4E-A81E-582DD307035D}"/>
+              </a:ext>
+            </a:extLst>
+          </p:cNvPr>
+          <p:cNvSpPr txBox="1"/>
+          <p:nvPr/>
+        </p:nvSpPr>
+        <p:spPr>
+          <a:xfrm rot="980889">
+            <a:off x="8898365" y="3657160"/>
+            <a:ext cx="1897955" cy="276999"/>
+          </a:xfrm>
+          <a:prstGeom prst="rect">
+            <a:avLst/>
+          </a:prstGeom>
+        </p:spPr>
+        <p:style>
+          <a:lnRef idx="2">
+            <a:schemeClr val="accent5"/>
+          </a:lnRef>
+          <a:fillRef idx="1">
+            <a:schemeClr val="lt1"/>
+          </a:fillRef>
+          <a:effectRef idx="0">
+            <a:schemeClr val="accent5"/>
+          </a:effectRef>
+          <a:fontRef idx="minor">
+            <a:schemeClr val="dk1"/>
+          </a:fontRef>
+        </p:style>
+        <p:txBody>
+          <a:bodyPr wrap="none" lIns="0" tIns="0" rIns="0" bIns="0" rtlCol="0">
+            <a:spAutoFit/>
+          </a:bodyPr>
+          <a:lstStyle/>
+          <a:p>
+            <a:pPr fontAlgn="base">
+              <a:spcBef>
+                <a:spcPct val="50000"/>
+              </a:spcBef>
+              <a:spcAft>
+                <a:spcPct val="0"/>
+              </a:spcAft>
+              <a:buClr>
+                <a:srgbClr val="F0AB00"/>
+              </a:buClr>
+              <a:buSzPct val="80000"/>
+            </a:pPr>
+            <a:r>
+              <a:rPr lang="en-US" sz="1800" kern="0" dirty="0">
+                <a:highlight>
+                  <a:srgbClr val="FFFF00"/>
+                </a:highlight>
+                <a:ea typeface="Arial Unicode MS" pitchFamily="34" charset="-128"/>
+                <a:cs typeface="Arial Unicode MS" pitchFamily="34" charset="-128"/>
+              </a:rPr>
+              <a:t>Easily get ERROR</a:t>
+            </a:r>
+          </a:p>
+        </p:txBody>
+      </p:sp>
+      <p:sp>
+        <p:nvSpPr>
+          <p:cNvPr id="11" name="Rectangle 10">
+            <a:extLst>
+              <a:ext uri="{FF2B5EF4-FFF2-40B4-BE49-F238E27FC236}">
+                <a16:creationId xmlns:a16="http://schemas.microsoft.com/office/drawing/2014/main" id="{BF89D653-1FDA-4EED-BA1B-DEC2324619F2}"/>
+              </a:ext>
+            </a:extLst>
+          </p:cNvPr>
+          <p:cNvSpPr/>
+          <p:nvPr/>
+        </p:nvSpPr>
+        <p:spPr>
+          <a:xfrm>
+            <a:off x="4127788" y="4276581"/>
+            <a:ext cx="3938899" cy="523220"/>
+          </a:xfrm>
+          <a:prstGeom prst="rect">
+            <a:avLst/>
+          </a:prstGeom>
+        </p:spPr>
+        <p:txBody>
+          <a:bodyPr wrap="none">
+            <a:spAutoFit/>
+          </a:bodyPr>
+          <a:lstStyle/>
+          <a:p>
+            <a:r>
+              <a:rPr lang="en-US" sz="2800" b="1" kern="0" dirty="0">
+                <a:ea typeface="Arial Unicode MS" pitchFamily="34" charset="-128"/>
+                <a:cs typeface="Arial Unicode MS" pitchFamily="34" charset="-128"/>
+              </a:rPr>
+              <a:t>What is this used for?</a:t>
+            </a:r>
+            <a:endParaRPr lang="en-US" sz="2800" b="1" dirty="0"/>
+          </a:p>
+        </p:txBody>
+      </p:sp>
+      <p:sp>
+        <p:nvSpPr>
+          <p:cNvPr id="12" name="Rectangle 11">
+            <a:extLst>
+              <a:ext uri="{FF2B5EF4-FFF2-40B4-BE49-F238E27FC236}">
+                <a16:creationId xmlns:a16="http://schemas.microsoft.com/office/drawing/2014/main" id="{7E240866-5186-427B-8538-1209B7B0C812}"/>
+              </a:ext>
+            </a:extLst>
+          </p:cNvPr>
+          <p:cNvSpPr/>
+          <p:nvPr/>
+        </p:nvSpPr>
+        <p:spPr>
+          <a:xfrm rot="20397642">
+            <a:off x="336249" y="4260837"/>
+            <a:ext cx="2274982" cy="369332"/>
+          </a:xfrm>
+          <a:prstGeom prst="rect">
+            <a:avLst/>
+          </a:prstGeom>
+        </p:spPr>
+        <p:style>
+          <a:lnRef idx="2">
+            <a:schemeClr val="accent5"/>
+          </a:lnRef>
+          <a:fillRef idx="1">
+            <a:schemeClr val="lt1"/>
+          </a:fillRef>
+          <a:effectRef idx="0">
+            <a:schemeClr val="accent5"/>
+          </a:effectRef>
+          <a:fontRef idx="minor">
+            <a:schemeClr val="dk1"/>
+          </a:fontRef>
+        </p:style>
+        <p:txBody>
+          <a:bodyPr wrap="none">
+            <a:spAutoFit/>
+          </a:bodyPr>
+          <a:lstStyle/>
+          <a:p>
+            <a:r>
+              <a:rPr lang="en-US" sz="1800" dirty="0">
+                <a:highlight>
+                  <a:srgbClr val="FFFF00"/>
+                </a:highlight>
+              </a:rPr>
+              <a:t>Number is WRONG!</a:t>
+            </a:r>
+          </a:p>
+        </p:txBody>
+      </p:sp>
+      <p:sp>
+        <p:nvSpPr>
+          <p:cNvPr id="13" name="Oval 12">
+            <a:extLst>
+              <a:ext uri="{FF2B5EF4-FFF2-40B4-BE49-F238E27FC236}">
+                <a16:creationId xmlns:a16="http://schemas.microsoft.com/office/drawing/2014/main" id="{F1369B1F-DA08-4055-B806-EA1DEEA4437E}"/>
+              </a:ext>
+            </a:extLst>
+          </p:cNvPr>
+          <p:cNvSpPr/>
+          <p:nvPr/>
+        </p:nvSpPr>
+        <p:spPr bwMode="gray">
+          <a:xfrm>
+            <a:off x="8511702" y="4250987"/>
+            <a:ext cx="943583" cy="287204"/>
+          </a:xfrm>
+          <a:prstGeom prst="ellipse">
+            <a:avLst/>
+          </a:prstGeom>
+          <a:noFill/>
+          <a:ln>
+            <a:headEnd/>
+            <a:tailEnd/>
+          </a:ln>
+        </p:spPr>
+        <p:style>
+          <a:lnRef idx="2">
+            <a:schemeClr val="accent5"/>
+          </a:lnRef>
+          <a:fillRef idx="1">
+            <a:schemeClr val="lt1"/>
+          </a:fillRef>
+          <a:effectRef idx="0">
+            <a:schemeClr val="accent5"/>
+          </a:effectRef>
+          <a:fontRef idx="minor">
+            <a:schemeClr val="dk1"/>
+          </a:fontRef>
+        </p:style>
+        <p:txBody>
+          <a:bodyPr lIns="90000" tIns="72000" rIns="90000" bIns="72000" rtlCol="0" anchor="ctr"/>
+          <a:lstStyle/>
+          <a:p>
+            <a:pPr marR="0" algn="ctr" defTabSz="914400" eaLnBrk="1" fontAlgn="base" latinLnBrk="0" hangingPunct="1">
+              <a:lnSpc>
+                <a:spcPct val="100000"/>
+              </a:lnSpc>
+              <a:spcBef>
+                <a:spcPct val="50000"/>
+              </a:spcBef>
+              <a:spcAft>
+                <a:spcPct val="0"/>
+              </a:spcAft>
+              <a:buClr>
+                <a:srgbClr val="F0AB00"/>
+              </a:buClr>
+              <a:buSzPct val="80000"/>
+              <a:tabLst/>
+            </a:pPr>
+            <a:endParaRPr kumimoji="0" lang="en-US" sz="1800" b="0" i="0" u="none" strike="noStrike" kern="0" cap="none" spc="0" normalizeH="0" baseline="0" noProof="0" dirty="0" err="1">
+              <a:ln>
+                <a:noFill/>
+              </a:ln>
+              <a:effectLst/>
+              <a:uLnTx/>
+              <a:uFillTx/>
+              <a:ea typeface="Arial Unicode MS" pitchFamily="34" charset="-128"/>
+              <a:cs typeface="Arial Unicode MS" pitchFamily="34" charset="-128"/>
+            </a:endParaRPr>
+          </a:p>
+        </p:txBody>
+      </p:sp>
+      <p:sp>
+        <p:nvSpPr>
+          <p:cNvPr id="14" name="TextBox 13">
+            <a:extLst>
+              <a:ext uri="{FF2B5EF4-FFF2-40B4-BE49-F238E27FC236}">
+                <a16:creationId xmlns:a16="http://schemas.microsoft.com/office/drawing/2014/main" id="{F02EB39B-134F-4E30-9739-173709BEABEB}"/>
+              </a:ext>
+            </a:extLst>
+          </p:cNvPr>
+          <p:cNvSpPr txBox="1"/>
+          <p:nvPr/>
+        </p:nvSpPr>
+        <p:spPr>
+          <a:xfrm>
+            <a:off x="5129826" y="2287651"/>
+            <a:ext cx="1487587" cy="1107996"/>
+          </a:xfrm>
+          <a:prstGeom prst="rect">
+            <a:avLst/>
+          </a:prstGeom>
+          <a:noFill/>
+        </p:spPr>
+        <p:txBody>
+          <a:bodyPr wrap="none" lIns="0" tIns="0" rIns="0" bIns="0" rtlCol="0">
+            <a:spAutoFit/>
+          </a:bodyPr>
+          <a:lstStyle/>
+          <a:p>
+            <a:pPr fontAlgn="base">
+              <a:spcBef>
+                <a:spcPct val="50000"/>
+              </a:spcBef>
+              <a:spcAft>
+                <a:spcPct val="0"/>
+              </a:spcAft>
+              <a:buClr>
+                <a:srgbClr val="F0AB00"/>
+              </a:buClr>
+              <a:buSzPct val="80000"/>
+            </a:pPr>
+            <a:r>
+              <a:rPr lang="en-US" sz="1800" kern="0" dirty="0">
+                <a:ea typeface="Arial Unicode MS" pitchFamily="34" charset="-128"/>
+                <a:cs typeface="Arial Unicode MS" pitchFamily="34" charset="-128"/>
+              </a:rPr>
+              <a:t>Good looking..</a:t>
+            </a:r>
+          </a:p>
+          <a:p>
+            <a:pPr fontAlgn="base">
+              <a:spcBef>
+                <a:spcPct val="50000"/>
+              </a:spcBef>
+              <a:spcAft>
+                <a:spcPct val="0"/>
+              </a:spcAft>
+              <a:buClr>
+                <a:srgbClr val="F0AB00"/>
+              </a:buClr>
+              <a:buSzPct val="80000"/>
+            </a:pPr>
+            <a:endParaRPr lang="en-US" sz="1800" kern="0" dirty="0">
+              <a:ea typeface="Arial Unicode MS" pitchFamily="34" charset="-128"/>
+              <a:cs typeface="Arial Unicode MS" pitchFamily="34" charset="-128"/>
+            </a:endParaRPr>
+          </a:p>
+          <a:p>
+            <a:pPr fontAlgn="base">
+              <a:spcBef>
+                <a:spcPct val="50000"/>
+              </a:spcBef>
+              <a:spcAft>
+                <a:spcPct val="0"/>
+              </a:spcAft>
+              <a:buClr>
+                <a:srgbClr val="F0AB00"/>
+              </a:buClr>
+              <a:buSzPct val="80000"/>
+            </a:pPr>
+            <a:r>
+              <a:rPr lang="en-US" sz="1800" kern="0" dirty="0">
+                <a:ea typeface="Arial Unicode MS" pitchFamily="34" charset="-128"/>
+                <a:cs typeface="Arial Unicode MS" pitchFamily="34" charset="-128"/>
+              </a:rPr>
+              <a:t>BUT….</a:t>
+            </a:r>
           </a:p>
         </p:txBody>
       </p:sp>
     </p:spTree>
     <p:extLst>
       <p:ext uri="{BB962C8B-B14F-4D97-AF65-F5344CB8AC3E}">
-        <p14:creationId xmlns:p14="http://schemas.microsoft.com/office/powerpoint/2010/main" val="42108366"/>
+        <p14:creationId xmlns:p14="http://schemas.microsoft.com/office/powerpoint/2010/main" val="1729425866"/>
       </p:ext>
     </p:extLst>
   </p:cSld>
@@ -10312,45 +16632,13 @@
       </p:grpSpPr>
       <p:sp>
         <p:nvSpPr>
-          <p:cNvPr id="11" name="Text Placeholder 10"/>
-          <p:cNvSpPr>
-            <a:spLocks noGrp="1"/>
-          </p:cNvSpPr>
-          <p:nvPr>
-            <p:ph type="body" sz="quarter" idx="10"/>
-          </p:nvPr>
-        </p:nvSpPr>
-        <p:spPr/>
-        <p:txBody>
-          <a:bodyPr/>
-          <a:lstStyle/>
-          <a:p>
-            <a:pPr lvl="0"/>
-            <a:r>
-              <a:rPr lang="en-US" dirty="0"/>
-              <a:t>“Quote goes here and here </a:t>
-            </a:r>
-            <a:r>
-              <a:rPr lang="en-US" dirty="0">
-                <a:solidFill>
-                  <a:schemeClr val="accent1"/>
-                </a:solidFill>
-              </a:rPr>
-              <a:t>and here.”</a:t>
-            </a:r>
-          </a:p>
-          <a:p>
-            <a:pPr lvl="1"/>
-            <a:r>
-              <a:rPr lang="en-US" dirty="0"/>
-              <a:t>Source</a:t>
-            </a:r>
-          </a:p>
-        </p:txBody>
-      </p:sp>
-      <p:sp>
-        <p:nvSpPr>
-          <p:cNvPr id="4" name="Title 3"/>
+          <p:cNvPr id="3" name="Title 2">
+            <a:extLst>
+              <a:ext uri="{FF2B5EF4-FFF2-40B4-BE49-F238E27FC236}">
+                <a16:creationId xmlns:a16="http://schemas.microsoft.com/office/drawing/2014/main" id="{59D512E6-AC34-4273-A4E1-9E3561AEDEC1}"/>
+              </a:ext>
+            </a:extLst>
+          </p:cNvPr>
           <p:cNvSpPr>
             <a:spLocks noGrp="1"/>
           </p:cNvSpPr>
@@ -10364,17 +16652,160 @@
           <a:lstStyle/>
           <a:p>
             <a:r>
-              <a:rPr lang="en-US"/>
-              <a:t>Insert page title (max. 6 words)</a:t>
-            </a:r>
-            <a:endParaRPr lang="en-US" dirty="0"/>
+              <a:rPr lang="en-US" dirty="0"/>
+              <a:t>There are some…</a:t>
+            </a:r>
+          </a:p>
+        </p:txBody>
+      </p:sp>
+      <p:pic>
+        <p:nvPicPr>
+          <p:cNvPr id="4" name="Picture 3">
+            <a:extLst>
+              <a:ext uri="{FF2B5EF4-FFF2-40B4-BE49-F238E27FC236}">
+                <a16:creationId xmlns:a16="http://schemas.microsoft.com/office/drawing/2014/main" id="{9DB90B46-C423-4A78-B4A8-6C46B0EDC598}"/>
+              </a:ext>
+            </a:extLst>
+          </p:cNvPr>
+          <p:cNvPicPr>
+            <a:picLocks noChangeAspect="1"/>
+          </p:cNvPicPr>
+          <p:nvPr/>
+        </p:nvPicPr>
+        <p:blipFill>
+          <a:blip r:embed="rId3"/>
+          <a:stretch>
+            <a:fillRect/>
+          </a:stretch>
+        </p:blipFill>
+        <p:spPr>
+          <a:xfrm>
+            <a:off x="504001" y="1536970"/>
+            <a:ext cx="8183010" cy="5972784"/>
+          </a:xfrm>
+          <a:prstGeom prst="rect">
+            <a:avLst/>
+          </a:prstGeom>
+        </p:spPr>
+      </p:pic>
+      <p:sp>
+        <p:nvSpPr>
+          <p:cNvPr id="5" name="TextBox 4">
+            <a:extLst>
+              <a:ext uri="{FF2B5EF4-FFF2-40B4-BE49-F238E27FC236}">
+                <a16:creationId xmlns:a16="http://schemas.microsoft.com/office/drawing/2014/main" id="{72F386AC-50B1-4D5A-9969-D8C60966F904}"/>
+              </a:ext>
+            </a:extLst>
+          </p:cNvPr>
+          <p:cNvSpPr txBox="1"/>
+          <p:nvPr/>
+        </p:nvSpPr>
+        <p:spPr>
+          <a:xfrm>
+            <a:off x="5825529" y="951156"/>
+            <a:ext cx="543418" cy="307777"/>
+          </a:xfrm>
+          <a:prstGeom prst="rect">
+            <a:avLst/>
+          </a:prstGeom>
+          <a:noFill/>
+        </p:spPr>
+        <p:txBody>
+          <a:bodyPr wrap="none" lIns="0" tIns="0" rIns="0" bIns="0" rtlCol="0">
+            <a:spAutoFit/>
+          </a:bodyPr>
+          <a:lstStyle/>
+          <a:p>
+            <a:pPr fontAlgn="base">
+              <a:spcBef>
+                <a:spcPct val="50000"/>
+              </a:spcBef>
+              <a:spcAft>
+                <a:spcPct val="0"/>
+              </a:spcAft>
+              <a:buClr>
+                <a:srgbClr val="F0AB00"/>
+              </a:buClr>
+              <a:buSzPct val="80000"/>
+            </a:pPr>
+            <a:r>
+              <a:rPr lang="en-US" sz="2000" b="1" kern="0" dirty="0">
+                <a:ea typeface="Arial Unicode MS" pitchFamily="34" charset="-128"/>
+                <a:cs typeface="Arial Unicode MS" pitchFamily="34" charset="-128"/>
+              </a:rPr>
+              <a:t>BCP</a:t>
+            </a:r>
+          </a:p>
+        </p:txBody>
+      </p:sp>
+      <p:sp>
+        <p:nvSpPr>
+          <p:cNvPr id="6" name="TextBox 5">
+            <a:extLst>
+              <a:ext uri="{FF2B5EF4-FFF2-40B4-BE49-F238E27FC236}">
+                <a16:creationId xmlns:a16="http://schemas.microsoft.com/office/drawing/2014/main" id="{4A67CE65-E814-4D22-BB4C-1677A8B052B4}"/>
+              </a:ext>
+            </a:extLst>
+          </p:cNvPr>
+          <p:cNvSpPr txBox="1"/>
+          <p:nvPr/>
+        </p:nvSpPr>
+        <p:spPr>
+          <a:xfrm>
+            <a:off x="9260731" y="3414409"/>
+            <a:ext cx="2136803" cy="369332"/>
+          </a:xfrm>
+          <a:prstGeom prst="rect">
+            <a:avLst/>
+          </a:prstGeom>
+          <a:noFill/>
+        </p:spPr>
+        <p:txBody>
+          <a:bodyPr wrap="none" lIns="0" tIns="0" rIns="0" bIns="0" rtlCol="0">
+            <a:spAutoFit/>
+          </a:bodyPr>
+          <a:lstStyle/>
+          <a:p>
+            <a:pPr fontAlgn="base">
+              <a:spcBef>
+                <a:spcPct val="50000"/>
+              </a:spcBef>
+              <a:spcAft>
+                <a:spcPct val="0"/>
+              </a:spcAft>
+              <a:buClr>
+                <a:srgbClr val="F0AB00"/>
+              </a:buClr>
+              <a:buSzPct val="80000"/>
+            </a:pPr>
+            <a:r>
+              <a:rPr lang="en-US" sz="2400" kern="0" dirty="0">
+                <a:ea typeface="Arial Unicode MS" pitchFamily="34" charset="-128"/>
+                <a:cs typeface="Arial Unicode MS" pitchFamily="34" charset="-128"/>
+              </a:rPr>
+              <a:t>Cannot </a:t>
+            </a:r>
+            <a:r>
+              <a:rPr lang="en-US" sz="2400" b="1" kern="0" dirty="0">
+                <a:ea typeface="Arial Unicode MS" pitchFamily="34" charset="-128"/>
+                <a:cs typeface="Arial Unicode MS" pitchFamily="34" charset="-128"/>
+              </a:rPr>
+              <a:t>Count</a:t>
+            </a:r>
+            <a:r>
+              <a:rPr lang="en-US" sz="2400" kern="0" dirty="0">
+                <a:ea typeface="Arial Unicode MS" pitchFamily="34" charset="-128"/>
+                <a:cs typeface="Arial Unicode MS" pitchFamily="34" charset="-128"/>
+              </a:rPr>
+              <a:t>! </a:t>
+            </a:r>
           </a:p>
         </p:txBody>
       </p:sp>
     </p:spTree>
     <p:extLst>
       <p:ext uri="{BB962C8B-B14F-4D97-AF65-F5344CB8AC3E}">
-        <p14:creationId xmlns:p14="http://schemas.microsoft.com/office/powerpoint/2010/main" val="3295641251"/>
+        <p14:creationId xmlns:p14="http://schemas.microsoft.com/office/powerpoint/2010/main" val="1387238931"/>
       </p:ext>
     </p:extLst>
   </p:cSld>

--- a/SAP_2017_16x9_black_and_white.pptx
+++ b/SAP_2017_16x9_black_and_white.pptx
@@ -5,10 +5,10 @@
     <p:sldMasterId id="2147483733" r:id="rId1"/>
   </p:sldMasterIdLst>
   <p:notesMasterIdLst>
-    <p:notesMasterId r:id="rId31"/>
+    <p:notesMasterId r:id="rId26"/>
   </p:notesMasterIdLst>
   <p:handoutMasterIdLst>
-    <p:handoutMasterId r:id="rId32"/>
+    <p:handoutMasterId r:id="rId27"/>
   </p:handoutMasterIdLst>
   <p:sldIdLst>
     <p:sldId id="434" r:id="rId2"/>
@@ -21,25 +21,20 @@
     <p:sldId id="447" r:id="rId9"/>
     <p:sldId id="440" r:id="rId10"/>
     <p:sldId id="441" r:id="rId11"/>
-    <p:sldId id="430" r:id="rId12"/>
+    <p:sldId id="448" r:id="rId12"/>
     <p:sldId id="382" r:id="rId13"/>
     <p:sldId id="388" r:id="rId14"/>
     <p:sldId id="442" r:id="rId15"/>
     <p:sldId id="443" r:id="rId16"/>
     <p:sldId id="446" r:id="rId17"/>
-    <p:sldId id="445" r:id="rId18"/>
-    <p:sldId id="374" r:id="rId19"/>
-    <p:sldId id="380" r:id="rId20"/>
-    <p:sldId id="379" r:id="rId21"/>
-    <p:sldId id="394" r:id="rId22"/>
-    <p:sldId id="423" r:id="rId23"/>
-    <p:sldId id="387" r:id="rId24"/>
-    <p:sldId id="390" r:id="rId25"/>
-    <p:sldId id="420" r:id="rId26"/>
-    <p:sldId id="421" r:id="rId27"/>
-    <p:sldId id="422" r:id="rId28"/>
-    <p:sldId id="413" r:id="rId29"/>
-    <p:sldId id="265" r:id="rId30"/>
+    <p:sldId id="450" r:id="rId18"/>
+    <p:sldId id="445" r:id="rId19"/>
+    <p:sldId id="452" r:id="rId20"/>
+    <p:sldId id="430" r:id="rId21"/>
+    <p:sldId id="374" r:id="rId22"/>
+    <p:sldId id="453" r:id="rId23"/>
+    <p:sldId id="413" r:id="rId24"/>
+    <p:sldId id="265" r:id="rId25"/>
   </p:sldIdLst>
   <p:sldSz cx="12195175" cy="6858000"/>
   <p:notesSz cx="6858000" cy="9144000"/>
@@ -2566,6 +2561,286 @@
 </p:notes>
 </file>
 
+<file path=ppt/notesSlides/notesSlide10.xml><?xml version="1.0" encoding="utf-8"?>
+<p:notes xmlns:a="http://schemas.openxmlformats.org/drawingml/2006/main" xmlns:r="http://schemas.openxmlformats.org/officeDocument/2006/relationships" xmlns:p="http://schemas.openxmlformats.org/presentationml/2006/main">
+  <p:cSld>
+    <p:spTree>
+      <p:nvGrpSpPr>
+        <p:cNvPr id="1" name=""/>
+        <p:cNvGrpSpPr/>
+        <p:nvPr/>
+      </p:nvGrpSpPr>
+      <p:grpSpPr>
+        <a:xfrm>
+          <a:off x="0" y="0"/>
+          <a:ext cx="0" cy="0"/>
+          <a:chOff x="0" y="0"/>
+          <a:chExt cx="0" cy="0"/>
+        </a:xfrm>
+      </p:grpSpPr>
+      <p:sp>
+        <p:nvSpPr>
+          <p:cNvPr id="2" name="Slide Image Placeholder 1"/>
+          <p:cNvSpPr>
+            <a:spLocks noGrp="1" noRot="1" noChangeAspect="1"/>
+          </p:cNvSpPr>
+          <p:nvPr>
+            <p:ph type="sldImg"/>
+          </p:nvPr>
+        </p:nvSpPr>
+        <p:spPr/>
+      </p:sp>
+      <p:sp>
+        <p:nvSpPr>
+          <p:cNvPr id="3" name="Notes Placeholder 2"/>
+          <p:cNvSpPr>
+            <a:spLocks noGrp="1"/>
+          </p:cNvSpPr>
+          <p:nvPr>
+            <p:ph type="body" idx="1"/>
+          </p:nvPr>
+        </p:nvSpPr>
+        <p:spPr/>
+        <p:txBody>
+          <a:bodyPr/>
+          <a:lstStyle/>
+          <a:p>
+            <a:r>
+              <a:rPr lang="zh-CN" altLang="en-US" dirty="0"/>
+              <a:t>总结到以上几点，</a:t>
+            </a:r>
+            <a:r>
+              <a:rPr lang="en-US" altLang="zh-CN" dirty="0"/>
+              <a:t>xxx</a:t>
+            </a:r>
+            <a:r>
+              <a:rPr lang="zh-CN" altLang="en-US" dirty="0"/>
+              <a:t>，</a:t>
+            </a:r>
+            <a:r>
+              <a:rPr lang="en-US" dirty="0"/>
+              <a:t>Then how to combine them into one product?</a:t>
+            </a:r>
+          </a:p>
+        </p:txBody>
+      </p:sp>
+      <p:sp>
+        <p:nvSpPr>
+          <p:cNvPr id="4" name="Slide Number Placeholder 3"/>
+          <p:cNvSpPr>
+            <a:spLocks noGrp="1"/>
+          </p:cNvSpPr>
+          <p:nvPr>
+            <p:ph type="sldNum" sz="quarter" idx="10"/>
+          </p:nvPr>
+        </p:nvSpPr>
+        <p:spPr/>
+        <p:txBody>
+          <a:bodyPr/>
+          <a:lstStyle/>
+          <a:p>
+            <a:fld id="{7D8C2C35-2B8A-446E-BEC0-FD36716C29AC}" type="slidenum">
+              <a:rPr lang="de-DE" smtClean="0"/>
+              <a:pPr/>
+              <a:t>12</a:t>
+            </a:fld>
+            <a:endParaRPr lang="de-DE" dirty="0"/>
+          </a:p>
+        </p:txBody>
+      </p:sp>
+    </p:spTree>
+    <p:extLst>
+      <p:ext uri="{BB962C8B-B14F-4D97-AF65-F5344CB8AC3E}">
+        <p14:creationId xmlns:p14="http://schemas.microsoft.com/office/powerpoint/2010/main" val="4225349832"/>
+      </p:ext>
+    </p:extLst>
+  </p:cSld>
+  <p:clrMapOvr>
+    <a:masterClrMapping/>
+  </p:clrMapOvr>
+</p:notes>
+</file>
+
+<file path=ppt/notesSlides/notesSlide11.xml><?xml version="1.0" encoding="utf-8"?>
+<p:notes xmlns:a="http://schemas.openxmlformats.org/drawingml/2006/main" xmlns:r="http://schemas.openxmlformats.org/officeDocument/2006/relationships" xmlns:p="http://schemas.openxmlformats.org/presentationml/2006/main">
+  <p:cSld>
+    <p:spTree>
+      <p:nvGrpSpPr>
+        <p:cNvPr id="1" name=""/>
+        <p:cNvGrpSpPr/>
+        <p:nvPr/>
+      </p:nvGrpSpPr>
+      <p:grpSpPr>
+        <a:xfrm>
+          <a:off x="0" y="0"/>
+          <a:ext cx="0" cy="0"/>
+          <a:chOff x="0" y="0"/>
+          <a:chExt cx="0" cy="0"/>
+        </a:xfrm>
+      </p:grpSpPr>
+      <p:sp>
+        <p:nvSpPr>
+          <p:cNvPr id="2" name="Slide Image Placeholder 1"/>
+          <p:cNvSpPr>
+            <a:spLocks noGrp="1" noRot="1" noChangeAspect="1"/>
+          </p:cNvSpPr>
+          <p:nvPr>
+            <p:ph type="sldImg"/>
+          </p:nvPr>
+        </p:nvSpPr>
+        <p:spPr/>
+      </p:sp>
+      <p:sp>
+        <p:nvSpPr>
+          <p:cNvPr id="3" name="Notes Placeholder 2"/>
+          <p:cNvSpPr>
+            <a:spLocks noGrp="1"/>
+          </p:cNvSpPr>
+          <p:nvPr>
+            <p:ph type="body" idx="1"/>
+          </p:nvPr>
+        </p:nvSpPr>
+        <p:spPr/>
+        <p:txBody>
+          <a:bodyPr/>
+          <a:lstStyle/>
+          <a:p>
+            <a:r>
+              <a:rPr lang="en-US" dirty="0"/>
+              <a:t>Then bring to the next chapter</a:t>
+            </a:r>
+          </a:p>
+        </p:txBody>
+      </p:sp>
+      <p:sp>
+        <p:nvSpPr>
+          <p:cNvPr id="4" name="Slide Number Placeholder 3"/>
+          <p:cNvSpPr>
+            <a:spLocks noGrp="1"/>
+          </p:cNvSpPr>
+          <p:nvPr>
+            <p:ph type="sldNum" sz="quarter" idx="10"/>
+          </p:nvPr>
+        </p:nvSpPr>
+        <p:spPr/>
+        <p:txBody>
+          <a:bodyPr/>
+          <a:lstStyle/>
+          <a:p>
+            <a:fld id="{7D8C2C35-2B8A-446E-BEC0-FD36716C29AC}" type="slidenum">
+              <a:rPr lang="de-DE" smtClean="0"/>
+              <a:pPr/>
+              <a:t>20</a:t>
+            </a:fld>
+            <a:endParaRPr lang="de-DE" dirty="0"/>
+          </a:p>
+        </p:txBody>
+      </p:sp>
+    </p:spTree>
+    <p:extLst>
+      <p:ext uri="{BB962C8B-B14F-4D97-AF65-F5344CB8AC3E}">
+        <p14:creationId xmlns:p14="http://schemas.microsoft.com/office/powerpoint/2010/main" val="1990883211"/>
+      </p:ext>
+    </p:extLst>
+  </p:cSld>
+  <p:clrMapOvr>
+    <a:masterClrMapping/>
+  </p:clrMapOvr>
+</p:notes>
+</file>
+
+<file path=ppt/notesSlides/notesSlide12.xml><?xml version="1.0" encoding="utf-8"?>
+<p:notes xmlns:a="http://schemas.openxmlformats.org/drawingml/2006/main" xmlns:r="http://schemas.openxmlformats.org/officeDocument/2006/relationships" xmlns:p="http://schemas.openxmlformats.org/presentationml/2006/main">
+  <p:cSld>
+    <p:spTree>
+      <p:nvGrpSpPr>
+        <p:cNvPr id="1" name=""/>
+        <p:cNvGrpSpPr/>
+        <p:nvPr/>
+      </p:nvGrpSpPr>
+      <p:grpSpPr>
+        <a:xfrm>
+          <a:off x="0" y="0"/>
+          <a:ext cx="0" cy="0"/>
+          <a:chOff x="0" y="0"/>
+          <a:chExt cx="0" cy="0"/>
+        </a:xfrm>
+      </p:grpSpPr>
+      <p:sp>
+        <p:nvSpPr>
+          <p:cNvPr id="4" name="Slide Number Placeholder 3"/>
+          <p:cNvSpPr>
+            <a:spLocks noGrp="1"/>
+          </p:cNvSpPr>
+          <p:nvPr>
+            <p:ph type="sldNum" sz="quarter" idx="10"/>
+          </p:nvPr>
+        </p:nvSpPr>
+        <p:spPr/>
+        <p:txBody>
+          <a:bodyPr/>
+          <a:lstStyle/>
+          <a:p>
+            <a:fld id="{7D8C2C35-2B8A-446E-BEC0-FD36716C29AC}" type="slidenum">
+              <a:rPr lang="de-DE" smtClean="0"/>
+              <a:pPr/>
+              <a:t>24</a:t>
+            </a:fld>
+            <a:endParaRPr lang="de-DE" dirty="0"/>
+          </a:p>
+        </p:txBody>
+      </p:sp>
+      <p:sp>
+        <p:nvSpPr>
+          <p:cNvPr id="6" name="Slide Image Placeholder 5"/>
+          <p:cNvSpPr>
+            <a:spLocks noGrp="1" noRot="1" noChangeAspect="1"/>
+          </p:cNvSpPr>
+          <p:nvPr>
+            <p:ph type="sldImg"/>
+          </p:nvPr>
+        </p:nvSpPr>
+        <p:spPr>
+          <a:xfrm>
+            <a:off x="547688" y="612775"/>
+            <a:ext cx="5762625" cy="3241675"/>
+          </a:xfrm>
+        </p:spPr>
+      </p:sp>
+      <p:sp>
+        <p:nvSpPr>
+          <p:cNvPr id="7" name="Notes Placeholder 6"/>
+          <p:cNvSpPr>
+            <a:spLocks noGrp="1"/>
+          </p:cNvSpPr>
+          <p:nvPr>
+            <p:ph type="body" idx="1"/>
+          </p:nvPr>
+        </p:nvSpPr>
+        <p:spPr/>
+        <p:txBody>
+          <a:bodyPr>
+            <a:normAutofit/>
+          </a:bodyPr>
+          <a:lstStyle/>
+          <a:p>
+            <a:endParaRPr lang="en-US"/>
+          </a:p>
+        </p:txBody>
+      </p:sp>
+    </p:spTree>
+    <p:extLst>
+      <p:ext uri="{BB962C8B-B14F-4D97-AF65-F5344CB8AC3E}">
+        <p14:creationId xmlns:p14="http://schemas.microsoft.com/office/powerpoint/2010/main" val="2544264309"/>
+      </p:ext>
+    </p:extLst>
+  </p:cSld>
+  <p:clrMapOvr>
+    <a:masterClrMapping/>
+  </p:clrMapOvr>
+</p:notes>
+</file>
+
 <file path=ppt/notesSlides/notesSlide2.xml><?xml version="1.0" encoding="utf-8"?>
 <p:notes xmlns:a="http://schemas.openxmlformats.org/drawingml/2006/main" xmlns:r="http://schemas.openxmlformats.org/officeDocument/2006/relationships" xmlns:p="http://schemas.openxmlformats.org/presentationml/2006/main">
   <p:cSld>
@@ -2979,7 +3254,7 @@
           <a:p>
             <a:r>
               <a:rPr lang="en-US" dirty="0"/>
-              <a:t>Not support new features naturally</a:t>
+              <a:t>Not easy to know what can we use it for?</a:t>
             </a:r>
           </a:p>
         </p:txBody>
@@ -3002,7 +3277,7 @@
             <a:fld id="{7D8C2C35-2B8A-446E-BEC0-FD36716C29AC}" type="slidenum">
               <a:rPr lang="de-DE" smtClean="0"/>
               <a:pPr/>
-              <a:t>9</a:t>
+              <a:t>8</a:t>
             </a:fld>
             <a:endParaRPr lang="de-DE" dirty="0"/>
           </a:p>
@@ -3011,7 +3286,7 @@
     </p:spTree>
     <p:extLst>
       <p:ext uri="{BB962C8B-B14F-4D97-AF65-F5344CB8AC3E}">
-        <p14:creationId xmlns:p14="http://schemas.microsoft.com/office/powerpoint/2010/main" val="2773265381"/>
+        <p14:creationId xmlns:p14="http://schemas.microsoft.com/office/powerpoint/2010/main" val="1727069759"/>
       </p:ext>
     </p:extLst>
   </p:cSld>
@@ -3066,12 +3341,8 @@
           <a:lstStyle/>
           <a:p>
             <a:r>
-              <a:rPr lang="en-US" altLang="zh-CN" dirty="0"/>
-              <a:t>Distributed </a:t>
-            </a:r>
-            <a:r>
               <a:rPr lang="en-US" dirty="0"/>
-              <a:t>Numbers, numbers, numbers!</a:t>
+              <a:t>Not support new features naturally</a:t>
             </a:r>
           </a:p>
         </p:txBody>
@@ -3094,7 +3365,7 @@
             <a:fld id="{7D8C2C35-2B8A-446E-BEC0-FD36716C29AC}" type="slidenum">
               <a:rPr lang="de-DE" smtClean="0"/>
               <a:pPr/>
-              <a:t>10</a:t>
+              <a:t>9</a:t>
             </a:fld>
             <a:endParaRPr lang="de-DE" dirty="0"/>
           </a:p>
@@ -3103,7 +3374,7 @@
     </p:spTree>
     <p:extLst>
       <p:ext uri="{BB962C8B-B14F-4D97-AF65-F5344CB8AC3E}">
-        <p14:creationId xmlns:p14="http://schemas.microsoft.com/office/powerpoint/2010/main" val="395136101"/>
+        <p14:creationId xmlns:p14="http://schemas.microsoft.com/office/powerpoint/2010/main" val="2773265381"/>
       </p:ext>
     </p:extLst>
   </p:cSld>
@@ -3158,8 +3429,12 @@
           <a:lstStyle/>
           <a:p>
             <a:r>
+              <a:rPr lang="en-US" altLang="zh-CN" dirty="0"/>
+              <a:t>Distributed </a:t>
+            </a:r>
+            <a:r>
               <a:rPr lang="en-US" dirty="0"/>
-              <a:t>Then how to combine them into one product?</a:t>
+              <a:t>Numbers, numbers, numbers!</a:t>
             </a:r>
           </a:p>
         </p:txBody>
@@ -3182,7 +3457,7 @@
             <a:fld id="{7D8C2C35-2B8A-446E-BEC0-FD36716C29AC}" type="slidenum">
               <a:rPr lang="de-DE" smtClean="0"/>
               <a:pPr/>
-              <a:t>12</a:t>
+              <a:t>10</a:t>
             </a:fld>
             <a:endParaRPr lang="de-DE" dirty="0"/>
           </a:p>
@@ -3191,7 +3466,7 @@
     </p:spTree>
     <p:extLst>
       <p:ext uri="{BB962C8B-B14F-4D97-AF65-F5344CB8AC3E}">
-        <p14:creationId xmlns:p14="http://schemas.microsoft.com/office/powerpoint/2010/main" val="4225349832"/>
+        <p14:creationId xmlns:p14="http://schemas.microsoft.com/office/powerpoint/2010/main" val="395136101"/>
       </p:ext>
     </p:extLst>
   </p:cSld>
@@ -3220,6 +3495,53 @@
       </p:grpSpPr>
       <p:sp>
         <p:nvSpPr>
+          <p:cNvPr id="2" name="Slide Image Placeholder 1"/>
+          <p:cNvSpPr>
+            <a:spLocks noGrp="1" noRot="1" noChangeAspect="1"/>
+          </p:cNvSpPr>
+          <p:nvPr>
+            <p:ph type="sldImg"/>
+          </p:nvPr>
+        </p:nvSpPr>
+        <p:spPr/>
+      </p:sp>
+      <p:sp>
+        <p:nvSpPr>
+          <p:cNvPr id="3" name="Notes Placeholder 2"/>
+          <p:cNvSpPr>
+            <a:spLocks noGrp="1"/>
+          </p:cNvSpPr>
+          <p:nvPr>
+            <p:ph type="body" idx="1"/>
+          </p:nvPr>
+        </p:nvSpPr>
+        <p:spPr/>
+        <p:txBody>
+          <a:bodyPr/>
+          <a:lstStyle/>
+          <a:p>
+            <a:r>
+              <a:rPr lang="en-US" altLang="zh-CN" dirty="0"/>
+              <a:t>How to avoid </a:t>
+            </a:r>
+            <a:r>
+              <a:rPr lang="zh-CN" altLang="en-US" dirty="0"/>
+              <a:t>缺陷</a:t>
+            </a:r>
+            <a:r>
+              <a:rPr lang="en-US" altLang="zh-CN" dirty="0"/>
+              <a:t>, extends </a:t>
+            </a:r>
+            <a:r>
+              <a:rPr lang="zh-CN" altLang="en-US" dirty="0"/>
+              <a:t>优点？</a:t>
+            </a:r>
+            <a:endParaRPr lang="en-US" dirty="0"/>
+          </a:p>
+        </p:txBody>
+      </p:sp>
+      <p:sp>
+        <p:nvSpPr>
           <p:cNvPr id="4" name="Slide Number Placeholder 3"/>
           <p:cNvSpPr>
             <a:spLocks noGrp="1"/>
@@ -3236,54 +3558,16 @@
             <a:fld id="{7D8C2C35-2B8A-446E-BEC0-FD36716C29AC}" type="slidenum">
               <a:rPr lang="de-DE" smtClean="0"/>
               <a:pPr/>
-              <a:t>29</a:t>
+              <a:t>11</a:t>
             </a:fld>
             <a:endParaRPr lang="de-DE" dirty="0"/>
-          </a:p>
-        </p:txBody>
-      </p:sp>
-      <p:sp>
-        <p:nvSpPr>
-          <p:cNvPr id="6" name="Slide Image Placeholder 5"/>
-          <p:cNvSpPr>
-            <a:spLocks noGrp="1" noRot="1" noChangeAspect="1"/>
-          </p:cNvSpPr>
-          <p:nvPr>
-            <p:ph type="sldImg"/>
-          </p:nvPr>
-        </p:nvSpPr>
-        <p:spPr>
-          <a:xfrm>
-            <a:off x="547688" y="612775"/>
-            <a:ext cx="5762625" cy="3241675"/>
-          </a:xfrm>
-        </p:spPr>
-      </p:sp>
-      <p:sp>
-        <p:nvSpPr>
-          <p:cNvPr id="7" name="Notes Placeholder 6"/>
-          <p:cNvSpPr>
-            <a:spLocks noGrp="1"/>
-          </p:cNvSpPr>
-          <p:nvPr>
-            <p:ph type="body" idx="1"/>
-          </p:nvPr>
-        </p:nvSpPr>
-        <p:spPr/>
-        <p:txBody>
-          <a:bodyPr>
-            <a:normAutofit/>
-          </a:bodyPr>
-          <a:lstStyle/>
-          <a:p>
-            <a:endParaRPr lang="en-US"/>
           </a:p>
         </p:txBody>
       </p:sp>
     </p:spTree>
     <p:extLst>
       <p:ext uri="{BB962C8B-B14F-4D97-AF65-F5344CB8AC3E}">
-        <p14:creationId xmlns:p14="http://schemas.microsoft.com/office/powerpoint/2010/main" val="2544264309"/>
+        <p14:creationId xmlns:p14="http://schemas.microsoft.com/office/powerpoint/2010/main" val="1009616146"/>
       </p:ext>
     </p:extLst>
   </p:cSld>
@@ -11334,7 +11618,7 @@
         <p:spPr>
           <a:xfrm>
             <a:off x="7681884" y="3451122"/>
-            <a:ext cx="2898229" cy="276999"/>
+            <a:ext cx="3193182" cy="276999"/>
           </a:xfrm>
           <a:prstGeom prst="rect">
             <a:avLst/>
@@ -11364,7 +11648,7 @@
                 <a:ea typeface="Arial Unicode MS" pitchFamily="34" charset="-128"/>
                 <a:cs typeface="Arial Unicode MS" pitchFamily="34" charset="-128"/>
               </a:rPr>
-              <a:t>Logon after </a:t>
+              <a:t>Re-logon after </a:t>
             </a:r>
             <a:r>
               <a:rPr lang="en-US" sz="1800" b="1" kern="0" dirty="0">
@@ -11415,12 +11699,18 @@
       </p:grpSpPr>
       <p:sp>
         <p:nvSpPr>
-          <p:cNvPr id="3" name="Title 2"/>
+          <p:cNvPr id="3" name="Title 2">
+            <a:extLst>
+              <a:ext uri="{FF2B5EF4-FFF2-40B4-BE49-F238E27FC236}">
+                <a16:creationId xmlns:a16="http://schemas.microsoft.com/office/drawing/2014/main" id="{ACDC5AA8-32A9-460A-AD7E-2CC2138B3E3C}"/>
+              </a:ext>
+            </a:extLst>
+          </p:cNvPr>
           <p:cNvSpPr>
             <a:spLocks noGrp="1"/>
           </p:cNvSpPr>
           <p:nvPr>
-            <p:ph type="ctrTitle"/>
+            <p:ph type="title"/>
           </p:nvPr>
         </p:nvSpPr>
         <p:spPr/>
@@ -11430,43 +11720,169 @@
           <a:p>
             <a:r>
               <a:rPr lang="en-US" dirty="0"/>
-              <a:t>Benefits &amp; </a:t>
-            </a:r>
-            <a:r>
-              <a:rPr lang="en-US" dirty="0">
-                <a:solidFill>
-                  <a:schemeClr val="accent1"/>
-                </a:solidFill>
+              <a:t>Thinking…</a:t>
+            </a:r>
+          </a:p>
+        </p:txBody>
+      </p:sp>
+      <p:sp>
+        <p:nvSpPr>
+          <p:cNvPr id="4" name="TextBox 3">
+            <a:extLst>
+              <a:ext uri="{FF2B5EF4-FFF2-40B4-BE49-F238E27FC236}">
+                <a16:creationId xmlns:a16="http://schemas.microsoft.com/office/drawing/2014/main" id="{38586787-7369-4320-9E45-83C58B42D572}"/>
+              </a:ext>
+            </a:extLst>
+          </p:cNvPr>
+          <p:cNvSpPr txBox="1"/>
+          <p:nvPr/>
+        </p:nvSpPr>
+        <p:spPr>
+          <a:xfrm>
+            <a:off x="1744904" y="4250988"/>
+            <a:ext cx="1319272" cy="430887"/>
+          </a:xfrm>
+          <a:prstGeom prst="rect">
+            <a:avLst/>
+          </a:prstGeom>
+          <a:noFill/>
+        </p:spPr>
+        <p:txBody>
+          <a:bodyPr wrap="none" lIns="0" tIns="0" rIns="0" bIns="0" rtlCol="0">
+            <a:spAutoFit/>
+          </a:bodyPr>
+          <a:lstStyle/>
+          <a:p>
+            <a:pPr algn="ctr" fontAlgn="base">
+              <a:spcBef>
+                <a:spcPct val="50000"/>
+              </a:spcBef>
+              <a:spcAft>
+                <a:spcPct val="0"/>
+              </a:spcAft>
+              <a:buClr>
+                <a:srgbClr val="F0AB00"/>
+              </a:buClr>
+              <a:buSzPct val="80000"/>
+            </a:pPr>
+            <a:r>
+              <a:rPr lang="en-US" altLang="zh-CN" sz="2800" kern="0" dirty="0">
+                <a:ea typeface="Arial Unicode MS" pitchFamily="34" charset="-128"/>
+                <a:cs typeface="Arial Unicode MS" pitchFamily="34" charset="-128"/>
               </a:rPr>
-              <a:t>Evolution</a:t>
-            </a:r>
-            <a:endParaRPr lang="en-US" dirty="0"/>
+              <a:t>E</a:t>
+            </a:r>
+            <a:r>
+              <a:rPr lang="en-US" sz="2800" kern="0" dirty="0">
+                <a:ea typeface="Arial Unicode MS" pitchFamily="34" charset="-128"/>
+                <a:cs typeface="Arial Unicode MS" pitchFamily="34" charset="-128"/>
+              </a:rPr>
+              <a:t>xtend?</a:t>
+            </a:r>
+          </a:p>
+        </p:txBody>
+      </p:sp>
+      <p:sp>
+        <p:nvSpPr>
+          <p:cNvPr id="5" name="TextBox 4">
+            <a:extLst>
+              <a:ext uri="{FF2B5EF4-FFF2-40B4-BE49-F238E27FC236}">
+                <a16:creationId xmlns:a16="http://schemas.microsoft.com/office/drawing/2014/main" id="{DD3B578E-BA84-4F88-8CE8-1EA030DD1E1C}"/>
+              </a:ext>
+            </a:extLst>
+          </p:cNvPr>
+          <p:cNvSpPr txBox="1"/>
+          <p:nvPr/>
+        </p:nvSpPr>
+        <p:spPr>
+          <a:xfrm>
+            <a:off x="1744904" y="2017220"/>
+            <a:ext cx="1099660" cy="430887"/>
+          </a:xfrm>
+          <a:prstGeom prst="rect">
+            <a:avLst/>
+          </a:prstGeom>
+          <a:noFill/>
+        </p:spPr>
+        <p:txBody>
+          <a:bodyPr wrap="none" lIns="0" tIns="0" rIns="0" bIns="0" rtlCol="0">
+            <a:spAutoFit/>
+          </a:bodyPr>
+          <a:lstStyle/>
+          <a:p>
+            <a:pPr fontAlgn="base">
+              <a:spcBef>
+                <a:spcPct val="50000"/>
+              </a:spcBef>
+              <a:spcAft>
+                <a:spcPct val="0"/>
+              </a:spcAft>
+              <a:buClr>
+                <a:srgbClr val="F0AB00"/>
+              </a:buClr>
+              <a:buSzPct val="80000"/>
+            </a:pPr>
+            <a:r>
+              <a:rPr lang="en-US" sz="2800" kern="0" dirty="0">
+                <a:ea typeface="Arial Unicode MS" pitchFamily="34" charset="-128"/>
+                <a:cs typeface="Arial Unicode MS" pitchFamily="34" charset="-128"/>
+              </a:rPr>
+              <a:t>Avoid?</a:t>
+            </a:r>
           </a:p>
         </p:txBody>
       </p:sp>
       <p:pic>
         <p:nvPicPr>
-          <p:cNvPr id="4" name="Picture Placeholder 3"/>
+          <p:cNvPr id="1030" name="Picture 6" descr="Image result for emoji thinking face transparent">
+            <a:extLst>
+              <a:ext uri="{FF2B5EF4-FFF2-40B4-BE49-F238E27FC236}">
+                <a16:creationId xmlns:a16="http://schemas.microsoft.com/office/drawing/2014/main" id="{4E038710-3C81-4634-952D-652729766495}"/>
+              </a:ext>
+            </a:extLst>
+          </p:cNvPr>
           <p:cNvPicPr>
-            <a:picLocks noGrp="1" noChangeAspect="1"/>
+            <a:picLocks noChangeAspect="1" noChangeArrowheads="1"/>
           </p:cNvPicPr>
-          <p:nvPr>
-            <p:ph type="pic" sz="quarter" idx="12"/>
-          </p:nvPr>
+          <p:nvPr/>
         </p:nvPicPr>
         <p:blipFill>
-          <a:blip r:embed="rId2"/>
-          <a:srcRect t="3112" b="3112"/>
+          <a:blip r:embed="rId3">
+            <a:extLst>
+              <a:ext uri="{28A0092B-C50C-407E-A947-70E740481C1C}">
+                <a14:useLocalDpi xmlns:a14="http://schemas.microsoft.com/office/drawing/2010/main" val="0"/>
+              </a:ext>
+            </a:extLst>
+          </a:blip>
+          <a:srcRect/>
           <a:stretch>
             <a:fillRect/>
           </a:stretch>
         </p:blipFill>
-        <p:spPr/>
+        <p:spPr bwMode="auto">
+          <a:xfrm rot="281708">
+            <a:off x="5316133" y="1157591"/>
+            <a:ext cx="4210455" cy="4210455"/>
+          </a:xfrm>
+          <a:prstGeom prst="rect">
+            <a:avLst/>
+          </a:prstGeom>
+          <a:noFill/>
+          <a:extLst>
+            <a:ext uri="{909E8E84-426E-40DD-AFC4-6F175D3DCCD1}">
+              <a14:hiddenFill xmlns:a14="http://schemas.microsoft.com/office/drawing/2010/main">
+                <a:solidFill>
+                  <a:srgbClr val="FFFFFF"/>
+                </a:solidFill>
+              </a14:hiddenFill>
+            </a:ext>
+          </a:extLst>
+        </p:spPr>
       </p:pic>
     </p:spTree>
     <p:extLst>
       <p:ext uri="{BB962C8B-B14F-4D97-AF65-F5344CB8AC3E}">
-        <p14:creationId xmlns:p14="http://schemas.microsoft.com/office/powerpoint/2010/main" val="1515423877"/>
+        <p14:creationId xmlns:p14="http://schemas.microsoft.com/office/powerpoint/2010/main" val="3910352603"/>
       </p:ext>
     </p:extLst>
   </p:cSld>
@@ -12695,8 +13111,8 @@
           </a:p>
         </p:txBody>
       </p:sp>
-      <mc:AlternateContent xmlns:mc="http://schemas.openxmlformats.org/markup-compatibility/2006">
-        <mc:Choice xmlns:p14="http://schemas.microsoft.com/office/powerpoint/2010/main" Requires="p14">
+      <mc:AlternateContent xmlns:mc="http://schemas.openxmlformats.org/markup-compatibility/2006" xmlns:p14="http://schemas.microsoft.com/office/powerpoint/2010/main">
+        <mc:Choice Requires="p14">
           <p:contentPart p14:bwMode="auto" r:id="rId3">
             <p14:nvContentPartPr>
               <p14:cNvPr id="16" name="Ink 15">
@@ -12715,7 +13131,7 @@
             </p14:xfrm>
           </p:contentPart>
         </mc:Choice>
-        <mc:Fallback>
+        <mc:Fallback xmlns="">
           <p:pic>
             <p:nvPicPr>
               <p:cNvPr id="16" name="Ink 15">
@@ -12746,8 +13162,8 @@
           </p:pic>
         </mc:Fallback>
       </mc:AlternateContent>
-      <mc:AlternateContent xmlns:mc="http://schemas.openxmlformats.org/markup-compatibility/2006">
-        <mc:Choice xmlns:p14="http://schemas.microsoft.com/office/powerpoint/2010/main" Requires="p14">
+      <mc:AlternateContent xmlns:mc="http://schemas.openxmlformats.org/markup-compatibility/2006" xmlns:p14="http://schemas.microsoft.com/office/powerpoint/2010/main">
+        <mc:Choice Requires="p14">
           <p:contentPart p14:bwMode="auto" r:id="rId5">
             <p14:nvContentPartPr>
               <p14:cNvPr id="17" name="Ink 16">
@@ -12766,7 +13182,7 @@
             </p14:xfrm>
           </p:contentPart>
         </mc:Choice>
-        <mc:Fallback>
+        <mc:Fallback xmlns="">
           <p:pic>
             <p:nvPicPr>
               <p:cNvPr id="17" name="Ink 16">
@@ -12797,8 +13213,8 @@
           </p:pic>
         </mc:Fallback>
       </mc:AlternateContent>
-      <mc:AlternateContent xmlns:mc="http://schemas.openxmlformats.org/markup-compatibility/2006">
-        <mc:Choice xmlns:p14="http://schemas.microsoft.com/office/powerpoint/2010/main" Requires="p14">
+      <mc:AlternateContent xmlns:mc="http://schemas.openxmlformats.org/markup-compatibility/2006" xmlns:p14="http://schemas.microsoft.com/office/powerpoint/2010/main">
+        <mc:Choice Requires="p14">
           <p:contentPart p14:bwMode="auto" r:id="rId7">
             <p14:nvContentPartPr>
               <p14:cNvPr id="18" name="Ink 17">
@@ -12817,7 +13233,7 @@
             </p14:xfrm>
           </p:contentPart>
         </mc:Choice>
-        <mc:Fallback>
+        <mc:Fallback xmlns="">
           <p:pic>
             <p:nvPicPr>
               <p:cNvPr id="18" name="Ink 17">
@@ -12848,8 +13264,8 @@
           </p:pic>
         </mc:Fallback>
       </mc:AlternateContent>
-      <mc:AlternateContent xmlns:mc="http://schemas.openxmlformats.org/markup-compatibility/2006">
-        <mc:Choice xmlns:p14="http://schemas.microsoft.com/office/powerpoint/2010/main" Requires="p14">
+      <mc:AlternateContent xmlns:mc="http://schemas.openxmlformats.org/markup-compatibility/2006" xmlns:p14="http://schemas.microsoft.com/office/powerpoint/2010/main">
+        <mc:Choice Requires="p14">
           <p:contentPart p14:bwMode="auto" r:id="rId9">
             <p14:nvContentPartPr>
               <p14:cNvPr id="19" name="Ink 18">
@@ -12868,7 +13284,7 @@
             </p14:xfrm>
           </p:contentPart>
         </mc:Choice>
-        <mc:Fallback>
+        <mc:Fallback xmlns="">
           <p:pic>
             <p:nvPicPr>
               <p:cNvPr id="19" name="Ink 18">
@@ -12899,8 +13315,8 @@
           </p:pic>
         </mc:Fallback>
       </mc:AlternateContent>
-      <mc:AlternateContent xmlns:mc="http://schemas.openxmlformats.org/markup-compatibility/2006">
-        <mc:Choice xmlns:p14="http://schemas.microsoft.com/office/powerpoint/2010/main" Requires="p14">
+      <mc:AlternateContent xmlns:mc="http://schemas.openxmlformats.org/markup-compatibility/2006" xmlns:p14="http://schemas.microsoft.com/office/powerpoint/2010/main">
+        <mc:Choice Requires="p14">
           <p:contentPart p14:bwMode="auto" r:id="rId11">
             <p14:nvContentPartPr>
               <p14:cNvPr id="20" name="Ink 19">
@@ -12919,7 +13335,7 @@
             </p14:xfrm>
           </p:contentPart>
         </mc:Choice>
-        <mc:Fallback>
+        <mc:Fallback xmlns="">
           <p:pic>
             <p:nvPicPr>
               <p:cNvPr id="20" name="Ink 19">
@@ -12950,8 +13366,8 @@
           </p:pic>
         </mc:Fallback>
       </mc:AlternateContent>
-      <mc:AlternateContent xmlns:mc="http://schemas.openxmlformats.org/markup-compatibility/2006">
-        <mc:Choice xmlns:p14="http://schemas.microsoft.com/office/powerpoint/2010/main" Requires="p14">
+      <mc:AlternateContent xmlns:mc="http://schemas.openxmlformats.org/markup-compatibility/2006" xmlns:p14="http://schemas.microsoft.com/office/powerpoint/2010/main">
+        <mc:Choice Requires="p14">
           <p:contentPart p14:bwMode="auto" r:id="rId13">
             <p14:nvContentPartPr>
               <p14:cNvPr id="21" name="Ink 20">
@@ -12970,7 +13386,7 @@
             </p14:xfrm>
           </p:contentPart>
         </mc:Choice>
-        <mc:Fallback>
+        <mc:Fallback xmlns="">
           <p:pic>
             <p:nvPicPr>
               <p:cNvPr id="21" name="Ink 20">
@@ -13001,8 +13417,8 @@
           </p:pic>
         </mc:Fallback>
       </mc:AlternateContent>
-      <mc:AlternateContent xmlns:mc="http://schemas.openxmlformats.org/markup-compatibility/2006">
-        <mc:Choice xmlns:p14="http://schemas.microsoft.com/office/powerpoint/2010/main" Requires="p14">
+      <mc:AlternateContent xmlns:mc="http://schemas.openxmlformats.org/markup-compatibility/2006" xmlns:p14="http://schemas.microsoft.com/office/powerpoint/2010/main">
+        <mc:Choice Requires="p14">
           <p:contentPart p14:bwMode="auto" r:id="rId15">
             <p14:nvContentPartPr>
               <p14:cNvPr id="22" name="Ink 21">
@@ -13021,7 +13437,7 @@
             </p14:xfrm>
           </p:contentPart>
         </mc:Choice>
-        <mc:Fallback>
+        <mc:Fallback xmlns="">
           <p:pic>
             <p:nvPicPr>
               <p:cNvPr id="22" name="Ink 21">
@@ -13052,8 +13468,8 @@
           </p:pic>
         </mc:Fallback>
       </mc:AlternateContent>
-      <mc:AlternateContent xmlns:mc="http://schemas.openxmlformats.org/markup-compatibility/2006">
-        <mc:Choice xmlns:p14="http://schemas.microsoft.com/office/powerpoint/2010/main" Requires="p14">
+      <mc:AlternateContent xmlns:mc="http://schemas.openxmlformats.org/markup-compatibility/2006" xmlns:p14="http://schemas.microsoft.com/office/powerpoint/2010/main">
+        <mc:Choice Requires="p14">
           <p:contentPart p14:bwMode="auto" r:id="rId17">
             <p14:nvContentPartPr>
               <p14:cNvPr id="23" name="Ink 22">
@@ -13072,7 +13488,7 @@
             </p14:xfrm>
           </p:contentPart>
         </mc:Choice>
-        <mc:Fallback>
+        <mc:Fallback xmlns="">
           <p:pic>
             <p:nvPicPr>
               <p:cNvPr id="23" name="Ink 22">
@@ -13103,8 +13519,8 @@
           </p:pic>
         </mc:Fallback>
       </mc:AlternateContent>
-      <mc:AlternateContent xmlns:mc="http://schemas.openxmlformats.org/markup-compatibility/2006">
-        <mc:Choice xmlns:p14="http://schemas.microsoft.com/office/powerpoint/2010/main" Requires="p14">
+      <mc:AlternateContent xmlns:mc="http://schemas.openxmlformats.org/markup-compatibility/2006" xmlns:p14="http://schemas.microsoft.com/office/powerpoint/2010/main">
+        <mc:Choice Requires="p14">
           <p:contentPart p14:bwMode="auto" r:id="rId19">
             <p14:nvContentPartPr>
               <p14:cNvPr id="24" name="Ink 23">
@@ -13123,7 +13539,7 @@
             </p14:xfrm>
           </p:contentPart>
         </mc:Choice>
-        <mc:Fallback>
+        <mc:Fallback xmlns="">
           <p:pic>
             <p:nvPicPr>
               <p:cNvPr id="24" name="Ink 23">
@@ -13154,8 +13570,8 @@
           </p:pic>
         </mc:Fallback>
       </mc:AlternateContent>
-      <mc:AlternateContent xmlns:mc="http://schemas.openxmlformats.org/markup-compatibility/2006">
-        <mc:Choice xmlns:p14="http://schemas.microsoft.com/office/powerpoint/2010/main" Requires="p14">
+      <mc:AlternateContent xmlns:mc="http://schemas.openxmlformats.org/markup-compatibility/2006" xmlns:p14="http://schemas.microsoft.com/office/powerpoint/2010/main">
+        <mc:Choice Requires="p14">
           <p:contentPart p14:bwMode="auto" r:id="rId21">
             <p14:nvContentPartPr>
               <p14:cNvPr id="25" name="Ink 24">
@@ -13174,7 +13590,7 @@
             </p14:xfrm>
           </p:contentPart>
         </mc:Choice>
-        <mc:Fallback>
+        <mc:Fallback xmlns="">
           <p:pic>
             <p:nvPicPr>
               <p:cNvPr id="25" name="Ink 24">
@@ -13205,8 +13621,8 @@
           </p:pic>
         </mc:Fallback>
       </mc:AlternateContent>
-      <mc:AlternateContent xmlns:mc="http://schemas.openxmlformats.org/markup-compatibility/2006">
-        <mc:Choice xmlns:p14="http://schemas.microsoft.com/office/powerpoint/2010/main" Requires="p14">
+      <mc:AlternateContent xmlns:mc="http://schemas.openxmlformats.org/markup-compatibility/2006" xmlns:p14="http://schemas.microsoft.com/office/powerpoint/2010/main">
+        <mc:Choice Requires="p14">
           <p:contentPart p14:bwMode="auto" r:id="rId23">
             <p14:nvContentPartPr>
               <p14:cNvPr id="26" name="Ink 25">
@@ -13225,7 +13641,7 @@
             </p14:xfrm>
           </p:contentPart>
         </mc:Choice>
-        <mc:Fallback>
+        <mc:Fallback xmlns="">
           <p:pic>
             <p:nvPicPr>
               <p:cNvPr id="26" name="Ink 25">
@@ -13353,39 +13769,10 @@
       </p:grpSpPr>
       <p:pic>
         <p:nvPicPr>
-          <p:cNvPr id="27" name="Picture 26">
+          <p:cNvPr id="4" name="Picture 3">
             <a:extLst>
               <a:ext uri="{FF2B5EF4-FFF2-40B4-BE49-F238E27FC236}">
-                <a16:creationId xmlns:a16="http://schemas.microsoft.com/office/drawing/2014/main" id="{49DAE7C1-CE6C-4DBD-BD53-A198CE5ADDC8}"/>
-              </a:ext>
-            </a:extLst>
-          </p:cNvPr>
-          <p:cNvPicPr>
-            <a:picLocks noChangeAspect="1"/>
-          </p:cNvPicPr>
-          <p:nvPr/>
-        </p:nvPicPr>
-        <p:blipFill rotWithShape="1">
-          <a:blip r:embed="rId2"/>
-          <a:srcRect r="2689"/>
-          <a:stretch/>
-        </p:blipFill>
-        <p:spPr>
-          <a:xfrm>
-            <a:off x="369650" y="684731"/>
-            <a:ext cx="7752945" cy="4461199"/>
-          </a:xfrm>
-          <a:prstGeom prst="rect">
-            <a:avLst/>
-          </a:prstGeom>
-        </p:spPr>
-      </p:pic>
-      <p:pic>
-        <p:nvPicPr>
-          <p:cNvPr id="2" name="Picture 1">
-            <a:extLst>
-              <a:ext uri="{FF2B5EF4-FFF2-40B4-BE49-F238E27FC236}">
-                <a16:creationId xmlns:a16="http://schemas.microsoft.com/office/drawing/2014/main" id="{BC38E4E9-DCFA-45DE-9CCC-35388D730012}"/>
+                <a16:creationId xmlns:a16="http://schemas.microsoft.com/office/drawing/2014/main" id="{862CF9DF-F9D0-47B0-A16D-574F2D82C688}"/>
               </a:ext>
             </a:extLst>
           </p:cNvPr>
@@ -13395,15 +13782,15 @@
           <p:nvPr/>
         </p:nvPicPr>
         <p:blipFill>
-          <a:blip r:embed="rId3"/>
+          <a:blip r:embed="rId2"/>
           <a:stretch>
             <a:fillRect/>
           </a:stretch>
         </p:blipFill>
         <p:spPr>
           <a:xfrm>
-            <a:off x="6089514" y="768483"/>
-            <a:ext cx="7522509" cy="2593413"/>
+            <a:off x="924127" y="444275"/>
+            <a:ext cx="10369685" cy="5907527"/>
           </a:xfrm>
           <a:prstGeom prst="rect">
             <a:avLst/>
@@ -13440,55 +13827,40 @@
           <a:chExt cx="0" cy="0"/>
         </a:xfrm>
       </p:grpSpPr>
-      <p:sp>
-        <p:nvSpPr>
-          <p:cNvPr id="2" name="Title 1">
+      <p:pic>
+        <p:nvPicPr>
+          <p:cNvPr id="4" name="Picture 3">
             <a:extLst>
               <a:ext uri="{FF2B5EF4-FFF2-40B4-BE49-F238E27FC236}">
-                <a16:creationId xmlns:a16="http://schemas.microsoft.com/office/drawing/2014/main" id="{894B7582-0C25-46E4-9583-EFDA054C041B}"/>
+                <a16:creationId xmlns:a16="http://schemas.microsoft.com/office/drawing/2014/main" id="{BC0BA36E-AF3D-46EF-8757-2E733F20CA5B}"/>
               </a:ext>
             </a:extLst>
           </p:cNvPr>
-          <p:cNvSpPr>
-            <a:spLocks noGrp="1"/>
-          </p:cNvSpPr>
-          <p:nvPr>
-            <p:ph type="ctrTitle"/>
-          </p:nvPr>
-        </p:nvSpPr>
+          <p:cNvPicPr>
+            <a:picLocks noChangeAspect="1"/>
+          </p:cNvPicPr>
+          <p:nvPr/>
+        </p:nvPicPr>
+        <p:blipFill>
+          <a:blip r:embed="rId2"/>
+          <a:stretch>
+            <a:fillRect/>
+          </a:stretch>
+        </p:blipFill>
         <p:spPr>
           <a:xfrm>
-            <a:off x="426179" y="1962038"/>
-            <a:ext cx="11185200" cy="677108"/>
+            <a:off x="2527028" y="1177681"/>
+            <a:ext cx="7417251" cy="2091447"/>
           </a:xfrm>
+          <a:prstGeom prst="rect">
+            <a:avLst/>
+          </a:prstGeom>
         </p:spPr>
-        <p:txBody>
-          <a:bodyPr/>
-          <a:lstStyle/>
-          <a:p>
-            <a:r>
-              <a:rPr lang="en-US" dirty="0"/>
-              <a:t>Demo</a:t>
-            </a:r>
-            <a:br>
-              <a:rPr lang="en-US" dirty="0"/>
-            </a:br>
-            <a:r>
-              <a:rPr lang="en-US" dirty="0">
-                <a:solidFill>
-                  <a:schemeClr val="accent1"/>
-                </a:solidFill>
-              </a:rPr>
-              <a:t>powered by HANA Cloud.</a:t>
-            </a:r>
-            <a:endParaRPr lang="en-US" dirty="0"/>
-          </a:p>
-        </p:txBody>
-      </p:sp>
+      </p:pic>
     </p:spTree>
     <p:extLst>
       <p:ext uri="{BB962C8B-B14F-4D97-AF65-F5344CB8AC3E}">
-        <p14:creationId xmlns:p14="http://schemas.microsoft.com/office/powerpoint/2010/main" val="4028487686"/>
+        <p14:creationId xmlns:p14="http://schemas.microsoft.com/office/powerpoint/2010/main" val="496532820"/>
       </p:ext>
     </p:extLst>
   </p:cSld>
@@ -13515,10 +13887,55 @@
           <a:chExt cx="0" cy="0"/>
         </a:xfrm>
       </p:grpSpPr>
+      <p:sp>
+        <p:nvSpPr>
+          <p:cNvPr id="2" name="Title 1">
+            <a:extLst>
+              <a:ext uri="{FF2B5EF4-FFF2-40B4-BE49-F238E27FC236}">
+                <a16:creationId xmlns:a16="http://schemas.microsoft.com/office/drawing/2014/main" id="{894B7582-0C25-46E4-9583-EFDA054C041B}"/>
+              </a:ext>
+            </a:extLst>
+          </p:cNvPr>
+          <p:cNvSpPr>
+            <a:spLocks noGrp="1"/>
+          </p:cNvSpPr>
+          <p:nvPr>
+            <p:ph type="ctrTitle"/>
+          </p:nvPr>
+        </p:nvSpPr>
+        <p:spPr>
+          <a:xfrm>
+            <a:off x="426179" y="1962038"/>
+            <a:ext cx="11185200" cy="677108"/>
+          </a:xfrm>
+        </p:spPr>
+        <p:txBody>
+          <a:bodyPr/>
+          <a:lstStyle/>
+          <a:p>
+            <a:r>
+              <a:rPr lang="en-US" dirty="0"/>
+              <a:t>Demo</a:t>
+            </a:r>
+            <a:br>
+              <a:rPr lang="en-US" dirty="0"/>
+            </a:br>
+            <a:r>
+              <a:rPr lang="en-US" dirty="0">
+                <a:solidFill>
+                  <a:schemeClr val="accent1"/>
+                </a:solidFill>
+              </a:rPr>
+              <a:t>powered by HANA Cloud.</a:t>
+            </a:r>
+            <a:endParaRPr lang="en-US" dirty="0"/>
+          </a:p>
+        </p:txBody>
+      </p:sp>
     </p:spTree>
     <p:extLst>
       <p:ext uri="{BB962C8B-B14F-4D97-AF65-F5344CB8AC3E}">
-        <p14:creationId xmlns:p14="http://schemas.microsoft.com/office/powerpoint/2010/main" val="3295641251"/>
+        <p14:creationId xmlns:p14="http://schemas.microsoft.com/office/powerpoint/2010/main" val="4028487686"/>
       </p:ext>
     </p:extLst>
   </p:cSld>
@@ -13545,82 +13962,10 @@
           <a:chExt cx="0" cy="0"/>
         </a:xfrm>
       </p:grpSpPr>
-      <p:sp>
-        <p:nvSpPr>
-          <p:cNvPr id="6" name="Picture Placeholder 5"/>
-          <p:cNvSpPr>
-            <a:spLocks noGrp="1"/>
-          </p:cNvSpPr>
-          <p:nvPr>
-            <p:ph type="pic" sz="quarter" idx="10"/>
-          </p:nvPr>
-        </p:nvSpPr>
-        <p:spPr/>
-      </p:sp>
-      <p:sp>
-        <p:nvSpPr>
-          <p:cNvPr id="4" name="Text Placeholder 3"/>
-          <p:cNvSpPr>
-            <a:spLocks noGrp="1"/>
-          </p:cNvSpPr>
-          <p:nvPr>
-            <p:ph type="body" sz="quarter" idx="11"/>
-          </p:nvPr>
-        </p:nvSpPr>
-        <p:spPr/>
-        <p:txBody>
-          <a:bodyPr/>
-          <a:lstStyle/>
-          <a:p>
-            <a:pPr lvl="0"/>
-            <a:r>
-              <a:rPr lang="en-US"/>
-              <a:t>First level</a:t>
-            </a:r>
-          </a:p>
-          <a:p>
-            <a:pPr lvl="1"/>
-            <a:r>
-              <a:rPr lang="en-US"/>
-              <a:t>Second level</a:t>
-            </a:r>
-          </a:p>
-          <a:p>
-            <a:pPr lvl="2"/>
-            <a:r>
-              <a:rPr lang="en-US"/>
-              <a:t>Third level</a:t>
-            </a:r>
-            <a:endParaRPr lang="en-US" dirty="0"/>
-          </a:p>
-        </p:txBody>
-      </p:sp>
-      <p:sp>
-        <p:nvSpPr>
-          <p:cNvPr id="2" name="Title 1"/>
-          <p:cNvSpPr>
-            <a:spLocks noGrp="1"/>
-          </p:cNvSpPr>
-          <p:nvPr>
-            <p:ph type="title"/>
-          </p:nvPr>
-        </p:nvSpPr>
-        <p:spPr/>
-        <p:txBody>
-          <a:bodyPr/>
-          <a:lstStyle/>
-          <a:p>
-            <a:r>
-              <a:rPr lang="en-US" dirty="0"/>
-              <a:t>Insert page title (sentence case)</a:t>
-            </a:r>
-          </a:p>
-        </p:txBody>
-      </p:sp>
     </p:spTree>
     <p:extLst>
       <p:ext uri="{BB962C8B-B14F-4D97-AF65-F5344CB8AC3E}">
-        <p14:creationId xmlns:p14="http://schemas.microsoft.com/office/powerpoint/2010/main" val="2468716513"/>
+        <p14:creationId xmlns:p14="http://schemas.microsoft.com/office/powerpoint/2010/main" val="3161425"/>
       </p:ext>
     </p:extLst>
   </p:cSld>
@@ -13657,7 +14002,12 @@
             <p:ph type="body" sz="quarter" idx="10"/>
           </p:nvPr>
         </p:nvSpPr>
-        <p:spPr/>
+        <p:spPr>
+          <a:xfrm>
+            <a:off x="504000" y="1620000"/>
+            <a:ext cx="11185200" cy="4230000"/>
+          </a:xfrm>
+        </p:spPr>
         <p:txBody>
           <a:bodyPr/>
           <a:lstStyle/>
@@ -13678,6 +14028,19 @@
           <a:p>
             <a:r>
               <a:rPr lang="en-US" sz="2400" b="1" dirty="0"/>
+              <a:t>Walkthrough</a:t>
+            </a:r>
+          </a:p>
+          <a:p>
+            <a:pPr lvl="1"/>
+            <a:r>
+              <a:rPr lang="en-US" dirty="0"/>
+              <a:t>Demonstration</a:t>
+            </a:r>
+          </a:p>
+          <a:p>
+            <a:r>
+              <a:rPr lang="en-US" sz="2400" b="1" dirty="0"/>
               <a:t>Benefits &amp; Comparison</a:t>
             </a:r>
           </a:p>
@@ -13686,19 +14049,6 @@
             <a:r>
               <a:rPr lang="en-US" dirty="0"/>
               <a:t>Why use this app?</a:t>
-            </a:r>
-          </a:p>
-          <a:p>
-            <a:r>
-              <a:rPr lang="en-US" sz="2400" b="1" dirty="0"/>
-              <a:t>Walkthrough</a:t>
-            </a:r>
-          </a:p>
-          <a:p>
-            <a:pPr lvl="1"/>
-            <a:r>
-              <a:rPr lang="en-US" dirty="0"/>
-              <a:t>Demonstration</a:t>
             </a:r>
           </a:p>
           <a:p>
@@ -13759,24 +14109,12 @@
       </p:grpSpPr>
       <p:sp>
         <p:nvSpPr>
-          <p:cNvPr id="6" name="Picture Placeholder 5"/>
+          <p:cNvPr id="3" name="Title 2"/>
           <p:cNvSpPr>
             <a:spLocks noGrp="1"/>
           </p:cNvSpPr>
           <p:nvPr>
-            <p:ph type="pic" sz="quarter" idx="10"/>
-          </p:nvPr>
-        </p:nvSpPr>
-        <p:spPr/>
-      </p:sp>
-      <p:sp>
-        <p:nvSpPr>
-          <p:cNvPr id="4" name="Text Placeholder 3"/>
-          <p:cNvSpPr>
-            <a:spLocks noGrp="1"/>
-          </p:cNvSpPr>
-          <p:nvPr>
-            <p:ph type="body" sz="quarter" idx="11"/>
+            <p:ph type="ctrTitle"/>
           </p:nvPr>
         </p:nvSpPr>
         <p:spPr/>
@@ -13784,55 +14122,45 @@
           <a:bodyPr/>
           <a:lstStyle/>
           <a:p>
-            <a:pPr lvl="0"/>
-            <a:r>
-              <a:rPr lang="en-US"/>
-              <a:t>First level</a:t>
-            </a:r>
-          </a:p>
-          <a:p>
-            <a:pPr lvl="1"/>
-            <a:r>
-              <a:rPr lang="en-US"/>
-              <a:t>Second level</a:t>
-            </a:r>
-          </a:p>
-          <a:p>
-            <a:pPr lvl="2"/>
-            <a:r>
-              <a:rPr lang="en-US"/>
-              <a:t>Third level</a:t>
+            <a:r>
+              <a:rPr lang="en-US" dirty="0"/>
+              <a:t>Benefits &amp; </a:t>
+            </a:r>
+            <a:r>
+              <a:rPr lang="en-US" dirty="0">
+                <a:solidFill>
+                  <a:schemeClr val="accent1"/>
+                </a:solidFill>
+              </a:rPr>
+              <a:t>Evolution</a:t>
             </a:r>
             <a:endParaRPr lang="en-US" dirty="0"/>
           </a:p>
         </p:txBody>
       </p:sp>
-      <p:sp>
-        <p:nvSpPr>
-          <p:cNvPr id="2" name="Title 1"/>
-          <p:cNvSpPr>
-            <a:spLocks noGrp="1"/>
-          </p:cNvSpPr>
+      <p:pic>
+        <p:nvPicPr>
+          <p:cNvPr id="4" name="Picture Placeholder 3"/>
+          <p:cNvPicPr>
+            <a:picLocks noGrp="1" noChangeAspect="1"/>
+          </p:cNvPicPr>
           <p:nvPr>
-            <p:ph type="title"/>
+            <p:ph type="pic" sz="quarter" idx="12"/>
           </p:nvPr>
-        </p:nvSpPr>
+        </p:nvPicPr>
+        <p:blipFill>
+          <a:blip r:embed="rId3"/>
+          <a:srcRect t="3112" b="3112"/>
+          <a:stretch>
+            <a:fillRect/>
+          </a:stretch>
+        </p:blipFill>
         <p:spPr/>
-        <p:txBody>
-          <a:bodyPr/>
-          <a:lstStyle/>
-          <a:p>
-            <a:r>
-              <a:rPr lang="en-US" dirty="0"/>
-              <a:t>Insert page title (sentence case)</a:t>
-            </a:r>
-          </a:p>
-        </p:txBody>
-      </p:sp>
+      </p:pic>
     </p:spTree>
     <p:extLst>
       <p:ext uri="{BB962C8B-B14F-4D97-AF65-F5344CB8AC3E}">
-        <p14:creationId xmlns:p14="http://schemas.microsoft.com/office/powerpoint/2010/main" val="4154867534"/>
+        <p14:creationId xmlns:p14="http://schemas.microsoft.com/office/powerpoint/2010/main" val="1515423877"/>
       </p:ext>
     </p:extLst>
   </p:cSld>
@@ -13861,20 +14189,272 @@
       </p:grpSpPr>
       <p:sp>
         <p:nvSpPr>
-          <p:cNvPr id="9" name="Picture Placeholder 8"/>
-          <p:cNvSpPr>
-            <a:spLocks noGrp="1"/>
-          </p:cNvSpPr>
-          <p:nvPr>
-            <p:ph type="pic" sz="quarter" idx="10"/>
-          </p:nvPr>
-        </p:nvSpPr>
-        <p:spPr/>
+          <p:cNvPr id="3" name="TextBox 2">
+            <a:extLst>
+              <a:ext uri="{FF2B5EF4-FFF2-40B4-BE49-F238E27FC236}">
+                <a16:creationId xmlns:a16="http://schemas.microsoft.com/office/drawing/2014/main" id="{7B9C3D4A-DE76-47AE-8BA2-2353601AAA66}"/>
+              </a:ext>
+            </a:extLst>
+          </p:cNvPr>
+          <p:cNvSpPr txBox="1"/>
+          <p:nvPr/>
+        </p:nvSpPr>
+        <p:spPr>
+          <a:xfrm>
+            <a:off x="1731524" y="1692613"/>
+            <a:ext cx="8380499" cy="4016484"/>
+          </a:xfrm>
+          <a:prstGeom prst="rect">
+            <a:avLst/>
+          </a:prstGeom>
+          <a:noFill/>
+        </p:spPr>
+        <p:txBody>
+          <a:bodyPr wrap="none" lIns="0" tIns="0" rIns="0" bIns="0" rtlCol="0">
+            <a:spAutoFit/>
+          </a:bodyPr>
+          <a:lstStyle/>
+          <a:p>
+            <a:pPr marL="285750" indent="-285750" fontAlgn="base">
+              <a:spcBef>
+                <a:spcPct val="50000"/>
+              </a:spcBef>
+              <a:spcAft>
+                <a:spcPct val="0"/>
+              </a:spcAft>
+              <a:buClr>
+                <a:srgbClr val="F0AB00"/>
+              </a:buClr>
+              <a:buSzPct val="80000"/>
+              <a:buFont typeface="Arial" panose="020B0604020202020204" pitchFamily="34" charset="0"/>
+              <a:buChar char="•"/>
+            </a:pPr>
+            <a:r>
+              <a:rPr lang="en-US" sz="1800" kern="0" dirty="0">
+                <a:ea typeface="Arial Unicode MS" pitchFamily="34" charset="-128"/>
+                <a:cs typeface="Arial Unicode MS" pitchFamily="34" charset="-128"/>
+              </a:rPr>
+              <a:t>HANA Cloud Platform &amp; Cloud Computing – fast, clean, stable</a:t>
+            </a:r>
+          </a:p>
+          <a:p>
+            <a:pPr marL="285750" indent="-285750" fontAlgn="base">
+              <a:spcBef>
+                <a:spcPct val="50000"/>
+              </a:spcBef>
+              <a:spcAft>
+                <a:spcPct val="0"/>
+              </a:spcAft>
+              <a:buClr>
+                <a:srgbClr val="F0AB00"/>
+              </a:buClr>
+              <a:buSzPct val="80000"/>
+              <a:buFont typeface="Arial" panose="020B0604020202020204" pitchFamily="34" charset="0"/>
+              <a:buChar char="•"/>
+            </a:pPr>
+            <a:r>
+              <a:rPr lang="en-US" sz="1800" kern="0" dirty="0">
+                <a:ea typeface="Arial Unicode MS" pitchFamily="34" charset="-128"/>
+                <a:cs typeface="Arial Unicode MS" pitchFamily="34" charset="-128"/>
+              </a:rPr>
+              <a:t>Smart Sort – program recommend for the next dispatch</a:t>
+            </a:r>
+          </a:p>
+          <a:p>
+            <a:pPr marL="285750" indent="-285750" fontAlgn="base">
+              <a:spcBef>
+                <a:spcPct val="50000"/>
+              </a:spcBef>
+              <a:spcAft>
+                <a:spcPct val="0"/>
+              </a:spcAft>
+              <a:buClr>
+                <a:srgbClr val="F0AB00"/>
+              </a:buClr>
+              <a:buSzPct val="80000"/>
+              <a:buFont typeface="Arial" panose="020B0604020202020204" pitchFamily="34" charset="0"/>
+              <a:buChar char="•"/>
+            </a:pPr>
+            <a:r>
+              <a:rPr lang="en-US" sz="1800" kern="0" dirty="0">
+                <a:ea typeface="Arial Unicode MS" pitchFamily="34" charset="-128"/>
+                <a:cs typeface="Arial Unicode MS" pitchFamily="34" charset="-128"/>
+              </a:rPr>
+              <a:t>Increase/decrease bottom – easy to coordinate your operation</a:t>
+            </a:r>
+          </a:p>
+          <a:p>
+            <a:pPr marL="285750" indent="-285750" fontAlgn="base">
+              <a:spcBef>
+                <a:spcPct val="50000"/>
+              </a:spcBef>
+              <a:spcAft>
+                <a:spcPct val="0"/>
+              </a:spcAft>
+              <a:buClr>
+                <a:srgbClr val="F0AB00"/>
+              </a:buClr>
+              <a:buSzPct val="80000"/>
+              <a:buFont typeface="Arial" panose="020B0604020202020204" pitchFamily="34" charset="0"/>
+              <a:buChar char="•"/>
+            </a:pPr>
+            <a:r>
+              <a:rPr lang="en-US" sz="1800" kern="0" dirty="0">
+                <a:ea typeface="Arial Unicode MS" pitchFamily="34" charset="-128"/>
+                <a:cs typeface="Arial Unicode MS" pitchFamily="34" charset="-128"/>
+              </a:rPr>
+              <a:t>Vacation/Absent/Training =&gt; Unavailable </a:t>
+            </a:r>
+            <a:r>
+              <a:rPr lang="en-US" sz="1800" kern="0" dirty="0">
+                <a:ea typeface="Arial Unicode MS" pitchFamily="34" charset="-128"/>
+                <a:cs typeface="Arial Unicode MS" pitchFamily="34" charset="-128"/>
+                <a:sym typeface="Wingdings" panose="05000000000000000000" pitchFamily="2" charset="2"/>
+              </a:rPr>
+              <a:t> </a:t>
+            </a:r>
+          </a:p>
+          <a:p>
+            <a:pPr marL="830138" lvl="1" indent="-285750" fontAlgn="base">
+              <a:spcBef>
+                <a:spcPct val="50000"/>
+              </a:spcBef>
+              <a:spcAft>
+                <a:spcPct val="0"/>
+              </a:spcAft>
+              <a:buClr>
+                <a:srgbClr val="F0AB00"/>
+              </a:buClr>
+              <a:buSzPct val="80000"/>
+              <a:buFont typeface="Arial" panose="020B0604020202020204" pitchFamily="34" charset="0"/>
+              <a:buChar char="•"/>
+            </a:pPr>
+            <a:r>
+              <a:rPr lang="en-US" sz="1800" kern="0" dirty="0">
+                <a:ea typeface="Arial Unicode MS" pitchFamily="34" charset="-128"/>
+                <a:cs typeface="Arial Unicode MS" pitchFamily="34" charset="-128"/>
+              </a:rPr>
+              <a:t>–  or cancel any time</a:t>
+            </a:r>
+          </a:p>
+          <a:p>
+            <a:pPr marL="285750" indent="-285750" fontAlgn="base">
+              <a:spcBef>
+                <a:spcPct val="50000"/>
+              </a:spcBef>
+              <a:spcAft>
+                <a:spcPct val="0"/>
+              </a:spcAft>
+              <a:buClr>
+                <a:srgbClr val="F0AB00"/>
+              </a:buClr>
+              <a:buSzPct val="80000"/>
+              <a:buFont typeface="Arial" panose="020B0604020202020204" pitchFamily="34" charset="0"/>
+              <a:buChar char="•"/>
+            </a:pPr>
+            <a:r>
+              <a:rPr lang="en-US" sz="1800" kern="0" dirty="0">
+                <a:ea typeface="Arial Unicode MS" pitchFamily="34" charset="-128"/>
+                <a:cs typeface="Arial Unicode MS" pitchFamily="34" charset="-128"/>
+              </a:rPr>
+              <a:t>Reset supported</a:t>
+            </a:r>
+          </a:p>
+          <a:p>
+            <a:pPr marL="285750" indent="-285750" fontAlgn="base">
+              <a:spcBef>
+                <a:spcPct val="50000"/>
+              </a:spcBef>
+              <a:spcAft>
+                <a:spcPct val="0"/>
+              </a:spcAft>
+              <a:buClr>
+                <a:srgbClr val="F0AB00"/>
+              </a:buClr>
+              <a:buSzPct val="80000"/>
+              <a:buFont typeface="Arial" panose="020B0604020202020204" pitchFamily="34" charset="0"/>
+              <a:buChar char="•"/>
+            </a:pPr>
+            <a:r>
+              <a:rPr lang="en-US" sz="1800" kern="0" dirty="0">
+                <a:ea typeface="Arial Unicode MS" pitchFamily="34" charset="-128"/>
+                <a:cs typeface="Arial Unicode MS" pitchFamily="34" charset="-128"/>
+              </a:rPr>
+              <a:t>Score system – know where you are</a:t>
+            </a:r>
+          </a:p>
+          <a:p>
+            <a:pPr marL="285750" indent="-285750" fontAlgn="base">
+              <a:spcBef>
+                <a:spcPct val="50000"/>
+              </a:spcBef>
+              <a:spcAft>
+                <a:spcPct val="0"/>
+              </a:spcAft>
+              <a:buClr>
+                <a:srgbClr val="F0AB00"/>
+              </a:buClr>
+              <a:buSzPct val="80000"/>
+              <a:buFont typeface="Arial" panose="020B0604020202020204" pitchFamily="34" charset="0"/>
+              <a:buChar char="•"/>
+            </a:pPr>
+            <a:r>
+              <a:rPr lang="en-US" sz="1800" kern="0" dirty="0">
+                <a:ea typeface="Arial Unicode MS" pitchFamily="34" charset="-128"/>
+                <a:cs typeface="Arial Unicode MS" pitchFamily="34" charset="-128"/>
+              </a:rPr>
+              <a:t>Multi-component supported – designed for our team</a:t>
+            </a:r>
+          </a:p>
+          <a:p>
+            <a:pPr marL="285750" indent="-285750" fontAlgn="base">
+              <a:spcBef>
+                <a:spcPct val="50000"/>
+              </a:spcBef>
+              <a:spcAft>
+                <a:spcPct val="0"/>
+              </a:spcAft>
+              <a:buClr>
+                <a:srgbClr val="F0AB00"/>
+              </a:buClr>
+              <a:buSzPct val="80000"/>
+              <a:buFont typeface="Arial" panose="020B0604020202020204" pitchFamily="34" charset="0"/>
+              <a:buChar char="•"/>
+            </a:pPr>
+            <a:r>
+              <a:rPr lang="en-US" sz="1800" kern="0" dirty="0">
+                <a:ea typeface="Arial Unicode MS" pitchFamily="34" charset="-128"/>
+                <a:cs typeface="Arial Unicode MS" pitchFamily="34" charset="-128"/>
+              </a:rPr>
+              <a:t>Multi-operating system / multi-browser support – access anytime and anywhere</a:t>
+            </a:r>
+          </a:p>
+          <a:p>
+            <a:pPr marL="285750" indent="-285750" fontAlgn="base">
+              <a:spcBef>
+                <a:spcPct val="50000"/>
+              </a:spcBef>
+              <a:spcAft>
+                <a:spcPct val="0"/>
+              </a:spcAft>
+              <a:buClr>
+                <a:srgbClr val="F0AB00"/>
+              </a:buClr>
+              <a:buSzPct val="80000"/>
+              <a:buFont typeface="Arial" panose="020B0604020202020204" pitchFamily="34" charset="0"/>
+              <a:buChar char="•"/>
+            </a:pPr>
+            <a:endParaRPr lang="en-US" sz="1800" kern="0" dirty="0">
+              <a:ea typeface="Arial Unicode MS" pitchFamily="34" charset="-128"/>
+              <a:cs typeface="Arial Unicode MS" pitchFamily="34" charset="-128"/>
+            </a:endParaRPr>
+          </a:p>
+        </p:txBody>
       </p:sp>
     </p:spTree>
     <p:extLst>
       <p:ext uri="{BB962C8B-B14F-4D97-AF65-F5344CB8AC3E}">
-        <p14:creationId xmlns:p14="http://schemas.microsoft.com/office/powerpoint/2010/main" val="3324205101"/>
+        <p14:creationId xmlns:p14="http://schemas.microsoft.com/office/powerpoint/2010/main" val="3295641251"/>
       </p:ext>
     </p:extLst>
   </p:cSld>
@@ -13903,20 +14483,53 @@
       </p:grpSpPr>
       <p:sp>
         <p:nvSpPr>
-          <p:cNvPr id="2" name="Picture Placeholder 1"/>
+          <p:cNvPr id="2" name="Title 1">
+            <a:extLst>
+              <a:ext uri="{FF2B5EF4-FFF2-40B4-BE49-F238E27FC236}">
+                <a16:creationId xmlns:a16="http://schemas.microsoft.com/office/drawing/2014/main" id="{894B7582-0C25-46E4-9583-EFDA054C041B}"/>
+              </a:ext>
+            </a:extLst>
+          </p:cNvPr>
           <p:cNvSpPr>
             <a:spLocks noGrp="1"/>
           </p:cNvSpPr>
           <p:nvPr>
-            <p:ph type="pic" sz="quarter" idx="10"/>
+            <p:ph type="ctrTitle"/>
           </p:nvPr>
         </p:nvSpPr>
-        <p:spPr/>
+        <p:spPr>
+          <a:xfrm>
+            <a:off x="426179" y="1962038"/>
+            <a:ext cx="11185200" cy="677108"/>
+          </a:xfrm>
+        </p:spPr>
+        <p:txBody>
+          <a:bodyPr/>
+          <a:lstStyle/>
+          <a:p>
+            <a:r>
+              <a:rPr lang="en-US" dirty="0"/>
+              <a:t>Q &amp; A</a:t>
+            </a:r>
+            <a:br>
+              <a:rPr lang="en-US" dirty="0"/>
+            </a:br>
+            <a:r>
+              <a:rPr lang="en-US" dirty="0">
+                <a:solidFill>
+                  <a:schemeClr val="accent1"/>
+                </a:solidFill>
+              </a:rPr>
+              <a:t>Suggestions?</a:t>
+            </a:r>
+            <a:endParaRPr lang="en-US" dirty="0"/>
+          </a:p>
+        </p:txBody>
       </p:sp>
     </p:spTree>
     <p:extLst>
       <p:ext uri="{BB962C8B-B14F-4D97-AF65-F5344CB8AC3E}">
-        <p14:creationId xmlns:p14="http://schemas.microsoft.com/office/powerpoint/2010/main" val="1840057824"/>
+        <p14:creationId xmlns:p14="http://schemas.microsoft.com/office/powerpoint/2010/main" val="3299076496"/>
       </p:ext>
     </p:extLst>
   </p:cSld>
@@ -13945,840 +14558,6 @@
       </p:grpSpPr>
       <p:sp>
         <p:nvSpPr>
-          <p:cNvPr id="8" name="Text Placeholder 7"/>
-          <p:cNvSpPr>
-            <a:spLocks noGrp="1"/>
-          </p:cNvSpPr>
-          <p:nvPr>
-            <p:ph type="body" sz="quarter" idx="10"/>
-          </p:nvPr>
-        </p:nvSpPr>
-        <p:spPr/>
-        <p:txBody>
-          <a:bodyPr/>
-          <a:lstStyle/>
-          <a:p>
-            <a:pPr lvl="0"/>
-            <a:r>
-              <a:rPr lang="en-US"/>
-              <a:t>First level</a:t>
-            </a:r>
-          </a:p>
-          <a:p>
-            <a:pPr lvl="1"/>
-            <a:r>
-              <a:rPr lang="en-US"/>
-              <a:t>Second level</a:t>
-            </a:r>
-          </a:p>
-          <a:p>
-            <a:pPr lvl="2"/>
-            <a:r>
-              <a:rPr lang="en-US"/>
-              <a:t>Third level</a:t>
-            </a:r>
-            <a:endParaRPr lang="en-US" dirty="0"/>
-          </a:p>
-        </p:txBody>
-      </p:sp>
-      <p:sp>
-        <p:nvSpPr>
-          <p:cNvPr id="9" name="Text Placeholder 8"/>
-          <p:cNvSpPr>
-            <a:spLocks noGrp="1"/>
-          </p:cNvSpPr>
-          <p:nvPr>
-            <p:ph type="body" sz="quarter" idx="11"/>
-          </p:nvPr>
-        </p:nvSpPr>
-        <p:spPr/>
-        <p:txBody>
-          <a:bodyPr/>
-          <a:lstStyle/>
-          <a:p>
-            <a:pPr lvl="0"/>
-            <a:r>
-              <a:rPr lang="en-US"/>
-              <a:t>First level</a:t>
-            </a:r>
-          </a:p>
-          <a:p>
-            <a:pPr lvl="1"/>
-            <a:r>
-              <a:rPr lang="en-US"/>
-              <a:t>Second level</a:t>
-            </a:r>
-          </a:p>
-          <a:p>
-            <a:pPr lvl="2"/>
-            <a:r>
-              <a:rPr lang="en-US"/>
-              <a:t>Third level</a:t>
-            </a:r>
-            <a:endParaRPr lang="en-US" dirty="0"/>
-          </a:p>
-        </p:txBody>
-      </p:sp>
-      <p:sp>
-        <p:nvSpPr>
-          <p:cNvPr id="7" name="Title 6"/>
-          <p:cNvSpPr>
-            <a:spLocks noGrp="1"/>
-          </p:cNvSpPr>
-          <p:nvPr>
-            <p:ph type="title"/>
-          </p:nvPr>
-        </p:nvSpPr>
-        <p:spPr/>
-        <p:txBody>
-          <a:bodyPr/>
-          <a:lstStyle/>
-          <a:p>
-            <a:r>
-              <a:rPr lang="en-US"/>
-              <a:t>Insert page title (sentence case)</a:t>
-            </a:r>
-            <a:endParaRPr lang="en-US" dirty="0"/>
-          </a:p>
-        </p:txBody>
-      </p:sp>
-    </p:spTree>
-    <p:extLst>
-      <p:ext uri="{BB962C8B-B14F-4D97-AF65-F5344CB8AC3E}">
-        <p14:creationId xmlns:p14="http://schemas.microsoft.com/office/powerpoint/2010/main" val="854015491"/>
-      </p:ext>
-    </p:extLst>
-  </p:cSld>
-  <p:clrMapOvr>
-    <a:masterClrMapping/>
-  </p:clrMapOvr>
-</p:sld>
-</file>
-
-<file path=ppt/slides/slide24.xml><?xml version="1.0" encoding="utf-8"?>
-<p:sld xmlns:a="http://schemas.openxmlformats.org/drawingml/2006/main" xmlns:r="http://schemas.openxmlformats.org/officeDocument/2006/relationships" xmlns:p="http://schemas.openxmlformats.org/presentationml/2006/main">
-  <p:cSld>
-    <p:spTree>
-      <p:nvGrpSpPr>
-        <p:cNvPr id="1" name=""/>
-        <p:cNvGrpSpPr/>
-        <p:nvPr/>
-      </p:nvGrpSpPr>
-      <p:grpSpPr>
-        <a:xfrm>
-          <a:off x="0" y="0"/>
-          <a:ext cx="0" cy="0"/>
-          <a:chOff x="0" y="0"/>
-          <a:chExt cx="0" cy="0"/>
-        </a:xfrm>
-      </p:grpSpPr>
-      <p:sp>
-        <p:nvSpPr>
-          <p:cNvPr id="5" name="Text Placeholder 4"/>
-          <p:cNvSpPr>
-            <a:spLocks noGrp="1"/>
-          </p:cNvSpPr>
-          <p:nvPr>
-            <p:ph type="body" sz="quarter" idx="13"/>
-          </p:nvPr>
-        </p:nvSpPr>
-        <p:spPr/>
-        <p:txBody>
-          <a:bodyPr/>
-          <a:lstStyle/>
-          <a:p>
-            <a:pPr lvl="0"/>
-            <a:r>
-              <a:rPr lang="en-US"/>
-              <a:t>First level</a:t>
-            </a:r>
-          </a:p>
-          <a:p>
-            <a:pPr lvl="1"/>
-            <a:r>
-              <a:rPr lang="en-US"/>
-              <a:t>Second level</a:t>
-            </a:r>
-          </a:p>
-          <a:p>
-            <a:pPr lvl="2"/>
-            <a:r>
-              <a:rPr lang="en-US"/>
-              <a:t>Third level</a:t>
-            </a:r>
-            <a:endParaRPr lang="en-US" dirty="0"/>
-          </a:p>
-        </p:txBody>
-      </p:sp>
-      <p:sp>
-        <p:nvSpPr>
-          <p:cNvPr id="4" name="Text Placeholder 3"/>
-          <p:cNvSpPr>
-            <a:spLocks noGrp="1"/>
-          </p:cNvSpPr>
-          <p:nvPr>
-            <p:ph type="body" sz="quarter" idx="12"/>
-          </p:nvPr>
-        </p:nvSpPr>
-        <p:spPr/>
-        <p:txBody>
-          <a:bodyPr/>
-          <a:lstStyle/>
-          <a:p>
-            <a:pPr lvl="0"/>
-            <a:r>
-              <a:rPr lang="en-US"/>
-              <a:t>First level</a:t>
-            </a:r>
-          </a:p>
-          <a:p>
-            <a:pPr lvl="1"/>
-            <a:r>
-              <a:rPr lang="en-US"/>
-              <a:t>Second level</a:t>
-            </a:r>
-          </a:p>
-          <a:p>
-            <a:pPr lvl="2"/>
-            <a:r>
-              <a:rPr lang="en-US"/>
-              <a:t>Third level</a:t>
-            </a:r>
-            <a:endParaRPr lang="en-US" dirty="0"/>
-          </a:p>
-        </p:txBody>
-      </p:sp>
-      <p:sp>
-        <p:nvSpPr>
-          <p:cNvPr id="3" name="Text Placeholder 2"/>
-          <p:cNvSpPr>
-            <a:spLocks noGrp="1"/>
-          </p:cNvSpPr>
-          <p:nvPr>
-            <p:ph type="body" sz="quarter" idx="10"/>
-          </p:nvPr>
-        </p:nvSpPr>
-        <p:spPr/>
-        <p:txBody>
-          <a:bodyPr/>
-          <a:lstStyle/>
-          <a:p>
-            <a:pPr lvl="0"/>
-            <a:r>
-              <a:rPr lang="en-US"/>
-              <a:t>First level</a:t>
-            </a:r>
-          </a:p>
-          <a:p>
-            <a:pPr lvl="1"/>
-            <a:r>
-              <a:rPr lang="en-US"/>
-              <a:t>Second level</a:t>
-            </a:r>
-          </a:p>
-          <a:p>
-            <a:pPr lvl="2"/>
-            <a:r>
-              <a:rPr lang="en-US"/>
-              <a:t>Third level</a:t>
-            </a:r>
-            <a:endParaRPr lang="en-US" dirty="0"/>
-          </a:p>
-        </p:txBody>
-      </p:sp>
-      <p:sp>
-        <p:nvSpPr>
-          <p:cNvPr id="2" name="Title 1"/>
-          <p:cNvSpPr>
-            <a:spLocks noGrp="1"/>
-          </p:cNvSpPr>
-          <p:nvPr>
-            <p:ph type="title"/>
-          </p:nvPr>
-        </p:nvSpPr>
-        <p:spPr/>
-        <p:txBody>
-          <a:bodyPr/>
-          <a:lstStyle/>
-          <a:p>
-            <a:r>
-              <a:rPr lang="en-US"/>
-              <a:t>Insert page title (sentence case)</a:t>
-            </a:r>
-            <a:endParaRPr lang="en-US" dirty="0"/>
-          </a:p>
-        </p:txBody>
-      </p:sp>
-    </p:spTree>
-    <p:extLst>
-      <p:ext uri="{BB962C8B-B14F-4D97-AF65-F5344CB8AC3E}">
-        <p14:creationId xmlns:p14="http://schemas.microsoft.com/office/powerpoint/2010/main" val="94846162"/>
-      </p:ext>
-    </p:extLst>
-  </p:cSld>
-  <p:clrMapOvr>
-    <a:masterClrMapping/>
-  </p:clrMapOvr>
-</p:sld>
-</file>
-
-<file path=ppt/slides/slide25.xml><?xml version="1.0" encoding="utf-8"?>
-<p:sld xmlns:a="http://schemas.openxmlformats.org/drawingml/2006/main" xmlns:r="http://schemas.openxmlformats.org/officeDocument/2006/relationships" xmlns:p="http://schemas.openxmlformats.org/presentationml/2006/main">
-  <p:cSld>
-    <p:spTree>
-      <p:nvGrpSpPr>
-        <p:cNvPr id="1" name=""/>
-        <p:cNvGrpSpPr/>
-        <p:nvPr/>
-      </p:nvGrpSpPr>
-      <p:grpSpPr>
-        <a:xfrm>
-          <a:off x="0" y="0"/>
-          <a:ext cx="0" cy="0"/>
-          <a:chOff x="0" y="0"/>
-          <a:chExt cx="0" cy="0"/>
-        </a:xfrm>
-      </p:grpSpPr>
-      <p:sp>
-        <p:nvSpPr>
-          <p:cNvPr id="8" name="Title 7"/>
-          <p:cNvSpPr>
-            <a:spLocks noGrp="1"/>
-          </p:cNvSpPr>
-          <p:nvPr>
-            <p:ph type="title"/>
-          </p:nvPr>
-        </p:nvSpPr>
-        <p:spPr/>
-        <p:txBody>
-          <a:bodyPr/>
-          <a:lstStyle/>
-          <a:p>
-            <a:r>
-              <a:rPr lang="en-US"/>
-              <a:t>Insert page title (sentence case)</a:t>
-            </a:r>
-            <a:endParaRPr lang="en-US" dirty="0"/>
-          </a:p>
-        </p:txBody>
-      </p:sp>
-      <p:sp>
-        <p:nvSpPr>
-          <p:cNvPr id="3" name="Text Placeholder 2"/>
-          <p:cNvSpPr>
-            <a:spLocks noGrp="1"/>
-          </p:cNvSpPr>
-          <p:nvPr>
-            <p:ph type="body" sz="quarter" idx="10"/>
-          </p:nvPr>
-        </p:nvSpPr>
-        <p:spPr/>
-        <p:txBody>
-          <a:bodyPr/>
-          <a:lstStyle/>
-          <a:p>
-            <a:pPr lvl="0"/>
-            <a:r>
-              <a:rPr lang="en-US" dirty="0"/>
-              <a:t>First level</a:t>
-            </a:r>
-          </a:p>
-          <a:p>
-            <a:pPr lvl="1"/>
-            <a:r>
-              <a:rPr lang="en-US" dirty="0"/>
-              <a:t>Second level</a:t>
-            </a:r>
-          </a:p>
-        </p:txBody>
-      </p:sp>
-      <p:sp>
-        <p:nvSpPr>
-          <p:cNvPr id="15" name="Picture Placeholder 14"/>
-          <p:cNvSpPr>
-            <a:spLocks noGrp="1"/>
-          </p:cNvSpPr>
-          <p:nvPr>
-            <p:ph type="pic" sz="quarter" idx="12"/>
-          </p:nvPr>
-        </p:nvSpPr>
-        <p:spPr/>
-      </p:sp>
-      <p:sp>
-        <p:nvSpPr>
-          <p:cNvPr id="10" name="Text Placeholder 9"/>
-          <p:cNvSpPr>
-            <a:spLocks noGrp="1"/>
-          </p:cNvSpPr>
-          <p:nvPr>
-            <p:ph type="body" sz="quarter" idx="13"/>
-          </p:nvPr>
-        </p:nvSpPr>
-        <p:spPr/>
-        <p:txBody>
-          <a:bodyPr/>
-          <a:lstStyle/>
-          <a:p>
-            <a:pPr lvl="0"/>
-            <a:r>
-              <a:rPr lang="en-US" dirty="0"/>
-              <a:t>First level</a:t>
-            </a:r>
-          </a:p>
-          <a:p>
-            <a:pPr lvl="1"/>
-            <a:r>
-              <a:rPr lang="en-US" dirty="0"/>
-              <a:t>Second level</a:t>
-            </a:r>
-          </a:p>
-        </p:txBody>
-      </p:sp>
-      <p:sp>
-        <p:nvSpPr>
-          <p:cNvPr id="16" name="Picture Placeholder 15"/>
-          <p:cNvSpPr>
-            <a:spLocks noGrp="1"/>
-          </p:cNvSpPr>
-          <p:nvPr>
-            <p:ph type="pic" sz="quarter" idx="14"/>
-          </p:nvPr>
-        </p:nvSpPr>
-        <p:spPr/>
-      </p:sp>
-    </p:spTree>
-    <p:extLst>
-      <p:ext uri="{BB962C8B-B14F-4D97-AF65-F5344CB8AC3E}">
-        <p14:creationId xmlns:p14="http://schemas.microsoft.com/office/powerpoint/2010/main" val="1504049518"/>
-      </p:ext>
-    </p:extLst>
-  </p:cSld>
-  <p:clrMapOvr>
-    <a:masterClrMapping/>
-  </p:clrMapOvr>
-</p:sld>
-</file>
-
-<file path=ppt/slides/slide26.xml><?xml version="1.0" encoding="utf-8"?>
-<p:sld xmlns:a="http://schemas.openxmlformats.org/drawingml/2006/main" xmlns:r="http://schemas.openxmlformats.org/officeDocument/2006/relationships" xmlns:p="http://schemas.openxmlformats.org/presentationml/2006/main">
-  <p:cSld>
-    <p:spTree>
-      <p:nvGrpSpPr>
-        <p:cNvPr id="1" name=""/>
-        <p:cNvGrpSpPr/>
-        <p:nvPr/>
-      </p:nvGrpSpPr>
-      <p:grpSpPr>
-        <a:xfrm>
-          <a:off x="0" y="0"/>
-          <a:ext cx="0" cy="0"/>
-          <a:chOff x="0" y="0"/>
-          <a:chExt cx="0" cy="0"/>
-        </a:xfrm>
-      </p:grpSpPr>
-      <p:sp>
-        <p:nvSpPr>
-          <p:cNvPr id="2" name="Title 1"/>
-          <p:cNvSpPr>
-            <a:spLocks noGrp="1"/>
-          </p:cNvSpPr>
-          <p:nvPr>
-            <p:ph type="title"/>
-          </p:nvPr>
-        </p:nvSpPr>
-        <p:spPr/>
-        <p:txBody>
-          <a:bodyPr/>
-          <a:lstStyle/>
-          <a:p>
-            <a:r>
-              <a:rPr lang="en-US" dirty="0"/>
-              <a:t>Insert page title (sentence case)</a:t>
-            </a:r>
-          </a:p>
-        </p:txBody>
-      </p:sp>
-      <p:sp>
-        <p:nvSpPr>
-          <p:cNvPr id="10" name="Text Placeholder 9"/>
-          <p:cNvSpPr>
-            <a:spLocks noGrp="1"/>
-          </p:cNvSpPr>
-          <p:nvPr>
-            <p:ph type="body" sz="quarter" idx="10"/>
-          </p:nvPr>
-        </p:nvSpPr>
-        <p:spPr/>
-        <p:txBody>
-          <a:bodyPr/>
-          <a:lstStyle/>
-          <a:p>
-            <a:pPr lvl="0"/>
-            <a:r>
-              <a:rPr lang="en-US" dirty="0"/>
-              <a:t>First level</a:t>
-            </a:r>
-          </a:p>
-          <a:p>
-            <a:pPr lvl="1"/>
-            <a:r>
-              <a:rPr lang="en-US" dirty="0"/>
-              <a:t>Second level</a:t>
-            </a:r>
-          </a:p>
-        </p:txBody>
-      </p:sp>
-      <p:sp>
-        <p:nvSpPr>
-          <p:cNvPr id="11" name="Picture Placeholder 10"/>
-          <p:cNvSpPr>
-            <a:spLocks noGrp="1"/>
-          </p:cNvSpPr>
-          <p:nvPr>
-            <p:ph type="pic" sz="quarter" idx="12"/>
-          </p:nvPr>
-        </p:nvSpPr>
-        <p:spPr/>
-      </p:sp>
-      <p:sp>
-        <p:nvSpPr>
-          <p:cNvPr id="12" name="Text Placeholder 11"/>
-          <p:cNvSpPr>
-            <a:spLocks noGrp="1"/>
-          </p:cNvSpPr>
-          <p:nvPr>
-            <p:ph type="body" sz="quarter" idx="13"/>
-          </p:nvPr>
-        </p:nvSpPr>
-        <p:spPr/>
-        <p:txBody>
-          <a:bodyPr/>
-          <a:lstStyle/>
-          <a:p>
-            <a:pPr lvl="0"/>
-            <a:r>
-              <a:rPr lang="en-US" dirty="0"/>
-              <a:t>First level</a:t>
-            </a:r>
-          </a:p>
-          <a:p>
-            <a:pPr lvl="1"/>
-            <a:r>
-              <a:rPr lang="en-US" dirty="0"/>
-              <a:t>Second level</a:t>
-            </a:r>
-          </a:p>
-        </p:txBody>
-      </p:sp>
-      <p:sp>
-        <p:nvSpPr>
-          <p:cNvPr id="13" name="Picture Placeholder 12"/>
-          <p:cNvSpPr>
-            <a:spLocks noGrp="1"/>
-          </p:cNvSpPr>
-          <p:nvPr>
-            <p:ph type="pic" sz="quarter" idx="14"/>
-          </p:nvPr>
-        </p:nvSpPr>
-        <p:spPr/>
-      </p:sp>
-      <p:sp>
-        <p:nvSpPr>
-          <p:cNvPr id="14" name="Text Placeholder 13"/>
-          <p:cNvSpPr>
-            <a:spLocks noGrp="1"/>
-          </p:cNvSpPr>
-          <p:nvPr>
-            <p:ph type="body" sz="quarter" idx="15"/>
-          </p:nvPr>
-        </p:nvSpPr>
-        <p:spPr/>
-        <p:txBody>
-          <a:bodyPr/>
-          <a:lstStyle/>
-          <a:p>
-            <a:pPr lvl="0"/>
-            <a:r>
-              <a:rPr lang="en-US" dirty="0"/>
-              <a:t>First level</a:t>
-            </a:r>
-          </a:p>
-          <a:p>
-            <a:pPr lvl="1"/>
-            <a:r>
-              <a:rPr lang="en-US" dirty="0"/>
-              <a:t>Second level</a:t>
-            </a:r>
-          </a:p>
-        </p:txBody>
-      </p:sp>
-      <p:sp>
-        <p:nvSpPr>
-          <p:cNvPr id="15" name="Picture Placeholder 14"/>
-          <p:cNvSpPr>
-            <a:spLocks noGrp="1"/>
-          </p:cNvSpPr>
-          <p:nvPr>
-            <p:ph type="pic" sz="quarter" idx="16"/>
-          </p:nvPr>
-        </p:nvSpPr>
-        <p:spPr/>
-      </p:sp>
-    </p:spTree>
-    <p:extLst>
-      <p:ext uri="{BB962C8B-B14F-4D97-AF65-F5344CB8AC3E}">
-        <p14:creationId xmlns:p14="http://schemas.microsoft.com/office/powerpoint/2010/main" val="1175416068"/>
-      </p:ext>
-    </p:extLst>
-  </p:cSld>
-  <p:clrMapOvr>
-    <a:masterClrMapping/>
-  </p:clrMapOvr>
-</p:sld>
-</file>
-
-<file path=ppt/slides/slide27.xml><?xml version="1.0" encoding="utf-8"?>
-<p:sld xmlns:a="http://schemas.openxmlformats.org/drawingml/2006/main" xmlns:r="http://schemas.openxmlformats.org/officeDocument/2006/relationships" xmlns:p="http://schemas.openxmlformats.org/presentationml/2006/main">
-  <p:cSld>
-    <p:spTree>
-      <p:nvGrpSpPr>
-        <p:cNvPr id="1" name=""/>
-        <p:cNvGrpSpPr/>
-        <p:nvPr/>
-      </p:nvGrpSpPr>
-      <p:grpSpPr>
-        <a:xfrm>
-          <a:off x="0" y="0"/>
-          <a:ext cx="0" cy="0"/>
-          <a:chOff x="0" y="0"/>
-          <a:chExt cx="0" cy="0"/>
-        </a:xfrm>
-      </p:grpSpPr>
-      <p:sp>
-        <p:nvSpPr>
-          <p:cNvPr id="2" name="Title 1"/>
-          <p:cNvSpPr>
-            <a:spLocks noGrp="1"/>
-          </p:cNvSpPr>
-          <p:nvPr>
-            <p:ph type="title"/>
-          </p:nvPr>
-        </p:nvSpPr>
-        <p:spPr/>
-        <p:txBody>
-          <a:bodyPr/>
-          <a:lstStyle/>
-          <a:p>
-            <a:r>
-              <a:rPr lang="en-US" dirty="0"/>
-              <a:t>Insert page title (sentence case)</a:t>
-            </a:r>
-          </a:p>
-        </p:txBody>
-      </p:sp>
-      <p:sp>
-        <p:nvSpPr>
-          <p:cNvPr id="3" name="Text Placeholder 2"/>
-          <p:cNvSpPr>
-            <a:spLocks noGrp="1"/>
-          </p:cNvSpPr>
-          <p:nvPr>
-            <p:ph type="body" sz="quarter" idx="10"/>
-          </p:nvPr>
-        </p:nvSpPr>
-        <p:spPr/>
-        <p:txBody>
-          <a:bodyPr/>
-          <a:lstStyle/>
-          <a:p>
-            <a:pPr lvl="0"/>
-            <a:r>
-              <a:rPr lang="en-US" dirty="0"/>
-              <a:t>First level</a:t>
-            </a:r>
-          </a:p>
-          <a:p>
-            <a:pPr lvl="1"/>
-            <a:r>
-              <a:rPr lang="en-US" dirty="0"/>
-              <a:t>Second level</a:t>
-            </a:r>
-          </a:p>
-          <a:p>
-            <a:endParaRPr lang="en-US" dirty="0"/>
-          </a:p>
-        </p:txBody>
-      </p:sp>
-      <p:sp>
-        <p:nvSpPr>
-          <p:cNvPr id="4" name="Picture Placeholder 3"/>
-          <p:cNvSpPr>
-            <a:spLocks noGrp="1"/>
-          </p:cNvSpPr>
-          <p:nvPr>
-            <p:ph type="pic" sz="quarter" idx="12"/>
-          </p:nvPr>
-        </p:nvSpPr>
-        <p:spPr/>
-      </p:sp>
-      <p:sp>
-        <p:nvSpPr>
-          <p:cNvPr id="5" name="Text Placeholder 4"/>
-          <p:cNvSpPr>
-            <a:spLocks noGrp="1"/>
-          </p:cNvSpPr>
-          <p:nvPr>
-            <p:ph type="body" sz="quarter" idx="13"/>
-          </p:nvPr>
-        </p:nvSpPr>
-        <p:spPr/>
-        <p:txBody>
-          <a:bodyPr/>
-          <a:lstStyle/>
-          <a:p>
-            <a:pPr lvl="0"/>
-            <a:r>
-              <a:rPr lang="en-US" dirty="0"/>
-              <a:t>First level</a:t>
-            </a:r>
-          </a:p>
-          <a:p>
-            <a:pPr lvl="1"/>
-            <a:r>
-              <a:rPr lang="en-US" dirty="0"/>
-              <a:t>Second level</a:t>
-            </a:r>
-          </a:p>
-        </p:txBody>
-      </p:sp>
-      <p:sp>
-        <p:nvSpPr>
-          <p:cNvPr id="6" name="Picture Placeholder 5"/>
-          <p:cNvSpPr>
-            <a:spLocks noGrp="1"/>
-          </p:cNvSpPr>
-          <p:nvPr>
-            <p:ph type="pic" sz="quarter" idx="14"/>
-          </p:nvPr>
-        </p:nvSpPr>
-        <p:spPr/>
-      </p:sp>
-      <p:sp>
-        <p:nvSpPr>
-          <p:cNvPr id="7" name="Text Placeholder 6"/>
-          <p:cNvSpPr>
-            <a:spLocks noGrp="1"/>
-          </p:cNvSpPr>
-          <p:nvPr>
-            <p:ph type="body" sz="quarter" idx="15"/>
-          </p:nvPr>
-        </p:nvSpPr>
-        <p:spPr/>
-        <p:txBody>
-          <a:bodyPr/>
-          <a:lstStyle/>
-          <a:p>
-            <a:pPr lvl="0"/>
-            <a:r>
-              <a:rPr lang="en-US" dirty="0"/>
-              <a:t>First level</a:t>
-            </a:r>
-          </a:p>
-          <a:p>
-            <a:pPr lvl="1"/>
-            <a:r>
-              <a:rPr lang="en-US" dirty="0"/>
-              <a:t>Second level</a:t>
-            </a:r>
-          </a:p>
-        </p:txBody>
-      </p:sp>
-      <p:sp>
-        <p:nvSpPr>
-          <p:cNvPr id="8" name="Picture Placeholder 7"/>
-          <p:cNvSpPr>
-            <a:spLocks noGrp="1"/>
-          </p:cNvSpPr>
-          <p:nvPr>
-            <p:ph type="pic" sz="quarter" idx="16"/>
-          </p:nvPr>
-        </p:nvSpPr>
-        <p:spPr/>
-      </p:sp>
-      <p:sp>
-        <p:nvSpPr>
-          <p:cNvPr id="9" name="Text Placeholder 8"/>
-          <p:cNvSpPr>
-            <a:spLocks noGrp="1"/>
-          </p:cNvSpPr>
-          <p:nvPr>
-            <p:ph type="body" sz="quarter" idx="17"/>
-          </p:nvPr>
-        </p:nvSpPr>
-        <p:spPr/>
-        <p:txBody>
-          <a:bodyPr/>
-          <a:lstStyle/>
-          <a:p>
-            <a:pPr lvl="0"/>
-            <a:r>
-              <a:rPr lang="en-US" dirty="0"/>
-              <a:t>First level</a:t>
-            </a:r>
-          </a:p>
-          <a:p>
-            <a:pPr lvl="1"/>
-            <a:r>
-              <a:rPr lang="en-US" dirty="0"/>
-              <a:t>Second level</a:t>
-            </a:r>
-          </a:p>
-        </p:txBody>
-      </p:sp>
-      <p:sp>
-        <p:nvSpPr>
-          <p:cNvPr id="10" name="Picture Placeholder 9"/>
-          <p:cNvSpPr>
-            <a:spLocks noGrp="1"/>
-          </p:cNvSpPr>
-          <p:nvPr>
-            <p:ph type="pic" sz="quarter" idx="18"/>
-          </p:nvPr>
-        </p:nvSpPr>
-        <p:spPr/>
-      </p:sp>
-    </p:spTree>
-    <p:extLst>
-      <p:ext uri="{BB962C8B-B14F-4D97-AF65-F5344CB8AC3E}">
-        <p14:creationId xmlns:p14="http://schemas.microsoft.com/office/powerpoint/2010/main" val="3242553429"/>
-      </p:ext>
-    </p:extLst>
-  </p:cSld>
-  <p:clrMapOvr>
-    <a:masterClrMapping/>
-  </p:clrMapOvr>
-</p:sld>
-</file>
-
-<file path=ppt/slides/slide28.xml><?xml version="1.0" encoding="utf-8"?>
-<p:sld xmlns:a="http://schemas.openxmlformats.org/drawingml/2006/main" xmlns:r="http://schemas.openxmlformats.org/officeDocument/2006/relationships" xmlns:p="http://schemas.openxmlformats.org/presentationml/2006/main">
-  <p:cSld>
-    <p:spTree>
-      <p:nvGrpSpPr>
-        <p:cNvPr id="1" name=""/>
-        <p:cNvGrpSpPr/>
-        <p:nvPr/>
-      </p:nvGrpSpPr>
-      <p:grpSpPr>
-        <a:xfrm>
-          <a:off x="0" y="0"/>
-          <a:ext cx="0" cy="0"/>
-          <a:chOff x="0" y="0"/>
-          <a:chExt cx="0" cy="0"/>
-        </a:xfrm>
-      </p:grpSpPr>
-      <p:sp>
-        <p:nvSpPr>
           <p:cNvPr id="2" name="Title 1"/>
           <p:cNvSpPr>
             <a:spLocks noGrp="1"/>
@@ -14918,7 +14697,7 @@
 </p:sld>
 </file>
 
-<file path=ppt/slides/slide29.xml><?xml version="1.0" encoding="utf-8"?>
+<file path=ppt/slides/slide24.xml><?xml version="1.0" encoding="utf-8"?>
 <p:sld xmlns:a="http://schemas.openxmlformats.org/drawingml/2006/main" xmlns:r="http://schemas.openxmlformats.org/officeDocument/2006/relationships" xmlns:p="http://schemas.openxmlformats.org/presentationml/2006/main" show="0">
   <p:cSld>
     <p:spTree>
@@ -16079,7 +15858,7 @@
           <p:nvPr/>
         </p:nvPicPr>
         <p:blipFill rotWithShape="1">
-          <a:blip r:embed="rId2"/>
+          <a:blip r:embed="rId3"/>
           <a:srcRect l="-358" r="58952"/>
           <a:stretch/>
         </p:blipFill>
@@ -16195,7 +15974,7 @@
           <p:nvPr/>
         </p:nvPicPr>
         <p:blipFill rotWithShape="1">
-          <a:blip r:embed="rId3"/>
+          <a:blip r:embed="rId4"/>
           <a:srcRect l="33103" r="32916" b="29561"/>
           <a:stretch/>
         </p:blipFill>

--- a/SAP_2017_16x9_black_and_white.pptx
+++ b/SAP_2017_16x9_black_and_white.pptx
@@ -5,10 +5,10 @@
     <p:sldMasterId id="2147483733" r:id="rId1"/>
   </p:sldMasterIdLst>
   <p:notesMasterIdLst>
-    <p:notesMasterId r:id="rId26"/>
+    <p:notesMasterId r:id="rId30"/>
   </p:notesMasterIdLst>
   <p:handoutMasterIdLst>
-    <p:handoutMasterId r:id="rId27"/>
+    <p:handoutMasterId r:id="rId31"/>
   </p:handoutMasterIdLst>
   <p:sldIdLst>
     <p:sldId id="434" r:id="rId2"/>
@@ -21,20 +21,24 @@
     <p:sldId id="447" r:id="rId9"/>
     <p:sldId id="440" r:id="rId10"/>
     <p:sldId id="441" r:id="rId11"/>
-    <p:sldId id="448" r:id="rId12"/>
-    <p:sldId id="382" r:id="rId13"/>
-    <p:sldId id="388" r:id="rId14"/>
-    <p:sldId id="442" r:id="rId15"/>
-    <p:sldId id="443" r:id="rId16"/>
-    <p:sldId id="446" r:id="rId17"/>
-    <p:sldId id="450" r:id="rId18"/>
-    <p:sldId id="445" r:id="rId19"/>
-    <p:sldId id="452" r:id="rId20"/>
-    <p:sldId id="430" r:id="rId21"/>
-    <p:sldId id="374" r:id="rId22"/>
-    <p:sldId id="453" r:id="rId23"/>
-    <p:sldId id="413" r:id="rId24"/>
-    <p:sldId id="265" r:id="rId25"/>
+    <p:sldId id="454" r:id="rId12"/>
+    <p:sldId id="448" r:id="rId13"/>
+    <p:sldId id="382" r:id="rId14"/>
+    <p:sldId id="388" r:id="rId15"/>
+    <p:sldId id="442" r:id="rId16"/>
+    <p:sldId id="443" r:id="rId17"/>
+    <p:sldId id="446" r:id="rId18"/>
+    <p:sldId id="455" r:id="rId19"/>
+    <p:sldId id="461" r:id="rId20"/>
+    <p:sldId id="462" r:id="rId21"/>
+    <p:sldId id="450" r:id="rId22"/>
+    <p:sldId id="445" r:id="rId23"/>
+    <p:sldId id="452" r:id="rId24"/>
+    <p:sldId id="430" r:id="rId25"/>
+    <p:sldId id="374" r:id="rId26"/>
+    <p:sldId id="453" r:id="rId27"/>
+    <p:sldId id="413" r:id="rId28"/>
+    <p:sldId id="265" r:id="rId29"/>
   </p:sldIdLst>
   <p:sldSz cx="12195175" cy="6858000"/>
   <p:notesSz cx="6858000" cy="9144000"/>
@@ -215,7 +219,7 @@
 </file>
 
 <file path=ppt/charts/chart1.xml><?xml version="1.0" encoding="utf-8"?>
-<c:chartSpace xmlns:c="http://schemas.openxmlformats.org/drawingml/2006/chart" xmlns:a="http://schemas.openxmlformats.org/drawingml/2006/main" xmlns:r="http://schemas.openxmlformats.org/officeDocument/2006/relationships" xmlns:c16r2="http://schemas.microsoft.com/office/drawing/2015/06/chart">
+<c:chartSpace xmlns:c="http://schemas.openxmlformats.org/drawingml/2006/chart" xmlns:a="http://schemas.openxmlformats.org/drawingml/2006/main" xmlns:r="http://schemas.openxmlformats.org/officeDocument/2006/relationships">
   <c:date1904 val="0"/>
   <c:lang val="en-US"/>
   <c:roundedCorners val="0"/>
@@ -229,6 +233,7 @@
   </mc:AlternateContent>
   <c:chart>
     <c:title>
+      <c:layout/>
       <c:overlay val="0"/>
       <c:spPr>
         <a:noFill/>
@@ -291,7 +296,7 @@
               </a:ln>
               <a:effectLst/>
             </c:spPr>
-            <c:extLst>
+            <c:extLst xmlns:c16r2="http://schemas.microsoft.com/office/drawing/2015/06/chart">
               <c:ext xmlns:c16="http://schemas.microsoft.com/office/drawing/2014/chart" uri="{C3380CC4-5D6E-409C-BE32-E72D297353CC}">
                 <c16:uniqueId val="{00000001-548A-47BF-A79E-B9EDD87336E3}"/>
               </c:ext>
@@ -311,7 +316,7 @@
               </a:ln>
               <a:effectLst/>
             </c:spPr>
-            <c:extLst>
+            <c:extLst xmlns:c16r2="http://schemas.microsoft.com/office/drawing/2015/06/chart">
               <c:ext xmlns:c16="http://schemas.microsoft.com/office/drawing/2014/chart" uri="{C3380CC4-5D6E-409C-BE32-E72D297353CC}">
                 <c16:uniqueId val="{00000003-548A-47BF-A79E-B9EDD87336E3}"/>
               </c:ext>
@@ -331,7 +336,7 @@
               </a:ln>
               <a:effectLst/>
             </c:spPr>
-            <c:extLst>
+            <c:extLst xmlns:c16r2="http://schemas.microsoft.com/office/drawing/2015/06/chart">
               <c:ext xmlns:c16="http://schemas.microsoft.com/office/drawing/2014/chart" uri="{C3380CC4-5D6E-409C-BE32-E72D297353CC}">
                 <c16:uniqueId val="{00000005-548A-47BF-A79E-B9EDD87336E3}"/>
               </c:ext>
@@ -351,7 +356,7 @@
               </a:ln>
               <a:effectLst/>
             </c:spPr>
-            <c:extLst>
+            <c:extLst xmlns:c16r2="http://schemas.microsoft.com/office/drawing/2015/06/chart">
               <c:ext xmlns:c16="http://schemas.microsoft.com/office/drawing/2014/chart" uri="{C3380CC4-5D6E-409C-BE32-E72D297353CC}">
                 <c16:uniqueId val="{00000007-548A-47BF-A79E-B9EDD87336E3}"/>
               </c:ext>
@@ -373,21 +378,21 @@
                 <c:formatCode>General</c:formatCode>
                 <c:ptCount val="4"/>
                 <c:pt idx="0">
-                  <c:v>25</c:v>
+                  <c:v>25.0</c:v>
                 </c:pt>
                 <c:pt idx="1">
-                  <c:v>25</c:v>
+                  <c:v>25.0</c:v>
                 </c:pt>
                 <c:pt idx="2">
-                  <c:v>25</c:v>
+                  <c:v>25.0</c:v>
                 </c:pt>
                 <c:pt idx="3">
-                  <c:v>25</c:v>
+                  <c:v>25.0</c:v>
                 </c:pt>
               </c:numCache>
             </c:numRef>
           </c:val>
-          <c:extLst>
+          <c:extLst xmlns:c16r2="http://schemas.microsoft.com/office/drawing/2015/06/chart">
             <c:ext xmlns:c16="http://schemas.microsoft.com/office/drawing/2014/chart" uri="{C3380CC4-5D6E-409C-BE32-E72D297353CC}">
               <c16:uniqueId val="{00000000-B952-4802-B4B1-BCED6F344937}"/>
             </c:ext>
@@ -414,6 +419,7 @@
     </c:plotArea>
     <c:legend>
       <c:legendPos val="b"/>
+      <c:layout/>
       <c:overlay val="0"/>
       <c:spPr>
         <a:noFill/>
@@ -471,7 +477,7 @@
 </file>
 
 <file path=ppt/charts/chart2.xml><?xml version="1.0" encoding="utf-8"?>
-<c:chartSpace xmlns:c="http://schemas.openxmlformats.org/drawingml/2006/chart" xmlns:a="http://schemas.openxmlformats.org/drawingml/2006/main" xmlns:r="http://schemas.openxmlformats.org/officeDocument/2006/relationships" xmlns:c16r2="http://schemas.microsoft.com/office/drawing/2015/06/chart">
+<c:chartSpace xmlns:c="http://schemas.openxmlformats.org/drawingml/2006/chart" xmlns:a="http://schemas.openxmlformats.org/drawingml/2006/main" xmlns:r="http://schemas.openxmlformats.org/officeDocument/2006/relationships">
   <c:date1904 val="0"/>
   <c:lang val="en-US"/>
   <c:roundedCorners val="0"/>
@@ -485,6 +491,7 @@
   </mc:AlternateContent>
   <c:chart>
     <c:title>
+      <c:layout/>
       <c:overlay val="0"/>
       <c:spPr>
         <a:noFill/>
@@ -547,7 +554,7 @@
               </a:ln>
               <a:effectLst/>
             </c:spPr>
-            <c:extLst>
+            <c:extLst xmlns:c16r2="http://schemas.microsoft.com/office/drawing/2015/06/chart">
               <c:ext xmlns:c16="http://schemas.microsoft.com/office/drawing/2014/chart" uri="{C3380CC4-5D6E-409C-BE32-E72D297353CC}">
                 <c16:uniqueId val="{00000001-EF0E-4771-BCAE-03BCA352BDFA}"/>
               </c:ext>
@@ -567,7 +574,7 @@
               </a:ln>
               <a:effectLst/>
             </c:spPr>
-            <c:extLst>
+            <c:extLst xmlns:c16r2="http://schemas.microsoft.com/office/drawing/2015/06/chart">
               <c:ext xmlns:c16="http://schemas.microsoft.com/office/drawing/2014/chart" uri="{C3380CC4-5D6E-409C-BE32-E72D297353CC}">
                 <c16:uniqueId val="{00000003-EF0E-4771-BCAE-03BCA352BDFA}"/>
               </c:ext>
@@ -587,7 +594,7 @@
               </a:ln>
               <a:effectLst/>
             </c:spPr>
-            <c:extLst>
+            <c:extLst xmlns:c16r2="http://schemas.microsoft.com/office/drawing/2015/06/chart">
               <c:ext xmlns:c16="http://schemas.microsoft.com/office/drawing/2014/chart" uri="{C3380CC4-5D6E-409C-BE32-E72D297353CC}">
                 <c16:uniqueId val="{00000005-EF0E-4771-BCAE-03BCA352BDFA}"/>
               </c:ext>
@@ -607,7 +614,7 @@
               </a:ln>
               <a:effectLst/>
             </c:spPr>
-            <c:extLst>
+            <c:extLst xmlns:c16r2="http://schemas.microsoft.com/office/drawing/2015/06/chart">
               <c:ext xmlns:c16="http://schemas.microsoft.com/office/drawing/2014/chart" uri="{C3380CC4-5D6E-409C-BE32-E72D297353CC}">
                 <c16:uniqueId val="{00000007-EF0E-4771-BCAE-03BCA352BDFA}"/>
               </c:ext>
@@ -629,21 +636,21 @@
                 <c:formatCode>General</c:formatCode>
                 <c:ptCount val="4"/>
                 <c:pt idx="0">
-                  <c:v>25</c:v>
+                  <c:v>25.0</c:v>
                 </c:pt>
                 <c:pt idx="1">
-                  <c:v>25</c:v>
+                  <c:v>25.0</c:v>
                 </c:pt>
                 <c:pt idx="2">
-                  <c:v>25</c:v>
+                  <c:v>25.0</c:v>
                 </c:pt>
                 <c:pt idx="3">
-                  <c:v>25</c:v>
+                  <c:v>25.0</c:v>
                 </c:pt>
               </c:numCache>
             </c:numRef>
           </c:val>
-          <c:extLst>
+          <c:extLst xmlns:c16r2="http://schemas.microsoft.com/office/drawing/2015/06/chart">
             <c:ext xmlns:c16="http://schemas.microsoft.com/office/drawing/2014/chart" uri="{C3380CC4-5D6E-409C-BE32-E72D297353CC}">
               <c16:uniqueId val="{00000008-EF0E-4771-BCAE-03BCA352BDFA}"/>
             </c:ext>
@@ -670,6 +677,7 @@
     </c:plotArea>
     <c:legend>
       <c:legendPos val="b"/>
+      <c:layout/>
       <c:overlay val="0"/>
       <c:spPr>
         <a:noFill/>
@@ -1934,7 +1942,6 @@
       <inkml:brushProperty name="width" value="0.04" units="cm"/>
       <inkml:brushProperty name="height" value="0.04" units="cm"/>
       <inkml:brushProperty name="color" value="#FFFFFF"/>
-      <inkml:brushProperty name="ignorePressure" value="1"/>
     </inkml:brush>
   </inkml:definitions>
   <inkml:trace contextRef="#ctx0" brushRef="#br0">6993 2724,'5'0,"10"0,21 0,23 0,16 0,17 0,25 0,26 0,33 0,20 0,22 0,-3 0,-5 0,-3 0,-13 0,7 0,1 0,-2 0,-3 0,-6 0,-5 5,-15 0,-9 2,-13-2,-15-2,-11-2,-12 5,1 1,6 4,0 4,0-1,1-1,4 1,5-3,-2 2,-4 0,-4-4,-9-3,-8-2,-8-2,-11 3,-10 1,-12 4,-8 0,-8-1,-2-3,-4-2,-3-1,-3-3,-3 1,-2-2,-5 1</inkml:trace>
@@ -1961,7 +1968,6 @@
       <inkml:brushProperty name="width" value="0.04" units="cm"/>
       <inkml:brushProperty name="height" value="0.04" units="cm"/>
       <inkml:brushProperty name="color" value="#FFFFFF"/>
-      <inkml:brushProperty name="ignorePressure" value="1"/>
     </inkml:brush>
   </inkml:definitions>
   <inkml:trace contextRef="#ctx0" brushRef="#br0">8117 1487,'0'14,"0"22,-5 16,0 20,-6 27,0 14,2 15,2 24,-11 36,-12 17,-1-2,0-12,6-27,2-20,1-24,4-20,4-25,6-14,-2-14,2-6,-2 0,-1-3,3-3,3-3,1-2,2-2,-3-1,-1-5</inkml:trace>
@@ -1988,7 +1994,6 @@
       <inkml:brushProperty name="width" value="0.04" units="cm"/>
       <inkml:brushProperty name="height" value="0.04" units="cm"/>
       <inkml:brushProperty name="color" value="#FFFFFF"/>
-      <inkml:brushProperty name="ignorePressure" value="1"/>
     </inkml:brush>
   </inkml:definitions>
   <inkml:trace contextRef="#ctx0" brushRef="#br0">8195 1494,'5'4,"5"11,7 17,0 31,-4 22,-2 25,-5 35,-3 24,-1 17,-2-1,0 0,-1-16,0-30,0-28,1-29,0-14,0-14,0-12,0-8,0-6,0-2,0-2,0 1,0-1,0 1,0 1,0 0,0 5,0 7,0 1,0 4,4-2,3-2,-2-5,0-7</inkml:trace>
@@ -2015,7 +2020,6 @@
       <inkml:brushProperty name="width" value="0.04" units="cm"/>
       <inkml:brushProperty name="height" value="0.04" units="cm"/>
       <inkml:brushProperty name="color" value="#FFFFFF"/>
-      <inkml:brushProperty name="ignorePressure" value="1"/>
     </inkml:brush>
   </inkml:definitions>
   <inkml:trace contextRef="#ctx0" brushRef="#br0">7263 2927,'18'5,"21"1,16 4,23 1,6-2,4 3,4-2,6-2,0-1,5-4,5-1,1-2,6 0,6 0,15-1,12 1,12 0,2 0,16 0,-1 0,3-1,7 1,-1 0,-9 1,-6-1,-6 0,-17 0,-24 0,-24-5,-24-2,-12 2,-2 0,-4-3,-1 0,3 1,0 2,9 2,10 0,2 2,-4 1,-1 0,-10 1,-11-1,-10-4,-8-2,-6 0,-4 2,-1 0,4 3,1-1,-5 2</inkml:trace>
@@ -2042,7 +2046,6 @@
       <inkml:brushProperty name="width" value="0.04" units="cm"/>
       <inkml:brushProperty name="height" value="0.04" units="cm"/>
       <inkml:brushProperty name="color" value="#FFFFFF"/>
-      <inkml:brushProperty name="ignorePressure" value="1"/>
     </inkml:brush>
   </inkml:definitions>
   <inkml:trace contextRef="#ctx0" brushRef="#br0">7297 2646,'0'-4,"0"2,0 7,0 12,0 15,4 23,7 19,1 11,4 9,2 3,0-2,-4-2,-4-4,-5-3,-2-12,-2-9,-1-2,-1-2,1-3,-1 3,-4-4,-2-4,1 0,-4-1,1 0,1 1,-2-4,-1-7,4-4,1-5,2 0,3 1,0-2,1-6</inkml:trace>
@@ -2069,7 +2072,6 @@
       <inkml:brushProperty name="width" value="0.04" units="cm"/>
       <inkml:brushProperty name="height" value="0.04" units="cm"/>
       <inkml:brushProperty name="color" value="#FFFFFF"/>
-      <inkml:brushProperty name="ignorePressure" value="1"/>
     </inkml:brush>
   </inkml:definitions>
   <inkml:trace contextRef="#ctx0" brushRef="#br0">7567 2621,'9'5,"4"5,7 21,2 13,0 13,3 16,0 17,1 14,-3 10,2 5,2 0,2 0,0-14,-5-9,-3-12,1-2,-4 3,-4-8,-6-12,-3-8,-3-10,-2-3,-1-5,1 1,-1 2,0-1,0 2,1-3,-1 2,-3 3,-2-2,0 1,2-2,-4-9,-5-5,0-7</inkml:trace>
@@ -2096,7 +2098,6 @@
       <inkml:brushProperty name="width" value="0.04" units="cm"/>
       <inkml:brushProperty name="height" value="0.04" units="cm"/>
       <inkml:brushProperty name="color" value="#FFFFFF"/>
-      <inkml:brushProperty name="ignorePressure" value="1"/>
     </inkml:brush>
   </inkml:definitions>
   <inkml:trace contextRef="#ctx0" brushRef="#br0">8063 2621,'-5'5,"0"15,-2 17,3 13,0 16,3 6,-1 8,2 19,0 25,0 23,-4 19,-2 13,0-1,-3 2,-5-11,0-17,3-29,2-26,3-26,3-19,2-15,1-8,0-5,1-2,0-5</inkml:trace>
@@ -2123,7 +2124,6 @@
       <inkml:brushProperty name="width" value="0.04" units="cm"/>
       <inkml:brushProperty name="height" value="0.04" units="cm"/>
       <inkml:brushProperty name="color" value="#FFFFFF"/>
-      <inkml:brushProperty name="ignorePressure" value="1"/>
     </inkml:brush>
   </inkml:definitions>
   <inkml:trace contextRef="#ctx0" brushRef="#br0">8793 2616,'0'9,"0"12,0 7,0 18,0 14,0 6,0 16,-4 2,-2 6,-5 0,0-4,2-5,-2-5,1-12,1-8,3-3,-2-8,-4-1,-1-3,2-5,-1-3,-4 1,2 0,-2-1,2 3,-2 4,-2 0,-7 3,0 3,-5-2,4-4,0 1,-3-2,-3-3,5-4,3-2,0 4,0 3,4 2,0 2,0 5,3-2,4-9</inkml:trace>
@@ -2150,7 +2150,6 @@
       <inkml:brushProperty name="width" value="0.04" units="cm"/>
       <inkml:brushProperty name="height" value="0.04" units="cm"/>
       <inkml:brushProperty name="color" value="#FFFFFF"/>
-      <inkml:brushProperty name="ignorePressure" value="1"/>
     </inkml:brush>
   </inkml:definitions>
   <inkml:trace contextRef="#ctx0" brushRef="#br0">7169 1712,'0'-5,"5"-1,5 0,7-3,4 0,4 1,11 2,22 2,34 2,14 1,22 1,36 0,25 1,14-1,8 1,11-1,-1 0,-11 0,-8 0,-7 0,-22 0,-28 0,-24 0,-14 0,-11 4,-14 3,-6 3,6 1,4-2,-4-3,2-1,-4-2,-5-3,-12 0,-12 0,-10 0,-8 0,-3 0,0-1,6 1,0 0,0 0,-2 0,-3 0,4 0,-1 0,4 0,4 5,4 0,4 1,3-1,-4 3,-1 0,-4-1,-4-2,0 3,-3 0,2-1,-1-3,-3 0,-1-3,-4 0,3 4,1 0,-2 1,0-1,-7-3</inkml:trace>
@@ -2177,7 +2176,6 @@
       <inkml:brushProperty name="width" value="0.04" units="cm"/>
       <inkml:brushProperty name="height" value="0.04" units="cm"/>
       <inkml:brushProperty name="color" value="#FFFFFF"/>
-      <inkml:brushProperty name="ignorePressure" value="1"/>
     </inkml:brush>
   </inkml:definitions>
   <inkml:trace contextRef="#ctx0" brushRef="#br0">6932 1899,'14'5,"27"1,30 0,49-1,49-2,52-1,39-1,16-1,-2 0,-1 0,8 0,1 0,0-1,-17 1,-38 0,-42 0,-36 0,-30 0,-19 5,-15 1,-4 0,-7-1,2-2,7-1,8-1,2-1,-6 0,1 0,-1 0,4-1,-1 1,-1 0,-11 0,-6 0,-1 0,-3 0,5 0,4 4,-2 3,14 3,1 2,4-4,-6 0,-4-4,-5-2,-14 0,-8-2,1 0,-1-1,3 5,2 1,4 1,-6-1,2-2,-6-1,-2-1,-7-1,3 0,2 0,1 0,6 0,2-1,-5 1,-3 0,-5 0,-7 0,-11 0</inkml:trace>
@@ -2204,7 +2202,6 @@
       <inkml:brushProperty name="width" value="0.04" units="cm"/>
       <inkml:brushProperty name="height" value="0.04" units="cm"/>
       <inkml:brushProperty name="color" value="#FFFFFF"/>
-      <inkml:brushProperty name="ignorePressure" value="1"/>
     </inkml:brush>
   </inkml:definitions>
   <inkml:trace contextRef="#ctx0" brushRef="#br0">7448 1507,'0'5,"0"15,0 17,0 27,0 16,-13 16,-6 2,1 3,4 1,4-6,4-15,3-7,1-14,2-5,1-9,0-7,-1-6,1-3,-1-3,0 3,1 2,-1 8,0 3,0 2,0-1,0 1,0 2,0-2,-1-5,1-4,0 1,0-1,0 2,0 0,0-3,0-2,0-3,0-5</inkml:trace>
@@ -2606,21 +2603,22 @@
           <a:lstStyle/>
           <a:p>
             <a:r>
+              <a:rPr lang="en-US" altLang="zh-CN" dirty="0"/>
+              <a:t>How to avoid </a:t>
+            </a:r>
+            <a:r>
               <a:rPr lang="zh-CN" altLang="en-US" dirty="0"/>
-              <a:t>总结到以上几点，</a:t>
+              <a:t>缺陷</a:t>
             </a:r>
             <a:r>
               <a:rPr lang="en-US" altLang="zh-CN" dirty="0"/>
-              <a:t>xxx</a:t>
+              <a:t>, extends </a:t>
             </a:r>
             <a:r>
               <a:rPr lang="zh-CN" altLang="en-US" dirty="0"/>
-              <a:t>，</a:t>
-            </a:r>
-            <a:r>
-              <a:rPr lang="en-US" dirty="0"/>
-              <a:t>Then how to combine them into one product?</a:t>
-            </a:r>
+              <a:t>优点？</a:t>
+            </a:r>
+            <a:endParaRPr lang="en-US" dirty="0"/>
           </a:p>
         </p:txBody>
       </p:sp>
@@ -2651,7 +2649,7 @@
     </p:spTree>
     <p:extLst>
       <p:ext uri="{BB962C8B-B14F-4D97-AF65-F5344CB8AC3E}">
-        <p14:creationId xmlns:p14="http://schemas.microsoft.com/office/powerpoint/2010/main" val="4225349832"/>
+        <p14:creationId xmlns:p14="http://schemas.microsoft.com/office/powerpoint/2010/main" val="1009616146"/>
       </p:ext>
     </p:extLst>
   </p:cSld>
@@ -2706,8 +2704,20 @@
           <a:lstStyle/>
           <a:p>
             <a:r>
+              <a:rPr lang="zh-CN" altLang="en-US" dirty="0"/>
+              <a:t>总结到以上几点，</a:t>
+            </a:r>
+            <a:r>
+              <a:rPr lang="en-US" altLang="zh-CN" dirty="0"/>
+              <a:t>xxx</a:t>
+            </a:r>
+            <a:r>
+              <a:rPr lang="zh-CN" altLang="en-US" dirty="0"/>
+              <a:t>，</a:t>
+            </a:r>
+            <a:r>
               <a:rPr lang="en-US" dirty="0"/>
-              <a:t>Then bring to the next chapter</a:t>
+              <a:t>Then how to combine them into one product?</a:t>
             </a:r>
           </a:p>
         </p:txBody>
@@ -2730,7 +2740,7 @@
             <a:fld id="{7D8C2C35-2B8A-446E-BEC0-FD36716C29AC}" type="slidenum">
               <a:rPr lang="de-DE" smtClean="0"/>
               <a:pPr/>
-              <a:t>20</a:t>
+              <a:t>13</a:t>
             </a:fld>
             <a:endParaRPr lang="de-DE" dirty="0"/>
           </a:p>
@@ -2739,7 +2749,7 @@
     </p:spTree>
     <p:extLst>
       <p:ext uri="{BB962C8B-B14F-4D97-AF65-F5344CB8AC3E}">
-        <p14:creationId xmlns:p14="http://schemas.microsoft.com/office/powerpoint/2010/main" val="1990883211"/>
+        <p14:creationId xmlns:p14="http://schemas.microsoft.com/office/powerpoint/2010/main" val="4225349832"/>
       </p:ext>
     </p:extLst>
   </p:cSld>
@@ -2768,6 +2778,56 @@
       </p:grpSpPr>
       <p:sp>
         <p:nvSpPr>
+          <p:cNvPr id="2" name="Slide Image Placeholder 1"/>
+          <p:cNvSpPr>
+            <a:spLocks noGrp="1" noRot="1" noChangeAspect="1"/>
+          </p:cNvSpPr>
+          <p:nvPr>
+            <p:ph type="sldImg"/>
+          </p:nvPr>
+        </p:nvSpPr>
+        <p:spPr/>
+      </p:sp>
+      <p:sp>
+        <p:nvSpPr>
+          <p:cNvPr id="3" name="Notes Placeholder 2"/>
+          <p:cNvSpPr>
+            <a:spLocks noGrp="1"/>
+          </p:cNvSpPr>
+          <p:nvPr>
+            <p:ph type="body" idx="1"/>
+          </p:nvPr>
+        </p:nvSpPr>
+        <p:spPr/>
+        <p:txBody>
+          <a:bodyPr/>
+          <a:lstStyle/>
+          <a:p>
+            <a:r>
+              <a:rPr lang="en-US" dirty="0" smtClean="0"/>
+              <a:t>Web: access anywhere and avoid</a:t>
+            </a:r>
+            <a:r>
+              <a:rPr lang="en-US" baseline="0" dirty="0" smtClean="0"/>
+              <a:t> the situation that engineer forgot to handover</a:t>
+            </a:r>
+          </a:p>
+          <a:p>
+            <a:r>
+              <a:rPr lang="en-US" baseline="0" dirty="0" smtClean="0"/>
+              <a:t>Name list: easy to find engineer and maintain</a:t>
+            </a:r>
+          </a:p>
+          <a:p>
+            <a:r>
+              <a:rPr lang="en-US" baseline="0" dirty="0" smtClean="0"/>
+              <a:t>Counter: know who to assign</a:t>
+            </a:r>
+          </a:p>
+        </p:txBody>
+      </p:sp>
+      <p:sp>
+        <p:nvSpPr>
           <p:cNvPr id="4" name="Slide Number Placeholder 3"/>
           <p:cNvSpPr>
             <a:spLocks noGrp="1"/>
@@ -2784,15 +2844,45 @@
             <a:fld id="{7D8C2C35-2B8A-446E-BEC0-FD36716C29AC}" type="slidenum">
               <a:rPr lang="de-DE" smtClean="0"/>
               <a:pPr/>
-              <a:t>24</a:t>
+              <a:t>14</a:t>
             </a:fld>
             <a:endParaRPr lang="de-DE" dirty="0"/>
           </a:p>
         </p:txBody>
       </p:sp>
-      <p:sp>
-        <p:nvSpPr>
-          <p:cNvPr id="6" name="Slide Image Placeholder 5"/>
+    </p:spTree>
+    <p:extLst>
+      <p:ext uri="{BB962C8B-B14F-4D97-AF65-F5344CB8AC3E}">
+        <p14:creationId xmlns:p14="http://schemas.microsoft.com/office/powerpoint/2010/main" val="987817779"/>
+      </p:ext>
+    </p:extLst>
+  </p:cSld>
+  <p:clrMapOvr>
+    <a:masterClrMapping/>
+  </p:clrMapOvr>
+</p:notes>
+</file>
+
+<file path=ppt/notesSlides/notesSlide13.xml><?xml version="1.0" encoding="utf-8"?>
+<p:notes xmlns:a="http://schemas.openxmlformats.org/drawingml/2006/main" xmlns:r="http://schemas.openxmlformats.org/officeDocument/2006/relationships" xmlns:p="http://schemas.openxmlformats.org/presentationml/2006/main">
+  <p:cSld>
+    <p:spTree>
+      <p:nvGrpSpPr>
+        <p:cNvPr id="1" name=""/>
+        <p:cNvGrpSpPr/>
+        <p:nvPr/>
+      </p:nvGrpSpPr>
+      <p:grpSpPr>
+        <a:xfrm>
+          <a:off x="0" y="0"/>
+          <a:ext cx="0" cy="0"/>
+          <a:chOff x="0" y="0"/>
+          <a:chExt cx="0" cy="0"/>
+        </a:xfrm>
+      </p:grpSpPr>
+      <p:sp>
+        <p:nvSpPr>
+          <p:cNvPr id="2" name="Slide Image Placeholder 1"/>
           <p:cNvSpPr>
             <a:spLocks noGrp="1" noRot="1" noChangeAspect="1"/>
           </p:cNvSpPr>
@@ -2800,16 +2890,11 @@
             <p:ph type="sldImg"/>
           </p:nvPr>
         </p:nvSpPr>
-        <p:spPr>
-          <a:xfrm>
-            <a:off x="547688" y="612775"/>
-            <a:ext cx="5762625" cy="3241675"/>
-          </a:xfrm>
-        </p:spPr>
-      </p:sp>
-      <p:sp>
-        <p:nvSpPr>
-          <p:cNvPr id="7" name="Notes Placeholder 6"/>
+        <p:spPr/>
+      </p:sp>
+      <p:sp>
+        <p:nvSpPr>
+          <p:cNvPr id="3" name="Notes Placeholder 2"/>
           <p:cNvSpPr>
             <a:spLocks noGrp="1"/>
           </p:cNvSpPr>
@@ -2819,19 +2904,614 @@
         </p:nvSpPr>
         <p:spPr/>
         <p:txBody>
-          <a:bodyPr>
-            <a:normAutofit/>
-          </a:bodyPr>
+          <a:bodyPr/>
           <a:lstStyle/>
           <a:p>
-            <a:endParaRPr lang="en-US"/>
+            <a:r>
+              <a:rPr lang="en-US" dirty="0" smtClean="0"/>
+              <a:t>Separate</a:t>
+            </a:r>
+            <a:r>
+              <a:rPr lang="en-US" baseline="0" dirty="0" smtClean="0"/>
+              <a:t> numbers and be more clearly</a:t>
+            </a:r>
+            <a:endParaRPr lang="en-US" dirty="0"/>
+          </a:p>
+        </p:txBody>
+      </p:sp>
+      <p:sp>
+        <p:nvSpPr>
+          <p:cNvPr id="4" name="Slide Number Placeholder 3"/>
+          <p:cNvSpPr>
+            <a:spLocks noGrp="1"/>
+          </p:cNvSpPr>
+          <p:nvPr>
+            <p:ph type="sldNum" sz="quarter" idx="10"/>
+          </p:nvPr>
+        </p:nvSpPr>
+        <p:spPr/>
+        <p:txBody>
+          <a:bodyPr/>
+          <a:lstStyle/>
+          <a:p>
+            <a:fld id="{7D8C2C35-2B8A-446E-BEC0-FD36716C29AC}" type="slidenum">
+              <a:rPr lang="de-DE" smtClean="0"/>
+              <a:pPr/>
+              <a:t>15</a:t>
+            </a:fld>
+            <a:endParaRPr lang="de-DE" dirty="0"/>
           </a:p>
         </p:txBody>
       </p:sp>
     </p:spTree>
     <p:extLst>
       <p:ext uri="{BB962C8B-B14F-4D97-AF65-F5344CB8AC3E}">
-        <p14:creationId xmlns:p14="http://schemas.microsoft.com/office/powerpoint/2010/main" val="2544264309"/>
+        <p14:creationId xmlns:p14="http://schemas.microsoft.com/office/powerpoint/2010/main" val="1998870921"/>
+      </p:ext>
+    </p:extLst>
+  </p:cSld>
+  <p:clrMapOvr>
+    <a:masterClrMapping/>
+  </p:clrMapOvr>
+</p:notes>
+</file>
+
+<file path=ppt/notesSlides/notesSlide14.xml><?xml version="1.0" encoding="utf-8"?>
+<p:notes xmlns:a="http://schemas.openxmlformats.org/drawingml/2006/main" xmlns:r="http://schemas.openxmlformats.org/officeDocument/2006/relationships" xmlns:p="http://schemas.openxmlformats.org/presentationml/2006/main">
+  <p:cSld>
+    <p:spTree>
+      <p:nvGrpSpPr>
+        <p:cNvPr id="1" name=""/>
+        <p:cNvGrpSpPr/>
+        <p:nvPr/>
+      </p:nvGrpSpPr>
+      <p:grpSpPr>
+        <a:xfrm>
+          <a:off x="0" y="0"/>
+          <a:ext cx="0" cy="0"/>
+          <a:chOff x="0" y="0"/>
+          <a:chExt cx="0" cy="0"/>
+        </a:xfrm>
+      </p:grpSpPr>
+      <p:sp>
+        <p:nvSpPr>
+          <p:cNvPr id="2" name="Slide Image Placeholder 1"/>
+          <p:cNvSpPr>
+            <a:spLocks noGrp="1" noRot="1" noChangeAspect="1"/>
+          </p:cNvSpPr>
+          <p:nvPr>
+            <p:ph type="sldImg"/>
+          </p:nvPr>
+        </p:nvSpPr>
+        <p:spPr/>
+      </p:sp>
+      <p:sp>
+        <p:nvSpPr>
+          <p:cNvPr id="3" name="Notes Placeholder 2"/>
+          <p:cNvSpPr>
+            <a:spLocks noGrp="1"/>
+          </p:cNvSpPr>
+          <p:nvPr>
+            <p:ph type="body" idx="1"/>
+          </p:nvPr>
+        </p:nvSpPr>
+        <p:spPr/>
+        <p:txBody>
+          <a:bodyPr/>
+          <a:lstStyle/>
+          <a:p>
+            <a:r>
+              <a:rPr lang="en-US" dirty="0" smtClean="0"/>
+              <a:t>Since all engineers</a:t>
+            </a:r>
+            <a:r>
+              <a:rPr lang="en-US" baseline="0" dirty="0" smtClean="0"/>
+              <a:t> support NW and EPM add-in, then this component would be on the Home Page for the fastest accessing</a:t>
+            </a:r>
+            <a:endParaRPr lang="en-US" dirty="0"/>
+          </a:p>
+        </p:txBody>
+      </p:sp>
+      <p:sp>
+        <p:nvSpPr>
+          <p:cNvPr id="4" name="Slide Number Placeholder 3"/>
+          <p:cNvSpPr>
+            <a:spLocks noGrp="1"/>
+          </p:cNvSpPr>
+          <p:nvPr>
+            <p:ph type="sldNum" sz="quarter" idx="10"/>
+          </p:nvPr>
+        </p:nvSpPr>
+        <p:spPr/>
+        <p:txBody>
+          <a:bodyPr/>
+          <a:lstStyle/>
+          <a:p>
+            <a:fld id="{7D8C2C35-2B8A-446E-BEC0-FD36716C29AC}" type="slidenum">
+              <a:rPr lang="de-DE" smtClean="0"/>
+              <a:pPr/>
+              <a:t>17</a:t>
+            </a:fld>
+            <a:endParaRPr lang="de-DE" dirty="0"/>
+          </a:p>
+        </p:txBody>
+      </p:sp>
+    </p:spTree>
+    <p:extLst>
+      <p:ext uri="{BB962C8B-B14F-4D97-AF65-F5344CB8AC3E}">
+        <p14:creationId xmlns:p14="http://schemas.microsoft.com/office/powerpoint/2010/main" val="2051000623"/>
+      </p:ext>
+    </p:extLst>
+  </p:cSld>
+  <p:clrMapOvr>
+    <a:masterClrMapping/>
+  </p:clrMapOvr>
+</p:notes>
+</file>
+
+<file path=ppt/notesSlides/notesSlide15.xml><?xml version="1.0" encoding="utf-8"?>
+<p:notes xmlns:a="http://schemas.openxmlformats.org/drawingml/2006/main" xmlns:r="http://schemas.openxmlformats.org/officeDocument/2006/relationships" xmlns:p="http://schemas.openxmlformats.org/presentationml/2006/main">
+  <p:cSld>
+    <p:spTree>
+      <p:nvGrpSpPr>
+        <p:cNvPr id="1" name=""/>
+        <p:cNvGrpSpPr/>
+        <p:nvPr/>
+      </p:nvGrpSpPr>
+      <p:grpSpPr>
+        <a:xfrm>
+          <a:off x="0" y="0"/>
+          <a:ext cx="0" cy="0"/>
+          <a:chOff x="0" y="0"/>
+          <a:chExt cx="0" cy="0"/>
+        </a:xfrm>
+      </p:grpSpPr>
+      <p:sp>
+        <p:nvSpPr>
+          <p:cNvPr id="2" name="Slide Image Placeholder 1"/>
+          <p:cNvSpPr>
+            <a:spLocks noGrp="1" noRot="1" noChangeAspect="1"/>
+          </p:cNvSpPr>
+          <p:nvPr>
+            <p:ph type="sldImg"/>
+          </p:nvPr>
+        </p:nvSpPr>
+        <p:spPr/>
+      </p:sp>
+      <p:sp>
+        <p:nvSpPr>
+          <p:cNvPr id="3" name="Notes Placeholder 2"/>
+          <p:cNvSpPr>
+            <a:spLocks noGrp="1"/>
+          </p:cNvSpPr>
+          <p:nvPr>
+            <p:ph type="body" idx="1"/>
+          </p:nvPr>
+        </p:nvSpPr>
+        <p:spPr/>
+        <p:txBody>
+          <a:bodyPr/>
+          <a:lstStyle/>
+          <a:p>
+            <a:r>
+              <a:rPr lang="en-US" dirty="0" smtClean="0"/>
+              <a:t>Automatically</a:t>
+            </a:r>
+            <a:r>
+              <a:rPr lang="en-US" baseline="0" dirty="0" smtClean="0"/>
+              <a:t> recommend the next </a:t>
+            </a:r>
+            <a:r>
+              <a:rPr lang="en-US" sz="1400" b="0" i="0" kern="1200" dirty="0" smtClean="0">
+                <a:solidFill>
+                  <a:schemeClr val="tx1"/>
+                </a:solidFill>
+                <a:effectLst/>
+                <a:latin typeface="+mn-lt"/>
+                <a:ea typeface="+mn-ea"/>
+                <a:cs typeface="+mn-cs"/>
+              </a:rPr>
+              <a:t>candidate</a:t>
+            </a:r>
+            <a:endParaRPr lang="en-US" dirty="0"/>
+          </a:p>
+        </p:txBody>
+      </p:sp>
+      <p:sp>
+        <p:nvSpPr>
+          <p:cNvPr id="4" name="Slide Number Placeholder 3"/>
+          <p:cNvSpPr>
+            <a:spLocks noGrp="1"/>
+          </p:cNvSpPr>
+          <p:nvPr>
+            <p:ph type="sldNum" sz="quarter" idx="10"/>
+          </p:nvPr>
+        </p:nvSpPr>
+        <p:spPr/>
+        <p:txBody>
+          <a:bodyPr/>
+          <a:lstStyle/>
+          <a:p>
+            <a:fld id="{7D8C2C35-2B8A-446E-BEC0-FD36716C29AC}" type="slidenum">
+              <a:rPr lang="de-DE" smtClean="0"/>
+              <a:pPr/>
+              <a:t>18</a:t>
+            </a:fld>
+            <a:endParaRPr lang="de-DE" dirty="0"/>
+          </a:p>
+        </p:txBody>
+      </p:sp>
+    </p:spTree>
+    <p:extLst>
+      <p:ext uri="{BB962C8B-B14F-4D97-AF65-F5344CB8AC3E}">
+        <p14:creationId xmlns:p14="http://schemas.microsoft.com/office/powerpoint/2010/main" val="981962001"/>
+      </p:ext>
+    </p:extLst>
+  </p:cSld>
+  <p:clrMapOvr>
+    <a:masterClrMapping/>
+  </p:clrMapOvr>
+</p:notes>
+</file>
+
+<file path=ppt/notesSlides/notesSlide16.xml><?xml version="1.0" encoding="utf-8"?>
+<p:notes xmlns:a="http://schemas.openxmlformats.org/drawingml/2006/main" xmlns:r="http://schemas.openxmlformats.org/officeDocument/2006/relationships" xmlns:p="http://schemas.openxmlformats.org/presentationml/2006/main">
+  <p:cSld>
+    <p:spTree>
+      <p:nvGrpSpPr>
+        <p:cNvPr id="1" name=""/>
+        <p:cNvGrpSpPr/>
+        <p:nvPr/>
+      </p:nvGrpSpPr>
+      <p:grpSpPr>
+        <a:xfrm>
+          <a:off x="0" y="0"/>
+          <a:ext cx="0" cy="0"/>
+          <a:chOff x="0" y="0"/>
+          <a:chExt cx="0" cy="0"/>
+        </a:xfrm>
+      </p:grpSpPr>
+      <p:sp>
+        <p:nvSpPr>
+          <p:cNvPr id="2" name="Slide Image Placeholder 1"/>
+          <p:cNvSpPr>
+            <a:spLocks noGrp="1" noRot="1" noChangeAspect="1"/>
+          </p:cNvSpPr>
+          <p:nvPr>
+            <p:ph type="sldImg"/>
+          </p:nvPr>
+        </p:nvSpPr>
+        <p:spPr/>
+      </p:sp>
+      <p:sp>
+        <p:nvSpPr>
+          <p:cNvPr id="3" name="Notes Placeholder 2"/>
+          <p:cNvSpPr>
+            <a:spLocks noGrp="1"/>
+          </p:cNvSpPr>
+          <p:nvPr>
+            <p:ph type="body" idx="1"/>
+          </p:nvPr>
+        </p:nvSpPr>
+        <p:spPr/>
+        <p:txBody>
+          <a:bodyPr/>
+          <a:lstStyle/>
+          <a:p>
+            <a:r>
+              <a:rPr lang="en-US" dirty="0" smtClean="0"/>
+              <a:t>Engineer</a:t>
+            </a:r>
+            <a:r>
+              <a:rPr lang="en-US" baseline="0" dirty="0" smtClean="0"/>
+              <a:t> will not be filtered if it is unavailable. </a:t>
+            </a:r>
+            <a:endParaRPr lang="en-US" dirty="0"/>
+          </a:p>
+        </p:txBody>
+      </p:sp>
+      <p:sp>
+        <p:nvSpPr>
+          <p:cNvPr id="4" name="Slide Number Placeholder 3"/>
+          <p:cNvSpPr>
+            <a:spLocks noGrp="1"/>
+          </p:cNvSpPr>
+          <p:nvPr>
+            <p:ph type="sldNum" sz="quarter" idx="10"/>
+          </p:nvPr>
+        </p:nvSpPr>
+        <p:spPr/>
+        <p:txBody>
+          <a:bodyPr/>
+          <a:lstStyle/>
+          <a:p>
+            <a:fld id="{7D8C2C35-2B8A-446E-BEC0-FD36716C29AC}" type="slidenum">
+              <a:rPr lang="de-DE" smtClean="0"/>
+              <a:pPr/>
+              <a:t>19</a:t>
+            </a:fld>
+            <a:endParaRPr lang="de-DE" dirty="0"/>
+          </a:p>
+        </p:txBody>
+      </p:sp>
+    </p:spTree>
+    <p:extLst>
+      <p:ext uri="{BB962C8B-B14F-4D97-AF65-F5344CB8AC3E}">
+        <p14:creationId xmlns:p14="http://schemas.microsoft.com/office/powerpoint/2010/main" val="607033865"/>
+      </p:ext>
+    </p:extLst>
+  </p:cSld>
+  <p:clrMapOvr>
+    <a:masterClrMapping/>
+  </p:clrMapOvr>
+</p:notes>
+</file>
+
+<file path=ppt/notesSlides/notesSlide17.xml><?xml version="1.0" encoding="utf-8"?>
+<p:notes xmlns:a="http://schemas.openxmlformats.org/drawingml/2006/main" xmlns:r="http://schemas.openxmlformats.org/officeDocument/2006/relationships" xmlns:p="http://schemas.openxmlformats.org/presentationml/2006/main">
+  <p:cSld>
+    <p:spTree>
+      <p:nvGrpSpPr>
+        <p:cNvPr id="1" name=""/>
+        <p:cNvGrpSpPr/>
+        <p:nvPr/>
+      </p:nvGrpSpPr>
+      <p:grpSpPr>
+        <a:xfrm>
+          <a:off x="0" y="0"/>
+          <a:ext cx="0" cy="0"/>
+          <a:chOff x="0" y="0"/>
+          <a:chExt cx="0" cy="0"/>
+        </a:xfrm>
+      </p:grpSpPr>
+      <p:sp>
+        <p:nvSpPr>
+          <p:cNvPr id="2" name="Slide Image Placeholder 1"/>
+          <p:cNvSpPr>
+            <a:spLocks noGrp="1" noRot="1" noChangeAspect="1"/>
+          </p:cNvSpPr>
+          <p:nvPr>
+            <p:ph type="sldImg"/>
+          </p:nvPr>
+        </p:nvSpPr>
+        <p:spPr/>
+      </p:sp>
+      <p:sp>
+        <p:nvSpPr>
+          <p:cNvPr id="3" name="Notes Placeholder 2"/>
+          <p:cNvSpPr>
+            <a:spLocks noGrp="1"/>
+          </p:cNvSpPr>
+          <p:nvPr>
+            <p:ph type="body" idx="1"/>
+          </p:nvPr>
+        </p:nvSpPr>
+        <p:spPr/>
+        <p:txBody>
+          <a:bodyPr/>
+          <a:lstStyle/>
+          <a:p>
+            <a:r>
+              <a:rPr lang="en-US" dirty="0" smtClean="0"/>
+              <a:t>Other components</a:t>
+            </a:r>
+            <a:r>
+              <a:rPr lang="en-US" baseline="0" dirty="0" smtClean="0"/>
+              <a:t> as hyperlinks to access</a:t>
+            </a:r>
+            <a:endParaRPr lang="en-US" dirty="0"/>
+          </a:p>
+        </p:txBody>
+      </p:sp>
+      <p:sp>
+        <p:nvSpPr>
+          <p:cNvPr id="4" name="Slide Number Placeholder 3"/>
+          <p:cNvSpPr>
+            <a:spLocks noGrp="1"/>
+          </p:cNvSpPr>
+          <p:nvPr>
+            <p:ph type="sldNum" sz="quarter" idx="10"/>
+          </p:nvPr>
+        </p:nvSpPr>
+        <p:spPr/>
+        <p:txBody>
+          <a:bodyPr/>
+          <a:lstStyle/>
+          <a:p>
+            <a:fld id="{7D8C2C35-2B8A-446E-BEC0-FD36716C29AC}" type="slidenum">
+              <a:rPr lang="de-DE" smtClean="0"/>
+              <a:pPr/>
+              <a:t>20</a:t>
+            </a:fld>
+            <a:endParaRPr lang="de-DE" dirty="0"/>
+          </a:p>
+        </p:txBody>
+      </p:sp>
+    </p:spTree>
+    <p:extLst>
+      <p:ext uri="{BB962C8B-B14F-4D97-AF65-F5344CB8AC3E}">
+        <p14:creationId xmlns:p14="http://schemas.microsoft.com/office/powerpoint/2010/main" val="996789701"/>
+      </p:ext>
+    </p:extLst>
+  </p:cSld>
+  <p:clrMapOvr>
+    <a:masterClrMapping/>
+  </p:clrMapOvr>
+</p:notes>
+</file>
+
+<file path=ppt/notesSlides/notesSlide18.xml><?xml version="1.0" encoding="utf-8"?>
+<p:notes xmlns:a="http://schemas.openxmlformats.org/drawingml/2006/main" xmlns:r="http://schemas.openxmlformats.org/officeDocument/2006/relationships" xmlns:p="http://schemas.openxmlformats.org/presentationml/2006/main">
+  <p:cSld>
+    <p:spTree>
+      <p:nvGrpSpPr>
+        <p:cNvPr id="1" name=""/>
+        <p:cNvGrpSpPr/>
+        <p:nvPr/>
+      </p:nvGrpSpPr>
+      <p:grpSpPr>
+        <a:xfrm>
+          <a:off x="0" y="0"/>
+          <a:ext cx="0" cy="0"/>
+          <a:chOff x="0" y="0"/>
+          <a:chExt cx="0" cy="0"/>
+        </a:xfrm>
+      </p:grpSpPr>
+      <p:sp>
+        <p:nvSpPr>
+          <p:cNvPr id="2" name="Slide Image Placeholder 1"/>
+          <p:cNvSpPr>
+            <a:spLocks noGrp="1" noRot="1" noChangeAspect="1"/>
+          </p:cNvSpPr>
+          <p:nvPr>
+            <p:ph type="sldImg"/>
+          </p:nvPr>
+        </p:nvSpPr>
+        <p:spPr/>
+      </p:sp>
+      <p:sp>
+        <p:nvSpPr>
+          <p:cNvPr id="3" name="Notes Placeholder 2"/>
+          <p:cNvSpPr>
+            <a:spLocks noGrp="1"/>
+          </p:cNvSpPr>
+          <p:nvPr>
+            <p:ph type="body" idx="1"/>
+          </p:nvPr>
+        </p:nvSpPr>
+        <p:spPr/>
+        <p:txBody>
+          <a:bodyPr/>
+          <a:lstStyle/>
+          <a:p>
+            <a:r>
+              <a:rPr lang="en-US" dirty="0" smtClean="0"/>
+              <a:t>Return</a:t>
+            </a:r>
+            <a:r>
+              <a:rPr lang="en-US" baseline="0" dirty="0" smtClean="0"/>
+              <a:t> to home page anytime</a:t>
+            </a:r>
+            <a:endParaRPr lang="en-US" dirty="0"/>
+          </a:p>
+        </p:txBody>
+      </p:sp>
+      <p:sp>
+        <p:nvSpPr>
+          <p:cNvPr id="4" name="Slide Number Placeholder 3"/>
+          <p:cNvSpPr>
+            <a:spLocks noGrp="1"/>
+          </p:cNvSpPr>
+          <p:nvPr>
+            <p:ph type="sldNum" sz="quarter" idx="10"/>
+          </p:nvPr>
+        </p:nvSpPr>
+        <p:spPr/>
+        <p:txBody>
+          <a:bodyPr/>
+          <a:lstStyle/>
+          <a:p>
+            <a:fld id="{7D8C2C35-2B8A-446E-BEC0-FD36716C29AC}" type="slidenum">
+              <a:rPr lang="de-DE" smtClean="0"/>
+              <a:pPr/>
+              <a:t>21</a:t>
+            </a:fld>
+            <a:endParaRPr lang="de-DE" dirty="0"/>
+          </a:p>
+        </p:txBody>
+      </p:sp>
+    </p:spTree>
+    <p:extLst>
+      <p:ext uri="{BB962C8B-B14F-4D97-AF65-F5344CB8AC3E}">
+        <p14:creationId xmlns:p14="http://schemas.microsoft.com/office/powerpoint/2010/main" val="396846032"/>
+      </p:ext>
+    </p:extLst>
+  </p:cSld>
+  <p:clrMapOvr>
+    <a:masterClrMapping/>
+  </p:clrMapOvr>
+</p:notes>
+</file>
+
+<file path=ppt/notesSlides/notesSlide19.xml><?xml version="1.0" encoding="utf-8"?>
+<p:notes xmlns:a="http://schemas.openxmlformats.org/drawingml/2006/main" xmlns:r="http://schemas.openxmlformats.org/officeDocument/2006/relationships" xmlns:p="http://schemas.openxmlformats.org/presentationml/2006/main">
+  <p:cSld>
+    <p:spTree>
+      <p:nvGrpSpPr>
+        <p:cNvPr id="1" name=""/>
+        <p:cNvGrpSpPr/>
+        <p:nvPr/>
+      </p:nvGrpSpPr>
+      <p:grpSpPr>
+        <a:xfrm>
+          <a:off x="0" y="0"/>
+          <a:ext cx="0" cy="0"/>
+          <a:chOff x="0" y="0"/>
+          <a:chExt cx="0" cy="0"/>
+        </a:xfrm>
+      </p:grpSpPr>
+      <p:sp>
+        <p:nvSpPr>
+          <p:cNvPr id="2" name="Slide Image Placeholder 1"/>
+          <p:cNvSpPr>
+            <a:spLocks noGrp="1" noRot="1" noChangeAspect="1"/>
+          </p:cNvSpPr>
+          <p:nvPr>
+            <p:ph type="sldImg"/>
+          </p:nvPr>
+        </p:nvSpPr>
+        <p:spPr/>
+      </p:sp>
+      <p:sp>
+        <p:nvSpPr>
+          <p:cNvPr id="3" name="Notes Placeholder 2"/>
+          <p:cNvSpPr>
+            <a:spLocks noGrp="1"/>
+          </p:cNvSpPr>
+          <p:nvPr>
+            <p:ph type="body" idx="1"/>
+          </p:nvPr>
+        </p:nvSpPr>
+        <p:spPr/>
+        <p:txBody>
+          <a:bodyPr/>
+          <a:lstStyle/>
+          <a:p>
+            <a:r>
+              <a:rPr lang="en-US" dirty="0"/>
+              <a:t>Then bring to the next chapter</a:t>
+            </a:r>
+          </a:p>
+        </p:txBody>
+      </p:sp>
+      <p:sp>
+        <p:nvSpPr>
+          <p:cNvPr id="4" name="Slide Number Placeholder 3"/>
+          <p:cNvSpPr>
+            <a:spLocks noGrp="1"/>
+          </p:cNvSpPr>
+          <p:nvPr>
+            <p:ph type="sldNum" sz="quarter" idx="10"/>
+          </p:nvPr>
+        </p:nvSpPr>
+        <p:spPr/>
+        <p:txBody>
+          <a:bodyPr/>
+          <a:lstStyle/>
+          <a:p>
+            <a:fld id="{7D8C2C35-2B8A-446E-BEC0-FD36716C29AC}" type="slidenum">
+              <a:rPr lang="de-DE" smtClean="0"/>
+              <a:pPr/>
+              <a:t>24</a:t>
+            </a:fld>
+            <a:endParaRPr lang="de-DE" dirty="0"/>
+          </a:p>
+        </p:txBody>
+      </p:sp>
+    </p:spTree>
+    <p:extLst>
+      <p:ext uri="{BB962C8B-B14F-4D97-AF65-F5344CB8AC3E}">
+        <p14:creationId xmlns:p14="http://schemas.microsoft.com/office/powerpoint/2010/main" val="1990883211"/>
       </p:ext>
     </p:extLst>
   </p:cSld>
@@ -2917,6 +3597,98 @@
     <p:extLst>
       <p:ext uri="{BB962C8B-B14F-4D97-AF65-F5344CB8AC3E}">
         <p14:creationId xmlns:p14="http://schemas.microsoft.com/office/powerpoint/2010/main" val="1532547752"/>
+      </p:ext>
+    </p:extLst>
+  </p:cSld>
+  <p:clrMapOvr>
+    <a:masterClrMapping/>
+  </p:clrMapOvr>
+</p:notes>
+</file>
+
+<file path=ppt/notesSlides/notesSlide20.xml><?xml version="1.0" encoding="utf-8"?>
+<p:notes xmlns:a="http://schemas.openxmlformats.org/drawingml/2006/main" xmlns:r="http://schemas.openxmlformats.org/officeDocument/2006/relationships" xmlns:p="http://schemas.openxmlformats.org/presentationml/2006/main">
+  <p:cSld>
+    <p:spTree>
+      <p:nvGrpSpPr>
+        <p:cNvPr id="1" name=""/>
+        <p:cNvGrpSpPr/>
+        <p:nvPr/>
+      </p:nvGrpSpPr>
+      <p:grpSpPr>
+        <a:xfrm>
+          <a:off x="0" y="0"/>
+          <a:ext cx="0" cy="0"/>
+          <a:chOff x="0" y="0"/>
+          <a:chExt cx="0" cy="0"/>
+        </a:xfrm>
+      </p:grpSpPr>
+      <p:sp>
+        <p:nvSpPr>
+          <p:cNvPr id="4" name="Slide Number Placeholder 3"/>
+          <p:cNvSpPr>
+            <a:spLocks noGrp="1"/>
+          </p:cNvSpPr>
+          <p:nvPr>
+            <p:ph type="sldNum" sz="quarter" idx="10"/>
+          </p:nvPr>
+        </p:nvSpPr>
+        <p:spPr/>
+        <p:txBody>
+          <a:bodyPr/>
+          <a:lstStyle/>
+          <a:p>
+            <a:fld id="{7D8C2C35-2B8A-446E-BEC0-FD36716C29AC}" type="slidenum">
+              <a:rPr lang="de-DE" smtClean="0"/>
+              <a:pPr/>
+              <a:t>28</a:t>
+            </a:fld>
+            <a:endParaRPr lang="de-DE" dirty="0"/>
+          </a:p>
+        </p:txBody>
+      </p:sp>
+      <p:sp>
+        <p:nvSpPr>
+          <p:cNvPr id="6" name="Slide Image Placeholder 5"/>
+          <p:cNvSpPr>
+            <a:spLocks noGrp="1" noRot="1" noChangeAspect="1"/>
+          </p:cNvSpPr>
+          <p:nvPr>
+            <p:ph type="sldImg"/>
+          </p:nvPr>
+        </p:nvSpPr>
+        <p:spPr>
+          <a:xfrm>
+            <a:off x="547688" y="612775"/>
+            <a:ext cx="5762625" cy="3241675"/>
+          </a:xfrm>
+        </p:spPr>
+      </p:sp>
+      <p:sp>
+        <p:nvSpPr>
+          <p:cNvPr id="7" name="Notes Placeholder 6"/>
+          <p:cNvSpPr>
+            <a:spLocks noGrp="1"/>
+          </p:cNvSpPr>
+          <p:nvPr>
+            <p:ph type="body" idx="1"/>
+          </p:nvPr>
+        </p:nvSpPr>
+        <p:spPr/>
+        <p:txBody>
+          <a:bodyPr>
+            <a:normAutofit/>
+          </a:bodyPr>
+          <a:lstStyle/>
+          <a:p>
+            <a:endParaRPr lang="en-US"/>
+          </a:p>
+        </p:txBody>
+      </p:sp>
+    </p:spTree>
+    <p:extLst>
+      <p:ext uri="{BB962C8B-B14F-4D97-AF65-F5344CB8AC3E}">
+        <p14:creationId xmlns:p14="http://schemas.microsoft.com/office/powerpoint/2010/main" val="2544264309"/>
       </p:ext>
     </p:extLst>
   </p:cSld>
@@ -3521,20 +4293,12 @@
           <a:lstStyle/>
           <a:p>
             <a:r>
-              <a:rPr lang="en-US" altLang="zh-CN" dirty="0"/>
-              <a:t>How to avoid </a:t>
-            </a:r>
-            <a:r>
-              <a:rPr lang="zh-CN" altLang="en-US" dirty="0"/>
-              <a:t>缺陷</a:t>
-            </a:r>
-            <a:r>
-              <a:rPr lang="en-US" altLang="zh-CN" dirty="0"/>
-              <a:t>, extends </a:t>
-            </a:r>
-            <a:r>
-              <a:rPr lang="zh-CN" altLang="en-US" dirty="0"/>
-              <a:t>优点？</a:t>
+              <a:rPr lang="en-US" dirty="0" smtClean="0"/>
+              <a:t>Forgot to handover, trouble</a:t>
+            </a:r>
+            <a:r>
+              <a:rPr lang="en-US" baseline="0" dirty="0" smtClean="0"/>
+              <a:t> maker</a:t>
             </a:r>
             <a:endParaRPr lang="en-US" dirty="0"/>
           </a:p>
@@ -3567,7 +4331,7 @@
     </p:spTree>
     <p:extLst>
       <p:ext uri="{BB962C8B-B14F-4D97-AF65-F5344CB8AC3E}">
-        <p14:creationId xmlns:p14="http://schemas.microsoft.com/office/powerpoint/2010/main" val="1009616146"/>
+        <p14:creationId xmlns:p14="http://schemas.microsoft.com/office/powerpoint/2010/main" val="1396010178"/>
       </p:ext>
     </p:extLst>
   </p:cSld>
@@ -11157,7 +11921,15 @@
           <a:p>
             <a:r>
               <a:rPr lang="en-US" dirty="0"/>
-              <a:t>Queue Manager Web</a:t>
+              <a:t>Queue Manager </a:t>
+            </a:r>
+            <a:r>
+              <a:rPr lang="en-US" dirty="0" smtClean="0"/>
+              <a:t>Web</a:t>
+            </a:r>
+            <a:r>
+              <a:rPr lang="en-US" dirty="0"/>
+              <a:t/>
             </a:r>
             <a:br>
               <a:rPr lang="en-US" dirty="0"/>
@@ -11227,7 +11999,7 @@
           <p:cNvPr id="3" name="Title 2">
             <a:extLst>
               <a:ext uri="{FF2B5EF4-FFF2-40B4-BE49-F238E27FC236}">
-                <a16:creationId xmlns:a16="http://schemas.microsoft.com/office/drawing/2014/main" id="{59D512E6-AC34-4273-A4E1-9E3561AEDEC1}"/>
+                <a16:creationId xmlns:a16="http://schemas.microsoft.com/office/drawing/2014/main" xmlns="" id="{59D512E6-AC34-4273-A4E1-9E3561AEDEC1}"/>
               </a:ext>
             </a:extLst>
           </p:cNvPr>
@@ -11255,7 +12027,7 @@
           <p:cNvPr id="5" name="TextBox 4">
             <a:extLst>
               <a:ext uri="{FF2B5EF4-FFF2-40B4-BE49-F238E27FC236}">
-                <a16:creationId xmlns:a16="http://schemas.microsoft.com/office/drawing/2014/main" id="{72F386AC-50B1-4D5A-9969-D8C60966F904}"/>
+                <a16:creationId xmlns:a16="http://schemas.microsoft.com/office/drawing/2014/main" xmlns="" id="{72F386AC-50B1-4D5A-9969-D8C60966F904}"/>
               </a:ext>
             </a:extLst>
           </p:cNvPr>
@@ -11305,7 +12077,7 @@
           <p:cNvPr id="2" name="Picture 1">
             <a:extLst>
               <a:ext uri="{FF2B5EF4-FFF2-40B4-BE49-F238E27FC236}">
-                <a16:creationId xmlns:a16="http://schemas.microsoft.com/office/drawing/2014/main" id="{836213E8-5AC8-4220-B8EB-1F0BF829D386}"/>
+                <a16:creationId xmlns:a16="http://schemas.microsoft.com/office/drawing/2014/main" xmlns="" id="{836213E8-5AC8-4220-B8EB-1F0BF829D386}"/>
               </a:ext>
             </a:extLst>
           </p:cNvPr>
@@ -11334,7 +12106,7 @@
           <p:cNvPr id="8" name="TextBox 7">
             <a:extLst>
               <a:ext uri="{FF2B5EF4-FFF2-40B4-BE49-F238E27FC236}">
-                <a16:creationId xmlns:a16="http://schemas.microsoft.com/office/drawing/2014/main" id="{A8C6C46A-24D2-415E-A462-3CA587465D70}"/>
+                <a16:creationId xmlns:a16="http://schemas.microsoft.com/office/drawing/2014/main" xmlns="" id="{A8C6C46A-24D2-415E-A462-3CA587465D70}"/>
               </a:ext>
             </a:extLst>
           </p:cNvPr>
@@ -11398,7 +12170,7 @@
           <p:cNvPr id="9" name="Rounded Rectangle 20">
             <a:extLst>
               <a:ext uri="{FF2B5EF4-FFF2-40B4-BE49-F238E27FC236}">
-                <a16:creationId xmlns:a16="http://schemas.microsoft.com/office/drawing/2014/main" id="{98970A8B-153F-4F3B-9022-5CA390180A86}"/>
+                <a16:creationId xmlns:a16="http://schemas.microsoft.com/office/drawing/2014/main" xmlns="" id="{98970A8B-153F-4F3B-9022-5CA390180A86}"/>
               </a:ext>
             </a:extLst>
           </p:cNvPr>
@@ -11407,7 +12179,7 @@
         </p:nvSpPr>
         <p:spPr bwMode="gray">
           <a:xfrm rot="1001945">
-            <a:off x="8455691" y="1889792"/>
+            <a:off x="2051620" y="2141498"/>
             <a:ext cx="3325157" cy="386904"/>
           </a:xfrm>
           <a:prstGeom prst="roundRect">
@@ -11505,7 +12277,7 @@
           <p:cNvPr id="15" name="Oval 14">
             <a:extLst>
               <a:ext uri="{FF2B5EF4-FFF2-40B4-BE49-F238E27FC236}">
-                <a16:creationId xmlns:a16="http://schemas.microsoft.com/office/drawing/2014/main" id="{C2B6EB42-389A-44BD-83FE-2C5B23AD0ABB}"/>
+                <a16:creationId xmlns:a16="http://schemas.microsoft.com/office/drawing/2014/main" xmlns="" id="{C2B6EB42-389A-44BD-83FE-2C5B23AD0ABB}"/>
               </a:ext>
             </a:extLst>
           </p:cNvPr>
@@ -11578,7 +12350,7 @@
           <p:cNvPr id="4" name="Picture 3">
             <a:extLst>
               <a:ext uri="{FF2B5EF4-FFF2-40B4-BE49-F238E27FC236}">
-                <a16:creationId xmlns:a16="http://schemas.microsoft.com/office/drawing/2014/main" id="{96B02D29-DF06-4F46-996E-EA157E587A62}"/>
+                <a16:creationId xmlns:a16="http://schemas.microsoft.com/office/drawing/2014/main" xmlns="" id="{96B02D29-DF06-4F46-996E-EA157E587A62}"/>
               </a:ext>
             </a:extLst>
           </p:cNvPr>
@@ -11608,7 +12380,7 @@
           <p:cNvPr id="10" name="TextBox 9">
             <a:extLst>
               <a:ext uri="{FF2B5EF4-FFF2-40B4-BE49-F238E27FC236}">
-                <a16:creationId xmlns:a16="http://schemas.microsoft.com/office/drawing/2014/main" id="{1AFCD621-72F1-4357-BB91-643A9F3966C8}"/>
+                <a16:creationId xmlns:a16="http://schemas.microsoft.com/office/drawing/2014/main" xmlns="" id="{1AFCD621-72F1-4357-BB91-643A9F3966C8}"/>
               </a:ext>
             </a:extLst>
           </p:cNvPr>
@@ -11699,10 +12471,120 @@
       </p:grpSpPr>
       <p:sp>
         <p:nvSpPr>
+          <p:cNvPr id="5" name="TextBox 4">
+            <a:extLst>
+              <a:ext uri="{FF2B5EF4-FFF2-40B4-BE49-F238E27FC236}">
+                <a16:creationId xmlns:a16="http://schemas.microsoft.com/office/drawing/2014/main" xmlns="" id="{72F386AC-50B1-4D5A-9969-D8C60966F904}"/>
+              </a:ext>
+            </a:extLst>
+          </p:cNvPr>
+          <p:cNvSpPr txBox="1"/>
+          <p:nvPr/>
+        </p:nvSpPr>
+        <p:spPr>
+          <a:xfrm>
+            <a:off x="4560760" y="1291624"/>
+            <a:ext cx="3159519" cy="307777"/>
+          </a:xfrm>
+          <a:prstGeom prst="rect">
+            <a:avLst/>
+          </a:prstGeom>
+          <a:noFill/>
+        </p:spPr>
+        <p:txBody>
+          <a:bodyPr wrap="none" lIns="0" tIns="0" rIns="0" bIns="0" rtlCol="0">
+            <a:spAutoFit/>
+          </a:bodyPr>
+          <a:lstStyle/>
+          <a:p>
+            <a:pPr fontAlgn="base">
+              <a:spcBef>
+                <a:spcPct val="50000"/>
+              </a:spcBef>
+              <a:spcAft>
+                <a:spcPct val="0"/>
+              </a:spcAft>
+              <a:buClr>
+                <a:srgbClr val="F0AB00"/>
+              </a:buClr>
+              <a:buSzPct val="80000"/>
+            </a:pPr>
+            <a:r>
+              <a:rPr lang="en-US" sz="2000" b="1" kern="0" dirty="0">
+                <a:ea typeface="Arial Unicode MS" pitchFamily="34" charset="-128"/>
+                <a:cs typeface="Arial Unicode MS" pitchFamily="34" charset="-128"/>
+              </a:rPr>
+              <a:t>Local / Online Excel sheet</a:t>
+            </a:r>
+          </a:p>
+        </p:txBody>
+      </p:sp>
+      <p:pic>
+        <p:nvPicPr>
+          <p:cNvPr id="6" name="Picture 5"/>
+          <p:cNvPicPr>
+            <a:picLocks noChangeAspect="1"/>
+          </p:cNvPicPr>
+          <p:nvPr/>
+        </p:nvPicPr>
+        <p:blipFill>
+          <a:blip r:embed="rId3">
+            <a:extLst>
+              <a:ext uri="{28A0092B-C50C-407E-A947-70E740481C1C}">
+                <a14:useLocalDpi xmlns:a14="http://schemas.microsoft.com/office/drawing/2010/main" val="0"/>
+              </a:ext>
+            </a:extLst>
+          </a:blip>
+          <a:stretch>
+            <a:fillRect/>
+          </a:stretch>
+        </p:blipFill>
+        <p:spPr>
+          <a:xfrm>
+            <a:off x="1219200" y="1599401"/>
+            <a:ext cx="10058400" cy="3863008"/>
+          </a:xfrm>
+          <a:prstGeom prst="rect">
+            <a:avLst/>
+          </a:prstGeom>
+        </p:spPr>
+      </p:pic>
+    </p:spTree>
+    <p:extLst>
+      <p:ext uri="{BB962C8B-B14F-4D97-AF65-F5344CB8AC3E}">
+        <p14:creationId xmlns:p14="http://schemas.microsoft.com/office/powerpoint/2010/main" val="2050444975"/>
+      </p:ext>
+    </p:extLst>
+  </p:cSld>
+  <p:clrMapOvr>
+    <a:masterClrMapping/>
+  </p:clrMapOvr>
+</p:sld>
+</file>
+
+<file path=ppt/slides/slide12.xml><?xml version="1.0" encoding="utf-8"?>
+<p:sld xmlns:a="http://schemas.openxmlformats.org/drawingml/2006/main" xmlns:r="http://schemas.openxmlformats.org/officeDocument/2006/relationships" xmlns:p="http://schemas.openxmlformats.org/presentationml/2006/main">
+  <p:cSld>
+    <p:spTree>
+      <p:nvGrpSpPr>
+        <p:cNvPr id="1" name=""/>
+        <p:cNvGrpSpPr/>
+        <p:nvPr/>
+      </p:nvGrpSpPr>
+      <p:grpSpPr>
+        <a:xfrm>
+          <a:off x="0" y="0"/>
+          <a:ext cx="0" cy="0"/>
+          <a:chOff x="0" y="0"/>
+          <a:chExt cx="0" cy="0"/>
+        </a:xfrm>
+      </p:grpSpPr>
+      <p:sp>
+        <p:nvSpPr>
           <p:cNvPr id="3" name="Title 2">
             <a:extLst>
               <a:ext uri="{FF2B5EF4-FFF2-40B4-BE49-F238E27FC236}">
-                <a16:creationId xmlns:a16="http://schemas.microsoft.com/office/drawing/2014/main" id="{ACDC5AA8-32A9-460A-AD7E-2CC2138B3E3C}"/>
+                <a16:creationId xmlns:a16="http://schemas.microsoft.com/office/drawing/2014/main" xmlns="" id="{ACDC5AA8-32A9-460A-AD7E-2CC2138B3E3C}"/>
               </a:ext>
             </a:extLst>
           </p:cNvPr>
@@ -11730,7 +12612,7 @@
           <p:cNvPr id="4" name="TextBox 3">
             <a:extLst>
               <a:ext uri="{FF2B5EF4-FFF2-40B4-BE49-F238E27FC236}">
-                <a16:creationId xmlns:a16="http://schemas.microsoft.com/office/drawing/2014/main" id="{38586787-7369-4320-9E45-83C58B42D572}"/>
+                <a16:creationId xmlns:a16="http://schemas.microsoft.com/office/drawing/2014/main" xmlns="" id="{38586787-7369-4320-9E45-83C58B42D572}"/>
               </a:ext>
             </a:extLst>
           </p:cNvPr>
@@ -11787,7 +12669,7 @@
           <p:cNvPr id="5" name="TextBox 4">
             <a:extLst>
               <a:ext uri="{FF2B5EF4-FFF2-40B4-BE49-F238E27FC236}">
-                <a16:creationId xmlns:a16="http://schemas.microsoft.com/office/drawing/2014/main" id="{DD3B578E-BA84-4F88-8CE8-1EA030DD1E1C}"/>
+                <a16:creationId xmlns:a16="http://schemas.microsoft.com/office/drawing/2014/main" xmlns="" id="{DD3B578E-BA84-4F88-8CE8-1EA030DD1E1C}"/>
               </a:ext>
             </a:extLst>
           </p:cNvPr>
@@ -11837,7 +12719,7 @@
           <p:cNvPr id="1030" name="Picture 6" descr="Image result for emoji thinking face transparent">
             <a:extLst>
               <a:ext uri="{FF2B5EF4-FFF2-40B4-BE49-F238E27FC236}">
-                <a16:creationId xmlns:a16="http://schemas.microsoft.com/office/drawing/2014/main" id="{4E038710-3C81-4634-952D-652729766495}"/>
+                <a16:creationId xmlns:a16="http://schemas.microsoft.com/office/drawing/2014/main" xmlns="" id="{4E038710-3C81-4634-952D-652729766495}"/>
               </a:ext>
             </a:extLst>
           </p:cNvPr>
@@ -11892,7 +12774,7 @@
 </p:sld>
 </file>
 
-<file path=ppt/slides/slide12.xml><?xml version="1.0" encoding="utf-8"?>
+<file path=ppt/slides/slide13.xml><?xml version="1.0" encoding="utf-8"?>
 <p:sld xmlns:a="http://schemas.openxmlformats.org/drawingml/2006/main" xmlns:r="http://schemas.openxmlformats.org/officeDocument/2006/relationships" xmlns:p="http://schemas.openxmlformats.org/presentationml/2006/main">
   <p:cSld>
     <p:spTree>
@@ -11936,7 +12818,7 @@
           <p:cNvPr id="6" name="Chart 5">
             <a:extLst>
               <a:ext uri="{FF2B5EF4-FFF2-40B4-BE49-F238E27FC236}">
-                <a16:creationId xmlns:a16="http://schemas.microsoft.com/office/drawing/2014/main" id="{2024650D-DE93-44EE-9895-9CF4A24DA026}"/>
+                <a16:creationId xmlns:a16="http://schemas.microsoft.com/office/drawing/2014/main" xmlns="" id="{2024650D-DE93-44EE-9895-9CF4A24DA026}"/>
               </a:ext>
             </a:extLst>
           </p:cNvPr>
@@ -11964,7 +12846,7 @@
           <p:cNvPr id="7" name="TextBox 6">
             <a:extLst>
               <a:ext uri="{FF2B5EF4-FFF2-40B4-BE49-F238E27FC236}">
-                <a16:creationId xmlns:a16="http://schemas.microsoft.com/office/drawing/2014/main" id="{EB377DA1-873D-4642-9C9A-ECD3BFD92D09}"/>
+                <a16:creationId xmlns:a16="http://schemas.microsoft.com/office/drawing/2014/main" xmlns="" id="{EB377DA1-873D-4642-9C9A-ECD3BFD92D09}"/>
               </a:ext>
             </a:extLst>
           </p:cNvPr>
@@ -12017,7 +12899,7 @@
           <p:cNvPr id="8" name="TextBox 7">
             <a:extLst>
               <a:ext uri="{FF2B5EF4-FFF2-40B4-BE49-F238E27FC236}">
-                <a16:creationId xmlns:a16="http://schemas.microsoft.com/office/drawing/2014/main" id="{55AB0BCF-C6CB-488A-A81E-C592D83EDFA4}"/>
+                <a16:creationId xmlns:a16="http://schemas.microsoft.com/office/drawing/2014/main" xmlns="" id="{55AB0BCF-C6CB-488A-A81E-C592D83EDFA4}"/>
               </a:ext>
             </a:extLst>
           </p:cNvPr>
@@ -12070,7 +12952,7 @@
           <p:cNvPr id="9" name="TextBox 8">
             <a:extLst>
               <a:ext uri="{FF2B5EF4-FFF2-40B4-BE49-F238E27FC236}">
-                <a16:creationId xmlns:a16="http://schemas.microsoft.com/office/drawing/2014/main" id="{8EED529D-C948-41AE-B89D-4F4375C1339A}"/>
+                <a16:creationId xmlns:a16="http://schemas.microsoft.com/office/drawing/2014/main" xmlns="" id="{8EED529D-C948-41AE-B89D-4F4375C1339A}"/>
               </a:ext>
             </a:extLst>
           </p:cNvPr>
@@ -12126,7 +13008,7 @@
           <p:cNvPr id="12" name="TextBox 11">
             <a:extLst>
               <a:ext uri="{FF2B5EF4-FFF2-40B4-BE49-F238E27FC236}">
-                <a16:creationId xmlns:a16="http://schemas.microsoft.com/office/drawing/2014/main" id="{CC0CF1A2-E210-4A5E-9C09-580619FA7405}"/>
+                <a16:creationId xmlns:a16="http://schemas.microsoft.com/office/drawing/2014/main" xmlns="" id="{CC0CF1A2-E210-4A5E-9C09-580619FA7405}"/>
               </a:ext>
             </a:extLst>
           </p:cNvPr>
@@ -12179,7 +13061,7 @@
           <p:cNvPr id="13" name="TextBox 12">
             <a:extLst>
               <a:ext uri="{FF2B5EF4-FFF2-40B4-BE49-F238E27FC236}">
-                <a16:creationId xmlns:a16="http://schemas.microsoft.com/office/drawing/2014/main" id="{F06BEDE4-581D-4EA2-8B76-2882C831EE39}"/>
+                <a16:creationId xmlns:a16="http://schemas.microsoft.com/office/drawing/2014/main" xmlns="" id="{F06BEDE4-581D-4EA2-8B76-2882C831EE39}"/>
               </a:ext>
             </a:extLst>
           </p:cNvPr>
@@ -12235,7 +13117,7 @@
           <p:cNvPr id="14" name="Straight Connector 13">
             <a:extLst>
               <a:ext uri="{FF2B5EF4-FFF2-40B4-BE49-F238E27FC236}">
-                <a16:creationId xmlns:a16="http://schemas.microsoft.com/office/drawing/2014/main" id="{CF7C7744-C579-4D28-98C2-5A2C9A6EABF9}"/>
+                <a16:creationId xmlns:a16="http://schemas.microsoft.com/office/drawing/2014/main" xmlns="" id="{CF7C7744-C579-4D28-98C2-5A2C9A6EABF9}"/>
               </a:ext>
             </a:extLst>
           </p:cNvPr>
@@ -12278,7 +13160,7 @@
           <p:cNvPr id="16" name="Straight Connector 15">
             <a:extLst>
               <a:ext uri="{FF2B5EF4-FFF2-40B4-BE49-F238E27FC236}">
-                <a16:creationId xmlns:a16="http://schemas.microsoft.com/office/drawing/2014/main" id="{403707E3-FC32-4911-BE69-10D4B8B12771}"/>
+                <a16:creationId xmlns:a16="http://schemas.microsoft.com/office/drawing/2014/main" xmlns="" id="{403707E3-FC32-4911-BE69-10D4B8B12771}"/>
               </a:ext>
             </a:extLst>
           </p:cNvPr>
@@ -12321,7 +13203,7 @@
           <p:cNvPr id="17" name="TextBox 16">
             <a:extLst>
               <a:ext uri="{FF2B5EF4-FFF2-40B4-BE49-F238E27FC236}">
-                <a16:creationId xmlns:a16="http://schemas.microsoft.com/office/drawing/2014/main" id="{23AA344C-FF3B-40A7-B6BC-4ACC4A20F4EB}"/>
+                <a16:creationId xmlns:a16="http://schemas.microsoft.com/office/drawing/2014/main" xmlns="" id="{23AA344C-FF3B-40A7-B6BC-4ACC4A20F4EB}"/>
               </a:ext>
             </a:extLst>
           </p:cNvPr>
@@ -12374,7 +13256,7 @@
           <p:cNvPr id="19" name="Straight Connector 18">
             <a:extLst>
               <a:ext uri="{FF2B5EF4-FFF2-40B4-BE49-F238E27FC236}">
-                <a16:creationId xmlns:a16="http://schemas.microsoft.com/office/drawing/2014/main" id="{BA578CA6-1327-4849-AF17-23CF68A2133A}"/>
+                <a16:creationId xmlns:a16="http://schemas.microsoft.com/office/drawing/2014/main" xmlns="" id="{BA578CA6-1327-4849-AF17-23CF68A2133A}"/>
               </a:ext>
             </a:extLst>
           </p:cNvPr>
@@ -12417,7 +13299,7 @@
           <p:cNvPr id="5" name="Group 4">
             <a:extLst>
               <a:ext uri="{FF2B5EF4-FFF2-40B4-BE49-F238E27FC236}">
-                <a16:creationId xmlns:a16="http://schemas.microsoft.com/office/drawing/2014/main" id="{17CF6214-93C5-4CCB-8E34-D9C576016FF0}"/>
+                <a16:creationId xmlns:a16="http://schemas.microsoft.com/office/drawing/2014/main" xmlns="" id="{17CF6214-93C5-4CCB-8E34-D9C576016FF0}"/>
               </a:ext>
             </a:extLst>
           </p:cNvPr>
@@ -12437,7 +13319,7 @@
             <p:cNvPr id="10" name="TextBox 9">
               <a:extLst>
                 <a:ext uri="{FF2B5EF4-FFF2-40B4-BE49-F238E27FC236}">
-                  <a16:creationId xmlns:a16="http://schemas.microsoft.com/office/drawing/2014/main" id="{F7E60F61-40C9-4D2F-B34F-B57D1DADBE79}"/>
+                  <a16:creationId xmlns:a16="http://schemas.microsoft.com/office/drawing/2014/main" xmlns="" id="{F7E60F61-40C9-4D2F-B34F-B57D1DADBE79}"/>
                 </a:ext>
               </a:extLst>
             </p:cNvPr>
@@ -12490,7 +13372,7 @@
             <p:cNvPr id="3" name="Straight Connector 2">
               <a:extLst>
                 <a:ext uri="{FF2B5EF4-FFF2-40B4-BE49-F238E27FC236}">
-                  <a16:creationId xmlns:a16="http://schemas.microsoft.com/office/drawing/2014/main" id="{7450FE50-3D45-452F-9B80-89DEDA264922}"/>
+                  <a16:creationId xmlns:a16="http://schemas.microsoft.com/office/drawing/2014/main" xmlns="" id="{7450FE50-3D45-452F-9B80-89DEDA264922}"/>
                 </a:ext>
               </a:extLst>
             </p:cNvPr>
@@ -12542,7 +13424,7 @@
 </p:sld>
 </file>
 
-<file path=ppt/slides/slide13.xml><?xml version="1.0" encoding="utf-8"?>
+<file path=ppt/slides/slide14.xml><?xml version="1.0" encoding="utf-8"?>
 <p:sld xmlns:a="http://schemas.openxmlformats.org/drawingml/2006/main" xmlns:r="http://schemas.openxmlformats.org/officeDocument/2006/relationships" xmlns:p="http://schemas.openxmlformats.org/presentationml/2006/main">
   <p:cSld>
     <p:spTree>
@@ -12564,7 +13446,7 @@
           <p:cNvPr id="8" name="Picture 7">
             <a:extLst>
               <a:ext uri="{FF2B5EF4-FFF2-40B4-BE49-F238E27FC236}">
-                <a16:creationId xmlns:a16="http://schemas.microsoft.com/office/drawing/2014/main" id="{E0271523-1F4F-43F1-BCD5-61A6B0CDED41}"/>
+                <a16:creationId xmlns:a16="http://schemas.microsoft.com/office/drawing/2014/main" xmlns="" id="{E0271523-1F4F-43F1-BCD5-61A6B0CDED41}"/>
               </a:ext>
             </a:extLst>
           </p:cNvPr>
@@ -12574,7 +13456,7 @@
           <p:nvPr/>
         </p:nvPicPr>
         <p:blipFill rotWithShape="1">
-          <a:blip r:embed="rId2"/>
+          <a:blip r:embed="rId3"/>
           <a:srcRect r="26246"/>
           <a:stretch/>
         </p:blipFill>
@@ -12593,7 +13475,7 @@
           <p:cNvPr id="7" name="Oval 6">
             <a:extLst>
               <a:ext uri="{FF2B5EF4-FFF2-40B4-BE49-F238E27FC236}">
-                <a16:creationId xmlns:a16="http://schemas.microsoft.com/office/drawing/2014/main" id="{74501F77-C573-4E73-AF19-FD9BDC119363}"/>
+                <a16:creationId xmlns:a16="http://schemas.microsoft.com/office/drawing/2014/main" xmlns="" id="{74501F77-C573-4E73-AF19-FD9BDC119363}"/>
               </a:ext>
             </a:extLst>
           </p:cNvPr>
@@ -12602,8 +13484,8 @@
         </p:nvSpPr>
         <p:spPr bwMode="gray">
           <a:xfrm>
-            <a:off x="8057072" y="1742536"/>
-            <a:ext cx="2889849" cy="2889849"/>
+            <a:off x="8029637" y="1709530"/>
+            <a:ext cx="2917282" cy="2975863"/>
           </a:xfrm>
           <a:prstGeom prst="ellipse">
             <a:avLst/>
@@ -12656,7 +13538,7 @@
           <p:cNvPr id="9" name="TextBox 8">
             <a:extLst>
               <a:ext uri="{FF2B5EF4-FFF2-40B4-BE49-F238E27FC236}">
-                <a16:creationId xmlns:a16="http://schemas.microsoft.com/office/drawing/2014/main" id="{FBF99C32-42BF-408F-BF15-1B18913EB462}"/>
+                <a16:creationId xmlns:a16="http://schemas.microsoft.com/office/drawing/2014/main" xmlns="" id="{FBF99C32-42BF-408F-BF15-1B18913EB462}"/>
               </a:ext>
             </a:extLst>
           </p:cNvPr>
@@ -12709,7 +13591,7 @@
           <p:cNvPr id="12" name="TextBox 11">
             <a:extLst>
               <a:ext uri="{FF2B5EF4-FFF2-40B4-BE49-F238E27FC236}">
-                <a16:creationId xmlns:a16="http://schemas.microsoft.com/office/drawing/2014/main" id="{F9942FC1-6018-42BE-8674-81738434BF70}"/>
+                <a16:creationId xmlns:a16="http://schemas.microsoft.com/office/drawing/2014/main" xmlns="" id="{F9942FC1-6018-42BE-8674-81738434BF70}"/>
               </a:ext>
             </a:extLst>
           </p:cNvPr>
@@ -12718,7 +13600,7 @@
         </p:nvSpPr>
         <p:spPr>
           <a:xfrm>
-            <a:off x="8002204" y="2818128"/>
+            <a:off x="8029637" y="2836697"/>
             <a:ext cx="2944717" cy="738664"/>
           </a:xfrm>
           <a:prstGeom prst="rect">
@@ -12762,7 +13644,7 @@
           <p:cNvPr id="13" name="TextBox 12">
             <a:extLst>
               <a:ext uri="{FF2B5EF4-FFF2-40B4-BE49-F238E27FC236}">
-                <a16:creationId xmlns:a16="http://schemas.microsoft.com/office/drawing/2014/main" id="{767AE63F-3352-4757-85AD-11CBE999D920}"/>
+                <a16:creationId xmlns:a16="http://schemas.microsoft.com/office/drawing/2014/main" xmlns="" id="{767AE63F-3352-4757-85AD-11CBE999D920}"/>
               </a:ext>
             </a:extLst>
           </p:cNvPr>
@@ -12815,7 +13697,7 @@
           <p:cNvPr id="2" name="Arrow: Right 1">
             <a:extLst>
               <a:ext uri="{FF2B5EF4-FFF2-40B4-BE49-F238E27FC236}">
-                <a16:creationId xmlns:a16="http://schemas.microsoft.com/office/drawing/2014/main" id="{6C1284AF-83A0-48F4-B28A-550F6D67BC9A}"/>
+                <a16:creationId xmlns:a16="http://schemas.microsoft.com/office/drawing/2014/main" xmlns="" id="{6C1284AF-83A0-48F4-B28A-550F6D67BC9A}"/>
               </a:ext>
             </a:extLst>
           </p:cNvPr>
@@ -12886,7 +13768,7 @@
 </p:sld>
 </file>
 
-<file path=ppt/slides/slide14.xml><?xml version="1.0" encoding="utf-8"?>
+<file path=ppt/slides/slide15.xml><?xml version="1.0" encoding="utf-8"?>
 <p:sld xmlns:a="http://schemas.openxmlformats.org/drawingml/2006/main" xmlns:r="http://schemas.openxmlformats.org/officeDocument/2006/relationships" xmlns:p="http://schemas.openxmlformats.org/presentationml/2006/main">
   <p:cSld>
     <p:spTree>
@@ -12908,7 +13790,7 @@
           <p:cNvPr id="4" name="Picture 3">
             <a:extLst>
               <a:ext uri="{FF2B5EF4-FFF2-40B4-BE49-F238E27FC236}">
-                <a16:creationId xmlns:a16="http://schemas.microsoft.com/office/drawing/2014/main" id="{8165186F-2192-4C50-832B-E3DE2E14CA35}"/>
+                <a16:creationId xmlns:a16="http://schemas.microsoft.com/office/drawing/2014/main" xmlns="" id="{8165186F-2192-4C50-832B-E3DE2E14CA35}"/>
               </a:ext>
             </a:extLst>
           </p:cNvPr>
@@ -12918,7 +13800,7 @@
           <p:nvPr/>
         </p:nvPicPr>
         <p:blipFill rotWithShape="1">
-          <a:blip r:embed="rId2"/>
+          <a:blip r:embed="rId3"/>
           <a:srcRect l="9171" r="22938"/>
           <a:stretch/>
         </p:blipFill>
@@ -12937,7 +13819,7 @@
           <p:cNvPr id="6" name="Oval 5">
             <a:extLst>
               <a:ext uri="{FF2B5EF4-FFF2-40B4-BE49-F238E27FC236}">
-                <a16:creationId xmlns:a16="http://schemas.microsoft.com/office/drawing/2014/main" id="{BF933E7C-C729-4D3B-92C0-6F7BA3ED53D3}"/>
+                <a16:creationId xmlns:a16="http://schemas.microsoft.com/office/drawing/2014/main" xmlns="" id="{BF933E7C-C729-4D3B-92C0-6F7BA3ED53D3}"/>
               </a:ext>
             </a:extLst>
           </p:cNvPr>
@@ -13000,7 +13882,7 @@
           <p:cNvPr id="7" name="Arrow: Right 6">
             <a:extLst>
               <a:ext uri="{FF2B5EF4-FFF2-40B4-BE49-F238E27FC236}">
-                <a16:creationId xmlns:a16="http://schemas.microsoft.com/office/drawing/2014/main" id="{29A68D31-250F-418F-9CCF-454BDC149794}"/>
+                <a16:creationId xmlns:a16="http://schemas.microsoft.com/office/drawing/2014/main" xmlns="" id="{29A68D31-250F-418F-9CCF-454BDC149794}"/>
               </a:ext>
             </a:extLst>
           </p:cNvPr>
@@ -13063,7 +13945,7 @@
           <p:cNvPr id="8" name="TextBox 7">
             <a:extLst>
               <a:ext uri="{FF2B5EF4-FFF2-40B4-BE49-F238E27FC236}">
-                <a16:creationId xmlns:a16="http://schemas.microsoft.com/office/drawing/2014/main" id="{6B9C26AC-133D-4D9E-89C3-8989B9733F23}"/>
+                <a16:creationId xmlns:a16="http://schemas.microsoft.com/office/drawing/2014/main" xmlns="" id="{6B9C26AC-133D-4D9E-89C3-8989B9733F23}"/>
               </a:ext>
             </a:extLst>
           </p:cNvPr>
@@ -13113,12 +13995,12 @@
       </p:sp>
       <mc:AlternateContent xmlns:mc="http://schemas.openxmlformats.org/markup-compatibility/2006" xmlns:p14="http://schemas.microsoft.com/office/powerpoint/2010/main">
         <mc:Choice Requires="p14">
-          <p:contentPart p14:bwMode="auto" r:id="rId3">
+          <p:contentPart p14:bwMode="auto" r:id="rId4">
             <p14:nvContentPartPr>
               <p14:cNvPr id="16" name="Ink 15">
                 <a:extLst>
                   <a:ext uri="{FF2B5EF4-FFF2-40B4-BE49-F238E27FC236}">
-                    <a16:creationId xmlns:a16="http://schemas.microsoft.com/office/drawing/2014/main" id="{9D6B17E1-7389-43F6-9C37-5CE414C4442B}"/>
+                    <a16:creationId xmlns:a16="http://schemas.microsoft.com/office/drawing/2014/main" xmlns="" id="{9D6B17E1-7389-43F6-9C37-5CE414C4442B}"/>
                   </a:ext>
                 </a:extLst>
               </p14:cNvPr>
@@ -13145,7 +14027,7 @@
               <p:nvPr/>
             </p:nvPicPr>
             <p:blipFill>
-              <a:blip r:embed="rId4"/>
+              <a:blip r:embed="rId5"/>
               <a:stretch>
                 <a:fillRect/>
               </a:stretch>
@@ -13164,12 +14046,12 @@
       </mc:AlternateContent>
       <mc:AlternateContent xmlns:mc="http://schemas.openxmlformats.org/markup-compatibility/2006" xmlns:p14="http://schemas.microsoft.com/office/powerpoint/2010/main">
         <mc:Choice Requires="p14">
-          <p:contentPart p14:bwMode="auto" r:id="rId5">
+          <p:contentPart p14:bwMode="auto" r:id="rId6">
             <p14:nvContentPartPr>
               <p14:cNvPr id="17" name="Ink 16">
                 <a:extLst>
                   <a:ext uri="{FF2B5EF4-FFF2-40B4-BE49-F238E27FC236}">
-                    <a16:creationId xmlns:a16="http://schemas.microsoft.com/office/drawing/2014/main" id="{B4DA285E-5E86-4ACA-80CD-11B039BB0875}"/>
+                    <a16:creationId xmlns:a16="http://schemas.microsoft.com/office/drawing/2014/main" xmlns="" id="{B4DA285E-5E86-4ACA-80CD-11B039BB0875}"/>
                   </a:ext>
                 </a:extLst>
               </p14:cNvPr>
@@ -13196,7 +14078,7 @@
               <p:nvPr/>
             </p:nvPicPr>
             <p:blipFill>
-              <a:blip r:embed="rId6"/>
+              <a:blip r:embed="rId7"/>
               <a:stretch>
                 <a:fillRect/>
               </a:stretch>
@@ -13215,12 +14097,12 @@
       </mc:AlternateContent>
       <mc:AlternateContent xmlns:mc="http://schemas.openxmlformats.org/markup-compatibility/2006" xmlns:p14="http://schemas.microsoft.com/office/powerpoint/2010/main">
         <mc:Choice Requires="p14">
-          <p:contentPart p14:bwMode="auto" r:id="rId7">
+          <p:contentPart p14:bwMode="auto" r:id="rId8">
             <p14:nvContentPartPr>
               <p14:cNvPr id="18" name="Ink 17">
                 <a:extLst>
                   <a:ext uri="{FF2B5EF4-FFF2-40B4-BE49-F238E27FC236}">
-                    <a16:creationId xmlns:a16="http://schemas.microsoft.com/office/drawing/2014/main" id="{5B04DA48-C718-4ABC-B423-7BC7760B9714}"/>
+                    <a16:creationId xmlns:a16="http://schemas.microsoft.com/office/drawing/2014/main" xmlns="" id="{5B04DA48-C718-4ABC-B423-7BC7760B9714}"/>
                   </a:ext>
                 </a:extLst>
               </p14:cNvPr>
@@ -13247,7 +14129,7 @@
               <p:nvPr/>
             </p:nvPicPr>
             <p:blipFill>
-              <a:blip r:embed="rId8"/>
+              <a:blip r:embed="rId9"/>
               <a:stretch>
                 <a:fillRect/>
               </a:stretch>
@@ -13266,12 +14148,12 @@
       </mc:AlternateContent>
       <mc:AlternateContent xmlns:mc="http://schemas.openxmlformats.org/markup-compatibility/2006" xmlns:p14="http://schemas.microsoft.com/office/powerpoint/2010/main">
         <mc:Choice Requires="p14">
-          <p:contentPart p14:bwMode="auto" r:id="rId9">
+          <p:contentPart p14:bwMode="auto" r:id="rId10">
             <p14:nvContentPartPr>
               <p14:cNvPr id="19" name="Ink 18">
                 <a:extLst>
                   <a:ext uri="{FF2B5EF4-FFF2-40B4-BE49-F238E27FC236}">
-                    <a16:creationId xmlns:a16="http://schemas.microsoft.com/office/drawing/2014/main" id="{152F28CE-4640-4AC4-8E3C-25226F81BE52}"/>
+                    <a16:creationId xmlns:a16="http://schemas.microsoft.com/office/drawing/2014/main" xmlns="" id="{152F28CE-4640-4AC4-8E3C-25226F81BE52}"/>
                   </a:ext>
                 </a:extLst>
               </p14:cNvPr>
@@ -13298,7 +14180,7 @@
               <p:nvPr/>
             </p:nvPicPr>
             <p:blipFill>
-              <a:blip r:embed="rId10"/>
+              <a:blip r:embed="rId11"/>
               <a:stretch>
                 <a:fillRect/>
               </a:stretch>
@@ -13317,12 +14199,12 @@
       </mc:AlternateContent>
       <mc:AlternateContent xmlns:mc="http://schemas.openxmlformats.org/markup-compatibility/2006" xmlns:p14="http://schemas.microsoft.com/office/powerpoint/2010/main">
         <mc:Choice Requires="p14">
-          <p:contentPart p14:bwMode="auto" r:id="rId11">
+          <p:contentPart p14:bwMode="auto" r:id="rId12">
             <p14:nvContentPartPr>
               <p14:cNvPr id="20" name="Ink 19">
                 <a:extLst>
                   <a:ext uri="{FF2B5EF4-FFF2-40B4-BE49-F238E27FC236}">
-                    <a16:creationId xmlns:a16="http://schemas.microsoft.com/office/drawing/2014/main" id="{76E9F655-3F5A-49BA-8D62-172A3B32D674}"/>
+                    <a16:creationId xmlns:a16="http://schemas.microsoft.com/office/drawing/2014/main" xmlns="" id="{76E9F655-3F5A-49BA-8D62-172A3B32D674}"/>
                   </a:ext>
                 </a:extLst>
               </p14:cNvPr>
@@ -13349,7 +14231,7 @@
               <p:nvPr/>
             </p:nvPicPr>
             <p:blipFill>
-              <a:blip r:embed="rId12"/>
+              <a:blip r:embed="rId13"/>
               <a:stretch>
                 <a:fillRect/>
               </a:stretch>
@@ -13368,12 +14250,12 @@
       </mc:AlternateContent>
       <mc:AlternateContent xmlns:mc="http://schemas.openxmlformats.org/markup-compatibility/2006" xmlns:p14="http://schemas.microsoft.com/office/powerpoint/2010/main">
         <mc:Choice Requires="p14">
-          <p:contentPart p14:bwMode="auto" r:id="rId13">
+          <p:contentPart p14:bwMode="auto" r:id="rId14">
             <p14:nvContentPartPr>
               <p14:cNvPr id="21" name="Ink 20">
                 <a:extLst>
                   <a:ext uri="{FF2B5EF4-FFF2-40B4-BE49-F238E27FC236}">
-                    <a16:creationId xmlns:a16="http://schemas.microsoft.com/office/drawing/2014/main" id="{0F1A8A5D-BF77-4A2D-B3FF-D095C7BEFEB5}"/>
+                    <a16:creationId xmlns:a16="http://schemas.microsoft.com/office/drawing/2014/main" xmlns="" id="{0F1A8A5D-BF77-4A2D-B3FF-D095C7BEFEB5}"/>
                   </a:ext>
                 </a:extLst>
               </p14:cNvPr>
@@ -13400,7 +14282,7 @@
               <p:nvPr/>
             </p:nvPicPr>
             <p:blipFill>
-              <a:blip r:embed="rId14"/>
+              <a:blip r:embed="rId15"/>
               <a:stretch>
                 <a:fillRect/>
               </a:stretch>
@@ -13419,12 +14301,12 @@
       </mc:AlternateContent>
       <mc:AlternateContent xmlns:mc="http://schemas.openxmlformats.org/markup-compatibility/2006" xmlns:p14="http://schemas.microsoft.com/office/powerpoint/2010/main">
         <mc:Choice Requires="p14">
-          <p:contentPart p14:bwMode="auto" r:id="rId15">
+          <p:contentPart p14:bwMode="auto" r:id="rId16">
             <p14:nvContentPartPr>
               <p14:cNvPr id="22" name="Ink 21">
                 <a:extLst>
                   <a:ext uri="{FF2B5EF4-FFF2-40B4-BE49-F238E27FC236}">
-                    <a16:creationId xmlns:a16="http://schemas.microsoft.com/office/drawing/2014/main" id="{F71B638B-1CDD-4095-B825-D831C9EB98F1}"/>
+                    <a16:creationId xmlns:a16="http://schemas.microsoft.com/office/drawing/2014/main" xmlns="" id="{F71B638B-1CDD-4095-B825-D831C9EB98F1}"/>
                   </a:ext>
                 </a:extLst>
               </p14:cNvPr>
@@ -13451,7 +14333,7 @@
               <p:nvPr/>
             </p:nvPicPr>
             <p:blipFill>
-              <a:blip r:embed="rId16"/>
+              <a:blip r:embed="rId17"/>
               <a:stretch>
                 <a:fillRect/>
               </a:stretch>
@@ -13470,12 +14352,12 @@
       </mc:AlternateContent>
       <mc:AlternateContent xmlns:mc="http://schemas.openxmlformats.org/markup-compatibility/2006" xmlns:p14="http://schemas.microsoft.com/office/powerpoint/2010/main">
         <mc:Choice Requires="p14">
-          <p:contentPart p14:bwMode="auto" r:id="rId17">
+          <p:contentPart p14:bwMode="auto" r:id="rId18">
             <p14:nvContentPartPr>
               <p14:cNvPr id="23" name="Ink 22">
                 <a:extLst>
                   <a:ext uri="{FF2B5EF4-FFF2-40B4-BE49-F238E27FC236}">
-                    <a16:creationId xmlns:a16="http://schemas.microsoft.com/office/drawing/2014/main" id="{921886C2-E6F5-4F37-919D-7987801CFD7A}"/>
+                    <a16:creationId xmlns:a16="http://schemas.microsoft.com/office/drawing/2014/main" xmlns="" id="{921886C2-E6F5-4F37-919D-7987801CFD7A}"/>
                   </a:ext>
                 </a:extLst>
               </p14:cNvPr>
@@ -13502,7 +14384,7 @@
               <p:nvPr/>
             </p:nvPicPr>
             <p:blipFill>
-              <a:blip r:embed="rId18"/>
+              <a:blip r:embed="rId19"/>
               <a:stretch>
                 <a:fillRect/>
               </a:stretch>
@@ -13521,12 +14403,12 @@
       </mc:AlternateContent>
       <mc:AlternateContent xmlns:mc="http://schemas.openxmlformats.org/markup-compatibility/2006" xmlns:p14="http://schemas.microsoft.com/office/powerpoint/2010/main">
         <mc:Choice Requires="p14">
-          <p:contentPart p14:bwMode="auto" r:id="rId19">
+          <p:contentPart p14:bwMode="auto" r:id="rId20">
             <p14:nvContentPartPr>
               <p14:cNvPr id="24" name="Ink 23">
                 <a:extLst>
                   <a:ext uri="{FF2B5EF4-FFF2-40B4-BE49-F238E27FC236}">
-                    <a16:creationId xmlns:a16="http://schemas.microsoft.com/office/drawing/2014/main" id="{5DAF21C0-F1F6-402F-8CE1-4816D28E8B93}"/>
+                    <a16:creationId xmlns:a16="http://schemas.microsoft.com/office/drawing/2014/main" xmlns="" id="{5DAF21C0-F1F6-402F-8CE1-4816D28E8B93}"/>
                   </a:ext>
                 </a:extLst>
               </p14:cNvPr>
@@ -13553,7 +14435,7 @@
               <p:nvPr/>
             </p:nvPicPr>
             <p:blipFill>
-              <a:blip r:embed="rId20"/>
+              <a:blip r:embed="rId21"/>
               <a:stretch>
                 <a:fillRect/>
               </a:stretch>
@@ -13572,12 +14454,12 @@
       </mc:AlternateContent>
       <mc:AlternateContent xmlns:mc="http://schemas.openxmlformats.org/markup-compatibility/2006" xmlns:p14="http://schemas.microsoft.com/office/powerpoint/2010/main">
         <mc:Choice Requires="p14">
-          <p:contentPart p14:bwMode="auto" r:id="rId21">
+          <p:contentPart p14:bwMode="auto" r:id="rId22">
             <p14:nvContentPartPr>
               <p14:cNvPr id="25" name="Ink 24">
                 <a:extLst>
                   <a:ext uri="{FF2B5EF4-FFF2-40B4-BE49-F238E27FC236}">
-                    <a16:creationId xmlns:a16="http://schemas.microsoft.com/office/drawing/2014/main" id="{9D786789-8555-4C03-A8BF-8E391AE94FB0}"/>
+                    <a16:creationId xmlns:a16="http://schemas.microsoft.com/office/drawing/2014/main" xmlns="" id="{9D786789-8555-4C03-A8BF-8E391AE94FB0}"/>
                   </a:ext>
                 </a:extLst>
               </p14:cNvPr>
@@ -13604,7 +14486,7 @@
               <p:nvPr/>
             </p:nvPicPr>
             <p:blipFill>
-              <a:blip r:embed="rId22"/>
+              <a:blip r:embed="rId23"/>
               <a:stretch>
                 <a:fillRect/>
               </a:stretch>
@@ -13623,12 +14505,12 @@
       </mc:AlternateContent>
       <mc:AlternateContent xmlns:mc="http://schemas.openxmlformats.org/markup-compatibility/2006" xmlns:p14="http://schemas.microsoft.com/office/powerpoint/2010/main">
         <mc:Choice Requires="p14">
-          <p:contentPart p14:bwMode="auto" r:id="rId23">
+          <p:contentPart p14:bwMode="auto" r:id="rId24">
             <p14:nvContentPartPr>
               <p14:cNvPr id="26" name="Ink 25">
                 <a:extLst>
                   <a:ext uri="{FF2B5EF4-FFF2-40B4-BE49-F238E27FC236}">
-                    <a16:creationId xmlns:a16="http://schemas.microsoft.com/office/drawing/2014/main" id="{F238FEA7-750E-4057-B8F0-E371BC5057EC}"/>
+                    <a16:creationId xmlns:a16="http://schemas.microsoft.com/office/drawing/2014/main" xmlns="" id="{F238FEA7-750E-4057-B8F0-E371BC5057EC}"/>
                   </a:ext>
                 </a:extLst>
               </p14:cNvPr>
@@ -13655,7 +14537,7 @@
               <p:nvPr/>
             </p:nvPicPr>
             <p:blipFill>
-              <a:blip r:embed="rId24"/>
+              <a:blip r:embed="rId25"/>
               <a:stretch>
                 <a:fillRect/>
               </a:stretch>
@@ -13685,71 +14567,6 @@
 </p:sld>
 </file>
 
-<file path=ppt/slides/slide15.xml><?xml version="1.0" encoding="utf-8"?>
-<p:sld xmlns:a="http://schemas.openxmlformats.org/drawingml/2006/main" xmlns:r="http://schemas.openxmlformats.org/officeDocument/2006/relationships" xmlns:p="http://schemas.openxmlformats.org/presentationml/2006/main">
-  <p:cSld>
-    <p:spTree>
-      <p:nvGrpSpPr>
-        <p:cNvPr id="1" name=""/>
-        <p:cNvGrpSpPr/>
-        <p:nvPr/>
-      </p:nvGrpSpPr>
-      <p:grpSpPr>
-        <a:xfrm>
-          <a:off x="0" y="0"/>
-          <a:ext cx="0" cy="0"/>
-          <a:chOff x="0" y="0"/>
-          <a:chExt cx="0" cy="0"/>
-        </a:xfrm>
-      </p:grpSpPr>
-      <p:sp>
-        <p:nvSpPr>
-          <p:cNvPr id="2" name="Title 1"/>
-          <p:cNvSpPr>
-            <a:spLocks noGrp="1"/>
-          </p:cNvSpPr>
-          <p:nvPr>
-            <p:ph type="ctrTitle"/>
-          </p:nvPr>
-        </p:nvSpPr>
-        <p:spPr>
-          <a:xfrm>
-            <a:off x="518514" y="1551931"/>
-            <a:ext cx="11185200" cy="677108"/>
-          </a:xfrm>
-        </p:spPr>
-        <p:txBody>
-          <a:bodyPr/>
-          <a:lstStyle/>
-          <a:p>
-            <a:r>
-              <a:rPr lang="en-US" dirty="0"/>
-              <a:t>So it </a:t>
-            </a:r>
-            <a:r>
-              <a:rPr lang="en-US" dirty="0">
-                <a:solidFill>
-                  <a:schemeClr val="accent1"/>
-                </a:solidFill>
-              </a:rPr>
-              <a:t>comes…</a:t>
-            </a:r>
-          </a:p>
-        </p:txBody>
-      </p:sp>
-    </p:spTree>
-    <p:extLst>
-      <p:ext uri="{BB962C8B-B14F-4D97-AF65-F5344CB8AC3E}">
-        <p14:creationId xmlns:p14="http://schemas.microsoft.com/office/powerpoint/2010/main" val="3851045762"/>
-      </p:ext>
-    </p:extLst>
-  </p:cSld>
-  <p:clrMapOvr>
-    <a:masterClrMapping/>
-  </p:clrMapOvr>
-</p:sld>
-</file>
-
 <file path=ppt/slides/slide16.xml><?xml version="1.0" encoding="utf-8"?>
 <p:sld xmlns:a="http://schemas.openxmlformats.org/drawingml/2006/main" xmlns:r="http://schemas.openxmlformats.org/officeDocument/2006/relationships" xmlns:p="http://schemas.openxmlformats.org/presentationml/2006/main">
   <p:cSld>
@@ -13767,46 +14584,58 @@
           <a:chExt cx="0" cy="0"/>
         </a:xfrm>
       </p:grpSpPr>
-      <p:pic>
-        <p:nvPicPr>
-          <p:cNvPr id="4" name="Picture 3">
-            <a:extLst>
-              <a:ext uri="{FF2B5EF4-FFF2-40B4-BE49-F238E27FC236}">
-                <a16:creationId xmlns:a16="http://schemas.microsoft.com/office/drawing/2014/main" id="{862CF9DF-F9D0-47B0-A16D-574F2D82C688}"/>
-              </a:ext>
-            </a:extLst>
-          </p:cNvPr>
-          <p:cNvPicPr>
-            <a:picLocks noChangeAspect="1"/>
-          </p:cNvPicPr>
-          <p:nvPr/>
-        </p:nvPicPr>
-        <p:blipFill>
-          <a:blip r:embed="rId2"/>
-          <a:stretch>
-            <a:fillRect/>
-          </a:stretch>
-        </p:blipFill>
+      <p:sp>
+        <p:nvSpPr>
+          <p:cNvPr id="2" name="Title 1"/>
+          <p:cNvSpPr>
+            <a:spLocks noGrp="1"/>
+          </p:cNvSpPr>
+          <p:nvPr>
+            <p:ph type="ctrTitle"/>
+          </p:nvPr>
+        </p:nvSpPr>
         <p:spPr>
           <a:xfrm>
-            <a:off x="924127" y="444275"/>
-            <a:ext cx="10369685" cy="5907527"/>
+            <a:off x="518514" y="1551931"/>
+            <a:ext cx="11185200" cy="677108"/>
           </a:xfrm>
-          <a:prstGeom prst="rect">
-            <a:avLst/>
-          </a:prstGeom>
         </p:spPr>
-      </p:pic>
+        <p:txBody>
+          <a:bodyPr/>
+          <a:lstStyle/>
+          <a:p>
+            <a:r>
+              <a:rPr lang="en-US" dirty="0"/>
+              <a:t>So it </a:t>
+            </a:r>
+            <a:r>
+              <a:rPr lang="en-US" dirty="0">
+                <a:solidFill>
+                  <a:schemeClr val="accent1"/>
+                </a:solidFill>
+              </a:rPr>
+              <a:t>comes…</a:t>
+            </a:r>
+          </a:p>
+        </p:txBody>
+      </p:sp>
     </p:spTree>
     <p:extLst>
       <p:ext uri="{BB962C8B-B14F-4D97-AF65-F5344CB8AC3E}">
-        <p14:creationId xmlns:p14="http://schemas.microsoft.com/office/powerpoint/2010/main" val="844780636"/>
+        <p14:creationId xmlns:p14="http://schemas.microsoft.com/office/powerpoint/2010/main" val="3851045762"/>
       </p:ext>
     </p:extLst>
   </p:cSld>
   <p:clrMapOvr>
     <a:masterClrMapping/>
   </p:clrMapOvr>
+  <p:timing>
+    <p:tnLst>
+      <p:par>
+        <p:cTn id="1" dur="indefinite" restart="never" nodeType="tmRoot"/>
+      </p:par>
+    </p:tnLst>
+  </p:timing>
 </p:sld>
 </file>
 
@@ -13832,7 +14661,7 @@
           <p:cNvPr id="4" name="Picture 3">
             <a:extLst>
               <a:ext uri="{FF2B5EF4-FFF2-40B4-BE49-F238E27FC236}">
-                <a16:creationId xmlns:a16="http://schemas.microsoft.com/office/drawing/2014/main" id="{BC0BA36E-AF3D-46EF-8757-2E733F20CA5B}"/>
+                <a16:creationId xmlns:a16="http://schemas.microsoft.com/office/drawing/2014/main" xmlns="" id="{862CF9DF-F9D0-47B0-A16D-574F2D82C688}"/>
               </a:ext>
             </a:extLst>
           </p:cNvPr>
@@ -13842,31 +14671,97 @@
           <p:nvPr/>
         </p:nvPicPr>
         <p:blipFill>
-          <a:blip r:embed="rId2"/>
+          <a:blip r:embed="rId3"/>
           <a:stretch>
             <a:fillRect/>
           </a:stretch>
         </p:blipFill>
         <p:spPr>
           <a:xfrm>
-            <a:off x="2527028" y="1177681"/>
-            <a:ext cx="7417251" cy="2091447"/>
+            <a:off x="924127" y="444275"/>
+            <a:ext cx="10369685" cy="5907527"/>
           </a:xfrm>
           <a:prstGeom prst="rect">
             <a:avLst/>
           </a:prstGeom>
         </p:spPr>
       </p:pic>
+      <p:sp>
+        <p:nvSpPr>
+          <p:cNvPr id="2" name="Oval 1"/>
+          <p:cNvSpPr/>
+          <p:nvPr/>
+        </p:nvSpPr>
+        <p:spPr bwMode="gray">
+          <a:xfrm>
+            <a:off x="5492743" y="1828801"/>
+            <a:ext cx="1232452" cy="410817"/>
+          </a:xfrm>
+          <a:prstGeom prst="ellipse">
+            <a:avLst/>
+          </a:prstGeom>
+          <a:solidFill>
+            <a:schemeClr val="accent1">
+              <a:alpha val="50000"/>
+            </a:schemeClr>
+          </a:solidFill>
+          <a:ln w="6350" algn="ctr">
+            <a:noFill/>
+            <a:miter lim="800000"/>
+            <a:headEnd/>
+            <a:tailEnd/>
+          </a:ln>
+        </p:spPr>
+        <p:txBody>
+          <a:bodyPr lIns="90000" tIns="72000" rIns="90000" bIns="72000" rtlCol="0" anchor="ctr"/>
+          <a:lstStyle/>
+          <a:p>
+            <a:pPr marR="0" algn="ctr" defTabSz="914400" eaLnBrk="1" fontAlgn="base" latinLnBrk="0" hangingPunct="1">
+              <a:lnSpc>
+                <a:spcPct val="100000"/>
+              </a:lnSpc>
+              <a:spcBef>
+                <a:spcPct val="50000"/>
+              </a:spcBef>
+              <a:spcAft>
+                <a:spcPct val="0"/>
+              </a:spcAft>
+              <a:buClr>
+                <a:srgbClr val="F0AB00"/>
+              </a:buClr>
+              <a:buSzPct val="80000"/>
+              <a:tabLst/>
+            </a:pPr>
+            <a:endParaRPr kumimoji="0" lang="en-US" sz="1800" b="0" i="0" u="none" strike="noStrike" kern="0" cap="none" spc="0" normalizeH="0" baseline="0" noProof="0" dirty="0" err="1" smtClean="0">
+              <a:ln>
+                <a:noFill/>
+              </a:ln>
+              <a:effectLst/>
+              <a:uLnTx/>
+              <a:uFillTx/>
+              <a:ea typeface="Arial Unicode MS" pitchFamily="34" charset="-128"/>
+              <a:cs typeface="Arial Unicode MS" pitchFamily="34" charset="-128"/>
+            </a:endParaRPr>
+          </a:p>
+        </p:txBody>
+      </p:sp>
     </p:spTree>
     <p:extLst>
       <p:ext uri="{BB962C8B-B14F-4D97-AF65-F5344CB8AC3E}">
-        <p14:creationId xmlns:p14="http://schemas.microsoft.com/office/powerpoint/2010/main" val="496532820"/>
+        <p14:creationId xmlns:p14="http://schemas.microsoft.com/office/powerpoint/2010/main" val="844780636"/>
       </p:ext>
     </p:extLst>
   </p:cSld>
   <p:clrMapOvr>
     <a:masterClrMapping/>
   </p:clrMapOvr>
+  <p:timing>
+    <p:tnLst>
+      <p:par>
+        <p:cTn id="1" dur="indefinite" restart="never" nodeType="tmRoot"/>
+      </p:par>
+    </p:tnLst>
+  </p:timing>
 </p:sld>
 </file>
 
@@ -13887,12 +14782,631 @@
           <a:chExt cx="0" cy="0"/>
         </a:xfrm>
       </p:grpSpPr>
+      <p:pic>
+        <p:nvPicPr>
+          <p:cNvPr id="4" name="Picture 3">
+            <a:extLst>
+              <a:ext uri="{FF2B5EF4-FFF2-40B4-BE49-F238E27FC236}">
+                <a16:creationId xmlns:a16="http://schemas.microsoft.com/office/drawing/2014/main" xmlns="" id="{862CF9DF-F9D0-47B0-A16D-574F2D82C688}"/>
+              </a:ext>
+            </a:extLst>
+          </p:cNvPr>
+          <p:cNvPicPr>
+            <a:picLocks noChangeAspect="1"/>
+          </p:cNvPicPr>
+          <p:nvPr/>
+        </p:nvPicPr>
+        <p:blipFill>
+          <a:blip r:embed="rId3"/>
+          <a:stretch>
+            <a:fillRect/>
+          </a:stretch>
+        </p:blipFill>
+        <p:spPr>
+          <a:xfrm>
+            <a:off x="924127" y="444275"/>
+            <a:ext cx="10369685" cy="5907527"/>
+          </a:xfrm>
+          <a:prstGeom prst="rect">
+            <a:avLst/>
+          </a:prstGeom>
+        </p:spPr>
+      </p:pic>
+      <p:sp>
+        <p:nvSpPr>
+          <p:cNvPr id="3" name="Oval 2"/>
+          <p:cNvSpPr/>
+          <p:nvPr/>
+        </p:nvSpPr>
+        <p:spPr bwMode="gray">
+          <a:xfrm>
+            <a:off x="6552916" y="2557670"/>
+            <a:ext cx="3028405" cy="410817"/>
+          </a:xfrm>
+          <a:prstGeom prst="ellipse">
+            <a:avLst/>
+          </a:prstGeom>
+          <a:solidFill>
+            <a:schemeClr val="accent1">
+              <a:alpha val="50000"/>
+            </a:schemeClr>
+          </a:solidFill>
+          <a:ln w="6350" algn="ctr">
+            <a:noFill/>
+            <a:miter lim="800000"/>
+            <a:headEnd/>
+            <a:tailEnd/>
+          </a:ln>
+        </p:spPr>
+        <p:txBody>
+          <a:bodyPr lIns="90000" tIns="72000" rIns="90000" bIns="72000" rtlCol="0" anchor="ctr"/>
+          <a:lstStyle/>
+          <a:p>
+            <a:pPr marR="0" algn="ctr" defTabSz="914400" eaLnBrk="1" fontAlgn="base" latinLnBrk="0" hangingPunct="1">
+              <a:lnSpc>
+                <a:spcPct val="100000"/>
+              </a:lnSpc>
+              <a:spcBef>
+                <a:spcPct val="50000"/>
+              </a:spcBef>
+              <a:spcAft>
+                <a:spcPct val="0"/>
+              </a:spcAft>
+              <a:buClr>
+                <a:srgbClr val="F0AB00"/>
+              </a:buClr>
+              <a:buSzPct val="80000"/>
+              <a:tabLst/>
+            </a:pPr>
+            <a:endParaRPr kumimoji="0" lang="en-US" sz="1800" b="0" i="0" u="none" strike="noStrike" kern="0" cap="none" spc="0" normalizeH="0" baseline="0" noProof="0" dirty="0" err="1" smtClean="0">
+              <a:ln>
+                <a:noFill/>
+              </a:ln>
+              <a:effectLst/>
+              <a:uLnTx/>
+              <a:uFillTx/>
+              <a:ea typeface="Arial Unicode MS" pitchFamily="34" charset="-128"/>
+              <a:cs typeface="Arial Unicode MS" pitchFamily="34" charset="-128"/>
+            </a:endParaRPr>
+          </a:p>
+        </p:txBody>
+      </p:sp>
+    </p:spTree>
+    <p:extLst>
+      <p:ext uri="{BB962C8B-B14F-4D97-AF65-F5344CB8AC3E}">
+        <p14:creationId xmlns:p14="http://schemas.microsoft.com/office/powerpoint/2010/main" val="882488340"/>
+      </p:ext>
+    </p:extLst>
+  </p:cSld>
+  <p:clrMapOvr>
+    <a:masterClrMapping/>
+  </p:clrMapOvr>
+  <p:timing>
+    <p:tnLst>
+      <p:par>
+        <p:cTn id="1" dur="indefinite" restart="never" nodeType="tmRoot"/>
+      </p:par>
+    </p:tnLst>
+  </p:timing>
+</p:sld>
+</file>
+
+<file path=ppt/slides/slide19.xml><?xml version="1.0" encoding="utf-8"?>
+<p:sld xmlns:a="http://schemas.openxmlformats.org/drawingml/2006/main" xmlns:r="http://schemas.openxmlformats.org/officeDocument/2006/relationships" xmlns:p="http://schemas.openxmlformats.org/presentationml/2006/main">
+  <p:cSld>
+    <p:spTree>
+      <p:nvGrpSpPr>
+        <p:cNvPr id="1" name=""/>
+        <p:cNvGrpSpPr/>
+        <p:nvPr/>
+      </p:nvGrpSpPr>
+      <p:grpSpPr>
+        <a:xfrm>
+          <a:off x="0" y="0"/>
+          <a:ext cx="0" cy="0"/>
+          <a:chOff x="0" y="0"/>
+          <a:chExt cx="0" cy="0"/>
+        </a:xfrm>
+      </p:grpSpPr>
+      <p:pic>
+        <p:nvPicPr>
+          <p:cNvPr id="4" name="Picture 3">
+            <a:extLst>
+              <a:ext uri="{FF2B5EF4-FFF2-40B4-BE49-F238E27FC236}">
+                <a16:creationId xmlns:a16="http://schemas.microsoft.com/office/drawing/2014/main" xmlns="" id="{862CF9DF-F9D0-47B0-A16D-574F2D82C688}"/>
+              </a:ext>
+            </a:extLst>
+          </p:cNvPr>
+          <p:cNvPicPr>
+            <a:picLocks noChangeAspect="1"/>
+          </p:cNvPicPr>
+          <p:nvPr/>
+        </p:nvPicPr>
+        <p:blipFill>
+          <a:blip r:embed="rId3"/>
+          <a:stretch>
+            <a:fillRect/>
+          </a:stretch>
+        </p:blipFill>
+        <p:spPr>
+          <a:xfrm>
+            <a:off x="924127" y="444275"/>
+            <a:ext cx="10369685" cy="5907527"/>
+          </a:xfrm>
+          <a:prstGeom prst="rect">
+            <a:avLst/>
+          </a:prstGeom>
+        </p:spPr>
+      </p:pic>
+      <p:sp>
+        <p:nvSpPr>
+          <p:cNvPr id="3" name="Oval 2"/>
+          <p:cNvSpPr/>
+          <p:nvPr/>
+        </p:nvSpPr>
+        <p:spPr bwMode="gray">
+          <a:xfrm>
+            <a:off x="9812951" y="2544418"/>
+            <a:ext cx="1232452" cy="410817"/>
+          </a:xfrm>
+          <a:prstGeom prst="ellipse">
+            <a:avLst/>
+          </a:prstGeom>
+          <a:solidFill>
+            <a:schemeClr val="accent1">
+              <a:alpha val="50000"/>
+            </a:schemeClr>
+          </a:solidFill>
+          <a:ln w="6350" algn="ctr">
+            <a:noFill/>
+            <a:miter lim="800000"/>
+            <a:headEnd/>
+            <a:tailEnd/>
+          </a:ln>
+        </p:spPr>
+        <p:txBody>
+          <a:bodyPr lIns="90000" tIns="72000" rIns="90000" bIns="72000" rtlCol="0" anchor="ctr"/>
+          <a:lstStyle/>
+          <a:p>
+            <a:pPr marR="0" algn="ctr" defTabSz="914400" eaLnBrk="1" fontAlgn="base" latinLnBrk="0" hangingPunct="1">
+              <a:lnSpc>
+                <a:spcPct val="100000"/>
+              </a:lnSpc>
+              <a:spcBef>
+                <a:spcPct val="50000"/>
+              </a:spcBef>
+              <a:spcAft>
+                <a:spcPct val="0"/>
+              </a:spcAft>
+              <a:buClr>
+                <a:srgbClr val="F0AB00"/>
+              </a:buClr>
+              <a:buSzPct val="80000"/>
+              <a:tabLst/>
+            </a:pPr>
+            <a:endParaRPr kumimoji="0" lang="en-US" sz="1800" b="0" i="0" u="none" strike="noStrike" kern="0" cap="none" spc="0" normalizeH="0" baseline="0" noProof="0" dirty="0" err="1" smtClean="0">
+              <a:ln>
+                <a:noFill/>
+              </a:ln>
+              <a:effectLst/>
+              <a:uLnTx/>
+              <a:uFillTx/>
+              <a:ea typeface="Arial Unicode MS" pitchFamily="34" charset="-128"/>
+              <a:cs typeface="Arial Unicode MS" pitchFamily="34" charset="-128"/>
+            </a:endParaRPr>
+          </a:p>
+        </p:txBody>
+      </p:sp>
+    </p:spTree>
+    <p:extLst>
+      <p:ext uri="{BB962C8B-B14F-4D97-AF65-F5344CB8AC3E}">
+        <p14:creationId xmlns:p14="http://schemas.microsoft.com/office/powerpoint/2010/main" val="1869228064"/>
+      </p:ext>
+    </p:extLst>
+  </p:cSld>
+  <p:clrMapOvr>
+    <a:masterClrMapping/>
+  </p:clrMapOvr>
+  <p:timing>
+    <p:tnLst>
+      <p:par>
+        <p:cTn id="1" dur="indefinite" restart="never" nodeType="tmRoot"/>
+      </p:par>
+    </p:tnLst>
+  </p:timing>
+</p:sld>
+</file>
+
+<file path=ppt/slides/slide2.xml><?xml version="1.0" encoding="utf-8"?>
+<p:sld xmlns:a="http://schemas.openxmlformats.org/drawingml/2006/main" xmlns:r="http://schemas.openxmlformats.org/officeDocument/2006/relationships" xmlns:p="http://schemas.openxmlformats.org/presentationml/2006/main">
+  <p:cSld>
+    <p:spTree>
+      <p:nvGrpSpPr>
+        <p:cNvPr id="1" name=""/>
+        <p:cNvGrpSpPr/>
+        <p:nvPr/>
+      </p:nvGrpSpPr>
+      <p:grpSpPr>
+        <a:xfrm>
+          <a:off x="0" y="0"/>
+          <a:ext cx="0" cy="0"/>
+          <a:chOff x="0" y="0"/>
+          <a:chExt cx="0" cy="0"/>
+        </a:xfrm>
+      </p:grpSpPr>
+      <p:sp>
+        <p:nvSpPr>
+          <p:cNvPr id="3" name="Text Placeholder 2"/>
+          <p:cNvSpPr>
+            <a:spLocks noGrp="1"/>
+          </p:cNvSpPr>
+          <p:nvPr>
+            <p:ph type="body" sz="quarter" idx="10"/>
+          </p:nvPr>
+        </p:nvSpPr>
+        <p:spPr>
+          <a:xfrm>
+            <a:off x="504000" y="1620000"/>
+            <a:ext cx="11185200" cy="4230000"/>
+          </a:xfrm>
+        </p:spPr>
+        <p:txBody>
+          <a:bodyPr/>
+          <a:lstStyle/>
+          <a:p>
+            <a:r>
+              <a:rPr lang="en-US" sz="2400" b="1" dirty="0"/>
+              <a:t>Market demand</a:t>
+            </a:r>
+          </a:p>
+          <a:p>
+            <a:pPr lvl="1"/>
+            <a:r>
+              <a:rPr lang="en-US" altLang="zh-CN" dirty="0"/>
+              <a:t>Why need this app?</a:t>
+            </a:r>
+            <a:endParaRPr lang="en-US" dirty="0"/>
+          </a:p>
+          <a:p>
+            <a:r>
+              <a:rPr lang="en-US" sz="2400" b="1" dirty="0"/>
+              <a:t>Walkthrough</a:t>
+            </a:r>
+          </a:p>
+          <a:p>
+            <a:pPr lvl="1"/>
+            <a:r>
+              <a:rPr lang="en-US" dirty="0"/>
+              <a:t>Demonstration</a:t>
+            </a:r>
+          </a:p>
+          <a:p>
+            <a:r>
+              <a:rPr lang="en-US" sz="2400" b="1" dirty="0"/>
+              <a:t>Benefits &amp; Comparison</a:t>
+            </a:r>
+          </a:p>
+          <a:p>
+            <a:pPr lvl="1"/>
+            <a:r>
+              <a:rPr lang="en-US" dirty="0"/>
+              <a:t>Why use this app?</a:t>
+            </a:r>
+          </a:p>
+          <a:p>
+            <a:r>
+              <a:rPr lang="en-US" altLang="zh-CN" sz="2400" b="1" dirty="0"/>
+              <a:t>Suggestion and Q&amp;A</a:t>
+            </a:r>
+            <a:endParaRPr lang="en-US" sz="2400" b="1" dirty="0"/>
+          </a:p>
+        </p:txBody>
+      </p:sp>
+      <p:sp>
+        <p:nvSpPr>
+          <p:cNvPr id="2" name="Title 1"/>
+          <p:cNvSpPr>
+            <a:spLocks noGrp="1"/>
+          </p:cNvSpPr>
+          <p:nvPr>
+            <p:ph type="title"/>
+          </p:nvPr>
+        </p:nvSpPr>
+        <p:spPr/>
+        <p:txBody>
+          <a:bodyPr/>
+          <a:lstStyle/>
+          <a:p>
+            <a:r>
+              <a:rPr lang="en-US" dirty="0"/>
+              <a:t>Agenda</a:t>
+            </a:r>
+          </a:p>
+        </p:txBody>
+      </p:sp>
+    </p:spTree>
+  </p:cSld>
+  <p:clrMapOvr>
+    <a:masterClrMapping/>
+  </p:clrMapOvr>
+</p:sld>
+</file>
+
+<file path=ppt/slides/slide20.xml><?xml version="1.0" encoding="utf-8"?>
+<p:sld xmlns:a="http://schemas.openxmlformats.org/drawingml/2006/main" xmlns:r="http://schemas.openxmlformats.org/officeDocument/2006/relationships" xmlns:p="http://schemas.openxmlformats.org/presentationml/2006/main">
+  <p:cSld>
+    <p:spTree>
+      <p:nvGrpSpPr>
+        <p:cNvPr id="1" name=""/>
+        <p:cNvGrpSpPr/>
+        <p:nvPr/>
+      </p:nvGrpSpPr>
+      <p:grpSpPr>
+        <a:xfrm>
+          <a:off x="0" y="0"/>
+          <a:ext cx="0" cy="0"/>
+          <a:chOff x="0" y="0"/>
+          <a:chExt cx="0" cy="0"/>
+        </a:xfrm>
+      </p:grpSpPr>
+      <p:pic>
+        <p:nvPicPr>
+          <p:cNvPr id="4" name="Picture 3">
+            <a:extLst>
+              <a:ext uri="{FF2B5EF4-FFF2-40B4-BE49-F238E27FC236}">
+                <a16:creationId xmlns:a16="http://schemas.microsoft.com/office/drawing/2014/main" xmlns="" id="{862CF9DF-F9D0-47B0-A16D-574F2D82C688}"/>
+              </a:ext>
+            </a:extLst>
+          </p:cNvPr>
+          <p:cNvPicPr>
+            <a:picLocks noChangeAspect="1"/>
+          </p:cNvPicPr>
+          <p:nvPr/>
+        </p:nvPicPr>
+        <p:blipFill>
+          <a:blip r:embed="rId3"/>
+          <a:stretch>
+            <a:fillRect/>
+          </a:stretch>
+        </p:blipFill>
+        <p:spPr>
+          <a:xfrm>
+            <a:off x="924127" y="444275"/>
+            <a:ext cx="10369685" cy="5907527"/>
+          </a:xfrm>
+          <a:prstGeom prst="rect">
+            <a:avLst/>
+          </a:prstGeom>
+        </p:spPr>
+      </p:pic>
+      <p:sp>
+        <p:nvSpPr>
+          <p:cNvPr id="3" name="Oval 2"/>
+          <p:cNvSpPr/>
+          <p:nvPr/>
+        </p:nvSpPr>
+        <p:spPr bwMode="gray">
+          <a:xfrm>
+            <a:off x="924127" y="1126435"/>
+            <a:ext cx="10243930" cy="477079"/>
+          </a:xfrm>
+          <a:prstGeom prst="ellipse">
+            <a:avLst/>
+          </a:prstGeom>
+          <a:solidFill>
+            <a:schemeClr val="accent1">
+              <a:alpha val="50000"/>
+            </a:schemeClr>
+          </a:solidFill>
+          <a:ln w="6350" algn="ctr">
+            <a:noFill/>
+            <a:miter lim="800000"/>
+            <a:headEnd/>
+            <a:tailEnd/>
+          </a:ln>
+        </p:spPr>
+        <p:txBody>
+          <a:bodyPr lIns="90000" tIns="72000" rIns="90000" bIns="72000" rtlCol="0" anchor="ctr"/>
+          <a:lstStyle/>
+          <a:p>
+            <a:pPr marR="0" algn="ctr" defTabSz="914400" eaLnBrk="1" fontAlgn="base" latinLnBrk="0" hangingPunct="1">
+              <a:lnSpc>
+                <a:spcPct val="100000"/>
+              </a:lnSpc>
+              <a:spcBef>
+                <a:spcPct val="50000"/>
+              </a:spcBef>
+              <a:spcAft>
+                <a:spcPct val="0"/>
+              </a:spcAft>
+              <a:buClr>
+                <a:srgbClr val="F0AB00"/>
+              </a:buClr>
+              <a:buSzPct val="80000"/>
+              <a:tabLst/>
+            </a:pPr>
+            <a:endParaRPr kumimoji="0" lang="en-US" sz="1800" b="0" i="0" u="none" strike="noStrike" kern="0" cap="none" spc="0" normalizeH="0" baseline="0" noProof="0" dirty="0" err="1" smtClean="0">
+              <a:ln>
+                <a:noFill/>
+              </a:ln>
+              <a:effectLst/>
+              <a:uLnTx/>
+              <a:uFillTx/>
+              <a:ea typeface="Arial Unicode MS" pitchFamily="34" charset="-128"/>
+              <a:cs typeface="Arial Unicode MS" pitchFamily="34" charset="-128"/>
+            </a:endParaRPr>
+          </a:p>
+        </p:txBody>
+      </p:sp>
+    </p:spTree>
+    <p:extLst>
+      <p:ext uri="{BB962C8B-B14F-4D97-AF65-F5344CB8AC3E}">
+        <p14:creationId xmlns:p14="http://schemas.microsoft.com/office/powerpoint/2010/main" val="577799685"/>
+      </p:ext>
+    </p:extLst>
+  </p:cSld>
+  <p:clrMapOvr>
+    <a:masterClrMapping/>
+  </p:clrMapOvr>
+  <p:timing>
+    <p:tnLst>
+      <p:par>
+        <p:cTn id="1" dur="indefinite" restart="never" nodeType="tmRoot"/>
+      </p:par>
+    </p:tnLst>
+  </p:timing>
+</p:sld>
+</file>
+
+<file path=ppt/slides/slide21.xml><?xml version="1.0" encoding="utf-8"?>
+<p:sld xmlns:a="http://schemas.openxmlformats.org/drawingml/2006/main" xmlns:r="http://schemas.openxmlformats.org/officeDocument/2006/relationships" xmlns:p="http://schemas.openxmlformats.org/presentationml/2006/main">
+  <p:cSld>
+    <p:spTree>
+      <p:nvGrpSpPr>
+        <p:cNvPr id="1" name=""/>
+        <p:cNvGrpSpPr/>
+        <p:nvPr/>
+      </p:nvGrpSpPr>
+      <p:grpSpPr>
+        <a:xfrm>
+          <a:off x="0" y="0"/>
+          <a:ext cx="0" cy="0"/>
+          <a:chOff x="0" y="0"/>
+          <a:chExt cx="0" cy="0"/>
+        </a:xfrm>
+      </p:grpSpPr>
+      <p:pic>
+        <p:nvPicPr>
+          <p:cNvPr id="4" name="Picture 3">
+            <a:extLst>
+              <a:ext uri="{FF2B5EF4-FFF2-40B4-BE49-F238E27FC236}">
+                <a16:creationId xmlns:a16="http://schemas.microsoft.com/office/drawing/2014/main" xmlns="" id="{BC0BA36E-AF3D-46EF-8757-2E733F20CA5B}"/>
+              </a:ext>
+            </a:extLst>
+          </p:cNvPr>
+          <p:cNvPicPr>
+            <a:picLocks noChangeAspect="1"/>
+          </p:cNvPicPr>
+          <p:nvPr/>
+        </p:nvPicPr>
+        <p:blipFill>
+          <a:blip r:embed="rId3"/>
+          <a:stretch>
+            <a:fillRect/>
+          </a:stretch>
+        </p:blipFill>
+        <p:spPr>
+          <a:xfrm>
+            <a:off x="2527028" y="1177681"/>
+            <a:ext cx="7417251" cy="2091447"/>
+          </a:xfrm>
+          <a:prstGeom prst="rect">
+            <a:avLst/>
+          </a:prstGeom>
+        </p:spPr>
+      </p:pic>
+      <p:sp>
+        <p:nvSpPr>
+          <p:cNvPr id="3" name="Oval 2"/>
+          <p:cNvSpPr/>
+          <p:nvPr/>
+        </p:nvSpPr>
+        <p:spPr bwMode="gray">
+          <a:xfrm>
+            <a:off x="5619427" y="2858311"/>
+            <a:ext cx="1232452" cy="410817"/>
+          </a:xfrm>
+          <a:prstGeom prst="ellipse">
+            <a:avLst/>
+          </a:prstGeom>
+          <a:solidFill>
+            <a:schemeClr val="accent1">
+              <a:alpha val="50000"/>
+            </a:schemeClr>
+          </a:solidFill>
+          <a:ln w="6350" algn="ctr">
+            <a:noFill/>
+            <a:miter lim="800000"/>
+            <a:headEnd/>
+            <a:tailEnd/>
+          </a:ln>
+        </p:spPr>
+        <p:txBody>
+          <a:bodyPr lIns="90000" tIns="72000" rIns="90000" bIns="72000" rtlCol="0" anchor="ctr"/>
+          <a:lstStyle/>
+          <a:p>
+            <a:pPr marR="0" algn="ctr" defTabSz="914400" eaLnBrk="1" fontAlgn="base" latinLnBrk="0" hangingPunct="1">
+              <a:lnSpc>
+                <a:spcPct val="100000"/>
+              </a:lnSpc>
+              <a:spcBef>
+                <a:spcPct val="50000"/>
+              </a:spcBef>
+              <a:spcAft>
+                <a:spcPct val="0"/>
+              </a:spcAft>
+              <a:buClr>
+                <a:srgbClr val="F0AB00"/>
+              </a:buClr>
+              <a:buSzPct val="80000"/>
+              <a:tabLst/>
+            </a:pPr>
+            <a:endParaRPr kumimoji="0" lang="en-US" sz="1800" b="0" i="0" u="none" strike="noStrike" kern="0" cap="none" spc="0" normalizeH="0" baseline="0" noProof="0" dirty="0" err="1" smtClean="0">
+              <a:ln>
+                <a:noFill/>
+              </a:ln>
+              <a:effectLst/>
+              <a:uLnTx/>
+              <a:uFillTx/>
+              <a:ea typeface="Arial Unicode MS" pitchFamily="34" charset="-128"/>
+              <a:cs typeface="Arial Unicode MS" pitchFamily="34" charset="-128"/>
+            </a:endParaRPr>
+          </a:p>
+        </p:txBody>
+      </p:sp>
+    </p:spTree>
+    <p:extLst>
+      <p:ext uri="{BB962C8B-B14F-4D97-AF65-F5344CB8AC3E}">
+        <p14:creationId xmlns:p14="http://schemas.microsoft.com/office/powerpoint/2010/main" val="496532820"/>
+      </p:ext>
+    </p:extLst>
+  </p:cSld>
+  <p:clrMapOvr>
+    <a:masterClrMapping/>
+  </p:clrMapOvr>
+  <p:timing>
+    <p:tnLst>
+      <p:par>
+        <p:cTn id="1" dur="indefinite" restart="never" nodeType="tmRoot"/>
+      </p:par>
+    </p:tnLst>
+  </p:timing>
+</p:sld>
+</file>
+
+<file path=ppt/slides/slide22.xml><?xml version="1.0" encoding="utf-8"?>
+<p:sld xmlns:a="http://schemas.openxmlformats.org/drawingml/2006/main" xmlns:r="http://schemas.openxmlformats.org/officeDocument/2006/relationships" xmlns:p="http://schemas.openxmlformats.org/presentationml/2006/main">
+  <p:cSld>
+    <p:spTree>
+      <p:nvGrpSpPr>
+        <p:cNvPr id="1" name=""/>
+        <p:cNvGrpSpPr/>
+        <p:nvPr/>
+      </p:nvGrpSpPr>
+      <p:grpSpPr>
+        <a:xfrm>
+          <a:off x="0" y="0"/>
+          <a:ext cx="0" cy="0"/>
+          <a:chOff x="0" y="0"/>
+          <a:chExt cx="0" cy="0"/>
+        </a:xfrm>
+      </p:grpSpPr>
       <p:sp>
         <p:nvSpPr>
           <p:cNvPr id="2" name="Title 1">
             <a:extLst>
               <a:ext uri="{FF2B5EF4-FFF2-40B4-BE49-F238E27FC236}">
-                <a16:creationId xmlns:a16="http://schemas.microsoft.com/office/drawing/2014/main" id="{894B7582-0C25-46E4-9583-EFDA054C041B}"/>
+                <a16:creationId xmlns:a16="http://schemas.microsoft.com/office/drawing/2014/main" xmlns="" id="{894B7582-0C25-46E4-9583-EFDA054C041B}"/>
               </a:ext>
             </a:extLst>
           </p:cNvPr>
@@ -13945,7 +15459,7 @@
 </p:sld>
 </file>
 
-<file path=ppt/slides/slide19.xml><?xml version="1.0" encoding="utf-8"?>
+<file path=ppt/slides/slide23.xml><?xml version="1.0" encoding="utf-8"?>
 <p:sld xmlns:a="http://schemas.openxmlformats.org/drawingml/2006/main" xmlns:r="http://schemas.openxmlformats.org/officeDocument/2006/relationships" xmlns:p="http://schemas.openxmlformats.org/presentationml/2006/main">
   <p:cSld>
     <p:spTree>
@@ -13975,122 +15489,7 @@
 </p:sld>
 </file>
 
-<file path=ppt/slides/slide2.xml><?xml version="1.0" encoding="utf-8"?>
-<p:sld xmlns:a="http://schemas.openxmlformats.org/drawingml/2006/main" xmlns:r="http://schemas.openxmlformats.org/officeDocument/2006/relationships" xmlns:p="http://schemas.openxmlformats.org/presentationml/2006/main">
-  <p:cSld>
-    <p:spTree>
-      <p:nvGrpSpPr>
-        <p:cNvPr id="1" name=""/>
-        <p:cNvGrpSpPr/>
-        <p:nvPr/>
-      </p:nvGrpSpPr>
-      <p:grpSpPr>
-        <a:xfrm>
-          <a:off x="0" y="0"/>
-          <a:ext cx="0" cy="0"/>
-          <a:chOff x="0" y="0"/>
-          <a:chExt cx="0" cy="0"/>
-        </a:xfrm>
-      </p:grpSpPr>
-      <p:sp>
-        <p:nvSpPr>
-          <p:cNvPr id="3" name="Text Placeholder 2"/>
-          <p:cNvSpPr>
-            <a:spLocks noGrp="1"/>
-          </p:cNvSpPr>
-          <p:nvPr>
-            <p:ph type="body" sz="quarter" idx="10"/>
-          </p:nvPr>
-        </p:nvSpPr>
-        <p:spPr>
-          <a:xfrm>
-            <a:off x="504000" y="1620000"/>
-            <a:ext cx="11185200" cy="4230000"/>
-          </a:xfrm>
-        </p:spPr>
-        <p:txBody>
-          <a:bodyPr/>
-          <a:lstStyle/>
-          <a:p>
-            <a:r>
-              <a:rPr lang="en-US" sz="2400" b="1" dirty="0"/>
-              <a:t>Market demand</a:t>
-            </a:r>
-          </a:p>
-          <a:p>
-            <a:pPr lvl="1"/>
-            <a:r>
-              <a:rPr lang="en-US" altLang="zh-CN" dirty="0"/>
-              <a:t>Why need this app?</a:t>
-            </a:r>
-            <a:endParaRPr lang="en-US" dirty="0"/>
-          </a:p>
-          <a:p>
-            <a:r>
-              <a:rPr lang="en-US" sz="2400" b="1" dirty="0"/>
-              <a:t>Walkthrough</a:t>
-            </a:r>
-          </a:p>
-          <a:p>
-            <a:pPr lvl="1"/>
-            <a:r>
-              <a:rPr lang="en-US" dirty="0"/>
-              <a:t>Demonstration</a:t>
-            </a:r>
-          </a:p>
-          <a:p>
-            <a:r>
-              <a:rPr lang="en-US" sz="2400" b="1" dirty="0"/>
-              <a:t>Benefits &amp; Comparison</a:t>
-            </a:r>
-          </a:p>
-          <a:p>
-            <a:pPr lvl="1"/>
-            <a:r>
-              <a:rPr lang="en-US" dirty="0"/>
-              <a:t>Why use this app?</a:t>
-            </a:r>
-          </a:p>
-          <a:p>
-            <a:r>
-              <a:rPr lang="en-US" altLang="zh-CN" sz="2400" b="1" dirty="0"/>
-              <a:t>Suggestion and Q&amp;A</a:t>
-            </a:r>
-            <a:endParaRPr lang="en-US" sz="2400" b="1" dirty="0"/>
-          </a:p>
-        </p:txBody>
-      </p:sp>
-      <p:sp>
-        <p:nvSpPr>
-          <p:cNvPr id="2" name="Title 1"/>
-          <p:cNvSpPr>
-            <a:spLocks noGrp="1"/>
-          </p:cNvSpPr>
-          <p:nvPr>
-            <p:ph type="title"/>
-          </p:nvPr>
-        </p:nvSpPr>
-        <p:spPr/>
-        <p:txBody>
-          <a:bodyPr/>
-          <a:lstStyle/>
-          <a:p>
-            <a:r>
-              <a:rPr lang="en-US" dirty="0"/>
-              <a:t>Agenda</a:t>
-            </a:r>
-          </a:p>
-        </p:txBody>
-      </p:sp>
-    </p:spTree>
-  </p:cSld>
-  <p:clrMapOvr>
-    <a:masterClrMapping/>
-  </p:clrMapOvr>
-</p:sld>
-</file>
-
-<file path=ppt/slides/slide20.xml><?xml version="1.0" encoding="utf-8"?>
+<file path=ppt/slides/slide24.xml><?xml version="1.0" encoding="utf-8"?>
 <p:sld xmlns:a="http://schemas.openxmlformats.org/drawingml/2006/main" xmlns:r="http://schemas.openxmlformats.org/officeDocument/2006/relationships" xmlns:p="http://schemas.openxmlformats.org/presentationml/2006/main">
   <p:cSld>
     <p:spTree>
@@ -14170,7 +15569,7 @@
 </p:sld>
 </file>
 
-<file path=ppt/slides/slide21.xml><?xml version="1.0" encoding="utf-8"?>
+<file path=ppt/slides/slide25.xml><?xml version="1.0" encoding="utf-8"?>
 <p:sld xmlns:a="http://schemas.openxmlformats.org/drawingml/2006/main" xmlns:r="http://schemas.openxmlformats.org/officeDocument/2006/relationships" xmlns:p="http://schemas.openxmlformats.org/presentationml/2006/main">
   <p:cSld>
     <p:spTree>
@@ -14192,7 +15591,7 @@
           <p:cNvPr id="3" name="TextBox 2">
             <a:extLst>
               <a:ext uri="{FF2B5EF4-FFF2-40B4-BE49-F238E27FC236}">
-                <a16:creationId xmlns:a16="http://schemas.microsoft.com/office/drawing/2014/main" id="{7B9C3D4A-DE76-47AE-8BA2-2353601AAA66}"/>
+                <a16:creationId xmlns:a16="http://schemas.microsoft.com/office/drawing/2014/main" xmlns="" id="{7B9C3D4A-DE76-47AE-8BA2-2353601AAA66}"/>
               </a:ext>
             </a:extLst>
           </p:cNvPr>
@@ -14464,7 +15863,7 @@
 </p:sld>
 </file>
 
-<file path=ppt/slides/slide22.xml><?xml version="1.0" encoding="utf-8"?>
+<file path=ppt/slides/slide26.xml><?xml version="1.0" encoding="utf-8"?>
 <p:sld xmlns:a="http://schemas.openxmlformats.org/drawingml/2006/main" xmlns:r="http://schemas.openxmlformats.org/officeDocument/2006/relationships" xmlns:p="http://schemas.openxmlformats.org/presentationml/2006/main">
   <p:cSld>
     <p:spTree>
@@ -14486,7 +15885,7 @@
           <p:cNvPr id="2" name="Title 1">
             <a:extLst>
               <a:ext uri="{FF2B5EF4-FFF2-40B4-BE49-F238E27FC236}">
-                <a16:creationId xmlns:a16="http://schemas.microsoft.com/office/drawing/2014/main" id="{894B7582-0C25-46E4-9583-EFDA054C041B}"/>
+                <a16:creationId xmlns:a16="http://schemas.microsoft.com/office/drawing/2014/main" xmlns="" id="{894B7582-0C25-46E4-9583-EFDA054C041B}"/>
               </a:ext>
             </a:extLst>
           </p:cNvPr>
@@ -14539,7 +15938,7 @@
 </p:sld>
 </file>
 
-<file path=ppt/slides/slide23.xml><?xml version="1.0" encoding="utf-8"?>
+<file path=ppt/slides/slide27.xml><?xml version="1.0" encoding="utf-8"?>
 <p:sld xmlns:a="http://schemas.openxmlformats.org/drawingml/2006/main" xmlns:r="http://schemas.openxmlformats.org/officeDocument/2006/relationships" xmlns:p="http://schemas.openxmlformats.org/presentationml/2006/main">
   <p:cSld>
     <p:spTree>
@@ -14601,16 +16000,18 @@
           <a:p>
             <a:pPr lvl="1"/>
             <a:r>
-              <a:rPr lang="en-US" b="1" dirty="0"/>
-              <a:t>F name L name</a:t>
-            </a:r>
+              <a:rPr lang="en-US" b="1" dirty="0" smtClean="0"/>
+              <a:t>Allen Qian</a:t>
+            </a:r>
+            <a:endParaRPr lang="en-US" b="1" dirty="0"/>
           </a:p>
           <a:p>
             <a:pPr lvl="1"/>
             <a:r>
-              <a:rPr lang="en-US" dirty="0"/>
-              <a:t>Title</a:t>
-            </a:r>
+              <a:rPr lang="en-US" dirty="0" smtClean="0"/>
+              <a:t>Product Support</a:t>
+            </a:r>
+            <a:endParaRPr lang="en-US" dirty="0"/>
           </a:p>
           <a:p>
             <a:pPr lvl="1"/>
@@ -14697,7 +16098,7 @@
 </p:sld>
 </file>
 
-<file path=ppt/slides/slide24.xml><?xml version="1.0" encoding="utf-8"?>
+<file path=ppt/slides/slide28.xml><?xml version="1.0" encoding="utf-8"?>
 <p:sld xmlns:a="http://schemas.openxmlformats.org/drawingml/2006/main" xmlns:r="http://schemas.openxmlformats.org/officeDocument/2006/relationships" xmlns:p="http://schemas.openxmlformats.org/presentationml/2006/main" show="0">
   <p:cSld>
     <p:spTree>
@@ -14775,7 +16176,7 @@
           <p:cNvPr id="6" name="Picture 5">
             <a:extLst>
               <a:ext uri="{FF2B5EF4-FFF2-40B4-BE49-F238E27FC236}">
-                <a16:creationId xmlns:a16="http://schemas.microsoft.com/office/drawing/2014/main" id="{08862827-67B7-4829-865E-B8FD056D132F}"/>
+                <a16:creationId xmlns:a16="http://schemas.microsoft.com/office/drawing/2014/main" xmlns="" id="{08862827-67B7-4829-865E-B8FD056D132F}"/>
               </a:ext>
             </a:extLst>
           </p:cNvPr>
@@ -14862,7 +16263,7 @@
           <p:cNvPr id="18" name="Chart 17">
             <a:extLst>
               <a:ext uri="{FF2B5EF4-FFF2-40B4-BE49-F238E27FC236}">
-                <a16:creationId xmlns:a16="http://schemas.microsoft.com/office/drawing/2014/main" id="{5F867322-2272-4E01-AB1F-7DF97B56F696}"/>
+                <a16:creationId xmlns:a16="http://schemas.microsoft.com/office/drawing/2014/main" xmlns="" id="{5F867322-2272-4E01-AB1F-7DF97B56F696}"/>
               </a:ext>
             </a:extLst>
           </p:cNvPr>
@@ -14890,7 +16291,7 @@
           <p:cNvPr id="20" name="TextBox 19">
             <a:extLst>
               <a:ext uri="{FF2B5EF4-FFF2-40B4-BE49-F238E27FC236}">
-                <a16:creationId xmlns:a16="http://schemas.microsoft.com/office/drawing/2014/main" id="{EC41A7C2-A2FB-4687-99D8-AD48C2254596}"/>
+                <a16:creationId xmlns:a16="http://schemas.microsoft.com/office/drawing/2014/main" xmlns="" id="{EC41A7C2-A2FB-4687-99D8-AD48C2254596}"/>
               </a:ext>
             </a:extLst>
           </p:cNvPr>
@@ -14943,7 +16344,7 @@
           <p:cNvPr id="21" name="TextBox 20">
             <a:extLst>
               <a:ext uri="{FF2B5EF4-FFF2-40B4-BE49-F238E27FC236}">
-                <a16:creationId xmlns:a16="http://schemas.microsoft.com/office/drawing/2014/main" id="{A08C067F-8B64-4A9B-B050-E69A25B98813}"/>
+                <a16:creationId xmlns:a16="http://schemas.microsoft.com/office/drawing/2014/main" xmlns="" id="{A08C067F-8B64-4A9B-B050-E69A25B98813}"/>
               </a:ext>
             </a:extLst>
           </p:cNvPr>
@@ -14996,7 +16397,7 @@
           <p:cNvPr id="22" name="TextBox 21">
             <a:extLst>
               <a:ext uri="{FF2B5EF4-FFF2-40B4-BE49-F238E27FC236}">
-                <a16:creationId xmlns:a16="http://schemas.microsoft.com/office/drawing/2014/main" id="{F864BB87-A7BB-4DB4-9D8F-7013E8FD05A5}"/>
+                <a16:creationId xmlns:a16="http://schemas.microsoft.com/office/drawing/2014/main" xmlns="" id="{F864BB87-A7BB-4DB4-9D8F-7013E8FD05A5}"/>
               </a:ext>
             </a:extLst>
           </p:cNvPr>
@@ -15052,7 +16453,7 @@
           <p:cNvPr id="23" name="TextBox 22">
             <a:extLst>
               <a:ext uri="{FF2B5EF4-FFF2-40B4-BE49-F238E27FC236}">
-                <a16:creationId xmlns:a16="http://schemas.microsoft.com/office/drawing/2014/main" id="{D5D2E2D7-76F2-438F-BF34-6FDB907B3792}"/>
+                <a16:creationId xmlns:a16="http://schemas.microsoft.com/office/drawing/2014/main" xmlns="" id="{D5D2E2D7-76F2-438F-BF34-6FDB907B3792}"/>
               </a:ext>
             </a:extLst>
           </p:cNvPr>
@@ -15135,7 +16536,7 @@
           <p:cNvPr id="5" name="Oval 4">
             <a:extLst>
               <a:ext uri="{FF2B5EF4-FFF2-40B4-BE49-F238E27FC236}">
-                <a16:creationId xmlns:a16="http://schemas.microsoft.com/office/drawing/2014/main" id="{EA42DD60-703A-4374-B68D-22910F40DD5A}"/>
+                <a16:creationId xmlns:a16="http://schemas.microsoft.com/office/drawing/2014/main" xmlns="" id="{EA42DD60-703A-4374-B68D-22910F40DD5A}"/>
               </a:ext>
             </a:extLst>
           </p:cNvPr>
@@ -15198,7 +16599,7 @@
           <p:cNvPr id="4" name="Picture 3">
             <a:extLst>
               <a:ext uri="{FF2B5EF4-FFF2-40B4-BE49-F238E27FC236}">
-                <a16:creationId xmlns:a16="http://schemas.microsoft.com/office/drawing/2014/main" id="{0166F11F-5FC1-441C-8935-428C76EA00FA}"/>
+                <a16:creationId xmlns:a16="http://schemas.microsoft.com/office/drawing/2014/main" xmlns="" id="{0166F11F-5FC1-441C-8935-428C76EA00FA}"/>
               </a:ext>
             </a:extLst>
           </p:cNvPr>
@@ -15258,7 +16659,7 @@
           <p:cNvPr id="20" name="Title 19">
             <a:extLst>
               <a:ext uri="{FF2B5EF4-FFF2-40B4-BE49-F238E27FC236}">
-                <a16:creationId xmlns:a16="http://schemas.microsoft.com/office/drawing/2014/main" id="{A1873379-63D8-462F-9210-E72BFC55CA86}"/>
+                <a16:creationId xmlns:a16="http://schemas.microsoft.com/office/drawing/2014/main" xmlns="" id="{A1873379-63D8-462F-9210-E72BFC55CA86}"/>
               </a:ext>
             </a:extLst>
           </p:cNvPr>
@@ -15286,7 +16687,7 @@
           <p:cNvPr id="22" name="Group 21">
             <a:extLst>
               <a:ext uri="{FF2B5EF4-FFF2-40B4-BE49-F238E27FC236}">
-                <a16:creationId xmlns:a16="http://schemas.microsoft.com/office/drawing/2014/main" id="{E1E4A563-F932-43E7-A16F-DFFF09281FB3}"/>
+                <a16:creationId xmlns:a16="http://schemas.microsoft.com/office/drawing/2014/main" xmlns="" id="{E1E4A563-F932-43E7-A16F-DFFF09281FB3}"/>
               </a:ext>
             </a:extLst>
           </p:cNvPr>
@@ -15306,7 +16707,7 @@
             <p:cNvPr id="21" name="TextBox 20">
               <a:extLst>
                 <a:ext uri="{FF2B5EF4-FFF2-40B4-BE49-F238E27FC236}">
-                  <a16:creationId xmlns:a16="http://schemas.microsoft.com/office/drawing/2014/main" id="{1DC98974-CBA5-4C06-854F-33618ECA17C9}"/>
+                  <a16:creationId xmlns:a16="http://schemas.microsoft.com/office/drawing/2014/main" xmlns="" id="{1DC98974-CBA5-4C06-854F-33618ECA17C9}"/>
                 </a:ext>
               </a:extLst>
             </p:cNvPr>
@@ -15356,7 +16757,7 @@
             <p:cNvPr id="1026" name="Picture 2" descr="Image result for disgusted face">
               <a:extLst>
                 <a:ext uri="{FF2B5EF4-FFF2-40B4-BE49-F238E27FC236}">
-                  <a16:creationId xmlns:a16="http://schemas.microsoft.com/office/drawing/2014/main" id="{AD03C2CE-8619-4D36-9B7E-EFCA160649A3}"/>
+                  <a16:creationId xmlns:a16="http://schemas.microsoft.com/office/drawing/2014/main" xmlns="" id="{AD03C2CE-8619-4D36-9B7E-EFCA160649A3}"/>
                 </a:ext>
               </a:extLst>
             </p:cNvPr>
@@ -15404,7 +16805,7 @@
           <p:cNvPr id="25" name="Rounded Rectangle 20">
             <a:extLst>
               <a:ext uri="{FF2B5EF4-FFF2-40B4-BE49-F238E27FC236}">
-                <a16:creationId xmlns:a16="http://schemas.microsoft.com/office/drawing/2014/main" id="{4D640B65-478E-4E29-BC59-BE7657BE2C4A}"/>
+                <a16:creationId xmlns:a16="http://schemas.microsoft.com/office/drawing/2014/main" xmlns="" id="{4D640B65-478E-4E29-BC59-BE7657BE2C4A}"/>
               </a:ext>
             </a:extLst>
           </p:cNvPr>
@@ -15570,7 +16971,7 @@
           <p:cNvPr id="3" name="Title 2">
             <a:extLst>
               <a:ext uri="{FF2B5EF4-FFF2-40B4-BE49-F238E27FC236}">
-                <a16:creationId xmlns:a16="http://schemas.microsoft.com/office/drawing/2014/main" id="{5708BF8E-C62B-426D-B4E3-CB0A12B34636}"/>
+                <a16:creationId xmlns:a16="http://schemas.microsoft.com/office/drawing/2014/main" xmlns="" id="{5708BF8E-C62B-426D-B4E3-CB0A12B34636}"/>
               </a:ext>
             </a:extLst>
           </p:cNvPr>
@@ -15598,7 +16999,7 @@
           <p:cNvPr id="4" name="TextBox 3">
             <a:extLst>
               <a:ext uri="{FF2B5EF4-FFF2-40B4-BE49-F238E27FC236}">
-                <a16:creationId xmlns:a16="http://schemas.microsoft.com/office/drawing/2014/main" id="{8BF367F5-372A-4F32-978A-F9B98578DA28}"/>
+                <a16:creationId xmlns:a16="http://schemas.microsoft.com/office/drawing/2014/main" xmlns="" id="{8BF367F5-372A-4F32-978A-F9B98578DA28}"/>
               </a:ext>
             </a:extLst>
           </p:cNvPr>
@@ -15648,7 +17049,7 @@
           <p:cNvPr id="5" name="Picture 4">
             <a:extLst>
               <a:ext uri="{FF2B5EF4-FFF2-40B4-BE49-F238E27FC236}">
-                <a16:creationId xmlns:a16="http://schemas.microsoft.com/office/drawing/2014/main" id="{DED32012-3A08-4ECB-B32B-86E923869424}"/>
+                <a16:creationId xmlns:a16="http://schemas.microsoft.com/office/drawing/2014/main" xmlns="" id="{DED32012-3A08-4ECB-B32B-86E923869424}"/>
               </a:ext>
             </a:extLst>
           </p:cNvPr>
@@ -15677,7 +17078,7 @@
           <p:cNvPr id="6" name="Picture 5">
             <a:extLst>
               <a:ext uri="{FF2B5EF4-FFF2-40B4-BE49-F238E27FC236}">
-                <a16:creationId xmlns:a16="http://schemas.microsoft.com/office/drawing/2014/main" id="{79C73B0B-B8DC-4D1E-91CD-D05117ACA094}"/>
+                <a16:creationId xmlns:a16="http://schemas.microsoft.com/office/drawing/2014/main" xmlns="" id="{79C73B0B-B8DC-4D1E-91CD-D05117ACA094}"/>
               </a:ext>
             </a:extLst>
           </p:cNvPr>
@@ -15707,7 +17108,7 @@
           <p:cNvPr id="7" name="TextBox 6">
             <a:extLst>
               <a:ext uri="{FF2B5EF4-FFF2-40B4-BE49-F238E27FC236}">
-                <a16:creationId xmlns:a16="http://schemas.microsoft.com/office/drawing/2014/main" id="{BEEA43B9-3F1E-4E25-84F8-370A4257D8E3}"/>
+                <a16:creationId xmlns:a16="http://schemas.microsoft.com/office/drawing/2014/main" xmlns="" id="{BEEA43B9-3F1E-4E25-84F8-370A4257D8E3}"/>
               </a:ext>
             </a:extLst>
           </p:cNvPr>
@@ -15771,7 +17172,7 @@
           <p:cNvPr id="2050" name="Picture 2" descr="Image result for dizzy face emoji">
             <a:extLst>
               <a:ext uri="{FF2B5EF4-FFF2-40B4-BE49-F238E27FC236}">
-                <a16:creationId xmlns:a16="http://schemas.microsoft.com/office/drawing/2014/main" id="{580E37B0-C028-4BEA-B805-CC2FD1541B4F}"/>
+                <a16:creationId xmlns:a16="http://schemas.microsoft.com/office/drawing/2014/main" xmlns="" id="{580E37B0-C028-4BEA-B805-CC2FD1541B4F}"/>
               </a:ext>
             </a:extLst>
           </p:cNvPr>
@@ -15848,7 +17249,7 @@
           <p:cNvPr id="4" name="Picture 3">
             <a:extLst>
               <a:ext uri="{FF2B5EF4-FFF2-40B4-BE49-F238E27FC236}">
-                <a16:creationId xmlns:a16="http://schemas.microsoft.com/office/drawing/2014/main" id="{2042861D-EB46-442B-ABD2-2262E01F311F}"/>
+                <a16:creationId xmlns:a16="http://schemas.microsoft.com/office/drawing/2014/main" xmlns="" id="{2042861D-EB46-442B-ABD2-2262E01F311F}"/>
               </a:ext>
             </a:extLst>
           </p:cNvPr>
@@ -15877,7 +17278,7 @@
           <p:cNvPr id="5" name="TextBox 4">
             <a:extLst>
               <a:ext uri="{FF2B5EF4-FFF2-40B4-BE49-F238E27FC236}">
-                <a16:creationId xmlns:a16="http://schemas.microsoft.com/office/drawing/2014/main" id="{34E2E58D-EEE0-40E4-8C32-4CE33C5A9043}"/>
+                <a16:creationId xmlns:a16="http://schemas.microsoft.com/office/drawing/2014/main" xmlns="" id="{34E2E58D-EEE0-40E4-8C32-4CE33C5A9043}"/>
               </a:ext>
             </a:extLst>
           </p:cNvPr>
@@ -15931,7 +17332,7 @@
           <p:cNvPr id="6" name="Title 2">
             <a:extLst>
               <a:ext uri="{FF2B5EF4-FFF2-40B4-BE49-F238E27FC236}">
-                <a16:creationId xmlns:a16="http://schemas.microsoft.com/office/drawing/2014/main" id="{086A3860-C7AA-4006-AC9C-B127AF4CCC7B}"/>
+                <a16:creationId xmlns:a16="http://schemas.microsoft.com/office/drawing/2014/main" xmlns="" id="{086A3860-C7AA-4006-AC9C-B127AF4CCC7B}"/>
               </a:ext>
             </a:extLst>
           </p:cNvPr>
@@ -15964,7 +17365,7 @@
           <p:cNvPr id="7" name="Picture 6">
             <a:extLst>
               <a:ext uri="{FF2B5EF4-FFF2-40B4-BE49-F238E27FC236}">
-                <a16:creationId xmlns:a16="http://schemas.microsoft.com/office/drawing/2014/main" id="{F3561513-B6FE-468A-9332-57729F119583}"/>
+                <a16:creationId xmlns:a16="http://schemas.microsoft.com/office/drawing/2014/main" xmlns="" id="{F3561513-B6FE-468A-9332-57729F119583}"/>
               </a:ext>
             </a:extLst>
           </p:cNvPr>
@@ -15993,7 +17394,7 @@
           <p:cNvPr id="8" name="Oval 7">
             <a:extLst>
               <a:ext uri="{FF2B5EF4-FFF2-40B4-BE49-F238E27FC236}">
-                <a16:creationId xmlns:a16="http://schemas.microsoft.com/office/drawing/2014/main" id="{477C06B8-116C-4D99-B339-6B11C5CCDB5F}"/>
+                <a16:creationId xmlns:a16="http://schemas.microsoft.com/office/drawing/2014/main" xmlns="" id="{477C06B8-116C-4D99-B339-6B11C5CCDB5F}"/>
               </a:ext>
             </a:extLst>
           </p:cNvPr>
@@ -16066,7 +17467,7 @@
           <p:cNvPr id="9" name="TextBox 8">
             <a:extLst>
               <a:ext uri="{FF2B5EF4-FFF2-40B4-BE49-F238E27FC236}">
-                <a16:creationId xmlns:a16="http://schemas.microsoft.com/office/drawing/2014/main" id="{9A1E56E1-A230-4C4E-A81E-582DD307035D}"/>
+                <a16:creationId xmlns:a16="http://schemas.microsoft.com/office/drawing/2014/main" xmlns="" id="{9A1E56E1-A230-4C4E-A81E-582DD307035D}"/>
               </a:ext>
             </a:extLst>
           </p:cNvPr>
@@ -16132,7 +17533,7 @@
           <p:cNvPr id="11" name="Rectangle 10">
             <a:extLst>
               <a:ext uri="{FF2B5EF4-FFF2-40B4-BE49-F238E27FC236}">
-                <a16:creationId xmlns:a16="http://schemas.microsoft.com/office/drawing/2014/main" id="{BF89D653-1FDA-4EED-BA1B-DEC2324619F2}"/>
+                <a16:creationId xmlns:a16="http://schemas.microsoft.com/office/drawing/2014/main" xmlns="" id="{BF89D653-1FDA-4EED-BA1B-DEC2324619F2}"/>
               </a:ext>
             </a:extLst>
           </p:cNvPr>
@@ -16170,7 +17571,7 @@
           <p:cNvPr id="12" name="Rectangle 11">
             <a:extLst>
               <a:ext uri="{FF2B5EF4-FFF2-40B4-BE49-F238E27FC236}">
-                <a16:creationId xmlns:a16="http://schemas.microsoft.com/office/drawing/2014/main" id="{7E240866-5186-427B-8538-1209B7B0C812}"/>
+                <a16:creationId xmlns:a16="http://schemas.microsoft.com/office/drawing/2014/main" xmlns="" id="{7E240866-5186-427B-8538-1209B7B0C812}"/>
               </a:ext>
             </a:extLst>
           </p:cNvPr>
@@ -16222,7 +17623,7 @@
           <p:cNvPr id="13" name="Oval 12">
             <a:extLst>
               <a:ext uri="{FF2B5EF4-FFF2-40B4-BE49-F238E27FC236}">
-                <a16:creationId xmlns:a16="http://schemas.microsoft.com/office/drawing/2014/main" id="{F1369B1F-DA08-4055-B806-EA1DEEA4437E}"/>
+                <a16:creationId xmlns:a16="http://schemas.microsoft.com/office/drawing/2014/main" xmlns="" id="{F1369B1F-DA08-4055-B806-EA1DEEA4437E}"/>
               </a:ext>
             </a:extLst>
           </p:cNvPr>
@@ -16295,7 +17696,7 @@
           <p:cNvPr id="14" name="TextBox 13">
             <a:extLst>
               <a:ext uri="{FF2B5EF4-FFF2-40B4-BE49-F238E27FC236}">
-                <a16:creationId xmlns:a16="http://schemas.microsoft.com/office/drawing/2014/main" id="{F02EB39B-134F-4E30-9739-173709BEABEB}"/>
+                <a16:creationId xmlns:a16="http://schemas.microsoft.com/office/drawing/2014/main" xmlns="" id="{F02EB39B-134F-4E30-9739-173709BEABEB}"/>
               </a:ext>
             </a:extLst>
           </p:cNvPr>
@@ -16414,7 +17815,7 @@
           <p:cNvPr id="3" name="Title 2">
             <a:extLst>
               <a:ext uri="{FF2B5EF4-FFF2-40B4-BE49-F238E27FC236}">
-                <a16:creationId xmlns:a16="http://schemas.microsoft.com/office/drawing/2014/main" id="{59D512E6-AC34-4273-A4E1-9E3561AEDEC1}"/>
+                <a16:creationId xmlns:a16="http://schemas.microsoft.com/office/drawing/2014/main" xmlns="" id="{59D512E6-AC34-4273-A4E1-9E3561AEDEC1}"/>
               </a:ext>
             </a:extLst>
           </p:cNvPr>
@@ -16442,7 +17843,7 @@
           <p:cNvPr id="4" name="Picture 3">
             <a:extLst>
               <a:ext uri="{FF2B5EF4-FFF2-40B4-BE49-F238E27FC236}">
-                <a16:creationId xmlns:a16="http://schemas.microsoft.com/office/drawing/2014/main" id="{9DB90B46-C423-4A78-B4A8-6C46B0EDC598}"/>
+                <a16:creationId xmlns:a16="http://schemas.microsoft.com/office/drawing/2014/main" xmlns="" id="{9DB90B46-C423-4A78-B4A8-6C46B0EDC598}"/>
               </a:ext>
             </a:extLst>
           </p:cNvPr>
@@ -16472,7 +17873,7 @@
           <p:cNvPr id="5" name="TextBox 4">
             <a:extLst>
               <a:ext uri="{FF2B5EF4-FFF2-40B4-BE49-F238E27FC236}">
-                <a16:creationId xmlns:a16="http://schemas.microsoft.com/office/drawing/2014/main" id="{72F386AC-50B1-4D5A-9969-D8C60966F904}"/>
+                <a16:creationId xmlns:a16="http://schemas.microsoft.com/office/drawing/2014/main" xmlns="" id="{72F386AC-50B1-4D5A-9969-D8C60966F904}"/>
               </a:ext>
             </a:extLst>
           </p:cNvPr>
@@ -16522,7 +17923,7 @@
           <p:cNvPr id="6" name="TextBox 5">
             <a:extLst>
               <a:ext uri="{FF2B5EF4-FFF2-40B4-BE49-F238E27FC236}">
-                <a16:creationId xmlns:a16="http://schemas.microsoft.com/office/drawing/2014/main" id="{4A67CE65-E814-4D22-BB4C-1677A8B052B4}"/>
+                <a16:creationId xmlns:a16="http://schemas.microsoft.com/office/drawing/2014/main" xmlns="" id="{4A67CE65-E814-4D22-BB4C-1677A8B052B4}"/>
               </a:ext>
             </a:extLst>
           </p:cNvPr>

--- a/SAP_2017_16x9_black_and_white.pptx
+++ b/SAP_2017_16x9_black_and_white.pptx
@@ -219,7 +219,7 @@
 </file>
 
 <file path=ppt/charts/chart1.xml><?xml version="1.0" encoding="utf-8"?>
-<c:chartSpace xmlns:c="http://schemas.openxmlformats.org/drawingml/2006/chart" xmlns:a="http://schemas.openxmlformats.org/drawingml/2006/main" xmlns:r="http://schemas.openxmlformats.org/officeDocument/2006/relationships">
+<c:chartSpace xmlns:c="http://schemas.openxmlformats.org/drawingml/2006/chart" xmlns:a="http://schemas.openxmlformats.org/drawingml/2006/main" xmlns:r="http://schemas.openxmlformats.org/officeDocument/2006/relationships" xmlns:c16r2="http://schemas.microsoft.com/office/drawing/2015/06/chart">
   <c:date1904 val="0"/>
   <c:lang val="en-US"/>
   <c:roundedCorners val="0"/>
@@ -233,7 +233,6 @@
   </mc:AlternateContent>
   <c:chart>
     <c:title>
-      <c:layout/>
       <c:overlay val="0"/>
       <c:spPr>
         <a:noFill/>
@@ -259,7 +258,7 @@
               <a:cs typeface="+mn-cs"/>
             </a:defRPr>
           </a:pPr>
-          <a:endParaRPr lang="en-US"/>
+          <a:endParaRPr lang="zh-CN"/>
         </a:p>
       </c:txPr>
     </c:title>
@@ -296,7 +295,7 @@
               </a:ln>
               <a:effectLst/>
             </c:spPr>
-            <c:extLst xmlns:c16r2="http://schemas.microsoft.com/office/drawing/2015/06/chart">
+            <c:extLst>
               <c:ext xmlns:c16="http://schemas.microsoft.com/office/drawing/2014/chart" uri="{C3380CC4-5D6E-409C-BE32-E72D297353CC}">
                 <c16:uniqueId val="{00000001-548A-47BF-A79E-B9EDD87336E3}"/>
               </c:ext>
@@ -316,7 +315,7 @@
               </a:ln>
               <a:effectLst/>
             </c:spPr>
-            <c:extLst xmlns:c16r2="http://schemas.microsoft.com/office/drawing/2015/06/chart">
+            <c:extLst>
               <c:ext xmlns:c16="http://schemas.microsoft.com/office/drawing/2014/chart" uri="{C3380CC4-5D6E-409C-BE32-E72D297353CC}">
                 <c16:uniqueId val="{00000003-548A-47BF-A79E-B9EDD87336E3}"/>
               </c:ext>
@@ -336,7 +335,7 @@
               </a:ln>
               <a:effectLst/>
             </c:spPr>
-            <c:extLst xmlns:c16r2="http://schemas.microsoft.com/office/drawing/2015/06/chart">
+            <c:extLst>
               <c:ext xmlns:c16="http://schemas.microsoft.com/office/drawing/2014/chart" uri="{C3380CC4-5D6E-409C-BE32-E72D297353CC}">
                 <c16:uniqueId val="{00000005-548A-47BF-A79E-B9EDD87336E3}"/>
               </c:ext>
@@ -356,7 +355,7 @@
               </a:ln>
               <a:effectLst/>
             </c:spPr>
-            <c:extLst xmlns:c16r2="http://schemas.microsoft.com/office/drawing/2015/06/chart">
+            <c:extLst>
               <c:ext xmlns:c16="http://schemas.microsoft.com/office/drawing/2014/chart" uri="{C3380CC4-5D6E-409C-BE32-E72D297353CC}">
                 <c16:uniqueId val="{00000007-548A-47BF-A79E-B9EDD87336E3}"/>
               </c:ext>
@@ -378,21 +377,21 @@
                 <c:formatCode>General</c:formatCode>
                 <c:ptCount val="4"/>
                 <c:pt idx="0">
-                  <c:v>25.0</c:v>
+                  <c:v>25</c:v>
                 </c:pt>
                 <c:pt idx="1">
-                  <c:v>25.0</c:v>
+                  <c:v>25</c:v>
                 </c:pt>
                 <c:pt idx="2">
-                  <c:v>25.0</c:v>
+                  <c:v>25</c:v>
                 </c:pt>
                 <c:pt idx="3">
-                  <c:v>25.0</c:v>
+                  <c:v>25</c:v>
                 </c:pt>
               </c:numCache>
             </c:numRef>
           </c:val>
-          <c:extLst xmlns:c16r2="http://schemas.microsoft.com/office/drawing/2015/06/chart">
+          <c:extLst>
             <c:ext xmlns:c16="http://schemas.microsoft.com/office/drawing/2014/chart" uri="{C3380CC4-5D6E-409C-BE32-E72D297353CC}">
               <c16:uniqueId val="{00000000-B952-4802-B4B1-BCED6F344937}"/>
             </c:ext>
@@ -419,7 +418,6 @@
     </c:plotArea>
     <c:legend>
       <c:legendPos val="b"/>
-      <c:layout/>
       <c:overlay val="0"/>
       <c:spPr>
         <a:noFill/>
@@ -445,7 +443,7 @@
               <a:cs typeface="+mn-cs"/>
             </a:defRPr>
           </a:pPr>
-          <a:endParaRPr lang="en-US"/>
+          <a:endParaRPr lang="zh-CN"/>
         </a:p>
       </c:txPr>
     </c:legend>
@@ -467,7 +465,7 @@
       <a:pPr>
         <a:defRPr/>
       </a:pPr>
-      <a:endParaRPr lang="en-US"/>
+      <a:endParaRPr lang="zh-CN"/>
     </a:p>
   </c:txPr>
   <c:externalData r:id="rId3">
@@ -477,7 +475,7 @@
 </file>
 
 <file path=ppt/charts/chart2.xml><?xml version="1.0" encoding="utf-8"?>
-<c:chartSpace xmlns:c="http://schemas.openxmlformats.org/drawingml/2006/chart" xmlns:a="http://schemas.openxmlformats.org/drawingml/2006/main" xmlns:r="http://schemas.openxmlformats.org/officeDocument/2006/relationships">
+<c:chartSpace xmlns:c="http://schemas.openxmlformats.org/drawingml/2006/chart" xmlns:a="http://schemas.openxmlformats.org/drawingml/2006/main" xmlns:r="http://schemas.openxmlformats.org/officeDocument/2006/relationships" xmlns:c16r2="http://schemas.microsoft.com/office/drawing/2015/06/chart">
   <c:date1904 val="0"/>
   <c:lang val="en-US"/>
   <c:roundedCorners val="0"/>
@@ -491,7 +489,6 @@
   </mc:AlternateContent>
   <c:chart>
     <c:title>
-      <c:layout/>
       <c:overlay val="0"/>
       <c:spPr>
         <a:noFill/>
@@ -517,7 +514,7 @@
               <a:cs typeface="+mn-cs"/>
             </a:defRPr>
           </a:pPr>
-          <a:endParaRPr lang="en-US"/>
+          <a:endParaRPr lang="zh-CN"/>
         </a:p>
       </c:txPr>
     </c:title>
@@ -554,7 +551,7 @@
               </a:ln>
               <a:effectLst/>
             </c:spPr>
-            <c:extLst xmlns:c16r2="http://schemas.microsoft.com/office/drawing/2015/06/chart">
+            <c:extLst>
               <c:ext xmlns:c16="http://schemas.microsoft.com/office/drawing/2014/chart" uri="{C3380CC4-5D6E-409C-BE32-E72D297353CC}">
                 <c16:uniqueId val="{00000001-EF0E-4771-BCAE-03BCA352BDFA}"/>
               </c:ext>
@@ -574,7 +571,7 @@
               </a:ln>
               <a:effectLst/>
             </c:spPr>
-            <c:extLst xmlns:c16r2="http://schemas.microsoft.com/office/drawing/2015/06/chart">
+            <c:extLst>
               <c:ext xmlns:c16="http://schemas.microsoft.com/office/drawing/2014/chart" uri="{C3380CC4-5D6E-409C-BE32-E72D297353CC}">
                 <c16:uniqueId val="{00000003-EF0E-4771-BCAE-03BCA352BDFA}"/>
               </c:ext>
@@ -594,7 +591,7 @@
               </a:ln>
               <a:effectLst/>
             </c:spPr>
-            <c:extLst xmlns:c16r2="http://schemas.microsoft.com/office/drawing/2015/06/chart">
+            <c:extLst>
               <c:ext xmlns:c16="http://schemas.microsoft.com/office/drawing/2014/chart" uri="{C3380CC4-5D6E-409C-BE32-E72D297353CC}">
                 <c16:uniqueId val="{00000005-EF0E-4771-BCAE-03BCA352BDFA}"/>
               </c:ext>
@@ -614,7 +611,7 @@
               </a:ln>
               <a:effectLst/>
             </c:spPr>
-            <c:extLst xmlns:c16r2="http://schemas.microsoft.com/office/drawing/2015/06/chart">
+            <c:extLst>
               <c:ext xmlns:c16="http://schemas.microsoft.com/office/drawing/2014/chart" uri="{C3380CC4-5D6E-409C-BE32-E72D297353CC}">
                 <c16:uniqueId val="{00000007-EF0E-4771-BCAE-03BCA352BDFA}"/>
               </c:ext>
@@ -636,21 +633,21 @@
                 <c:formatCode>General</c:formatCode>
                 <c:ptCount val="4"/>
                 <c:pt idx="0">
-                  <c:v>25.0</c:v>
+                  <c:v>25</c:v>
                 </c:pt>
                 <c:pt idx="1">
-                  <c:v>25.0</c:v>
+                  <c:v>25</c:v>
                 </c:pt>
                 <c:pt idx="2">
-                  <c:v>25.0</c:v>
+                  <c:v>25</c:v>
                 </c:pt>
                 <c:pt idx="3">
-                  <c:v>25.0</c:v>
+                  <c:v>25</c:v>
                 </c:pt>
               </c:numCache>
             </c:numRef>
           </c:val>
-          <c:extLst xmlns:c16r2="http://schemas.microsoft.com/office/drawing/2015/06/chart">
+          <c:extLst>
             <c:ext xmlns:c16="http://schemas.microsoft.com/office/drawing/2014/chart" uri="{C3380CC4-5D6E-409C-BE32-E72D297353CC}">
               <c16:uniqueId val="{00000008-EF0E-4771-BCAE-03BCA352BDFA}"/>
             </c:ext>
@@ -677,7 +674,6 @@
     </c:plotArea>
     <c:legend>
       <c:legendPos val="b"/>
-      <c:layout/>
       <c:overlay val="0"/>
       <c:spPr>
         <a:noFill/>
@@ -703,7 +699,7 @@
               <a:cs typeface="+mn-cs"/>
             </a:defRPr>
           </a:pPr>
-          <a:endParaRPr lang="en-US"/>
+          <a:endParaRPr lang="zh-CN"/>
         </a:p>
       </c:txPr>
     </c:legend>
@@ -725,7 +721,7 @@
       <a:pPr>
         <a:defRPr/>
       </a:pPr>
-      <a:endParaRPr lang="en-US"/>
+      <a:endParaRPr lang="zh-CN"/>
     </a:p>
   </c:txPr>
   <c:externalData r:id="rId3">
@@ -2804,23 +2800,23 @@
           <a:lstStyle/>
           <a:p>
             <a:r>
-              <a:rPr lang="en-US" dirty="0" smtClean="0"/>
+              <a:rPr lang="en-US" dirty="0"/>
               <a:t>Web: access anywhere and avoid</a:t>
             </a:r>
             <a:r>
-              <a:rPr lang="en-US" baseline="0" dirty="0" smtClean="0"/>
+              <a:rPr lang="en-US" baseline="0" dirty="0"/>
               <a:t> the situation that engineer forgot to handover</a:t>
             </a:r>
           </a:p>
           <a:p>
             <a:r>
-              <a:rPr lang="en-US" baseline="0" dirty="0" smtClean="0"/>
+              <a:rPr lang="en-US" baseline="0" dirty="0"/>
               <a:t>Name list: easy to find engineer and maintain</a:t>
             </a:r>
           </a:p>
           <a:p>
             <a:r>
-              <a:rPr lang="en-US" baseline="0" dirty="0" smtClean="0"/>
+              <a:rPr lang="en-US" baseline="0" dirty="0"/>
               <a:t>Counter: know who to assign</a:t>
             </a:r>
           </a:p>
@@ -2908,11 +2904,11 @@
           <a:lstStyle/>
           <a:p>
             <a:r>
-              <a:rPr lang="en-US" dirty="0" smtClean="0"/>
+              <a:rPr lang="en-US" dirty="0"/>
               <a:t>Separate</a:t>
             </a:r>
             <a:r>
-              <a:rPr lang="en-US" baseline="0" dirty="0" smtClean="0"/>
+              <a:rPr lang="en-US" baseline="0" dirty="0"/>
               <a:t> numbers and be more clearly</a:t>
             </a:r>
             <a:endParaRPr lang="en-US" dirty="0"/>
@@ -3001,11 +2997,11 @@
           <a:lstStyle/>
           <a:p>
             <a:r>
-              <a:rPr lang="en-US" dirty="0" smtClean="0"/>
+              <a:rPr lang="en-US" dirty="0"/>
               <a:t>Since all engineers</a:t>
             </a:r>
             <a:r>
-              <a:rPr lang="en-US" baseline="0" dirty="0" smtClean="0"/>
+              <a:rPr lang="en-US" baseline="0" dirty="0"/>
               <a:t> support NW and EPM add-in, then this component would be on the Home Page for the fastest accessing</a:t>
             </a:r>
             <a:endParaRPr lang="en-US" dirty="0"/>
@@ -3094,15 +3090,15 @@
           <a:lstStyle/>
           <a:p>
             <a:r>
-              <a:rPr lang="en-US" dirty="0" smtClean="0"/>
+              <a:rPr lang="en-US" dirty="0"/>
               <a:t>Automatically</a:t>
             </a:r>
             <a:r>
-              <a:rPr lang="en-US" baseline="0" dirty="0" smtClean="0"/>
+              <a:rPr lang="en-US" baseline="0" dirty="0"/>
               <a:t> recommend the next </a:t>
             </a:r>
             <a:r>
-              <a:rPr lang="en-US" sz="1400" b="0" i="0" kern="1200" dirty="0" smtClean="0">
+              <a:rPr lang="en-US" sz="1400" b="0" i="0" kern="1200" dirty="0">
                 <a:solidFill>
                   <a:schemeClr val="tx1"/>
                 </a:solidFill>
@@ -3199,11 +3195,11 @@
           <a:lstStyle/>
           <a:p>
             <a:r>
-              <a:rPr lang="en-US" dirty="0" smtClean="0"/>
+              <a:rPr lang="en-US" dirty="0"/>
               <a:t>Engineer</a:t>
             </a:r>
             <a:r>
-              <a:rPr lang="en-US" baseline="0" dirty="0" smtClean="0"/>
+              <a:rPr lang="en-US" baseline="0" dirty="0"/>
               <a:t> will not be filtered if it is unavailable. </a:t>
             </a:r>
             <a:endParaRPr lang="en-US" dirty="0"/>
@@ -3292,11 +3288,11 @@
           <a:lstStyle/>
           <a:p>
             <a:r>
-              <a:rPr lang="en-US" dirty="0" smtClean="0"/>
+              <a:rPr lang="en-US" dirty="0"/>
               <a:t>Other components</a:t>
             </a:r>
             <a:r>
-              <a:rPr lang="en-US" baseline="0" dirty="0" smtClean="0"/>
+              <a:rPr lang="en-US" baseline="0" dirty="0"/>
               <a:t> as hyperlinks to access</a:t>
             </a:r>
             <a:endParaRPr lang="en-US" dirty="0"/>
@@ -3385,11 +3381,11 @@
           <a:lstStyle/>
           <a:p>
             <a:r>
-              <a:rPr lang="en-US" dirty="0" smtClean="0"/>
+              <a:rPr lang="en-US" dirty="0"/>
               <a:t>Return</a:t>
             </a:r>
             <a:r>
-              <a:rPr lang="en-US" baseline="0" dirty="0" smtClean="0"/>
+              <a:rPr lang="en-US" baseline="0" dirty="0"/>
               <a:t> to home page anytime</a:t>
             </a:r>
             <a:endParaRPr lang="en-US" dirty="0"/>
@@ -4293,11 +4289,11 @@
           <a:lstStyle/>
           <a:p>
             <a:r>
-              <a:rPr lang="en-US" dirty="0" smtClean="0"/>
+              <a:rPr lang="en-US" dirty="0"/>
               <a:t>Forgot to handover, trouble</a:t>
             </a:r>
             <a:r>
-              <a:rPr lang="en-US" baseline="0" dirty="0" smtClean="0"/>
+              <a:rPr lang="en-US" baseline="0" dirty="0"/>
               <a:t> maker</a:t>
             </a:r>
             <a:endParaRPr lang="en-US" dirty="0"/>
@@ -11921,15 +11917,7 @@
           <a:p>
             <a:r>
               <a:rPr lang="en-US" dirty="0"/>
-              <a:t>Queue Manager </a:t>
-            </a:r>
-            <a:r>
-              <a:rPr lang="en-US" dirty="0" smtClean="0"/>
-              <a:t>Web</a:t>
-            </a:r>
-            <a:r>
-              <a:rPr lang="en-US" dirty="0"/>
-              <a:t/>
+              <a:t>Queue Manager Web</a:t>
             </a:r>
             <a:br>
               <a:rPr lang="en-US" dirty="0"/>
@@ -11999,7 +11987,7 @@
           <p:cNvPr id="3" name="Title 2">
             <a:extLst>
               <a:ext uri="{FF2B5EF4-FFF2-40B4-BE49-F238E27FC236}">
-                <a16:creationId xmlns:a16="http://schemas.microsoft.com/office/drawing/2014/main" xmlns="" id="{59D512E6-AC34-4273-A4E1-9E3561AEDEC1}"/>
+                <a16:creationId xmlns:a16="http://schemas.microsoft.com/office/drawing/2014/main" id="{59D512E6-AC34-4273-A4E1-9E3561AEDEC1}"/>
               </a:ext>
             </a:extLst>
           </p:cNvPr>
@@ -12027,7 +12015,7 @@
           <p:cNvPr id="5" name="TextBox 4">
             <a:extLst>
               <a:ext uri="{FF2B5EF4-FFF2-40B4-BE49-F238E27FC236}">
-                <a16:creationId xmlns:a16="http://schemas.microsoft.com/office/drawing/2014/main" xmlns="" id="{72F386AC-50B1-4D5A-9969-D8C60966F904}"/>
+                <a16:creationId xmlns:a16="http://schemas.microsoft.com/office/drawing/2014/main" id="{72F386AC-50B1-4D5A-9969-D8C60966F904}"/>
               </a:ext>
             </a:extLst>
           </p:cNvPr>
@@ -12077,7 +12065,7 @@
           <p:cNvPr id="2" name="Picture 1">
             <a:extLst>
               <a:ext uri="{FF2B5EF4-FFF2-40B4-BE49-F238E27FC236}">
-                <a16:creationId xmlns:a16="http://schemas.microsoft.com/office/drawing/2014/main" xmlns="" id="{836213E8-5AC8-4220-B8EB-1F0BF829D386}"/>
+                <a16:creationId xmlns:a16="http://schemas.microsoft.com/office/drawing/2014/main" id="{836213E8-5AC8-4220-B8EB-1F0BF829D386}"/>
               </a:ext>
             </a:extLst>
           </p:cNvPr>
@@ -12106,7 +12094,7 @@
           <p:cNvPr id="8" name="TextBox 7">
             <a:extLst>
               <a:ext uri="{FF2B5EF4-FFF2-40B4-BE49-F238E27FC236}">
-                <a16:creationId xmlns:a16="http://schemas.microsoft.com/office/drawing/2014/main" xmlns="" id="{A8C6C46A-24D2-415E-A462-3CA587465D70}"/>
+                <a16:creationId xmlns:a16="http://schemas.microsoft.com/office/drawing/2014/main" id="{A8C6C46A-24D2-415E-A462-3CA587465D70}"/>
               </a:ext>
             </a:extLst>
           </p:cNvPr>
@@ -12170,7 +12158,7 @@
           <p:cNvPr id="9" name="Rounded Rectangle 20">
             <a:extLst>
               <a:ext uri="{FF2B5EF4-FFF2-40B4-BE49-F238E27FC236}">
-                <a16:creationId xmlns:a16="http://schemas.microsoft.com/office/drawing/2014/main" xmlns="" id="{98970A8B-153F-4F3B-9022-5CA390180A86}"/>
+                <a16:creationId xmlns:a16="http://schemas.microsoft.com/office/drawing/2014/main" id="{98970A8B-153F-4F3B-9022-5CA390180A86}"/>
               </a:ext>
             </a:extLst>
           </p:cNvPr>
@@ -12277,7 +12265,7 @@
           <p:cNvPr id="15" name="Oval 14">
             <a:extLst>
               <a:ext uri="{FF2B5EF4-FFF2-40B4-BE49-F238E27FC236}">
-                <a16:creationId xmlns:a16="http://schemas.microsoft.com/office/drawing/2014/main" xmlns="" id="{C2B6EB42-389A-44BD-83FE-2C5B23AD0ABB}"/>
+                <a16:creationId xmlns:a16="http://schemas.microsoft.com/office/drawing/2014/main" id="{C2B6EB42-389A-44BD-83FE-2C5B23AD0ABB}"/>
               </a:ext>
             </a:extLst>
           </p:cNvPr>
@@ -12350,7 +12338,7 @@
           <p:cNvPr id="4" name="Picture 3">
             <a:extLst>
               <a:ext uri="{FF2B5EF4-FFF2-40B4-BE49-F238E27FC236}">
-                <a16:creationId xmlns:a16="http://schemas.microsoft.com/office/drawing/2014/main" xmlns="" id="{96B02D29-DF06-4F46-996E-EA157E587A62}"/>
+                <a16:creationId xmlns:a16="http://schemas.microsoft.com/office/drawing/2014/main" id="{96B02D29-DF06-4F46-996E-EA157E587A62}"/>
               </a:ext>
             </a:extLst>
           </p:cNvPr>
@@ -12380,7 +12368,7 @@
           <p:cNvPr id="10" name="TextBox 9">
             <a:extLst>
               <a:ext uri="{FF2B5EF4-FFF2-40B4-BE49-F238E27FC236}">
-                <a16:creationId xmlns:a16="http://schemas.microsoft.com/office/drawing/2014/main" xmlns="" id="{1AFCD621-72F1-4357-BB91-643A9F3966C8}"/>
+                <a16:creationId xmlns:a16="http://schemas.microsoft.com/office/drawing/2014/main" id="{1AFCD621-72F1-4357-BB91-643A9F3966C8}"/>
               </a:ext>
             </a:extLst>
           </p:cNvPr>
@@ -12474,7 +12462,7 @@
           <p:cNvPr id="5" name="TextBox 4">
             <a:extLst>
               <a:ext uri="{FF2B5EF4-FFF2-40B4-BE49-F238E27FC236}">
-                <a16:creationId xmlns:a16="http://schemas.microsoft.com/office/drawing/2014/main" xmlns="" id="{72F386AC-50B1-4D5A-9969-D8C60966F904}"/>
+                <a16:creationId xmlns:a16="http://schemas.microsoft.com/office/drawing/2014/main" id="{72F386AC-50B1-4D5A-9969-D8C60966F904}"/>
               </a:ext>
             </a:extLst>
           </p:cNvPr>
@@ -12584,7 +12572,7 @@
           <p:cNvPr id="3" name="Title 2">
             <a:extLst>
               <a:ext uri="{FF2B5EF4-FFF2-40B4-BE49-F238E27FC236}">
-                <a16:creationId xmlns:a16="http://schemas.microsoft.com/office/drawing/2014/main" xmlns="" id="{ACDC5AA8-32A9-460A-AD7E-2CC2138B3E3C}"/>
+                <a16:creationId xmlns:a16="http://schemas.microsoft.com/office/drawing/2014/main" id="{ACDC5AA8-32A9-460A-AD7E-2CC2138B3E3C}"/>
               </a:ext>
             </a:extLst>
           </p:cNvPr>
@@ -12612,7 +12600,7 @@
           <p:cNvPr id="4" name="TextBox 3">
             <a:extLst>
               <a:ext uri="{FF2B5EF4-FFF2-40B4-BE49-F238E27FC236}">
-                <a16:creationId xmlns:a16="http://schemas.microsoft.com/office/drawing/2014/main" xmlns="" id="{38586787-7369-4320-9E45-83C58B42D572}"/>
+                <a16:creationId xmlns:a16="http://schemas.microsoft.com/office/drawing/2014/main" id="{38586787-7369-4320-9E45-83C58B42D572}"/>
               </a:ext>
             </a:extLst>
           </p:cNvPr>
@@ -12669,7 +12657,7 @@
           <p:cNvPr id="5" name="TextBox 4">
             <a:extLst>
               <a:ext uri="{FF2B5EF4-FFF2-40B4-BE49-F238E27FC236}">
-                <a16:creationId xmlns:a16="http://schemas.microsoft.com/office/drawing/2014/main" xmlns="" id="{DD3B578E-BA84-4F88-8CE8-1EA030DD1E1C}"/>
+                <a16:creationId xmlns:a16="http://schemas.microsoft.com/office/drawing/2014/main" id="{DD3B578E-BA84-4F88-8CE8-1EA030DD1E1C}"/>
               </a:ext>
             </a:extLst>
           </p:cNvPr>
@@ -12719,7 +12707,7 @@
           <p:cNvPr id="1030" name="Picture 6" descr="Image result for emoji thinking face transparent">
             <a:extLst>
               <a:ext uri="{FF2B5EF4-FFF2-40B4-BE49-F238E27FC236}">
-                <a16:creationId xmlns:a16="http://schemas.microsoft.com/office/drawing/2014/main" xmlns="" id="{4E038710-3C81-4634-952D-652729766495}"/>
+                <a16:creationId xmlns:a16="http://schemas.microsoft.com/office/drawing/2014/main" id="{4E038710-3C81-4634-952D-652729766495}"/>
               </a:ext>
             </a:extLst>
           </p:cNvPr>
@@ -12818,7 +12806,7 @@
           <p:cNvPr id="6" name="Chart 5">
             <a:extLst>
               <a:ext uri="{FF2B5EF4-FFF2-40B4-BE49-F238E27FC236}">
-                <a16:creationId xmlns:a16="http://schemas.microsoft.com/office/drawing/2014/main" xmlns="" id="{2024650D-DE93-44EE-9895-9CF4A24DA026}"/>
+                <a16:creationId xmlns:a16="http://schemas.microsoft.com/office/drawing/2014/main" id="{2024650D-DE93-44EE-9895-9CF4A24DA026}"/>
               </a:ext>
             </a:extLst>
           </p:cNvPr>
@@ -12846,7 +12834,7 @@
           <p:cNvPr id="7" name="TextBox 6">
             <a:extLst>
               <a:ext uri="{FF2B5EF4-FFF2-40B4-BE49-F238E27FC236}">
-                <a16:creationId xmlns:a16="http://schemas.microsoft.com/office/drawing/2014/main" xmlns="" id="{EB377DA1-873D-4642-9C9A-ECD3BFD92D09}"/>
+                <a16:creationId xmlns:a16="http://schemas.microsoft.com/office/drawing/2014/main" id="{EB377DA1-873D-4642-9C9A-ECD3BFD92D09}"/>
               </a:ext>
             </a:extLst>
           </p:cNvPr>
@@ -12899,7 +12887,7 @@
           <p:cNvPr id="8" name="TextBox 7">
             <a:extLst>
               <a:ext uri="{FF2B5EF4-FFF2-40B4-BE49-F238E27FC236}">
-                <a16:creationId xmlns:a16="http://schemas.microsoft.com/office/drawing/2014/main" xmlns="" id="{55AB0BCF-C6CB-488A-A81E-C592D83EDFA4}"/>
+                <a16:creationId xmlns:a16="http://schemas.microsoft.com/office/drawing/2014/main" id="{55AB0BCF-C6CB-488A-A81E-C592D83EDFA4}"/>
               </a:ext>
             </a:extLst>
           </p:cNvPr>
@@ -12952,7 +12940,7 @@
           <p:cNvPr id="9" name="TextBox 8">
             <a:extLst>
               <a:ext uri="{FF2B5EF4-FFF2-40B4-BE49-F238E27FC236}">
-                <a16:creationId xmlns:a16="http://schemas.microsoft.com/office/drawing/2014/main" xmlns="" id="{8EED529D-C948-41AE-B89D-4F4375C1339A}"/>
+                <a16:creationId xmlns:a16="http://schemas.microsoft.com/office/drawing/2014/main" id="{8EED529D-C948-41AE-B89D-4F4375C1339A}"/>
               </a:ext>
             </a:extLst>
           </p:cNvPr>
@@ -13008,7 +12996,7 @@
           <p:cNvPr id="12" name="TextBox 11">
             <a:extLst>
               <a:ext uri="{FF2B5EF4-FFF2-40B4-BE49-F238E27FC236}">
-                <a16:creationId xmlns:a16="http://schemas.microsoft.com/office/drawing/2014/main" xmlns="" id="{CC0CF1A2-E210-4A5E-9C09-580619FA7405}"/>
+                <a16:creationId xmlns:a16="http://schemas.microsoft.com/office/drawing/2014/main" id="{CC0CF1A2-E210-4A5E-9C09-580619FA7405}"/>
               </a:ext>
             </a:extLst>
           </p:cNvPr>
@@ -13061,7 +13049,7 @@
           <p:cNvPr id="13" name="TextBox 12">
             <a:extLst>
               <a:ext uri="{FF2B5EF4-FFF2-40B4-BE49-F238E27FC236}">
-                <a16:creationId xmlns:a16="http://schemas.microsoft.com/office/drawing/2014/main" xmlns="" id="{F06BEDE4-581D-4EA2-8B76-2882C831EE39}"/>
+                <a16:creationId xmlns:a16="http://schemas.microsoft.com/office/drawing/2014/main" id="{F06BEDE4-581D-4EA2-8B76-2882C831EE39}"/>
               </a:ext>
             </a:extLst>
           </p:cNvPr>
@@ -13117,7 +13105,7 @@
           <p:cNvPr id="14" name="Straight Connector 13">
             <a:extLst>
               <a:ext uri="{FF2B5EF4-FFF2-40B4-BE49-F238E27FC236}">
-                <a16:creationId xmlns:a16="http://schemas.microsoft.com/office/drawing/2014/main" xmlns="" id="{CF7C7744-C579-4D28-98C2-5A2C9A6EABF9}"/>
+                <a16:creationId xmlns:a16="http://schemas.microsoft.com/office/drawing/2014/main" id="{CF7C7744-C579-4D28-98C2-5A2C9A6EABF9}"/>
               </a:ext>
             </a:extLst>
           </p:cNvPr>
@@ -13160,7 +13148,7 @@
           <p:cNvPr id="16" name="Straight Connector 15">
             <a:extLst>
               <a:ext uri="{FF2B5EF4-FFF2-40B4-BE49-F238E27FC236}">
-                <a16:creationId xmlns:a16="http://schemas.microsoft.com/office/drawing/2014/main" xmlns="" id="{403707E3-FC32-4911-BE69-10D4B8B12771}"/>
+                <a16:creationId xmlns:a16="http://schemas.microsoft.com/office/drawing/2014/main" id="{403707E3-FC32-4911-BE69-10D4B8B12771}"/>
               </a:ext>
             </a:extLst>
           </p:cNvPr>
@@ -13203,7 +13191,7 @@
           <p:cNvPr id="17" name="TextBox 16">
             <a:extLst>
               <a:ext uri="{FF2B5EF4-FFF2-40B4-BE49-F238E27FC236}">
-                <a16:creationId xmlns:a16="http://schemas.microsoft.com/office/drawing/2014/main" xmlns="" id="{23AA344C-FF3B-40A7-B6BC-4ACC4A20F4EB}"/>
+                <a16:creationId xmlns:a16="http://schemas.microsoft.com/office/drawing/2014/main" id="{23AA344C-FF3B-40A7-B6BC-4ACC4A20F4EB}"/>
               </a:ext>
             </a:extLst>
           </p:cNvPr>
@@ -13256,7 +13244,7 @@
           <p:cNvPr id="19" name="Straight Connector 18">
             <a:extLst>
               <a:ext uri="{FF2B5EF4-FFF2-40B4-BE49-F238E27FC236}">
-                <a16:creationId xmlns:a16="http://schemas.microsoft.com/office/drawing/2014/main" xmlns="" id="{BA578CA6-1327-4849-AF17-23CF68A2133A}"/>
+                <a16:creationId xmlns:a16="http://schemas.microsoft.com/office/drawing/2014/main" id="{BA578CA6-1327-4849-AF17-23CF68A2133A}"/>
               </a:ext>
             </a:extLst>
           </p:cNvPr>
@@ -13299,7 +13287,7 @@
           <p:cNvPr id="5" name="Group 4">
             <a:extLst>
               <a:ext uri="{FF2B5EF4-FFF2-40B4-BE49-F238E27FC236}">
-                <a16:creationId xmlns:a16="http://schemas.microsoft.com/office/drawing/2014/main" xmlns="" id="{17CF6214-93C5-4CCB-8E34-D9C576016FF0}"/>
+                <a16:creationId xmlns:a16="http://schemas.microsoft.com/office/drawing/2014/main" id="{17CF6214-93C5-4CCB-8E34-D9C576016FF0}"/>
               </a:ext>
             </a:extLst>
           </p:cNvPr>
@@ -13319,7 +13307,7 @@
             <p:cNvPr id="10" name="TextBox 9">
               <a:extLst>
                 <a:ext uri="{FF2B5EF4-FFF2-40B4-BE49-F238E27FC236}">
-                  <a16:creationId xmlns:a16="http://schemas.microsoft.com/office/drawing/2014/main" xmlns="" id="{F7E60F61-40C9-4D2F-B34F-B57D1DADBE79}"/>
+                  <a16:creationId xmlns:a16="http://schemas.microsoft.com/office/drawing/2014/main" id="{F7E60F61-40C9-4D2F-B34F-B57D1DADBE79}"/>
                 </a:ext>
               </a:extLst>
             </p:cNvPr>
@@ -13372,7 +13360,7 @@
             <p:cNvPr id="3" name="Straight Connector 2">
               <a:extLst>
                 <a:ext uri="{FF2B5EF4-FFF2-40B4-BE49-F238E27FC236}">
-                  <a16:creationId xmlns:a16="http://schemas.microsoft.com/office/drawing/2014/main" xmlns="" id="{7450FE50-3D45-452F-9B80-89DEDA264922}"/>
+                  <a16:creationId xmlns:a16="http://schemas.microsoft.com/office/drawing/2014/main" id="{7450FE50-3D45-452F-9B80-89DEDA264922}"/>
                 </a:ext>
               </a:extLst>
             </p:cNvPr>
@@ -13446,7 +13434,7 @@
           <p:cNvPr id="8" name="Picture 7">
             <a:extLst>
               <a:ext uri="{FF2B5EF4-FFF2-40B4-BE49-F238E27FC236}">
-                <a16:creationId xmlns:a16="http://schemas.microsoft.com/office/drawing/2014/main" xmlns="" id="{E0271523-1F4F-43F1-BCD5-61A6B0CDED41}"/>
+                <a16:creationId xmlns:a16="http://schemas.microsoft.com/office/drawing/2014/main" id="{E0271523-1F4F-43F1-BCD5-61A6B0CDED41}"/>
               </a:ext>
             </a:extLst>
           </p:cNvPr>
@@ -13475,7 +13463,7 @@
           <p:cNvPr id="7" name="Oval 6">
             <a:extLst>
               <a:ext uri="{FF2B5EF4-FFF2-40B4-BE49-F238E27FC236}">
-                <a16:creationId xmlns:a16="http://schemas.microsoft.com/office/drawing/2014/main" xmlns="" id="{74501F77-C573-4E73-AF19-FD9BDC119363}"/>
+                <a16:creationId xmlns:a16="http://schemas.microsoft.com/office/drawing/2014/main" id="{74501F77-C573-4E73-AF19-FD9BDC119363}"/>
               </a:ext>
             </a:extLst>
           </p:cNvPr>
@@ -13538,7 +13526,7 @@
           <p:cNvPr id="9" name="TextBox 8">
             <a:extLst>
               <a:ext uri="{FF2B5EF4-FFF2-40B4-BE49-F238E27FC236}">
-                <a16:creationId xmlns:a16="http://schemas.microsoft.com/office/drawing/2014/main" xmlns="" id="{FBF99C32-42BF-408F-BF15-1B18913EB462}"/>
+                <a16:creationId xmlns:a16="http://schemas.microsoft.com/office/drawing/2014/main" id="{FBF99C32-42BF-408F-BF15-1B18913EB462}"/>
               </a:ext>
             </a:extLst>
           </p:cNvPr>
@@ -13591,7 +13579,7 @@
           <p:cNvPr id="12" name="TextBox 11">
             <a:extLst>
               <a:ext uri="{FF2B5EF4-FFF2-40B4-BE49-F238E27FC236}">
-                <a16:creationId xmlns:a16="http://schemas.microsoft.com/office/drawing/2014/main" xmlns="" id="{F9942FC1-6018-42BE-8674-81738434BF70}"/>
+                <a16:creationId xmlns:a16="http://schemas.microsoft.com/office/drawing/2014/main" id="{F9942FC1-6018-42BE-8674-81738434BF70}"/>
               </a:ext>
             </a:extLst>
           </p:cNvPr>
@@ -13644,7 +13632,7 @@
           <p:cNvPr id="13" name="TextBox 12">
             <a:extLst>
               <a:ext uri="{FF2B5EF4-FFF2-40B4-BE49-F238E27FC236}">
-                <a16:creationId xmlns:a16="http://schemas.microsoft.com/office/drawing/2014/main" xmlns="" id="{767AE63F-3352-4757-85AD-11CBE999D920}"/>
+                <a16:creationId xmlns:a16="http://schemas.microsoft.com/office/drawing/2014/main" id="{767AE63F-3352-4757-85AD-11CBE999D920}"/>
               </a:ext>
             </a:extLst>
           </p:cNvPr>
@@ -13697,7 +13685,7 @@
           <p:cNvPr id="2" name="Arrow: Right 1">
             <a:extLst>
               <a:ext uri="{FF2B5EF4-FFF2-40B4-BE49-F238E27FC236}">
-                <a16:creationId xmlns:a16="http://schemas.microsoft.com/office/drawing/2014/main" xmlns="" id="{6C1284AF-83A0-48F4-B28A-550F6D67BC9A}"/>
+                <a16:creationId xmlns:a16="http://schemas.microsoft.com/office/drawing/2014/main" id="{6C1284AF-83A0-48F4-B28A-550F6D67BC9A}"/>
               </a:ext>
             </a:extLst>
           </p:cNvPr>
@@ -13790,7 +13778,7 @@
           <p:cNvPr id="4" name="Picture 3">
             <a:extLst>
               <a:ext uri="{FF2B5EF4-FFF2-40B4-BE49-F238E27FC236}">
-                <a16:creationId xmlns:a16="http://schemas.microsoft.com/office/drawing/2014/main" xmlns="" id="{8165186F-2192-4C50-832B-E3DE2E14CA35}"/>
+                <a16:creationId xmlns:a16="http://schemas.microsoft.com/office/drawing/2014/main" id="{8165186F-2192-4C50-832B-E3DE2E14CA35}"/>
               </a:ext>
             </a:extLst>
           </p:cNvPr>
@@ -13819,7 +13807,7 @@
           <p:cNvPr id="6" name="Oval 5">
             <a:extLst>
               <a:ext uri="{FF2B5EF4-FFF2-40B4-BE49-F238E27FC236}">
-                <a16:creationId xmlns:a16="http://schemas.microsoft.com/office/drawing/2014/main" xmlns="" id="{BF933E7C-C729-4D3B-92C0-6F7BA3ED53D3}"/>
+                <a16:creationId xmlns:a16="http://schemas.microsoft.com/office/drawing/2014/main" id="{BF933E7C-C729-4D3B-92C0-6F7BA3ED53D3}"/>
               </a:ext>
             </a:extLst>
           </p:cNvPr>
@@ -13882,7 +13870,7 @@
           <p:cNvPr id="7" name="Arrow: Right 6">
             <a:extLst>
               <a:ext uri="{FF2B5EF4-FFF2-40B4-BE49-F238E27FC236}">
-                <a16:creationId xmlns:a16="http://schemas.microsoft.com/office/drawing/2014/main" xmlns="" id="{29A68D31-250F-418F-9CCF-454BDC149794}"/>
+                <a16:creationId xmlns:a16="http://schemas.microsoft.com/office/drawing/2014/main" id="{29A68D31-250F-418F-9CCF-454BDC149794}"/>
               </a:ext>
             </a:extLst>
           </p:cNvPr>
@@ -13945,7 +13933,7 @@
           <p:cNvPr id="8" name="TextBox 7">
             <a:extLst>
               <a:ext uri="{FF2B5EF4-FFF2-40B4-BE49-F238E27FC236}">
-                <a16:creationId xmlns:a16="http://schemas.microsoft.com/office/drawing/2014/main" xmlns="" id="{6B9C26AC-133D-4D9E-89C3-8989B9733F23}"/>
+                <a16:creationId xmlns:a16="http://schemas.microsoft.com/office/drawing/2014/main" id="{6B9C26AC-133D-4D9E-89C3-8989B9733F23}"/>
               </a:ext>
             </a:extLst>
           </p:cNvPr>
@@ -14000,7 +13988,7 @@
               <p14:cNvPr id="16" name="Ink 15">
                 <a:extLst>
                   <a:ext uri="{FF2B5EF4-FFF2-40B4-BE49-F238E27FC236}">
-                    <a16:creationId xmlns:a16="http://schemas.microsoft.com/office/drawing/2014/main" xmlns="" id="{9D6B17E1-7389-43F6-9C37-5CE414C4442B}"/>
+                    <a16:creationId xmlns:a16="http://schemas.microsoft.com/office/drawing/2014/main" id="{9D6B17E1-7389-43F6-9C37-5CE414C4442B}"/>
                   </a:ext>
                 </a:extLst>
               </p14:cNvPr>
@@ -14051,7 +14039,7 @@
               <p14:cNvPr id="17" name="Ink 16">
                 <a:extLst>
                   <a:ext uri="{FF2B5EF4-FFF2-40B4-BE49-F238E27FC236}">
-                    <a16:creationId xmlns:a16="http://schemas.microsoft.com/office/drawing/2014/main" xmlns="" id="{B4DA285E-5E86-4ACA-80CD-11B039BB0875}"/>
+                    <a16:creationId xmlns:a16="http://schemas.microsoft.com/office/drawing/2014/main" id="{B4DA285E-5E86-4ACA-80CD-11B039BB0875}"/>
                   </a:ext>
                 </a:extLst>
               </p14:cNvPr>
@@ -14102,7 +14090,7 @@
               <p14:cNvPr id="18" name="Ink 17">
                 <a:extLst>
                   <a:ext uri="{FF2B5EF4-FFF2-40B4-BE49-F238E27FC236}">
-                    <a16:creationId xmlns:a16="http://schemas.microsoft.com/office/drawing/2014/main" xmlns="" id="{5B04DA48-C718-4ABC-B423-7BC7760B9714}"/>
+                    <a16:creationId xmlns:a16="http://schemas.microsoft.com/office/drawing/2014/main" id="{5B04DA48-C718-4ABC-B423-7BC7760B9714}"/>
                   </a:ext>
                 </a:extLst>
               </p14:cNvPr>
@@ -14153,7 +14141,7 @@
               <p14:cNvPr id="19" name="Ink 18">
                 <a:extLst>
                   <a:ext uri="{FF2B5EF4-FFF2-40B4-BE49-F238E27FC236}">
-                    <a16:creationId xmlns:a16="http://schemas.microsoft.com/office/drawing/2014/main" xmlns="" id="{152F28CE-4640-4AC4-8E3C-25226F81BE52}"/>
+                    <a16:creationId xmlns:a16="http://schemas.microsoft.com/office/drawing/2014/main" id="{152F28CE-4640-4AC4-8E3C-25226F81BE52}"/>
                   </a:ext>
                 </a:extLst>
               </p14:cNvPr>
@@ -14204,7 +14192,7 @@
               <p14:cNvPr id="20" name="Ink 19">
                 <a:extLst>
                   <a:ext uri="{FF2B5EF4-FFF2-40B4-BE49-F238E27FC236}">
-                    <a16:creationId xmlns:a16="http://schemas.microsoft.com/office/drawing/2014/main" xmlns="" id="{76E9F655-3F5A-49BA-8D62-172A3B32D674}"/>
+                    <a16:creationId xmlns:a16="http://schemas.microsoft.com/office/drawing/2014/main" id="{76E9F655-3F5A-49BA-8D62-172A3B32D674}"/>
                   </a:ext>
                 </a:extLst>
               </p14:cNvPr>
@@ -14255,7 +14243,7 @@
               <p14:cNvPr id="21" name="Ink 20">
                 <a:extLst>
                   <a:ext uri="{FF2B5EF4-FFF2-40B4-BE49-F238E27FC236}">
-                    <a16:creationId xmlns:a16="http://schemas.microsoft.com/office/drawing/2014/main" xmlns="" id="{0F1A8A5D-BF77-4A2D-B3FF-D095C7BEFEB5}"/>
+                    <a16:creationId xmlns:a16="http://schemas.microsoft.com/office/drawing/2014/main" id="{0F1A8A5D-BF77-4A2D-B3FF-D095C7BEFEB5}"/>
                   </a:ext>
                 </a:extLst>
               </p14:cNvPr>
@@ -14306,7 +14294,7 @@
               <p14:cNvPr id="22" name="Ink 21">
                 <a:extLst>
                   <a:ext uri="{FF2B5EF4-FFF2-40B4-BE49-F238E27FC236}">
-                    <a16:creationId xmlns:a16="http://schemas.microsoft.com/office/drawing/2014/main" xmlns="" id="{F71B638B-1CDD-4095-B825-D831C9EB98F1}"/>
+                    <a16:creationId xmlns:a16="http://schemas.microsoft.com/office/drawing/2014/main" id="{F71B638B-1CDD-4095-B825-D831C9EB98F1}"/>
                   </a:ext>
                 </a:extLst>
               </p14:cNvPr>
@@ -14357,7 +14345,7 @@
               <p14:cNvPr id="23" name="Ink 22">
                 <a:extLst>
                   <a:ext uri="{FF2B5EF4-FFF2-40B4-BE49-F238E27FC236}">
-                    <a16:creationId xmlns:a16="http://schemas.microsoft.com/office/drawing/2014/main" xmlns="" id="{921886C2-E6F5-4F37-919D-7987801CFD7A}"/>
+                    <a16:creationId xmlns:a16="http://schemas.microsoft.com/office/drawing/2014/main" id="{921886C2-E6F5-4F37-919D-7987801CFD7A}"/>
                   </a:ext>
                 </a:extLst>
               </p14:cNvPr>
@@ -14408,7 +14396,7 @@
               <p14:cNvPr id="24" name="Ink 23">
                 <a:extLst>
                   <a:ext uri="{FF2B5EF4-FFF2-40B4-BE49-F238E27FC236}">
-                    <a16:creationId xmlns:a16="http://schemas.microsoft.com/office/drawing/2014/main" xmlns="" id="{5DAF21C0-F1F6-402F-8CE1-4816D28E8B93}"/>
+                    <a16:creationId xmlns:a16="http://schemas.microsoft.com/office/drawing/2014/main" id="{5DAF21C0-F1F6-402F-8CE1-4816D28E8B93}"/>
                   </a:ext>
                 </a:extLst>
               </p14:cNvPr>
@@ -14459,7 +14447,7 @@
               <p14:cNvPr id="25" name="Ink 24">
                 <a:extLst>
                   <a:ext uri="{FF2B5EF4-FFF2-40B4-BE49-F238E27FC236}">
-                    <a16:creationId xmlns:a16="http://schemas.microsoft.com/office/drawing/2014/main" xmlns="" id="{9D786789-8555-4C03-A8BF-8E391AE94FB0}"/>
+                    <a16:creationId xmlns:a16="http://schemas.microsoft.com/office/drawing/2014/main" id="{9D786789-8555-4C03-A8BF-8E391AE94FB0}"/>
                   </a:ext>
                 </a:extLst>
               </p14:cNvPr>
@@ -14510,7 +14498,7 @@
               <p14:cNvPr id="26" name="Ink 25">
                 <a:extLst>
                   <a:ext uri="{FF2B5EF4-FFF2-40B4-BE49-F238E27FC236}">
-                    <a16:creationId xmlns:a16="http://schemas.microsoft.com/office/drawing/2014/main" xmlns="" id="{F238FEA7-750E-4057-B8F0-E371BC5057EC}"/>
+                    <a16:creationId xmlns:a16="http://schemas.microsoft.com/office/drawing/2014/main" id="{F238FEA7-750E-4057-B8F0-E371BC5057EC}"/>
                   </a:ext>
                 </a:extLst>
               </p14:cNvPr>
@@ -14629,13 +14617,6 @@
   <p:clrMapOvr>
     <a:masterClrMapping/>
   </p:clrMapOvr>
-  <p:timing>
-    <p:tnLst>
-      <p:par>
-        <p:cTn id="1" dur="indefinite" restart="never" nodeType="tmRoot"/>
-      </p:par>
-    </p:tnLst>
-  </p:timing>
 </p:sld>
 </file>
 
@@ -14661,7 +14642,7 @@
           <p:cNvPr id="4" name="Picture 3">
             <a:extLst>
               <a:ext uri="{FF2B5EF4-FFF2-40B4-BE49-F238E27FC236}">
-                <a16:creationId xmlns:a16="http://schemas.microsoft.com/office/drawing/2014/main" xmlns="" id="{862CF9DF-F9D0-47B0-A16D-574F2D82C688}"/>
+                <a16:creationId xmlns:a16="http://schemas.microsoft.com/office/drawing/2014/main" id="{862CF9DF-F9D0-47B0-A16D-574F2D82C688}"/>
               </a:ext>
             </a:extLst>
           </p:cNvPr>
@@ -14732,7 +14713,7 @@
               <a:buSzPct val="80000"/>
               <a:tabLst/>
             </a:pPr>
-            <a:endParaRPr kumimoji="0" lang="en-US" sz="1800" b="0" i="0" u="none" strike="noStrike" kern="0" cap="none" spc="0" normalizeH="0" baseline="0" noProof="0" dirty="0" err="1" smtClean="0">
+            <a:endParaRPr kumimoji="0" lang="en-US" sz="1800" b="0" i="0" u="none" strike="noStrike" kern="0" cap="none" spc="0" normalizeH="0" baseline="0" noProof="0" dirty="0" err="1">
               <a:ln>
                 <a:noFill/>
               </a:ln>
@@ -14755,13 +14736,6 @@
   <p:clrMapOvr>
     <a:masterClrMapping/>
   </p:clrMapOvr>
-  <p:timing>
-    <p:tnLst>
-      <p:par>
-        <p:cTn id="1" dur="indefinite" restart="never" nodeType="tmRoot"/>
-      </p:par>
-    </p:tnLst>
-  </p:timing>
 </p:sld>
 </file>
 
@@ -14787,7 +14761,7 @@
           <p:cNvPr id="4" name="Picture 3">
             <a:extLst>
               <a:ext uri="{FF2B5EF4-FFF2-40B4-BE49-F238E27FC236}">
-                <a16:creationId xmlns:a16="http://schemas.microsoft.com/office/drawing/2014/main" xmlns="" id="{862CF9DF-F9D0-47B0-A16D-574F2D82C688}"/>
+                <a16:creationId xmlns:a16="http://schemas.microsoft.com/office/drawing/2014/main" id="{862CF9DF-F9D0-47B0-A16D-574F2D82C688}"/>
               </a:ext>
             </a:extLst>
           </p:cNvPr>
@@ -14858,7 +14832,7 @@
               <a:buSzPct val="80000"/>
               <a:tabLst/>
             </a:pPr>
-            <a:endParaRPr kumimoji="0" lang="en-US" sz="1800" b="0" i="0" u="none" strike="noStrike" kern="0" cap="none" spc="0" normalizeH="0" baseline="0" noProof="0" dirty="0" err="1" smtClean="0">
+            <a:endParaRPr kumimoji="0" lang="en-US" sz="1800" b="0" i="0" u="none" strike="noStrike" kern="0" cap="none" spc="0" normalizeH="0" baseline="0" noProof="0" dirty="0" err="1">
               <a:ln>
                 <a:noFill/>
               </a:ln>
@@ -14881,13 +14855,6 @@
   <p:clrMapOvr>
     <a:masterClrMapping/>
   </p:clrMapOvr>
-  <p:timing>
-    <p:tnLst>
-      <p:par>
-        <p:cTn id="1" dur="indefinite" restart="never" nodeType="tmRoot"/>
-      </p:par>
-    </p:tnLst>
-  </p:timing>
 </p:sld>
 </file>
 
@@ -14913,7 +14880,7 @@
           <p:cNvPr id="4" name="Picture 3">
             <a:extLst>
               <a:ext uri="{FF2B5EF4-FFF2-40B4-BE49-F238E27FC236}">
-                <a16:creationId xmlns:a16="http://schemas.microsoft.com/office/drawing/2014/main" xmlns="" id="{862CF9DF-F9D0-47B0-A16D-574F2D82C688}"/>
+                <a16:creationId xmlns:a16="http://schemas.microsoft.com/office/drawing/2014/main" id="{862CF9DF-F9D0-47B0-A16D-574F2D82C688}"/>
               </a:ext>
             </a:extLst>
           </p:cNvPr>
@@ -14984,7 +14951,7 @@
               <a:buSzPct val="80000"/>
               <a:tabLst/>
             </a:pPr>
-            <a:endParaRPr kumimoji="0" lang="en-US" sz="1800" b="0" i="0" u="none" strike="noStrike" kern="0" cap="none" spc="0" normalizeH="0" baseline="0" noProof="0" dirty="0" err="1" smtClean="0">
+            <a:endParaRPr kumimoji="0" lang="en-US" sz="1800" b="0" i="0" u="none" strike="noStrike" kern="0" cap="none" spc="0" normalizeH="0" baseline="0" noProof="0" dirty="0" err="1">
               <a:ln>
                 <a:noFill/>
               </a:ln>
@@ -15007,13 +14974,6 @@
   <p:clrMapOvr>
     <a:masterClrMapping/>
   </p:clrMapOvr>
-  <p:timing>
-    <p:tnLst>
-      <p:par>
-        <p:cTn id="1" dur="indefinite" restart="never" nodeType="tmRoot"/>
-      </p:par>
-    </p:tnLst>
-  </p:timing>
 </p:sld>
 </file>
 
@@ -15154,7 +15114,7 @@
           <p:cNvPr id="4" name="Picture 3">
             <a:extLst>
               <a:ext uri="{FF2B5EF4-FFF2-40B4-BE49-F238E27FC236}">
-                <a16:creationId xmlns:a16="http://schemas.microsoft.com/office/drawing/2014/main" xmlns="" id="{862CF9DF-F9D0-47B0-A16D-574F2D82C688}"/>
+                <a16:creationId xmlns:a16="http://schemas.microsoft.com/office/drawing/2014/main" id="{862CF9DF-F9D0-47B0-A16D-574F2D82C688}"/>
               </a:ext>
             </a:extLst>
           </p:cNvPr>
@@ -15225,7 +15185,7 @@
               <a:buSzPct val="80000"/>
               <a:tabLst/>
             </a:pPr>
-            <a:endParaRPr kumimoji="0" lang="en-US" sz="1800" b="0" i="0" u="none" strike="noStrike" kern="0" cap="none" spc="0" normalizeH="0" baseline="0" noProof="0" dirty="0" err="1" smtClean="0">
+            <a:endParaRPr kumimoji="0" lang="en-US" sz="1800" b="0" i="0" u="none" strike="noStrike" kern="0" cap="none" spc="0" normalizeH="0" baseline="0" noProof="0" dirty="0" err="1">
               <a:ln>
                 <a:noFill/>
               </a:ln>
@@ -15248,13 +15208,6 @@
   <p:clrMapOvr>
     <a:masterClrMapping/>
   </p:clrMapOvr>
-  <p:timing>
-    <p:tnLst>
-      <p:par>
-        <p:cTn id="1" dur="indefinite" restart="never" nodeType="tmRoot"/>
-      </p:par>
-    </p:tnLst>
-  </p:timing>
 </p:sld>
 </file>
 
@@ -15280,7 +15233,7 @@
           <p:cNvPr id="4" name="Picture 3">
             <a:extLst>
               <a:ext uri="{FF2B5EF4-FFF2-40B4-BE49-F238E27FC236}">
-                <a16:creationId xmlns:a16="http://schemas.microsoft.com/office/drawing/2014/main" xmlns="" id="{BC0BA36E-AF3D-46EF-8757-2E733F20CA5B}"/>
+                <a16:creationId xmlns:a16="http://schemas.microsoft.com/office/drawing/2014/main" id="{BC0BA36E-AF3D-46EF-8757-2E733F20CA5B}"/>
               </a:ext>
             </a:extLst>
           </p:cNvPr>
@@ -15351,7 +15304,7 @@
               <a:buSzPct val="80000"/>
               <a:tabLst/>
             </a:pPr>
-            <a:endParaRPr kumimoji="0" lang="en-US" sz="1800" b="0" i="0" u="none" strike="noStrike" kern="0" cap="none" spc="0" normalizeH="0" baseline="0" noProof="0" dirty="0" err="1" smtClean="0">
+            <a:endParaRPr kumimoji="0" lang="en-US" sz="1800" b="0" i="0" u="none" strike="noStrike" kern="0" cap="none" spc="0" normalizeH="0" baseline="0" noProof="0" dirty="0" err="1">
               <a:ln>
                 <a:noFill/>
               </a:ln>
@@ -15374,13 +15327,6 @@
   <p:clrMapOvr>
     <a:masterClrMapping/>
   </p:clrMapOvr>
-  <p:timing>
-    <p:tnLst>
-      <p:par>
-        <p:cTn id="1" dur="indefinite" restart="never" nodeType="tmRoot"/>
-      </p:par>
-    </p:tnLst>
-  </p:timing>
 </p:sld>
 </file>
 
@@ -15406,7 +15352,7 @@
           <p:cNvPr id="2" name="Title 1">
             <a:extLst>
               <a:ext uri="{FF2B5EF4-FFF2-40B4-BE49-F238E27FC236}">
-                <a16:creationId xmlns:a16="http://schemas.microsoft.com/office/drawing/2014/main" xmlns="" id="{894B7582-0C25-46E4-9583-EFDA054C041B}"/>
+                <a16:creationId xmlns:a16="http://schemas.microsoft.com/office/drawing/2014/main" id="{894B7582-0C25-46E4-9583-EFDA054C041B}"/>
               </a:ext>
             </a:extLst>
           </p:cNvPr>
@@ -15591,7 +15537,7 @@
           <p:cNvPr id="3" name="TextBox 2">
             <a:extLst>
               <a:ext uri="{FF2B5EF4-FFF2-40B4-BE49-F238E27FC236}">
-                <a16:creationId xmlns:a16="http://schemas.microsoft.com/office/drawing/2014/main" xmlns="" id="{7B9C3D4A-DE76-47AE-8BA2-2353601AAA66}"/>
+                <a16:creationId xmlns:a16="http://schemas.microsoft.com/office/drawing/2014/main" id="{7B9C3D4A-DE76-47AE-8BA2-2353601AAA66}"/>
               </a:ext>
             </a:extLst>
           </p:cNvPr>
@@ -15601,7 +15547,7 @@
         <p:spPr>
           <a:xfrm>
             <a:off x="1731524" y="1692613"/>
-            <a:ext cx="8380499" cy="4016484"/>
+            <a:ext cx="8564524" cy="4431983"/>
           </a:xfrm>
           <a:prstGeom prst="rect">
             <a:avLst/>
@@ -15657,6 +15603,50 @@
                 <a:cs typeface="Arial Unicode MS" pitchFamily="34" charset="-128"/>
               </a:rPr>
               <a:t>Smart Sort – program recommend for the next dispatch</a:t>
+            </a:r>
+          </a:p>
+          <a:p>
+            <a:pPr marL="830138" lvl="1" indent="-285750" fontAlgn="base">
+              <a:spcBef>
+                <a:spcPct val="50000"/>
+              </a:spcBef>
+              <a:spcAft>
+                <a:spcPct val="0"/>
+              </a:spcAft>
+              <a:buClr>
+                <a:srgbClr val="F0AB00"/>
+              </a:buClr>
+              <a:buSzPct val="80000"/>
+              <a:buFont typeface="Arial" panose="020B0604020202020204" pitchFamily="34" charset="0"/>
+              <a:buChar char="•"/>
+            </a:pPr>
+            <a:r>
+              <a:rPr lang="en-CA" sz="1800" i="1" kern="0" dirty="0">
+                <a:ea typeface="Arial Unicode MS" pitchFamily="34" charset="-128"/>
+                <a:cs typeface="Arial Unicode MS" pitchFamily="34" charset="-128"/>
+              </a:rPr>
+              <a:t>S</a:t>
+            </a:r>
+            <a:r>
+              <a:rPr lang="en-US" sz="1800" i="1" kern="0" dirty="0">
+                <a:ea typeface="Arial Unicode MS" pitchFamily="34" charset="-128"/>
+                <a:cs typeface="Arial Unicode MS" pitchFamily="34" charset="-128"/>
+              </a:rPr>
+              <a:t>core = </a:t>
+            </a:r>
+            <a:r>
+              <a:rPr lang="en-US" sz="1800" i="1" kern="0" dirty="0" err="1">
+                <a:ea typeface="Arial Unicode MS" pitchFamily="34" charset="-128"/>
+                <a:cs typeface="Arial Unicode MS" pitchFamily="34" charset="-128"/>
+              </a:rPr>
+              <a:t>localComponent</a:t>
+            </a:r>
+            <a:r>
+              <a:rPr lang="en-US" sz="1800" i="1" kern="0" dirty="0">
+                <a:ea typeface="Arial Unicode MS" pitchFamily="34" charset="-128"/>
+                <a:cs typeface="Arial Unicode MS" pitchFamily="34" charset="-128"/>
+              </a:rPr>
+              <a:t># * 0.80 + (Total# - local#)/local# * 0.20 + 10;</a:t>
             </a:r>
           </a:p>
           <a:p>
@@ -15885,7 +15875,7 @@
           <p:cNvPr id="2" name="Title 1">
             <a:extLst>
               <a:ext uri="{FF2B5EF4-FFF2-40B4-BE49-F238E27FC236}">
-                <a16:creationId xmlns:a16="http://schemas.microsoft.com/office/drawing/2014/main" xmlns="" id="{894B7582-0C25-46E4-9583-EFDA054C041B}"/>
+                <a16:creationId xmlns:a16="http://schemas.microsoft.com/office/drawing/2014/main" id="{894B7582-0C25-46E4-9583-EFDA054C041B}"/>
               </a:ext>
             </a:extLst>
           </p:cNvPr>
@@ -16000,18 +15990,16 @@
           <a:p>
             <a:pPr lvl="1"/>
             <a:r>
-              <a:rPr lang="en-US" b="1" dirty="0" smtClean="0"/>
+              <a:rPr lang="en-US" b="1" dirty="0"/>
               <a:t>Allen Qian</a:t>
             </a:r>
-            <a:endParaRPr lang="en-US" b="1" dirty="0"/>
           </a:p>
           <a:p>
             <a:pPr lvl="1"/>
             <a:r>
-              <a:rPr lang="en-US" dirty="0" smtClean="0"/>
+              <a:rPr lang="en-US" dirty="0"/>
               <a:t>Product Support</a:t>
             </a:r>
-            <a:endParaRPr lang="en-US" dirty="0"/>
           </a:p>
           <a:p>
             <a:pPr lvl="1"/>
@@ -16176,7 +16164,7 @@
           <p:cNvPr id="6" name="Picture 5">
             <a:extLst>
               <a:ext uri="{FF2B5EF4-FFF2-40B4-BE49-F238E27FC236}">
-                <a16:creationId xmlns:a16="http://schemas.microsoft.com/office/drawing/2014/main" xmlns="" id="{08862827-67B7-4829-865E-B8FD056D132F}"/>
+                <a16:creationId xmlns:a16="http://schemas.microsoft.com/office/drawing/2014/main" id="{08862827-67B7-4829-865E-B8FD056D132F}"/>
               </a:ext>
             </a:extLst>
           </p:cNvPr>
@@ -16263,7 +16251,7 @@
           <p:cNvPr id="18" name="Chart 17">
             <a:extLst>
               <a:ext uri="{FF2B5EF4-FFF2-40B4-BE49-F238E27FC236}">
-                <a16:creationId xmlns:a16="http://schemas.microsoft.com/office/drawing/2014/main" xmlns="" id="{5F867322-2272-4E01-AB1F-7DF97B56F696}"/>
+                <a16:creationId xmlns:a16="http://schemas.microsoft.com/office/drawing/2014/main" id="{5F867322-2272-4E01-AB1F-7DF97B56F696}"/>
               </a:ext>
             </a:extLst>
           </p:cNvPr>
@@ -16291,7 +16279,7 @@
           <p:cNvPr id="20" name="TextBox 19">
             <a:extLst>
               <a:ext uri="{FF2B5EF4-FFF2-40B4-BE49-F238E27FC236}">
-                <a16:creationId xmlns:a16="http://schemas.microsoft.com/office/drawing/2014/main" xmlns="" id="{EC41A7C2-A2FB-4687-99D8-AD48C2254596}"/>
+                <a16:creationId xmlns:a16="http://schemas.microsoft.com/office/drawing/2014/main" id="{EC41A7C2-A2FB-4687-99D8-AD48C2254596}"/>
               </a:ext>
             </a:extLst>
           </p:cNvPr>
@@ -16344,7 +16332,7 @@
           <p:cNvPr id="21" name="TextBox 20">
             <a:extLst>
               <a:ext uri="{FF2B5EF4-FFF2-40B4-BE49-F238E27FC236}">
-                <a16:creationId xmlns:a16="http://schemas.microsoft.com/office/drawing/2014/main" xmlns="" id="{A08C067F-8B64-4A9B-B050-E69A25B98813}"/>
+                <a16:creationId xmlns:a16="http://schemas.microsoft.com/office/drawing/2014/main" id="{A08C067F-8B64-4A9B-B050-E69A25B98813}"/>
               </a:ext>
             </a:extLst>
           </p:cNvPr>
@@ -16397,7 +16385,7 @@
           <p:cNvPr id="22" name="TextBox 21">
             <a:extLst>
               <a:ext uri="{FF2B5EF4-FFF2-40B4-BE49-F238E27FC236}">
-                <a16:creationId xmlns:a16="http://schemas.microsoft.com/office/drawing/2014/main" xmlns="" id="{F864BB87-A7BB-4DB4-9D8F-7013E8FD05A5}"/>
+                <a16:creationId xmlns:a16="http://schemas.microsoft.com/office/drawing/2014/main" id="{F864BB87-A7BB-4DB4-9D8F-7013E8FD05A5}"/>
               </a:ext>
             </a:extLst>
           </p:cNvPr>
@@ -16453,7 +16441,7 @@
           <p:cNvPr id="23" name="TextBox 22">
             <a:extLst>
               <a:ext uri="{FF2B5EF4-FFF2-40B4-BE49-F238E27FC236}">
-                <a16:creationId xmlns:a16="http://schemas.microsoft.com/office/drawing/2014/main" xmlns="" id="{D5D2E2D7-76F2-438F-BF34-6FDB907B3792}"/>
+                <a16:creationId xmlns:a16="http://schemas.microsoft.com/office/drawing/2014/main" id="{D5D2E2D7-76F2-438F-BF34-6FDB907B3792}"/>
               </a:ext>
             </a:extLst>
           </p:cNvPr>
@@ -16536,7 +16524,7 @@
           <p:cNvPr id="5" name="Oval 4">
             <a:extLst>
               <a:ext uri="{FF2B5EF4-FFF2-40B4-BE49-F238E27FC236}">
-                <a16:creationId xmlns:a16="http://schemas.microsoft.com/office/drawing/2014/main" xmlns="" id="{EA42DD60-703A-4374-B68D-22910F40DD5A}"/>
+                <a16:creationId xmlns:a16="http://schemas.microsoft.com/office/drawing/2014/main" id="{EA42DD60-703A-4374-B68D-22910F40DD5A}"/>
               </a:ext>
             </a:extLst>
           </p:cNvPr>
@@ -16599,7 +16587,7 @@
           <p:cNvPr id="4" name="Picture 3">
             <a:extLst>
               <a:ext uri="{FF2B5EF4-FFF2-40B4-BE49-F238E27FC236}">
-                <a16:creationId xmlns:a16="http://schemas.microsoft.com/office/drawing/2014/main" xmlns="" id="{0166F11F-5FC1-441C-8935-428C76EA00FA}"/>
+                <a16:creationId xmlns:a16="http://schemas.microsoft.com/office/drawing/2014/main" id="{0166F11F-5FC1-441C-8935-428C76EA00FA}"/>
               </a:ext>
             </a:extLst>
           </p:cNvPr>
@@ -16659,7 +16647,7 @@
           <p:cNvPr id="20" name="Title 19">
             <a:extLst>
               <a:ext uri="{FF2B5EF4-FFF2-40B4-BE49-F238E27FC236}">
-                <a16:creationId xmlns:a16="http://schemas.microsoft.com/office/drawing/2014/main" xmlns="" id="{A1873379-63D8-462F-9210-E72BFC55CA86}"/>
+                <a16:creationId xmlns:a16="http://schemas.microsoft.com/office/drawing/2014/main" id="{A1873379-63D8-462F-9210-E72BFC55CA86}"/>
               </a:ext>
             </a:extLst>
           </p:cNvPr>
@@ -16687,7 +16675,7 @@
           <p:cNvPr id="22" name="Group 21">
             <a:extLst>
               <a:ext uri="{FF2B5EF4-FFF2-40B4-BE49-F238E27FC236}">
-                <a16:creationId xmlns:a16="http://schemas.microsoft.com/office/drawing/2014/main" xmlns="" id="{E1E4A563-F932-43E7-A16F-DFFF09281FB3}"/>
+                <a16:creationId xmlns:a16="http://schemas.microsoft.com/office/drawing/2014/main" id="{E1E4A563-F932-43E7-A16F-DFFF09281FB3}"/>
               </a:ext>
             </a:extLst>
           </p:cNvPr>
@@ -16707,7 +16695,7 @@
             <p:cNvPr id="21" name="TextBox 20">
               <a:extLst>
                 <a:ext uri="{FF2B5EF4-FFF2-40B4-BE49-F238E27FC236}">
-                  <a16:creationId xmlns:a16="http://schemas.microsoft.com/office/drawing/2014/main" xmlns="" id="{1DC98974-CBA5-4C06-854F-33618ECA17C9}"/>
+                  <a16:creationId xmlns:a16="http://schemas.microsoft.com/office/drawing/2014/main" id="{1DC98974-CBA5-4C06-854F-33618ECA17C9}"/>
                 </a:ext>
               </a:extLst>
             </p:cNvPr>
@@ -16757,7 +16745,7 @@
             <p:cNvPr id="1026" name="Picture 2" descr="Image result for disgusted face">
               <a:extLst>
                 <a:ext uri="{FF2B5EF4-FFF2-40B4-BE49-F238E27FC236}">
-                  <a16:creationId xmlns:a16="http://schemas.microsoft.com/office/drawing/2014/main" xmlns="" id="{AD03C2CE-8619-4D36-9B7E-EFCA160649A3}"/>
+                  <a16:creationId xmlns:a16="http://schemas.microsoft.com/office/drawing/2014/main" id="{AD03C2CE-8619-4D36-9B7E-EFCA160649A3}"/>
                 </a:ext>
               </a:extLst>
             </p:cNvPr>
@@ -16805,7 +16793,7 @@
           <p:cNvPr id="25" name="Rounded Rectangle 20">
             <a:extLst>
               <a:ext uri="{FF2B5EF4-FFF2-40B4-BE49-F238E27FC236}">
-                <a16:creationId xmlns:a16="http://schemas.microsoft.com/office/drawing/2014/main" xmlns="" id="{4D640B65-478E-4E29-BC59-BE7657BE2C4A}"/>
+                <a16:creationId xmlns:a16="http://schemas.microsoft.com/office/drawing/2014/main" id="{4D640B65-478E-4E29-BC59-BE7657BE2C4A}"/>
               </a:ext>
             </a:extLst>
           </p:cNvPr>
@@ -16971,7 +16959,7 @@
           <p:cNvPr id="3" name="Title 2">
             <a:extLst>
               <a:ext uri="{FF2B5EF4-FFF2-40B4-BE49-F238E27FC236}">
-                <a16:creationId xmlns:a16="http://schemas.microsoft.com/office/drawing/2014/main" xmlns="" id="{5708BF8E-C62B-426D-B4E3-CB0A12B34636}"/>
+                <a16:creationId xmlns:a16="http://schemas.microsoft.com/office/drawing/2014/main" id="{5708BF8E-C62B-426D-B4E3-CB0A12B34636}"/>
               </a:ext>
             </a:extLst>
           </p:cNvPr>
@@ -16999,7 +16987,7 @@
           <p:cNvPr id="4" name="TextBox 3">
             <a:extLst>
               <a:ext uri="{FF2B5EF4-FFF2-40B4-BE49-F238E27FC236}">
-                <a16:creationId xmlns:a16="http://schemas.microsoft.com/office/drawing/2014/main" xmlns="" id="{8BF367F5-372A-4F32-978A-F9B98578DA28}"/>
+                <a16:creationId xmlns:a16="http://schemas.microsoft.com/office/drawing/2014/main" id="{8BF367F5-372A-4F32-978A-F9B98578DA28}"/>
               </a:ext>
             </a:extLst>
           </p:cNvPr>
@@ -17049,7 +17037,7 @@
           <p:cNvPr id="5" name="Picture 4">
             <a:extLst>
               <a:ext uri="{FF2B5EF4-FFF2-40B4-BE49-F238E27FC236}">
-                <a16:creationId xmlns:a16="http://schemas.microsoft.com/office/drawing/2014/main" xmlns="" id="{DED32012-3A08-4ECB-B32B-86E923869424}"/>
+                <a16:creationId xmlns:a16="http://schemas.microsoft.com/office/drawing/2014/main" id="{DED32012-3A08-4ECB-B32B-86E923869424}"/>
               </a:ext>
             </a:extLst>
           </p:cNvPr>
@@ -17078,7 +17066,7 @@
           <p:cNvPr id="6" name="Picture 5">
             <a:extLst>
               <a:ext uri="{FF2B5EF4-FFF2-40B4-BE49-F238E27FC236}">
-                <a16:creationId xmlns:a16="http://schemas.microsoft.com/office/drawing/2014/main" xmlns="" id="{79C73B0B-B8DC-4D1E-91CD-D05117ACA094}"/>
+                <a16:creationId xmlns:a16="http://schemas.microsoft.com/office/drawing/2014/main" id="{79C73B0B-B8DC-4D1E-91CD-D05117ACA094}"/>
               </a:ext>
             </a:extLst>
           </p:cNvPr>
@@ -17108,7 +17096,7 @@
           <p:cNvPr id="7" name="TextBox 6">
             <a:extLst>
               <a:ext uri="{FF2B5EF4-FFF2-40B4-BE49-F238E27FC236}">
-                <a16:creationId xmlns:a16="http://schemas.microsoft.com/office/drawing/2014/main" xmlns="" id="{BEEA43B9-3F1E-4E25-84F8-370A4257D8E3}"/>
+                <a16:creationId xmlns:a16="http://schemas.microsoft.com/office/drawing/2014/main" id="{BEEA43B9-3F1E-4E25-84F8-370A4257D8E3}"/>
               </a:ext>
             </a:extLst>
           </p:cNvPr>
@@ -17172,7 +17160,7 @@
           <p:cNvPr id="2050" name="Picture 2" descr="Image result for dizzy face emoji">
             <a:extLst>
               <a:ext uri="{FF2B5EF4-FFF2-40B4-BE49-F238E27FC236}">
-                <a16:creationId xmlns:a16="http://schemas.microsoft.com/office/drawing/2014/main" xmlns="" id="{580E37B0-C028-4BEA-B805-CC2FD1541B4F}"/>
+                <a16:creationId xmlns:a16="http://schemas.microsoft.com/office/drawing/2014/main" id="{580E37B0-C028-4BEA-B805-CC2FD1541B4F}"/>
               </a:ext>
             </a:extLst>
           </p:cNvPr>
@@ -17249,7 +17237,7 @@
           <p:cNvPr id="4" name="Picture 3">
             <a:extLst>
               <a:ext uri="{FF2B5EF4-FFF2-40B4-BE49-F238E27FC236}">
-                <a16:creationId xmlns:a16="http://schemas.microsoft.com/office/drawing/2014/main" xmlns="" id="{2042861D-EB46-442B-ABD2-2262E01F311F}"/>
+                <a16:creationId xmlns:a16="http://schemas.microsoft.com/office/drawing/2014/main" id="{2042861D-EB46-442B-ABD2-2262E01F311F}"/>
               </a:ext>
             </a:extLst>
           </p:cNvPr>
@@ -17278,7 +17266,7 @@
           <p:cNvPr id="5" name="TextBox 4">
             <a:extLst>
               <a:ext uri="{FF2B5EF4-FFF2-40B4-BE49-F238E27FC236}">
-                <a16:creationId xmlns:a16="http://schemas.microsoft.com/office/drawing/2014/main" xmlns="" id="{34E2E58D-EEE0-40E4-8C32-4CE33C5A9043}"/>
+                <a16:creationId xmlns:a16="http://schemas.microsoft.com/office/drawing/2014/main" id="{34E2E58D-EEE0-40E4-8C32-4CE33C5A9043}"/>
               </a:ext>
             </a:extLst>
           </p:cNvPr>
@@ -17332,7 +17320,7 @@
           <p:cNvPr id="6" name="Title 2">
             <a:extLst>
               <a:ext uri="{FF2B5EF4-FFF2-40B4-BE49-F238E27FC236}">
-                <a16:creationId xmlns:a16="http://schemas.microsoft.com/office/drawing/2014/main" xmlns="" id="{086A3860-C7AA-4006-AC9C-B127AF4CCC7B}"/>
+                <a16:creationId xmlns:a16="http://schemas.microsoft.com/office/drawing/2014/main" id="{086A3860-C7AA-4006-AC9C-B127AF4CCC7B}"/>
               </a:ext>
             </a:extLst>
           </p:cNvPr>
@@ -17365,7 +17353,7 @@
           <p:cNvPr id="7" name="Picture 6">
             <a:extLst>
               <a:ext uri="{FF2B5EF4-FFF2-40B4-BE49-F238E27FC236}">
-                <a16:creationId xmlns:a16="http://schemas.microsoft.com/office/drawing/2014/main" xmlns="" id="{F3561513-B6FE-468A-9332-57729F119583}"/>
+                <a16:creationId xmlns:a16="http://schemas.microsoft.com/office/drawing/2014/main" id="{F3561513-B6FE-468A-9332-57729F119583}"/>
               </a:ext>
             </a:extLst>
           </p:cNvPr>
@@ -17394,7 +17382,7 @@
           <p:cNvPr id="8" name="Oval 7">
             <a:extLst>
               <a:ext uri="{FF2B5EF4-FFF2-40B4-BE49-F238E27FC236}">
-                <a16:creationId xmlns:a16="http://schemas.microsoft.com/office/drawing/2014/main" xmlns="" id="{477C06B8-116C-4D99-B339-6B11C5CCDB5F}"/>
+                <a16:creationId xmlns:a16="http://schemas.microsoft.com/office/drawing/2014/main" id="{477C06B8-116C-4D99-B339-6B11C5CCDB5F}"/>
               </a:ext>
             </a:extLst>
           </p:cNvPr>
@@ -17467,7 +17455,7 @@
           <p:cNvPr id="9" name="TextBox 8">
             <a:extLst>
               <a:ext uri="{FF2B5EF4-FFF2-40B4-BE49-F238E27FC236}">
-                <a16:creationId xmlns:a16="http://schemas.microsoft.com/office/drawing/2014/main" xmlns="" id="{9A1E56E1-A230-4C4E-A81E-582DD307035D}"/>
+                <a16:creationId xmlns:a16="http://schemas.microsoft.com/office/drawing/2014/main" id="{9A1E56E1-A230-4C4E-A81E-582DD307035D}"/>
               </a:ext>
             </a:extLst>
           </p:cNvPr>
@@ -17533,7 +17521,7 @@
           <p:cNvPr id="11" name="Rectangle 10">
             <a:extLst>
               <a:ext uri="{FF2B5EF4-FFF2-40B4-BE49-F238E27FC236}">
-                <a16:creationId xmlns:a16="http://schemas.microsoft.com/office/drawing/2014/main" xmlns="" id="{BF89D653-1FDA-4EED-BA1B-DEC2324619F2}"/>
+                <a16:creationId xmlns:a16="http://schemas.microsoft.com/office/drawing/2014/main" id="{BF89D653-1FDA-4EED-BA1B-DEC2324619F2}"/>
               </a:ext>
             </a:extLst>
           </p:cNvPr>
@@ -17571,7 +17559,7 @@
           <p:cNvPr id="12" name="Rectangle 11">
             <a:extLst>
               <a:ext uri="{FF2B5EF4-FFF2-40B4-BE49-F238E27FC236}">
-                <a16:creationId xmlns:a16="http://schemas.microsoft.com/office/drawing/2014/main" xmlns="" id="{7E240866-5186-427B-8538-1209B7B0C812}"/>
+                <a16:creationId xmlns:a16="http://schemas.microsoft.com/office/drawing/2014/main" id="{7E240866-5186-427B-8538-1209B7B0C812}"/>
               </a:ext>
             </a:extLst>
           </p:cNvPr>
@@ -17623,7 +17611,7 @@
           <p:cNvPr id="13" name="Oval 12">
             <a:extLst>
               <a:ext uri="{FF2B5EF4-FFF2-40B4-BE49-F238E27FC236}">
-                <a16:creationId xmlns:a16="http://schemas.microsoft.com/office/drawing/2014/main" xmlns="" id="{F1369B1F-DA08-4055-B806-EA1DEEA4437E}"/>
+                <a16:creationId xmlns:a16="http://schemas.microsoft.com/office/drawing/2014/main" id="{F1369B1F-DA08-4055-B806-EA1DEEA4437E}"/>
               </a:ext>
             </a:extLst>
           </p:cNvPr>
@@ -17696,7 +17684,7 @@
           <p:cNvPr id="14" name="TextBox 13">
             <a:extLst>
               <a:ext uri="{FF2B5EF4-FFF2-40B4-BE49-F238E27FC236}">
-                <a16:creationId xmlns:a16="http://schemas.microsoft.com/office/drawing/2014/main" xmlns="" id="{F02EB39B-134F-4E30-9739-173709BEABEB}"/>
+                <a16:creationId xmlns:a16="http://schemas.microsoft.com/office/drawing/2014/main" id="{F02EB39B-134F-4E30-9739-173709BEABEB}"/>
               </a:ext>
             </a:extLst>
           </p:cNvPr>
@@ -17815,7 +17803,7 @@
           <p:cNvPr id="3" name="Title 2">
             <a:extLst>
               <a:ext uri="{FF2B5EF4-FFF2-40B4-BE49-F238E27FC236}">
-                <a16:creationId xmlns:a16="http://schemas.microsoft.com/office/drawing/2014/main" xmlns="" id="{59D512E6-AC34-4273-A4E1-9E3561AEDEC1}"/>
+                <a16:creationId xmlns:a16="http://schemas.microsoft.com/office/drawing/2014/main" id="{59D512E6-AC34-4273-A4E1-9E3561AEDEC1}"/>
               </a:ext>
             </a:extLst>
           </p:cNvPr>
@@ -17843,7 +17831,7 @@
           <p:cNvPr id="4" name="Picture 3">
             <a:extLst>
               <a:ext uri="{FF2B5EF4-FFF2-40B4-BE49-F238E27FC236}">
-                <a16:creationId xmlns:a16="http://schemas.microsoft.com/office/drawing/2014/main" xmlns="" id="{9DB90B46-C423-4A78-B4A8-6C46B0EDC598}"/>
+                <a16:creationId xmlns:a16="http://schemas.microsoft.com/office/drawing/2014/main" id="{9DB90B46-C423-4A78-B4A8-6C46B0EDC598}"/>
               </a:ext>
             </a:extLst>
           </p:cNvPr>
@@ -17873,7 +17861,7 @@
           <p:cNvPr id="5" name="TextBox 4">
             <a:extLst>
               <a:ext uri="{FF2B5EF4-FFF2-40B4-BE49-F238E27FC236}">
-                <a16:creationId xmlns:a16="http://schemas.microsoft.com/office/drawing/2014/main" xmlns="" id="{72F386AC-50B1-4D5A-9969-D8C60966F904}"/>
+                <a16:creationId xmlns:a16="http://schemas.microsoft.com/office/drawing/2014/main" id="{72F386AC-50B1-4D5A-9969-D8C60966F904}"/>
               </a:ext>
             </a:extLst>
           </p:cNvPr>
@@ -17923,7 +17911,7 @@
           <p:cNvPr id="6" name="TextBox 5">
             <a:extLst>
               <a:ext uri="{FF2B5EF4-FFF2-40B4-BE49-F238E27FC236}">
-                <a16:creationId xmlns:a16="http://schemas.microsoft.com/office/drawing/2014/main" xmlns="" id="{4A67CE65-E814-4D22-BB4C-1677A8B052B4}"/>
+                <a16:creationId xmlns:a16="http://schemas.microsoft.com/office/drawing/2014/main" id="{4A67CE65-E814-4D22-BB4C-1677A8B052B4}"/>
               </a:ext>
             </a:extLst>
           </p:cNvPr>

--- a/SAP_2017_16x9_black_and_white.pptx
+++ b/SAP_2017_16x9_black_and_white.pptx
@@ -5,10 +5,10 @@
     <p:sldMasterId id="2147483733" r:id="rId1"/>
   </p:sldMasterIdLst>
   <p:notesMasterIdLst>
-    <p:notesMasterId r:id="rId30"/>
+    <p:notesMasterId r:id="rId31"/>
   </p:notesMasterIdLst>
   <p:handoutMasterIdLst>
-    <p:handoutMasterId r:id="rId31"/>
+    <p:handoutMasterId r:id="rId32"/>
   </p:handoutMasterIdLst>
   <p:sldIdLst>
     <p:sldId id="434" r:id="rId2"/>
@@ -16,29 +16,30 @@
     <p:sldId id="416" r:id="rId4"/>
     <p:sldId id="435" r:id="rId5"/>
     <p:sldId id="438" r:id="rId6"/>
-    <p:sldId id="437" r:id="rId7"/>
-    <p:sldId id="439" r:id="rId8"/>
-    <p:sldId id="447" r:id="rId9"/>
-    <p:sldId id="440" r:id="rId10"/>
-    <p:sldId id="441" r:id="rId11"/>
-    <p:sldId id="454" r:id="rId12"/>
-    <p:sldId id="448" r:id="rId13"/>
-    <p:sldId id="382" r:id="rId14"/>
-    <p:sldId id="388" r:id="rId15"/>
-    <p:sldId id="442" r:id="rId16"/>
-    <p:sldId id="443" r:id="rId17"/>
-    <p:sldId id="446" r:id="rId18"/>
-    <p:sldId id="455" r:id="rId19"/>
-    <p:sldId id="461" r:id="rId20"/>
-    <p:sldId id="462" r:id="rId21"/>
-    <p:sldId id="450" r:id="rId22"/>
-    <p:sldId id="445" r:id="rId23"/>
-    <p:sldId id="452" r:id="rId24"/>
-    <p:sldId id="430" r:id="rId25"/>
-    <p:sldId id="374" r:id="rId26"/>
-    <p:sldId id="453" r:id="rId27"/>
-    <p:sldId id="413" r:id="rId28"/>
-    <p:sldId id="265" r:id="rId29"/>
+    <p:sldId id="463" r:id="rId7"/>
+    <p:sldId id="437" r:id="rId8"/>
+    <p:sldId id="439" r:id="rId9"/>
+    <p:sldId id="447" r:id="rId10"/>
+    <p:sldId id="440" r:id="rId11"/>
+    <p:sldId id="441" r:id="rId12"/>
+    <p:sldId id="454" r:id="rId13"/>
+    <p:sldId id="448" r:id="rId14"/>
+    <p:sldId id="382" r:id="rId15"/>
+    <p:sldId id="388" r:id="rId16"/>
+    <p:sldId id="442" r:id="rId17"/>
+    <p:sldId id="443" r:id="rId18"/>
+    <p:sldId id="446" r:id="rId19"/>
+    <p:sldId id="455" r:id="rId20"/>
+    <p:sldId id="461" r:id="rId21"/>
+    <p:sldId id="462" r:id="rId22"/>
+    <p:sldId id="450" r:id="rId23"/>
+    <p:sldId id="445" r:id="rId24"/>
+    <p:sldId id="452" r:id="rId25"/>
+    <p:sldId id="430" r:id="rId26"/>
+    <p:sldId id="374" r:id="rId27"/>
+    <p:sldId id="453" r:id="rId28"/>
+    <p:sldId id="413" r:id="rId29"/>
+    <p:sldId id="265" r:id="rId30"/>
   </p:sldIdLst>
   <p:sldSz cx="12195175" cy="6858000"/>
   <p:notesSz cx="6858000" cy="9144000"/>
@@ -258,7 +259,7 @@
               <a:cs typeface="+mn-cs"/>
             </a:defRPr>
           </a:pPr>
-          <a:endParaRPr lang="zh-CN"/>
+          <a:endParaRPr lang="en-US"/>
         </a:p>
       </c:txPr>
     </c:title>
@@ -443,7 +444,7 @@
               <a:cs typeface="+mn-cs"/>
             </a:defRPr>
           </a:pPr>
-          <a:endParaRPr lang="zh-CN"/>
+          <a:endParaRPr lang="en-US"/>
         </a:p>
       </c:txPr>
     </c:legend>
@@ -465,7 +466,7 @@
       <a:pPr>
         <a:defRPr/>
       </a:pPr>
-      <a:endParaRPr lang="zh-CN"/>
+      <a:endParaRPr lang="en-US"/>
     </a:p>
   </c:txPr>
   <c:externalData r:id="rId3">
@@ -514,7 +515,7 @@
               <a:cs typeface="+mn-cs"/>
             </a:defRPr>
           </a:pPr>
-          <a:endParaRPr lang="zh-CN"/>
+          <a:endParaRPr lang="en-US"/>
         </a:p>
       </c:txPr>
     </c:title>
@@ -699,7 +700,7 @@
               <a:cs typeface="+mn-cs"/>
             </a:defRPr>
           </a:pPr>
-          <a:endParaRPr lang="zh-CN"/>
+          <a:endParaRPr lang="en-US"/>
         </a:p>
       </c:txPr>
     </c:legend>
@@ -721,7 +722,7 @@
       <a:pPr>
         <a:defRPr/>
       </a:pPr>
-      <a:endParaRPr lang="zh-CN"/>
+      <a:endParaRPr lang="en-US"/>
     </a:p>
   </c:txPr>
   <c:externalData r:id="rId3">
@@ -2481,6 +2482,41 @@
       </p:grpSpPr>
       <p:sp>
         <p:nvSpPr>
+          <p:cNvPr id="2" name="Slide Image Placeholder 1"/>
+          <p:cNvSpPr>
+            <a:spLocks noGrp="1" noRot="1" noChangeAspect="1"/>
+          </p:cNvSpPr>
+          <p:nvPr>
+            <p:ph type="sldImg"/>
+          </p:nvPr>
+        </p:nvSpPr>
+        <p:spPr/>
+      </p:sp>
+      <p:sp>
+        <p:nvSpPr>
+          <p:cNvPr id="3" name="Notes Placeholder 2"/>
+          <p:cNvSpPr>
+            <a:spLocks noGrp="1"/>
+          </p:cNvSpPr>
+          <p:nvPr>
+            <p:ph type="body" idx="1"/>
+          </p:nvPr>
+        </p:nvSpPr>
+        <p:spPr/>
+        <p:txBody>
+          <a:bodyPr/>
+          <a:lstStyle/>
+          <a:p>
+            <a:r>
+              <a:rPr lang="en-CA" dirty="0"/>
+              <a:t>Hello everyone, today I am very happy to introduce my QM application for you. Since it is deployed on HCP so it is powered by HANA Cloud. </a:t>
+            </a:r>
+            <a:endParaRPr lang="en-US" dirty="0"/>
+          </a:p>
+        </p:txBody>
+      </p:sp>
+      <p:sp>
+        <p:nvSpPr>
           <p:cNvPr id="4" name="Slide Number Placeholder 3"/>
           <p:cNvSpPr>
             <a:spLocks noGrp="1"/>
@@ -2497,54 +2533,16 @@
             <a:fld id="{7D8C2C35-2B8A-446E-BEC0-FD36716C29AC}" type="slidenum">
               <a:rPr lang="de-DE" smtClean="0"/>
               <a:pPr/>
-              <a:t>2</a:t>
+              <a:t>1</a:t>
             </a:fld>
             <a:endParaRPr lang="de-DE" dirty="0"/>
-          </a:p>
-        </p:txBody>
-      </p:sp>
-      <p:sp>
-        <p:nvSpPr>
-          <p:cNvPr id="9" name="Slide Image Placeholder 8"/>
-          <p:cNvSpPr>
-            <a:spLocks noGrp="1" noRot="1" noChangeAspect="1"/>
-          </p:cNvSpPr>
-          <p:nvPr>
-            <p:ph type="sldImg"/>
-          </p:nvPr>
-        </p:nvSpPr>
-        <p:spPr>
-          <a:xfrm>
-            <a:off x="547688" y="612775"/>
-            <a:ext cx="5762625" cy="3241675"/>
-          </a:xfrm>
-        </p:spPr>
-      </p:sp>
-      <p:sp>
-        <p:nvSpPr>
-          <p:cNvPr id="10" name="Notes Placeholder 9"/>
-          <p:cNvSpPr>
-            <a:spLocks noGrp="1"/>
-          </p:cNvSpPr>
-          <p:nvPr>
-            <p:ph type="body" idx="1"/>
-          </p:nvPr>
-        </p:nvSpPr>
-        <p:spPr/>
-        <p:txBody>
-          <a:bodyPr>
-            <a:normAutofit/>
-          </a:bodyPr>
-          <a:lstStyle/>
-          <a:p>
-            <a:endParaRPr lang="en-US" dirty="0"/>
           </a:p>
         </p:txBody>
       </p:sp>
     </p:spTree>
     <p:extLst>
       <p:ext uri="{BB962C8B-B14F-4D97-AF65-F5344CB8AC3E}">
-        <p14:creationId xmlns:p14="http://schemas.microsoft.com/office/powerpoint/2010/main" val="979621955"/>
+        <p14:creationId xmlns:p14="http://schemas.microsoft.com/office/powerpoint/2010/main" val="1845697157"/>
       </p:ext>
     </p:extLst>
   </p:cSld>
@@ -2599,22 +2597,9 @@
           <a:lstStyle/>
           <a:p>
             <a:r>
-              <a:rPr lang="en-US" altLang="zh-CN" dirty="0"/>
-              <a:t>How to avoid </a:t>
-            </a:r>
-            <a:r>
-              <a:rPr lang="zh-CN" altLang="en-US" dirty="0"/>
-              <a:t>缺陷</a:t>
-            </a:r>
-            <a:r>
-              <a:rPr lang="en-US" altLang="zh-CN" dirty="0"/>
-              <a:t>, extends </a:t>
-            </a:r>
-            <a:r>
-              <a:rPr lang="zh-CN" altLang="en-US" dirty="0"/>
-              <a:t>优点？</a:t>
-            </a:r>
-            <a:endParaRPr lang="en-US" dirty="0"/>
+              <a:rPr lang="en-US" dirty="0"/>
+              <a:t>Our old friend, BCP. Do not have counter function.</a:t>
+            </a:r>
           </a:p>
         </p:txBody>
       </p:sp>
@@ -2636,7 +2621,7 @@
             <a:fld id="{7D8C2C35-2B8A-446E-BEC0-FD36716C29AC}" type="slidenum">
               <a:rPr lang="de-DE" smtClean="0"/>
               <a:pPr/>
-              <a:t>12</a:t>
+              <a:t>10</a:t>
             </a:fld>
             <a:endParaRPr lang="de-DE" dirty="0"/>
           </a:p>
@@ -2645,7 +2630,7 @@
     </p:spTree>
     <p:extLst>
       <p:ext uri="{BB962C8B-B14F-4D97-AF65-F5344CB8AC3E}">
-        <p14:creationId xmlns:p14="http://schemas.microsoft.com/office/powerpoint/2010/main" val="1009616146"/>
+        <p14:creationId xmlns:p14="http://schemas.microsoft.com/office/powerpoint/2010/main" val="2773265381"/>
       </p:ext>
     </p:extLst>
   </p:cSld>
@@ -2700,20 +2685,12 @@
           <a:lstStyle/>
           <a:p>
             <a:r>
-              <a:rPr lang="zh-CN" altLang="en-US" dirty="0"/>
-              <a:t>总结到以上几点，</a:t>
-            </a:r>
-            <a:r>
               <a:rPr lang="en-US" altLang="zh-CN" dirty="0"/>
-              <a:t>xxx</a:t>
-            </a:r>
-            <a:r>
-              <a:rPr lang="zh-CN" altLang="en-US" dirty="0"/>
-              <a:t>，</a:t>
+              <a:t>That is what we are using. But its disadvantages are apparently. Distributed </a:t>
             </a:r>
             <a:r>
               <a:rPr lang="en-US" dirty="0"/>
-              <a:t>Then how to combine them into one product?</a:t>
+              <a:t>Numbers, numbers, numbers! Repeat logon request</a:t>
             </a:r>
           </a:p>
         </p:txBody>
@@ -2736,7 +2713,7 @@
             <a:fld id="{7D8C2C35-2B8A-446E-BEC0-FD36716C29AC}" type="slidenum">
               <a:rPr lang="de-DE" smtClean="0"/>
               <a:pPr/>
-              <a:t>13</a:t>
+              <a:t>11</a:t>
             </a:fld>
             <a:endParaRPr lang="de-DE" dirty="0"/>
           </a:p>
@@ -2745,7 +2722,7 @@
     </p:spTree>
     <p:extLst>
       <p:ext uri="{BB962C8B-B14F-4D97-AF65-F5344CB8AC3E}">
-        <p14:creationId xmlns:p14="http://schemas.microsoft.com/office/powerpoint/2010/main" val="4225349832"/>
+        <p14:creationId xmlns:p14="http://schemas.microsoft.com/office/powerpoint/2010/main" val="395136101"/>
       </p:ext>
     </p:extLst>
   </p:cSld>
@@ -2801,23 +2778,7 @@
           <a:p>
             <a:r>
               <a:rPr lang="en-US" dirty="0"/>
-              <a:t>Web: access anywhere and avoid</a:t>
-            </a:r>
-            <a:r>
-              <a:rPr lang="en-US" baseline="0" dirty="0"/>
-              <a:t> the situation that engineer forgot to handover</a:t>
-            </a:r>
-          </a:p>
-          <a:p>
-            <a:r>
-              <a:rPr lang="en-US" baseline="0" dirty="0"/>
-              <a:t>Name list: easy to find engineer and maintain</a:t>
-            </a:r>
-          </a:p>
-          <a:p>
-            <a:r>
-              <a:rPr lang="en-US" baseline="0" dirty="0"/>
-              <a:t>Counter: know who to assign</a:t>
+              <a:t>And also, sometimes engineer would forget to handover, and next shift has to send query email to every single person</a:t>
             </a:r>
           </a:p>
         </p:txBody>
@@ -2840,7 +2801,7 @@
             <a:fld id="{7D8C2C35-2B8A-446E-BEC0-FD36716C29AC}" type="slidenum">
               <a:rPr lang="de-DE" smtClean="0"/>
               <a:pPr/>
-              <a:t>14</a:t>
+              <a:t>12</a:t>
             </a:fld>
             <a:endParaRPr lang="de-DE" dirty="0"/>
           </a:p>
@@ -2849,7 +2810,7 @@
     </p:spTree>
     <p:extLst>
       <p:ext uri="{BB962C8B-B14F-4D97-AF65-F5344CB8AC3E}">
-        <p14:creationId xmlns:p14="http://schemas.microsoft.com/office/powerpoint/2010/main" val="987817779"/>
+        <p14:creationId xmlns:p14="http://schemas.microsoft.com/office/powerpoint/2010/main" val="1396010178"/>
       </p:ext>
     </p:extLst>
   </p:cSld>
@@ -2904,12 +2865,16 @@
           <a:lstStyle/>
           <a:p>
             <a:r>
-              <a:rPr lang="en-US" dirty="0"/>
-              <a:t>Separate</a:t>
-            </a:r>
-            <a:r>
-              <a:rPr lang="en-US" baseline="0" dirty="0"/>
-              <a:t> numbers and be more clearly</a:t>
+              <a:rPr lang="en-US" altLang="zh-CN" dirty="0"/>
+              <a:t>Then I was thinking, I am the programming student and why not just create one app? Then I need to decide how to avoid shortages, extends benefits from those existed </a:t>
+            </a:r>
+            <a:r>
+              <a:rPr lang="en-US" altLang="zh-CN" dirty="0" err="1"/>
+              <a:t>applicaitons</a:t>
+            </a:r>
+            <a:r>
+              <a:rPr lang="en-US" altLang="zh-CN" dirty="0"/>
+              <a:t>?</a:t>
             </a:r>
             <a:endParaRPr lang="en-US" dirty="0"/>
           </a:p>
@@ -2933,7 +2898,7 @@
             <a:fld id="{7D8C2C35-2B8A-446E-BEC0-FD36716C29AC}" type="slidenum">
               <a:rPr lang="de-DE" smtClean="0"/>
               <a:pPr/>
-              <a:t>15</a:t>
+              <a:t>13</a:t>
             </a:fld>
             <a:endParaRPr lang="de-DE" dirty="0"/>
           </a:p>
@@ -2942,7 +2907,7 @@
     </p:spTree>
     <p:extLst>
       <p:ext uri="{BB962C8B-B14F-4D97-AF65-F5344CB8AC3E}">
-        <p14:creationId xmlns:p14="http://schemas.microsoft.com/office/powerpoint/2010/main" val="1998870921"/>
+        <p14:creationId xmlns:p14="http://schemas.microsoft.com/office/powerpoint/2010/main" val="1009616146"/>
       </p:ext>
     </p:extLst>
   </p:cSld>
@@ -2997,14 +2962,21 @@
           <a:lstStyle/>
           <a:p>
             <a:r>
+              <a:rPr lang="zh-CN" altLang="en-US" dirty="0"/>
+              <a:t>总结到以上几点，</a:t>
+            </a:r>
+            <a:r>
+              <a:rPr lang="en-US" altLang="zh-CN" dirty="0"/>
+              <a:t>xxx</a:t>
+            </a:r>
+            <a:r>
+              <a:rPr lang="zh-CN" altLang="en-US" dirty="0"/>
+              <a:t>，</a:t>
+            </a:r>
+            <a:r>
               <a:rPr lang="en-US" dirty="0"/>
-              <a:t>Since all engineers</a:t>
-            </a:r>
-            <a:r>
-              <a:rPr lang="en-US" baseline="0" dirty="0"/>
-              <a:t> support NW and EPM add-in, then this component would be on the Home Page for the fastest accessing</a:t>
-            </a:r>
-            <a:endParaRPr lang="en-US" dirty="0"/>
+              <a:t>Then how to combine them into one product?</a:t>
+            </a:r>
           </a:p>
         </p:txBody>
       </p:sp>
@@ -3026,7 +2998,7 @@
             <a:fld id="{7D8C2C35-2B8A-446E-BEC0-FD36716C29AC}" type="slidenum">
               <a:rPr lang="de-DE" smtClean="0"/>
               <a:pPr/>
-              <a:t>17</a:t>
+              <a:t>14</a:t>
             </a:fld>
             <a:endParaRPr lang="de-DE" dirty="0"/>
           </a:p>
@@ -3035,7 +3007,7 @@
     </p:spTree>
     <p:extLst>
       <p:ext uri="{BB962C8B-B14F-4D97-AF65-F5344CB8AC3E}">
-        <p14:creationId xmlns:p14="http://schemas.microsoft.com/office/powerpoint/2010/main" val="2051000623"/>
+        <p14:creationId xmlns:p14="http://schemas.microsoft.com/office/powerpoint/2010/main" val="4225349832"/>
       </p:ext>
     </p:extLst>
   </p:cSld>
@@ -3091,25 +3063,24 @@
           <a:p>
             <a:r>
               <a:rPr lang="en-US" dirty="0"/>
-              <a:t>Automatically</a:t>
+              <a:t>Web: access anywhere and avoid</a:t>
             </a:r>
             <a:r>
               <a:rPr lang="en-US" baseline="0" dirty="0"/>
-              <a:t> recommend the next </a:t>
-            </a:r>
-            <a:r>
-              <a:rPr lang="en-US" sz="1400" b="0" i="0" kern="1200" dirty="0">
-                <a:solidFill>
-                  <a:schemeClr val="tx1"/>
-                </a:solidFill>
-                <a:effectLst/>
-                <a:latin typeface="+mn-lt"/>
-                <a:ea typeface="+mn-ea"/>
-                <a:cs typeface="+mn-cs"/>
-              </a:rPr>
-              <a:t>candidate</a:t>
-            </a:r>
-            <a:endParaRPr lang="en-US" dirty="0"/>
+              <a:t> the situation that engineer forgot to handover</a:t>
+            </a:r>
+          </a:p>
+          <a:p>
+            <a:r>
+              <a:rPr lang="en-US" baseline="0" dirty="0"/>
+              <a:t>Name list: easy to find engineer and maintain</a:t>
+            </a:r>
+          </a:p>
+          <a:p>
+            <a:r>
+              <a:rPr lang="en-US" baseline="0" dirty="0"/>
+              <a:t>Counter: know who to assign</a:t>
+            </a:r>
           </a:p>
         </p:txBody>
       </p:sp>
@@ -3131,7 +3102,7 @@
             <a:fld id="{7D8C2C35-2B8A-446E-BEC0-FD36716C29AC}" type="slidenum">
               <a:rPr lang="de-DE" smtClean="0"/>
               <a:pPr/>
-              <a:t>18</a:t>
+              <a:t>15</a:t>
             </a:fld>
             <a:endParaRPr lang="de-DE" dirty="0"/>
           </a:p>
@@ -3140,7 +3111,7 @@
     </p:spTree>
     <p:extLst>
       <p:ext uri="{BB962C8B-B14F-4D97-AF65-F5344CB8AC3E}">
-        <p14:creationId xmlns:p14="http://schemas.microsoft.com/office/powerpoint/2010/main" val="981962001"/>
+        <p14:creationId xmlns:p14="http://schemas.microsoft.com/office/powerpoint/2010/main" val="987817779"/>
       </p:ext>
     </p:extLst>
   </p:cSld>
@@ -3196,11 +3167,11 @@
           <a:p>
             <a:r>
               <a:rPr lang="en-US" dirty="0"/>
-              <a:t>Engineer</a:t>
+              <a:t>Separate</a:t>
             </a:r>
             <a:r>
               <a:rPr lang="en-US" baseline="0" dirty="0"/>
-              <a:t> will not be filtered if it is unavailable. </a:t>
+              <a:t> numbers and be more clearly</a:t>
             </a:r>
             <a:endParaRPr lang="en-US" dirty="0"/>
           </a:p>
@@ -3224,7 +3195,7 @@
             <a:fld id="{7D8C2C35-2B8A-446E-BEC0-FD36716C29AC}" type="slidenum">
               <a:rPr lang="de-DE" smtClean="0"/>
               <a:pPr/>
-              <a:t>19</a:t>
+              <a:t>16</a:t>
             </a:fld>
             <a:endParaRPr lang="de-DE" dirty="0"/>
           </a:p>
@@ -3233,7 +3204,7 @@
     </p:spTree>
     <p:extLst>
       <p:ext uri="{BB962C8B-B14F-4D97-AF65-F5344CB8AC3E}">
-        <p14:creationId xmlns:p14="http://schemas.microsoft.com/office/powerpoint/2010/main" val="607033865"/>
+        <p14:creationId xmlns:p14="http://schemas.microsoft.com/office/powerpoint/2010/main" val="1998870921"/>
       </p:ext>
     </p:extLst>
   </p:cSld>
@@ -3289,11 +3260,11 @@
           <a:p>
             <a:r>
               <a:rPr lang="en-US" dirty="0"/>
-              <a:t>Other components</a:t>
+              <a:t>Since all engineers</a:t>
             </a:r>
             <a:r>
               <a:rPr lang="en-US" baseline="0" dirty="0"/>
-              <a:t> as hyperlinks to access</a:t>
+              <a:t> support NW and EPM add-in, then this component would be on the Home Page for the fastest accessing</a:t>
             </a:r>
             <a:endParaRPr lang="en-US" dirty="0"/>
           </a:p>
@@ -3317,7 +3288,7 @@
             <a:fld id="{7D8C2C35-2B8A-446E-BEC0-FD36716C29AC}" type="slidenum">
               <a:rPr lang="de-DE" smtClean="0"/>
               <a:pPr/>
-              <a:t>20</a:t>
+              <a:t>18</a:t>
             </a:fld>
             <a:endParaRPr lang="de-DE" dirty="0"/>
           </a:p>
@@ -3326,7 +3297,7 @@
     </p:spTree>
     <p:extLst>
       <p:ext uri="{BB962C8B-B14F-4D97-AF65-F5344CB8AC3E}">
-        <p14:creationId xmlns:p14="http://schemas.microsoft.com/office/powerpoint/2010/main" val="996789701"/>
+        <p14:creationId xmlns:p14="http://schemas.microsoft.com/office/powerpoint/2010/main" val="2051000623"/>
       </p:ext>
     </p:extLst>
   </p:cSld>
@@ -3382,11 +3353,23 @@
           <a:p>
             <a:r>
               <a:rPr lang="en-US" dirty="0"/>
-              <a:t>Return</a:t>
+              <a:t>Automatically</a:t>
             </a:r>
             <a:r>
               <a:rPr lang="en-US" baseline="0" dirty="0"/>
-              <a:t> to home page anytime</a:t>
+              <a:t> recommend the next </a:t>
+            </a:r>
+            <a:r>
+              <a:rPr lang="en-US" sz="1400" b="0" i="0" kern="1200" dirty="0">
+                <a:solidFill>
+                  <a:schemeClr val="tx1"/>
+                </a:solidFill>
+                <a:effectLst/>
+                <a:latin typeface="+mn-lt"/>
+                <a:ea typeface="+mn-ea"/>
+                <a:cs typeface="+mn-cs"/>
+              </a:rPr>
+              <a:t>candidate</a:t>
             </a:r>
             <a:endParaRPr lang="en-US" dirty="0"/>
           </a:p>
@@ -3410,7 +3393,7 @@
             <a:fld id="{7D8C2C35-2B8A-446E-BEC0-FD36716C29AC}" type="slidenum">
               <a:rPr lang="de-DE" smtClean="0"/>
               <a:pPr/>
-              <a:t>21</a:t>
+              <a:t>19</a:t>
             </a:fld>
             <a:endParaRPr lang="de-DE" dirty="0"/>
           </a:p>
@@ -3419,7 +3402,7 @@
     </p:spTree>
     <p:extLst>
       <p:ext uri="{BB962C8B-B14F-4D97-AF65-F5344CB8AC3E}">
-        <p14:creationId xmlns:p14="http://schemas.microsoft.com/office/powerpoint/2010/main" val="396846032"/>
+        <p14:creationId xmlns:p14="http://schemas.microsoft.com/office/powerpoint/2010/main" val="981962001"/>
       </p:ext>
     </p:extLst>
   </p:cSld>
@@ -3475,8 +3458,13 @@
           <a:p>
             <a:r>
               <a:rPr lang="en-US" dirty="0"/>
-              <a:t>Then bring to the next chapter</a:t>
-            </a:r>
+              <a:t>Engineer</a:t>
+            </a:r>
+            <a:r>
+              <a:rPr lang="en-US" baseline="0" dirty="0"/>
+              <a:t> will not be filtered if it is unavailable. </a:t>
+            </a:r>
+            <a:endParaRPr lang="en-US" dirty="0"/>
           </a:p>
         </p:txBody>
       </p:sp>
@@ -3498,7 +3486,7 @@
             <a:fld id="{7D8C2C35-2B8A-446E-BEC0-FD36716C29AC}" type="slidenum">
               <a:rPr lang="de-DE" smtClean="0"/>
               <a:pPr/>
-              <a:t>24</a:t>
+              <a:t>20</a:t>
             </a:fld>
             <a:endParaRPr lang="de-DE" dirty="0"/>
           </a:p>
@@ -3507,7 +3495,7 @@
     </p:spTree>
     <p:extLst>
       <p:ext uri="{BB962C8B-B14F-4D97-AF65-F5344CB8AC3E}">
-        <p14:creationId xmlns:p14="http://schemas.microsoft.com/office/powerpoint/2010/main" val="1990883211"/>
+        <p14:creationId xmlns:p14="http://schemas.microsoft.com/office/powerpoint/2010/main" val="607033865"/>
       </p:ext>
     </p:extLst>
   </p:cSld>
@@ -3536,37 +3524,6 @@
       </p:grpSpPr>
       <p:sp>
         <p:nvSpPr>
-          <p:cNvPr id="2" name="Slide Image Placeholder 1"/>
-          <p:cNvSpPr>
-            <a:spLocks noGrp="1" noRot="1" noChangeAspect="1"/>
-          </p:cNvSpPr>
-          <p:nvPr>
-            <p:ph type="sldImg"/>
-          </p:nvPr>
-        </p:nvSpPr>
-        <p:spPr/>
-      </p:sp>
-      <p:sp>
-        <p:nvSpPr>
-          <p:cNvPr id="3" name="Notes Placeholder 2"/>
-          <p:cNvSpPr>
-            <a:spLocks noGrp="1"/>
-          </p:cNvSpPr>
-          <p:nvPr>
-            <p:ph type="body" idx="1"/>
-          </p:nvPr>
-        </p:nvSpPr>
-        <p:spPr/>
-        <p:txBody>
-          <a:bodyPr/>
-          <a:lstStyle/>
-          <a:p>
-            <a:endParaRPr lang="en-US" dirty="0"/>
-          </a:p>
-        </p:txBody>
-      </p:sp>
-      <p:sp>
-        <p:nvSpPr>
           <p:cNvPr id="4" name="Slide Number Placeholder 3"/>
           <p:cNvSpPr>
             <a:spLocks noGrp="1"/>
@@ -3583,16 +3540,66 @@
             <a:fld id="{7D8C2C35-2B8A-446E-BEC0-FD36716C29AC}" type="slidenum">
               <a:rPr lang="de-DE" smtClean="0"/>
               <a:pPr/>
-              <a:t>4</a:t>
+              <a:t>2</a:t>
             </a:fld>
             <a:endParaRPr lang="de-DE" dirty="0"/>
+          </a:p>
+        </p:txBody>
+      </p:sp>
+      <p:sp>
+        <p:nvSpPr>
+          <p:cNvPr id="9" name="Slide Image Placeholder 8"/>
+          <p:cNvSpPr>
+            <a:spLocks noGrp="1" noRot="1" noChangeAspect="1"/>
+          </p:cNvSpPr>
+          <p:nvPr>
+            <p:ph type="sldImg"/>
+          </p:nvPr>
+        </p:nvSpPr>
+        <p:spPr>
+          <a:xfrm>
+            <a:off x="547688" y="612775"/>
+            <a:ext cx="5762625" cy="3241675"/>
+          </a:xfrm>
+        </p:spPr>
+      </p:sp>
+      <p:sp>
+        <p:nvSpPr>
+          <p:cNvPr id="10" name="Notes Placeholder 9"/>
+          <p:cNvSpPr>
+            <a:spLocks noGrp="1"/>
+          </p:cNvSpPr>
+          <p:nvPr>
+            <p:ph type="body" idx="1"/>
+          </p:nvPr>
+        </p:nvSpPr>
+        <p:spPr/>
+        <p:txBody>
+          <a:bodyPr>
+            <a:normAutofit/>
+          </a:bodyPr>
+          <a:lstStyle/>
+          <a:p>
+            <a:r>
+              <a:rPr lang="en-CA" dirty="0"/>
+              <a:t>Today's agenda: first I would like to explain the reason why I </a:t>
+            </a:r>
+            <a:r>
+              <a:rPr lang="en-CA" dirty="0" err="1"/>
+              <a:t>ceated</a:t>
+            </a:r>
+            <a:r>
+              <a:rPr lang="en-CA" dirty="0"/>
+              <a:t> this app. Second I will show you a short real-time demo. Thirdly, I will summary the benefits you will gain from this app. Last but not least, it is welcome to express any suggestions and questions.</a:t>
+            </a:r>
+            <a:endParaRPr lang="en-US" dirty="0"/>
           </a:p>
         </p:txBody>
       </p:sp>
     </p:spTree>
     <p:extLst>
       <p:ext uri="{BB962C8B-B14F-4D97-AF65-F5344CB8AC3E}">
-        <p14:creationId xmlns:p14="http://schemas.microsoft.com/office/powerpoint/2010/main" val="1532547752"/>
+        <p14:creationId xmlns:p14="http://schemas.microsoft.com/office/powerpoint/2010/main" val="979621955"/>
       </p:ext>
     </p:extLst>
   </p:cSld>
@@ -3621,6 +3628,45 @@
       </p:grpSpPr>
       <p:sp>
         <p:nvSpPr>
+          <p:cNvPr id="2" name="Slide Image Placeholder 1"/>
+          <p:cNvSpPr>
+            <a:spLocks noGrp="1" noRot="1" noChangeAspect="1"/>
+          </p:cNvSpPr>
+          <p:nvPr>
+            <p:ph type="sldImg"/>
+          </p:nvPr>
+        </p:nvSpPr>
+        <p:spPr/>
+      </p:sp>
+      <p:sp>
+        <p:nvSpPr>
+          <p:cNvPr id="3" name="Notes Placeholder 2"/>
+          <p:cNvSpPr>
+            <a:spLocks noGrp="1"/>
+          </p:cNvSpPr>
+          <p:nvPr>
+            <p:ph type="body" idx="1"/>
+          </p:nvPr>
+        </p:nvSpPr>
+        <p:spPr/>
+        <p:txBody>
+          <a:bodyPr/>
+          <a:lstStyle/>
+          <a:p>
+            <a:r>
+              <a:rPr lang="en-US" dirty="0"/>
+              <a:t>Other components</a:t>
+            </a:r>
+            <a:r>
+              <a:rPr lang="en-US" baseline="0" dirty="0"/>
+              <a:t> as hyperlinks to access</a:t>
+            </a:r>
+            <a:endParaRPr lang="en-US" dirty="0"/>
+          </a:p>
+        </p:txBody>
+      </p:sp>
+      <p:sp>
+        <p:nvSpPr>
           <p:cNvPr id="4" name="Slide Number Placeholder 3"/>
           <p:cNvSpPr>
             <a:spLocks noGrp="1"/>
@@ -3637,7 +3683,242 @@
             <a:fld id="{7D8C2C35-2B8A-446E-BEC0-FD36716C29AC}" type="slidenum">
               <a:rPr lang="de-DE" smtClean="0"/>
               <a:pPr/>
-              <a:t>28</a:t>
+              <a:t>21</a:t>
+            </a:fld>
+            <a:endParaRPr lang="de-DE" dirty="0"/>
+          </a:p>
+        </p:txBody>
+      </p:sp>
+    </p:spTree>
+    <p:extLst>
+      <p:ext uri="{BB962C8B-B14F-4D97-AF65-F5344CB8AC3E}">
+        <p14:creationId xmlns:p14="http://schemas.microsoft.com/office/powerpoint/2010/main" val="996789701"/>
+      </p:ext>
+    </p:extLst>
+  </p:cSld>
+  <p:clrMapOvr>
+    <a:masterClrMapping/>
+  </p:clrMapOvr>
+</p:notes>
+</file>
+
+<file path=ppt/notesSlides/notesSlide21.xml><?xml version="1.0" encoding="utf-8"?>
+<p:notes xmlns:a="http://schemas.openxmlformats.org/drawingml/2006/main" xmlns:r="http://schemas.openxmlformats.org/officeDocument/2006/relationships" xmlns:p="http://schemas.openxmlformats.org/presentationml/2006/main">
+  <p:cSld>
+    <p:spTree>
+      <p:nvGrpSpPr>
+        <p:cNvPr id="1" name=""/>
+        <p:cNvGrpSpPr/>
+        <p:nvPr/>
+      </p:nvGrpSpPr>
+      <p:grpSpPr>
+        <a:xfrm>
+          <a:off x="0" y="0"/>
+          <a:ext cx="0" cy="0"/>
+          <a:chOff x="0" y="0"/>
+          <a:chExt cx="0" cy="0"/>
+        </a:xfrm>
+      </p:grpSpPr>
+      <p:sp>
+        <p:nvSpPr>
+          <p:cNvPr id="2" name="Slide Image Placeholder 1"/>
+          <p:cNvSpPr>
+            <a:spLocks noGrp="1" noRot="1" noChangeAspect="1"/>
+          </p:cNvSpPr>
+          <p:nvPr>
+            <p:ph type="sldImg"/>
+          </p:nvPr>
+        </p:nvSpPr>
+        <p:spPr/>
+      </p:sp>
+      <p:sp>
+        <p:nvSpPr>
+          <p:cNvPr id="3" name="Notes Placeholder 2"/>
+          <p:cNvSpPr>
+            <a:spLocks noGrp="1"/>
+          </p:cNvSpPr>
+          <p:nvPr>
+            <p:ph type="body" idx="1"/>
+          </p:nvPr>
+        </p:nvSpPr>
+        <p:spPr/>
+        <p:txBody>
+          <a:bodyPr/>
+          <a:lstStyle/>
+          <a:p>
+            <a:r>
+              <a:rPr lang="en-US" dirty="0"/>
+              <a:t>Return</a:t>
+            </a:r>
+            <a:r>
+              <a:rPr lang="en-US" baseline="0" dirty="0"/>
+              <a:t> to home page anytime</a:t>
+            </a:r>
+            <a:endParaRPr lang="en-US" dirty="0"/>
+          </a:p>
+        </p:txBody>
+      </p:sp>
+      <p:sp>
+        <p:nvSpPr>
+          <p:cNvPr id="4" name="Slide Number Placeholder 3"/>
+          <p:cNvSpPr>
+            <a:spLocks noGrp="1"/>
+          </p:cNvSpPr>
+          <p:nvPr>
+            <p:ph type="sldNum" sz="quarter" idx="10"/>
+          </p:nvPr>
+        </p:nvSpPr>
+        <p:spPr/>
+        <p:txBody>
+          <a:bodyPr/>
+          <a:lstStyle/>
+          <a:p>
+            <a:fld id="{7D8C2C35-2B8A-446E-BEC0-FD36716C29AC}" type="slidenum">
+              <a:rPr lang="de-DE" smtClean="0"/>
+              <a:pPr/>
+              <a:t>22</a:t>
+            </a:fld>
+            <a:endParaRPr lang="de-DE" dirty="0"/>
+          </a:p>
+        </p:txBody>
+      </p:sp>
+    </p:spTree>
+    <p:extLst>
+      <p:ext uri="{BB962C8B-B14F-4D97-AF65-F5344CB8AC3E}">
+        <p14:creationId xmlns:p14="http://schemas.microsoft.com/office/powerpoint/2010/main" val="396846032"/>
+      </p:ext>
+    </p:extLst>
+  </p:cSld>
+  <p:clrMapOvr>
+    <a:masterClrMapping/>
+  </p:clrMapOvr>
+</p:notes>
+</file>
+
+<file path=ppt/notesSlides/notesSlide22.xml><?xml version="1.0" encoding="utf-8"?>
+<p:notes xmlns:a="http://schemas.openxmlformats.org/drawingml/2006/main" xmlns:r="http://schemas.openxmlformats.org/officeDocument/2006/relationships" xmlns:p="http://schemas.openxmlformats.org/presentationml/2006/main">
+  <p:cSld>
+    <p:spTree>
+      <p:nvGrpSpPr>
+        <p:cNvPr id="1" name=""/>
+        <p:cNvGrpSpPr/>
+        <p:nvPr/>
+      </p:nvGrpSpPr>
+      <p:grpSpPr>
+        <a:xfrm>
+          <a:off x="0" y="0"/>
+          <a:ext cx="0" cy="0"/>
+          <a:chOff x="0" y="0"/>
+          <a:chExt cx="0" cy="0"/>
+        </a:xfrm>
+      </p:grpSpPr>
+      <p:sp>
+        <p:nvSpPr>
+          <p:cNvPr id="2" name="Slide Image Placeholder 1"/>
+          <p:cNvSpPr>
+            <a:spLocks noGrp="1" noRot="1" noChangeAspect="1"/>
+          </p:cNvSpPr>
+          <p:nvPr>
+            <p:ph type="sldImg"/>
+          </p:nvPr>
+        </p:nvSpPr>
+        <p:spPr/>
+      </p:sp>
+      <p:sp>
+        <p:nvSpPr>
+          <p:cNvPr id="3" name="Notes Placeholder 2"/>
+          <p:cNvSpPr>
+            <a:spLocks noGrp="1"/>
+          </p:cNvSpPr>
+          <p:nvPr>
+            <p:ph type="body" idx="1"/>
+          </p:nvPr>
+        </p:nvSpPr>
+        <p:spPr/>
+        <p:txBody>
+          <a:bodyPr/>
+          <a:lstStyle/>
+          <a:p>
+            <a:r>
+              <a:rPr lang="en-US" dirty="0"/>
+              <a:t>Then bring to the next chapter</a:t>
+            </a:r>
+          </a:p>
+        </p:txBody>
+      </p:sp>
+      <p:sp>
+        <p:nvSpPr>
+          <p:cNvPr id="4" name="Slide Number Placeholder 3"/>
+          <p:cNvSpPr>
+            <a:spLocks noGrp="1"/>
+          </p:cNvSpPr>
+          <p:nvPr>
+            <p:ph type="sldNum" sz="quarter" idx="10"/>
+          </p:nvPr>
+        </p:nvSpPr>
+        <p:spPr/>
+        <p:txBody>
+          <a:bodyPr/>
+          <a:lstStyle/>
+          <a:p>
+            <a:fld id="{7D8C2C35-2B8A-446E-BEC0-FD36716C29AC}" type="slidenum">
+              <a:rPr lang="de-DE" smtClean="0"/>
+              <a:pPr/>
+              <a:t>25</a:t>
+            </a:fld>
+            <a:endParaRPr lang="de-DE" dirty="0"/>
+          </a:p>
+        </p:txBody>
+      </p:sp>
+    </p:spTree>
+    <p:extLst>
+      <p:ext uri="{BB962C8B-B14F-4D97-AF65-F5344CB8AC3E}">
+        <p14:creationId xmlns:p14="http://schemas.microsoft.com/office/powerpoint/2010/main" val="1990883211"/>
+      </p:ext>
+    </p:extLst>
+  </p:cSld>
+  <p:clrMapOvr>
+    <a:masterClrMapping/>
+  </p:clrMapOvr>
+</p:notes>
+</file>
+
+<file path=ppt/notesSlides/notesSlide23.xml><?xml version="1.0" encoding="utf-8"?>
+<p:notes xmlns:a="http://schemas.openxmlformats.org/drawingml/2006/main" xmlns:r="http://schemas.openxmlformats.org/officeDocument/2006/relationships" xmlns:p="http://schemas.openxmlformats.org/presentationml/2006/main">
+  <p:cSld>
+    <p:spTree>
+      <p:nvGrpSpPr>
+        <p:cNvPr id="1" name=""/>
+        <p:cNvGrpSpPr/>
+        <p:nvPr/>
+      </p:nvGrpSpPr>
+      <p:grpSpPr>
+        <a:xfrm>
+          <a:off x="0" y="0"/>
+          <a:ext cx="0" cy="0"/>
+          <a:chOff x="0" y="0"/>
+          <a:chExt cx="0" cy="0"/>
+        </a:xfrm>
+      </p:grpSpPr>
+      <p:sp>
+        <p:nvSpPr>
+          <p:cNvPr id="4" name="Slide Number Placeholder 3"/>
+          <p:cNvSpPr>
+            <a:spLocks noGrp="1"/>
+          </p:cNvSpPr>
+          <p:nvPr>
+            <p:ph type="sldNum" sz="quarter" idx="10"/>
+          </p:nvPr>
+        </p:nvSpPr>
+        <p:spPr/>
+        <p:txBody>
+          <a:bodyPr/>
+          <a:lstStyle/>
+          <a:p>
+            <a:fld id="{7D8C2C35-2B8A-446E-BEC0-FD36716C29AC}" type="slidenum">
+              <a:rPr lang="de-DE" smtClean="0"/>
+              <a:pPr/>
+              <a:t>29</a:t>
             </a:fld>
             <a:endParaRPr lang="de-DE" dirty="0"/>
           </a:p>
@@ -3739,24 +4020,8 @@
           <a:lstStyle/>
           <a:p>
             <a:r>
-              <a:rPr lang="zh-CN" altLang="en-US" dirty="0"/>
-              <a:t>为了解决以上问题，派生出</a:t>
-            </a:r>
-            <a:r>
-              <a:rPr lang="en-US" altLang="zh-CN" dirty="0" err="1"/>
-              <a:t>Qmweb</a:t>
-            </a:r>
-            <a:r>
-              <a:rPr lang="zh-CN" altLang="en-US" dirty="0"/>
-              <a:t>。然后采访和思考了多种方式去形成</a:t>
-            </a:r>
-            <a:r>
-              <a:rPr lang="en-US" altLang="zh-CN" dirty="0" err="1"/>
-              <a:t>qm</a:t>
-            </a:r>
-            <a:r>
-              <a:rPr lang="zh-CN" altLang="en-US" dirty="0"/>
-              <a:t>到底为何样式</a:t>
+              <a:rPr lang="en-CA" dirty="0"/>
+              <a:t>First, why I created this app</a:t>
             </a:r>
             <a:endParaRPr lang="en-US" dirty="0"/>
           </a:p>
@@ -3780,7 +4045,7 @@
             <a:fld id="{7D8C2C35-2B8A-446E-BEC0-FD36716C29AC}" type="slidenum">
               <a:rPr lang="de-DE" smtClean="0"/>
               <a:pPr/>
-              <a:t>5</a:t>
+              <a:t>3</a:t>
             </a:fld>
             <a:endParaRPr lang="de-DE" dirty="0"/>
           </a:p>
@@ -3789,7 +4054,7 @@
     </p:spTree>
     <p:extLst>
       <p:ext uri="{BB962C8B-B14F-4D97-AF65-F5344CB8AC3E}">
-        <p14:creationId xmlns:p14="http://schemas.microsoft.com/office/powerpoint/2010/main" val="2754140105"/>
+        <p14:creationId xmlns:p14="http://schemas.microsoft.com/office/powerpoint/2010/main" val="2631448463"/>
       </p:ext>
     </p:extLst>
   </p:cSld>
@@ -3844,8 +4109,8 @@
           <a:lstStyle/>
           <a:p>
             <a:r>
-              <a:rPr lang="zh-CN" altLang="en-US" dirty="0"/>
-              <a:t>采访中得知，目前为止有一些存在的工具</a:t>
+              <a:rPr lang="en-CA" dirty="0"/>
+              <a:t>Some issue and discussion were generated since the new QM processing deployed. Shortly, four parts. Engineers want to distribute incidents equally. Engineers want to pull tickets directly. Queue manager is different to process and handle multi-side requests. And other. </a:t>
             </a:r>
             <a:endParaRPr lang="en-US" dirty="0"/>
           </a:p>
@@ -3869,7 +4134,7 @@
             <a:fld id="{7D8C2C35-2B8A-446E-BEC0-FD36716C29AC}" type="slidenum">
               <a:rPr lang="de-DE" smtClean="0"/>
               <a:pPr/>
-              <a:t>6</a:t>
+              <a:t>4</a:t>
             </a:fld>
             <a:endParaRPr lang="de-DE" dirty="0"/>
           </a:p>
@@ -3878,7 +4143,7 @@
     </p:spTree>
     <p:extLst>
       <p:ext uri="{BB962C8B-B14F-4D97-AF65-F5344CB8AC3E}">
-        <p14:creationId xmlns:p14="http://schemas.microsoft.com/office/powerpoint/2010/main" val="2911201441"/>
+        <p14:creationId xmlns:p14="http://schemas.microsoft.com/office/powerpoint/2010/main" val="1532547752"/>
       </p:ext>
     </p:extLst>
   </p:cSld>
@@ -3933,9 +4198,33 @@
           <a:lstStyle/>
           <a:p>
             <a:r>
-              <a:rPr lang="en-US" dirty="0"/>
-              <a:t>Look at these color! Not want to use it!  But it only supports team that has a single component. But good for our team that per person has multiple components.</a:t>
-            </a:r>
+              <a:rPr lang="zh-CN" altLang="en-US" dirty="0"/>
+              <a:t>为了解决以上问题，派生出</a:t>
+            </a:r>
+            <a:r>
+              <a:rPr lang="en-US" altLang="zh-CN" dirty="0" err="1"/>
+              <a:t>Qmweb</a:t>
+            </a:r>
+            <a:r>
+              <a:rPr lang="zh-CN" altLang="en-US" dirty="0"/>
+              <a:t>。然后采访和思考了多种方式去形成</a:t>
+            </a:r>
+            <a:r>
+              <a:rPr lang="en-US" altLang="zh-CN" dirty="0" err="1"/>
+              <a:t>qm</a:t>
+            </a:r>
+            <a:r>
+              <a:rPr lang="zh-CN" altLang="en-US" dirty="0"/>
+              <a:t>到底为何样式</a:t>
+            </a:r>
+            <a:endParaRPr lang="en-CA" altLang="zh-CN" dirty="0"/>
+          </a:p>
+          <a:p>
+            <a:r>
+              <a:rPr lang="en-CA" dirty="0"/>
+              <a:t>It is better to have a document and application that can handle these issue for us. But is there any existed application that satisfy our requirements?</a:t>
+            </a:r>
+            <a:endParaRPr lang="en-US" dirty="0"/>
           </a:p>
         </p:txBody>
       </p:sp>
@@ -3957,7 +4246,7 @@
             <a:fld id="{7D8C2C35-2B8A-446E-BEC0-FD36716C29AC}" type="slidenum">
               <a:rPr lang="de-DE" smtClean="0"/>
               <a:pPr/>
-              <a:t>7</a:t>
+              <a:t>5</a:t>
             </a:fld>
             <a:endParaRPr lang="de-DE" dirty="0"/>
           </a:p>
@@ -3966,7 +4255,7 @@
     </p:spTree>
     <p:extLst>
       <p:ext uri="{BB962C8B-B14F-4D97-AF65-F5344CB8AC3E}">
-        <p14:creationId xmlns:p14="http://schemas.microsoft.com/office/powerpoint/2010/main" val="3950872288"/>
+        <p14:creationId xmlns:p14="http://schemas.microsoft.com/office/powerpoint/2010/main" val="2754140105"/>
       </p:ext>
     </p:extLst>
   </p:cSld>
@@ -4021,9 +4310,10 @@
           <a:lstStyle/>
           <a:p>
             <a:r>
-              <a:rPr lang="en-US" dirty="0"/>
-              <a:t>Not easy to know what can we use it for?</a:t>
-            </a:r>
+              <a:rPr lang="en-CA" dirty="0"/>
+              <a:t>It is better to have a document and application that can handle these issue for us. But is there any existed application that satisfy our requirements?</a:t>
+            </a:r>
+            <a:endParaRPr lang="en-US" dirty="0"/>
           </a:p>
         </p:txBody>
       </p:sp>
@@ -4045,7 +4335,7 @@
             <a:fld id="{7D8C2C35-2B8A-446E-BEC0-FD36716C29AC}" type="slidenum">
               <a:rPr lang="de-DE" smtClean="0"/>
               <a:pPr/>
-              <a:t>8</a:t>
+              <a:t>6</a:t>
             </a:fld>
             <a:endParaRPr lang="de-DE" dirty="0"/>
           </a:p>
@@ -4054,7 +4344,7 @@
     </p:spTree>
     <p:extLst>
       <p:ext uri="{BB962C8B-B14F-4D97-AF65-F5344CB8AC3E}">
-        <p14:creationId xmlns:p14="http://schemas.microsoft.com/office/powerpoint/2010/main" val="1727069759"/>
+        <p14:creationId xmlns:p14="http://schemas.microsoft.com/office/powerpoint/2010/main" val="880562353"/>
       </p:ext>
     </p:extLst>
   </p:cSld>
@@ -4109,9 +4399,17 @@
           <a:lstStyle/>
           <a:p>
             <a:r>
-              <a:rPr lang="en-US" dirty="0"/>
-              <a:t>Not support new features naturally</a:t>
-            </a:r>
+              <a:rPr lang="zh-CN" altLang="en-US" dirty="0"/>
+              <a:t>采访中得知，目前为止有一些存在的工具</a:t>
+            </a:r>
+            <a:endParaRPr lang="en-CA" altLang="zh-CN" dirty="0"/>
+          </a:p>
+          <a:p>
+            <a:r>
+              <a:rPr lang="en-CA" dirty="0"/>
+              <a:t>According to my investigation, there are some existed tools. The first one is Workload Analyzer, another Java tool. So many engineers knew it was horrible</a:t>
+            </a:r>
+            <a:endParaRPr lang="en-US" dirty="0"/>
           </a:p>
         </p:txBody>
       </p:sp>
@@ -4133,7 +4431,7 @@
             <a:fld id="{7D8C2C35-2B8A-446E-BEC0-FD36716C29AC}" type="slidenum">
               <a:rPr lang="de-DE" smtClean="0"/>
               <a:pPr/>
-              <a:t>9</a:t>
+              <a:t>7</a:t>
             </a:fld>
             <a:endParaRPr lang="de-DE" dirty="0"/>
           </a:p>
@@ -4142,7 +4440,7 @@
     </p:spTree>
     <p:extLst>
       <p:ext uri="{BB962C8B-B14F-4D97-AF65-F5344CB8AC3E}">
-        <p14:creationId xmlns:p14="http://schemas.microsoft.com/office/powerpoint/2010/main" val="2773265381"/>
+        <p14:creationId xmlns:p14="http://schemas.microsoft.com/office/powerpoint/2010/main" val="2911201441"/>
       </p:ext>
     </p:extLst>
   </p:cSld>
@@ -4197,12 +4495,8 @@
           <a:lstStyle/>
           <a:p>
             <a:r>
-              <a:rPr lang="en-US" altLang="zh-CN" dirty="0"/>
-              <a:t>Distributed </a:t>
-            </a:r>
-            <a:r>
               <a:rPr lang="en-US" dirty="0"/>
-              <a:t>Numbers, numbers, numbers!</a:t>
+              <a:t>SAP Product Support Dispatcher. Look at these color. I don’t want to use it if I have choose.  In addition, it only supports team that has a single component. Not good for our team since our engineers have multiple components.</a:t>
             </a:r>
           </a:p>
         </p:txBody>
@@ -4225,7 +4519,7 @@
             <a:fld id="{7D8C2C35-2B8A-446E-BEC0-FD36716C29AC}" type="slidenum">
               <a:rPr lang="de-DE" smtClean="0"/>
               <a:pPr/>
-              <a:t>10</a:t>
+              <a:t>8</a:t>
             </a:fld>
             <a:endParaRPr lang="de-DE" dirty="0"/>
           </a:p>
@@ -4234,7 +4528,7 @@
     </p:spTree>
     <p:extLst>
       <p:ext uri="{BB962C8B-B14F-4D97-AF65-F5344CB8AC3E}">
-        <p14:creationId xmlns:p14="http://schemas.microsoft.com/office/powerpoint/2010/main" val="395136101"/>
+        <p14:creationId xmlns:p14="http://schemas.microsoft.com/office/powerpoint/2010/main" val="3950872288"/>
       </p:ext>
     </p:extLst>
   </p:cSld>
@@ -4289,14 +4583,13 @@
           <a:lstStyle/>
           <a:p>
             <a:r>
+              <a:rPr lang="en-US" dirty="0" err="1"/>
+              <a:t>QMDock</a:t>
+            </a:r>
+            <a:r>
               <a:rPr lang="en-US" dirty="0"/>
-              <a:t>Forgot to handover, trouble</a:t>
-            </a:r>
-            <a:r>
-              <a:rPr lang="en-US" baseline="0" dirty="0"/>
-              <a:t> maker</a:t>
-            </a:r>
-            <a:endParaRPr lang="en-US" dirty="0"/>
+              <a:t>. Not easy to know what can we use it for? And, supper unstable even I downloaded the latest version</a:t>
+            </a:r>
           </a:p>
         </p:txBody>
       </p:sp>
@@ -4318,7 +4611,7 @@
             <a:fld id="{7D8C2C35-2B8A-446E-BEC0-FD36716C29AC}" type="slidenum">
               <a:rPr lang="de-DE" smtClean="0"/>
               <a:pPr/>
-              <a:t>11</a:t>
+              <a:t>9</a:t>
             </a:fld>
             <a:endParaRPr lang="de-DE" dirty="0"/>
           </a:p>
@@ -4327,7 +4620,7 @@
     </p:spTree>
     <p:extLst>
       <p:ext uri="{BB962C8B-B14F-4D97-AF65-F5344CB8AC3E}">
-        <p14:creationId xmlns:p14="http://schemas.microsoft.com/office/powerpoint/2010/main" val="1396010178"/>
+        <p14:creationId xmlns:p14="http://schemas.microsoft.com/office/powerpoint/2010/main" val="1727069759"/>
       </p:ext>
     </p:extLst>
   </p:cSld>
@@ -11944,7 +12237,7 @@
           </p:nvPr>
         </p:nvPicPr>
         <p:blipFill>
-          <a:blip r:embed="rId2"/>
+          <a:blip r:embed="rId3"/>
           <a:srcRect t="16" b="16"/>
           <a:stretch>
             <a:fillRect/>
@@ -12010,6 +12303,208 @@
           </a:p>
         </p:txBody>
       </p:sp>
+      <p:pic>
+        <p:nvPicPr>
+          <p:cNvPr id="4" name="Picture 3">
+            <a:extLst>
+              <a:ext uri="{FF2B5EF4-FFF2-40B4-BE49-F238E27FC236}">
+                <a16:creationId xmlns:a16="http://schemas.microsoft.com/office/drawing/2014/main" id="{9DB90B46-C423-4A78-B4A8-6C46B0EDC598}"/>
+              </a:ext>
+            </a:extLst>
+          </p:cNvPr>
+          <p:cNvPicPr>
+            <a:picLocks noChangeAspect="1"/>
+          </p:cNvPicPr>
+          <p:nvPr/>
+        </p:nvPicPr>
+        <p:blipFill>
+          <a:blip r:embed="rId3"/>
+          <a:stretch>
+            <a:fillRect/>
+          </a:stretch>
+        </p:blipFill>
+        <p:spPr>
+          <a:xfrm>
+            <a:off x="504001" y="1536970"/>
+            <a:ext cx="8183010" cy="5972784"/>
+          </a:xfrm>
+          <a:prstGeom prst="rect">
+            <a:avLst/>
+          </a:prstGeom>
+        </p:spPr>
+      </p:pic>
+      <p:sp>
+        <p:nvSpPr>
+          <p:cNvPr id="5" name="TextBox 4">
+            <a:extLst>
+              <a:ext uri="{FF2B5EF4-FFF2-40B4-BE49-F238E27FC236}">
+                <a16:creationId xmlns:a16="http://schemas.microsoft.com/office/drawing/2014/main" id="{72F386AC-50B1-4D5A-9969-D8C60966F904}"/>
+              </a:ext>
+            </a:extLst>
+          </p:cNvPr>
+          <p:cNvSpPr txBox="1"/>
+          <p:nvPr/>
+        </p:nvSpPr>
+        <p:spPr>
+          <a:xfrm>
+            <a:off x="5825529" y="951156"/>
+            <a:ext cx="543418" cy="307777"/>
+          </a:xfrm>
+          <a:prstGeom prst="rect">
+            <a:avLst/>
+          </a:prstGeom>
+          <a:noFill/>
+        </p:spPr>
+        <p:txBody>
+          <a:bodyPr wrap="none" lIns="0" tIns="0" rIns="0" bIns="0" rtlCol="0">
+            <a:spAutoFit/>
+          </a:bodyPr>
+          <a:lstStyle/>
+          <a:p>
+            <a:pPr fontAlgn="base">
+              <a:spcBef>
+                <a:spcPct val="50000"/>
+              </a:spcBef>
+              <a:spcAft>
+                <a:spcPct val="0"/>
+              </a:spcAft>
+              <a:buClr>
+                <a:srgbClr val="F0AB00"/>
+              </a:buClr>
+              <a:buSzPct val="80000"/>
+            </a:pPr>
+            <a:r>
+              <a:rPr lang="en-US" sz="2000" b="1" kern="0" dirty="0">
+                <a:ea typeface="Arial Unicode MS" pitchFamily="34" charset="-128"/>
+                <a:cs typeface="Arial Unicode MS" pitchFamily="34" charset="-128"/>
+              </a:rPr>
+              <a:t>BCP</a:t>
+            </a:r>
+          </a:p>
+        </p:txBody>
+      </p:sp>
+      <p:sp>
+        <p:nvSpPr>
+          <p:cNvPr id="6" name="TextBox 5">
+            <a:extLst>
+              <a:ext uri="{FF2B5EF4-FFF2-40B4-BE49-F238E27FC236}">
+                <a16:creationId xmlns:a16="http://schemas.microsoft.com/office/drawing/2014/main" id="{4A67CE65-E814-4D22-BB4C-1677A8B052B4}"/>
+              </a:ext>
+            </a:extLst>
+          </p:cNvPr>
+          <p:cNvSpPr txBox="1"/>
+          <p:nvPr/>
+        </p:nvSpPr>
+        <p:spPr>
+          <a:xfrm>
+            <a:off x="9260731" y="3414409"/>
+            <a:ext cx="2136803" cy="369332"/>
+          </a:xfrm>
+          <a:prstGeom prst="rect">
+            <a:avLst/>
+          </a:prstGeom>
+          <a:noFill/>
+        </p:spPr>
+        <p:txBody>
+          <a:bodyPr wrap="none" lIns="0" tIns="0" rIns="0" bIns="0" rtlCol="0">
+            <a:spAutoFit/>
+          </a:bodyPr>
+          <a:lstStyle/>
+          <a:p>
+            <a:pPr fontAlgn="base">
+              <a:spcBef>
+                <a:spcPct val="50000"/>
+              </a:spcBef>
+              <a:spcAft>
+                <a:spcPct val="0"/>
+              </a:spcAft>
+              <a:buClr>
+                <a:srgbClr val="F0AB00"/>
+              </a:buClr>
+              <a:buSzPct val="80000"/>
+            </a:pPr>
+            <a:r>
+              <a:rPr lang="en-US" sz="2400" kern="0" dirty="0">
+                <a:ea typeface="Arial Unicode MS" pitchFamily="34" charset="-128"/>
+                <a:cs typeface="Arial Unicode MS" pitchFamily="34" charset="-128"/>
+              </a:rPr>
+              <a:t>Cannot </a:t>
+            </a:r>
+            <a:r>
+              <a:rPr lang="en-US" sz="2400" b="1" kern="0" dirty="0">
+                <a:ea typeface="Arial Unicode MS" pitchFamily="34" charset="-128"/>
+                <a:cs typeface="Arial Unicode MS" pitchFamily="34" charset="-128"/>
+              </a:rPr>
+              <a:t>Count</a:t>
+            </a:r>
+            <a:r>
+              <a:rPr lang="en-US" sz="2400" kern="0" dirty="0">
+                <a:ea typeface="Arial Unicode MS" pitchFamily="34" charset="-128"/>
+                <a:cs typeface="Arial Unicode MS" pitchFamily="34" charset="-128"/>
+              </a:rPr>
+              <a:t>! </a:t>
+            </a:r>
+          </a:p>
+        </p:txBody>
+      </p:sp>
+    </p:spTree>
+    <p:extLst>
+      <p:ext uri="{BB962C8B-B14F-4D97-AF65-F5344CB8AC3E}">
+        <p14:creationId xmlns:p14="http://schemas.microsoft.com/office/powerpoint/2010/main" val="1387238931"/>
+      </p:ext>
+    </p:extLst>
+  </p:cSld>
+  <p:clrMapOvr>
+    <a:masterClrMapping/>
+  </p:clrMapOvr>
+</p:sld>
+</file>
+
+<file path=ppt/slides/slide11.xml><?xml version="1.0" encoding="utf-8"?>
+<p:sld xmlns:a="http://schemas.openxmlformats.org/drawingml/2006/main" xmlns:r="http://schemas.openxmlformats.org/officeDocument/2006/relationships" xmlns:p="http://schemas.openxmlformats.org/presentationml/2006/main">
+  <p:cSld>
+    <p:spTree>
+      <p:nvGrpSpPr>
+        <p:cNvPr id="1" name=""/>
+        <p:cNvGrpSpPr/>
+        <p:nvPr/>
+      </p:nvGrpSpPr>
+      <p:grpSpPr>
+        <a:xfrm>
+          <a:off x="0" y="0"/>
+          <a:ext cx="0" cy="0"/>
+          <a:chOff x="0" y="0"/>
+          <a:chExt cx="0" cy="0"/>
+        </a:xfrm>
+      </p:grpSpPr>
+      <p:sp>
+        <p:nvSpPr>
+          <p:cNvPr id="3" name="Title 2">
+            <a:extLst>
+              <a:ext uri="{FF2B5EF4-FFF2-40B4-BE49-F238E27FC236}">
+                <a16:creationId xmlns:a16="http://schemas.microsoft.com/office/drawing/2014/main" id="{59D512E6-AC34-4273-A4E1-9E3561AEDEC1}"/>
+              </a:ext>
+            </a:extLst>
+          </p:cNvPr>
+          <p:cNvSpPr>
+            <a:spLocks noGrp="1"/>
+          </p:cNvSpPr>
+          <p:nvPr>
+            <p:ph type="title"/>
+          </p:nvPr>
+        </p:nvSpPr>
+        <p:spPr/>
+        <p:txBody>
+          <a:bodyPr/>
+          <a:lstStyle/>
+          <a:p>
+            <a:r>
+              <a:rPr lang="en-US" dirty="0"/>
+              <a:t>There are some…</a:t>
+            </a:r>
+          </a:p>
+        </p:txBody>
+      </p:sp>
       <p:sp>
         <p:nvSpPr>
           <p:cNvPr id="5" name="TextBox 4">
@@ -12440,7 +12935,7 @@
 </p:sld>
 </file>
 
-<file path=ppt/slides/slide11.xml><?xml version="1.0" encoding="utf-8"?>
+<file path=ppt/slides/slide12.xml><?xml version="1.0" encoding="utf-8"?>
 <p:sld xmlns:a="http://schemas.openxmlformats.org/drawingml/2006/main" xmlns:r="http://schemas.openxmlformats.org/officeDocument/2006/relationships" xmlns:p="http://schemas.openxmlformats.org/presentationml/2006/main">
   <p:cSld>
     <p:spTree>
@@ -12529,8 +13024,38 @@
         </p:blipFill>
         <p:spPr>
           <a:xfrm>
-            <a:off x="1219200" y="1599401"/>
-            <a:ext cx="10058400" cy="3863008"/>
+            <a:off x="361459" y="1741251"/>
+            <a:ext cx="7358820" cy="2826213"/>
+          </a:xfrm>
+          <a:prstGeom prst="rect">
+            <a:avLst/>
+          </a:prstGeom>
+        </p:spPr>
+      </p:pic>
+      <p:pic>
+        <p:nvPicPr>
+          <p:cNvPr id="3" name="Picture 2">
+            <a:extLst>
+              <a:ext uri="{FF2B5EF4-FFF2-40B4-BE49-F238E27FC236}">
+                <a16:creationId xmlns:a16="http://schemas.microsoft.com/office/drawing/2014/main" id="{8A39FEC7-8728-4A94-A3BD-60EE196D69C1}"/>
+              </a:ext>
+            </a:extLst>
+          </p:cNvPr>
+          <p:cNvPicPr>
+            <a:picLocks noChangeAspect="1"/>
+          </p:cNvPicPr>
+          <p:nvPr/>
+        </p:nvPicPr>
+        <p:blipFill>
+          <a:blip r:embed="rId4"/>
+          <a:stretch>
+            <a:fillRect/>
+          </a:stretch>
+        </p:blipFill>
+        <p:spPr>
+          <a:xfrm>
+            <a:off x="4677651" y="3356042"/>
+            <a:ext cx="8466916" cy="3309228"/>
           </a:xfrm>
           <a:prstGeom prst="rect">
             <a:avLst/>
@@ -12550,7 +13075,7 @@
 </p:sld>
 </file>
 
-<file path=ppt/slides/slide12.xml><?xml version="1.0" encoding="utf-8"?>
+<file path=ppt/slides/slide13.xml><?xml version="1.0" encoding="utf-8"?>
 <p:sld xmlns:a="http://schemas.openxmlformats.org/drawingml/2006/main" xmlns:r="http://schemas.openxmlformats.org/officeDocument/2006/relationships" xmlns:p="http://schemas.openxmlformats.org/presentationml/2006/main">
   <p:cSld>
     <p:spTree>
@@ -12762,7 +13287,7 @@
 </p:sld>
 </file>
 
-<file path=ppt/slides/slide13.xml><?xml version="1.0" encoding="utf-8"?>
+<file path=ppt/slides/slide14.xml><?xml version="1.0" encoding="utf-8"?>
 <p:sld xmlns:a="http://schemas.openxmlformats.org/drawingml/2006/main" xmlns:r="http://schemas.openxmlformats.org/officeDocument/2006/relationships" xmlns:p="http://schemas.openxmlformats.org/presentationml/2006/main">
   <p:cSld>
     <p:spTree>
@@ -13412,7 +13937,7 @@
 </p:sld>
 </file>
 
-<file path=ppt/slides/slide14.xml><?xml version="1.0" encoding="utf-8"?>
+<file path=ppt/slides/slide15.xml><?xml version="1.0" encoding="utf-8"?>
 <p:sld xmlns:a="http://schemas.openxmlformats.org/drawingml/2006/main" xmlns:r="http://schemas.openxmlformats.org/officeDocument/2006/relationships" xmlns:p="http://schemas.openxmlformats.org/presentationml/2006/main">
   <p:cSld>
     <p:spTree>
@@ -13756,7 +14281,7 @@
 </p:sld>
 </file>
 
-<file path=ppt/slides/slide15.xml><?xml version="1.0" encoding="utf-8"?>
+<file path=ppt/slides/slide16.xml><?xml version="1.0" encoding="utf-8"?>
 <p:sld xmlns:a="http://schemas.openxmlformats.org/drawingml/2006/main" xmlns:r="http://schemas.openxmlformats.org/officeDocument/2006/relationships" xmlns:p="http://schemas.openxmlformats.org/presentationml/2006/main">
   <p:cSld>
     <p:spTree>
@@ -14555,71 +15080,6 @@
 </p:sld>
 </file>
 
-<file path=ppt/slides/slide16.xml><?xml version="1.0" encoding="utf-8"?>
-<p:sld xmlns:a="http://schemas.openxmlformats.org/drawingml/2006/main" xmlns:r="http://schemas.openxmlformats.org/officeDocument/2006/relationships" xmlns:p="http://schemas.openxmlformats.org/presentationml/2006/main">
-  <p:cSld>
-    <p:spTree>
-      <p:nvGrpSpPr>
-        <p:cNvPr id="1" name=""/>
-        <p:cNvGrpSpPr/>
-        <p:nvPr/>
-      </p:nvGrpSpPr>
-      <p:grpSpPr>
-        <a:xfrm>
-          <a:off x="0" y="0"/>
-          <a:ext cx="0" cy="0"/>
-          <a:chOff x="0" y="0"/>
-          <a:chExt cx="0" cy="0"/>
-        </a:xfrm>
-      </p:grpSpPr>
-      <p:sp>
-        <p:nvSpPr>
-          <p:cNvPr id="2" name="Title 1"/>
-          <p:cNvSpPr>
-            <a:spLocks noGrp="1"/>
-          </p:cNvSpPr>
-          <p:nvPr>
-            <p:ph type="ctrTitle"/>
-          </p:nvPr>
-        </p:nvSpPr>
-        <p:spPr>
-          <a:xfrm>
-            <a:off x="518514" y="1551931"/>
-            <a:ext cx="11185200" cy="677108"/>
-          </a:xfrm>
-        </p:spPr>
-        <p:txBody>
-          <a:bodyPr/>
-          <a:lstStyle/>
-          <a:p>
-            <a:r>
-              <a:rPr lang="en-US" dirty="0"/>
-              <a:t>So it </a:t>
-            </a:r>
-            <a:r>
-              <a:rPr lang="en-US" dirty="0">
-                <a:solidFill>
-                  <a:schemeClr val="accent1"/>
-                </a:solidFill>
-              </a:rPr>
-              <a:t>comes…</a:t>
-            </a:r>
-          </a:p>
-        </p:txBody>
-      </p:sp>
-    </p:spTree>
-    <p:extLst>
-      <p:ext uri="{BB962C8B-B14F-4D97-AF65-F5344CB8AC3E}">
-        <p14:creationId xmlns:p14="http://schemas.microsoft.com/office/powerpoint/2010/main" val="3851045762"/>
-      </p:ext>
-    </p:extLst>
-  </p:cSld>
-  <p:clrMapOvr>
-    <a:masterClrMapping/>
-  </p:clrMapOvr>
-</p:sld>
-</file>
-
 <file path=ppt/slides/slide17.xml><?xml version="1.0" encoding="utf-8"?>
 <p:sld xmlns:a="http://schemas.openxmlformats.org/drawingml/2006/main" xmlns:r="http://schemas.openxmlformats.org/officeDocument/2006/relationships" xmlns:p="http://schemas.openxmlformats.org/presentationml/2006/main">
   <p:cSld>
@@ -14637,99 +15097,45 @@
           <a:chExt cx="0" cy="0"/>
         </a:xfrm>
       </p:grpSpPr>
-      <p:pic>
-        <p:nvPicPr>
-          <p:cNvPr id="4" name="Picture 3">
-            <a:extLst>
-              <a:ext uri="{FF2B5EF4-FFF2-40B4-BE49-F238E27FC236}">
-                <a16:creationId xmlns:a16="http://schemas.microsoft.com/office/drawing/2014/main" id="{862CF9DF-F9D0-47B0-A16D-574F2D82C688}"/>
-              </a:ext>
-            </a:extLst>
-          </p:cNvPr>
-          <p:cNvPicPr>
-            <a:picLocks noChangeAspect="1"/>
-          </p:cNvPicPr>
-          <p:nvPr/>
-        </p:nvPicPr>
-        <p:blipFill>
-          <a:blip r:embed="rId3"/>
-          <a:stretch>
-            <a:fillRect/>
-          </a:stretch>
-        </p:blipFill>
+      <p:sp>
+        <p:nvSpPr>
+          <p:cNvPr id="2" name="Title 1"/>
+          <p:cNvSpPr>
+            <a:spLocks noGrp="1"/>
+          </p:cNvSpPr>
+          <p:nvPr>
+            <p:ph type="ctrTitle"/>
+          </p:nvPr>
+        </p:nvSpPr>
         <p:spPr>
           <a:xfrm>
-            <a:off x="924127" y="444275"/>
-            <a:ext cx="10369685" cy="5907527"/>
+            <a:off x="518514" y="1551931"/>
+            <a:ext cx="11185200" cy="677108"/>
           </a:xfrm>
-          <a:prstGeom prst="rect">
-            <a:avLst/>
-          </a:prstGeom>
         </p:spPr>
-      </p:pic>
-      <p:sp>
-        <p:nvSpPr>
-          <p:cNvPr id="2" name="Oval 1"/>
-          <p:cNvSpPr/>
-          <p:nvPr/>
-        </p:nvSpPr>
-        <p:spPr bwMode="gray">
-          <a:xfrm>
-            <a:off x="5492743" y="1828801"/>
-            <a:ext cx="1232452" cy="410817"/>
-          </a:xfrm>
-          <a:prstGeom prst="ellipse">
-            <a:avLst/>
-          </a:prstGeom>
-          <a:solidFill>
-            <a:schemeClr val="accent1">
-              <a:alpha val="50000"/>
-            </a:schemeClr>
-          </a:solidFill>
-          <a:ln w="6350" algn="ctr">
-            <a:noFill/>
-            <a:miter lim="800000"/>
-            <a:headEnd/>
-            <a:tailEnd/>
-          </a:ln>
-        </p:spPr>
-        <p:txBody>
-          <a:bodyPr lIns="90000" tIns="72000" rIns="90000" bIns="72000" rtlCol="0" anchor="ctr"/>
+        <p:txBody>
+          <a:bodyPr/>
           <a:lstStyle/>
           <a:p>
-            <a:pPr marR="0" algn="ctr" defTabSz="914400" eaLnBrk="1" fontAlgn="base" latinLnBrk="0" hangingPunct="1">
-              <a:lnSpc>
-                <a:spcPct val="100000"/>
-              </a:lnSpc>
-              <a:spcBef>
-                <a:spcPct val="50000"/>
-              </a:spcBef>
-              <a:spcAft>
-                <a:spcPct val="0"/>
-              </a:spcAft>
-              <a:buClr>
-                <a:srgbClr val="F0AB00"/>
-              </a:buClr>
-              <a:buSzPct val="80000"/>
-              <a:tabLst/>
-            </a:pPr>
-            <a:endParaRPr kumimoji="0" lang="en-US" sz="1800" b="0" i="0" u="none" strike="noStrike" kern="0" cap="none" spc="0" normalizeH="0" baseline="0" noProof="0" dirty="0" err="1">
-              <a:ln>
-                <a:noFill/>
-              </a:ln>
-              <a:effectLst/>
-              <a:uLnTx/>
-              <a:uFillTx/>
-              <a:ea typeface="Arial Unicode MS" pitchFamily="34" charset="-128"/>
-              <a:cs typeface="Arial Unicode MS" pitchFamily="34" charset="-128"/>
-            </a:endParaRPr>
+            <a:r>
+              <a:rPr lang="en-US" dirty="0"/>
+              <a:t>So it </a:t>
+            </a:r>
+            <a:r>
+              <a:rPr lang="en-US" dirty="0">
+                <a:solidFill>
+                  <a:schemeClr val="accent1"/>
+                </a:solidFill>
+              </a:rPr>
+              <a:t>comes…</a:t>
+            </a:r>
           </a:p>
         </p:txBody>
       </p:sp>
     </p:spTree>
     <p:extLst>
       <p:ext uri="{BB962C8B-B14F-4D97-AF65-F5344CB8AC3E}">
-        <p14:creationId xmlns:p14="http://schemas.microsoft.com/office/powerpoint/2010/main" val="844780636"/>
+        <p14:creationId xmlns:p14="http://schemas.microsoft.com/office/powerpoint/2010/main" val="3851045762"/>
       </p:ext>
     </p:extLst>
   </p:cSld>
@@ -14788,14 +15194,14 @@
       </p:pic>
       <p:sp>
         <p:nvSpPr>
-          <p:cNvPr id="3" name="Oval 2"/>
+          <p:cNvPr id="2" name="Oval 1"/>
           <p:cNvSpPr/>
           <p:nvPr/>
         </p:nvSpPr>
         <p:spPr bwMode="gray">
           <a:xfrm>
-            <a:off x="6552916" y="2557670"/>
-            <a:ext cx="3028405" cy="410817"/>
+            <a:off x="5492743" y="1828801"/>
+            <a:ext cx="1232452" cy="410817"/>
           </a:xfrm>
           <a:prstGeom prst="ellipse">
             <a:avLst/>
@@ -14848,7 +15254,7 @@
     </p:spTree>
     <p:extLst>
       <p:ext uri="{BB962C8B-B14F-4D97-AF65-F5344CB8AC3E}">
-        <p14:creationId xmlns:p14="http://schemas.microsoft.com/office/powerpoint/2010/main" val="882488340"/>
+        <p14:creationId xmlns:p14="http://schemas.microsoft.com/office/powerpoint/2010/main" val="844780636"/>
       </p:ext>
     </p:extLst>
   </p:cSld>
@@ -14913,8 +15319,8 @@
         </p:nvSpPr>
         <p:spPr bwMode="gray">
           <a:xfrm>
-            <a:off x="9812951" y="2544418"/>
-            <a:ext cx="1232452" cy="410817"/>
+            <a:off x="6552916" y="2557670"/>
+            <a:ext cx="3028405" cy="410817"/>
           </a:xfrm>
           <a:prstGeom prst="ellipse">
             <a:avLst/>
@@ -14967,7 +15373,7 @@
     </p:spTree>
     <p:extLst>
       <p:ext uri="{BB962C8B-B14F-4D97-AF65-F5344CB8AC3E}">
-        <p14:creationId xmlns:p14="http://schemas.microsoft.com/office/powerpoint/2010/main" val="1869228064"/>
+        <p14:creationId xmlns:p14="http://schemas.microsoft.com/office/powerpoint/2010/main" val="882488340"/>
       </p:ext>
     </p:extLst>
   </p:cSld>
@@ -15023,7 +15429,7 @@
             <a:pPr lvl="1"/>
             <a:r>
               <a:rPr lang="en-US" altLang="zh-CN" dirty="0"/>
-              <a:t>Why need this app?</a:t>
+              <a:t>Why creates this app?</a:t>
             </a:r>
             <a:endParaRPr lang="en-US" dirty="0"/>
           </a:p>
@@ -15147,8 +15553,8 @@
         </p:nvSpPr>
         <p:spPr bwMode="gray">
           <a:xfrm>
-            <a:off x="924127" y="1126435"/>
-            <a:ext cx="10243930" cy="477079"/>
+            <a:off x="9812951" y="2544418"/>
+            <a:ext cx="1232452" cy="410817"/>
           </a:xfrm>
           <a:prstGeom prst="ellipse">
             <a:avLst/>
@@ -15201,6 +15607,125 @@
     </p:spTree>
     <p:extLst>
       <p:ext uri="{BB962C8B-B14F-4D97-AF65-F5344CB8AC3E}">
+        <p14:creationId xmlns:p14="http://schemas.microsoft.com/office/powerpoint/2010/main" val="1869228064"/>
+      </p:ext>
+    </p:extLst>
+  </p:cSld>
+  <p:clrMapOvr>
+    <a:masterClrMapping/>
+  </p:clrMapOvr>
+</p:sld>
+</file>
+
+<file path=ppt/slides/slide21.xml><?xml version="1.0" encoding="utf-8"?>
+<p:sld xmlns:a="http://schemas.openxmlformats.org/drawingml/2006/main" xmlns:r="http://schemas.openxmlformats.org/officeDocument/2006/relationships" xmlns:p="http://schemas.openxmlformats.org/presentationml/2006/main">
+  <p:cSld>
+    <p:spTree>
+      <p:nvGrpSpPr>
+        <p:cNvPr id="1" name=""/>
+        <p:cNvGrpSpPr/>
+        <p:nvPr/>
+      </p:nvGrpSpPr>
+      <p:grpSpPr>
+        <a:xfrm>
+          <a:off x="0" y="0"/>
+          <a:ext cx="0" cy="0"/>
+          <a:chOff x="0" y="0"/>
+          <a:chExt cx="0" cy="0"/>
+        </a:xfrm>
+      </p:grpSpPr>
+      <p:pic>
+        <p:nvPicPr>
+          <p:cNvPr id="4" name="Picture 3">
+            <a:extLst>
+              <a:ext uri="{FF2B5EF4-FFF2-40B4-BE49-F238E27FC236}">
+                <a16:creationId xmlns:a16="http://schemas.microsoft.com/office/drawing/2014/main" id="{862CF9DF-F9D0-47B0-A16D-574F2D82C688}"/>
+              </a:ext>
+            </a:extLst>
+          </p:cNvPr>
+          <p:cNvPicPr>
+            <a:picLocks noChangeAspect="1"/>
+          </p:cNvPicPr>
+          <p:nvPr/>
+        </p:nvPicPr>
+        <p:blipFill>
+          <a:blip r:embed="rId3"/>
+          <a:stretch>
+            <a:fillRect/>
+          </a:stretch>
+        </p:blipFill>
+        <p:spPr>
+          <a:xfrm>
+            <a:off x="924127" y="444275"/>
+            <a:ext cx="10369685" cy="5907527"/>
+          </a:xfrm>
+          <a:prstGeom prst="rect">
+            <a:avLst/>
+          </a:prstGeom>
+        </p:spPr>
+      </p:pic>
+      <p:sp>
+        <p:nvSpPr>
+          <p:cNvPr id="3" name="Oval 2"/>
+          <p:cNvSpPr/>
+          <p:nvPr/>
+        </p:nvSpPr>
+        <p:spPr bwMode="gray">
+          <a:xfrm>
+            <a:off x="924127" y="1126435"/>
+            <a:ext cx="10243930" cy="477079"/>
+          </a:xfrm>
+          <a:prstGeom prst="ellipse">
+            <a:avLst/>
+          </a:prstGeom>
+          <a:solidFill>
+            <a:schemeClr val="accent1">
+              <a:alpha val="50000"/>
+            </a:schemeClr>
+          </a:solidFill>
+          <a:ln w="6350" algn="ctr">
+            <a:noFill/>
+            <a:miter lim="800000"/>
+            <a:headEnd/>
+            <a:tailEnd/>
+          </a:ln>
+        </p:spPr>
+        <p:txBody>
+          <a:bodyPr lIns="90000" tIns="72000" rIns="90000" bIns="72000" rtlCol="0" anchor="ctr"/>
+          <a:lstStyle/>
+          <a:p>
+            <a:pPr marR="0" algn="ctr" defTabSz="914400" eaLnBrk="1" fontAlgn="base" latinLnBrk="0" hangingPunct="1">
+              <a:lnSpc>
+                <a:spcPct val="100000"/>
+              </a:lnSpc>
+              <a:spcBef>
+                <a:spcPct val="50000"/>
+              </a:spcBef>
+              <a:spcAft>
+                <a:spcPct val="0"/>
+              </a:spcAft>
+              <a:buClr>
+                <a:srgbClr val="F0AB00"/>
+              </a:buClr>
+              <a:buSzPct val="80000"/>
+              <a:tabLst/>
+            </a:pPr>
+            <a:endParaRPr kumimoji="0" lang="en-US" sz="1800" b="0" i="0" u="none" strike="noStrike" kern="0" cap="none" spc="0" normalizeH="0" baseline="0" noProof="0" dirty="0" err="1">
+              <a:ln>
+                <a:noFill/>
+              </a:ln>
+              <a:effectLst/>
+              <a:uLnTx/>
+              <a:uFillTx/>
+              <a:ea typeface="Arial Unicode MS" pitchFamily="34" charset="-128"/>
+              <a:cs typeface="Arial Unicode MS" pitchFamily="34" charset="-128"/>
+            </a:endParaRPr>
+          </a:p>
+        </p:txBody>
+      </p:sp>
+    </p:spTree>
+    <p:extLst>
+      <p:ext uri="{BB962C8B-B14F-4D97-AF65-F5344CB8AC3E}">
         <p14:creationId xmlns:p14="http://schemas.microsoft.com/office/powerpoint/2010/main" val="577799685"/>
       </p:ext>
     </p:extLst>
@@ -15211,7 +15736,7 @@
 </p:sld>
 </file>
 
-<file path=ppt/slides/slide21.xml><?xml version="1.0" encoding="utf-8"?>
+<file path=ppt/slides/slide22.xml><?xml version="1.0" encoding="utf-8"?>
 <p:sld xmlns:a="http://schemas.openxmlformats.org/drawingml/2006/main" xmlns:r="http://schemas.openxmlformats.org/officeDocument/2006/relationships" xmlns:p="http://schemas.openxmlformats.org/presentationml/2006/main">
   <p:cSld>
     <p:spTree>
@@ -15330,7 +15855,7 @@
 </p:sld>
 </file>
 
-<file path=ppt/slides/slide22.xml><?xml version="1.0" encoding="utf-8"?>
+<file path=ppt/slides/slide23.xml><?xml version="1.0" encoding="utf-8"?>
 <p:sld xmlns:a="http://schemas.openxmlformats.org/drawingml/2006/main" xmlns:r="http://schemas.openxmlformats.org/officeDocument/2006/relationships" xmlns:p="http://schemas.openxmlformats.org/presentationml/2006/main">
   <p:cSld>
     <p:spTree>
@@ -15405,7 +15930,7 @@
 </p:sld>
 </file>
 
-<file path=ppt/slides/slide23.xml><?xml version="1.0" encoding="utf-8"?>
+<file path=ppt/slides/slide24.xml><?xml version="1.0" encoding="utf-8"?>
 <p:sld xmlns:a="http://schemas.openxmlformats.org/drawingml/2006/main" xmlns:r="http://schemas.openxmlformats.org/officeDocument/2006/relationships" xmlns:p="http://schemas.openxmlformats.org/presentationml/2006/main">
   <p:cSld>
     <p:spTree>
@@ -15435,7 +15960,7 @@
 </p:sld>
 </file>
 
-<file path=ppt/slides/slide24.xml><?xml version="1.0" encoding="utf-8"?>
+<file path=ppt/slides/slide25.xml><?xml version="1.0" encoding="utf-8"?>
 <p:sld xmlns:a="http://schemas.openxmlformats.org/drawingml/2006/main" xmlns:r="http://schemas.openxmlformats.org/officeDocument/2006/relationships" xmlns:p="http://schemas.openxmlformats.org/presentationml/2006/main">
   <p:cSld>
     <p:spTree>
@@ -15515,7 +16040,7 @@
 </p:sld>
 </file>
 
-<file path=ppt/slides/slide25.xml><?xml version="1.0" encoding="utf-8"?>
+<file path=ppt/slides/slide26.xml><?xml version="1.0" encoding="utf-8"?>
 <p:sld xmlns:a="http://schemas.openxmlformats.org/drawingml/2006/main" xmlns:r="http://schemas.openxmlformats.org/officeDocument/2006/relationships" xmlns:p="http://schemas.openxmlformats.org/presentationml/2006/main">
   <p:cSld>
     <p:spTree>
@@ -15579,7 +16104,7 @@
                 <a:ea typeface="Arial Unicode MS" pitchFamily="34" charset="-128"/>
                 <a:cs typeface="Arial Unicode MS" pitchFamily="34" charset="-128"/>
               </a:rPr>
-              <a:t>HANA Cloud Platform &amp; Cloud Computing – fast, clean, stable</a:t>
+              <a:t>HANA Cloud Platform &amp; Cloud Computing – fast, clean, high stability</a:t>
             </a:r>
           </a:p>
           <a:p>
@@ -15844,81 +16369,6 @@
     <p:extLst>
       <p:ext uri="{BB962C8B-B14F-4D97-AF65-F5344CB8AC3E}">
         <p14:creationId xmlns:p14="http://schemas.microsoft.com/office/powerpoint/2010/main" val="3295641251"/>
-      </p:ext>
-    </p:extLst>
-  </p:cSld>
-  <p:clrMapOvr>
-    <a:masterClrMapping/>
-  </p:clrMapOvr>
-</p:sld>
-</file>
-
-<file path=ppt/slides/slide26.xml><?xml version="1.0" encoding="utf-8"?>
-<p:sld xmlns:a="http://schemas.openxmlformats.org/drawingml/2006/main" xmlns:r="http://schemas.openxmlformats.org/officeDocument/2006/relationships" xmlns:p="http://schemas.openxmlformats.org/presentationml/2006/main">
-  <p:cSld>
-    <p:spTree>
-      <p:nvGrpSpPr>
-        <p:cNvPr id="1" name=""/>
-        <p:cNvGrpSpPr/>
-        <p:nvPr/>
-      </p:nvGrpSpPr>
-      <p:grpSpPr>
-        <a:xfrm>
-          <a:off x="0" y="0"/>
-          <a:ext cx="0" cy="0"/>
-          <a:chOff x="0" y="0"/>
-          <a:chExt cx="0" cy="0"/>
-        </a:xfrm>
-      </p:grpSpPr>
-      <p:sp>
-        <p:nvSpPr>
-          <p:cNvPr id="2" name="Title 1">
-            <a:extLst>
-              <a:ext uri="{FF2B5EF4-FFF2-40B4-BE49-F238E27FC236}">
-                <a16:creationId xmlns:a16="http://schemas.microsoft.com/office/drawing/2014/main" id="{894B7582-0C25-46E4-9583-EFDA054C041B}"/>
-              </a:ext>
-            </a:extLst>
-          </p:cNvPr>
-          <p:cNvSpPr>
-            <a:spLocks noGrp="1"/>
-          </p:cNvSpPr>
-          <p:nvPr>
-            <p:ph type="ctrTitle"/>
-          </p:nvPr>
-        </p:nvSpPr>
-        <p:spPr>
-          <a:xfrm>
-            <a:off x="426179" y="1962038"/>
-            <a:ext cx="11185200" cy="677108"/>
-          </a:xfrm>
-        </p:spPr>
-        <p:txBody>
-          <a:bodyPr/>
-          <a:lstStyle/>
-          <a:p>
-            <a:r>
-              <a:rPr lang="en-US" dirty="0"/>
-              <a:t>Q &amp; A</a:t>
-            </a:r>
-            <a:br>
-              <a:rPr lang="en-US" dirty="0"/>
-            </a:br>
-            <a:r>
-              <a:rPr lang="en-US" dirty="0">
-                <a:solidFill>
-                  <a:schemeClr val="accent1"/>
-                </a:solidFill>
-              </a:rPr>
-              <a:t>Suggestions?</a:t>
-            </a:r>
-            <a:endParaRPr lang="en-US" dirty="0"/>
-          </a:p>
-        </p:txBody>
-      </p:sp>
-    </p:spTree>
-    <p:extLst>
-      <p:ext uri="{BB962C8B-B14F-4D97-AF65-F5344CB8AC3E}">
-        <p14:creationId xmlns:p14="http://schemas.microsoft.com/office/powerpoint/2010/main" val="3299076496"/>
       </p:ext>
     </p:extLst>
   </p:cSld>
@@ -15947,6 +16397,85 @@
       </p:grpSpPr>
       <p:sp>
         <p:nvSpPr>
+          <p:cNvPr id="2" name="Title 1">
+            <a:extLst>
+              <a:ext uri="{FF2B5EF4-FFF2-40B4-BE49-F238E27FC236}">
+                <a16:creationId xmlns:a16="http://schemas.microsoft.com/office/drawing/2014/main" id="{894B7582-0C25-46E4-9583-EFDA054C041B}"/>
+              </a:ext>
+            </a:extLst>
+          </p:cNvPr>
+          <p:cNvSpPr>
+            <a:spLocks noGrp="1"/>
+          </p:cNvSpPr>
+          <p:nvPr>
+            <p:ph type="ctrTitle"/>
+          </p:nvPr>
+        </p:nvSpPr>
+        <p:spPr>
+          <a:xfrm>
+            <a:off x="426179" y="1962038"/>
+            <a:ext cx="11185200" cy="677108"/>
+          </a:xfrm>
+        </p:spPr>
+        <p:txBody>
+          <a:bodyPr/>
+          <a:lstStyle/>
+          <a:p>
+            <a:r>
+              <a:rPr lang="en-US" dirty="0"/>
+              <a:t>Q &amp; A</a:t>
+            </a:r>
+            <a:br>
+              <a:rPr lang="en-US" dirty="0"/>
+            </a:br>
+            <a:r>
+              <a:rPr lang="en-US" altLang="zh-CN" dirty="0"/>
+              <a:t>Any </a:t>
+            </a:r>
+            <a:r>
+              <a:rPr lang="en-US" dirty="0">
+                <a:solidFill>
+                  <a:schemeClr val="accent1"/>
+                </a:solidFill>
+              </a:rPr>
+              <a:t>Suggestions?</a:t>
+            </a:r>
+            <a:endParaRPr lang="en-US" dirty="0"/>
+          </a:p>
+        </p:txBody>
+      </p:sp>
+    </p:spTree>
+    <p:extLst>
+      <p:ext uri="{BB962C8B-B14F-4D97-AF65-F5344CB8AC3E}">
+        <p14:creationId xmlns:p14="http://schemas.microsoft.com/office/powerpoint/2010/main" val="3299076496"/>
+      </p:ext>
+    </p:extLst>
+  </p:cSld>
+  <p:clrMapOvr>
+    <a:masterClrMapping/>
+  </p:clrMapOvr>
+</p:sld>
+</file>
+
+<file path=ppt/slides/slide28.xml><?xml version="1.0" encoding="utf-8"?>
+<p:sld xmlns:a="http://schemas.openxmlformats.org/drawingml/2006/main" xmlns:r="http://schemas.openxmlformats.org/officeDocument/2006/relationships" xmlns:p="http://schemas.openxmlformats.org/presentationml/2006/main">
+  <p:cSld>
+    <p:spTree>
+      <p:nvGrpSpPr>
+        <p:cNvPr id="1" name=""/>
+        <p:cNvGrpSpPr/>
+        <p:nvPr/>
+      </p:nvGrpSpPr>
+      <p:grpSpPr>
+        <a:xfrm>
+          <a:off x="0" y="0"/>
+          <a:ext cx="0" cy="0"/>
+          <a:chOff x="0" y="0"/>
+          <a:chExt cx="0" cy="0"/>
+        </a:xfrm>
+      </p:grpSpPr>
+      <p:sp>
+        <p:nvSpPr>
           <p:cNvPr id="2" name="Title 1"/>
           <p:cNvSpPr>
             <a:spLocks noGrp="1"/>
@@ -15988,6 +16517,9 @@
             </a:r>
           </a:p>
           <a:p>
+            <a:endParaRPr lang="en-US" dirty="0"/>
+          </a:p>
+          <a:p>
             <a:pPr lvl="1"/>
             <a:r>
               <a:rPr lang="en-US" b="1" dirty="0"/>
@@ -15999,20 +16531,6 @@
             <a:r>
               <a:rPr lang="en-US" dirty="0"/>
               <a:t>Product Support</a:t>
-            </a:r>
-          </a:p>
-          <a:p>
-            <a:pPr lvl="1"/>
-            <a:r>
-              <a:rPr lang="en-US" dirty="0"/>
-              <a:t>Address</a:t>
-            </a:r>
-          </a:p>
-          <a:p>
-            <a:pPr lvl="1"/>
-            <a:r>
-              <a:rPr lang="en-US" dirty="0"/>
-              <a:t>Phone number</a:t>
             </a:r>
           </a:p>
           <a:p>
@@ -16086,7 +16604,7 @@
 </p:sld>
 </file>
 
-<file path=ppt/slides/slide28.xml><?xml version="1.0" encoding="utf-8"?>
+<file path=ppt/slides/slide29.xml><?xml version="1.0" encoding="utf-8"?>
 <p:sld xmlns:a="http://schemas.openxmlformats.org/drawingml/2006/main" xmlns:r="http://schemas.openxmlformats.org/officeDocument/2006/relationships" xmlns:p="http://schemas.openxmlformats.org/presentationml/2006/main" show="0">
   <p:cSld>
     <p:spTree>
@@ -16174,7 +16692,7 @@
           <p:nvPr/>
         </p:nvPicPr>
         <p:blipFill>
-          <a:blip r:embed="rId2"/>
+          <a:blip r:embed="rId3"/>
           <a:stretch>
             <a:fillRect/>
           </a:stretch>
@@ -16626,6 +17144,164 @@
 </file>
 
 <file path=ppt/slides/slide6.xml><?xml version="1.0" encoding="utf-8"?>
+<p:sld xmlns:a="http://schemas.openxmlformats.org/drawingml/2006/main" xmlns:r="http://schemas.openxmlformats.org/officeDocument/2006/relationships" xmlns:p="http://schemas.openxmlformats.org/presentationml/2006/main">
+  <p:cSld>
+    <p:spTree>
+      <p:nvGrpSpPr>
+        <p:cNvPr id="1" name=""/>
+        <p:cNvGrpSpPr/>
+        <p:nvPr/>
+      </p:nvGrpSpPr>
+      <p:grpSpPr>
+        <a:xfrm>
+          <a:off x="0" y="0"/>
+          <a:ext cx="0" cy="0"/>
+          <a:chOff x="0" y="0"/>
+          <a:chExt cx="0" cy="0"/>
+        </a:xfrm>
+      </p:grpSpPr>
+      <p:sp>
+        <p:nvSpPr>
+          <p:cNvPr id="4" name="Title 3"/>
+          <p:cNvSpPr>
+            <a:spLocks noGrp="1"/>
+          </p:cNvSpPr>
+          <p:nvPr>
+            <p:ph type="title"/>
+          </p:nvPr>
+        </p:nvSpPr>
+        <p:spPr>
+          <a:xfrm>
+            <a:off x="377541" y="640187"/>
+            <a:ext cx="11186476" cy="369332"/>
+          </a:xfrm>
+        </p:spPr>
+        <p:txBody>
+          <a:bodyPr/>
+          <a:lstStyle/>
+          <a:p>
+            <a:r>
+              <a:rPr lang="en-US" dirty="0"/>
+              <a:t>Why create?</a:t>
+            </a:r>
+          </a:p>
+        </p:txBody>
+      </p:sp>
+      <p:sp>
+        <p:nvSpPr>
+          <p:cNvPr id="2" name="TextBox 1">
+            <a:extLst>
+              <a:ext uri="{FF2B5EF4-FFF2-40B4-BE49-F238E27FC236}">
+                <a16:creationId xmlns:a16="http://schemas.microsoft.com/office/drawing/2014/main" id="{7CBB6549-D130-4FFA-B83E-201A29BCF3A2}"/>
+              </a:ext>
+            </a:extLst>
+          </p:cNvPr>
+          <p:cNvSpPr txBox="1"/>
+          <p:nvPr/>
+        </p:nvSpPr>
+        <p:spPr>
+          <a:xfrm>
+            <a:off x="2949787" y="1909823"/>
+            <a:ext cx="6041983" cy="861774"/>
+          </a:xfrm>
+          <a:prstGeom prst="rect">
+            <a:avLst/>
+          </a:prstGeom>
+          <a:noFill/>
+        </p:spPr>
+        <p:txBody>
+          <a:bodyPr wrap="square" lIns="0" tIns="0" rIns="0" bIns="0" rtlCol="0">
+            <a:spAutoFit/>
+          </a:bodyPr>
+          <a:lstStyle/>
+          <a:p>
+            <a:pPr fontAlgn="base">
+              <a:spcBef>
+                <a:spcPct val="50000"/>
+              </a:spcBef>
+              <a:spcAft>
+                <a:spcPct val="0"/>
+              </a:spcAft>
+              <a:buClr>
+                <a:srgbClr val="F0AB00"/>
+              </a:buClr>
+              <a:buSzPct val="80000"/>
+            </a:pPr>
+            <a:r>
+              <a:rPr lang="en-CA" sz="2800" b="1" kern="0" dirty="0">
+                <a:ea typeface="Arial Unicode MS" pitchFamily="34" charset="-128"/>
+                <a:cs typeface="Arial Unicode MS" pitchFamily="34" charset="-128"/>
+              </a:rPr>
+              <a:t>Any </a:t>
+            </a:r>
+            <a:r>
+              <a:rPr lang="en-CA" sz="2800" b="1" kern="0" dirty="0">
+                <a:highlight>
+                  <a:srgbClr val="FFFF00"/>
+                </a:highlight>
+                <a:ea typeface="Arial Unicode MS" pitchFamily="34" charset="-128"/>
+                <a:cs typeface="Arial Unicode MS" pitchFamily="34" charset="-128"/>
+              </a:rPr>
+              <a:t>existed</a:t>
+            </a:r>
+            <a:r>
+              <a:rPr lang="en-CA" sz="2800" b="1" kern="0" dirty="0">
+                <a:ea typeface="Arial Unicode MS" pitchFamily="34" charset="-128"/>
+                <a:cs typeface="Arial Unicode MS" pitchFamily="34" charset="-128"/>
+              </a:rPr>
+              <a:t> application/software can help us solve these problems?</a:t>
+            </a:r>
+            <a:endParaRPr lang="en-US" sz="2800" b="1" kern="0" dirty="0" err="1">
+              <a:ea typeface="Arial Unicode MS" pitchFamily="34" charset="-128"/>
+              <a:cs typeface="Arial Unicode MS" pitchFamily="34" charset="-128"/>
+            </a:endParaRPr>
+          </a:p>
+        </p:txBody>
+      </p:sp>
+      <p:pic>
+        <p:nvPicPr>
+          <p:cNvPr id="6" name="Picture 5">
+            <a:extLst>
+              <a:ext uri="{FF2B5EF4-FFF2-40B4-BE49-F238E27FC236}">
+                <a16:creationId xmlns:a16="http://schemas.microsoft.com/office/drawing/2014/main" id="{A389D963-99F7-4517-823E-EB57DFDF5338}"/>
+              </a:ext>
+            </a:extLst>
+          </p:cNvPr>
+          <p:cNvPicPr>
+            <a:picLocks noChangeAspect="1"/>
+          </p:cNvPicPr>
+          <p:nvPr/>
+        </p:nvPicPr>
+        <p:blipFill>
+          <a:blip r:embed="rId3"/>
+          <a:stretch>
+            <a:fillRect/>
+          </a:stretch>
+        </p:blipFill>
+        <p:spPr>
+          <a:xfrm>
+            <a:off x="3629929" y="2983395"/>
+            <a:ext cx="4368178" cy="2914629"/>
+          </a:xfrm>
+          <a:prstGeom prst="rect">
+            <a:avLst/>
+          </a:prstGeom>
+        </p:spPr>
+      </p:pic>
+    </p:spTree>
+    <p:extLst>
+      <p:ext uri="{BB962C8B-B14F-4D97-AF65-F5344CB8AC3E}">
+        <p14:creationId xmlns:p14="http://schemas.microsoft.com/office/powerpoint/2010/main" val="1674767194"/>
+      </p:ext>
+    </p:extLst>
+  </p:cSld>
+  <p:clrMapOvr>
+    <a:masterClrMapping/>
+  </p:clrMapOvr>
+</p:sld>
+</file>
+
+<file path=ppt/slides/slide7.xml><?xml version="1.0" encoding="utf-8"?>
 <p:sld xmlns:a="http://schemas.openxmlformats.org/drawingml/2006/main" xmlns:r="http://schemas.openxmlformats.org/officeDocument/2006/relationships" xmlns:p="http://schemas.openxmlformats.org/presentationml/2006/main">
   <p:cSld>
     <p:spTree>
@@ -16937,7 +17613,7 @@
 </p:sld>
 </file>
 
-<file path=ppt/slides/slide7.xml><?xml version="1.0" encoding="utf-8"?>
+<file path=ppt/slides/slide8.xml><?xml version="1.0" encoding="utf-8"?>
 <p:sld xmlns:a="http://schemas.openxmlformats.org/drawingml/2006/main" xmlns:r="http://schemas.openxmlformats.org/officeDocument/2006/relationships" xmlns:p="http://schemas.openxmlformats.org/presentationml/2006/main">
   <p:cSld>
     <p:spTree>
@@ -17215,7 +17891,7 @@
 </p:sld>
 </file>
 
-<file path=ppt/slides/slide8.xml><?xml version="1.0" encoding="utf-8"?>
+<file path=ppt/slides/slide9.xml><?xml version="1.0" encoding="utf-8"?>
 <p:sld xmlns:a="http://schemas.openxmlformats.org/drawingml/2006/main" xmlns:r="http://schemas.openxmlformats.org/officeDocument/2006/relationships" xmlns:p="http://schemas.openxmlformats.org/presentationml/2006/main">
   <p:cSld>
     <p:spTree>
@@ -17772,208 +18448,6 @@
     <p:extLst>
       <p:ext uri="{BB962C8B-B14F-4D97-AF65-F5344CB8AC3E}">
         <p14:creationId xmlns:p14="http://schemas.microsoft.com/office/powerpoint/2010/main" val="1729425866"/>
-      </p:ext>
-    </p:extLst>
-  </p:cSld>
-  <p:clrMapOvr>
-    <a:masterClrMapping/>
-  </p:clrMapOvr>
-</p:sld>
-</file>
-
-<file path=ppt/slides/slide9.xml><?xml version="1.0" encoding="utf-8"?>
-<p:sld xmlns:a="http://schemas.openxmlformats.org/drawingml/2006/main" xmlns:r="http://schemas.openxmlformats.org/officeDocument/2006/relationships" xmlns:p="http://schemas.openxmlformats.org/presentationml/2006/main">
-  <p:cSld>
-    <p:spTree>
-      <p:nvGrpSpPr>
-        <p:cNvPr id="1" name=""/>
-        <p:cNvGrpSpPr/>
-        <p:nvPr/>
-      </p:nvGrpSpPr>
-      <p:grpSpPr>
-        <a:xfrm>
-          <a:off x="0" y="0"/>
-          <a:ext cx="0" cy="0"/>
-          <a:chOff x="0" y="0"/>
-          <a:chExt cx="0" cy="0"/>
-        </a:xfrm>
-      </p:grpSpPr>
-      <p:sp>
-        <p:nvSpPr>
-          <p:cNvPr id="3" name="Title 2">
-            <a:extLst>
-              <a:ext uri="{FF2B5EF4-FFF2-40B4-BE49-F238E27FC236}">
-                <a16:creationId xmlns:a16="http://schemas.microsoft.com/office/drawing/2014/main" id="{59D512E6-AC34-4273-A4E1-9E3561AEDEC1}"/>
-              </a:ext>
-            </a:extLst>
-          </p:cNvPr>
-          <p:cNvSpPr>
-            <a:spLocks noGrp="1"/>
-          </p:cNvSpPr>
-          <p:nvPr>
-            <p:ph type="title"/>
-          </p:nvPr>
-        </p:nvSpPr>
-        <p:spPr/>
-        <p:txBody>
-          <a:bodyPr/>
-          <a:lstStyle/>
-          <a:p>
-            <a:r>
-              <a:rPr lang="en-US" dirty="0"/>
-              <a:t>There are some…</a:t>
-            </a:r>
-          </a:p>
-        </p:txBody>
-      </p:sp>
-      <p:pic>
-        <p:nvPicPr>
-          <p:cNvPr id="4" name="Picture 3">
-            <a:extLst>
-              <a:ext uri="{FF2B5EF4-FFF2-40B4-BE49-F238E27FC236}">
-                <a16:creationId xmlns:a16="http://schemas.microsoft.com/office/drawing/2014/main" id="{9DB90B46-C423-4A78-B4A8-6C46B0EDC598}"/>
-              </a:ext>
-            </a:extLst>
-          </p:cNvPr>
-          <p:cNvPicPr>
-            <a:picLocks noChangeAspect="1"/>
-          </p:cNvPicPr>
-          <p:nvPr/>
-        </p:nvPicPr>
-        <p:blipFill>
-          <a:blip r:embed="rId3"/>
-          <a:stretch>
-            <a:fillRect/>
-          </a:stretch>
-        </p:blipFill>
-        <p:spPr>
-          <a:xfrm>
-            <a:off x="504001" y="1536970"/>
-            <a:ext cx="8183010" cy="5972784"/>
-          </a:xfrm>
-          <a:prstGeom prst="rect">
-            <a:avLst/>
-          </a:prstGeom>
-        </p:spPr>
-      </p:pic>
-      <p:sp>
-        <p:nvSpPr>
-          <p:cNvPr id="5" name="TextBox 4">
-            <a:extLst>
-              <a:ext uri="{FF2B5EF4-FFF2-40B4-BE49-F238E27FC236}">
-                <a16:creationId xmlns:a16="http://schemas.microsoft.com/office/drawing/2014/main" id="{72F386AC-50B1-4D5A-9969-D8C60966F904}"/>
-              </a:ext>
-            </a:extLst>
-          </p:cNvPr>
-          <p:cNvSpPr txBox="1"/>
-          <p:nvPr/>
-        </p:nvSpPr>
-        <p:spPr>
-          <a:xfrm>
-            <a:off x="5825529" y="951156"/>
-            <a:ext cx="543418" cy="307777"/>
-          </a:xfrm>
-          <a:prstGeom prst="rect">
-            <a:avLst/>
-          </a:prstGeom>
-          <a:noFill/>
-        </p:spPr>
-        <p:txBody>
-          <a:bodyPr wrap="none" lIns="0" tIns="0" rIns="0" bIns="0" rtlCol="0">
-            <a:spAutoFit/>
-          </a:bodyPr>
-          <a:lstStyle/>
-          <a:p>
-            <a:pPr fontAlgn="base">
-              <a:spcBef>
-                <a:spcPct val="50000"/>
-              </a:spcBef>
-              <a:spcAft>
-                <a:spcPct val="0"/>
-              </a:spcAft>
-              <a:buClr>
-                <a:srgbClr val="F0AB00"/>
-              </a:buClr>
-              <a:buSzPct val="80000"/>
-            </a:pPr>
-            <a:r>
-              <a:rPr lang="en-US" sz="2000" b="1" kern="0" dirty="0">
-                <a:ea typeface="Arial Unicode MS" pitchFamily="34" charset="-128"/>
-                <a:cs typeface="Arial Unicode MS" pitchFamily="34" charset="-128"/>
-              </a:rPr>
-              <a:t>BCP</a:t>
-            </a:r>
-          </a:p>
-        </p:txBody>
-      </p:sp>
-      <p:sp>
-        <p:nvSpPr>
-          <p:cNvPr id="6" name="TextBox 5">
-            <a:extLst>
-              <a:ext uri="{FF2B5EF4-FFF2-40B4-BE49-F238E27FC236}">
-                <a16:creationId xmlns:a16="http://schemas.microsoft.com/office/drawing/2014/main" id="{4A67CE65-E814-4D22-BB4C-1677A8B052B4}"/>
-              </a:ext>
-            </a:extLst>
-          </p:cNvPr>
-          <p:cNvSpPr txBox="1"/>
-          <p:nvPr/>
-        </p:nvSpPr>
-        <p:spPr>
-          <a:xfrm>
-            <a:off x="9260731" y="3414409"/>
-            <a:ext cx="2136803" cy="369332"/>
-          </a:xfrm>
-          <a:prstGeom prst="rect">
-            <a:avLst/>
-          </a:prstGeom>
-          <a:noFill/>
-        </p:spPr>
-        <p:txBody>
-          <a:bodyPr wrap="none" lIns="0" tIns="0" rIns="0" bIns="0" rtlCol="0">
-            <a:spAutoFit/>
-          </a:bodyPr>
-          <a:lstStyle/>
-          <a:p>
-            <a:pPr fontAlgn="base">
-              <a:spcBef>
-                <a:spcPct val="50000"/>
-              </a:spcBef>
-              <a:spcAft>
-                <a:spcPct val="0"/>
-              </a:spcAft>
-              <a:buClr>
-                <a:srgbClr val="F0AB00"/>
-              </a:buClr>
-              <a:buSzPct val="80000"/>
-            </a:pPr>
-            <a:r>
-              <a:rPr lang="en-US" sz="2400" kern="0" dirty="0">
-                <a:ea typeface="Arial Unicode MS" pitchFamily="34" charset="-128"/>
-                <a:cs typeface="Arial Unicode MS" pitchFamily="34" charset="-128"/>
-              </a:rPr>
-              <a:t>Cannot </a:t>
-            </a:r>
-            <a:r>
-              <a:rPr lang="en-US" sz="2400" b="1" kern="0" dirty="0">
-                <a:ea typeface="Arial Unicode MS" pitchFamily="34" charset="-128"/>
-                <a:cs typeface="Arial Unicode MS" pitchFamily="34" charset="-128"/>
-              </a:rPr>
-              <a:t>Count</a:t>
-            </a:r>
-            <a:r>
-              <a:rPr lang="en-US" sz="2400" kern="0" dirty="0">
-                <a:ea typeface="Arial Unicode MS" pitchFamily="34" charset="-128"/>
-                <a:cs typeface="Arial Unicode MS" pitchFamily="34" charset="-128"/>
-              </a:rPr>
-              <a:t>! </a:t>
-            </a:r>
-          </a:p>
-        </p:txBody>
-      </p:sp>
-    </p:spTree>
-    <p:extLst>
-      <p:ext uri="{BB962C8B-B14F-4D97-AF65-F5344CB8AC3E}">
-        <p14:creationId xmlns:p14="http://schemas.microsoft.com/office/powerpoint/2010/main" val="1387238931"/>
       </p:ext>
     </p:extLst>
   </p:cSld>

--- a/SAP_2017_16x9_black_and_white.pptx
+++ b/SAP_2017_16x9_black_and_white.pptx
@@ -12398,7 +12398,7 @@
         <p:spPr>
           <a:xfrm>
             <a:off x="9260731" y="3414409"/>
-            <a:ext cx="2136803" cy="369332"/>
+            <a:ext cx="2345194" cy="923330"/>
           </a:xfrm>
           <a:prstGeom prst="rect">
             <a:avLst/>
@@ -12428,14 +12428,28 @@
                 <a:ea typeface="Arial Unicode MS" pitchFamily="34" charset="-128"/>
                 <a:cs typeface="Arial Unicode MS" pitchFamily="34" charset="-128"/>
               </a:rPr>
-              <a:t>Cannot </a:t>
-            </a:r>
+              <a:t>Not designed for </a:t>
+            </a:r>
+          </a:p>
+          <a:p>
+            <a:pPr fontAlgn="base">
+              <a:spcBef>
+                <a:spcPct val="50000"/>
+              </a:spcBef>
+              <a:spcAft>
+                <a:spcPct val="0"/>
+              </a:spcAft>
+              <a:buClr>
+                <a:srgbClr val="F0AB00"/>
+              </a:buClr>
+              <a:buSzPct val="80000"/>
+            </a:pPr>
             <a:r>
               <a:rPr lang="en-US" sz="2400" b="1" kern="0" dirty="0">
                 <a:ea typeface="Arial Unicode MS" pitchFamily="34" charset="-128"/>
                 <a:cs typeface="Arial Unicode MS" pitchFamily="34" charset="-128"/>
               </a:rPr>
-              <a:t>Count</a:t>
+              <a:t>Counting</a:t>
             </a:r>
             <a:r>
               <a:rPr lang="en-US" sz="2400" kern="0" dirty="0">
@@ -15146,7 +15160,7 @@
 </file>
 
 <file path=ppt/slides/slide18.xml><?xml version="1.0" encoding="utf-8"?>
-<p:sld xmlns:a="http://schemas.openxmlformats.org/drawingml/2006/main" xmlns:r="http://schemas.openxmlformats.org/officeDocument/2006/relationships" xmlns:p="http://schemas.openxmlformats.org/presentationml/2006/main">
+<p:sld xmlns:a="http://schemas.openxmlformats.org/drawingml/2006/main" xmlns:r="http://schemas.openxmlformats.org/officeDocument/2006/relationships" xmlns:p="http://schemas.openxmlformats.org/presentationml/2006/main" show="0">
   <p:cSld>
     <p:spTree>
       <p:nvGrpSpPr>
@@ -15265,7 +15279,7 @@
 </file>
 
 <file path=ppt/slides/slide19.xml><?xml version="1.0" encoding="utf-8"?>
-<p:sld xmlns:a="http://schemas.openxmlformats.org/drawingml/2006/main" xmlns:r="http://schemas.openxmlformats.org/officeDocument/2006/relationships" xmlns:p="http://schemas.openxmlformats.org/presentationml/2006/main">
+<p:sld xmlns:a="http://schemas.openxmlformats.org/drawingml/2006/main" xmlns:r="http://schemas.openxmlformats.org/officeDocument/2006/relationships" xmlns:p="http://schemas.openxmlformats.org/presentationml/2006/main" show="0">
   <p:cSld>
     <p:spTree>
       <p:nvGrpSpPr>
@@ -15499,7 +15513,7 @@
 </file>
 
 <file path=ppt/slides/slide20.xml><?xml version="1.0" encoding="utf-8"?>
-<p:sld xmlns:a="http://schemas.openxmlformats.org/drawingml/2006/main" xmlns:r="http://schemas.openxmlformats.org/officeDocument/2006/relationships" xmlns:p="http://schemas.openxmlformats.org/presentationml/2006/main">
+<p:sld xmlns:a="http://schemas.openxmlformats.org/drawingml/2006/main" xmlns:r="http://schemas.openxmlformats.org/officeDocument/2006/relationships" xmlns:p="http://schemas.openxmlformats.org/presentationml/2006/main" show="0">
   <p:cSld>
     <p:spTree>
       <p:nvGrpSpPr>
@@ -15618,7 +15632,7 @@
 </file>
 
 <file path=ppt/slides/slide21.xml><?xml version="1.0" encoding="utf-8"?>
-<p:sld xmlns:a="http://schemas.openxmlformats.org/drawingml/2006/main" xmlns:r="http://schemas.openxmlformats.org/officeDocument/2006/relationships" xmlns:p="http://schemas.openxmlformats.org/presentationml/2006/main">
+<p:sld xmlns:a="http://schemas.openxmlformats.org/drawingml/2006/main" xmlns:r="http://schemas.openxmlformats.org/officeDocument/2006/relationships" xmlns:p="http://schemas.openxmlformats.org/presentationml/2006/main" show="0">
   <p:cSld>
     <p:spTree>
       <p:nvGrpSpPr>
@@ -17892,7 +17906,7 @@
 </file>
 
 <file path=ppt/slides/slide9.xml><?xml version="1.0" encoding="utf-8"?>
-<p:sld xmlns:a="http://schemas.openxmlformats.org/drawingml/2006/main" xmlns:r="http://schemas.openxmlformats.org/officeDocument/2006/relationships" xmlns:p="http://schemas.openxmlformats.org/presentationml/2006/main">
+<p:sld xmlns:a="http://schemas.openxmlformats.org/drawingml/2006/main" xmlns:r="http://schemas.openxmlformats.org/officeDocument/2006/relationships" xmlns:p="http://schemas.openxmlformats.org/presentationml/2006/main" show="0">
   <p:cSld>
     <p:spTree>
       <p:nvGrpSpPr>

--- a/SAP_2017_16x9_black_and_white.pptx
+++ b/SAP_2017_16x9_black_and_white.pptx
@@ -728,6 +728,91 @@
       </p:grpSpPr>
       <p:sp>
         <p:nvSpPr>
+          <p:cNvPr id="2" name="Slide Image Placeholder 1"/>
+          <p:cNvSpPr>
+            <a:spLocks noGrp="1" noRot="1" noChangeAspect="1"/>
+          </p:cNvSpPr>
+          <p:nvPr>
+            <p:ph type="sldImg"/>
+          </p:nvPr>
+        </p:nvSpPr>
+        <p:spPr/>
+      </p:sp>
+      <p:sp>
+        <p:nvSpPr>
+          <p:cNvPr id="3" name="Notes Placeholder 2"/>
+          <p:cNvSpPr>
+            <a:spLocks noGrp="1"/>
+          </p:cNvSpPr>
+          <p:nvPr>
+            <p:ph type="body" idx="1"/>
+          </p:nvPr>
+        </p:nvSpPr>
+        <p:spPr/>
+        <p:txBody>
+          <a:bodyPr/>
+          <a:lstStyle/>
+          <a:p>
+            <a:endParaRPr lang="en-US" dirty="0"/>
+          </a:p>
+        </p:txBody>
+      </p:sp>
+      <p:sp>
+        <p:nvSpPr>
+          <p:cNvPr id="4" name="Slide Number Placeholder 3"/>
+          <p:cNvSpPr>
+            <a:spLocks noGrp="1"/>
+          </p:cNvSpPr>
+          <p:nvPr>
+            <p:ph type="sldNum" sz="quarter" idx="10"/>
+          </p:nvPr>
+        </p:nvSpPr>
+        <p:spPr/>
+        <p:txBody>
+          <a:bodyPr/>
+          <a:lstStyle/>
+          <a:p>
+            <a:fld id="{7D8C2C35-2B8A-446E-BEC0-FD36716C29AC}" type="slidenum">
+              <a:rPr lang="de-DE" smtClean="0"/>
+              <a:pPr/>
+              <a:t>12</a:t>
+            </a:fld>
+            <a:endParaRPr lang="de-DE" dirty="0"/>
+          </a:p>
+        </p:txBody>
+      </p:sp>
+    </p:spTree>
+    <p:extLst>
+      <p:ext uri="{BB962C8B-B14F-4D97-AF65-F5344CB8AC3E}">
+        <p14:creationId xmlns:p14="http://schemas.microsoft.com/office/powerpoint/2010/main" val="1401076059"/>
+      </p:ext>
+    </p:extLst>
+  </p:cSld>
+  <p:clrMapOvr>
+    <a:masterClrMapping/>
+  </p:clrMapOvr>
+</p:notes>
+</file>
+
+<file path=ppt/notesSlides/notesSlide11.xml><?xml version="1.0" encoding="utf-8"?>
+<p:notes xmlns:a="http://schemas.openxmlformats.org/drawingml/2006/main" xmlns:r="http://schemas.openxmlformats.org/officeDocument/2006/relationships" xmlns:p="http://schemas.openxmlformats.org/presentationml/2006/main">
+  <p:cSld>
+    <p:spTree>
+      <p:nvGrpSpPr>
+        <p:cNvPr id="1" name=""/>
+        <p:cNvGrpSpPr/>
+        <p:nvPr/>
+      </p:nvGrpSpPr>
+      <p:grpSpPr>
+        <a:xfrm>
+          <a:off x="0" y="0"/>
+          <a:ext cx="0" cy="0"/>
+          <a:chOff x="0" y="0"/>
+          <a:chExt cx="0" cy="0"/>
+        </a:xfrm>
+      </p:grpSpPr>
+      <p:sp>
+        <p:nvSpPr>
           <p:cNvPr id="4" name="Slide Number Placeholder 3"/>
           <p:cNvSpPr>
             <a:spLocks noGrp="1"/>
@@ -1399,7 +1484,7 @@
           <a:p>
             <a:r>
               <a:rPr lang="en-US" dirty="0"/>
-              <a:t>Then bring to the next chapter</a:t>
+              <a:t>So I developed the tool for the team which has multiple components, such as our team</a:t>
             </a:r>
           </a:p>
         </p:txBody>
@@ -1422,7 +1507,7 @@
             <a:fld id="{7D8C2C35-2B8A-446E-BEC0-FD36716C29AC}" type="slidenum">
               <a:rPr lang="de-DE" smtClean="0"/>
               <a:pPr/>
-              <a:t>11</a:t>
+              <a:t>9</a:t>
             </a:fld>
             <a:endParaRPr lang="de-DE" dirty="0"/>
           </a:p>
@@ -1431,7 +1516,7 @@
     </p:spTree>
     <p:extLst>
       <p:ext uri="{BB962C8B-B14F-4D97-AF65-F5344CB8AC3E}">
-        <p14:creationId xmlns:p14="http://schemas.microsoft.com/office/powerpoint/2010/main" val="1990883211"/>
+        <p14:creationId xmlns:p14="http://schemas.microsoft.com/office/powerpoint/2010/main" val="1546739270"/>
       </p:ext>
     </p:extLst>
   </p:cSld>
@@ -1485,7 +1570,10 @@
           <a:bodyPr/>
           <a:lstStyle/>
           <a:p>
-            <a:endParaRPr lang="en-US" dirty="0"/>
+            <a:r>
+              <a:rPr lang="en-US" dirty="0"/>
+              <a:t>Then bring to the next chapter</a:t>
+            </a:r>
           </a:p>
         </p:txBody>
       </p:sp>
@@ -1507,7 +1595,7 @@
             <a:fld id="{7D8C2C35-2B8A-446E-BEC0-FD36716C29AC}" type="slidenum">
               <a:rPr lang="de-DE" smtClean="0"/>
               <a:pPr/>
-              <a:t>12</a:t>
+              <a:t>11</a:t>
             </a:fld>
             <a:endParaRPr lang="de-DE" dirty="0"/>
           </a:p>
@@ -1516,7 +1604,7 @@
     </p:spTree>
     <p:extLst>
       <p:ext uri="{BB962C8B-B14F-4D97-AF65-F5344CB8AC3E}">
-        <p14:creationId xmlns:p14="http://schemas.microsoft.com/office/powerpoint/2010/main" val="1401076059"/>
+        <p14:creationId xmlns:p14="http://schemas.microsoft.com/office/powerpoint/2010/main" val="1990883211"/>
       </p:ext>
     </p:extLst>
   </p:cSld>
@@ -9106,7 +9194,7 @@
           <a:p>
             <a:r>
               <a:rPr lang="en-US" dirty="0"/>
-              <a:t>Queue Manager Web</a:t>
+              <a:t>QM Cloud Dispatcher</a:t>
             </a:r>
             <a:br>
               <a:rPr lang="en-US" dirty="0"/>
@@ -12856,8 +12944,8 @@
             </a:prstGeom>
           </p:spPr>
         </p:pic>
-        <mc:AlternateContent xmlns:mc="http://schemas.openxmlformats.org/markup-compatibility/2006">
-          <mc:Choice xmlns:p14="http://schemas.microsoft.com/office/powerpoint/2010/main" Requires="p14">
+        <mc:AlternateContent xmlns:mc="http://schemas.openxmlformats.org/markup-compatibility/2006" xmlns:p14="http://schemas.microsoft.com/office/powerpoint/2010/main">
+          <mc:Choice Requires="p14">
             <p:contentPart p14:bwMode="auto" r:id="rId3">
               <p14:nvContentPartPr>
                 <p14:cNvPr id="11" name="Ink 10">
@@ -12876,7 +12964,7 @@
               </p14:xfrm>
             </p:contentPart>
           </mc:Choice>
-          <mc:Fallback>
+          <mc:Fallback xmlns="">
             <p:pic>
               <p:nvPicPr>
                 <p:cNvPr id="11" name="Ink 10">
@@ -12907,8 +12995,8 @@
             </p:pic>
           </mc:Fallback>
         </mc:AlternateContent>
-        <mc:AlternateContent xmlns:mc="http://schemas.openxmlformats.org/markup-compatibility/2006">
-          <mc:Choice xmlns:p14="http://schemas.microsoft.com/office/powerpoint/2010/main" Requires="p14">
+        <mc:AlternateContent xmlns:mc="http://schemas.openxmlformats.org/markup-compatibility/2006" xmlns:p14="http://schemas.microsoft.com/office/powerpoint/2010/main">
+          <mc:Choice Requires="p14">
             <p:contentPart p14:bwMode="auto" r:id="rId5">
               <p14:nvContentPartPr>
                 <p14:cNvPr id="12" name="Ink 11">
@@ -12927,7 +13015,7 @@
               </p14:xfrm>
             </p:contentPart>
           </mc:Choice>
-          <mc:Fallback>
+          <mc:Fallback xmlns="">
             <p:pic>
               <p:nvPicPr>
                 <p:cNvPr id="12" name="Ink 11">
@@ -12958,8 +13046,8 @@
             </p:pic>
           </mc:Fallback>
         </mc:AlternateContent>
-        <mc:AlternateContent xmlns:mc="http://schemas.openxmlformats.org/markup-compatibility/2006">
-          <mc:Choice xmlns:p14="http://schemas.microsoft.com/office/powerpoint/2010/main" Requires="p14">
+        <mc:AlternateContent xmlns:mc="http://schemas.openxmlformats.org/markup-compatibility/2006" xmlns:p14="http://schemas.microsoft.com/office/powerpoint/2010/main">
+          <mc:Choice Requires="p14">
             <p:contentPart p14:bwMode="auto" r:id="rId7">
               <p14:nvContentPartPr>
                 <p14:cNvPr id="13" name="Ink 12">
@@ -12978,7 +13066,7 @@
               </p14:xfrm>
             </p:contentPart>
           </mc:Choice>
-          <mc:Fallback>
+          <mc:Fallback xmlns="">
             <p:pic>
               <p:nvPicPr>
                 <p:cNvPr id="13" name="Ink 12">
@@ -13661,9 +13749,9 @@
         </p:nvGrpSpPr>
         <p:grpSpPr>
           <a:xfrm>
-            <a:off x="3243673" y="4168838"/>
-            <a:ext cx="5707129" cy="914400"/>
-            <a:chOff x="3243673" y="4168838"/>
+            <a:off x="3653444" y="4102308"/>
+            <a:ext cx="4887590" cy="1295791"/>
+            <a:chOff x="3243673" y="4244798"/>
             <a:chExt cx="5707129" cy="914400"/>
           </a:xfrm>
         </p:grpSpPr>
@@ -13681,7 +13769,7 @@
           </p:nvSpPr>
           <p:spPr bwMode="gray">
             <a:xfrm>
-              <a:off x="3243673" y="4168838"/>
+              <a:off x="3243673" y="4244798"/>
               <a:ext cx="5707129" cy="914400"/>
             </a:xfrm>
             <a:prstGeom prst="roundRect">
@@ -13745,7 +13833,7 @@
           <p:spPr>
             <a:xfrm>
               <a:off x="3478733" y="4441372"/>
-              <a:ext cx="5237011" cy="369332"/>
+              <a:ext cx="5186179" cy="521253"/>
             </a:xfrm>
             <a:prstGeom prst="rect">
               <a:avLst/>
@@ -13753,7 +13841,7 @@
             <a:noFill/>
           </p:spPr>
           <p:txBody>
-            <a:bodyPr wrap="none" lIns="0" tIns="0" rIns="0" bIns="0" rtlCol="0">
+            <a:bodyPr wrap="square" lIns="0" tIns="0" rIns="0" bIns="0" rtlCol="0">
               <a:spAutoFit/>
             </a:bodyPr>
             <a:lstStyle/>
@@ -13789,7 +13877,7 @@
                   <a:ea typeface="Arial Unicode MS" pitchFamily="34" charset="-128"/>
                   <a:cs typeface="Arial Unicode MS" pitchFamily="34" charset="-128"/>
                 </a:rPr>
-                <a:t> design for dispatching…</a:t>
+                <a:t> design for multiple components dispatching…</a:t>
               </a:r>
             </a:p>
           </p:txBody>

--- a/SAP_2017_16x9_black_and_white.pptx
+++ b/SAP_2017_16x9_black_and_white.pptx
@@ -5,10 +5,10 @@
     <p:sldMasterId id="2147483733" r:id="rId1"/>
   </p:sldMasterIdLst>
   <p:notesMasterIdLst>
-    <p:notesMasterId r:id="rId17"/>
+    <p:notesMasterId r:id="rId18"/>
   </p:notesMasterIdLst>
   <p:handoutMasterIdLst>
-    <p:handoutMasterId r:id="rId18"/>
+    <p:handoutMasterId r:id="rId19"/>
   </p:handoutMasterIdLst>
   <p:sldIdLst>
     <p:sldId id="434" r:id="rId2"/>
@@ -17,15 +17,16 @@
     <p:sldId id="464" r:id="rId5"/>
     <p:sldId id="465" r:id="rId6"/>
     <p:sldId id="466" r:id="rId7"/>
-    <p:sldId id="463" r:id="rId8"/>
-    <p:sldId id="437" r:id="rId9"/>
-    <p:sldId id="443" r:id="rId10"/>
-    <p:sldId id="452" r:id="rId11"/>
-    <p:sldId id="430" r:id="rId12"/>
-    <p:sldId id="374" r:id="rId13"/>
-    <p:sldId id="453" r:id="rId14"/>
-    <p:sldId id="413" r:id="rId15"/>
-    <p:sldId id="265" r:id="rId16"/>
+    <p:sldId id="467" r:id="rId8"/>
+    <p:sldId id="463" r:id="rId9"/>
+    <p:sldId id="437" r:id="rId10"/>
+    <p:sldId id="443" r:id="rId11"/>
+    <p:sldId id="452" r:id="rId12"/>
+    <p:sldId id="430" r:id="rId13"/>
+    <p:sldId id="374" r:id="rId14"/>
+    <p:sldId id="453" r:id="rId15"/>
+    <p:sldId id="413" r:id="rId16"/>
+    <p:sldId id="265" r:id="rId17"/>
   </p:sldIdLst>
   <p:sldSz cx="12195175" cy="6858000"/>
   <p:notesSz cx="6858000" cy="9144000"/>
@@ -362,6 +363,64 @@
 </inkml:ink>
 </file>
 
+<file path=ppt/ink/ink4.xml><?xml version="1.0" encoding="utf-8"?>
+<inkml:ink xmlns:inkml="http://www.w3.org/2003/InkML">
+  <inkml:definitions>
+    <inkml:context xml:id="ctx0">
+      <inkml:inkSource xml:id="inkSrc0">
+        <inkml:traceFormat>
+          <inkml:channel name="X" type="integer" min="-2.14748E9" max="2.14748E9" units="cm"/>
+          <inkml:channel name="Y" type="integer" min="-2.14748E9" max="2.14748E9" units="cm"/>
+        </inkml:traceFormat>
+        <inkml:channelProperties>
+          <inkml:channelProperty channel="X" name="resolution" value="1000" units="1/cm"/>
+          <inkml:channelProperty channel="Y" name="resolution" value="1000" units="1/cm"/>
+        </inkml:channelProperties>
+      </inkml:inkSource>
+      <inkml:timestamp xml:id="ts0" timeString="2017-10-24T16:53:54.211"/>
+    </inkml:context>
+    <inkml:brush xml:id="br0">
+      <inkml:brushProperty name="width" value="0.16" units="cm"/>
+      <inkml:brushProperty name="height" value="0.32" units="cm"/>
+      <inkml:brushProperty name="color" value="#FFFF00"/>
+      <inkml:brushProperty name="tip" value="rectangle"/>
+      <inkml:brushProperty name="rasterOp" value="maskPen"/>
+      <inkml:brushProperty name="ignorePressure" value="1"/>
+    </inkml:brush>
+  </inkml:definitions>
+  <inkml:trace contextRef="#ctx0" brushRef="#br0">5065 1674,'0'-6,"6"0,10 0,10 0,4 3,14 0,12 2,20 0,1 1,8 1,5-1,-7 0,-3 0,-10 0,-7 0,-3 0,-6 0,-4 0,2 0,-4 0,0 0,3 6,13 1,11-1,8 4,0 1,8 3,7 0,3-4,-5-2,-3 2,-4-1,-4-1,-8-3,-1-2,-4 4,-3 1,-3-2,-3-1,4-2,10-1,3 0,3-2,9 0,3-1,1 6,0 2,-11-2,-5 1,-6-3,-10 0,-1-2,5-1,-5 0,4 0,4 0,1 0,4-1,9 1,7 0,1 0,2 0,-11 0,-4 0,-6 0,-9 0,-12 0,2 0,10 0,11 0,19 0,18 0,10 0,5 0,-9 0,-19 0,-22 0,-9 0,10 0,12-5,26-2,9-5,-1 0,-8-3,-17 1,-21 2,-9-6,-11-1,6 4,1-2,0 2,-1 5,-1 3,-7 3,-7 2,-8 1,-5 1,-4 1,-3 0,0 0,-1-1,-6-5,-1-2,6 1,14 1,4 1,6 2,-2 0,-4 2,-5 0,-9-5,-20-2,-17 2,-19-1,-20 8,-19 2,-13 2,-14-1,-13-2,6 5,-2 0,3-1,10-1,11-2,-4-2,8-1,0-1,-3 0,-15 0,3-1,-6 1,-6-1,-3 1,1 0,-4 0,11 0,12 0,8 0,7 0,4 0,3 0,-10 0,-13 0,-24 0,-14 0,-13 0,-9 0,9 0,12 0,16 0,16 0,18 0,15 0,8 0,-10-4,-9-4,-20 2,-30 0,-17 3,-15 1,-4 0,4 2,17 0,20 0,20 0,19 1,9-1,8 0,4 0,-5 0,-3 0,-11 0,-15 0,-3 0,-1 0,-7 0,-7 0,4 0,-2 0,2 0,7 0,9 0,13 0,10 0,-7 0,-1 0,-20 6,-11 0,-8 0,-12 0,-5-2,6-2,21-1,15 0,17-1,15-1,15 1</inkml:trace>
+</inkml:ink>
+</file>
+
+<file path=ppt/ink/ink5.xml><?xml version="1.0" encoding="utf-8"?>
+<inkml:ink xmlns:inkml="http://www.w3.org/2003/InkML">
+  <inkml:definitions>
+    <inkml:context xml:id="ctx0">
+      <inkml:inkSource xml:id="inkSrc0">
+        <inkml:traceFormat>
+          <inkml:channel name="X" type="integer" min="-2.14748E9" max="2.14748E9" units="cm"/>
+          <inkml:channel name="Y" type="integer" min="-2.14748E9" max="2.14748E9" units="cm"/>
+        </inkml:traceFormat>
+        <inkml:channelProperties>
+          <inkml:channelProperty channel="X" name="resolution" value="1000" units="1/cm"/>
+          <inkml:channelProperty channel="Y" name="resolution" value="1000" units="1/cm"/>
+        </inkml:channelProperties>
+      </inkml:inkSource>
+      <inkml:timestamp xml:id="ts0" timeString="2017-10-24T16:53:59.378"/>
+    </inkml:context>
+    <inkml:brush xml:id="br0">
+      <inkml:brushProperty name="width" value="0.16" units="cm"/>
+      <inkml:brushProperty name="height" value="0.32" units="cm"/>
+      <inkml:brushProperty name="color" value="#FFFF00"/>
+      <inkml:brushProperty name="tip" value="rectangle"/>
+      <inkml:brushProperty name="rasterOp" value="maskPen"/>
+      <inkml:brushProperty name="ignorePressure" value="1"/>
+    </inkml:brush>
+  </inkml:definitions>
+  <inkml:trace contextRef="#ctx0" brushRef="#br0">6411 2005,'6'0,"6"0,6 0,11 0,5 0,2 0,1-5,-2-2,4-4,5-1,7 1,8 3,6 4,1 0,-10-1,-9-2,-8 0,-6 2,-2 2,-3 2,0-1,1 2,-1 0,2 1,-1-1,6 0,2 1,5-1,5 0,1 0,-4 0,-3 0,-4 0,-4 0,-1 0,-6 10,-19 8,-15 2,-16 3,-10-4,-4 1,-5-3,-7 1,1-3,-2 1,3-2,4-3,5-4,3-3,-1-2,-1-2,1 0,3-1,0 1,3 0,0-1,1 1,0-1,0 1,0 0,0 0,0 0,0 0,0 0,-6 0,-1 0,-4 0,-7 0,0 0,9 0</inkml:trace>
+</inkml:ink>
+</file>
+
 <file path=ppt/notesMasters/notesMaster1.xml><?xml version="1.0" encoding="utf-8"?>
 <p:notesMaster xmlns:a="http://schemas.openxmlformats.org/drawingml/2006/main" xmlns:r="http://schemas.openxmlformats.org/officeDocument/2006/relationships" xmlns:p="http://schemas.openxmlformats.org/presentationml/2006/main">
   <p:cSld>
@@ -753,7 +812,10 @@
           <a:bodyPr/>
           <a:lstStyle/>
           <a:p>
-            <a:endParaRPr lang="en-US" dirty="0"/>
+            <a:r>
+              <a:rPr lang="en-US" dirty="0"/>
+              <a:t>Then bring to the next chapter</a:t>
+            </a:r>
           </a:p>
         </p:txBody>
       </p:sp>
@@ -784,6 +846,91 @@
     </p:spTree>
     <p:extLst>
       <p:ext uri="{BB962C8B-B14F-4D97-AF65-F5344CB8AC3E}">
+        <p14:creationId xmlns:p14="http://schemas.microsoft.com/office/powerpoint/2010/main" val="1990883211"/>
+      </p:ext>
+    </p:extLst>
+  </p:cSld>
+  <p:clrMapOvr>
+    <a:masterClrMapping/>
+  </p:clrMapOvr>
+</p:notes>
+</file>
+
+<file path=ppt/notesSlides/notesSlide11.xml><?xml version="1.0" encoding="utf-8"?>
+<p:notes xmlns:a="http://schemas.openxmlformats.org/drawingml/2006/main" xmlns:r="http://schemas.openxmlformats.org/officeDocument/2006/relationships" xmlns:p="http://schemas.openxmlformats.org/presentationml/2006/main">
+  <p:cSld>
+    <p:spTree>
+      <p:nvGrpSpPr>
+        <p:cNvPr id="1" name=""/>
+        <p:cNvGrpSpPr/>
+        <p:nvPr/>
+      </p:nvGrpSpPr>
+      <p:grpSpPr>
+        <a:xfrm>
+          <a:off x="0" y="0"/>
+          <a:ext cx="0" cy="0"/>
+          <a:chOff x="0" y="0"/>
+          <a:chExt cx="0" cy="0"/>
+        </a:xfrm>
+      </p:grpSpPr>
+      <p:sp>
+        <p:nvSpPr>
+          <p:cNvPr id="2" name="Slide Image Placeholder 1"/>
+          <p:cNvSpPr>
+            <a:spLocks noGrp="1" noRot="1" noChangeAspect="1"/>
+          </p:cNvSpPr>
+          <p:nvPr>
+            <p:ph type="sldImg"/>
+          </p:nvPr>
+        </p:nvSpPr>
+        <p:spPr/>
+      </p:sp>
+      <p:sp>
+        <p:nvSpPr>
+          <p:cNvPr id="3" name="Notes Placeholder 2"/>
+          <p:cNvSpPr>
+            <a:spLocks noGrp="1"/>
+          </p:cNvSpPr>
+          <p:nvPr>
+            <p:ph type="body" idx="1"/>
+          </p:nvPr>
+        </p:nvSpPr>
+        <p:spPr/>
+        <p:txBody>
+          <a:bodyPr/>
+          <a:lstStyle/>
+          <a:p>
+            <a:endParaRPr lang="en-US" dirty="0"/>
+          </a:p>
+        </p:txBody>
+      </p:sp>
+      <p:sp>
+        <p:nvSpPr>
+          <p:cNvPr id="4" name="Slide Number Placeholder 3"/>
+          <p:cNvSpPr>
+            <a:spLocks noGrp="1"/>
+          </p:cNvSpPr>
+          <p:nvPr>
+            <p:ph type="sldNum" sz="quarter" idx="10"/>
+          </p:nvPr>
+        </p:nvSpPr>
+        <p:spPr/>
+        <p:txBody>
+          <a:bodyPr/>
+          <a:lstStyle/>
+          <a:p>
+            <a:fld id="{7D8C2C35-2B8A-446E-BEC0-FD36716C29AC}" type="slidenum">
+              <a:rPr lang="de-DE" smtClean="0"/>
+              <a:pPr/>
+              <a:t>13</a:t>
+            </a:fld>
+            <a:endParaRPr lang="de-DE" dirty="0"/>
+          </a:p>
+        </p:txBody>
+      </p:sp>
+    </p:spTree>
+    <p:extLst>
+      <p:ext uri="{BB962C8B-B14F-4D97-AF65-F5344CB8AC3E}">
         <p14:creationId xmlns:p14="http://schemas.microsoft.com/office/powerpoint/2010/main" val="1401076059"/>
       </p:ext>
     </p:extLst>
@@ -794,7 +941,7 @@
 </p:notes>
 </file>
 
-<file path=ppt/notesSlides/notesSlide11.xml><?xml version="1.0" encoding="utf-8"?>
+<file path=ppt/notesSlides/notesSlide12.xml><?xml version="1.0" encoding="utf-8"?>
 <p:notes xmlns:a="http://schemas.openxmlformats.org/drawingml/2006/main" xmlns:r="http://schemas.openxmlformats.org/officeDocument/2006/relationships" xmlns:p="http://schemas.openxmlformats.org/presentationml/2006/main">
   <p:cSld>
     <p:spTree>
@@ -829,7 +976,7 @@
             <a:fld id="{7D8C2C35-2B8A-446E-BEC0-FD36716C29AC}" type="slidenum">
               <a:rPr lang="de-DE" smtClean="0"/>
               <a:pPr/>
-              <a:t>15</a:t>
+              <a:t>16</a:t>
             </a:fld>
             <a:endParaRPr lang="de-DE" dirty="0"/>
           </a:p>
@@ -1212,10 +1359,6 @@
           <a:bodyPr/>
           <a:lstStyle/>
           <a:p>
-            <a:r>
-              <a:rPr lang="en-CA" dirty="0"/>
-              <a:t>Just a quick introduction to our new QM process workflow</a:t>
-            </a:r>
             <a:endParaRPr lang="en-US" dirty="0"/>
           </a:p>
         </p:txBody>
@@ -1301,6 +1444,10 @@
           <a:bodyPr/>
           <a:lstStyle/>
           <a:p>
+            <a:r>
+              <a:rPr lang="en-US" altLang="zh-CN" dirty="0"/>
+              <a:t>combine</a:t>
+            </a:r>
             <a:endParaRPr lang="en-US" dirty="0"/>
           </a:p>
         </p:txBody>
@@ -1332,7 +1479,7 @@
     </p:spTree>
     <p:extLst>
       <p:ext uri="{BB962C8B-B14F-4D97-AF65-F5344CB8AC3E}">
-        <p14:creationId xmlns:p14="http://schemas.microsoft.com/office/powerpoint/2010/main" val="880562353"/>
+        <p14:creationId xmlns:p14="http://schemas.microsoft.com/office/powerpoint/2010/main" val="5316359"/>
       </p:ext>
     </p:extLst>
   </p:cSld>
@@ -1386,17 +1533,6 @@
           <a:bodyPr/>
           <a:lstStyle/>
           <a:p>
-            <a:r>
-              <a:rPr lang="zh-CN" altLang="en-US" dirty="0"/>
-              <a:t>采访中得知，目前为止有一些存在的工具</a:t>
-            </a:r>
-            <a:endParaRPr lang="en-CA" altLang="zh-CN" dirty="0"/>
-          </a:p>
-          <a:p>
-            <a:r>
-              <a:rPr lang="en-CA" dirty="0"/>
-              <a:t>According to my investigation, there are some existed tools. The first one is Workload Analyzer, another Java tool. So many engineers knew it was horrible</a:t>
-            </a:r>
             <a:endParaRPr lang="en-US" dirty="0"/>
           </a:p>
         </p:txBody>
@@ -1428,7 +1564,7 @@
     </p:spTree>
     <p:extLst>
       <p:ext uri="{BB962C8B-B14F-4D97-AF65-F5344CB8AC3E}">
-        <p14:creationId xmlns:p14="http://schemas.microsoft.com/office/powerpoint/2010/main" val="2911201441"/>
+        <p14:creationId xmlns:p14="http://schemas.microsoft.com/office/powerpoint/2010/main" val="880562353"/>
       </p:ext>
     </p:extLst>
   </p:cSld>
@@ -1483,9 +1619,17 @@
           <a:lstStyle/>
           <a:p>
             <a:r>
-              <a:rPr lang="en-US" dirty="0"/>
-              <a:t>So I developed the tool for the team which has multiple components, such as our team</a:t>
-            </a:r>
+              <a:rPr lang="zh-CN" altLang="en-US" dirty="0"/>
+              <a:t>采访中得知，目前为止有一些存在的工具</a:t>
+            </a:r>
+            <a:endParaRPr lang="en-CA" altLang="zh-CN" dirty="0"/>
+          </a:p>
+          <a:p>
+            <a:r>
+              <a:rPr lang="en-CA" dirty="0"/>
+              <a:t>According to my investigation, there are some existed tools. The first one is Workload Analyzer, another Java tool. So many engineers knew it was horrible</a:t>
+            </a:r>
+            <a:endParaRPr lang="en-US" dirty="0"/>
           </a:p>
         </p:txBody>
       </p:sp>
@@ -1516,7 +1660,7 @@
     </p:spTree>
     <p:extLst>
       <p:ext uri="{BB962C8B-B14F-4D97-AF65-F5344CB8AC3E}">
-        <p14:creationId xmlns:p14="http://schemas.microsoft.com/office/powerpoint/2010/main" val="1546739270"/>
+        <p14:creationId xmlns:p14="http://schemas.microsoft.com/office/powerpoint/2010/main" val="2911201441"/>
       </p:ext>
     </p:extLst>
   </p:cSld>
@@ -1572,7 +1716,7 @@
           <a:p>
             <a:r>
               <a:rPr lang="en-US" dirty="0"/>
-              <a:t>Then bring to the next chapter</a:t>
+              <a:t>So I developed the tool for the team which has multiple components, such as our team</a:t>
             </a:r>
           </a:p>
         </p:txBody>
@@ -1595,7 +1739,7 @@
             <a:fld id="{7D8C2C35-2B8A-446E-BEC0-FD36716C29AC}" type="slidenum">
               <a:rPr lang="de-DE" smtClean="0"/>
               <a:pPr/>
-              <a:t>11</a:t>
+              <a:t>10</a:t>
             </a:fld>
             <a:endParaRPr lang="de-DE" dirty="0"/>
           </a:p>
@@ -1604,7 +1748,7 @@
     </p:spTree>
     <p:extLst>
       <p:ext uri="{BB962C8B-B14F-4D97-AF65-F5344CB8AC3E}">
-        <p14:creationId xmlns:p14="http://schemas.microsoft.com/office/powerpoint/2010/main" val="1990883211"/>
+        <p14:creationId xmlns:p14="http://schemas.microsoft.com/office/powerpoint/2010/main" val="1546739270"/>
       </p:ext>
     </p:extLst>
   </p:cSld>
@@ -9259,6 +9403,266 @@
           <a:chExt cx="0" cy="0"/>
         </a:xfrm>
       </p:grpSpPr>
+      <p:sp>
+        <p:nvSpPr>
+          <p:cNvPr id="2" name="Title 1"/>
+          <p:cNvSpPr>
+            <a:spLocks noGrp="1"/>
+          </p:cNvSpPr>
+          <p:nvPr>
+            <p:ph type="ctrTitle"/>
+          </p:nvPr>
+        </p:nvSpPr>
+        <p:spPr>
+          <a:xfrm>
+            <a:off x="518514" y="931445"/>
+            <a:ext cx="11185200" cy="677108"/>
+          </a:xfrm>
+        </p:spPr>
+        <p:txBody>
+          <a:bodyPr/>
+          <a:lstStyle/>
+          <a:p>
+            <a:r>
+              <a:rPr lang="en-US" dirty="0"/>
+              <a:t>So it </a:t>
+            </a:r>
+            <a:r>
+              <a:rPr lang="en-US" dirty="0">
+                <a:solidFill>
+                  <a:schemeClr val="accent1"/>
+                </a:solidFill>
+              </a:rPr>
+              <a:t>comes…</a:t>
+            </a:r>
+          </a:p>
+        </p:txBody>
+      </p:sp>
+      <p:sp>
+        <p:nvSpPr>
+          <p:cNvPr id="3" name="Title 1">
+            <a:extLst>
+              <a:ext uri="{FF2B5EF4-FFF2-40B4-BE49-F238E27FC236}">
+                <a16:creationId xmlns:a16="http://schemas.microsoft.com/office/drawing/2014/main" id="{8C053B4F-04BF-409F-938A-9400CCE3EC21}"/>
+              </a:ext>
+            </a:extLst>
+          </p:cNvPr>
+          <p:cNvSpPr txBox="1">
+            <a:spLocks/>
+          </p:cNvSpPr>
+          <p:nvPr/>
+        </p:nvSpPr>
+        <p:spPr bwMode="gray">
+          <a:xfrm>
+            <a:off x="518514" y="4171838"/>
+            <a:ext cx="11185200" cy="677108"/>
+          </a:xfrm>
+          <a:prstGeom prst="rect">
+            <a:avLst/>
+          </a:prstGeom>
+        </p:spPr>
+        <p:txBody>
+          <a:bodyPr vert="horz" wrap="square" lIns="0" tIns="0" rIns="0" bIns="0" rtlCol="0" anchor="ctr" anchorCtr="0">
+            <a:noAutofit/>
+          </a:bodyPr>
+          <a:lstStyle>
+            <a:lvl1pPr algn="l" defTabSz="1088558" rtl="0" eaLnBrk="1" latinLnBrk="0" hangingPunct="1">
+              <a:spcBef>
+                <a:spcPct val="0"/>
+              </a:spcBef>
+              <a:buNone/>
+              <a:defRPr sz="4400" b="1" kern="1200" baseline="0">
+                <a:solidFill>
+                  <a:schemeClr val="tx1"/>
+                </a:solidFill>
+                <a:latin typeface="+mj-lt"/>
+                <a:ea typeface="+mj-ea"/>
+                <a:cs typeface="+mj-cs"/>
+              </a:defRPr>
+            </a:lvl1pPr>
+          </a:lstStyle>
+          <a:p>
+            <a:r>
+              <a:rPr lang="en-US" sz="6000" dirty="0"/>
+              <a:t>Demo</a:t>
+            </a:r>
+            <a:br>
+              <a:rPr lang="en-US" dirty="0"/>
+            </a:br>
+            <a:r>
+              <a:rPr lang="en-US" dirty="0">
+                <a:solidFill>
+                  <a:schemeClr val="accent1"/>
+                </a:solidFill>
+              </a:rPr>
+              <a:t>powered by HANA Cloud.</a:t>
+            </a:r>
+            <a:endParaRPr lang="en-US" dirty="0"/>
+          </a:p>
+        </p:txBody>
+      </p:sp>
+    </p:spTree>
+    <p:extLst>
+      <p:ext uri="{BB962C8B-B14F-4D97-AF65-F5344CB8AC3E}">
+        <p14:creationId xmlns:p14="http://schemas.microsoft.com/office/powerpoint/2010/main" val="3851045762"/>
+      </p:ext>
+    </p:extLst>
+  </p:cSld>
+  <p:clrMapOvr>
+    <a:masterClrMapping/>
+  </p:clrMapOvr>
+  <p:timing>
+    <p:tnLst>
+      <p:par>
+        <p:cTn id="1" dur="indefinite" restart="never" nodeType="tmRoot">
+          <p:childTnLst>
+            <p:seq concurrent="1" nextAc="seek">
+              <p:cTn id="2" dur="indefinite" nodeType="mainSeq">
+                <p:childTnLst>
+                  <p:par>
+                    <p:cTn id="3" fill="hold">
+                      <p:stCondLst>
+                        <p:cond delay="indefinite"/>
+                      </p:stCondLst>
+                      <p:childTnLst>
+                        <p:par>
+                          <p:cTn id="4" fill="hold">
+                            <p:stCondLst>
+                              <p:cond delay="0"/>
+                            </p:stCondLst>
+                            <p:childTnLst>
+                              <p:par>
+                                <p:cTn id="5" presetID="42" presetClass="entr" presetSubtype="0" fill="hold" grpId="0" nodeType="clickEffect">
+                                  <p:stCondLst>
+                                    <p:cond delay="0"/>
+                                  </p:stCondLst>
+                                  <p:childTnLst>
+                                    <p:set>
+                                      <p:cBhvr>
+                                        <p:cTn id="6" dur="1" fill="hold">
+                                          <p:stCondLst>
+                                            <p:cond delay="0"/>
+                                          </p:stCondLst>
+                                        </p:cTn>
+                                        <p:tgtEl>
+                                          <p:spTgt spid="3"/>
+                                        </p:tgtEl>
+                                        <p:attrNameLst>
+                                          <p:attrName>style.visibility</p:attrName>
+                                        </p:attrNameLst>
+                                      </p:cBhvr>
+                                      <p:to>
+                                        <p:strVal val="visible"/>
+                                      </p:to>
+                                    </p:set>
+                                    <p:animEffect transition="in" filter="fade">
+                                      <p:cBhvr>
+                                        <p:cTn id="7" dur="1000"/>
+                                        <p:tgtEl>
+                                          <p:spTgt spid="3"/>
+                                        </p:tgtEl>
+                                      </p:cBhvr>
+                                    </p:animEffect>
+                                    <p:anim calcmode="lin" valueType="num">
+                                      <p:cBhvr>
+                                        <p:cTn id="8" dur="1000" fill="hold"/>
+                                        <p:tgtEl>
+                                          <p:spTgt spid="3"/>
+                                        </p:tgtEl>
+                                        <p:attrNameLst>
+                                          <p:attrName>ppt_x</p:attrName>
+                                        </p:attrNameLst>
+                                      </p:cBhvr>
+                                      <p:tavLst>
+                                        <p:tav tm="0">
+                                          <p:val>
+                                            <p:strVal val="#ppt_x"/>
+                                          </p:val>
+                                        </p:tav>
+                                        <p:tav tm="100000">
+                                          <p:val>
+                                            <p:strVal val="#ppt_x"/>
+                                          </p:val>
+                                        </p:tav>
+                                      </p:tavLst>
+                                    </p:anim>
+                                    <p:anim calcmode="lin" valueType="num">
+                                      <p:cBhvr>
+                                        <p:cTn id="9" dur="1000" fill="hold"/>
+                                        <p:tgtEl>
+                                          <p:spTgt spid="3"/>
+                                        </p:tgtEl>
+                                        <p:attrNameLst>
+                                          <p:attrName>ppt_y</p:attrName>
+                                        </p:attrNameLst>
+                                      </p:cBhvr>
+                                      <p:tavLst>
+                                        <p:tav tm="0">
+                                          <p:val>
+                                            <p:strVal val="#ppt_y+.1"/>
+                                          </p:val>
+                                        </p:tav>
+                                        <p:tav tm="100000">
+                                          <p:val>
+                                            <p:strVal val="#ppt_y"/>
+                                          </p:val>
+                                        </p:tav>
+                                      </p:tavLst>
+                                    </p:anim>
+                                  </p:childTnLst>
+                                </p:cTn>
+                              </p:par>
+                            </p:childTnLst>
+                          </p:cTn>
+                        </p:par>
+                      </p:childTnLst>
+                    </p:cTn>
+                  </p:par>
+                </p:childTnLst>
+              </p:cTn>
+              <p:prevCondLst>
+                <p:cond evt="onPrev" delay="0">
+                  <p:tgtEl>
+                    <p:sldTgt/>
+                  </p:tgtEl>
+                </p:cond>
+              </p:prevCondLst>
+              <p:nextCondLst>
+                <p:cond evt="onNext" delay="0">
+                  <p:tgtEl>
+                    <p:sldTgt/>
+                  </p:tgtEl>
+                </p:cond>
+              </p:nextCondLst>
+            </p:seq>
+          </p:childTnLst>
+        </p:cTn>
+      </p:par>
+    </p:tnLst>
+    <p:bldLst>
+      <p:bldP spid="3" grpId="0"/>
+    </p:bldLst>
+  </p:timing>
+</p:sld>
+</file>
+
+<file path=ppt/slides/slide11.xml><?xml version="1.0" encoding="utf-8"?>
+<p:sld xmlns:a="http://schemas.openxmlformats.org/drawingml/2006/main" xmlns:r="http://schemas.openxmlformats.org/officeDocument/2006/relationships" xmlns:p="http://schemas.openxmlformats.org/presentationml/2006/main">
+  <p:cSld>
+    <p:spTree>
+      <p:nvGrpSpPr>
+        <p:cNvPr id="1" name=""/>
+        <p:cNvGrpSpPr/>
+        <p:nvPr/>
+      </p:nvGrpSpPr>
+      <p:grpSpPr>
+        <a:xfrm>
+          <a:off x="0" y="0"/>
+          <a:ext cx="0" cy="0"/>
+          <a:chOff x="0" y="0"/>
+          <a:chExt cx="0" cy="0"/>
+        </a:xfrm>
+      </p:grpSpPr>
     </p:spTree>
     <p:extLst>
       <p:ext uri="{BB962C8B-B14F-4D97-AF65-F5344CB8AC3E}">
@@ -9272,7 +9676,7 @@
 </p:sld>
 </file>
 
-<file path=ppt/slides/slide11.xml><?xml version="1.0" encoding="utf-8"?>
+<file path=ppt/slides/slide12.xml><?xml version="1.0" encoding="utf-8"?>
 <p:sld xmlns:a="http://schemas.openxmlformats.org/drawingml/2006/main" xmlns:r="http://schemas.openxmlformats.org/officeDocument/2006/relationships" xmlns:p="http://schemas.openxmlformats.org/presentationml/2006/main">
   <p:cSld>
     <p:spTree>
@@ -9352,7 +9756,7 @@
 </p:sld>
 </file>
 
-<file path=ppt/slides/slide12.xml><?xml version="1.0" encoding="utf-8"?>
+<file path=ppt/slides/slide13.xml><?xml version="1.0" encoding="utf-8"?>
 <p:sld xmlns:a="http://schemas.openxmlformats.org/drawingml/2006/main" xmlns:r="http://schemas.openxmlformats.org/officeDocument/2006/relationships" xmlns:p="http://schemas.openxmlformats.org/presentationml/2006/main">
   <p:cSld>
     <p:spTree>
@@ -9696,7 +10100,7 @@
 </p:sld>
 </file>
 
-<file path=ppt/slides/slide13.xml><?xml version="1.0" encoding="utf-8"?>
+<file path=ppt/slides/slide14.xml><?xml version="1.0" encoding="utf-8"?>
 <p:sld xmlns:a="http://schemas.openxmlformats.org/drawingml/2006/main" xmlns:r="http://schemas.openxmlformats.org/officeDocument/2006/relationships" xmlns:p="http://schemas.openxmlformats.org/presentationml/2006/main">
   <p:cSld>
     <p:spTree>
@@ -9825,7 +10229,7 @@
 </p:sld>
 </file>
 
-<file path=ppt/slides/slide14.xml><?xml version="1.0" encoding="utf-8"?>
+<file path=ppt/slides/slide15.xml><?xml version="1.0" encoding="utf-8"?>
 <p:sld xmlns:a="http://schemas.openxmlformats.org/drawingml/2006/main" xmlns:r="http://schemas.openxmlformats.org/officeDocument/2006/relationships" xmlns:p="http://schemas.openxmlformats.org/presentationml/2006/main">
   <p:cSld>
     <p:spTree>
@@ -9972,7 +10376,7 @@
 </p:sld>
 </file>
 
-<file path=ppt/slides/slide15.xml><?xml version="1.0" encoding="utf-8"?>
+<file path=ppt/slides/slide16.xml><?xml version="1.0" encoding="utf-8"?>
 <p:sld xmlns:a="http://schemas.openxmlformats.org/drawingml/2006/main" xmlns:r="http://schemas.openxmlformats.org/officeDocument/2006/relationships" xmlns:p="http://schemas.openxmlformats.org/presentationml/2006/main" show="0">
   <p:cSld>
     <p:spTree>
@@ -12665,7 +13069,7 @@
         <p:spPr bwMode="gray">
           <a:xfrm>
             <a:off x="2015412" y="3340359"/>
-            <a:ext cx="6718041" cy="3265714"/>
+            <a:ext cx="6718041" cy="3114870"/>
           </a:xfrm>
           <a:prstGeom prst="roundRect">
             <a:avLst/>
@@ -12788,7 +13192,7 @@
         <p:spPr>
           <a:xfrm>
             <a:off x="6783355" y="1698171"/>
-            <a:ext cx="4199868" cy="1077218"/>
+            <a:ext cx="4280018" cy="1077218"/>
           </a:xfrm>
           <a:prstGeom prst="rect">
             <a:avLst/>
@@ -12818,7 +13222,21 @@
                 <a:ea typeface="Arial Unicode MS" pitchFamily="34" charset="-128"/>
                 <a:cs typeface="Arial Unicode MS" pitchFamily="34" charset="-128"/>
               </a:rPr>
-              <a:t>Who is unavailable today?</a:t>
+              <a:t>Who is unavailable </a:t>
+            </a:r>
+            <a:r>
+              <a:rPr lang="en-US" sz="2800" b="1" kern="0" dirty="0">
+                <a:ea typeface="Arial Unicode MS" pitchFamily="34" charset="-128"/>
+                <a:cs typeface="Arial Unicode MS" pitchFamily="34" charset="-128"/>
+              </a:rPr>
+              <a:t>today</a:t>
+            </a:r>
+            <a:r>
+              <a:rPr lang="en-US" sz="2800" kern="0" dirty="0">
+                <a:ea typeface="Arial Unicode MS" pitchFamily="34" charset="-128"/>
+                <a:cs typeface="Arial Unicode MS" pitchFamily="34" charset="-128"/>
+              </a:rPr>
+              <a:t>?</a:t>
             </a:r>
           </a:p>
           <a:p>
@@ -13374,6 +13792,375 @@
       </p:grpSpPr>
       <p:sp>
         <p:nvSpPr>
+          <p:cNvPr id="4" name="Title 2">
+            <a:extLst>
+              <a:ext uri="{FF2B5EF4-FFF2-40B4-BE49-F238E27FC236}">
+                <a16:creationId xmlns:a16="http://schemas.microsoft.com/office/drawing/2014/main" id="{ACD0AEF6-4D47-4817-A82F-7EC1930AFD99}"/>
+              </a:ext>
+            </a:extLst>
+          </p:cNvPr>
+          <p:cNvSpPr txBox="1">
+            <a:spLocks/>
+          </p:cNvSpPr>
+          <p:nvPr/>
+        </p:nvSpPr>
+        <p:spPr bwMode="gray">
+          <a:xfrm>
+            <a:off x="656401" y="656400"/>
+            <a:ext cx="11186476" cy="369332"/>
+          </a:xfrm>
+          <a:prstGeom prst="rect">
+            <a:avLst/>
+          </a:prstGeom>
+        </p:spPr>
+        <p:txBody>
+          <a:bodyPr vert="horz" wrap="square" lIns="0" tIns="0" rIns="0" bIns="0" rtlCol="0" anchor="t" anchorCtr="0">
+            <a:spAutoFit/>
+          </a:bodyPr>
+          <a:lstStyle>
+            <a:lvl1pPr algn="l" defTabSz="1088558" rtl="0" eaLnBrk="1" latinLnBrk="0" hangingPunct="1">
+              <a:spcBef>
+                <a:spcPct val="0"/>
+              </a:spcBef>
+              <a:buNone/>
+              <a:defRPr sz="2400" b="1" kern="1200" baseline="0">
+                <a:solidFill>
+                  <a:schemeClr val="tx1"/>
+                </a:solidFill>
+                <a:latin typeface="+mj-lt"/>
+                <a:ea typeface="+mj-ea"/>
+                <a:cs typeface="+mj-cs"/>
+              </a:defRPr>
+            </a:lvl1pPr>
+          </a:lstStyle>
+          <a:p>
+            <a:r>
+              <a:rPr lang="en-US"/>
+              <a:t>For example…</a:t>
+            </a:r>
+            <a:endParaRPr lang="en-US" dirty="0"/>
+          </a:p>
+        </p:txBody>
+      </p:sp>
+      <p:pic>
+        <p:nvPicPr>
+          <p:cNvPr id="5" name="Picture 4">
+            <a:extLst>
+              <a:ext uri="{FF2B5EF4-FFF2-40B4-BE49-F238E27FC236}">
+                <a16:creationId xmlns:a16="http://schemas.microsoft.com/office/drawing/2014/main" id="{5DDA7812-6636-4E9F-9EAC-0D5F718B0CBB}"/>
+              </a:ext>
+            </a:extLst>
+          </p:cNvPr>
+          <p:cNvPicPr>
+            <a:picLocks noChangeAspect="1"/>
+          </p:cNvPicPr>
+          <p:nvPr/>
+        </p:nvPicPr>
+        <p:blipFill>
+          <a:blip r:embed="rId3"/>
+          <a:stretch>
+            <a:fillRect/>
+          </a:stretch>
+        </p:blipFill>
+        <p:spPr>
+          <a:xfrm>
+            <a:off x="656401" y="1583189"/>
+            <a:ext cx="3457575" cy="3648075"/>
+          </a:xfrm>
+          <a:prstGeom prst="rect">
+            <a:avLst/>
+          </a:prstGeom>
+        </p:spPr>
+      </p:pic>
+      <p:pic>
+        <p:nvPicPr>
+          <p:cNvPr id="6" name="Picture 5">
+            <a:extLst>
+              <a:ext uri="{FF2B5EF4-FFF2-40B4-BE49-F238E27FC236}">
+                <a16:creationId xmlns:a16="http://schemas.microsoft.com/office/drawing/2014/main" id="{FA4D38CF-DEED-4D09-BFB4-DEBD6882B189}"/>
+              </a:ext>
+            </a:extLst>
+          </p:cNvPr>
+          <p:cNvPicPr>
+            <a:picLocks noChangeAspect="1"/>
+          </p:cNvPicPr>
+          <p:nvPr/>
+        </p:nvPicPr>
+        <p:blipFill>
+          <a:blip r:embed="rId4"/>
+          <a:stretch>
+            <a:fillRect/>
+          </a:stretch>
+        </p:blipFill>
+        <p:spPr>
+          <a:xfrm>
+            <a:off x="4672919" y="1583189"/>
+            <a:ext cx="3371850" cy="3381375"/>
+          </a:xfrm>
+          <a:prstGeom prst="rect">
+            <a:avLst/>
+          </a:prstGeom>
+        </p:spPr>
+      </p:pic>
+      <p:sp>
+        <p:nvSpPr>
+          <p:cNvPr id="7" name="TextBox 6">
+            <a:extLst>
+              <a:ext uri="{FF2B5EF4-FFF2-40B4-BE49-F238E27FC236}">
+                <a16:creationId xmlns:a16="http://schemas.microsoft.com/office/drawing/2014/main" id="{C9B496C2-DA61-4250-B81C-DE20FBC53657}"/>
+              </a:ext>
+            </a:extLst>
+          </p:cNvPr>
+          <p:cNvSpPr txBox="1"/>
+          <p:nvPr/>
+        </p:nvSpPr>
+        <p:spPr>
+          <a:xfrm>
+            <a:off x="8603712" y="2976339"/>
+            <a:ext cx="3079369" cy="430887"/>
+          </a:xfrm>
+          <a:prstGeom prst="rect">
+            <a:avLst/>
+          </a:prstGeom>
+          <a:noFill/>
+        </p:spPr>
+        <p:txBody>
+          <a:bodyPr wrap="none" lIns="0" tIns="0" rIns="0" bIns="0" rtlCol="0">
+            <a:spAutoFit/>
+          </a:bodyPr>
+          <a:lstStyle/>
+          <a:p>
+            <a:pPr fontAlgn="base">
+              <a:spcBef>
+                <a:spcPct val="50000"/>
+              </a:spcBef>
+              <a:spcAft>
+                <a:spcPct val="0"/>
+              </a:spcAft>
+              <a:buClr>
+                <a:srgbClr val="F0AB00"/>
+              </a:buClr>
+              <a:buSzPct val="80000"/>
+            </a:pPr>
+            <a:r>
+              <a:rPr lang="en-US" sz="2800" kern="0" dirty="0">
+                <a:ea typeface="Arial Unicode MS" pitchFamily="34" charset="-128"/>
+                <a:cs typeface="Arial Unicode MS" pitchFamily="34" charset="-128"/>
+              </a:rPr>
+              <a:t>Check components</a:t>
+            </a:r>
+          </a:p>
+        </p:txBody>
+      </p:sp>
+      <mc:AlternateContent xmlns:mc="http://schemas.openxmlformats.org/markup-compatibility/2006">
+        <mc:Choice xmlns:p14="http://schemas.microsoft.com/office/powerpoint/2010/main" Requires="p14">
+          <p:contentPart p14:bwMode="auto" r:id="rId5">
+            <p14:nvContentPartPr>
+              <p14:cNvPr id="9" name="Ink 8">
+                <a:extLst>
+                  <a:ext uri="{FF2B5EF4-FFF2-40B4-BE49-F238E27FC236}">
+                    <a16:creationId xmlns:a16="http://schemas.microsoft.com/office/drawing/2014/main" id="{8835B25C-4EB0-400E-899F-63BB0CCE4216}"/>
+                  </a:ext>
+                </a:extLst>
+              </p14:cNvPr>
+              <p14:cNvContentPartPr/>
+              <p14:nvPr/>
+            </p14:nvContentPartPr>
+            <p14:xfrm>
+              <a:off x="4669855" y="2168417"/>
+              <a:ext cx="2789568" cy="85536"/>
+            </p14:xfrm>
+          </p:contentPart>
+        </mc:Choice>
+        <mc:Fallback>
+          <p:pic>
+            <p:nvPicPr>
+              <p:cNvPr id="9" name="Ink 8">
+                <a:extLst>
+                  <a:ext uri="{FF2B5EF4-FFF2-40B4-BE49-F238E27FC236}">
+                    <a16:creationId xmlns:a16="http://schemas.microsoft.com/office/drawing/2014/main" id="{8835B25C-4EB0-400E-899F-63BB0CCE4216}"/>
+                  </a:ext>
+                </a:extLst>
+              </p:cNvPr>
+              <p:cNvPicPr/>
+              <p:nvPr/>
+            </p:nvPicPr>
+            <p:blipFill>
+              <a:blip r:embed="rId6"/>
+              <a:stretch>
+                <a:fillRect/>
+              </a:stretch>
+            </p:blipFill>
+            <p:spPr>
+              <a:xfrm>
+                <a:off x="4641056" y="2110914"/>
+                <a:ext cx="2846807" cy="200183"/>
+              </a:xfrm>
+              <a:prstGeom prst="rect">
+                <a:avLst/>
+              </a:prstGeom>
+            </p:spPr>
+          </p:pic>
+        </mc:Fallback>
+      </mc:AlternateContent>
+      <mc:AlternateContent xmlns:mc="http://schemas.openxmlformats.org/markup-compatibility/2006">
+        <mc:Choice xmlns:p14="http://schemas.microsoft.com/office/powerpoint/2010/main" Requires="p14">
+          <p:contentPart p14:bwMode="auto" r:id="rId7">
+            <p14:nvContentPartPr>
+              <p14:cNvPr id="10" name="Ink 9">
+                <a:extLst>
+                  <a:ext uri="{FF2B5EF4-FFF2-40B4-BE49-F238E27FC236}">
+                    <a16:creationId xmlns:a16="http://schemas.microsoft.com/office/drawing/2014/main" id="{AB6752F7-300D-4299-AE54-5F33DC28257F}"/>
+                  </a:ext>
+                </a:extLst>
+              </p14:cNvPr>
+              <p14:cNvContentPartPr/>
+              <p14:nvPr/>
+            </p14:nvContentPartPr>
+            <p14:xfrm>
+              <a:off x="6607519" y="2633825"/>
+              <a:ext cx="482112" cy="78048"/>
+            </p14:xfrm>
+          </p:contentPart>
+        </mc:Choice>
+        <mc:Fallback>
+          <p:pic>
+            <p:nvPicPr>
+              <p:cNvPr id="10" name="Ink 9">
+                <a:extLst>
+                  <a:ext uri="{FF2B5EF4-FFF2-40B4-BE49-F238E27FC236}">
+                    <a16:creationId xmlns:a16="http://schemas.microsoft.com/office/drawing/2014/main" id="{AB6752F7-300D-4299-AE54-5F33DC28257F}"/>
+                  </a:ext>
+                </a:extLst>
+              </p:cNvPr>
+              <p:cNvPicPr/>
+              <p:nvPr/>
+            </p:nvPicPr>
+            <p:blipFill>
+              <a:blip r:embed="rId8"/>
+              <a:stretch>
+                <a:fillRect/>
+              </a:stretch>
+            </p:blipFill>
+            <p:spPr>
+              <a:xfrm>
+                <a:off x="6578715" y="2576278"/>
+                <a:ext cx="539361" cy="192782"/>
+              </a:xfrm>
+              <a:prstGeom prst="rect">
+                <a:avLst/>
+              </a:prstGeom>
+            </p:spPr>
+          </p:pic>
+        </mc:Fallback>
+      </mc:AlternateContent>
+    </p:spTree>
+    <p:extLst>
+      <p:ext uri="{BB962C8B-B14F-4D97-AF65-F5344CB8AC3E}">
+        <p14:creationId xmlns:p14="http://schemas.microsoft.com/office/powerpoint/2010/main" val="1333874690"/>
+      </p:ext>
+    </p:extLst>
+  </p:cSld>
+  <p:clrMapOvr>
+    <a:masterClrMapping/>
+  </p:clrMapOvr>
+  <p:timing>
+    <p:tnLst>
+      <p:par>
+        <p:cTn id="1" dur="indefinite" restart="never" nodeType="tmRoot">
+          <p:childTnLst>
+            <p:seq concurrent="1" nextAc="seek">
+              <p:cTn id="2" dur="indefinite" nodeType="mainSeq">
+                <p:childTnLst>
+                  <p:par>
+                    <p:cTn id="3" fill="hold">
+                      <p:stCondLst>
+                        <p:cond delay="indefinite"/>
+                      </p:stCondLst>
+                      <p:childTnLst>
+                        <p:par>
+                          <p:cTn id="4" fill="hold">
+                            <p:stCondLst>
+                              <p:cond delay="0"/>
+                            </p:stCondLst>
+                            <p:childTnLst>
+                              <p:par>
+                                <p:cTn id="5" presetID="1" presetClass="entr" presetSubtype="0" fill="hold" nodeType="clickEffect">
+                                  <p:stCondLst>
+                                    <p:cond delay="0"/>
+                                  </p:stCondLst>
+                                  <p:childTnLst>
+                                    <p:set>
+                                      <p:cBhvr>
+                                        <p:cTn id="6" dur="1" fill="hold">
+                                          <p:stCondLst>
+                                            <p:cond delay="0"/>
+                                          </p:stCondLst>
+                                        </p:cTn>
+                                        <p:tgtEl>
+                                          <p:spTgt spid="5"/>
+                                        </p:tgtEl>
+                                        <p:attrNameLst>
+                                          <p:attrName>style.visibility</p:attrName>
+                                        </p:attrNameLst>
+                                      </p:cBhvr>
+                                      <p:to>
+                                        <p:strVal val="visible"/>
+                                      </p:to>
+                                    </p:set>
+                                  </p:childTnLst>
+                                </p:cTn>
+                              </p:par>
+                            </p:childTnLst>
+                          </p:cTn>
+                        </p:par>
+                      </p:childTnLst>
+                    </p:cTn>
+                  </p:par>
+                </p:childTnLst>
+              </p:cTn>
+              <p:prevCondLst>
+                <p:cond evt="onPrev" delay="0">
+                  <p:tgtEl>
+                    <p:sldTgt/>
+                  </p:tgtEl>
+                </p:cond>
+              </p:prevCondLst>
+              <p:nextCondLst>
+                <p:cond evt="onNext" delay="0">
+                  <p:tgtEl>
+                    <p:sldTgt/>
+                  </p:tgtEl>
+                </p:cond>
+              </p:nextCondLst>
+            </p:seq>
+          </p:childTnLst>
+        </p:cTn>
+      </p:par>
+    </p:tnLst>
+  </p:timing>
+</p:sld>
+</file>
+
+<file path=ppt/slides/slide8.xml><?xml version="1.0" encoding="utf-8"?>
+<p:sld xmlns:a="http://schemas.openxmlformats.org/drawingml/2006/main" xmlns:r="http://schemas.openxmlformats.org/officeDocument/2006/relationships" xmlns:p="http://schemas.openxmlformats.org/presentationml/2006/main">
+  <p:cSld>
+    <p:spTree>
+      <p:nvGrpSpPr>
+        <p:cNvPr id="1" name=""/>
+        <p:cNvGrpSpPr/>
+        <p:nvPr/>
+      </p:nvGrpSpPr>
+      <p:grpSpPr>
+        <a:xfrm>
+          <a:off x="0" y="0"/>
+          <a:ext cx="0" cy="0"/>
+          <a:chOff x="0" y="0"/>
+          <a:chExt cx="0" cy="0"/>
+        </a:xfrm>
+      </p:grpSpPr>
+      <p:sp>
+        <p:nvSpPr>
           <p:cNvPr id="4" name="Title 3"/>
           <p:cNvSpPr>
             <a:spLocks noGrp="1"/>
@@ -13513,7 +14300,7 @@
 </p:sld>
 </file>
 
-<file path=ppt/slides/slide8.xml><?xml version="1.0" encoding="utf-8"?>
+<file path=ppt/slides/slide9.xml><?xml version="1.0" encoding="utf-8"?>
 <p:sld xmlns:a="http://schemas.openxmlformats.org/drawingml/2006/main" xmlns:r="http://schemas.openxmlformats.org/officeDocument/2006/relationships" xmlns:p="http://schemas.openxmlformats.org/presentationml/2006/main">
   <p:cSld>
     <p:spTree>
@@ -13967,266 +14754,6 @@
         </p:cTn>
       </p:par>
     </p:tnLst>
-  </p:timing>
-</p:sld>
-</file>
-
-<file path=ppt/slides/slide9.xml><?xml version="1.0" encoding="utf-8"?>
-<p:sld xmlns:a="http://schemas.openxmlformats.org/drawingml/2006/main" xmlns:r="http://schemas.openxmlformats.org/officeDocument/2006/relationships" xmlns:p="http://schemas.openxmlformats.org/presentationml/2006/main">
-  <p:cSld>
-    <p:spTree>
-      <p:nvGrpSpPr>
-        <p:cNvPr id="1" name=""/>
-        <p:cNvGrpSpPr/>
-        <p:nvPr/>
-      </p:nvGrpSpPr>
-      <p:grpSpPr>
-        <a:xfrm>
-          <a:off x="0" y="0"/>
-          <a:ext cx="0" cy="0"/>
-          <a:chOff x="0" y="0"/>
-          <a:chExt cx="0" cy="0"/>
-        </a:xfrm>
-      </p:grpSpPr>
-      <p:sp>
-        <p:nvSpPr>
-          <p:cNvPr id="2" name="Title 1"/>
-          <p:cNvSpPr>
-            <a:spLocks noGrp="1"/>
-          </p:cNvSpPr>
-          <p:nvPr>
-            <p:ph type="ctrTitle"/>
-          </p:nvPr>
-        </p:nvSpPr>
-        <p:spPr>
-          <a:xfrm>
-            <a:off x="518514" y="931445"/>
-            <a:ext cx="11185200" cy="677108"/>
-          </a:xfrm>
-        </p:spPr>
-        <p:txBody>
-          <a:bodyPr/>
-          <a:lstStyle/>
-          <a:p>
-            <a:r>
-              <a:rPr lang="en-US" dirty="0"/>
-              <a:t>So it </a:t>
-            </a:r>
-            <a:r>
-              <a:rPr lang="en-US" dirty="0">
-                <a:solidFill>
-                  <a:schemeClr val="accent1"/>
-                </a:solidFill>
-              </a:rPr>
-              <a:t>comes…</a:t>
-            </a:r>
-          </a:p>
-        </p:txBody>
-      </p:sp>
-      <p:sp>
-        <p:nvSpPr>
-          <p:cNvPr id="3" name="Title 1">
-            <a:extLst>
-              <a:ext uri="{FF2B5EF4-FFF2-40B4-BE49-F238E27FC236}">
-                <a16:creationId xmlns:a16="http://schemas.microsoft.com/office/drawing/2014/main" id="{8C053B4F-04BF-409F-938A-9400CCE3EC21}"/>
-              </a:ext>
-            </a:extLst>
-          </p:cNvPr>
-          <p:cNvSpPr txBox="1">
-            <a:spLocks/>
-          </p:cNvSpPr>
-          <p:nvPr/>
-        </p:nvSpPr>
-        <p:spPr bwMode="gray">
-          <a:xfrm>
-            <a:off x="518514" y="4171838"/>
-            <a:ext cx="11185200" cy="677108"/>
-          </a:xfrm>
-          <a:prstGeom prst="rect">
-            <a:avLst/>
-          </a:prstGeom>
-        </p:spPr>
-        <p:txBody>
-          <a:bodyPr vert="horz" wrap="square" lIns="0" tIns="0" rIns="0" bIns="0" rtlCol="0" anchor="ctr" anchorCtr="0">
-            <a:noAutofit/>
-          </a:bodyPr>
-          <a:lstStyle>
-            <a:lvl1pPr algn="l" defTabSz="1088558" rtl="0" eaLnBrk="1" latinLnBrk="0" hangingPunct="1">
-              <a:spcBef>
-                <a:spcPct val="0"/>
-              </a:spcBef>
-              <a:buNone/>
-              <a:defRPr sz="4400" b="1" kern="1200" baseline="0">
-                <a:solidFill>
-                  <a:schemeClr val="tx1"/>
-                </a:solidFill>
-                <a:latin typeface="+mj-lt"/>
-                <a:ea typeface="+mj-ea"/>
-                <a:cs typeface="+mj-cs"/>
-              </a:defRPr>
-            </a:lvl1pPr>
-          </a:lstStyle>
-          <a:p>
-            <a:r>
-              <a:rPr lang="en-US" sz="6000" dirty="0"/>
-              <a:t>Demo</a:t>
-            </a:r>
-            <a:br>
-              <a:rPr lang="en-US" dirty="0"/>
-            </a:br>
-            <a:r>
-              <a:rPr lang="en-US" dirty="0">
-                <a:solidFill>
-                  <a:schemeClr val="accent1"/>
-                </a:solidFill>
-              </a:rPr>
-              <a:t>powered by HANA Cloud.</a:t>
-            </a:r>
-            <a:endParaRPr lang="en-US" dirty="0"/>
-          </a:p>
-        </p:txBody>
-      </p:sp>
-    </p:spTree>
-    <p:extLst>
-      <p:ext uri="{BB962C8B-B14F-4D97-AF65-F5344CB8AC3E}">
-        <p14:creationId xmlns:p14="http://schemas.microsoft.com/office/powerpoint/2010/main" val="3851045762"/>
-      </p:ext>
-    </p:extLst>
-  </p:cSld>
-  <p:clrMapOvr>
-    <a:masterClrMapping/>
-  </p:clrMapOvr>
-  <p:timing>
-    <p:tnLst>
-      <p:par>
-        <p:cTn id="1" dur="indefinite" restart="never" nodeType="tmRoot">
-          <p:childTnLst>
-            <p:seq concurrent="1" nextAc="seek">
-              <p:cTn id="2" dur="indefinite" nodeType="mainSeq">
-                <p:childTnLst>
-                  <p:par>
-                    <p:cTn id="3" fill="hold">
-                      <p:stCondLst>
-                        <p:cond delay="indefinite"/>
-                      </p:stCondLst>
-                      <p:childTnLst>
-                        <p:par>
-                          <p:cTn id="4" fill="hold">
-                            <p:stCondLst>
-                              <p:cond delay="0"/>
-                            </p:stCondLst>
-                            <p:childTnLst>
-                              <p:par>
-                                <p:cTn id="5" presetID="42" presetClass="entr" presetSubtype="0" fill="hold" grpId="0" nodeType="clickEffect">
-                                  <p:stCondLst>
-                                    <p:cond delay="0"/>
-                                  </p:stCondLst>
-                                  <p:childTnLst>
-                                    <p:set>
-                                      <p:cBhvr>
-                                        <p:cTn id="6" dur="1" fill="hold">
-                                          <p:stCondLst>
-                                            <p:cond delay="0"/>
-                                          </p:stCondLst>
-                                        </p:cTn>
-                                        <p:tgtEl>
-                                          <p:spTgt spid="3"/>
-                                        </p:tgtEl>
-                                        <p:attrNameLst>
-                                          <p:attrName>style.visibility</p:attrName>
-                                        </p:attrNameLst>
-                                      </p:cBhvr>
-                                      <p:to>
-                                        <p:strVal val="visible"/>
-                                      </p:to>
-                                    </p:set>
-                                    <p:animEffect transition="in" filter="fade">
-                                      <p:cBhvr>
-                                        <p:cTn id="7" dur="1000"/>
-                                        <p:tgtEl>
-                                          <p:spTgt spid="3"/>
-                                        </p:tgtEl>
-                                      </p:cBhvr>
-                                    </p:animEffect>
-                                    <p:anim calcmode="lin" valueType="num">
-                                      <p:cBhvr>
-                                        <p:cTn id="8" dur="1000" fill="hold"/>
-                                        <p:tgtEl>
-                                          <p:spTgt spid="3"/>
-                                        </p:tgtEl>
-                                        <p:attrNameLst>
-                                          <p:attrName>ppt_x</p:attrName>
-                                        </p:attrNameLst>
-                                      </p:cBhvr>
-                                      <p:tavLst>
-                                        <p:tav tm="0">
-                                          <p:val>
-                                            <p:strVal val="#ppt_x"/>
-                                          </p:val>
-                                        </p:tav>
-                                        <p:tav tm="100000">
-                                          <p:val>
-                                            <p:strVal val="#ppt_x"/>
-                                          </p:val>
-                                        </p:tav>
-                                      </p:tavLst>
-                                    </p:anim>
-                                    <p:anim calcmode="lin" valueType="num">
-                                      <p:cBhvr>
-                                        <p:cTn id="9" dur="1000" fill="hold"/>
-                                        <p:tgtEl>
-                                          <p:spTgt spid="3"/>
-                                        </p:tgtEl>
-                                        <p:attrNameLst>
-                                          <p:attrName>ppt_y</p:attrName>
-                                        </p:attrNameLst>
-                                      </p:cBhvr>
-                                      <p:tavLst>
-                                        <p:tav tm="0">
-                                          <p:val>
-                                            <p:strVal val="#ppt_y+.1"/>
-                                          </p:val>
-                                        </p:tav>
-                                        <p:tav tm="100000">
-                                          <p:val>
-                                            <p:strVal val="#ppt_y"/>
-                                          </p:val>
-                                        </p:tav>
-                                      </p:tavLst>
-                                    </p:anim>
-                                  </p:childTnLst>
-                                </p:cTn>
-                              </p:par>
-                            </p:childTnLst>
-                          </p:cTn>
-                        </p:par>
-                      </p:childTnLst>
-                    </p:cTn>
-                  </p:par>
-                </p:childTnLst>
-              </p:cTn>
-              <p:prevCondLst>
-                <p:cond evt="onPrev" delay="0">
-                  <p:tgtEl>
-                    <p:sldTgt/>
-                  </p:tgtEl>
-                </p:cond>
-              </p:prevCondLst>
-              <p:nextCondLst>
-                <p:cond evt="onNext" delay="0">
-                  <p:tgtEl>
-                    <p:sldTgt/>
-                  </p:tgtEl>
-                </p:cond>
-              </p:nextCondLst>
-            </p:seq>
-          </p:childTnLst>
-        </p:cTn>
-      </p:par>
-    </p:tnLst>
-    <p:bldLst>
-      <p:bldP spid="3" grpId="0"/>
-    </p:bldLst>
   </p:timing>
 </p:sld>
 </file>
